--- a/Präsentation/Blockchain – Technologie.pptx
+++ b/Präsentation/Blockchain – Technologie.pptx
@@ -5,11 +5,16 @@
     <p:sldMasterId id="2147483660" r:id="rId1"/>
   </p:sldMasterIdLst>
   <p:notesMasterIdLst>
-    <p:notesMasterId r:id="rId4"/>
+    <p:notesMasterId r:id="rId9"/>
   </p:notesMasterIdLst>
   <p:sldIdLst>
-    <p:sldId id="256" r:id="rId2"/>
-    <p:sldId id="258" r:id="rId3"/>
+    <p:sldId id="264" r:id="rId2"/>
+    <p:sldId id="265" r:id="rId3"/>
+    <p:sldId id="260" r:id="rId4"/>
+    <p:sldId id="262" r:id="rId5"/>
+    <p:sldId id="263" r:id="rId6"/>
+    <p:sldId id="259" r:id="rId7"/>
+    <p:sldId id="261" r:id="rId8"/>
   </p:sldIdLst>
   <p:sldSz cx="11520488" cy="6480175"/>
   <p:notesSz cx="6858000" cy="9144000"/>
@@ -113,8 +118,24 @@
       <p14:sectionLst xmlns:p14="http://schemas.microsoft.com/office/powerpoint/2010/main">
         <p14:section name="Intro" id="{07DB66F4-3E08-4D4A-8F4E-49C1CA0B30AD}">
           <p14:sldIdLst>
-            <p14:sldId id="256"/>
-            <p14:sldId id="258"/>
+            <p14:sldId id="264"/>
+            <p14:sldId id="265"/>
+          </p14:sldIdLst>
+        </p14:section>
+        <p14:section name="Verfahren" id="{86735F51-711E-410D-957D-ACA3CB444497}">
+          <p14:sldIdLst>
+            <p14:sldId id="260"/>
+            <p14:sldId id="262"/>
+            <p14:sldId id="263"/>
+          </p14:sldIdLst>
+        </p14:section>
+        <p14:section name="Kryptowährungen" id="{30871D5C-98A7-4DA8-84E8-10916C60F5DF}">
+          <p14:sldIdLst/>
+        </p14:section>
+        <p14:section name="Appendix" id="{1B805BD3-6546-4300-9470-4DE86568BAB3}">
+          <p14:sldIdLst>
+            <p14:sldId id="259"/>
+            <p14:sldId id="261"/>
           </p14:sldIdLst>
         </p14:section>
       </p14:sectionLst>
@@ -135,6 +156,10 @@
     </p:ext>
   </p:extLst>
 </p:presentation>
+</file>
+
+<file path=ppt/revisionInfo.xml><?xml version="1.0" encoding="utf-8"?>
+<p1510:revInfo xmlns:a="http://schemas.openxmlformats.org/drawingml/2006/main" xmlns:r="http://schemas.openxmlformats.org/officeDocument/2006/relationships" xmlns:p1510="http://schemas.microsoft.com/office/powerpoint/2015/10/main"/>
 </file>
 
 <file path=ppt/notesMasters/notesMaster1.xml><?xml version="1.0" encoding="utf-8"?>
@@ -515,8 +540,8 @@
         </p:nvSpPr>
         <p:spPr>
           <a:xfrm>
-            <a:off x="1440061" y="1060529"/>
-            <a:ext cx="8640366" cy="2256061"/>
+            <a:off x="1440061" y="1080000"/>
+            <a:ext cx="8640366" cy="2160000"/>
           </a:xfrm>
         </p:spPr>
         <p:txBody>
@@ -547,8 +572,8 @@
         </p:nvSpPr>
         <p:spPr>
           <a:xfrm>
-            <a:off x="1440061" y="3403592"/>
-            <a:ext cx="8640366" cy="1564542"/>
+            <a:off x="1440061" y="3420000"/>
+            <a:ext cx="8640366" cy="1440000"/>
           </a:xfrm>
         </p:spPr>
         <p:txBody>
@@ -845,10 +870,10 @@
       </p:sp>
       <p:sp>
         <p:nvSpPr>
-          <p:cNvPr id="7" name="Textplatzhalter 7">
+          <p:cNvPr id="8" name="Textplatzhalter 7">
             <a:extLst>
               <a:ext uri="{FF2B5EF4-FFF2-40B4-BE49-F238E27FC236}">
-                <a16:creationId xmlns:a16="http://schemas.microsoft.com/office/drawing/2014/main" id="{3A2AFEEF-5778-4C4D-BE83-A0CC35774D0C}"/>
+                <a16:creationId xmlns:a16="http://schemas.microsoft.com/office/drawing/2014/main" id="{6EF49B46-1CFB-4DB4-AF63-CA16BB4E1428}"/>
               </a:ext>
             </a:extLst>
           </p:cNvPr>
@@ -861,8 +886,8 @@
         </p:nvSpPr>
         <p:spPr>
           <a:xfrm>
-            <a:off x="1440000" y="5939999"/>
-            <a:ext cx="6480000" cy="360000"/>
+            <a:off x="360000" y="180000"/>
+            <a:ext cx="10800000" cy="360000"/>
           </a:xfrm>
         </p:spPr>
         <p:txBody>
@@ -1074,56 +1099,6 @@
               <a:t>‹Nr.›</a:t>
             </a:fld>
             <a:endParaRPr lang="de-DE"/>
-          </a:p>
-        </p:txBody>
-      </p:sp>
-      <p:sp>
-        <p:nvSpPr>
-          <p:cNvPr id="7" name="Textplatzhalter 7">
-            <a:extLst>
-              <a:ext uri="{FF2B5EF4-FFF2-40B4-BE49-F238E27FC236}">
-                <a16:creationId xmlns:a16="http://schemas.microsoft.com/office/drawing/2014/main" id="{58013D6B-0FCD-43DC-B66C-E44CAAFA7EBD}"/>
-              </a:ext>
-            </a:extLst>
-          </p:cNvPr>
-          <p:cNvSpPr>
-            <a:spLocks noGrp="1"/>
-          </p:cNvSpPr>
-          <p:nvPr>
-            <p:ph type="body" sz="quarter" idx="13" hasCustomPrompt="1"/>
-          </p:nvPr>
-        </p:nvSpPr>
-        <p:spPr>
-          <a:xfrm>
-            <a:off x="1440000" y="5939999"/>
-            <a:ext cx="6480000" cy="360000"/>
-          </a:xfrm>
-        </p:spPr>
-        <p:txBody>
-          <a:bodyPr tIns="0" bIns="0" anchor="ctr">
-            <a:normAutofit/>
-          </a:bodyPr>
-          <a:lstStyle>
-            <a:lvl1pPr marL="0" indent="0">
-              <a:buNone/>
-              <a:defRPr lang="de-DE" sz="1600" kern="1200" dirty="0">
-                <a:solidFill>
-                  <a:schemeClr val="tx1">
-                    <a:tint val="75000"/>
-                  </a:schemeClr>
-                </a:solidFill>
-                <a:latin typeface="+mn-lt"/>
-                <a:ea typeface="+mn-ea"/>
-                <a:cs typeface="+mn-cs"/>
-              </a:defRPr>
-            </a:lvl1pPr>
-          </a:lstStyle>
-          <a:p>
-            <a:pPr lvl="0"/>
-            <a:r>
-              <a:rPr lang="de-DE" dirty="0"/>
-              <a:t>●Titel ● Kapitel ● Unterkapitel</a:t>
-            </a:r>
           </a:p>
         </p:txBody>
       </p:sp>
@@ -1197,7 +1172,12 @@
             <p:ph type="title"/>
           </p:nvPr>
         </p:nvSpPr>
-        <p:spPr/>
+        <p:spPr>
+          <a:xfrm>
+            <a:off x="360000" y="540000"/>
+            <a:ext cx="10800000" cy="900000"/>
+          </a:xfrm>
+        </p:spPr>
         <p:txBody>
           <a:bodyPr/>
           <a:lstStyle/>
@@ -1349,8 +1329,8 @@
         </p:nvSpPr>
         <p:spPr>
           <a:xfrm>
-            <a:off x="1440000" y="5939999"/>
-            <a:ext cx="6480000" cy="360000"/>
+            <a:off x="360000" y="180000"/>
+            <a:ext cx="10800000" cy="360000"/>
           </a:xfrm>
         </p:spPr>
         <p:txBody>
@@ -1423,8 +1403,8 @@
         </p:nvSpPr>
         <p:spPr>
           <a:xfrm>
-            <a:off x="786033" y="1615545"/>
-            <a:ext cx="9936421" cy="2695572"/>
+            <a:off x="360000" y="1440000"/>
+            <a:ext cx="10800000" cy="2700000"/>
           </a:xfrm>
         </p:spPr>
         <p:txBody>
@@ -1455,8 +1435,8 @@
         </p:nvSpPr>
         <p:spPr>
           <a:xfrm>
-            <a:off x="786033" y="4336618"/>
-            <a:ext cx="9936421" cy="1417538"/>
+            <a:off x="360000" y="4140000"/>
+            <a:ext cx="10800000" cy="1440000"/>
           </a:xfrm>
         </p:spPr>
         <p:txBody>
@@ -1696,8 +1676,8 @@
         </p:nvSpPr>
         <p:spPr>
           <a:xfrm>
-            <a:off x="792034" y="1725046"/>
-            <a:ext cx="4896207" cy="4111612"/>
+            <a:off x="360000" y="1620000"/>
+            <a:ext cx="5220000" cy="4140000"/>
           </a:xfrm>
         </p:spPr>
         <p:txBody>
@@ -1753,8 +1733,8 @@
         </p:nvSpPr>
         <p:spPr>
           <a:xfrm>
-            <a:off x="5832247" y="1725046"/>
-            <a:ext cx="4896207" cy="4111612"/>
+            <a:off x="5940000" y="1620000"/>
+            <a:ext cx="5220000" cy="4140000"/>
           </a:xfrm>
         </p:spPr>
         <p:txBody>
@@ -1869,10 +1849,10 @@
       </p:sp>
       <p:sp>
         <p:nvSpPr>
-          <p:cNvPr id="9" name="Textplatzhalter 7">
+          <p:cNvPr id="10" name="Textplatzhalter 7">
             <a:extLst>
               <a:ext uri="{FF2B5EF4-FFF2-40B4-BE49-F238E27FC236}">
-                <a16:creationId xmlns:a16="http://schemas.microsoft.com/office/drawing/2014/main" id="{C22B6DA8-BF7F-43A3-B0F6-B7F238DE3E24}"/>
+                <a16:creationId xmlns:a16="http://schemas.microsoft.com/office/drawing/2014/main" id="{9A9B52BB-53A9-4D49-9556-AC46294E03F1}"/>
               </a:ext>
             </a:extLst>
           </p:cNvPr>
@@ -1880,13 +1860,13 @@
             <a:spLocks noGrp="1"/>
           </p:cNvSpPr>
           <p:nvPr>
-            <p:ph type="body" sz="quarter" idx="13" hasCustomPrompt="1"/>
+            <p:ph type="body" sz="quarter" idx="14" hasCustomPrompt="1"/>
           </p:nvPr>
         </p:nvSpPr>
         <p:spPr>
           <a:xfrm>
-            <a:off x="1440000" y="5939999"/>
-            <a:ext cx="6480000" cy="360000"/>
+            <a:off x="360000" y="180000"/>
+            <a:ext cx="10800000" cy="360000"/>
           </a:xfrm>
         </p:spPr>
         <p:txBody>
@@ -1959,8 +1939,8 @@
         </p:nvSpPr>
         <p:spPr>
           <a:xfrm>
-            <a:off x="793534" y="345010"/>
-            <a:ext cx="9936421" cy="1252534"/>
+            <a:off x="360000" y="540000"/>
+            <a:ext cx="10800000" cy="900000"/>
           </a:xfrm>
         </p:spPr>
         <p:txBody>
@@ -1987,8 +1967,8 @@
         </p:nvSpPr>
         <p:spPr>
           <a:xfrm>
-            <a:off x="793535" y="1588543"/>
-            <a:ext cx="4873706" cy="778521"/>
+            <a:off x="360000" y="1620000"/>
+            <a:ext cx="5220000" cy="720000"/>
           </a:xfrm>
         </p:spPr>
         <p:txBody>
@@ -2052,8 +2032,8 @@
         </p:nvSpPr>
         <p:spPr>
           <a:xfrm>
-            <a:off x="793535" y="2367064"/>
-            <a:ext cx="4873706" cy="3481594"/>
+            <a:off x="360000" y="2340000"/>
+            <a:ext cx="5220000" cy="3420000"/>
           </a:xfrm>
         </p:spPr>
         <p:txBody>
@@ -2109,8 +2089,8 @@
         </p:nvSpPr>
         <p:spPr>
           <a:xfrm>
-            <a:off x="5832247" y="1588543"/>
-            <a:ext cx="4897708" cy="778521"/>
+            <a:off x="5940000" y="1588543"/>
+            <a:ext cx="5220000" cy="720000"/>
           </a:xfrm>
         </p:spPr>
         <p:txBody>
@@ -2174,8 +2154,8 @@
         </p:nvSpPr>
         <p:spPr>
           <a:xfrm>
-            <a:off x="5832247" y="2367064"/>
-            <a:ext cx="4897708" cy="3481594"/>
+            <a:off x="5940000" y="2340000"/>
+            <a:ext cx="5220000" cy="3420000"/>
           </a:xfrm>
         </p:spPr>
         <p:txBody>
@@ -2290,10 +2270,10 @@
       </p:sp>
       <p:sp>
         <p:nvSpPr>
-          <p:cNvPr id="11" name="Textplatzhalter 7">
+          <p:cNvPr id="12" name="Textplatzhalter 7">
             <a:extLst>
               <a:ext uri="{FF2B5EF4-FFF2-40B4-BE49-F238E27FC236}">
-                <a16:creationId xmlns:a16="http://schemas.microsoft.com/office/drawing/2014/main" id="{5BD6D3CC-5CC9-4753-BAD3-48E5E91632D2}"/>
+                <a16:creationId xmlns:a16="http://schemas.microsoft.com/office/drawing/2014/main" id="{F756B043-D834-4673-B1E5-B081B8D427D6}"/>
               </a:ext>
             </a:extLst>
           </p:cNvPr>
@@ -2301,13 +2281,13 @@
             <a:spLocks noGrp="1"/>
           </p:cNvSpPr>
           <p:nvPr>
-            <p:ph type="body" sz="quarter" idx="13" hasCustomPrompt="1"/>
+            <p:ph type="body" sz="quarter" idx="14" hasCustomPrompt="1"/>
           </p:nvPr>
         </p:nvSpPr>
         <p:spPr>
           <a:xfrm>
-            <a:off x="1440000" y="5939999"/>
-            <a:ext cx="6480000" cy="360000"/>
+            <a:off x="360000" y="180000"/>
+            <a:ext cx="10800000" cy="360000"/>
           </a:xfrm>
         </p:spPr>
         <p:txBody>
@@ -2462,10 +2442,10 @@
       </p:sp>
       <p:sp>
         <p:nvSpPr>
-          <p:cNvPr id="7" name="Textplatzhalter 7">
+          <p:cNvPr id="8" name="Textplatzhalter 7">
             <a:extLst>
               <a:ext uri="{FF2B5EF4-FFF2-40B4-BE49-F238E27FC236}">
-                <a16:creationId xmlns:a16="http://schemas.microsoft.com/office/drawing/2014/main" id="{1AC76C86-FB2D-430C-A06F-49476824AE5A}"/>
+                <a16:creationId xmlns:a16="http://schemas.microsoft.com/office/drawing/2014/main" id="{C2D608BC-01A8-4283-8CA6-844350C2A45F}"/>
               </a:ext>
             </a:extLst>
           </p:cNvPr>
@@ -2473,13 +2453,13 @@
             <a:spLocks noGrp="1"/>
           </p:cNvSpPr>
           <p:nvPr>
-            <p:ph type="body" sz="quarter" idx="13" hasCustomPrompt="1"/>
+            <p:ph type="body" sz="quarter" idx="14" hasCustomPrompt="1"/>
           </p:nvPr>
         </p:nvSpPr>
         <p:spPr>
           <a:xfrm>
-            <a:off x="1440000" y="5939999"/>
-            <a:ext cx="6480000" cy="360000"/>
+            <a:off x="360000" y="180000"/>
+            <a:ext cx="10800000" cy="360000"/>
           </a:xfrm>
         </p:spPr>
         <p:txBody>
@@ -2609,56 +2589,6 @@
           </a:p>
         </p:txBody>
       </p:sp>
-      <p:sp>
-        <p:nvSpPr>
-          <p:cNvPr id="5" name="Textplatzhalter 7">
-            <a:extLst>
-              <a:ext uri="{FF2B5EF4-FFF2-40B4-BE49-F238E27FC236}">
-                <a16:creationId xmlns:a16="http://schemas.microsoft.com/office/drawing/2014/main" id="{BB7F2A1B-8711-42CB-ADE0-19FD2A816B63}"/>
-              </a:ext>
-            </a:extLst>
-          </p:cNvPr>
-          <p:cNvSpPr>
-            <a:spLocks noGrp="1"/>
-          </p:cNvSpPr>
-          <p:nvPr>
-            <p:ph type="body" sz="quarter" idx="13" hasCustomPrompt="1"/>
-          </p:nvPr>
-        </p:nvSpPr>
-        <p:spPr>
-          <a:xfrm>
-            <a:off x="1440000" y="5939999"/>
-            <a:ext cx="6480000" cy="360000"/>
-          </a:xfrm>
-        </p:spPr>
-        <p:txBody>
-          <a:bodyPr tIns="0" bIns="0" anchor="ctr">
-            <a:normAutofit/>
-          </a:bodyPr>
-          <a:lstStyle>
-            <a:lvl1pPr marL="0" indent="0">
-              <a:buNone/>
-              <a:defRPr lang="de-DE" sz="1600" kern="1200" dirty="0">
-                <a:solidFill>
-                  <a:schemeClr val="tx1">
-                    <a:tint val="75000"/>
-                  </a:schemeClr>
-                </a:solidFill>
-                <a:latin typeface="+mn-lt"/>
-                <a:ea typeface="+mn-ea"/>
-                <a:cs typeface="+mn-cs"/>
-              </a:defRPr>
-            </a:lvl1pPr>
-          </a:lstStyle>
-          <a:p>
-            <a:pPr lvl="0"/>
-            <a:r>
-              <a:rPr lang="de-DE" dirty="0"/>
-              <a:t>●Titel ● Kapitel ● Unterkapitel</a:t>
-            </a:r>
-          </a:p>
-        </p:txBody>
-      </p:sp>
     </p:spTree>
     <p:extLst>
       <p:ext uri="{BB962C8B-B14F-4D97-AF65-F5344CB8AC3E}">
@@ -2940,56 +2870,6 @@
           </a:p>
         </p:txBody>
       </p:sp>
-      <p:sp>
-        <p:nvSpPr>
-          <p:cNvPr id="8" name="Textplatzhalter 7">
-            <a:extLst>
-              <a:ext uri="{FF2B5EF4-FFF2-40B4-BE49-F238E27FC236}">
-                <a16:creationId xmlns:a16="http://schemas.microsoft.com/office/drawing/2014/main" id="{279D5EC7-55D2-40E8-9E53-849431A0961A}"/>
-              </a:ext>
-            </a:extLst>
-          </p:cNvPr>
-          <p:cNvSpPr>
-            <a:spLocks noGrp="1"/>
-          </p:cNvSpPr>
-          <p:nvPr>
-            <p:ph type="body" sz="quarter" idx="13" hasCustomPrompt="1"/>
-          </p:nvPr>
-        </p:nvSpPr>
-        <p:spPr>
-          <a:xfrm>
-            <a:off x="1440000" y="5939999"/>
-            <a:ext cx="6480000" cy="360000"/>
-          </a:xfrm>
-        </p:spPr>
-        <p:txBody>
-          <a:bodyPr tIns="0" bIns="0" anchor="ctr">
-            <a:normAutofit/>
-          </a:bodyPr>
-          <a:lstStyle>
-            <a:lvl1pPr marL="0" indent="0">
-              <a:buNone/>
-              <a:defRPr lang="de-DE" sz="1600" kern="1200" dirty="0">
-                <a:solidFill>
-                  <a:schemeClr val="tx1">
-                    <a:tint val="75000"/>
-                  </a:schemeClr>
-                </a:solidFill>
-                <a:latin typeface="+mn-lt"/>
-                <a:ea typeface="+mn-ea"/>
-                <a:cs typeface="+mn-cs"/>
-              </a:defRPr>
-            </a:lvl1pPr>
-          </a:lstStyle>
-          <a:p>
-            <a:pPr lvl="0"/>
-            <a:r>
-              <a:rPr lang="de-DE" dirty="0"/>
-              <a:t>●Titel ● Kapitel ● Unterkapitel</a:t>
-            </a:r>
-          </a:p>
-        </p:txBody>
-      </p:sp>
     </p:spTree>
     <p:extLst>
       <p:ext uri="{BB962C8B-B14F-4D97-AF65-F5344CB8AC3E}">
@@ -3248,56 +3128,6 @@
               <a:t>‹Nr.›</a:t>
             </a:fld>
             <a:endParaRPr lang="de-DE"/>
-          </a:p>
-        </p:txBody>
-      </p:sp>
-      <p:sp>
-        <p:nvSpPr>
-          <p:cNvPr id="8" name="Textplatzhalter 7">
-            <a:extLst>
-              <a:ext uri="{FF2B5EF4-FFF2-40B4-BE49-F238E27FC236}">
-                <a16:creationId xmlns:a16="http://schemas.microsoft.com/office/drawing/2014/main" id="{45587A9D-C924-4899-8389-B2619851B54F}"/>
-              </a:ext>
-            </a:extLst>
-          </p:cNvPr>
-          <p:cNvSpPr>
-            <a:spLocks noGrp="1"/>
-          </p:cNvSpPr>
-          <p:nvPr>
-            <p:ph type="body" sz="quarter" idx="13" hasCustomPrompt="1"/>
-          </p:nvPr>
-        </p:nvSpPr>
-        <p:spPr>
-          <a:xfrm>
-            <a:off x="1440000" y="5939999"/>
-            <a:ext cx="6480000" cy="360000"/>
-          </a:xfrm>
-        </p:spPr>
-        <p:txBody>
-          <a:bodyPr tIns="0" bIns="0" anchor="ctr">
-            <a:normAutofit/>
-          </a:bodyPr>
-          <a:lstStyle>
-            <a:lvl1pPr marL="0" indent="0">
-              <a:buNone/>
-              <a:defRPr lang="de-DE" sz="1600" kern="1200" dirty="0">
-                <a:solidFill>
-                  <a:schemeClr val="tx1">
-                    <a:tint val="75000"/>
-                  </a:schemeClr>
-                </a:solidFill>
-                <a:latin typeface="+mn-lt"/>
-                <a:ea typeface="+mn-ea"/>
-                <a:cs typeface="+mn-cs"/>
-              </a:defRPr>
-            </a:lvl1pPr>
-          </a:lstStyle>
-          <a:p>
-            <a:pPr lvl="0"/>
-            <a:r>
-              <a:rPr lang="de-DE" dirty="0"/>
-              <a:t>●Titel ● Kapitel ● Unterkapitel</a:t>
-            </a:r>
           </a:p>
         </p:txBody>
       </p:sp>
@@ -3358,8 +3188,8 @@
         </p:nvSpPr>
         <p:spPr>
           <a:xfrm>
-            <a:off x="360000" y="360000"/>
-            <a:ext cx="10800000" cy="1260000"/>
+            <a:off x="360000" y="540000"/>
+            <a:ext cx="10800000" cy="900000"/>
           </a:xfrm>
           <a:prstGeom prst="rect">
             <a:avLst/>
@@ -3930,10 +3760,10 @@
       </p:grpSpPr>
       <p:sp>
         <p:nvSpPr>
-          <p:cNvPr id="2" name="Titel 1">
+          <p:cNvPr id="8" name="Titel 7">
             <a:extLst>
               <a:ext uri="{FF2B5EF4-FFF2-40B4-BE49-F238E27FC236}">
-                <a16:creationId xmlns:a16="http://schemas.microsoft.com/office/drawing/2014/main" id="{AFE59089-C1F7-4071-84F4-C67EA6FA664A}"/>
+                <a16:creationId xmlns:a16="http://schemas.microsoft.com/office/drawing/2014/main" id="{0C382455-FBBF-4037-8A8B-9A628022029D}"/>
               </a:ext>
             </a:extLst>
           </p:cNvPr>
@@ -3944,15 +3774,20 @@
             <p:ph type="ctrTitle"/>
           </p:nvPr>
         </p:nvSpPr>
-        <p:spPr/>
-        <p:txBody>
-          <a:bodyPr anchor="t">
-            <a:normAutofit fontScale="90000"/>
+        <p:spPr>
+          <a:xfrm>
+            <a:off x="360000" y="1080000"/>
+            <a:ext cx="10800000" cy="2160000"/>
+          </a:xfrm>
+        </p:spPr>
+        <p:txBody>
+          <a:bodyPr>
+            <a:normAutofit/>
           </a:bodyPr>
           <a:lstStyle/>
           <a:p>
             <a:r>
-              <a:rPr lang="de-DE" sz="6898" b="1" cap="small" dirty="0">
+              <a:rPr lang="de-DE" sz="8000" b="1" cap="small" dirty="0">
                 <a:effectLst>
                   <a:outerShdw blurRad="38100" dist="38100" dir="2700000" algn="tl">
                     <a:srgbClr val="000000">
@@ -3975,7 +3810,7 @@
               </a:rPr>
             </a:br>
             <a:r>
-              <a:rPr lang="de-DE" sz="4158" dirty="0"/>
+              <a:rPr lang="de-DE" sz="4000" dirty="0"/>
               <a:t>(Verfahren und Anwendungen)</a:t>
             </a:r>
             <a:endParaRPr lang="de-DE" dirty="0"/>
@@ -3984,10 +3819,10 @@
       </p:sp>
       <p:sp>
         <p:nvSpPr>
-          <p:cNvPr id="3" name="Untertitel 2">
+          <p:cNvPr id="9" name="Untertitel 8">
             <a:extLst>
               <a:ext uri="{FF2B5EF4-FFF2-40B4-BE49-F238E27FC236}">
-                <a16:creationId xmlns:a16="http://schemas.microsoft.com/office/drawing/2014/main" id="{6E8EA817-204D-499E-82DC-FD40CCCAB889}"/>
+                <a16:creationId xmlns:a16="http://schemas.microsoft.com/office/drawing/2014/main" id="{9D23F3B3-B5A6-473A-AEA3-3050C38A50C7}"/>
               </a:ext>
             </a:extLst>
           </p:cNvPr>
@@ -4018,10 +3853,97 @@
           </a:p>
         </p:txBody>
       </p:sp>
+      <p:sp>
+        <p:nvSpPr>
+          <p:cNvPr id="4" name="Datumsplatzhalter 3">
+            <a:extLst>
+              <a:ext uri="{FF2B5EF4-FFF2-40B4-BE49-F238E27FC236}">
+                <a16:creationId xmlns:a16="http://schemas.microsoft.com/office/drawing/2014/main" id="{C09CC18D-34A7-4BDB-8C57-18944FE95BF2}"/>
+              </a:ext>
+            </a:extLst>
+          </p:cNvPr>
+          <p:cNvSpPr>
+            <a:spLocks noGrp="1"/>
+          </p:cNvSpPr>
+          <p:nvPr>
+            <p:ph type="dt" sz="half" idx="10"/>
+          </p:nvPr>
+        </p:nvSpPr>
+        <p:spPr/>
+        <p:txBody>
+          <a:bodyPr/>
+          <a:lstStyle/>
+          <a:p>
+            <a:fld id="{5816D8F1-3E92-45E9-82E1-886063832025}" type="datetime1">
+              <a:rPr lang="de-AT" smtClean="0"/>
+              <a:t>13.01.2018</a:t>
+            </a:fld>
+            <a:endParaRPr lang="de-DE"/>
+          </a:p>
+        </p:txBody>
+      </p:sp>
+      <p:sp>
+        <p:nvSpPr>
+          <p:cNvPr id="5" name="Fußzeilenplatzhalter 4">
+            <a:extLst>
+              <a:ext uri="{FF2B5EF4-FFF2-40B4-BE49-F238E27FC236}">
+                <a16:creationId xmlns:a16="http://schemas.microsoft.com/office/drawing/2014/main" id="{7347162E-3E36-42BC-8EB3-3705E9F91010}"/>
+              </a:ext>
+            </a:extLst>
+          </p:cNvPr>
+          <p:cNvSpPr>
+            <a:spLocks noGrp="1"/>
+          </p:cNvSpPr>
+          <p:nvPr>
+            <p:ph type="ftr" sz="quarter" idx="11"/>
+          </p:nvPr>
+        </p:nvSpPr>
+        <p:spPr/>
+        <p:txBody>
+          <a:bodyPr/>
+          <a:lstStyle/>
+          <a:p>
+            <a:r>
+              <a:rPr lang="en-US"/>
+              <a:t>FH Wels, AT-Master / INIF, ITS3ILV</a:t>
+            </a:r>
+            <a:endParaRPr lang="de-DE" dirty="0"/>
+          </a:p>
+        </p:txBody>
+      </p:sp>
+      <p:sp>
+        <p:nvSpPr>
+          <p:cNvPr id="6" name="Foliennummernplatzhalter 5">
+            <a:extLst>
+              <a:ext uri="{FF2B5EF4-FFF2-40B4-BE49-F238E27FC236}">
+                <a16:creationId xmlns:a16="http://schemas.microsoft.com/office/drawing/2014/main" id="{62F00BFC-A79C-4838-AD79-E8930CE25B7F}"/>
+              </a:ext>
+            </a:extLst>
+          </p:cNvPr>
+          <p:cNvSpPr>
+            <a:spLocks noGrp="1"/>
+          </p:cNvSpPr>
+          <p:nvPr>
+            <p:ph type="sldNum" sz="quarter" idx="12"/>
+          </p:nvPr>
+        </p:nvSpPr>
+        <p:spPr/>
+        <p:txBody>
+          <a:bodyPr/>
+          <a:lstStyle/>
+          <a:p>
+            <a:fld id="{42430F15-44E3-4E69-A3DD-479649D4CC4A}" type="slidenum">
+              <a:rPr lang="de-DE" smtClean="0"/>
+              <a:t>1</a:t>
+            </a:fld>
+            <a:endParaRPr lang="de-DE"/>
+          </a:p>
+        </p:txBody>
+      </p:sp>
     </p:spTree>
     <p:extLst>
       <p:ext uri="{BB962C8B-B14F-4D97-AF65-F5344CB8AC3E}">
-        <p14:creationId xmlns:p14="http://schemas.microsoft.com/office/powerpoint/2010/main" val="3896819927"/>
+        <p14:creationId xmlns:p14="http://schemas.microsoft.com/office/powerpoint/2010/main" val="3512829133"/>
       </p:ext>
     </p:extLst>
   </p:cSld>
@@ -4050,10 +3972,10 @@
       </p:grpSpPr>
       <p:sp>
         <p:nvSpPr>
-          <p:cNvPr id="10" name="Titel 9">
+          <p:cNvPr id="2" name="Titel 1">
             <a:extLst>
               <a:ext uri="{FF2B5EF4-FFF2-40B4-BE49-F238E27FC236}">
-                <a16:creationId xmlns:a16="http://schemas.microsoft.com/office/drawing/2014/main" id="{0B88EA88-92F1-48EE-A93F-6D80D0B1E638}"/>
+                <a16:creationId xmlns:a16="http://schemas.microsoft.com/office/drawing/2014/main" id="{716B8C3E-1206-4FFF-9EE8-3E80721FBCFA}"/>
               </a:ext>
             </a:extLst>
           </p:cNvPr>
@@ -4070,19 +3992,18 @@
           <a:lstStyle/>
           <a:p>
             <a:r>
-              <a:rPr lang="de-DE"/>
+              <a:rPr lang="de-DE" dirty="0"/>
               <a:t>Inhalt</a:t>
             </a:r>
-            <a:endParaRPr lang="de-DE" dirty="0"/>
-          </a:p>
-        </p:txBody>
-      </p:sp>
-      <p:sp>
-        <p:nvSpPr>
-          <p:cNvPr id="11" name="Inhaltsplatzhalter 10">
+          </a:p>
+        </p:txBody>
+      </p:sp>
+      <p:sp>
+        <p:nvSpPr>
+          <p:cNvPr id="3" name="Inhaltsplatzhalter 2">
             <a:extLst>
               <a:ext uri="{FF2B5EF4-FFF2-40B4-BE49-F238E27FC236}">
-                <a16:creationId xmlns:a16="http://schemas.microsoft.com/office/drawing/2014/main" id="{138896AB-D3B5-4814-A1B3-F769B392E735}"/>
+                <a16:creationId xmlns:a16="http://schemas.microsoft.com/office/drawing/2014/main" id="{952B2FD6-C0CD-44B7-9544-9F400894A69B}"/>
               </a:ext>
             </a:extLst>
           </p:cNvPr>
@@ -4099,32 +4020,52 @@
           <a:lstStyle/>
           <a:p>
             <a:r>
-              <a:rPr lang="de-DE"/>
+              <a:rPr lang="de-DE" dirty="0"/>
               <a:t>Verfahren</a:t>
             </a:r>
           </a:p>
           <a:p>
-            <a:r>
-              <a:rPr lang="de-DE"/>
-              <a:t>Anwendungen</a:t>
-            </a:r>
-          </a:p>
-          <a:p>
             <a:pPr lvl="1"/>
             <a:r>
-              <a:rPr lang="de-DE"/>
-              <a:t>Kryptowährungen</a:t>
-            </a:r>
-            <a:endParaRPr lang="de-DE" dirty="0"/>
-          </a:p>
-        </p:txBody>
-      </p:sp>
-      <p:sp>
-        <p:nvSpPr>
-          <p:cNvPr id="12" name="Textplatzhalter 11">
+              <a:rPr lang="de-DE" dirty="0"/>
+              <a:t>Irrtümer</a:t>
+            </a:r>
+          </a:p>
+          <a:p>
+            <a:pPr lvl="1"/>
+            <a:r>
+              <a:rPr lang="de-DE" dirty="0"/>
+              <a:t>Grundlagen</a:t>
+            </a:r>
+          </a:p>
+          <a:p>
+            <a:pPr lvl="1"/>
+            <a:r>
+              <a:rPr lang="de-DE" dirty="0"/>
+              <a:t>Anwendungsgebiete</a:t>
+            </a:r>
+          </a:p>
+          <a:p>
+            <a:r>
+              <a:rPr lang="de-DE" dirty="0"/>
+              <a:t>Anwendung: Kryptowährung</a:t>
+            </a:r>
+          </a:p>
+          <a:p>
+            <a:pPr lvl="1"/>
+            <a:r>
+              <a:rPr lang="de-DE" dirty="0"/>
+              <a:t>…</a:t>
+            </a:r>
+          </a:p>
+        </p:txBody>
+      </p:sp>
+      <p:sp>
+        <p:nvSpPr>
+          <p:cNvPr id="4" name="Datumsplatzhalter 3">
             <a:extLst>
               <a:ext uri="{FF2B5EF4-FFF2-40B4-BE49-F238E27FC236}">
-                <a16:creationId xmlns:a16="http://schemas.microsoft.com/office/drawing/2014/main" id="{294C396F-154E-4BB8-88AA-CAAFE0DAF938}"/>
+                <a16:creationId xmlns:a16="http://schemas.microsoft.com/office/drawing/2014/main" id="{D3BEF551-F98F-4030-9B89-1F1D4E52E4D6}"/>
               </a:ext>
             </a:extLst>
           </p:cNvPr>
@@ -4132,6 +4073,93 @@
             <a:spLocks noGrp="1"/>
           </p:cNvSpPr>
           <p:nvPr>
+            <p:ph type="dt" sz="half" idx="10"/>
+          </p:nvPr>
+        </p:nvSpPr>
+        <p:spPr/>
+        <p:txBody>
+          <a:bodyPr/>
+          <a:lstStyle/>
+          <a:p>
+            <a:fld id="{5816D8F1-3E92-45E9-82E1-886063832025}" type="datetime1">
+              <a:rPr lang="de-AT" smtClean="0"/>
+              <a:t>13.01.2018</a:t>
+            </a:fld>
+            <a:endParaRPr lang="de-DE"/>
+          </a:p>
+        </p:txBody>
+      </p:sp>
+      <p:sp>
+        <p:nvSpPr>
+          <p:cNvPr id="5" name="Fußzeilenplatzhalter 4">
+            <a:extLst>
+              <a:ext uri="{FF2B5EF4-FFF2-40B4-BE49-F238E27FC236}">
+                <a16:creationId xmlns:a16="http://schemas.microsoft.com/office/drawing/2014/main" id="{1EAD9F4C-14EE-4BC3-AF7D-3E7B3E1E088D}"/>
+              </a:ext>
+            </a:extLst>
+          </p:cNvPr>
+          <p:cNvSpPr>
+            <a:spLocks noGrp="1"/>
+          </p:cNvSpPr>
+          <p:nvPr>
+            <p:ph type="ftr" sz="quarter" idx="11"/>
+          </p:nvPr>
+        </p:nvSpPr>
+        <p:spPr/>
+        <p:txBody>
+          <a:bodyPr/>
+          <a:lstStyle/>
+          <a:p>
+            <a:r>
+              <a:rPr lang="en-US"/>
+              <a:t>FH Wels, AT-Master / INIF, ITS3ILV</a:t>
+            </a:r>
+            <a:endParaRPr lang="de-DE" dirty="0"/>
+          </a:p>
+        </p:txBody>
+      </p:sp>
+      <p:sp>
+        <p:nvSpPr>
+          <p:cNvPr id="6" name="Foliennummernplatzhalter 5">
+            <a:extLst>
+              <a:ext uri="{FF2B5EF4-FFF2-40B4-BE49-F238E27FC236}">
+                <a16:creationId xmlns:a16="http://schemas.microsoft.com/office/drawing/2014/main" id="{16674AE0-5CA4-47E9-BB30-B2BD658B7F17}"/>
+              </a:ext>
+            </a:extLst>
+          </p:cNvPr>
+          <p:cNvSpPr>
+            <a:spLocks noGrp="1"/>
+          </p:cNvSpPr>
+          <p:nvPr>
+            <p:ph type="sldNum" sz="quarter" idx="12"/>
+          </p:nvPr>
+        </p:nvSpPr>
+        <p:spPr/>
+        <p:txBody>
+          <a:bodyPr/>
+          <a:lstStyle/>
+          <a:p>
+            <a:fld id="{42430F15-44E3-4E69-A3DD-479649D4CC4A}" type="slidenum">
+              <a:rPr lang="de-DE" smtClean="0"/>
+              <a:t>2</a:t>
+            </a:fld>
+            <a:endParaRPr lang="de-DE"/>
+          </a:p>
+        </p:txBody>
+      </p:sp>
+      <p:sp>
+        <p:nvSpPr>
+          <p:cNvPr id="7" name="Textplatzhalter 6">
+            <a:extLst>
+              <a:ext uri="{FF2B5EF4-FFF2-40B4-BE49-F238E27FC236}">
+                <a16:creationId xmlns:a16="http://schemas.microsoft.com/office/drawing/2014/main" id="{36598FC8-529B-4FC6-AE44-CD1A50127BFC}"/>
+              </a:ext>
+            </a:extLst>
+          </p:cNvPr>
+          <p:cNvSpPr>
+            <a:spLocks noGrp="1"/>
+          </p:cNvSpPr>
+          <p:nvPr>
             <p:ph type="body" sz="quarter" idx="13"/>
           </p:nvPr>
         </p:nvSpPr>
@@ -4141,7 +4169,7 @@
           <a:lstStyle/>
           <a:p>
             <a:r>
-              <a:rPr lang="de-DE" b="1">
+              <a:rPr lang="de-DE" b="1" dirty="0">
                 <a:solidFill>
                   <a:srgbClr val="FF0000"/>
                 </a:solidFill>
@@ -4149,31 +4177,56 @@
               <a:t>●</a:t>
             </a:r>
             <a:r>
-              <a:rPr lang="de-DE" b="1"/>
+              <a:rPr lang="de-DE" b="1" dirty="0"/>
               <a:t> </a:t>
             </a:r>
             <a:r>
-              <a:rPr lang="de-DE" b="1">
+              <a:rPr lang="de-DE" b="1" dirty="0">
                 <a:solidFill>
                   <a:schemeClr val="tx1"/>
                 </a:solidFill>
               </a:rPr>
               <a:t>Blockchain</a:t>
             </a:r>
-            <a:endParaRPr lang="de-DE" b="1" dirty="0">
-              <a:solidFill>
-                <a:schemeClr val="tx1"/>
-              </a:solidFill>
-            </a:endParaRPr>
-          </a:p>
-        </p:txBody>
-      </p:sp>
-      <p:sp>
-        <p:nvSpPr>
-          <p:cNvPr id="16" name="Datumsplatzhalter 15">
+          </a:p>
+        </p:txBody>
+      </p:sp>
+    </p:spTree>
+    <p:extLst>
+      <p:ext uri="{BB962C8B-B14F-4D97-AF65-F5344CB8AC3E}">
+        <p14:creationId xmlns:p14="http://schemas.microsoft.com/office/powerpoint/2010/main" val="1847489480"/>
+      </p:ext>
+    </p:extLst>
+  </p:cSld>
+  <p:clrMapOvr>
+    <a:masterClrMapping/>
+  </p:clrMapOvr>
+</p:sld>
+</file>
+
+<file path=ppt/slides/slide3.xml><?xml version="1.0" encoding="utf-8"?>
+<p:sld xmlns:a="http://schemas.openxmlformats.org/drawingml/2006/main" xmlns:r="http://schemas.openxmlformats.org/officeDocument/2006/relationships" xmlns:p="http://schemas.openxmlformats.org/presentationml/2006/main">
+  <p:cSld>
+    <p:spTree>
+      <p:nvGrpSpPr>
+        <p:cNvPr id="1" name=""/>
+        <p:cNvGrpSpPr/>
+        <p:nvPr/>
+      </p:nvGrpSpPr>
+      <p:grpSpPr>
+        <a:xfrm>
+          <a:off x="0" y="0"/>
+          <a:ext cx="0" cy="0"/>
+          <a:chOff x="0" y="0"/>
+          <a:chExt cx="0" cy="0"/>
+        </a:xfrm>
+      </p:grpSpPr>
+      <p:sp>
+        <p:nvSpPr>
+          <p:cNvPr id="2" name="Titel 1">
             <a:extLst>
               <a:ext uri="{FF2B5EF4-FFF2-40B4-BE49-F238E27FC236}">
-                <a16:creationId xmlns:a16="http://schemas.microsoft.com/office/drawing/2014/main" id="{73B6A2E4-092E-46DF-BAE7-31E2EC4EA213}"/>
+                <a16:creationId xmlns:a16="http://schemas.microsoft.com/office/drawing/2014/main" id="{FC65F202-7CB5-416F-8B68-C825991901A6}"/>
               </a:ext>
             </a:extLst>
           </p:cNvPr>
@@ -4181,6 +4234,120 @@
             <a:spLocks noGrp="1"/>
           </p:cNvSpPr>
           <p:nvPr>
+            <p:ph type="title"/>
+          </p:nvPr>
+        </p:nvSpPr>
+        <p:spPr/>
+        <p:txBody>
+          <a:bodyPr/>
+          <a:lstStyle/>
+          <a:p>
+            <a:r>
+              <a:rPr lang="de-DE" dirty="0"/>
+              <a:t>Irrtümer</a:t>
+            </a:r>
+          </a:p>
+        </p:txBody>
+      </p:sp>
+      <p:sp>
+        <p:nvSpPr>
+          <p:cNvPr id="3" name="Inhaltsplatzhalter 2">
+            <a:extLst>
+              <a:ext uri="{FF2B5EF4-FFF2-40B4-BE49-F238E27FC236}">
+                <a16:creationId xmlns:a16="http://schemas.microsoft.com/office/drawing/2014/main" id="{522AC027-0B8D-4515-AF39-314F2E7F5F92}"/>
+              </a:ext>
+            </a:extLst>
+          </p:cNvPr>
+          <p:cNvSpPr>
+            <a:spLocks noGrp="1"/>
+          </p:cNvSpPr>
+          <p:nvPr>
+            <p:ph idx="1"/>
+          </p:nvPr>
+        </p:nvSpPr>
+        <p:spPr/>
+        <p:txBody>
+          <a:bodyPr/>
+          <a:lstStyle/>
+          <a:p>
+            <a:pPr>
+              <a:lnSpc>
+                <a:spcPct val="150000"/>
+              </a:lnSpc>
+            </a:pPr>
+            <a:r>
+              <a:rPr lang="de-DE" dirty="0"/>
+              <a:t>Blockchain ≠ Kryptografisches Verfahren</a:t>
+            </a:r>
+          </a:p>
+          <a:p>
+            <a:pPr lvl="1">
+              <a:lnSpc>
+                <a:spcPct val="100000"/>
+              </a:lnSpc>
+            </a:pPr>
+            <a:r>
+              <a:rPr lang="de-DE" dirty="0"/>
+              <a:t>Blockchain nutzt kryptographische Verfahren (Hashwertberechnung)</a:t>
+            </a:r>
+          </a:p>
+          <a:p>
+            <a:pPr lvl="1">
+              <a:lnSpc>
+                <a:spcPct val="100000"/>
+              </a:lnSpc>
+            </a:pPr>
+            <a:r>
+              <a:rPr lang="de-DE" dirty="0"/>
+              <a:t>Blockchain bietet Schutz vor dem nachträglichem Verändern von Daten</a:t>
+            </a:r>
+          </a:p>
+          <a:p>
+            <a:pPr>
+              <a:lnSpc>
+                <a:spcPct val="150000"/>
+              </a:lnSpc>
+            </a:pPr>
+            <a:r>
+              <a:rPr lang="de-DE" dirty="0"/>
+              <a:t>Blockchain ≠ </a:t>
+            </a:r>
+            <a:r>
+              <a:rPr lang="de-DE" dirty="0" err="1"/>
+              <a:t>BitCoin</a:t>
+            </a:r>
+            <a:endParaRPr lang="de-DE" dirty="0"/>
+          </a:p>
+          <a:p>
+            <a:pPr lvl="1">
+              <a:lnSpc>
+                <a:spcPct val="150000"/>
+              </a:lnSpc>
+            </a:pPr>
+            <a:r>
+              <a:rPr lang="de-DE" dirty="0" err="1"/>
+              <a:t>BitCoin</a:t>
+            </a:r>
+            <a:r>
+              <a:rPr lang="de-DE" dirty="0"/>
+              <a:t> verwendet die Blockchain Technologie</a:t>
+            </a:r>
+          </a:p>
+        </p:txBody>
+      </p:sp>
+      <p:sp>
+        <p:nvSpPr>
+          <p:cNvPr id="4" name="Datumsplatzhalter 3">
+            <a:extLst>
+              <a:ext uri="{FF2B5EF4-FFF2-40B4-BE49-F238E27FC236}">
+                <a16:creationId xmlns:a16="http://schemas.microsoft.com/office/drawing/2014/main" id="{E7CB382E-D838-445A-9B76-D4FFF14E4852}"/>
+              </a:ext>
+            </a:extLst>
+          </p:cNvPr>
+          <p:cNvSpPr>
+            <a:spLocks noGrp="1"/>
+          </p:cNvSpPr>
+          <p:nvPr>
             <p:ph type="dt" sz="half" idx="10"/>
           </p:nvPr>
         </p:nvSpPr>
@@ -4189,7 +4356,7 @@
           <a:bodyPr/>
           <a:lstStyle/>
           <a:p>
-            <a:fld id="{B51505AA-2298-409E-9BE2-AB8C9AB1009F}" type="datetime1">
+            <a:fld id="{5816D8F1-3E92-45E9-82E1-886063832025}" type="datetime1">
               <a:rPr lang="de-AT" smtClean="0"/>
               <a:t>13.01.2018</a:t>
             </a:fld>
@@ -4199,10 +4366,10 @@
       </p:sp>
       <p:sp>
         <p:nvSpPr>
-          <p:cNvPr id="17" name="Fußzeilenplatzhalter 16">
+          <p:cNvPr id="5" name="Fußzeilenplatzhalter 4">
             <a:extLst>
               <a:ext uri="{FF2B5EF4-FFF2-40B4-BE49-F238E27FC236}">
-                <a16:creationId xmlns:a16="http://schemas.microsoft.com/office/drawing/2014/main" id="{B11CE962-8FA9-414C-9ABA-F876BBA782F8}"/>
+                <a16:creationId xmlns:a16="http://schemas.microsoft.com/office/drawing/2014/main" id="{A0C5E136-99C4-45C9-B821-874185E3C586}"/>
               </a:ext>
             </a:extLst>
           </p:cNvPr>
@@ -4228,10 +4395,10 @@
       </p:sp>
       <p:sp>
         <p:nvSpPr>
-          <p:cNvPr id="18" name="Foliennummernplatzhalter 17">
+          <p:cNvPr id="6" name="Foliennummernplatzhalter 5">
             <a:extLst>
               <a:ext uri="{FF2B5EF4-FFF2-40B4-BE49-F238E27FC236}">
-                <a16:creationId xmlns:a16="http://schemas.microsoft.com/office/drawing/2014/main" id="{81B7ACDF-577B-4679-9157-4D82BA209A0C}"/>
+                <a16:creationId xmlns:a16="http://schemas.microsoft.com/office/drawing/2014/main" id="{FFBDBA6A-3C7C-44C6-A1D8-9CCE46894874}"/>
               </a:ext>
             </a:extLst>
           </p:cNvPr>
@@ -4249,16 +4416,1154 @@
           <a:p>
             <a:fld id="{42430F15-44E3-4E69-A3DD-479649D4CC4A}" type="slidenum">
               <a:rPr lang="de-DE" smtClean="0"/>
-              <a:t>2</a:t>
+              <a:t>3</a:t>
             </a:fld>
             <a:endParaRPr lang="de-DE"/>
+          </a:p>
+        </p:txBody>
+      </p:sp>
+      <p:sp>
+        <p:nvSpPr>
+          <p:cNvPr id="7" name="Textplatzhalter 6">
+            <a:extLst>
+              <a:ext uri="{FF2B5EF4-FFF2-40B4-BE49-F238E27FC236}">
+                <a16:creationId xmlns:a16="http://schemas.microsoft.com/office/drawing/2014/main" id="{08E7D4D0-7D93-4F90-8F43-BC1EF1C80C7E}"/>
+              </a:ext>
+            </a:extLst>
+          </p:cNvPr>
+          <p:cNvSpPr>
+            <a:spLocks noGrp="1"/>
+          </p:cNvSpPr>
+          <p:nvPr>
+            <p:ph type="body" sz="quarter" idx="13"/>
+          </p:nvPr>
+        </p:nvSpPr>
+        <p:spPr/>
+        <p:txBody>
+          <a:bodyPr/>
+          <a:lstStyle/>
+          <a:p>
+            <a:r>
+              <a:rPr lang="de-DE" dirty="0">
+                <a:solidFill>
+                  <a:schemeClr val="bg1">
+                    <a:lumMod val="50000"/>
+                  </a:schemeClr>
+                </a:solidFill>
+              </a:rPr>
+              <a:t>● Blockchain</a:t>
+            </a:r>
+            <a:r>
+              <a:rPr lang="de-DE" dirty="0">
+                <a:solidFill>
+                  <a:schemeClr val="bg1">
+                    <a:lumMod val="75000"/>
+                  </a:schemeClr>
+                </a:solidFill>
+              </a:rPr>
+              <a:t> </a:t>
+            </a:r>
+            <a:r>
+              <a:rPr lang="de-DE" b="1" dirty="0">
+                <a:solidFill>
+                  <a:srgbClr val="FF0000"/>
+                </a:solidFill>
+              </a:rPr>
+              <a:t>●</a:t>
+            </a:r>
+            <a:r>
+              <a:rPr lang="de-DE" b="1" dirty="0"/>
+              <a:t> </a:t>
+            </a:r>
+            <a:r>
+              <a:rPr lang="de-DE" b="1" dirty="0">
+                <a:solidFill>
+                  <a:schemeClr val="tx1"/>
+                </a:solidFill>
+              </a:rPr>
+              <a:t>Verfahren</a:t>
+            </a:r>
           </a:p>
         </p:txBody>
       </p:sp>
     </p:spTree>
     <p:extLst>
       <p:ext uri="{BB962C8B-B14F-4D97-AF65-F5344CB8AC3E}">
-        <p14:creationId xmlns:p14="http://schemas.microsoft.com/office/powerpoint/2010/main" val="2490588648"/>
+        <p14:creationId xmlns:p14="http://schemas.microsoft.com/office/powerpoint/2010/main" val="1755624973"/>
+      </p:ext>
+    </p:extLst>
+  </p:cSld>
+  <p:clrMapOvr>
+    <a:masterClrMapping/>
+  </p:clrMapOvr>
+</p:sld>
+</file>
+
+<file path=ppt/slides/slide4.xml><?xml version="1.0" encoding="utf-8"?>
+<p:sld xmlns:a="http://schemas.openxmlformats.org/drawingml/2006/main" xmlns:r="http://schemas.openxmlformats.org/officeDocument/2006/relationships" xmlns:p="http://schemas.openxmlformats.org/presentationml/2006/main">
+  <p:cSld>
+    <p:spTree>
+      <p:nvGrpSpPr>
+        <p:cNvPr id="1" name=""/>
+        <p:cNvGrpSpPr/>
+        <p:nvPr/>
+      </p:nvGrpSpPr>
+      <p:grpSpPr>
+        <a:xfrm>
+          <a:off x="0" y="0"/>
+          <a:ext cx="0" cy="0"/>
+          <a:chOff x="0" y="0"/>
+          <a:chExt cx="0" cy="0"/>
+        </a:xfrm>
+      </p:grpSpPr>
+      <p:sp>
+        <p:nvSpPr>
+          <p:cNvPr id="2" name="Titel 1">
+            <a:extLst>
+              <a:ext uri="{FF2B5EF4-FFF2-40B4-BE49-F238E27FC236}">
+                <a16:creationId xmlns:a16="http://schemas.microsoft.com/office/drawing/2014/main" id="{FC65F202-7CB5-416F-8B68-C825991901A6}"/>
+              </a:ext>
+            </a:extLst>
+          </p:cNvPr>
+          <p:cNvSpPr>
+            <a:spLocks noGrp="1"/>
+          </p:cNvSpPr>
+          <p:nvPr>
+            <p:ph type="title"/>
+          </p:nvPr>
+        </p:nvSpPr>
+        <p:spPr/>
+        <p:txBody>
+          <a:bodyPr/>
+          <a:lstStyle/>
+          <a:p>
+            <a:r>
+              <a:rPr lang="de-DE" dirty="0"/>
+              <a:t>Motivation</a:t>
+            </a:r>
+          </a:p>
+        </p:txBody>
+      </p:sp>
+      <p:sp>
+        <p:nvSpPr>
+          <p:cNvPr id="3" name="Inhaltsplatzhalter 2">
+            <a:extLst>
+              <a:ext uri="{FF2B5EF4-FFF2-40B4-BE49-F238E27FC236}">
+                <a16:creationId xmlns:a16="http://schemas.microsoft.com/office/drawing/2014/main" id="{522AC027-0B8D-4515-AF39-314F2E7F5F92}"/>
+              </a:ext>
+            </a:extLst>
+          </p:cNvPr>
+          <p:cNvSpPr>
+            <a:spLocks noGrp="1"/>
+          </p:cNvSpPr>
+          <p:nvPr>
+            <p:ph idx="1"/>
+          </p:nvPr>
+        </p:nvSpPr>
+        <p:spPr/>
+        <p:txBody>
+          <a:bodyPr/>
+          <a:lstStyle/>
+          <a:p>
+            <a:pPr>
+              <a:lnSpc>
+                <a:spcPct val="150000"/>
+              </a:lnSpc>
+            </a:pPr>
+            <a:r>
+              <a:rPr lang="de-DE" dirty="0"/>
+              <a:t>Blockchain ≠ </a:t>
+            </a:r>
+            <a:r>
+              <a:rPr lang="de-DE" dirty="0" err="1"/>
+              <a:t>BitCoin</a:t>
+            </a:r>
+            <a:endParaRPr lang="de-DE" dirty="0"/>
+          </a:p>
+          <a:p>
+            <a:pPr>
+              <a:lnSpc>
+                <a:spcPct val="150000"/>
+              </a:lnSpc>
+            </a:pPr>
+            <a:r>
+              <a:rPr lang="de-DE" dirty="0" err="1"/>
+              <a:t>BitCoin</a:t>
+            </a:r>
+            <a:r>
+              <a:rPr lang="de-DE" dirty="0"/>
+              <a:t> verwendet die Blockchain Technologie</a:t>
+            </a:r>
+          </a:p>
+        </p:txBody>
+      </p:sp>
+      <p:sp>
+        <p:nvSpPr>
+          <p:cNvPr id="4" name="Datumsplatzhalter 3">
+            <a:extLst>
+              <a:ext uri="{FF2B5EF4-FFF2-40B4-BE49-F238E27FC236}">
+                <a16:creationId xmlns:a16="http://schemas.microsoft.com/office/drawing/2014/main" id="{E7CB382E-D838-445A-9B76-D4FFF14E4852}"/>
+              </a:ext>
+            </a:extLst>
+          </p:cNvPr>
+          <p:cNvSpPr>
+            <a:spLocks noGrp="1"/>
+          </p:cNvSpPr>
+          <p:nvPr>
+            <p:ph type="dt" sz="half" idx="10"/>
+          </p:nvPr>
+        </p:nvSpPr>
+        <p:spPr/>
+        <p:txBody>
+          <a:bodyPr/>
+          <a:lstStyle/>
+          <a:p>
+            <a:fld id="{5816D8F1-3E92-45E9-82E1-886063832025}" type="datetime1">
+              <a:rPr lang="de-AT" smtClean="0"/>
+              <a:t>13.01.2018</a:t>
+            </a:fld>
+            <a:endParaRPr lang="de-DE"/>
+          </a:p>
+        </p:txBody>
+      </p:sp>
+      <p:sp>
+        <p:nvSpPr>
+          <p:cNvPr id="5" name="Fußzeilenplatzhalter 4">
+            <a:extLst>
+              <a:ext uri="{FF2B5EF4-FFF2-40B4-BE49-F238E27FC236}">
+                <a16:creationId xmlns:a16="http://schemas.microsoft.com/office/drawing/2014/main" id="{A0C5E136-99C4-45C9-B821-874185E3C586}"/>
+              </a:ext>
+            </a:extLst>
+          </p:cNvPr>
+          <p:cNvSpPr>
+            <a:spLocks noGrp="1"/>
+          </p:cNvSpPr>
+          <p:nvPr>
+            <p:ph type="ftr" sz="quarter" idx="11"/>
+          </p:nvPr>
+        </p:nvSpPr>
+        <p:spPr/>
+        <p:txBody>
+          <a:bodyPr/>
+          <a:lstStyle/>
+          <a:p>
+            <a:r>
+              <a:rPr lang="en-US"/>
+              <a:t>FH Wels, AT-Master / INIF, ITS3ILV</a:t>
+            </a:r>
+            <a:endParaRPr lang="de-DE" dirty="0"/>
+          </a:p>
+        </p:txBody>
+      </p:sp>
+      <p:sp>
+        <p:nvSpPr>
+          <p:cNvPr id="6" name="Foliennummernplatzhalter 5">
+            <a:extLst>
+              <a:ext uri="{FF2B5EF4-FFF2-40B4-BE49-F238E27FC236}">
+                <a16:creationId xmlns:a16="http://schemas.microsoft.com/office/drawing/2014/main" id="{FFBDBA6A-3C7C-44C6-A1D8-9CCE46894874}"/>
+              </a:ext>
+            </a:extLst>
+          </p:cNvPr>
+          <p:cNvSpPr>
+            <a:spLocks noGrp="1"/>
+          </p:cNvSpPr>
+          <p:nvPr>
+            <p:ph type="sldNum" sz="quarter" idx="12"/>
+          </p:nvPr>
+        </p:nvSpPr>
+        <p:spPr/>
+        <p:txBody>
+          <a:bodyPr/>
+          <a:lstStyle/>
+          <a:p>
+            <a:fld id="{42430F15-44E3-4E69-A3DD-479649D4CC4A}" type="slidenum">
+              <a:rPr lang="de-DE" smtClean="0"/>
+              <a:t>4</a:t>
+            </a:fld>
+            <a:endParaRPr lang="de-DE"/>
+          </a:p>
+        </p:txBody>
+      </p:sp>
+      <p:sp>
+        <p:nvSpPr>
+          <p:cNvPr id="7" name="Textplatzhalter 6">
+            <a:extLst>
+              <a:ext uri="{FF2B5EF4-FFF2-40B4-BE49-F238E27FC236}">
+                <a16:creationId xmlns:a16="http://schemas.microsoft.com/office/drawing/2014/main" id="{08E7D4D0-7D93-4F90-8F43-BC1EF1C80C7E}"/>
+              </a:ext>
+            </a:extLst>
+          </p:cNvPr>
+          <p:cNvSpPr>
+            <a:spLocks noGrp="1"/>
+          </p:cNvSpPr>
+          <p:nvPr>
+            <p:ph type="body" sz="quarter" idx="13"/>
+          </p:nvPr>
+        </p:nvSpPr>
+        <p:spPr/>
+        <p:txBody>
+          <a:bodyPr/>
+          <a:lstStyle/>
+          <a:p>
+            <a:r>
+              <a:rPr lang="de-DE" dirty="0">
+                <a:solidFill>
+                  <a:schemeClr val="bg1">
+                    <a:lumMod val="50000"/>
+                  </a:schemeClr>
+                </a:solidFill>
+              </a:rPr>
+              <a:t>● Blockchain</a:t>
+            </a:r>
+            <a:r>
+              <a:rPr lang="de-DE" b="1" dirty="0">
+                <a:solidFill>
+                  <a:schemeClr val="tx1"/>
+                </a:solidFill>
+              </a:rPr>
+              <a:t> </a:t>
+            </a:r>
+            <a:r>
+              <a:rPr lang="de-DE" dirty="0">
+                <a:solidFill>
+                  <a:schemeClr val="bg1">
+                    <a:lumMod val="50000"/>
+                  </a:schemeClr>
+                </a:solidFill>
+              </a:rPr>
+              <a:t>● Verfahren </a:t>
+            </a:r>
+            <a:r>
+              <a:rPr lang="de-DE" b="1" dirty="0">
+                <a:solidFill>
+                  <a:srgbClr val="FF0000"/>
+                </a:solidFill>
+              </a:rPr>
+              <a:t>●</a:t>
+            </a:r>
+            <a:r>
+              <a:rPr lang="de-DE" b="1" dirty="0"/>
+              <a:t> </a:t>
+            </a:r>
+            <a:r>
+              <a:rPr lang="de-DE" b="1" dirty="0">
+                <a:solidFill>
+                  <a:schemeClr val="tx1"/>
+                </a:solidFill>
+              </a:rPr>
+              <a:t>Grundlagen</a:t>
+            </a:r>
+          </a:p>
+        </p:txBody>
+      </p:sp>
+    </p:spTree>
+    <p:extLst>
+      <p:ext uri="{BB962C8B-B14F-4D97-AF65-F5344CB8AC3E}">
+        <p14:creationId xmlns:p14="http://schemas.microsoft.com/office/powerpoint/2010/main" val="3025175507"/>
+      </p:ext>
+    </p:extLst>
+  </p:cSld>
+  <p:clrMapOvr>
+    <a:masterClrMapping/>
+  </p:clrMapOvr>
+</p:sld>
+</file>
+
+<file path=ppt/slides/slide5.xml><?xml version="1.0" encoding="utf-8"?>
+<p:sld xmlns:a="http://schemas.openxmlformats.org/drawingml/2006/main" xmlns:r="http://schemas.openxmlformats.org/officeDocument/2006/relationships" xmlns:p="http://schemas.openxmlformats.org/presentationml/2006/main">
+  <p:cSld>
+    <p:spTree>
+      <p:nvGrpSpPr>
+        <p:cNvPr id="1" name=""/>
+        <p:cNvGrpSpPr/>
+        <p:nvPr/>
+      </p:nvGrpSpPr>
+      <p:grpSpPr>
+        <a:xfrm>
+          <a:off x="0" y="0"/>
+          <a:ext cx="0" cy="0"/>
+          <a:chOff x="0" y="0"/>
+          <a:chExt cx="0" cy="0"/>
+        </a:xfrm>
+      </p:grpSpPr>
+      <p:sp>
+        <p:nvSpPr>
+          <p:cNvPr id="2" name="Titel 1">
+            <a:extLst>
+              <a:ext uri="{FF2B5EF4-FFF2-40B4-BE49-F238E27FC236}">
+                <a16:creationId xmlns:a16="http://schemas.microsoft.com/office/drawing/2014/main" id="{FC65F202-7CB5-416F-8B68-C825991901A6}"/>
+              </a:ext>
+            </a:extLst>
+          </p:cNvPr>
+          <p:cNvSpPr>
+            <a:spLocks noGrp="1"/>
+          </p:cNvSpPr>
+          <p:nvPr>
+            <p:ph type="title"/>
+          </p:nvPr>
+        </p:nvSpPr>
+        <p:spPr/>
+        <p:txBody>
+          <a:bodyPr/>
+          <a:lstStyle/>
+          <a:p>
+            <a:r>
+              <a:rPr lang="de-DE" dirty="0"/>
+              <a:t>Anwendungsgebiete</a:t>
+            </a:r>
+          </a:p>
+        </p:txBody>
+      </p:sp>
+      <p:sp>
+        <p:nvSpPr>
+          <p:cNvPr id="4" name="Datumsplatzhalter 3">
+            <a:extLst>
+              <a:ext uri="{FF2B5EF4-FFF2-40B4-BE49-F238E27FC236}">
+                <a16:creationId xmlns:a16="http://schemas.microsoft.com/office/drawing/2014/main" id="{E7CB382E-D838-445A-9B76-D4FFF14E4852}"/>
+              </a:ext>
+            </a:extLst>
+          </p:cNvPr>
+          <p:cNvSpPr>
+            <a:spLocks noGrp="1"/>
+          </p:cNvSpPr>
+          <p:nvPr>
+            <p:ph type="dt" sz="half" idx="10"/>
+          </p:nvPr>
+        </p:nvSpPr>
+        <p:spPr/>
+        <p:txBody>
+          <a:bodyPr/>
+          <a:lstStyle/>
+          <a:p>
+            <a:fld id="{5816D8F1-3E92-45E9-82E1-886063832025}" type="datetime1">
+              <a:rPr lang="de-AT" smtClean="0"/>
+              <a:t>13.01.2018</a:t>
+            </a:fld>
+            <a:endParaRPr lang="de-DE"/>
+          </a:p>
+        </p:txBody>
+      </p:sp>
+      <p:sp>
+        <p:nvSpPr>
+          <p:cNvPr id="5" name="Fußzeilenplatzhalter 4">
+            <a:extLst>
+              <a:ext uri="{FF2B5EF4-FFF2-40B4-BE49-F238E27FC236}">
+                <a16:creationId xmlns:a16="http://schemas.microsoft.com/office/drawing/2014/main" id="{A0C5E136-99C4-45C9-B821-874185E3C586}"/>
+              </a:ext>
+            </a:extLst>
+          </p:cNvPr>
+          <p:cNvSpPr>
+            <a:spLocks noGrp="1"/>
+          </p:cNvSpPr>
+          <p:nvPr>
+            <p:ph type="ftr" sz="quarter" idx="11"/>
+          </p:nvPr>
+        </p:nvSpPr>
+        <p:spPr/>
+        <p:txBody>
+          <a:bodyPr/>
+          <a:lstStyle/>
+          <a:p>
+            <a:r>
+              <a:rPr lang="en-US"/>
+              <a:t>FH Wels, AT-Master / INIF, ITS3ILV</a:t>
+            </a:r>
+            <a:endParaRPr lang="de-DE" dirty="0"/>
+          </a:p>
+        </p:txBody>
+      </p:sp>
+      <p:sp>
+        <p:nvSpPr>
+          <p:cNvPr id="6" name="Foliennummernplatzhalter 5">
+            <a:extLst>
+              <a:ext uri="{FF2B5EF4-FFF2-40B4-BE49-F238E27FC236}">
+                <a16:creationId xmlns:a16="http://schemas.microsoft.com/office/drawing/2014/main" id="{FFBDBA6A-3C7C-44C6-A1D8-9CCE46894874}"/>
+              </a:ext>
+            </a:extLst>
+          </p:cNvPr>
+          <p:cNvSpPr>
+            <a:spLocks noGrp="1"/>
+          </p:cNvSpPr>
+          <p:nvPr>
+            <p:ph type="sldNum" sz="quarter" idx="12"/>
+          </p:nvPr>
+        </p:nvSpPr>
+        <p:spPr/>
+        <p:txBody>
+          <a:bodyPr/>
+          <a:lstStyle/>
+          <a:p>
+            <a:fld id="{42430F15-44E3-4E69-A3DD-479649D4CC4A}" type="slidenum">
+              <a:rPr lang="de-DE" smtClean="0"/>
+              <a:t>5</a:t>
+            </a:fld>
+            <a:endParaRPr lang="de-DE"/>
+          </a:p>
+        </p:txBody>
+      </p:sp>
+      <p:sp>
+        <p:nvSpPr>
+          <p:cNvPr id="7" name="Textplatzhalter 6">
+            <a:extLst>
+              <a:ext uri="{FF2B5EF4-FFF2-40B4-BE49-F238E27FC236}">
+                <a16:creationId xmlns:a16="http://schemas.microsoft.com/office/drawing/2014/main" id="{08E7D4D0-7D93-4F90-8F43-BC1EF1C80C7E}"/>
+              </a:ext>
+            </a:extLst>
+          </p:cNvPr>
+          <p:cNvSpPr>
+            <a:spLocks noGrp="1"/>
+          </p:cNvSpPr>
+          <p:nvPr>
+            <p:ph type="body" sz="quarter" idx="13"/>
+          </p:nvPr>
+        </p:nvSpPr>
+        <p:spPr/>
+        <p:txBody>
+          <a:bodyPr/>
+          <a:lstStyle/>
+          <a:p>
+            <a:r>
+              <a:rPr lang="de-DE" dirty="0">
+                <a:solidFill>
+                  <a:schemeClr val="bg1">
+                    <a:lumMod val="75000"/>
+                  </a:schemeClr>
+                </a:solidFill>
+              </a:rPr>
+              <a:t>● Blockchain </a:t>
+            </a:r>
+            <a:r>
+              <a:rPr lang="de-DE" dirty="0">
+                <a:solidFill>
+                  <a:schemeClr val="tx1"/>
+                </a:solidFill>
+              </a:rPr>
+              <a:t>● Verfahren</a:t>
+            </a:r>
+            <a:r>
+              <a:rPr lang="de-DE" b="1" dirty="0">
+                <a:solidFill>
+                  <a:schemeClr val="tx1"/>
+                </a:solidFill>
+              </a:rPr>
+              <a:t> </a:t>
+            </a:r>
+            <a:r>
+              <a:rPr lang="de-DE" b="1" dirty="0">
+                <a:solidFill>
+                  <a:srgbClr val="FF0000"/>
+                </a:solidFill>
+              </a:rPr>
+              <a:t>●</a:t>
+            </a:r>
+            <a:r>
+              <a:rPr lang="de-DE" b="1" dirty="0"/>
+              <a:t> </a:t>
+            </a:r>
+            <a:r>
+              <a:rPr lang="de-DE" b="1" dirty="0">
+                <a:solidFill>
+                  <a:schemeClr val="tx1"/>
+                </a:solidFill>
+              </a:rPr>
+              <a:t>Anwendungsgebiete</a:t>
+            </a:r>
+          </a:p>
+        </p:txBody>
+      </p:sp>
+      <p:pic>
+        <p:nvPicPr>
+          <p:cNvPr id="10" name="Inhaltsplatzhalter 9">
+            <a:extLst>
+              <a:ext uri="{FF2B5EF4-FFF2-40B4-BE49-F238E27FC236}">
+                <a16:creationId xmlns:a16="http://schemas.microsoft.com/office/drawing/2014/main" id="{5BB1FC8B-080E-43A2-8C6D-6567E22AA9A7}"/>
+              </a:ext>
+            </a:extLst>
+          </p:cNvPr>
+          <p:cNvPicPr>
+            <a:picLocks noGrp="1" noChangeAspect="1"/>
+          </p:cNvPicPr>
+          <p:nvPr>
+            <p:ph idx="1"/>
+          </p:nvPr>
+        </p:nvPicPr>
+        <p:blipFill>
+          <a:blip r:embed="rId2">
+            <a:extLst>
+              <a:ext uri="{28A0092B-C50C-407E-A947-70E740481C1C}">
+                <a14:useLocalDpi xmlns:a14="http://schemas.microsoft.com/office/drawing/2010/main" val="0"/>
+              </a:ext>
+            </a:extLst>
+          </a:blip>
+          <a:stretch>
+            <a:fillRect/>
+          </a:stretch>
+        </p:blipFill>
+        <p:spPr>
+          <a:xfrm>
+            <a:off x="997349" y="0"/>
+            <a:ext cx="9525301" cy="6480175"/>
+          </a:xfrm>
+        </p:spPr>
+      </p:pic>
+    </p:spTree>
+    <p:extLst>
+      <p:ext uri="{BB962C8B-B14F-4D97-AF65-F5344CB8AC3E}">
+        <p14:creationId xmlns:p14="http://schemas.microsoft.com/office/powerpoint/2010/main" val="3606908381"/>
+      </p:ext>
+    </p:extLst>
+  </p:cSld>
+  <p:clrMapOvr>
+    <a:masterClrMapping/>
+  </p:clrMapOvr>
+  <p:timing>
+    <p:tnLst>
+      <p:par>
+        <p:cTn id="1" dur="indefinite" restart="never" nodeType="tmRoot">
+          <p:childTnLst>
+            <p:seq concurrent="1" nextAc="seek">
+              <p:cTn id="2" dur="indefinite" nodeType="mainSeq">
+                <p:childTnLst>
+                  <p:par>
+                    <p:cTn id="3" fill="hold">
+                      <p:stCondLst>
+                        <p:cond delay="indefinite"/>
+                      </p:stCondLst>
+                      <p:childTnLst>
+                        <p:par>
+                          <p:cTn id="4" fill="hold">
+                            <p:stCondLst>
+                              <p:cond delay="0"/>
+                            </p:stCondLst>
+                            <p:childTnLst>
+                              <p:par>
+                                <p:cTn id="5" presetID="1" presetClass="entr" presetSubtype="0" fill="hold" nodeType="clickEffect">
+                                  <p:stCondLst>
+                                    <p:cond delay="0"/>
+                                  </p:stCondLst>
+                                  <p:childTnLst>
+                                    <p:set>
+                                      <p:cBhvr>
+                                        <p:cTn id="6" dur="1" fill="hold">
+                                          <p:stCondLst>
+                                            <p:cond delay="0"/>
+                                          </p:stCondLst>
+                                        </p:cTn>
+                                        <p:tgtEl>
+                                          <p:spTgt spid="10"/>
+                                        </p:tgtEl>
+                                        <p:attrNameLst>
+                                          <p:attrName>style.visibility</p:attrName>
+                                        </p:attrNameLst>
+                                      </p:cBhvr>
+                                      <p:to>
+                                        <p:strVal val="visible"/>
+                                      </p:to>
+                                    </p:set>
+                                  </p:childTnLst>
+                                </p:cTn>
+                              </p:par>
+                            </p:childTnLst>
+                          </p:cTn>
+                        </p:par>
+                      </p:childTnLst>
+                    </p:cTn>
+                  </p:par>
+                </p:childTnLst>
+              </p:cTn>
+              <p:prevCondLst>
+                <p:cond evt="onPrev" delay="0">
+                  <p:tgtEl>
+                    <p:sldTgt/>
+                  </p:tgtEl>
+                </p:cond>
+              </p:prevCondLst>
+              <p:nextCondLst>
+                <p:cond evt="onNext" delay="0">
+                  <p:tgtEl>
+                    <p:sldTgt/>
+                  </p:tgtEl>
+                </p:cond>
+              </p:nextCondLst>
+            </p:seq>
+          </p:childTnLst>
+        </p:cTn>
+      </p:par>
+    </p:tnLst>
+  </p:timing>
+</p:sld>
+</file>
+
+<file path=ppt/slides/slide6.xml><?xml version="1.0" encoding="utf-8"?>
+<p:sld xmlns:a="http://schemas.openxmlformats.org/drawingml/2006/main" xmlns:r="http://schemas.openxmlformats.org/officeDocument/2006/relationships" xmlns:p="http://schemas.openxmlformats.org/presentationml/2006/main">
+  <p:cSld>
+    <p:spTree>
+      <p:nvGrpSpPr>
+        <p:cNvPr id="1" name=""/>
+        <p:cNvGrpSpPr/>
+        <p:nvPr/>
+      </p:nvGrpSpPr>
+      <p:grpSpPr>
+        <a:xfrm>
+          <a:off x="0" y="0"/>
+          <a:ext cx="0" cy="0"/>
+          <a:chOff x="0" y="0"/>
+          <a:chExt cx="0" cy="0"/>
+        </a:xfrm>
+      </p:grpSpPr>
+      <p:sp>
+        <p:nvSpPr>
+          <p:cNvPr id="2" name="Titel 1">
+            <a:extLst>
+              <a:ext uri="{FF2B5EF4-FFF2-40B4-BE49-F238E27FC236}">
+                <a16:creationId xmlns:a16="http://schemas.microsoft.com/office/drawing/2014/main" id="{50CBA54E-DED9-4D29-A44C-A5A570E93AE3}"/>
+              </a:ext>
+            </a:extLst>
+          </p:cNvPr>
+          <p:cNvSpPr>
+            <a:spLocks noGrp="1"/>
+          </p:cNvSpPr>
+          <p:nvPr>
+            <p:ph type="title"/>
+          </p:nvPr>
+        </p:nvSpPr>
+        <p:spPr/>
+        <p:txBody>
+          <a:bodyPr/>
+          <a:lstStyle/>
+          <a:p>
+            <a:r>
+              <a:rPr lang="de-DE" dirty="0"/>
+              <a:t>References</a:t>
+            </a:r>
+          </a:p>
+        </p:txBody>
+      </p:sp>
+      <p:sp>
+        <p:nvSpPr>
+          <p:cNvPr id="3" name="Inhaltsplatzhalter 2">
+            <a:extLst>
+              <a:ext uri="{FF2B5EF4-FFF2-40B4-BE49-F238E27FC236}">
+                <a16:creationId xmlns:a16="http://schemas.microsoft.com/office/drawing/2014/main" id="{34E55CDD-90F1-427C-A3F9-C9737EB67604}"/>
+              </a:ext>
+            </a:extLst>
+          </p:cNvPr>
+          <p:cNvSpPr>
+            <a:spLocks noGrp="1"/>
+          </p:cNvSpPr>
+          <p:nvPr>
+            <p:ph idx="1"/>
+          </p:nvPr>
+        </p:nvSpPr>
+        <p:spPr/>
+        <p:txBody>
+          <a:bodyPr/>
+          <a:lstStyle/>
+          <a:p>
+            <a:pPr marL="514350" indent="-514350">
+              <a:buFont typeface="+mj-lt"/>
+              <a:buAutoNum type="arabicParenBoth"/>
+            </a:pPr>
+            <a:r>
+              <a:rPr lang="de-DE" dirty="0">
+                <a:hlinkClick r:id="rId2"/>
+              </a:rPr>
+              <a:t>https://www.crypto-news.net/</a:t>
+            </a:r>
+            <a:endParaRPr lang="de-DE" dirty="0"/>
+          </a:p>
+          <a:p>
+            <a:pPr marL="514350" indent="-514350">
+              <a:buFont typeface="+mj-lt"/>
+              <a:buAutoNum type="arabicParenBoth"/>
+            </a:pPr>
+            <a:r>
+              <a:rPr lang="de-DE" dirty="0">
+                <a:hlinkClick r:id="rId3"/>
+              </a:rPr>
+              <a:t>https://www.blockchain.com/</a:t>
+            </a:r>
+            <a:endParaRPr lang="de-DE" dirty="0"/>
+          </a:p>
+          <a:p>
+            <a:pPr marL="514350" indent="-514350">
+              <a:buFont typeface="+mj-lt"/>
+              <a:buAutoNum type="arabicParenBoth"/>
+            </a:pPr>
+            <a:r>
+              <a:rPr lang="de-DE" dirty="0">
+                <a:hlinkClick r:id="rId4"/>
+              </a:rPr>
+              <a:t>https://de.wikipedia.org/wiki/Blockchain</a:t>
+            </a:r>
+            <a:endParaRPr lang="de-DE" dirty="0"/>
+          </a:p>
+          <a:p>
+            <a:pPr marL="514350" indent="-514350">
+              <a:buFont typeface="+mj-lt"/>
+              <a:buAutoNum type="arabicParenBoth"/>
+            </a:pPr>
+            <a:r>
+              <a:rPr lang="de-DE" dirty="0">
+                <a:hlinkClick r:id="rId5"/>
+              </a:rPr>
+              <a:t>https://futurezone.at/digital-life/was-ist-eigentlich-diese-blockchain/270.616.934</a:t>
+            </a:r>
+            <a:endParaRPr lang="de-DE" dirty="0"/>
+          </a:p>
+          <a:p>
+            <a:pPr marL="514350" indent="-514350">
+              <a:buFont typeface="+mj-lt"/>
+              <a:buAutoNum type="arabicParenBoth"/>
+            </a:pPr>
+            <a:endParaRPr lang="de-DE" dirty="0"/>
+          </a:p>
+        </p:txBody>
+      </p:sp>
+      <p:sp>
+        <p:nvSpPr>
+          <p:cNvPr id="4" name="Datumsplatzhalter 3">
+            <a:extLst>
+              <a:ext uri="{FF2B5EF4-FFF2-40B4-BE49-F238E27FC236}">
+                <a16:creationId xmlns:a16="http://schemas.microsoft.com/office/drawing/2014/main" id="{E0E16EF7-1D4A-4E8B-AD29-44E5511F3B9C}"/>
+              </a:ext>
+            </a:extLst>
+          </p:cNvPr>
+          <p:cNvSpPr>
+            <a:spLocks noGrp="1"/>
+          </p:cNvSpPr>
+          <p:nvPr>
+            <p:ph type="dt" sz="half" idx="10"/>
+          </p:nvPr>
+        </p:nvSpPr>
+        <p:spPr/>
+        <p:txBody>
+          <a:bodyPr/>
+          <a:lstStyle/>
+          <a:p>
+            <a:fld id="{5816D8F1-3E92-45E9-82E1-886063832025}" type="datetime1">
+              <a:rPr lang="de-AT" smtClean="0"/>
+              <a:t>13.01.2018</a:t>
+            </a:fld>
+            <a:endParaRPr lang="de-DE"/>
+          </a:p>
+        </p:txBody>
+      </p:sp>
+      <p:sp>
+        <p:nvSpPr>
+          <p:cNvPr id="5" name="Fußzeilenplatzhalter 4">
+            <a:extLst>
+              <a:ext uri="{FF2B5EF4-FFF2-40B4-BE49-F238E27FC236}">
+                <a16:creationId xmlns:a16="http://schemas.microsoft.com/office/drawing/2014/main" id="{F6721E1B-6D87-4CA6-A0B2-C17E9BC0E1A2}"/>
+              </a:ext>
+            </a:extLst>
+          </p:cNvPr>
+          <p:cNvSpPr>
+            <a:spLocks noGrp="1"/>
+          </p:cNvSpPr>
+          <p:nvPr>
+            <p:ph type="ftr" sz="quarter" idx="11"/>
+          </p:nvPr>
+        </p:nvSpPr>
+        <p:spPr/>
+        <p:txBody>
+          <a:bodyPr/>
+          <a:lstStyle/>
+          <a:p>
+            <a:r>
+              <a:rPr lang="en-US"/>
+              <a:t>FH Wels, AT-Master / INIF, ITS3ILV</a:t>
+            </a:r>
+            <a:endParaRPr lang="de-DE" dirty="0"/>
+          </a:p>
+        </p:txBody>
+      </p:sp>
+      <p:sp>
+        <p:nvSpPr>
+          <p:cNvPr id="6" name="Foliennummernplatzhalter 5">
+            <a:extLst>
+              <a:ext uri="{FF2B5EF4-FFF2-40B4-BE49-F238E27FC236}">
+                <a16:creationId xmlns:a16="http://schemas.microsoft.com/office/drawing/2014/main" id="{248194F9-2754-4427-AB7A-D818D4296943}"/>
+              </a:ext>
+            </a:extLst>
+          </p:cNvPr>
+          <p:cNvSpPr>
+            <a:spLocks noGrp="1"/>
+          </p:cNvSpPr>
+          <p:nvPr>
+            <p:ph type="sldNum" sz="quarter" idx="12"/>
+          </p:nvPr>
+        </p:nvSpPr>
+        <p:spPr/>
+        <p:txBody>
+          <a:bodyPr/>
+          <a:lstStyle/>
+          <a:p>
+            <a:fld id="{42430F15-44E3-4E69-A3DD-479649D4CC4A}" type="slidenum">
+              <a:rPr lang="de-DE" smtClean="0"/>
+              <a:t>6</a:t>
+            </a:fld>
+            <a:endParaRPr lang="de-DE"/>
+          </a:p>
+        </p:txBody>
+      </p:sp>
+      <p:sp>
+        <p:nvSpPr>
+          <p:cNvPr id="7" name="Textplatzhalter 6">
+            <a:extLst>
+              <a:ext uri="{FF2B5EF4-FFF2-40B4-BE49-F238E27FC236}">
+                <a16:creationId xmlns:a16="http://schemas.microsoft.com/office/drawing/2014/main" id="{C65BE144-5082-408A-8A73-D8CB72E2CDB4}"/>
+              </a:ext>
+            </a:extLst>
+          </p:cNvPr>
+          <p:cNvSpPr>
+            <a:spLocks noGrp="1"/>
+          </p:cNvSpPr>
+          <p:nvPr>
+            <p:ph type="body" sz="quarter" idx="13"/>
+          </p:nvPr>
+        </p:nvSpPr>
+        <p:spPr/>
+        <p:txBody>
+          <a:bodyPr/>
+          <a:lstStyle/>
+          <a:p>
+            <a:endParaRPr lang="de-DE"/>
+          </a:p>
+        </p:txBody>
+      </p:sp>
+    </p:spTree>
+    <p:extLst>
+      <p:ext uri="{BB962C8B-B14F-4D97-AF65-F5344CB8AC3E}">
+        <p14:creationId xmlns:p14="http://schemas.microsoft.com/office/powerpoint/2010/main" val="59292147"/>
+      </p:ext>
+    </p:extLst>
+  </p:cSld>
+  <p:clrMapOvr>
+    <a:masterClrMapping/>
+  </p:clrMapOvr>
+</p:sld>
+</file>
+
+<file path=ppt/slides/slide7.xml><?xml version="1.0" encoding="utf-8"?>
+<p:sld xmlns:a="http://schemas.openxmlformats.org/drawingml/2006/main" xmlns:r="http://schemas.openxmlformats.org/officeDocument/2006/relationships" xmlns:p="http://schemas.openxmlformats.org/presentationml/2006/main">
+  <p:cSld>
+    <p:spTree>
+      <p:nvGrpSpPr>
+        <p:cNvPr id="1" name=""/>
+        <p:cNvGrpSpPr/>
+        <p:nvPr/>
+      </p:nvGrpSpPr>
+      <p:grpSpPr>
+        <a:xfrm>
+          <a:off x="0" y="0"/>
+          <a:ext cx="0" cy="0"/>
+          <a:chOff x="0" y="0"/>
+          <a:chExt cx="0" cy="0"/>
+        </a:xfrm>
+      </p:grpSpPr>
+      <p:sp>
+        <p:nvSpPr>
+          <p:cNvPr id="2" name="Titel 1">
+            <a:extLst>
+              <a:ext uri="{FF2B5EF4-FFF2-40B4-BE49-F238E27FC236}">
+                <a16:creationId xmlns:a16="http://schemas.microsoft.com/office/drawing/2014/main" id="{50CBA54E-DED9-4D29-A44C-A5A570E93AE3}"/>
+              </a:ext>
+            </a:extLst>
+          </p:cNvPr>
+          <p:cNvSpPr>
+            <a:spLocks noGrp="1"/>
+          </p:cNvSpPr>
+          <p:nvPr>
+            <p:ph type="title"/>
+          </p:nvPr>
+        </p:nvSpPr>
+        <p:spPr/>
+        <p:txBody>
+          <a:bodyPr/>
+          <a:lstStyle/>
+          <a:p>
+            <a:r>
+              <a:rPr lang="de-DE" dirty="0"/>
+              <a:t>Videos</a:t>
+            </a:r>
+          </a:p>
+        </p:txBody>
+      </p:sp>
+      <p:sp>
+        <p:nvSpPr>
+          <p:cNvPr id="3" name="Inhaltsplatzhalter 2">
+            <a:extLst>
+              <a:ext uri="{FF2B5EF4-FFF2-40B4-BE49-F238E27FC236}">
+                <a16:creationId xmlns:a16="http://schemas.microsoft.com/office/drawing/2014/main" id="{34E55CDD-90F1-427C-A3F9-C9737EB67604}"/>
+              </a:ext>
+            </a:extLst>
+          </p:cNvPr>
+          <p:cNvSpPr>
+            <a:spLocks noGrp="1"/>
+          </p:cNvSpPr>
+          <p:nvPr>
+            <p:ph idx="1"/>
+          </p:nvPr>
+        </p:nvSpPr>
+        <p:spPr/>
+        <p:txBody>
+          <a:bodyPr/>
+          <a:lstStyle/>
+          <a:p>
+            <a:pPr marL="514350" indent="-514350">
+              <a:buFont typeface="+mj-lt"/>
+              <a:buAutoNum type="arabicParenBoth"/>
+            </a:pPr>
+            <a:r>
+              <a:rPr lang="de-DE" dirty="0">
+                <a:hlinkClick r:id="rId2"/>
+              </a:rPr>
+              <a:t>https://www.youtube.com/watch?v=m13mEw96nP8</a:t>
+            </a:r>
+            <a:endParaRPr lang="de-DE" dirty="0"/>
+          </a:p>
+          <a:p>
+            <a:pPr marL="514350" indent="-514350">
+              <a:buFont typeface="+mj-lt"/>
+              <a:buAutoNum type="arabicParenBoth"/>
+            </a:pPr>
+            <a:r>
+              <a:rPr lang="de-DE" dirty="0">
+                <a:hlinkClick r:id="rId3"/>
+              </a:rPr>
+              <a:t>https://www.youtube.com/watch?v=2LFENhIwSvI</a:t>
+            </a:r>
+            <a:endParaRPr lang="de-DE" dirty="0"/>
+          </a:p>
+          <a:p>
+            <a:pPr marL="514350" indent="-514350">
+              <a:buFont typeface="+mj-lt"/>
+              <a:buAutoNum type="arabicParenBoth"/>
+            </a:pPr>
+            <a:r>
+              <a:rPr lang="de-DE" dirty="0"/>
+              <a:t>https://www.youtube.com/watch?v=SSo_EIwHSd4</a:t>
+            </a:r>
+          </a:p>
+        </p:txBody>
+      </p:sp>
+      <p:sp>
+        <p:nvSpPr>
+          <p:cNvPr id="4" name="Datumsplatzhalter 3">
+            <a:extLst>
+              <a:ext uri="{FF2B5EF4-FFF2-40B4-BE49-F238E27FC236}">
+                <a16:creationId xmlns:a16="http://schemas.microsoft.com/office/drawing/2014/main" id="{E0E16EF7-1D4A-4E8B-AD29-44E5511F3B9C}"/>
+              </a:ext>
+            </a:extLst>
+          </p:cNvPr>
+          <p:cNvSpPr>
+            <a:spLocks noGrp="1"/>
+          </p:cNvSpPr>
+          <p:nvPr>
+            <p:ph type="dt" sz="half" idx="10"/>
+          </p:nvPr>
+        </p:nvSpPr>
+        <p:spPr/>
+        <p:txBody>
+          <a:bodyPr/>
+          <a:lstStyle/>
+          <a:p>
+            <a:fld id="{5816D8F1-3E92-45E9-82E1-886063832025}" type="datetime1">
+              <a:rPr lang="de-AT" smtClean="0"/>
+              <a:t>13.01.2018</a:t>
+            </a:fld>
+            <a:endParaRPr lang="de-DE"/>
+          </a:p>
+        </p:txBody>
+      </p:sp>
+      <p:sp>
+        <p:nvSpPr>
+          <p:cNvPr id="5" name="Fußzeilenplatzhalter 4">
+            <a:extLst>
+              <a:ext uri="{FF2B5EF4-FFF2-40B4-BE49-F238E27FC236}">
+                <a16:creationId xmlns:a16="http://schemas.microsoft.com/office/drawing/2014/main" id="{F6721E1B-6D87-4CA6-A0B2-C17E9BC0E1A2}"/>
+              </a:ext>
+            </a:extLst>
+          </p:cNvPr>
+          <p:cNvSpPr>
+            <a:spLocks noGrp="1"/>
+          </p:cNvSpPr>
+          <p:nvPr>
+            <p:ph type="ftr" sz="quarter" idx="11"/>
+          </p:nvPr>
+        </p:nvSpPr>
+        <p:spPr/>
+        <p:txBody>
+          <a:bodyPr/>
+          <a:lstStyle/>
+          <a:p>
+            <a:r>
+              <a:rPr lang="en-US"/>
+              <a:t>FH Wels, AT-Master / INIF, ITS3ILV</a:t>
+            </a:r>
+            <a:endParaRPr lang="de-DE" dirty="0"/>
+          </a:p>
+        </p:txBody>
+      </p:sp>
+      <p:sp>
+        <p:nvSpPr>
+          <p:cNvPr id="6" name="Foliennummernplatzhalter 5">
+            <a:extLst>
+              <a:ext uri="{FF2B5EF4-FFF2-40B4-BE49-F238E27FC236}">
+                <a16:creationId xmlns:a16="http://schemas.microsoft.com/office/drawing/2014/main" id="{248194F9-2754-4427-AB7A-D818D4296943}"/>
+              </a:ext>
+            </a:extLst>
+          </p:cNvPr>
+          <p:cNvSpPr>
+            <a:spLocks noGrp="1"/>
+          </p:cNvSpPr>
+          <p:nvPr>
+            <p:ph type="sldNum" sz="quarter" idx="12"/>
+          </p:nvPr>
+        </p:nvSpPr>
+        <p:spPr/>
+        <p:txBody>
+          <a:bodyPr/>
+          <a:lstStyle/>
+          <a:p>
+            <a:fld id="{42430F15-44E3-4E69-A3DD-479649D4CC4A}" type="slidenum">
+              <a:rPr lang="de-DE" smtClean="0"/>
+              <a:t>7</a:t>
+            </a:fld>
+            <a:endParaRPr lang="de-DE"/>
+          </a:p>
+        </p:txBody>
+      </p:sp>
+      <p:sp>
+        <p:nvSpPr>
+          <p:cNvPr id="7" name="Textplatzhalter 6">
+            <a:extLst>
+              <a:ext uri="{FF2B5EF4-FFF2-40B4-BE49-F238E27FC236}">
+                <a16:creationId xmlns:a16="http://schemas.microsoft.com/office/drawing/2014/main" id="{C65BE144-5082-408A-8A73-D8CB72E2CDB4}"/>
+              </a:ext>
+            </a:extLst>
+          </p:cNvPr>
+          <p:cNvSpPr>
+            <a:spLocks noGrp="1"/>
+          </p:cNvSpPr>
+          <p:nvPr>
+            <p:ph type="body" sz="quarter" idx="13"/>
+          </p:nvPr>
+        </p:nvSpPr>
+        <p:spPr/>
+        <p:txBody>
+          <a:bodyPr/>
+          <a:lstStyle/>
+          <a:p>
+            <a:endParaRPr lang="de-DE"/>
+          </a:p>
+        </p:txBody>
+      </p:sp>
+    </p:spTree>
+    <p:extLst>
+      <p:ext uri="{BB962C8B-B14F-4D97-AF65-F5344CB8AC3E}">
+        <p14:creationId xmlns:p14="http://schemas.microsoft.com/office/powerpoint/2010/main" val="2266573237"/>
       </p:ext>
     </p:extLst>
   </p:cSld>

--- a/Präsentation/Blockchain – Technologie.pptx
+++ b/Präsentation/Blockchain – Technologie.pptx
@@ -5,16 +5,20 @@
     <p:sldMasterId id="2147483660" r:id="rId1"/>
   </p:sldMasterIdLst>
   <p:notesMasterIdLst>
-    <p:notesMasterId r:id="rId9"/>
+    <p:notesMasterId r:id="rId13"/>
   </p:notesMasterIdLst>
   <p:sldIdLst>
     <p:sldId id="264" r:id="rId2"/>
     <p:sldId id="265" r:id="rId3"/>
     <p:sldId id="260" r:id="rId4"/>
     <p:sldId id="262" r:id="rId5"/>
-    <p:sldId id="263" r:id="rId6"/>
-    <p:sldId id="259" r:id="rId7"/>
-    <p:sldId id="261" r:id="rId8"/>
+    <p:sldId id="267" r:id="rId6"/>
+    <p:sldId id="266" r:id="rId7"/>
+    <p:sldId id="269" r:id="rId8"/>
+    <p:sldId id="263" r:id="rId9"/>
+    <p:sldId id="268" r:id="rId10"/>
+    <p:sldId id="259" r:id="rId11"/>
+    <p:sldId id="261" r:id="rId12"/>
   </p:sldIdLst>
   <p:sldSz cx="11520488" cy="6480175"/>
   <p:notesSz cx="6858000" cy="9144000"/>
@@ -126,7 +130,11 @@
           <p14:sldIdLst>
             <p14:sldId id="260"/>
             <p14:sldId id="262"/>
+            <p14:sldId id="267"/>
+            <p14:sldId id="266"/>
+            <p14:sldId id="269"/>
             <p14:sldId id="263"/>
+            <p14:sldId id="268"/>
           </p14:sldIdLst>
         </p14:section>
         <p14:section name="Kryptowährungen" id="{30871D5C-98A7-4DA8-84E8-10916C60F5DF}">
@@ -509,6 +517,261 @@
     </a:lvl9pPr>
   </p:notesStyle>
 </p:notesMaster>
+</file>
+
+<file path=ppt/notesSlides/notesSlide1.xml><?xml version="1.0" encoding="utf-8"?>
+<p:notes xmlns:a="http://schemas.openxmlformats.org/drawingml/2006/main" xmlns:r="http://schemas.openxmlformats.org/officeDocument/2006/relationships" xmlns:p="http://schemas.openxmlformats.org/presentationml/2006/main">
+  <p:cSld>
+    <p:spTree>
+      <p:nvGrpSpPr>
+        <p:cNvPr id="1" name=""/>
+        <p:cNvGrpSpPr/>
+        <p:nvPr/>
+      </p:nvGrpSpPr>
+      <p:grpSpPr>
+        <a:xfrm>
+          <a:off x="0" y="0"/>
+          <a:ext cx="0" cy="0"/>
+          <a:chOff x="0" y="0"/>
+          <a:chExt cx="0" cy="0"/>
+        </a:xfrm>
+      </p:grpSpPr>
+      <p:sp>
+        <p:nvSpPr>
+          <p:cNvPr id="2" name="Folienbildplatzhalter 1"/>
+          <p:cNvSpPr>
+            <a:spLocks noGrp="1" noRot="1" noChangeAspect="1"/>
+          </p:cNvSpPr>
+          <p:nvPr>
+            <p:ph type="sldImg"/>
+          </p:nvPr>
+        </p:nvSpPr>
+        <p:spPr/>
+      </p:sp>
+      <p:sp>
+        <p:nvSpPr>
+          <p:cNvPr id="3" name="Notizenplatzhalter 2"/>
+          <p:cNvSpPr>
+            <a:spLocks noGrp="1"/>
+          </p:cNvSpPr>
+          <p:nvPr>
+            <p:ph type="body" idx="1"/>
+          </p:nvPr>
+        </p:nvSpPr>
+        <p:spPr/>
+        <p:txBody>
+          <a:bodyPr/>
+          <a:lstStyle/>
+          <a:p>
+            <a:endParaRPr lang="de-DE" dirty="0"/>
+          </a:p>
+        </p:txBody>
+      </p:sp>
+      <p:sp>
+        <p:nvSpPr>
+          <p:cNvPr id="4" name="Foliennummernplatzhalter 3"/>
+          <p:cNvSpPr>
+            <a:spLocks noGrp="1"/>
+          </p:cNvSpPr>
+          <p:nvPr>
+            <p:ph type="sldNum" sz="quarter" idx="10"/>
+          </p:nvPr>
+        </p:nvSpPr>
+        <p:spPr/>
+        <p:txBody>
+          <a:bodyPr/>
+          <a:lstStyle/>
+          <a:p>
+            <a:fld id="{781625E1-B033-4BF3-95C5-D847FDF1B486}" type="slidenum">
+              <a:rPr lang="de-DE" smtClean="0"/>
+              <a:t>3</a:t>
+            </a:fld>
+            <a:endParaRPr lang="de-DE"/>
+          </a:p>
+        </p:txBody>
+      </p:sp>
+    </p:spTree>
+    <p:extLst>
+      <p:ext uri="{BB962C8B-B14F-4D97-AF65-F5344CB8AC3E}">
+        <p14:creationId xmlns:p14="http://schemas.microsoft.com/office/powerpoint/2010/main" val="3407338059"/>
+      </p:ext>
+    </p:extLst>
+  </p:cSld>
+  <p:clrMapOvr>
+    <a:masterClrMapping/>
+  </p:clrMapOvr>
+</p:notes>
+</file>
+
+<file path=ppt/notesSlides/notesSlide2.xml><?xml version="1.0" encoding="utf-8"?>
+<p:notes xmlns:a="http://schemas.openxmlformats.org/drawingml/2006/main" xmlns:r="http://schemas.openxmlformats.org/officeDocument/2006/relationships" xmlns:p="http://schemas.openxmlformats.org/presentationml/2006/main">
+  <p:cSld>
+    <p:spTree>
+      <p:nvGrpSpPr>
+        <p:cNvPr id="1" name=""/>
+        <p:cNvGrpSpPr/>
+        <p:nvPr/>
+      </p:nvGrpSpPr>
+      <p:grpSpPr>
+        <a:xfrm>
+          <a:off x="0" y="0"/>
+          <a:ext cx="0" cy="0"/>
+          <a:chOff x="0" y="0"/>
+          <a:chExt cx="0" cy="0"/>
+        </a:xfrm>
+      </p:grpSpPr>
+      <p:sp>
+        <p:nvSpPr>
+          <p:cNvPr id="2" name="Folienbildplatzhalter 1"/>
+          <p:cNvSpPr>
+            <a:spLocks noGrp="1" noRot="1" noChangeAspect="1"/>
+          </p:cNvSpPr>
+          <p:nvPr>
+            <p:ph type="sldImg"/>
+          </p:nvPr>
+        </p:nvSpPr>
+        <p:spPr/>
+      </p:sp>
+      <p:sp>
+        <p:nvSpPr>
+          <p:cNvPr id="3" name="Notizenplatzhalter 2"/>
+          <p:cNvSpPr>
+            <a:spLocks noGrp="1"/>
+          </p:cNvSpPr>
+          <p:nvPr>
+            <p:ph type="body" idx="1"/>
+          </p:nvPr>
+        </p:nvSpPr>
+        <p:spPr/>
+        <p:txBody>
+          <a:bodyPr/>
+          <a:lstStyle/>
+          <a:p>
+            <a:r>
+              <a:rPr lang="de-DE" dirty="0"/>
+              <a:t>Beispiele TTP: Banken, PayPal, Zertifizierungsstellen</a:t>
+            </a:r>
+          </a:p>
+        </p:txBody>
+      </p:sp>
+      <p:sp>
+        <p:nvSpPr>
+          <p:cNvPr id="4" name="Foliennummernplatzhalter 3"/>
+          <p:cNvSpPr>
+            <a:spLocks noGrp="1"/>
+          </p:cNvSpPr>
+          <p:nvPr>
+            <p:ph type="sldNum" sz="quarter" idx="10"/>
+          </p:nvPr>
+        </p:nvSpPr>
+        <p:spPr/>
+        <p:txBody>
+          <a:bodyPr/>
+          <a:lstStyle/>
+          <a:p>
+            <a:fld id="{781625E1-B033-4BF3-95C5-D847FDF1B486}" type="slidenum">
+              <a:rPr lang="de-DE" smtClean="0"/>
+              <a:t>4</a:t>
+            </a:fld>
+            <a:endParaRPr lang="de-DE"/>
+          </a:p>
+        </p:txBody>
+      </p:sp>
+    </p:spTree>
+    <p:extLst>
+      <p:ext uri="{BB962C8B-B14F-4D97-AF65-F5344CB8AC3E}">
+        <p14:creationId xmlns:p14="http://schemas.microsoft.com/office/powerpoint/2010/main" val="2278061784"/>
+      </p:ext>
+    </p:extLst>
+  </p:cSld>
+  <p:clrMapOvr>
+    <a:masterClrMapping/>
+  </p:clrMapOvr>
+</p:notes>
+</file>
+
+<file path=ppt/notesSlides/notesSlide3.xml><?xml version="1.0" encoding="utf-8"?>
+<p:notes xmlns:a="http://schemas.openxmlformats.org/drawingml/2006/main" xmlns:r="http://schemas.openxmlformats.org/officeDocument/2006/relationships" xmlns:p="http://schemas.openxmlformats.org/presentationml/2006/main">
+  <p:cSld>
+    <p:spTree>
+      <p:nvGrpSpPr>
+        <p:cNvPr id="1" name=""/>
+        <p:cNvGrpSpPr/>
+        <p:nvPr/>
+      </p:nvGrpSpPr>
+      <p:grpSpPr>
+        <a:xfrm>
+          <a:off x="0" y="0"/>
+          <a:ext cx="0" cy="0"/>
+          <a:chOff x="0" y="0"/>
+          <a:chExt cx="0" cy="0"/>
+        </a:xfrm>
+      </p:grpSpPr>
+      <p:sp>
+        <p:nvSpPr>
+          <p:cNvPr id="2" name="Folienbildplatzhalter 1"/>
+          <p:cNvSpPr>
+            <a:spLocks noGrp="1" noRot="1" noChangeAspect="1"/>
+          </p:cNvSpPr>
+          <p:nvPr>
+            <p:ph type="sldImg"/>
+          </p:nvPr>
+        </p:nvSpPr>
+        <p:spPr/>
+      </p:sp>
+      <p:sp>
+        <p:nvSpPr>
+          <p:cNvPr id="3" name="Notizenplatzhalter 2"/>
+          <p:cNvSpPr>
+            <a:spLocks noGrp="1"/>
+          </p:cNvSpPr>
+          <p:nvPr>
+            <p:ph type="body" idx="1"/>
+          </p:nvPr>
+        </p:nvSpPr>
+        <p:spPr/>
+        <p:txBody>
+          <a:bodyPr/>
+          <a:lstStyle/>
+          <a:p>
+            <a:endParaRPr lang="de-DE" dirty="0"/>
+          </a:p>
+        </p:txBody>
+      </p:sp>
+      <p:sp>
+        <p:nvSpPr>
+          <p:cNvPr id="4" name="Foliennummernplatzhalter 3"/>
+          <p:cNvSpPr>
+            <a:spLocks noGrp="1"/>
+          </p:cNvSpPr>
+          <p:nvPr>
+            <p:ph type="sldNum" sz="quarter" idx="10"/>
+          </p:nvPr>
+        </p:nvSpPr>
+        <p:spPr/>
+        <p:txBody>
+          <a:bodyPr/>
+          <a:lstStyle/>
+          <a:p>
+            <a:fld id="{781625E1-B033-4BF3-95C5-D847FDF1B486}" type="slidenum">
+              <a:rPr lang="de-DE" smtClean="0"/>
+              <a:t>7</a:t>
+            </a:fld>
+            <a:endParaRPr lang="de-DE"/>
+          </a:p>
+        </p:txBody>
+      </p:sp>
+    </p:spTree>
+    <p:extLst>
+      <p:ext uri="{BB962C8B-B14F-4D97-AF65-F5344CB8AC3E}">
+        <p14:creationId xmlns:p14="http://schemas.microsoft.com/office/powerpoint/2010/main" val="3521357527"/>
+      </p:ext>
+    </p:extLst>
+  </p:cSld>
+  <p:clrMapOvr>
+    <a:masterClrMapping/>
+  </p:clrMapOvr>
+</p:notes>
 </file>
 
 <file path=ppt/slideLayouts/slideLayout1.xml><?xml version="1.0" encoding="utf-8"?>
@@ -3953,6 +4216,605 @@
 </p:sld>
 </file>
 
+<file path=ppt/slides/slide10.xml><?xml version="1.0" encoding="utf-8"?>
+<p:sld xmlns:a="http://schemas.openxmlformats.org/drawingml/2006/main" xmlns:r="http://schemas.openxmlformats.org/officeDocument/2006/relationships" xmlns:p="http://schemas.openxmlformats.org/presentationml/2006/main">
+  <p:cSld>
+    <p:spTree>
+      <p:nvGrpSpPr>
+        <p:cNvPr id="1" name=""/>
+        <p:cNvGrpSpPr/>
+        <p:nvPr/>
+      </p:nvGrpSpPr>
+      <p:grpSpPr>
+        <a:xfrm>
+          <a:off x="0" y="0"/>
+          <a:ext cx="0" cy="0"/>
+          <a:chOff x="0" y="0"/>
+          <a:chExt cx="0" cy="0"/>
+        </a:xfrm>
+      </p:grpSpPr>
+      <p:sp>
+        <p:nvSpPr>
+          <p:cNvPr id="2" name="Titel 1">
+            <a:extLst>
+              <a:ext uri="{FF2B5EF4-FFF2-40B4-BE49-F238E27FC236}">
+                <a16:creationId xmlns:a16="http://schemas.microsoft.com/office/drawing/2014/main" id="{50CBA54E-DED9-4D29-A44C-A5A570E93AE3}"/>
+              </a:ext>
+            </a:extLst>
+          </p:cNvPr>
+          <p:cNvSpPr>
+            <a:spLocks noGrp="1"/>
+          </p:cNvSpPr>
+          <p:nvPr>
+            <p:ph type="title"/>
+          </p:nvPr>
+        </p:nvSpPr>
+        <p:spPr/>
+        <p:txBody>
+          <a:bodyPr/>
+          <a:lstStyle/>
+          <a:p>
+            <a:r>
+              <a:rPr lang="de-DE" dirty="0"/>
+              <a:t>Referenzen</a:t>
+            </a:r>
+          </a:p>
+        </p:txBody>
+      </p:sp>
+      <p:sp>
+        <p:nvSpPr>
+          <p:cNvPr id="3" name="Inhaltsplatzhalter 2">
+            <a:extLst>
+              <a:ext uri="{FF2B5EF4-FFF2-40B4-BE49-F238E27FC236}">
+                <a16:creationId xmlns:a16="http://schemas.microsoft.com/office/drawing/2014/main" id="{34E55CDD-90F1-427C-A3F9-C9737EB67604}"/>
+              </a:ext>
+            </a:extLst>
+          </p:cNvPr>
+          <p:cNvSpPr>
+            <a:spLocks noGrp="1"/>
+          </p:cNvSpPr>
+          <p:nvPr>
+            <p:ph idx="1"/>
+          </p:nvPr>
+        </p:nvSpPr>
+        <p:spPr/>
+        <p:txBody>
+          <a:bodyPr/>
+          <a:lstStyle/>
+          <a:p>
+            <a:pPr marL="514350" indent="-514350">
+              <a:buFont typeface="+mj-lt"/>
+              <a:buAutoNum type="arabicParenBoth"/>
+            </a:pPr>
+            <a:r>
+              <a:rPr lang="de-DE" dirty="0">
+                <a:hlinkClick r:id="rId2"/>
+              </a:rPr>
+              <a:t>https://www.crypto-news.net/</a:t>
+            </a:r>
+            <a:endParaRPr lang="de-DE" dirty="0"/>
+          </a:p>
+          <a:p>
+            <a:pPr marL="514350" indent="-514350">
+              <a:buFont typeface="+mj-lt"/>
+              <a:buAutoNum type="arabicParenBoth"/>
+            </a:pPr>
+            <a:r>
+              <a:rPr lang="de-DE" dirty="0">
+                <a:hlinkClick r:id="rId3"/>
+              </a:rPr>
+              <a:t>https://www.blockchain.info/</a:t>
+            </a:r>
+            <a:endParaRPr lang="de-DE" dirty="0"/>
+          </a:p>
+          <a:p>
+            <a:pPr marL="514350" indent="-514350">
+              <a:buFont typeface="+mj-lt"/>
+              <a:buAutoNum type="arabicParenBoth"/>
+            </a:pPr>
+            <a:r>
+              <a:rPr lang="de-DE" dirty="0">
+                <a:hlinkClick r:id="rId4"/>
+              </a:rPr>
+              <a:t>https://de.wikipedia.org/wiki/Blockchain</a:t>
+            </a:r>
+            <a:endParaRPr lang="de-DE" dirty="0"/>
+          </a:p>
+          <a:p>
+            <a:pPr marL="514350" indent="-514350">
+              <a:buFont typeface="+mj-lt"/>
+              <a:buAutoNum type="arabicParenBoth"/>
+            </a:pPr>
+            <a:r>
+              <a:rPr lang="de-DE" dirty="0">
+                <a:hlinkClick r:id="rId5"/>
+              </a:rPr>
+              <a:t>https://futurezone.at/digital-life/was-ist-eigentlich-diese-blockchain/270.616.934</a:t>
+            </a:r>
+            <a:endParaRPr lang="de-DE" dirty="0"/>
+          </a:p>
+          <a:p>
+            <a:pPr marL="514350" indent="-514350">
+              <a:buFont typeface="+mj-lt"/>
+              <a:buAutoNum type="arabicParenBoth"/>
+            </a:pPr>
+            <a:r>
+              <a:rPr lang="de-DE" dirty="0">
+                <a:hlinkClick r:id="rId6"/>
+              </a:rPr>
+              <a:t>https://blockchainbasics.ch</a:t>
+            </a:r>
+            <a:endParaRPr lang="de-DE" dirty="0"/>
+          </a:p>
+          <a:p>
+            <a:pPr marL="514350" indent="-514350">
+              <a:buFont typeface="+mj-lt"/>
+              <a:buAutoNum type="arabicParenBoth"/>
+            </a:pPr>
+            <a:r>
+              <a:rPr lang="de-DE" dirty="0">
+                <a:hlinkClick r:id="rId7"/>
+              </a:rPr>
+              <a:t>https://anders.com/blockchain/</a:t>
+            </a:r>
+            <a:endParaRPr lang="de-DE" dirty="0"/>
+          </a:p>
+          <a:p>
+            <a:pPr marL="0" indent="0">
+              <a:buNone/>
+            </a:pPr>
+            <a:endParaRPr lang="de-DE" dirty="0"/>
+          </a:p>
+          <a:p>
+            <a:pPr marL="514350" indent="-514350">
+              <a:buFont typeface="+mj-lt"/>
+              <a:buAutoNum type="arabicParenBoth"/>
+            </a:pPr>
+            <a:endParaRPr lang="de-DE" dirty="0"/>
+          </a:p>
+          <a:p>
+            <a:pPr marL="514350" indent="-514350">
+              <a:buFont typeface="+mj-lt"/>
+              <a:buAutoNum type="arabicParenBoth"/>
+            </a:pPr>
+            <a:endParaRPr lang="de-DE" dirty="0"/>
+          </a:p>
+        </p:txBody>
+      </p:sp>
+      <p:sp>
+        <p:nvSpPr>
+          <p:cNvPr id="4" name="Datumsplatzhalter 3">
+            <a:extLst>
+              <a:ext uri="{FF2B5EF4-FFF2-40B4-BE49-F238E27FC236}">
+                <a16:creationId xmlns:a16="http://schemas.microsoft.com/office/drawing/2014/main" id="{E0E16EF7-1D4A-4E8B-AD29-44E5511F3B9C}"/>
+              </a:ext>
+            </a:extLst>
+          </p:cNvPr>
+          <p:cNvSpPr>
+            <a:spLocks noGrp="1"/>
+          </p:cNvSpPr>
+          <p:nvPr>
+            <p:ph type="dt" sz="half" idx="10"/>
+          </p:nvPr>
+        </p:nvSpPr>
+        <p:spPr/>
+        <p:txBody>
+          <a:bodyPr/>
+          <a:lstStyle/>
+          <a:p>
+            <a:fld id="{5816D8F1-3E92-45E9-82E1-886063832025}" type="datetime1">
+              <a:rPr lang="de-AT" smtClean="0"/>
+              <a:t>13.01.2018</a:t>
+            </a:fld>
+            <a:endParaRPr lang="de-DE"/>
+          </a:p>
+        </p:txBody>
+      </p:sp>
+      <p:sp>
+        <p:nvSpPr>
+          <p:cNvPr id="5" name="Fußzeilenplatzhalter 4">
+            <a:extLst>
+              <a:ext uri="{FF2B5EF4-FFF2-40B4-BE49-F238E27FC236}">
+                <a16:creationId xmlns:a16="http://schemas.microsoft.com/office/drawing/2014/main" id="{F6721E1B-6D87-4CA6-A0B2-C17E9BC0E1A2}"/>
+              </a:ext>
+            </a:extLst>
+          </p:cNvPr>
+          <p:cNvSpPr>
+            <a:spLocks noGrp="1"/>
+          </p:cNvSpPr>
+          <p:nvPr>
+            <p:ph type="ftr" sz="quarter" idx="11"/>
+          </p:nvPr>
+        </p:nvSpPr>
+        <p:spPr/>
+        <p:txBody>
+          <a:bodyPr/>
+          <a:lstStyle/>
+          <a:p>
+            <a:r>
+              <a:rPr lang="en-US"/>
+              <a:t>FH Wels, AT-Master / INIF, ITS3ILV</a:t>
+            </a:r>
+            <a:endParaRPr lang="de-DE" dirty="0"/>
+          </a:p>
+        </p:txBody>
+      </p:sp>
+      <p:sp>
+        <p:nvSpPr>
+          <p:cNvPr id="6" name="Foliennummernplatzhalter 5">
+            <a:extLst>
+              <a:ext uri="{FF2B5EF4-FFF2-40B4-BE49-F238E27FC236}">
+                <a16:creationId xmlns:a16="http://schemas.microsoft.com/office/drawing/2014/main" id="{248194F9-2754-4427-AB7A-D818D4296943}"/>
+              </a:ext>
+            </a:extLst>
+          </p:cNvPr>
+          <p:cNvSpPr>
+            <a:spLocks noGrp="1"/>
+          </p:cNvSpPr>
+          <p:nvPr>
+            <p:ph type="sldNum" sz="quarter" idx="12"/>
+          </p:nvPr>
+        </p:nvSpPr>
+        <p:spPr/>
+        <p:txBody>
+          <a:bodyPr/>
+          <a:lstStyle/>
+          <a:p>
+            <a:fld id="{42430F15-44E3-4E69-A3DD-479649D4CC4A}" type="slidenum">
+              <a:rPr lang="de-DE" smtClean="0"/>
+              <a:t>10</a:t>
+            </a:fld>
+            <a:endParaRPr lang="de-DE"/>
+          </a:p>
+        </p:txBody>
+      </p:sp>
+      <p:sp>
+        <p:nvSpPr>
+          <p:cNvPr id="7" name="Textplatzhalter 6">
+            <a:extLst>
+              <a:ext uri="{FF2B5EF4-FFF2-40B4-BE49-F238E27FC236}">
+                <a16:creationId xmlns:a16="http://schemas.microsoft.com/office/drawing/2014/main" id="{C65BE144-5082-408A-8A73-D8CB72E2CDB4}"/>
+              </a:ext>
+            </a:extLst>
+          </p:cNvPr>
+          <p:cNvSpPr>
+            <a:spLocks noGrp="1"/>
+          </p:cNvSpPr>
+          <p:nvPr>
+            <p:ph type="body" sz="quarter" idx="13"/>
+          </p:nvPr>
+        </p:nvSpPr>
+        <p:spPr/>
+        <p:txBody>
+          <a:bodyPr/>
+          <a:lstStyle/>
+          <a:p>
+            <a:r>
+              <a:rPr lang="de-DE" dirty="0">
+                <a:solidFill>
+                  <a:schemeClr val="bg1">
+                    <a:lumMod val="50000"/>
+                  </a:schemeClr>
+                </a:solidFill>
+              </a:rPr>
+              <a:t>● Blockchain</a:t>
+            </a:r>
+            <a:r>
+              <a:rPr lang="de-DE" dirty="0">
+                <a:solidFill>
+                  <a:schemeClr val="bg1">
+                    <a:lumMod val="75000"/>
+                  </a:schemeClr>
+                </a:solidFill>
+              </a:rPr>
+              <a:t> </a:t>
+            </a:r>
+            <a:r>
+              <a:rPr lang="de-DE" b="1" dirty="0">
+                <a:solidFill>
+                  <a:srgbClr val="FF0000"/>
+                </a:solidFill>
+              </a:rPr>
+              <a:t>●</a:t>
+            </a:r>
+            <a:r>
+              <a:rPr lang="de-DE" b="1" dirty="0"/>
+              <a:t> </a:t>
+            </a:r>
+            <a:r>
+              <a:rPr lang="de-DE" b="1" dirty="0">
+                <a:solidFill>
+                  <a:schemeClr val="tx1"/>
+                </a:solidFill>
+              </a:rPr>
+              <a:t>Anhang</a:t>
+            </a:r>
+          </a:p>
+        </p:txBody>
+      </p:sp>
+    </p:spTree>
+    <p:extLst>
+      <p:ext uri="{BB962C8B-B14F-4D97-AF65-F5344CB8AC3E}">
+        <p14:creationId xmlns:p14="http://schemas.microsoft.com/office/powerpoint/2010/main" val="59292147"/>
+      </p:ext>
+    </p:extLst>
+  </p:cSld>
+  <p:clrMapOvr>
+    <a:masterClrMapping/>
+  </p:clrMapOvr>
+</p:sld>
+</file>
+
+<file path=ppt/slides/slide11.xml><?xml version="1.0" encoding="utf-8"?>
+<p:sld xmlns:a="http://schemas.openxmlformats.org/drawingml/2006/main" xmlns:r="http://schemas.openxmlformats.org/officeDocument/2006/relationships" xmlns:p="http://schemas.openxmlformats.org/presentationml/2006/main">
+  <p:cSld>
+    <p:spTree>
+      <p:nvGrpSpPr>
+        <p:cNvPr id="1" name=""/>
+        <p:cNvGrpSpPr/>
+        <p:nvPr/>
+      </p:nvGrpSpPr>
+      <p:grpSpPr>
+        <a:xfrm>
+          <a:off x="0" y="0"/>
+          <a:ext cx="0" cy="0"/>
+          <a:chOff x="0" y="0"/>
+          <a:chExt cx="0" cy="0"/>
+        </a:xfrm>
+      </p:grpSpPr>
+      <p:sp>
+        <p:nvSpPr>
+          <p:cNvPr id="2" name="Titel 1">
+            <a:extLst>
+              <a:ext uri="{FF2B5EF4-FFF2-40B4-BE49-F238E27FC236}">
+                <a16:creationId xmlns:a16="http://schemas.microsoft.com/office/drawing/2014/main" id="{50CBA54E-DED9-4D29-A44C-A5A570E93AE3}"/>
+              </a:ext>
+            </a:extLst>
+          </p:cNvPr>
+          <p:cNvSpPr>
+            <a:spLocks noGrp="1"/>
+          </p:cNvSpPr>
+          <p:nvPr>
+            <p:ph type="title"/>
+          </p:nvPr>
+        </p:nvSpPr>
+        <p:spPr/>
+        <p:txBody>
+          <a:bodyPr/>
+          <a:lstStyle/>
+          <a:p>
+            <a:r>
+              <a:rPr lang="de-DE" dirty="0"/>
+              <a:t>Videos</a:t>
+            </a:r>
+          </a:p>
+        </p:txBody>
+      </p:sp>
+      <p:sp>
+        <p:nvSpPr>
+          <p:cNvPr id="3" name="Inhaltsplatzhalter 2">
+            <a:extLst>
+              <a:ext uri="{FF2B5EF4-FFF2-40B4-BE49-F238E27FC236}">
+                <a16:creationId xmlns:a16="http://schemas.microsoft.com/office/drawing/2014/main" id="{34E55CDD-90F1-427C-A3F9-C9737EB67604}"/>
+              </a:ext>
+            </a:extLst>
+          </p:cNvPr>
+          <p:cNvSpPr>
+            <a:spLocks noGrp="1"/>
+          </p:cNvSpPr>
+          <p:nvPr>
+            <p:ph idx="1"/>
+          </p:nvPr>
+        </p:nvSpPr>
+        <p:spPr/>
+        <p:txBody>
+          <a:bodyPr/>
+          <a:lstStyle/>
+          <a:p>
+            <a:pPr marL="514350" indent="-514350">
+              <a:buFont typeface="+mj-lt"/>
+              <a:buAutoNum type="arabicParenBoth"/>
+            </a:pPr>
+            <a:r>
+              <a:rPr lang="de-DE" dirty="0">
+                <a:hlinkClick r:id="rId2"/>
+              </a:rPr>
+              <a:t>https://www.youtube.com/watch?v=m13mEw96nP8</a:t>
+            </a:r>
+            <a:endParaRPr lang="de-DE" dirty="0"/>
+          </a:p>
+          <a:p>
+            <a:pPr marL="514350" indent="-514350">
+              <a:buFont typeface="+mj-lt"/>
+              <a:buAutoNum type="arabicParenBoth"/>
+            </a:pPr>
+            <a:r>
+              <a:rPr lang="de-DE" dirty="0">
+                <a:hlinkClick r:id="rId3"/>
+              </a:rPr>
+              <a:t>https://www.youtube.com/watch?v=2LFENhIwSvI</a:t>
+            </a:r>
+            <a:endParaRPr lang="de-DE" dirty="0"/>
+          </a:p>
+          <a:p>
+            <a:pPr marL="514350" indent="-514350">
+              <a:buFont typeface="+mj-lt"/>
+              <a:buAutoNum type="arabicParenBoth"/>
+            </a:pPr>
+            <a:r>
+              <a:rPr lang="de-DE" dirty="0">
+                <a:hlinkClick r:id="rId4"/>
+              </a:rPr>
+              <a:t>https://www.youtube.com/watch?v=SSo_EIwHSd4</a:t>
+            </a:r>
+            <a:endParaRPr lang="de-DE" dirty="0"/>
+          </a:p>
+        </p:txBody>
+      </p:sp>
+      <p:sp>
+        <p:nvSpPr>
+          <p:cNvPr id="4" name="Datumsplatzhalter 3">
+            <a:extLst>
+              <a:ext uri="{FF2B5EF4-FFF2-40B4-BE49-F238E27FC236}">
+                <a16:creationId xmlns:a16="http://schemas.microsoft.com/office/drawing/2014/main" id="{E0E16EF7-1D4A-4E8B-AD29-44E5511F3B9C}"/>
+              </a:ext>
+            </a:extLst>
+          </p:cNvPr>
+          <p:cNvSpPr>
+            <a:spLocks noGrp="1"/>
+          </p:cNvSpPr>
+          <p:nvPr>
+            <p:ph type="dt" sz="half" idx="10"/>
+          </p:nvPr>
+        </p:nvSpPr>
+        <p:spPr/>
+        <p:txBody>
+          <a:bodyPr/>
+          <a:lstStyle/>
+          <a:p>
+            <a:fld id="{5816D8F1-3E92-45E9-82E1-886063832025}" type="datetime1">
+              <a:rPr lang="de-AT" smtClean="0"/>
+              <a:t>13.01.2018</a:t>
+            </a:fld>
+            <a:endParaRPr lang="de-DE"/>
+          </a:p>
+        </p:txBody>
+      </p:sp>
+      <p:sp>
+        <p:nvSpPr>
+          <p:cNvPr id="5" name="Fußzeilenplatzhalter 4">
+            <a:extLst>
+              <a:ext uri="{FF2B5EF4-FFF2-40B4-BE49-F238E27FC236}">
+                <a16:creationId xmlns:a16="http://schemas.microsoft.com/office/drawing/2014/main" id="{F6721E1B-6D87-4CA6-A0B2-C17E9BC0E1A2}"/>
+              </a:ext>
+            </a:extLst>
+          </p:cNvPr>
+          <p:cNvSpPr>
+            <a:spLocks noGrp="1"/>
+          </p:cNvSpPr>
+          <p:nvPr>
+            <p:ph type="ftr" sz="quarter" idx="11"/>
+          </p:nvPr>
+        </p:nvSpPr>
+        <p:spPr/>
+        <p:txBody>
+          <a:bodyPr/>
+          <a:lstStyle/>
+          <a:p>
+            <a:r>
+              <a:rPr lang="en-US"/>
+              <a:t>FH Wels, AT-Master / INIF, ITS3ILV</a:t>
+            </a:r>
+            <a:endParaRPr lang="de-DE" dirty="0"/>
+          </a:p>
+        </p:txBody>
+      </p:sp>
+      <p:sp>
+        <p:nvSpPr>
+          <p:cNvPr id="6" name="Foliennummernplatzhalter 5">
+            <a:extLst>
+              <a:ext uri="{FF2B5EF4-FFF2-40B4-BE49-F238E27FC236}">
+                <a16:creationId xmlns:a16="http://schemas.microsoft.com/office/drawing/2014/main" id="{248194F9-2754-4427-AB7A-D818D4296943}"/>
+              </a:ext>
+            </a:extLst>
+          </p:cNvPr>
+          <p:cNvSpPr>
+            <a:spLocks noGrp="1"/>
+          </p:cNvSpPr>
+          <p:nvPr>
+            <p:ph type="sldNum" sz="quarter" idx="12"/>
+          </p:nvPr>
+        </p:nvSpPr>
+        <p:spPr/>
+        <p:txBody>
+          <a:bodyPr/>
+          <a:lstStyle/>
+          <a:p>
+            <a:fld id="{42430F15-44E3-4E69-A3DD-479649D4CC4A}" type="slidenum">
+              <a:rPr lang="de-DE" smtClean="0"/>
+              <a:t>11</a:t>
+            </a:fld>
+            <a:endParaRPr lang="de-DE"/>
+          </a:p>
+        </p:txBody>
+      </p:sp>
+      <p:sp>
+        <p:nvSpPr>
+          <p:cNvPr id="7" name="Textplatzhalter 6">
+            <a:extLst>
+              <a:ext uri="{FF2B5EF4-FFF2-40B4-BE49-F238E27FC236}">
+                <a16:creationId xmlns:a16="http://schemas.microsoft.com/office/drawing/2014/main" id="{C65BE144-5082-408A-8A73-D8CB72E2CDB4}"/>
+              </a:ext>
+            </a:extLst>
+          </p:cNvPr>
+          <p:cNvSpPr>
+            <a:spLocks noGrp="1"/>
+          </p:cNvSpPr>
+          <p:nvPr>
+            <p:ph type="body" sz="quarter" idx="13"/>
+          </p:nvPr>
+        </p:nvSpPr>
+        <p:spPr/>
+        <p:txBody>
+          <a:bodyPr/>
+          <a:lstStyle/>
+          <a:p>
+            <a:r>
+              <a:rPr lang="de-DE" dirty="0">
+                <a:solidFill>
+                  <a:schemeClr val="bg1">
+                    <a:lumMod val="50000"/>
+                  </a:schemeClr>
+                </a:solidFill>
+              </a:rPr>
+              <a:t>● Blockchain</a:t>
+            </a:r>
+            <a:r>
+              <a:rPr lang="de-DE" dirty="0">
+                <a:solidFill>
+                  <a:schemeClr val="bg1">
+                    <a:lumMod val="75000"/>
+                  </a:schemeClr>
+                </a:solidFill>
+              </a:rPr>
+              <a:t> </a:t>
+            </a:r>
+            <a:r>
+              <a:rPr lang="de-DE" b="1" dirty="0">
+                <a:solidFill>
+                  <a:srgbClr val="FF0000"/>
+                </a:solidFill>
+              </a:rPr>
+              <a:t>●</a:t>
+            </a:r>
+            <a:r>
+              <a:rPr lang="de-DE" b="1" dirty="0"/>
+              <a:t> </a:t>
+            </a:r>
+            <a:r>
+              <a:rPr lang="de-DE" b="1" dirty="0">
+                <a:solidFill>
+                  <a:schemeClr val="tx1"/>
+                </a:solidFill>
+              </a:rPr>
+              <a:t>Anhang</a:t>
+            </a:r>
+          </a:p>
+        </p:txBody>
+      </p:sp>
+    </p:spTree>
+    <p:extLst>
+      <p:ext uri="{BB962C8B-B14F-4D97-AF65-F5344CB8AC3E}">
+        <p14:creationId xmlns:p14="http://schemas.microsoft.com/office/powerpoint/2010/main" val="2266573237"/>
+      </p:ext>
+    </p:extLst>
+  </p:cSld>
+  <p:clrMapOvr>
+    <a:masterClrMapping/>
+  </p:clrMapOvr>
+</p:sld>
+</file>
+
 <file path=ppt/slides/slide2.xml><?xml version="1.0" encoding="utf-8"?>
 <p:sld xmlns:a="http://schemas.openxmlformats.org/drawingml/2006/main" xmlns:r="http://schemas.openxmlformats.org/officeDocument/2006/relationships" xmlns:p="http://schemas.openxmlformats.org/presentationml/2006/main">
   <p:cSld>
@@ -4016,7 +4878,9 @@
         </p:nvSpPr>
         <p:spPr/>
         <p:txBody>
-          <a:bodyPr/>
+          <a:bodyPr numCol="2">
+            <a:normAutofit/>
+          </a:bodyPr>
           <a:lstStyle/>
           <a:p>
             <a:r>
@@ -4035,7 +4899,21 @@
             <a:pPr lvl="1"/>
             <a:r>
               <a:rPr lang="de-DE" dirty="0"/>
-              <a:t>Grundlagen</a:t>
+              <a:t>Motivation</a:t>
+            </a:r>
+          </a:p>
+          <a:p>
+            <a:pPr lvl="1"/>
+            <a:r>
+              <a:rPr lang="de-DE" dirty="0"/>
+              <a:t>Die Blockchain</a:t>
+            </a:r>
+          </a:p>
+          <a:p>
+            <a:pPr lvl="1"/>
+            <a:r>
+              <a:rPr lang="de-DE" dirty="0"/>
+              <a:t>Vor- / Nachteile</a:t>
             </a:r>
           </a:p>
           <a:p>
@@ -4056,6 +4934,32 @@
             <a:r>
               <a:rPr lang="de-DE" dirty="0"/>
               <a:t>…</a:t>
+            </a:r>
+          </a:p>
+          <a:p>
+            <a:endParaRPr lang="de-DE" dirty="0"/>
+          </a:p>
+          <a:p>
+            <a:endParaRPr lang="de-DE" dirty="0"/>
+          </a:p>
+          <a:p>
+            <a:r>
+              <a:rPr lang="de-DE" dirty="0"/>
+              <a:t>Anhang</a:t>
+            </a:r>
+          </a:p>
+          <a:p>
+            <a:pPr lvl="1"/>
+            <a:r>
+              <a:rPr lang="de-DE" dirty="0"/>
+              <a:t>Referenzen</a:t>
+            </a:r>
+          </a:p>
+          <a:p>
+            <a:pPr lvl="1"/>
+            <a:r>
+              <a:rPr lang="de-DE" dirty="0"/>
+              <a:t>Videos</a:t>
             </a:r>
           </a:p>
         </p:txBody>
@@ -4288,7 +5192,44 @@
             </a:pPr>
             <a:r>
               <a:rPr lang="de-DE" dirty="0"/>
-              <a:t>Blockchain nutzt kryptographische Verfahren (Hashwertberechnung)</a:t>
+              <a:t>Blockchain nutzt kryptographische Verfahren (Hashwert - Berechnung)</a:t>
+            </a:r>
+          </a:p>
+          <a:p>
+            <a:pPr marL="432008" lvl="1" indent="0">
+              <a:lnSpc>
+                <a:spcPct val="100000"/>
+              </a:lnSpc>
+              <a:buNone/>
+            </a:pPr>
+            <a:r>
+              <a:rPr lang="de-DE"/>
+              <a:t>	</a:t>
+            </a:r>
+            <a:r>
+              <a:rPr lang="de-DE">
+                <a:sym typeface="Wingdings" panose="05000000000000000000" pitchFamily="2" charset="2"/>
+              </a:rPr>
+              <a:t></a:t>
+            </a:r>
+            <a:r>
+              <a:rPr lang="de-DE"/>
+              <a:t>Blockchain </a:t>
+            </a:r>
+            <a:r>
+              <a:rPr lang="de-DE" dirty="0"/>
+              <a:t>ist eine „Distributed Ledger“ Technologie</a:t>
+            </a:r>
+          </a:p>
+          <a:p>
+            <a:pPr>
+              <a:lnSpc>
+                <a:spcPct val="100000"/>
+              </a:lnSpc>
+            </a:pPr>
+            <a:r>
+              <a:rPr lang="de-DE" dirty="0"/>
+              <a:t>Blockchain bietet Sicherheit</a:t>
             </a:r>
           </a:p>
           <a:p>
@@ -4299,7 +5240,7 @@
             </a:pPr>
             <a:r>
               <a:rPr lang="de-DE" dirty="0"/>
-              <a:t>Blockchain bietet Schutz vor dem nachträglichem Verändern von Daten</a:t>
+              <a:t>Nur bedingt</a:t>
             </a:r>
           </a:p>
           <a:p>
@@ -4496,6 +5437,346 @@
   <p:clrMapOvr>
     <a:masterClrMapping/>
   </p:clrMapOvr>
+  <p:timing>
+    <p:tnLst>
+      <p:par>
+        <p:cTn id="1" dur="indefinite" restart="never" nodeType="tmRoot">
+          <p:childTnLst>
+            <p:seq concurrent="1" nextAc="seek">
+              <p:cTn id="2" dur="indefinite" nodeType="mainSeq">
+                <p:childTnLst>
+                  <p:par>
+                    <p:cTn id="3" fill="hold">
+                      <p:stCondLst>
+                        <p:cond delay="indefinite"/>
+                      </p:stCondLst>
+                      <p:childTnLst>
+                        <p:par>
+                          <p:cTn id="4" fill="hold">
+                            <p:stCondLst>
+                              <p:cond delay="0"/>
+                            </p:stCondLst>
+                            <p:childTnLst>
+                              <p:par>
+                                <p:cTn id="5" presetID="1" presetClass="entr" presetSubtype="0" fill="hold" grpId="0" nodeType="clickEffect">
+                                  <p:stCondLst>
+                                    <p:cond delay="0"/>
+                                  </p:stCondLst>
+                                  <p:childTnLst>
+                                    <p:set>
+                                      <p:cBhvr>
+                                        <p:cTn id="6" dur="1" fill="hold">
+                                          <p:stCondLst>
+                                            <p:cond delay="0"/>
+                                          </p:stCondLst>
+                                        </p:cTn>
+                                        <p:tgtEl>
+                                          <p:spTgt spid="3">
+                                            <p:txEl>
+                                              <p:pRg st="0" end="0"/>
+                                            </p:txEl>
+                                          </p:spTgt>
+                                        </p:tgtEl>
+                                        <p:attrNameLst>
+                                          <p:attrName>style.visibility</p:attrName>
+                                        </p:attrNameLst>
+                                      </p:cBhvr>
+                                      <p:to>
+                                        <p:strVal val="visible"/>
+                                      </p:to>
+                                    </p:set>
+                                  </p:childTnLst>
+                                </p:cTn>
+                              </p:par>
+                            </p:childTnLst>
+                          </p:cTn>
+                        </p:par>
+                      </p:childTnLst>
+                    </p:cTn>
+                  </p:par>
+                  <p:par>
+                    <p:cTn id="7" fill="hold">
+                      <p:stCondLst>
+                        <p:cond delay="indefinite"/>
+                      </p:stCondLst>
+                      <p:childTnLst>
+                        <p:par>
+                          <p:cTn id="8" fill="hold">
+                            <p:stCondLst>
+                              <p:cond delay="0"/>
+                            </p:stCondLst>
+                            <p:childTnLst>
+                              <p:par>
+                                <p:cTn id="9" presetID="1" presetClass="entr" presetSubtype="0" fill="hold" grpId="0" nodeType="clickEffect">
+                                  <p:stCondLst>
+                                    <p:cond delay="0"/>
+                                  </p:stCondLst>
+                                  <p:childTnLst>
+                                    <p:set>
+                                      <p:cBhvr>
+                                        <p:cTn id="10" dur="1" fill="hold">
+                                          <p:stCondLst>
+                                            <p:cond delay="0"/>
+                                          </p:stCondLst>
+                                        </p:cTn>
+                                        <p:tgtEl>
+                                          <p:spTgt spid="3">
+                                            <p:txEl>
+                                              <p:pRg st="1" end="1"/>
+                                            </p:txEl>
+                                          </p:spTgt>
+                                        </p:tgtEl>
+                                        <p:attrNameLst>
+                                          <p:attrName>style.visibility</p:attrName>
+                                        </p:attrNameLst>
+                                      </p:cBhvr>
+                                      <p:to>
+                                        <p:strVal val="visible"/>
+                                      </p:to>
+                                    </p:set>
+                                  </p:childTnLst>
+                                </p:cTn>
+                              </p:par>
+                              <p:par>
+                                <p:cTn id="11" presetID="1" presetClass="entr" presetSubtype="0" fill="hold" grpId="0" nodeType="withEffect">
+                                  <p:stCondLst>
+                                    <p:cond delay="0"/>
+                                  </p:stCondLst>
+                                  <p:childTnLst>
+                                    <p:set>
+                                      <p:cBhvr>
+                                        <p:cTn id="12" dur="1" fill="hold">
+                                          <p:stCondLst>
+                                            <p:cond delay="0"/>
+                                          </p:stCondLst>
+                                        </p:cTn>
+                                        <p:tgtEl>
+                                          <p:spTgt spid="3">
+                                            <p:txEl>
+                                              <p:pRg st="2" end="2"/>
+                                            </p:txEl>
+                                          </p:spTgt>
+                                        </p:tgtEl>
+                                        <p:attrNameLst>
+                                          <p:attrName>style.visibility</p:attrName>
+                                        </p:attrNameLst>
+                                      </p:cBhvr>
+                                      <p:to>
+                                        <p:strVal val="visible"/>
+                                      </p:to>
+                                    </p:set>
+                                  </p:childTnLst>
+                                </p:cTn>
+                              </p:par>
+                            </p:childTnLst>
+                          </p:cTn>
+                        </p:par>
+                      </p:childTnLst>
+                    </p:cTn>
+                  </p:par>
+                  <p:par>
+                    <p:cTn id="13" fill="hold">
+                      <p:stCondLst>
+                        <p:cond delay="indefinite"/>
+                      </p:stCondLst>
+                      <p:childTnLst>
+                        <p:par>
+                          <p:cTn id="14" fill="hold">
+                            <p:stCondLst>
+                              <p:cond delay="0"/>
+                            </p:stCondLst>
+                            <p:childTnLst>
+                              <p:par>
+                                <p:cTn id="15" presetID="1" presetClass="entr" presetSubtype="0" fill="hold" grpId="0" nodeType="clickEffect">
+                                  <p:stCondLst>
+                                    <p:cond delay="0"/>
+                                  </p:stCondLst>
+                                  <p:childTnLst>
+                                    <p:set>
+                                      <p:cBhvr>
+                                        <p:cTn id="16" dur="1" fill="hold">
+                                          <p:stCondLst>
+                                            <p:cond delay="0"/>
+                                          </p:stCondLst>
+                                        </p:cTn>
+                                        <p:tgtEl>
+                                          <p:spTgt spid="3">
+                                            <p:txEl>
+                                              <p:pRg st="3" end="3"/>
+                                            </p:txEl>
+                                          </p:spTgt>
+                                        </p:tgtEl>
+                                        <p:attrNameLst>
+                                          <p:attrName>style.visibility</p:attrName>
+                                        </p:attrNameLst>
+                                      </p:cBhvr>
+                                      <p:to>
+                                        <p:strVal val="visible"/>
+                                      </p:to>
+                                    </p:set>
+                                  </p:childTnLst>
+                                </p:cTn>
+                              </p:par>
+                              <p:par>
+                                <p:cTn id="17" presetID="1" presetClass="entr" presetSubtype="0" fill="hold" grpId="0" nodeType="withEffect">
+                                  <p:stCondLst>
+                                    <p:cond delay="0"/>
+                                  </p:stCondLst>
+                                  <p:childTnLst>
+                                    <p:set>
+                                      <p:cBhvr>
+                                        <p:cTn id="18" dur="1" fill="hold">
+                                          <p:stCondLst>
+                                            <p:cond delay="0"/>
+                                          </p:stCondLst>
+                                        </p:cTn>
+                                        <p:tgtEl>
+                                          <p:spTgt spid="3">
+                                            <p:txEl>
+                                              <p:pRg st="4" end="4"/>
+                                            </p:txEl>
+                                          </p:spTgt>
+                                        </p:tgtEl>
+                                        <p:attrNameLst>
+                                          <p:attrName>style.visibility</p:attrName>
+                                        </p:attrNameLst>
+                                      </p:cBhvr>
+                                      <p:to>
+                                        <p:strVal val="visible"/>
+                                      </p:to>
+                                    </p:set>
+                                  </p:childTnLst>
+                                </p:cTn>
+                              </p:par>
+                            </p:childTnLst>
+                          </p:cTn>
+                        </p:par>
+                      </p:childTnLst>
+                    </p:cTn>
+                  </p:par>
+                  <p:par>
+                    <p:cTn id="19" fill="hold">
+                      <p:stCondLst>
+                        <p:cond delay="indefinite"/>
+                      </p:stCondLst>
+                      <p:childTnLst>
+                        <p:par>
+                          <p:cTn id="20" fill="hold">
+                            <p:stCondLst>
+                              <p:cond delay="0"/>
+                            </p:stCondLst>
+                            <p:childTnLst>
+                              <p:par>
+                                <p:cTn id="21" presetID="1" presetClass="entr" presetSubtype="0" fill="hold" grpId="0" nodeType="clickEffect">
+                                  <p:stCondLst>
+                                    <p:cond delay="0"/>
+                                  </p:stCondLst>
+                                  <p:childTnLst>
+                                    <p:set>
+                                      <p:cBhvr>
+                                        <p:cTn id="22" dur="1" fill="hold">
+                                          <p:stCondLst>
+                                            <p:cond delay="0"/>
+                                          </p:stCondLst>
+                                        </p:cTn>
+                                        <p:tgtEl>
+                                          <p:spTgt spid="3">
+                                            <p:txEl>
+                                              <p:pRg st="5" end="5"/>
+                                            </p:txEl>
+                                          </p:spTgt>
+                                        </p:tgtEl>
+                                        <p:attrNameLst>
+                                          <p:attrName>style.visibility</p:attrName>
+                                        </p:attrNameLst>
+                                      </p:cBhvr>
+                                      <p:to>
+                                        <p:strVal val="visible"/>
+                                      </p:to>
+                                    </p:set>
+                                  </p:childTnLst>
+                                </p:cTn>
+                              </p:par>
+                            </p:childTnLst>
+                          </p:cTn>
+                        </p:par>
+                      </p:childTnLst>
+                    </p:cTn>
+                  </p:par>
+                  <p:par>
+                    <p:cTn id="23" fill="hold">
+                      <p:stCondLst>
+                        <p:cond delay="indefinite"/>
+                      </p:stCondLst>
+                      <p:childTnLst>
+                        <p:par>
+                          <p:cTn id="24" fill="hold">
+                            <p:stCondLst>
+                              <p:cond delay="0"/>
+                            </p:stCondLst>
+                            <p:childTnLst>
+                              <p:par>
+                                <p:cTn id="25" presetID="1" presetClass="entr" presetSubtype="0" fill="hold" grpId="0" nodeType="clickEffect">
+                                  <p:stCondLst>
+                                    <p:cond delay="0"/>
+                                  </p:stCondLst>
+                                  <p:childTnLst>
+                                    <p:set>
+                                      <p:cBhvr>
+                                        <p:cTn id="26" dur="1" fill="hold">
+                                          <p:stCondLst>
+                                            <p:cond delay="0"/>
+                                          </p:stCondLst>
+                                        </p:cTn>
+                                        <p:tgtEl>
+                                          <p:spTgt spid="3">
+                                            <p:txEl>
+                                              <p:pRg st="6" end="6"/>
+                                            </p:txEl>
+                                          </p:spTgt>
+                                        </p:tgtEl>
+                                        <p:attrNameLst>
+                                          <p:attrName>style.visibility</p:attrName>
+                                        </p:attrNameLst>
+                                      </p:cBhvr>
+                                      <p:to>
+                                        <p:strVal val="visible"/>
+                                      </p:to>
+                                    </p:set>
+                                  </p:childTnLst>
+                                </p:cTn>
+                              </p:par>
+                            </p:childTnLst>
+                          </p:cTn>
+                        </p:par>
+                      </p:childTnLst>
+                    </p:cTn>
+                  </p:par>
+                </p:childTnLst>
+              </p:cTn>
+              <p:prevCondLst>
+                <p:cond evt="onPrev" delay="0">
+                  <p:tgtEl>
+                    <p:sldTgt/>
+                  </p:tgtEl>
+                </p:cond>
+              </p:prevCondLst>
+              <p:nextCondLst>
+                <p:cond evt="onNext" delay="0">
+                  <p:tgtEl>
+                    <p:sldTgt/>
+                  </p:tgtEl>
+                </p:cond>
+              </p:nextCondLst>
+            </p:seq>
+          </p:childTnLst>
+        </p:cTn>
+      </p:par>
+    </p:tnLst>
+    <p:bldLst>
+      <p:bldP spid="3" grpId="0" uiExpand="1" build="p"/>
+    </p:bldLst>
+  </p:timing>
 </p:sld>
 </file>
 
@@ -4516,6 +5797,42 @@
           <a:chExt cx="0" cy="0"/>
         </a:xfrm>
       </p:grpSpPr>
+      <p:pic>
+        <p:nvPicPr>
+          <p:cNvPr id="15" name="Grafik 14">
+            <a:extLst>
+              <a:ext uri="{FF2B5EF4-FFF2-40B4-BE49-F238E27FC236}">
+                <a16:creationId xmlns:a16="http://schemas.microsoft.com/office/drawing/2014/main" id="{3D71FABF-CBFE-4DE0-8CEF-9EA08084ABA0}"/>
+              </a:ext>
+            </a:extLst>
+          </p:cNvPr>
+          <p:cNvPicPr>
+            <a:picLocks noChangeAspect="1"/>
+          </p:cNvPicPr>
+          <p:nvPr/>
+        </p:nvPicPr>
+        <p:blipFill>
+          <a:blip r:embed="rId3">
+            <a:extLst>
+              <a:ext uri="{28A0092B-C50C-407E-A947-70E740481C1C}">
+                <a14:useLocalDpi xmlns:a14="http://schemas.microsoft.com/office/drawing/2010/main" val="0"/>
+              </a:ext>
+            </a:extLst>
+          </a:blip>
+          <a:stretch>
+            <a:fillRect/>
+          </a:stretch>
+        </p:blipFill>
+        <p:spPr>
+          <a:xfrm>
+            <a:off x="7463886" y="381023"/>
+            <a:ext cx="3600000" cy="3211364"/>
+          </a:xfrm>
+          <a:prstGeom prst="rect">
+            <a:avLst/>
+          </a:prstGeom>
+        </p:spPr>
+      </p:pic>
       <p:sp>
         <p:nvSpPr>
           <p:cNvPr id="2" name="Titel 1">
@@ -4572,13 +5889,49 @@
             </a:pPr>
             <a:r>
               <a:rPr lang="de-DE" dirty="0"/>
-              <a:t>Blockchain ≠ </a:t>
+              <a:t>„</a:t>
             </a:r>
             <a:r>
               <a:rPr lang="de-DE" dirty="0" err="1"/>
-              <a:t>BitCoin</a:t>
-            </a:r>
-            <a:endParaRPr lang="de-DE" dirty="0"/>
+              <a:t>Trusted</a:t>
+            </a:r>
+            <a:r>
+              <a:rPr lang="de-DE" dirty="0"/>
+              <a:t> Third Party“ (TTP) Problem</a:t>
+            </a:r>
+          </a:p>
+          <a:p>
+            <a:pPr lvl="1">
+              <a:lnSpc>
+                <a:spcPct val="100000"/>
+              </a:lnSpc>
+            </a:pPr>
+            <a:r>
+              <a:rPr lang="de-DE" dirty="0"/>
+              <a:t>Beide Parteien müssen 3. Partei vertrauen</a:t>
+            </a:r>
+          </a:p>
+          <a:p>
+            <a:pPr lvl="1">
+              <a:lnSpc>
+                <a:spcPct val="100000"/>
+              </a:lnSpc>
+            </a:pPr>
+            <a:r>
+              <a:rPr lang="de-DE" dirty="0"/>
+              <a:t>Wer kontrolliert die 3. Partei?</a:t>
+            </a:r>
+          </a:p>
+          <a:p>
+            <a:pPr lvl="1">
+              <a:lnSpc>
+                <a:spcPct val="100000"/>
+              </a:lnSpc>
+            </a:pPr>
+            <a:r>
+              <a:rPr lang="de-DE" dirty="0"/>
+              <a:t>Kosten für die 3. Partei</a:t>
+            </a:r>
           </a:p>
           <a:p>
             <a:pPr>
@@ -4587,13 +5940,66 @@
               </a:lnSpc>
             </a:pPr>
             <a:r>
+              <a:rPr lang="de-DE" dirty="0"/>
+              <a:t>„</a:t>
+            </a:r>
+            <a:r>
               <a:rPr lang="de-DE" dirty="0" err="1"/>
-              <a:t>BitCoin</a:t>
+              <a:t>Trustless</a:t>
             </a:r>
             <a:r>
               <a:rPr lang="de-DE" dirty="0"/>
-              <a:t> verwendet die Blockchain Technologie</a:t>
-            </a:r>
+              <a:t> System“</a:t>
+            </a:r>
+          </a:p>
+          <a:p>
+            <a:pPr lvl="1">
+              <a:lnSpc>
+                <a:spcPct val="100000"/>
+              </a:lnSpc>
+            </a:pPr>
+            <a:r>
+              <a:rPr lang="de-DE" dirty="0"/>
+              <a:t>Vertrauen ist gut, Kontrolle ist besser</a:t>
+            </a:r>
+          </a:p>
+          <a:p>
+            <a:pPr lvl="1">
+              <a:lnSpc>
+                <a:spcPct val="100000"/>
+              </a:lnSpc>
+            </a:pPr>
+            <a:r>
+              <a:rPr lang="de-DE" dirty="0"/>
+              <a:t>Gegenseitige Kontrolle</a:t>
+            </a:r>
+          </a:p>
+          <a:p>
+            <a:pPr lvl="1">
+              <a:lnSpc>
+                <a:spcPct val="100000"/>
+              </a:lnSpc>
+            </a:pPr>
+            <a:r>
+              <a:rPr lang="de-DE" dirty="0"/>
+              <a:t>Anonymität</a:t>
+            </a:r>
+          </a:p>
+          <a:p>
+            <a:pPr lvl="1">
+              <a:lnSpc>
+                <a:spcPct val="150000"/>
+              </a:lnSpc>
+            </a:pPr>
+            <a:endParaRPr lang="de-DE" dirty="0"/>
+          </a:p>
+          <a:p>
+            <a:pPr lvl="1">
+              <a:lnSpc>
+                <a:spcPct val="150000"/>
+              </a:lnSpc>
+            </a:pPr>
+            <a:endParaRPr lang="de-DE" dirty="0"/>
           </a:p>
         </p:txBody>
       </p:sp>
@@ -4648,7 +6054,7 @@
           <a:lstStyle/>
           <a:p>
             <a:r>
-              <a:rPr lang="en-US"/>
+              <a:rPr lang="en-US" dirty="0"/>
               <a:t>FH Wels, AT-Master / INIF, ITS3ILV</a:t>
             </a:r>
             <a:endParaRPr lang="de-DE" dirty="0"/>
@@ -4716,22 +6122,14 @@
               <a:t>● Blockchain</a:t>
             </a:r>
             <a:r>
-              <a:rPr lang="de-DE" b="1" dirty="0">
+              <a:rPr lang="de-DE" dirty="0">
                 <a:solidFill>
-                  <a:schemeClr val="tx1"/>
+                  <a:schemeClr val="bg1">
+                    <a:lumMod val="75000"/>
+                  </a:schemeClr>
                 </a:solidFill>
               </a:rPr>
               <a:t> </a:t>
-            </a:r>
-            <a:r>
-              <a:rPr lang="de-DE" dirty="0">
-                <a:solidFill>
-                  <a:schemeClr val="bg1">
-                    <a:lumMod val="50000"/>
-                  </a:schemeClr>
-                </a:solidFill>
-              </a:rPr>
-              <a:t>● Verfahren </a:t>
             </a:r>
             <a:r>
               <a:rPr lang="de-DE" b="1" dirty="0">
@@ -4751,11 +6149,414 @@
                   <a:schemeClr val="tx1"/>
                 </a:solidFill>
               </a:rPr>
-              <a:t>Grundlagen</a:t>
-            </a:r>
-          </a:p>
-        </p:txBody>
-      </p:sp>
+              <a:t>Verfahren</a:t>
+            </a:r>
+          </a:p>
+        </p:txBody>
+      </p:sp>
+      <p:grpSp>
+        <p:nvGrpSpPr>
+          <p:cNvPr id="16" name="Gruppieren 15">
+            <a:extLst>
+              <a:ext uri="{FF2B5EF4-FFF2-40B4-BE49-F238E27FC236}">
+                <a16:creationId xmlns:a16="http://schemas.microsoft.com/office/drawing/2014/main" id="{67962E78-2D4A-47EF-BDFC-3DE15EA673A2}"/>
+              </a:ext>
+            </a:extLst>
+          </p:cNvPr>
+          <p:cNvGrpSpPr>
+            <a:grpSpLocks noChangeAspect="1"/>
+          </p:cNvGrpSpPr>
+          <p:nvPr/>
+        </p:nvGrpSpPr>
+        <p:grpSpPr>
+          <a:xfrm>
+            <a:off x="7463886" y="1727837"/>
+            <a:ext cx="3600000" cy="1864550"/>
+            <a:chOff x="6371386" y="2520778"/>
+            <a:chExt cx="5004130" cy="2591776"/>
+          </a:xfrm>
+        </p:grpSpPr>
+        <p:pic>
+          <p:nvPicPr>
+            <p:cNvPr id="10" name="Grafik 9">
+              <a:extLst>
+                <a:ext uri="{FF2B5EF4-FFF2-40B4-BE49-F238E27FC236}">
+                  <a16:creationId xmlns:a16="http://schemas.microsoft.com/office/drawing/2014/main" id="{ED884D23-622D-4428-B804-80B09927F557}"/>
+                </a:ext>
+              </a:extLst>
+            </p:cNvPr>
+            <p:cNvPicPr>
+              <a:picLocks noChangeAspect="1"/>
+            </p:cNvPicPr>
+            <p:nvPr/>
+          </p:nvPicPr>
+          <p:blipFill rotWithShape="1">
+            <a:blip r:embed="rId3">
+              <a:extLst>
+                <a:ext uri="{28A0092B-C50C-407E-A947-70E740481C1C}">
+                  <a14:useLocalDpi xmlns:a14="http://schemas.microsoft.com/office/drawing/2010/main" val="0"/>
+                </a:ext>
+              </a:extLst>
+            </a:blip>
+            <a:srcRect t="41939"/>
+            <a:stretch/>
+          </p:blipFill>
+          <p:spPr>
+            <a:xfrm>
+              <a:off x="6371386" y="2520778"/>
+              <a:ext cx="5004130" cy="2591776"/>
+            </a:xfrm>
+            <a:prstGeom prst="rect">
+              <a:avLst/>
+            </a:prstGeom>
+          </p:spPr>
+        </p:pic>
+        <p:sp>
+          <p:nvSpPr>
+            <p:cNvPr id="11" name="Fußzeilenplatzhalter 4">
+              <a:extLst>
+                <a:ext uri="{FF2B5EF4-FFF2-40B4-BE49-F238E27FC236}">
+                  <a16:creationId xmlns:a16="http://schemas.microsoft.com/office/drawing/2014/main" id="{FD7B0085-101E-42DF-A57C-1EA2784300B2}"/>
+                </a:ext>
+              </a:extLst>
+            </p:cNvPr>
+            <p:cNvSpPr txBox="1">
+              <a:spLocks/>
+            </p:cNvSpPr>
+            <p:nvPr/>
+          </p:nvSpPr>
+          <p:spPr>
+            <a:xfrm>
+              <a:off x="9035516" y="4572555"/>
+              <a:ext cx="2340000" cy="360000"/>
+            </a:xfrm>
+            <a:prstGeom prst="rect">
+              <a:avLst/>
+            </a:prstGeom>
+          </p:spPr>
+          <p:txBody>
+            <a:bodyPr vert="horz" lIns="91440" tIns="45720" rIns="91440" bIns="45720" rtlCol="0" anchor="ctr"/>
+            <a:lstStyle>
+              <a:defPPr>
+                <a:defRPr lang="en-US"/>
+              </a:defPPr>
+              <a:lvl1pPr marL="0" algn="ctr" defTabSz="457200" rtl="0" eaLnBrk="1" latinLnBrk="0" hangingPunct="1">
+                <a:defRPr sz="1134" kern="1200">
+                  <a:solidFill>
+                    <a:schemeClr val="tx1">
+                      <a:tint val="75000"/>
+                    </a:schemeClr>
+                  </a:solidFill>
+                  <a:latin typeface="+mn-lt"/>
+                  <a:ea typeface="+mn-ea"/>
+                  <a:cs typeface="+mn-cs"/>
+                </a:defRPr>
+              </a:lvl1pPr>
+              <a:lvl2pPr marL="457200" algn="l" defTabSz="457200" rtl="0" eaLnBrk="1" latinLnBrk="0" hangingPunct="1">
+                <a:defRPr sz="1800" kern="1200">
+                  <a:solidFill>
+                    <a:schemeClr val="tx1"/>
+                  </a:solidFill>
+                  <a:latin typeface="+mn-lt"/>
+                  <a:ea typeface="+mn-ea"/>
+                  <a:cs typeface="+mn-cs"/>
+                </a:defRPr>
+              </a:lvl2pPr>
+              <a:lvl3pPr marL="914400" algn="l" defTabSz="457200" rtl="0" eaLnBrk="1" latinLnBrk="0" hangingPunct="1">
+                <a:defRPr sz="1800" kern="1200">
+                  <a:solidFill>
+                    <a:schemeClr val="tx1"/>
+                  </a:solidFill>
+                  <a:latin typeface="+mn-lt"/>
+                  <a:ea typeface="+mn-ea"/>
+                  <a:cs typeface="+mn-cs"/>
+                </a:defRPr>
+              </a:lvl3pPr>
+              <a:lvl4pPr marL="1371600" algn="l" defTabSz="457200" rtl="0" eaLnBrk="1" latinLnBrk="0" hangingPunct="1">
+                <a:defRPr sz="1800" kern="1200">
+                  <a:solidFill>
+                    <a:schemeClr val="tx1"/>
+                  </a:solidFill>
+                  <a:latin typeface="+mn-lt"/>
+                  <a:ea typeface="+mn-ea"/>
+                  <a:cs typeface="+mn-cs"/>
+                </a:defRPr>
+              </a:lvl4pPr>
+              <a:lvl5pPr marL="1828800" algn="l" defTabSz="457200" rtl="0" eaLnBrk="1" latinLnBrk="0" hangingPunct="1">
+                <a:defRPr sz="1800" kern="1200">
+                  <a:solidFill>
+                    <a:schemeClr val="tx1"/>
+                  </a:solidFill>
+                  <a:latin typeface="+mn-lt"/>
+                  <a:ea typeface="+mn-ea"/>
+                  <a:cs typeface="+mn-cs"/>
+                </a:defRPr>
+              </a:lvl5pPr>
+              <a:lvl6pPr marL="2286000" algn="l" defTabSz="457200" rtl="0" eaLnBrk="1" latinLnBrk="0" hangingPunct="1">
+                <a:defRPr sz="1800" kern="1200">
+                  <a:solidFill>
+                    <a:schemeClr val="tx1"/>
+                  </a:solidFill>
+                  <a:latin typeface="+mn-lt"/>
+                  <a:ea typeface="+mn-ea"/>
+                  <a:cs typeface="+mn-cs"/>
+                </a:defRPr>
+              </a:lvl6pPr>
+              <a:lvl7pPr marL="2743200" algn="l" defTabSz="457200" rtl="0" eaLnBrk="1" latinLnBrk="0" hangingPunct="1">
+                <a:defRPr sz="1800" kern="1200">
+                  <a:solidFill>
+                    <a:schemeClr val="tx1"/>
+                  </a:solidFill>
+                  <a:latin typeface="+mn-lt"/>
+                  <a:ea typeface="+mn-ea"/>
+                  <a:cs typeface="+mn-cs"/>
+                </a:defRPr>
+              </a:lvl7pPr>
+              <a:lvl8pPr marL="3200400" algn="l" defTabSz="457200" rtl="0" eaLnBrk="1" latinLnBrk="0" hangingPunct="1">
+                <a:defRPr sz="1800" kern="1200">
+                  <a:solidFill>
+                    <a:schemeClr val="tx1"/>
+                  </a:solidFill>
+                  <a:latin typeface="+mn-lt"/>
+                  <a:ea typeface="+mn-ea"/>
+                  <a:cs typeface="+mn-cs"/>
+                </a:defRPr>
+              </a:lvl8pPr>
+              <a:lvl9pPr marL="3657600" algn="l" defTabSz="457200" rtl="0" eaLnBrk="1" latinLnBrk="0" hangingPunct="1">
+                <a:defRPr sz="1800" kern="1200">
+                  <a:solidFill>
+                    <a:schemeClr val="tx1"/>
+                  </a:solidFill>
+                  <a:latin typeface="+mn-lt"/>
+                  <a:ea typeface="+mn-ea"/>
+                  <a:cs typeface="+mn-cs"/>
+                </a:defRPr>
+              </a:lvl9pPr>
+            </a:lstStyle>
+            <a:p>
+              <a:r>
+                <a:rPr lang="en-US" dirty="0"/>
+                <a:t>http://www.artsetter.com</a:t>
+              </a:r>
+              <a:endParaRPr lang="de-DE" dirty="0"/>
+            </a:p>
+          </p:txBody>
+        </p:sp>
+      </p:grpSp>
+      <p:grpSp>
+        <p:nvGrpSpPr>
+          <p:cNvPr id="25" name="Gruppieren 24">
+            <a:extLst>
+              <a:ext uri="{FF2B5EF4-FFF2-40B4-BE49-F238E27FC236}">
+                <a16:creationId xmlns:a16="http://schemas.microsoft.com/office/drawing/2014/main" id="{2D7B2BD1-37CB-445F-AD40-F59C9E30C7A6}"/>
+              </a:ext>
+            </a:extLst>
+          </p:cNvPr>
+          <p:cNvGrpSpPr/>
+          <p:nvPr/>
+        </p:nvGrpSpPr>
+        <p:grpSpPr>
+          <a:xfrm>
+            <a:off x="6527165" y="3552871"/>
+            <a:ext cx="4632835" cy="2240945"/>
+            <a:chOff x="3013650" y="2887724"/>
+            <a:chExt cx="5194108" cy="2962275"/>
+          </a:xfrm>
+        </p:grpSpPr>
+        <p:pic>
+          <p:nvPicPr>
+            <p:cNvPr id="23" name="Grafik 22">
+              <a:extLst>
+                <a:ext uri="{FF2B5EF4-FFF2-40B4-BE49-F238E27FC236}">
+                  <a16:creationId xmlns:a16="http://schemas.microsoft.com/office/drawing/2014/main" id="{4E3CB6E4-1632-4B22-846A-5EDB37B892CD}"/>
+                </a:ext>
+              </a:extLst>
+            </p:cNvPr>
+            <p:cNvPicPr>
+              <a:picLocks noChangeAspect="1"/>
+            </p:cNvPicPr>
+            <p:nvPr/>
+          </p:nvPicPr>
+          <p:blipFill>
+            <a:blip r:embed="rId4">
+              <a:clrChange>
+                <a:clrFrom>
+                  <a:srgbClr val="FFFFFF"/>
+                </a:clrFrom>
+                <a:clrTo>
+                  <a:srgbClr val="FFFFFF">
+                    <a:alpha val="0"/>
+                  </a:srgbClr>
+                </a:clrTo>
+              </a:clrChange>
+              <a:extLst>
+                <a:ext uri="{28A0092B-C50C-407E-A947-70E740481C1C}">
+                  <a14:useLocalDpi xmlns:a14="http://schemas.microsoft.com/office/drawing/2010/main" val="0"/>
+                </a:ext>
+              </a:extLst>
+            </a:blip>
+            <a:stretch>
+              <a:fillRect/>
+            </a:stretch>
+          </p:blipFill>
+          <p:spPr>
+            <a:xfrm>
+              <a:off x="3013650" y="2887724"/>
+              <a:ext cx="5086350" cy="2962275"/>
+            </a:xfrm>
+            <a:prstGeom prst="rect">
+              <a:avLst/>
+            </a:prstGeom>
+          </p:spPr>
+        </p:pic>
+        <p:sp>
+          <p:nvSpPr>
+            <p:cNvPr id="24" name="Fußzeilenplatzhalter 4">
+              <a:extLst>
+                <a:ext uri="{FF2B5EF4-FFF2-40B4-BE49-F238E27FC236}">
+                  <a16:creationId xmlns:a16="http://schemas.microsoft.com/office/drawing/2014/main" id="{C69AAE0A-A0C0-4CF5-92D2-8E0CA36F5411}"/>
+                </a:ext>
+              </a:extLst>
+            </p:cNvPr>
+            <p:cNvSpPr txBox="1">
+              <a:spLocks/>
+            </p:cNvSpPr>
+            <p:nvPr/>
+          </p:nvSpPr>
+          <p:spPr>
+            <a:xfrm>
+              <a:off x="5867758" y="5475754"/>
+              <a:ext cx="2340000" cy="360000"/>
+            </a:xfrm>
+            <a:prstGeom prst="rect">
+              <a:avLst/>
+            </a:prstGeom>
+          </p:spPr>
+          <p:txBody>
+            <a:bodyPr vert="horz" lIns="91440" tIns="45720" rIns="91440" bIns="45720" rtlCol="0" anchor="ctr"/>
+            <a:lstStyle>
+              <a:defPPr>
+                <a:defRPr lang="en-US"/>
+              </a:defPPr>
+              <a:lvl1pPr marL="0" algn="ctr" defTabSz="457200" rtl="0" eaLnBrk="1" latinLnBrk="0" hangingPunct="1">
+                <a:defRPr sz="1134" kern="1200">
+                  <a:solidFill>
+                    <a:schemeClr val="tx1">
+                      <a:tint val="75000"/>
+                    </a:schemeClr>
+                  </a:solidFill>
+                  <a:latin typeface="+mn-lt"/>
+                  <a:ea typeface="+mn-ea"/>
+                  <a:cs typeface="+mn-cs"/>
+                </a:defRPr>
+              </a:lvl1pPr>
+              <a:lvl2pPr marL="457200" algn="l" defTabSz="457200" rtl="0" eaLnBrk="1" latinLnBrk="0" hangingPunct="1">
+                <a:defRPr sz="1800" kern="1200">
+                  <a:solidFill>
+                    <a:schemeClr val="tx1"/>
+                  </a:solidFill>
+                  <a:latin typeface="+mn-lt"/>
+                  <a:ea typeface="+mn-ea"/>
+                  <a:cs typeface="+mn-cs"/>
+                </a:defRPr>
+              </a:lvl2pPr>
+              <a:lvl3pPr marL="914400" algn="l" defTabSz="457200" rtl="0" eaLnBrk="1" latinLnBrk="0" hangingPunct="1">
+                <a:defRPr sz="1800" kern="1200">
+                  <a:solidFill>
+                    <a:schemeClr val="tx1"/>
+                  </a:solidFill>
+                  <a:latin typeface="+mn-lt"/>
+                  <a:ea typeface="+mn-ea"/>
+                  <a:cs typeface="+mn-cs"/>
+                </a:defRPr>
+              </a:lvl3pPr>
+              <a:lvl4pPr marL="1371600" algn="l" defTabSz="457200" rtl="0" eaLnBrk="1" latinLnBrk="0" hangingPunct="1">
+                <a:defRPr sz="1800" kern="1200">
+                  <a:solidFill>
+                    <a:schemeClr val="tx1"/>
+                  </a:solidFill>
+                  <a:latin typeface="+mn-lt"/>
+                  <a:ea typeface="+mn-ea"/>
+                  <a:cs typeface="+mn-cs"/>
+                </a:defRPr>
+              </a:lvl4pPr>
+              <a:lvl5pPr marL="1828800" algn="l" defTabSz="457200" rtl="0" eaLnBrk="1" latinLnBrk="0" hangingPunct="1">
+                <a:defRPr sz="1800" kern="1200">
+                  <a:solidFill>
+                    <a:schemeClr val="tx1"/>
+                  </a:solidFill>
+                  <a:latin typeface="+mn-lt"/>
+                  <a:ea typeface="+mn-ea"/>
+                  <a:cs typeface="+mn-cs"/>
+                </a:defRPr>
+              </a:lvl5pPr>
+              <a:lvl6pPr marL="2286000" algn="l" defTabSz="457200" rtl="0" eaLnBrk="1" latinLnBrk="0" hangingPunct="1">
+                <a:defRPr sz="1800" kern="1200">
+                  <a:solidFill>
+                    <a:schemeClr val="tx1"/>
+                  </a:solidFill>
+                  <a:latin typeface="+mn-lt"/>
+                  <a:ea typeface="+mn-ea"/>
+                  <a:cs typeface="+mn-cs"/>
+                </a:defRPr>
+              </a:lvl6pPr>
+              <a:lvl7pPr marL="2743200" algn="l" defTabSz="457200" rtl="0" eaLnBrk="1" latinLnBrk="0" hangingPunct="1">
+                <a:defRPr sz="1800" kern="1200">
+                  <a:solidFill>
+                    <a:schemeClr val="tx1"/>
+                  </a:solidFill>
+                  <a:latin typeface="+mn-lt"/>
+                  <a:ea typeface="+mn-ea"/>
+                  <a:cs typeface="+mn-cs"/>
+                </a:defRPr>
+              </a:lvl7pPr>
+              <a:lvl8pPr marL="3200400" algn="l" defTabSz="457200" rtl="0" eaLnBrk="1" latinLnBrk="0" hangingPunct="1">
+                <a:defRPr sz="1800" kern="1200">
+                  <a:solidFill>
+                    <a:schemeClr val="tx1"/>
+                  </a:solidFill>
+                  <a:latin typeface="+mn-lt"/>
+                  <a:ea typeface="+mn-ea"/>
+                  <a:cs typeface="+mn-cs"/>
+                </a:defRPr>
+              </a:lvl8pPr>
+              <a:lvl9pPr marL="3657600" algn="l" defTabSz="457200" rtl="0" eaLnBrk="1" latinLnBrk="0" hangingPunct="1">
+                <a:defRPr sz="1800" kern="1200">
+                  <a:solidFill>
+                    <a:schemeClr val="tx1"/>
+                  </a:solidFill>
+                  <a:latin typeface="+mn-lt"/>
+                  <a:ea typeface="+mn-ea"/>
+                  <a:cs typeface="+mn-cs"/>
+                </a:defRPr>
+              </a:lvl9pPr>
+            </a:lstStyle>
+            <a:p>
+              <a:r>
+                <a:rPr lang="en-US" dirty="0"/>
+                <a:t>Sebastian </a:t>
+              </a:r>
+              <a:r>
+                <a:rPr lang="en-US" dirty="0" err="1"/>
+                <a:t>Perbrandt</a:t>
+              </a:r>
+              <a:r>
+                <a:rPr lang="en-US" dirty="0"/>
+                <a:t>, </a:t>
+              </a:r>
+              <a:r>
+                <a:rPr lang="en-US" dirty="0" err="1"/>
+                <a:t>FernUniversität</a:t>
+              </a:r>
+              <a:r>
+                <a:rPr lang="en-US" dirty="0"/>
+                <a:t> Hagen</a:t>
+              </a:r>
+              <a:endParaRPr lang="de-DE" dirty="0"/>
+            </a:p>
+          </p:txBody>
+        </p:sp>
+      </p:grpSp>
     </p:spTree>
     <p:extLst>
       <p:ext uri="{BB962C8B-B14F-4D97-AF65-F5344CB8AC3E}">
@@ -4766,6 +6567,564 @@
   <p:clrMapOvr>
     <a:masterClrMapping/>
   </p:clrMapOvr>
+  <p:timing>
+    <p:tnLst>
+      <p:par>
+        <p:cTn id="1" dur="indefinite" restart="never" nodeType="tmRoot">
+          <p:childTnLst>
+            <p:seq concurrent="1" nextAc="seek">
+              <p:cTn id="2" dur="indefinite" nodeType="mainSeq">
+                <p:childTnLst>
+                  <p:par>
+                    <p:cTn id="3" fill="hold">
+                      <p:stCondLst>
+                        <p:cond delay="indefinite"/>
+                      </p:stCondLst>
+                      <p:childTnLst>
+                        <p:par>
+                          <p:cTn id="4" fill="hold">
+                            <p:stCondLst>
+                              <p:cond delay="0"/>
+                            </p:stCondLst>
+                            <p:childTnLst>
+                              <p:par>
+                                <p:cTn id="5" presetID="1" presetClass="entr" presetSubtype="0" fill="hold" grpId="0" nodeType="clickEffect">
+                                  <p:stCondLst>
+                                    <p:cond delay="0"/>
+                                  </p:stCondLst>
+                                  <p:childTnLst>
+                                    <p:set>
+                                      <p:cBhvr>
+                                        <p:cTn id="6" dur="1" fill="hold">
+                                          <p:stCondLst>
+                                            <p:cond delay="0"/>
+                                          </p:stCondLst>
+                                        </p:cTn>
+                                        <p:tgtEl>
+                                          <p:spTgt spid="3">
+                                            <p:txEl>
+                                              <p:pRg st="0" end="0"/>
+                                            </p:txEl>
+                                          </p:spTgt>
+                                        </p:tgtEl>
+                                        <p:attrNameLst>
+                                          <p:attrName>style.visibility</p:attrName>
+                                        </p:attrNameLst>
+                                      </p:cBhvr>
+                                      <p:to>
+                                        <p:strVal val="visible"/>
+                                      </p:to>
+                                    </p:set>
+                                  </p:childTnLst>
+                                </p:cTn>
+                              </p:par>
+                            </p:childTnLst>
+                          </p:cTn>
+                        </p:par>
+                      </p:childTnLst>
+                    </p:cTn>
+                  </p:par>
+                  <p:par>
+                    <p:cTn id="7" fill="hold">
+                      <p:stCondLst>
+                        <p:cond delay="indefinite"/>
+                      </p:stCondLst>
+                      <p:childTnLst>
+                        <p:par>
+                          <p:cTn id="8" fill="hold">
+                            <p:stCondLst>
+                              <p:cond delay="0"/>
+                            </p:stCondLst>
+                            <p:childTnLst>
+                              <p:par>
+                                <p:cTn id="9" presetID="1" presetClass="entr" presetSubtype="0" fill="hold" nodeType="clickEffect">
+                                  <p:stCondLst>
+                                    <p:cond delay="0"/>
+                                  </p:stCondLst>
+                                  <p:childTnLst>
+                                    <p:set>
+                                      <p:cBhvr>
+                                        <p:cTn id="10" dur="1" fill="hold">
+                                          <p:stCondLst>
+                                            <p:cond delay="0"/>
+                                          </p:stCondLst>
+                                        </p:cTn>
+                                        <p:tgtEl>
+                                          <p:spTgt spid="16"/>
+                                        </p:tgtEl>
+                                        <p:attrNameLst>
+                                          <p:attrName>style.visibility</p:attrName>
+                                        </p:attrNameLst>
+                                      </p:cBhvr>
+                                      <p:to>
+                                        <p:strVal val="visible"/>
+                                      </p:to>
+                                    </p:set>
+                                  </p:childTnLst>
+                                </p:cTn>
+                              </p:par>
+                            </p:childTnLst>
+                          </p:cTn>
+                        </p:par>
+                      </p:childTnLst>
+                    </p:cTn>
+                  </p:par>
+                  <p:par>
+                    <p:cTn id="11" fill="hold">
+                      <p:stCondLst>
+                        <p:cond delay="indefinite"/>
+                      </p:stCondLst>
+                      <p:childTnLst>
+                        <p:par>
+                          <p:cTn id="12" fill="hold">
+                            <p:stCondLst>
+                              <p:cond delay="0"/>
+                            </p:stCondLst>
+                            <p:childTnLst>
+                              <p:par>
+                                <p:cTn id="13" presetID="1" presetClass="entr" presetSubtype="0" fill="hold" nodeType="clickEffect">
+                                  <p:stCondLst>
+                                    <p:cond delay="0"/>
+                                  </p:stCondLst>
+                                  <p:childTnLst>
+                                    <p:set>
+                                      <p:cBhvr>
+                                        <p:cTn id="14" dur="1" fill="hold">
+                                          <p:stCondLst>
+                                            <p:cond delay="0"/>
+                                          </p:stCondLst>
+                                        </p:cTn>
+                                        <p:tgtEl>
+                                          <p:spTgt spid="15"/>
+                                        </p:tgtEl>
+                                        <p:attrNameLst>
+                                          <p:attrName>style.visibility</p:attrName>
+                                        </p:attrNameLst>
+                                      </p:cBhvr>
+                                      <p:to>
+                                        <p:strVal val="visible"/>
+                                      </p:to>
+                                    </p:set>
+                                  </p:childTnLst>
+                                </p:cTn>
+                              </p:par>
+                            </p:childTnLst>
+                          </p:cTn>
+                        </p:par>
+                      </p:childTnLst>
+                    </p:cTn>
+                  </p:par>
+                  <p:par>
+                    <p:cTn id="15" fill="hold">
+                      <p:stCondLst>
+                        <p:cond delay="indefinite"/>
+                      </p:stCondLst>
+                      <p:childTnLst>
+                        <p:par>
+                          <p:cTn id="16" fill="hold">
+                            <p:stCondLst>
+                              <p:cond delay="0"/>
+                            </p:stCondLst>
+                            <p:childTnLst>
+                              <p:par>
+                                <p:cTn id="17" presetID="1" presetClass="entr" presetSubtype="0" fill="hold" grpId="0" nodeType="clickEffect">
+                                  <p:stCondLst>
+                                    <p:cond delay="0"/>
+                                  </p:stCondLst>
+                                  <p:childTnLst>
+                                    <p:set>
+                                      <p:cBhvr>
+                                        <p:cTn id="18" dur="1" fill="hold">
+                                          <p:stCondLst>
+                                            <p:cond delay="0"/>
+                                          </p:stCondLst>
+                                        </p:cTn>
+                                        <p:tgtEl>
+                                          <p:spTgt spid="3">
+                                            <p:txEl>
+                                              <p:pRg st="1" end="1"/>
+                                            </p:txEl>
+                                          </p:spTgt>
+                                        </p:tgtEl>
+                                        <p:attrNameLst>
+                                          <p:attrName>style.visibility</p:attrName>
+                                        </p:attrNameLst>
+                                      </p:cBhvr>
+                                      <p:to>
+                                        <p:strVal val="visible"/>
+                                      </p:to>
+                                    </p:set>
+                                  </p:childTnLst>
+                                </p:cTn>
+                              </p:par>
+                              <p:par>
+                                <p:cTn id="19" presetID="1" presetClass="entr" presetSubtype="0" fill="hold" grpId="0" nodeType="withEffect">
+                                  <p:stCondLst>
+                                    <p:cond delay="0"/>
+                                  </p:stCondLst>
+                                  <p:childTnLst>
+                                    <p:set>
+                                      <p:cBhvr>
+                                        <p:cTn id="20" dur="1" fill="hold">
+                                          <p:stCondLst>
+                                            <p:cond delay="0"/>
+                                          </p:stCondLst>
+                                        </p:cTn>
+                                        <p:tgtEl>
+                                          <p:spTgt spid="3">
+                                            <p:txEl>
+                                              <p:pRg st="2" end="2"/>
+                                            </p:txEl>
+                                          </p:spTgt>
+                                        </p:tgtEl>
+                                        <p:attrNameLst>
+                                          <p:attrName>style.visibility</p:attrName>
+                                        </p:attrNameLst>
+                                      </p:cBhvr>
+                                      <p:to>
+                                        <p:strVal val="visible"/>
+                                      </p:to>
+                                    </p:set>
+                                  </p:childTnLst>
+                                </p:cTn>
+                              </p:par>
+                              <p:par>
+                                <p:cTn id="21" presetID="1" presetClass="entr" presetSubtype="0" fill="hold" grpId="0" nodeType="withEffect">
+                                  <p:stCondLst>
+                                    <p:cond delay="0"/>
+                                  </p:stCondLst>
+                                  <p:childTnLst>
+                                    <p:set>
+                                      <p:cBhvr>
+                                        <p:cTn id="22" dur="1" fill="hold">
+                                          <p:stCondLst>
+                                            <p:cond delay="0"/>
+                                          </p:stCondLst>
+                                        </p:cTn>
+                                        <p:tgtEl>
+                                          <p:spTgt spid="3">
+                                            <p:txEl>
+                                              <p:pRg st="3" end="3"/>
+                                            </p:txEl>
+                                          </p:spTgt>
+                                        </p:tgtEl>
+                                        <p:attrNameLst>
+                                          <p:attrName>style.visibility</p:attrName>
+                                        </p:attrNameLst>
+                                      </p:cBhvr>
+                                      <p:to>
+                                        <p:strVal val="visible"/>
+                                      </p:to>
+                                    </p:set>
+                                  </p:childTnLst>
+                                </p:cTn>
+                              </p:par>
+                            </p:childTnLst>
+                          </p:cTn>
+                        </p:par>
+                      </p:childTnLst>
+                    </p:cTn>
+                  </p:par>
+                  <p:par>
+                    <p:cTn id="23" fill="hold">
+                      <p:stCondLst>
+                        <p:cond delay="indefinite"/>
+                      </p:stCondLst>
+                      <p:childTnLst>
+                        <p:par>
+                          <p:cTn id="24" fill="hold">
+                            <p:stCondLst>
+                              <p:cond delay="0"/>
+                            </p:stCondLst>
+                            <p:childTnLst>
+                              <p:par>
+                                <p:cTn id="25" presetID="1" presetClass="entr" presetSubtype="0" fill="hold" grpId="0" nodeType="clickEffect">
+                                  <p:stCondLst>
+                                    <p:cond delay="0"/>
+                                  </p:stCondLst>
+                                  <p:childTnLst>
+                                    <p:set>
+                                      <p:cBhvr>
+                                        <p:cTn id="26" dur="1" fill="hold">
+                                          <p:stCondLst>
+                                            <p:cond delay="0"/>
+                                          </p:stCondLst>
+                                        </p:cTn>
+                                        <p:tgtEl>
+                                          <p:spTgt spid="3">
+                                            <p:txEl>
+                                              <p:pRg st="4" end="4"/>
+                                            </p:txEl>
+                                          </p:spTgt>
+                                        </p:tgtEl>
+                                        <p:attrNameLst>
+                                          <p:attrName>style.visibility</p:attrName>
+                                        </p:attrNameLst>
+                                      </p:cBhvr>
+                                      <p:to>
+                                        <p:strVal val="visible"/>
+                                      </p:to>
+                                    </p:set>
+                                  </p:childTnLst>
+                                </p:cTn>
+                              </p:par>
+                            </p:childTnLst>
+                          </p:cTn>
+                        </p:par>
+                      </p:childTnLst>
+                    </p:cTn>
+                  </p:par>
+                  <p:par>
+                    <p:cTn id="27" fill="hold">
+                      <p:stCondLst>
+                        <p:cond delay="indefinite"/>
+                      </p:stCondLst>
+                      <p:childTnLst>
+                        <p:par>
+                          <p:cTn id="28" fill="hold">
+                            <p:stCondLst>
+                              <p:cond delay="0"/>
+                            </p:stCondLst>
+                            <p:childTnLst>
+                              <p:par>
+                                <p:cTn id="29" presetID="1" presetClass="entr" presetSubtype="0" fill="hold" grpId="0" nodeType="clickEffect">
+                                  <p:stCondLst>
+                                    <p:cond delay="0"/>
+                                  </p:stCondLst>
+                                  <p:childTnLst>
+                                    <p:set>
+                                      <p:cBhvr>
+                                        <p:cTn id="30" dur="1" fill="hold">
+                                          <p:stCondLst>
+                                            <p:cond delay="0"/>
+                                          </p:stCondLst>
+                                        </p:cTn>
+                                        <p:tgtEl>
+                                          <p:spTgt spid="3">
+                                            <p:txEl>
+                                              <p:pRg st="5" end="5"/>
+                                            </p:txEl>
+                                          </p:spTgt>
+                                        </p:tgtEl>
+                                        <p:attrNameLst>
+                                          <p:attrName>style.visibility</p:attrName>
+                                        </p:attrNameLst>
+                                      </p:cBhvr>
+                                      <p:to>
+                                        <p:strVal val="visible"/>
+                                      </p:to>
+                                    </p:set>
+                                  </p:childTnLst>
+                                </p:cTn>
+                              </p:par>
+                              <p:par>
+                                <p:cTn id="31" presetID="1" presetClass="entr" presetSubtype="0" fill="hold" grpId="0" nodeType="withEffect">
+                                  <p:stCondLst>
+                                    <p:cond delay="0"/>
+                                  </p:stCondLst>
+                                  <p:childTnLst>
+                                    <p:set>
+                                      <p:cBhvr>
+                                        <p:cTn id="32" dur="1" fill="hold">
+                                          <p:stCondLst>
+                                            <p:cond delay="0"/>
+                                          </p:stCondLst>
+                                        </p:cTn>
+                                        <p:tgtEl>
+                                          <p:spTgt spid="3">
+                                            <p:txEl>
+                                              <p:pRg st="6" end="6"/>
+                                            </p:txEl>
+                                          </p:spTgt>
+                                        </p:tgtEl>
+                                        <p:attrNameLst>
+                                          <p:attrName>style.visibility</p:attrName>
+                                        </p:attrNameLst>
+                                      </p:cBhvr>
+                                      <p:to>
+                                        <p:strVal val="visible"/>
+                                      </p:to>
+                                    </p:set>
+                                  </p:childTnLst>
+                                </p:cTn>
+                              </p:par>
+                              <p:par>
+                                <p:cTn id="33" presetID="1" presetClass="entr" presetSubtype="0" fill="hold" grpId="0" nodeType="withEffect">
+                                  <p:stCondLst>
+                                    <p:cond delay="0"/>
+                                  </p:stCondLst>
+                                  <p:childTnLst>
+                                    <p:set>
+                                      <p:cBhvr>
+                                        <p:cTn id="34" dur="1" fill="hold">
+                                          <p:stCondLst>
+                                            <p:cond delay="0"/>
+                                          </p:stCondLst>
+                                        </p:cTn>
+                                        <p:tgtEl>
+                                          <p:spTgt spid="3">
+                                            <p:txEl>
+                                              <p:pRg st="7" end="7"/>
+                                            </p:txEl>
+                                          </p:spTgt>
+                                        </p:tgtEl>
+                                        <p:attrNameLst>
+                                          <p:attrName>style.visibility</p:attrName>
+                                        </p:attrNameLst>
+                                      </p:cBhvr>
+                                      <p:to>
+                                        <p:strVal val="visible"/>
+                                      </p:to>
+                                    </p:set>
+                                  </p:childTnLst>
+                                </p:cTn>
+                              </p:par>
+                            </p:childTnLst>
+                          </p:cTn>
+                        </p:par>
+                      </p:childTnLst>
+                    </p:cTn>
+                  </p:par>
+                  <p:par>
+                    <p:cTn id="35" fill="hold">
+                      <p:stCondLst>
+                        <p:cond delay="indefinite"/>
+                      </p:stCondLst>
+                      <p:childTnLst>
+                        <p:par>
+                          <p:cTn id="36" fill="hold">
+                            <p:stCondLst>
+                              <p:cond delay="0"/>
+                            </p:stCondLst>
+                            <p:childTnLst>
+                              <p:par>
+                                <p:cTn id="37" presetID="1" presetClass="entr" presetSubtype="0" fill="hold" nodeType="clickEffect">
+                                  <p:stCondLst>
+                                    <p:cond delay="0"/>
+                                  </p:stCondLst>
+                                  <p:childTnLst>
+                                    <p:set>
+                                      <p:cBhvr>
+                                        <p:cTn id="38" dur="1" fill="hold">
+                                          <p:stCondLst>
+                                            <p:cond delay="0"/>
+                                          </p:stCondLst>
+                                        </p:cTn>
+                                        <p:tgtEl>
+                                          <p:spTgt spid="25"/>
+                                        </p:tgtEl>
+                                        <p:attrNameLst>
+                                          <p:attrName>style.visibility</p:attrName>
+                                        </p:attrNameLst>
+                                      </p:cBhvr>
+                                      <p:to>
+                                        <p:strVal val="visible"/>
+                                      </p:to>
+                                    </p:set>
+                                  </p:childTnLst>
+                                </p:cTn>
+                              </p:par>
+                              <p:par>
+                                <p:cTn id="39" presetID="10" presetClass="exit" presetSubtype="0" fill="hold" nodeType="withEffect">
+                                  <p:stCondLst>
+                                    <p:cond delay="0"/>
+                                  </p:stCondLst>
+                                  <p:childTnLst>
+                                    <p:animEffect transition="out" filter="fade">
+                                      <p:cBhvr>
+                                        <p:cTn id="40" dur="500"/>
+                                        <p:tgtEl>
+                                          <p:spTgt spid="16"/>
+                                        </p:tgtEl>
+                                      </p:cBhvr>
+                                    </p:animEffect>
+                                    <p:set>
+                                      <p:cBhvr>
+                                        <p:cTn id="41" dur="1" fill="hold">
+                                          <p:stCondLst>
+                                            <p:cond delay="499"/>
+                                          </p:stCondLst>
+                                        </p:cTn>
+                                        <p:tgtEl>
+                                          <p:spTgt spid="16"/>
+                                        </p:tgtEl>
+                                        <p:attrNameLst>
+                                          <p:attrName>style.visibility</p:attrName>
+                                        </p:attrNameLst>
+                                      </p:cBhvr>
+                                      <p:to>
+                                        <p:strVal val="hidden"/>
+                                      </p:to>
+                                    </p:set>
+                                  </p:childTnLst>
+                                </p:cTn>
+                              </p:par>
+                              <p:par>
+                                <p:cTn id="42" presetID="10" presetClass="exit" presetSubtype="0" fill="hold" nodeType="withEffect">
+                                  <p:stCondLst>
+                                    <p:cond delay="0"/>
+                                  </p:stCondLst>
+                                  <p:childTnLst>
+                                    <p:animEffect transition="out" filter="fade">
+                                      <p:cBhvr>
+                                        <p:cTn id="43" dur="500"/>
+                                        <p:tgtEl>
+                                          <p:spTgt spid="15"/>
+                                        </p:tgtEl>
+                                      </p:cBhvr>
+                                    </p:animEffect>
+                                    <p:set>
+                                      <p:cBhvr>
+                                        <p:cTn id="44" dur="1" fill="hold">
+                                          <p:stCondLst>
+                                            <p:cond delay="499"/>
+                                          </p:stCondLst>
+                                        </p:cTn>
+                                        <p:tgtEl>
+                                          <p:spTgt spid="15"/>
+                                        </p:tgtEl>
+                                        <p:attrNameLst>
+                                          <p:attrName>style.visibility</p:attrName>
+                                        </p:attrNameLst>
+                                      </p:cBhvr>
+                                      <p:to>
+                                        <p:strVal val="hidden"/>
+                                      </p:to>
+                                    </p:set>
+                                  </p:childTnLst>
+                                </p:cTn>
+                              </p:par>
+                            </p:childTnLst>
+                          </p:cTn>
+                        </p:par>
+                      </p:childTnLst>
+                    </p:cTn>
+                  </p:par>
+                </p:childTnLst>
+              </p:cTn>
+              <p:prevCondLst>
+                <p:cond evt="onPrev" delay="0">
+                  <p:tgtEl>
+                    <p:sldTgt/>
+                  </p:tgtEl>
+                </p:cond>
+              </p:prevCondLst>
+              <p:nextCondLst>
+                <p:cond evt="onNext" delay="0">
+                  <p:tgtEl>
+                    <p:sldTgt/>
+                  </p:tgtEl>
+                </p:cond>
+              </p:nextCondLst>
+            </p:seq>
+          </p:childTnLst>
+        </p:cTn>
+      </p:par>
+    </p:tnLst>
+    <p:bldLst>
+      <p:bldP spid="3" grpId="0" uiExpand="1" build="p"/>
+    </p:bldLst>
+  </p:timing>
 </p:sld>
 </file>
 
@@ -4791,6 +7150,2505 @@
           <p:cNvPr id="2" name="Titel 1">
             <a:extLst>
               <a:ext uri="{FF2B5EF4-FFF2-40B4-BE49-F238E27FC236}">
+                <a16:creationId xmlns:a16="http://schemas.microsoft.com/office/drawing/2014/main" id="{F2EA066E-948D-4EAB-87AD-28B7EC8F970B}"/>
+              </a:ext>
+            </a:extLst>
+          </p:cNvPr>
+          <p:cNvSpPr>
+            <a:spLocks noGrp="1"/>
+          </p:cNvSpPr>
+          <p:nvPr>
+            <p:ph type="title"/>
+          </p:nvPr>
+        </p:nvSpPr>
+        <p:spPr/>
+        <p:txBody>
+          <a:bodyPr/>
+          <a:lstStyle/>
+          <a:p>
+            <a:r>
+              <a:rPr lang="de-DE" dirty="0"/>
+              <a:t>Motivation</a:t>
+            </a:r>
+          </a:p>
+        </p:txBody>
+      </p:sp>
+      <p:sp>
+        <p:nvSpPr>
+          <p:cNvPr id="3" name="Inhaltsplatzhalter 2">
+            <a:extLst>
+              <a:ext uri="{FF2B5EF4-FFF2-40B4-BE49-F238E27FC236}">
+                <a16:creationId xmlns:a16="http://schemas.microsoft.com/office/drawing/2014/main" id="{4A43F374-82B0-4A18-8FF0-FF977F765D52}"/>
+              </a:ext>
+            </a:extLst>
+          </p:cNvPr>
+          <p:cNvSpPr>
+            <a:spLocks noGrp="1"/>
+          </p:cNvSpPr>
+          <p:nvPr>
+            <p:ph idx="1"/>
+          </p:nvPr>
+        </p:nvSpPr>
+        <p:spPr/>
+        <p:txBody>
+          <a:bodyPr/>
+          <a:lstStyle/>
+          <a:p>
+            <a:r>
+              <a:rPr lang="de-DE" dirty="0"/>
+              <a:t>„</a:t>
+            </a:r>
+            <a:r>
+              <a:rPr lang="de-DE" dirty="0" err="1"/>
+              <a:t>Trustless</a:t>
+            </a:r>
+            <a:r>
+              <a:rPr lang="de-DE" dirty="0"/>
+              <a:t> System“</a:t>
+            </a:r>
+          </a:p>
+          <a:p>
+            <a:pPr lvl="1"/>
+            <a:r>
+              <a:rPr lang="de-DE" dirty="0"/>
+              <a:t>Distributed</a:t>
+            </a:r>
+          </a:p>
+          <a:p>
+            <a:pPr lvl="1"/>
+            <a:r>
+              <a:rPr lang="de-DE" dirty="0"/>
+              <a:t>Öffentlich</a:t>
+            </a:r>
+          </a:p>
+        </p:txBody>
+      </p:sp>
+      <p:sp>
+        <p:nvSpPr>
+          <p:cNvPr id="4" name="Datumsplatzhalter 3">
+            <a:extLst>
+              <a:ext uri="{FF2B5EF4-FFF2-40B4-BE49-F238E27FC236}">
+                <a16:creationId xmlns:a16="http://schemas.microsoft.com/office/drawing/2014/main" id="{9DBA0A7D-0898-41F8-9778-A005BF4305C5}"/>
+              </a:ext>
+            </a:extLst>
+          </p:cNvPr>
+          <p:cNvSpPr>
+            <a:spLocks noGrp="1"/>
+          </p:cNvSpPr>
+          <p:nvPr>
+            <p:ph type="dt" sz="half" idx="10"/>
+          </p:nvPr>
+        </p:nvSpPr>
+        <p:spPr/>
+        <p:txBody>
+          <a:bodyPr/>
+          <a:lstStyle/>
+          <a:p>
+            <a:fld id="{5816D8F1-3E92-45E9-82E1-886063832025}" type="datetime1">
+              <a:rPr lang="de-AT" smtClean="0"/>
+              <a:t>13.01.2018</a:t>
+            </a:fld>
+            <a:endParaRPr lang="de-DE"/>
+          </a:p>
+        </p:txBody>
+      </p:sp>
+      <p:sp>
+        <p:nvSpPr>
+          <p:cNvPr id="5" name="Fußzeilenplatzhalter 4">
+            <a:extLst>
+              <a:ext uri="{FF2B5EF4-FFF2-40B4-BE49-F238E27FC236}">
+                <a16:creationId xmlns:a16="http://schemas.microsoft.com/office/drawing/2014/main" id="{635817B1-97E4-4403-A0F9-693D8A084FC7}"/>
+              </a:ext>
+            </a:extLst>
+          </p:cNvPr>
+          <p:cNvSpPr>
+            <a:spLocks noGrp="1"/>
+          </p:cNvSpPr>
+          <p:nvPr>
+            <p:ph type="ftr" sz="quarter" idx="11"/>
+          </p:nvPr>
+        </p:nvSpPr>
+        <p:spPr/>
+        <p:txBody>
+          <a:bodyPr/>
+          <a:lstStyle/>
+          <a:p>
+            <a:r>
+              <a:rPr lang="en-US"/>
+              <a:t>FH Wels, AT-Master / INIF, ITS3ILV</a:t>
+            </a:r>
+            <a:endParaRPr lang="de-DE" dirty="0"/>
+          </a:p>
+        </p:txBody>
+      </p:sp>
+      <p:sp>
+        <p:nvSpPr>
+          <p:cNvPr id="6" name="Foliennummernplatzhalter 5">
+            <a:extLst>
+              <a:ext uri="{FF2B5EF4-FFF2-40B4-BE49-F238E27FC236}">
+                <a16:creationId xmlns:a16="http://schemas.microsoft.com/office/drawing/2014/main" id="{847DA69C-8CD4-4E87-80FD-52CC53CBA39B}"/>
+              </a:ext>
+            </a:extLst>
+          </p:cNvPr>
+          <p:cNvSpPr>
+            <a:spLocks noGrp="1"/>
+          </p:cNvSpPr>
+          <p:nvPr>
+            <p:ph type="sldNum" sz="quarter" idx="12"/>
+          </p:nvPr>
+        </p:nvSpPr>
+        <p:spPr/>
+        <p:txBody>
+          <a:bodyPr/>
+          <a:lstStyle/>
+          <a:p>
+            <a:fld id="{42430F15-44E3-4E69-A3DD-479649D4CC4A}" type="slidenum">
+              <a:rPr lang="de-DE" smtClean="0"/>
+              <a:t>5</a:t>
+            </a:fld>
+            <a:endParaRPr lang="de-DE"/>
+          </a:p>
+        </p:txBody>
+      </p:sp>
+      <p:sp>
+        <p:nvSpPr>
+          <p:cNvPr id="7" name="Textplatzhalter 6">
+            <a:extLst>
+              <a:ext uri="{FF2B5EF4-FFF2-40B4-BE49-F238E27FC236}">
+                <a16:creationId xmlns:a16="http://schemas.microsoft.com/office/drawing/2014/main" id="{CA601C77-F65E-4771-A92B-D9F26751E530}"/>
+              </a:ext>
+            </a:extLst>
+          </p:cNvPr>
+          <p:cNvSpPr>
+            <a:spLocks noGrp="1"/>
+          </p:cNvSpPr>
+          <p:nvPr>
+            <p:ph type="body" sz="quarter" idx="13"/>
+          </p:nvPr>
+        </p:nvSpPr>
+        <p:spPr/>
+        <p:txBody>
+          <a:bodyPr/>
+          <a:lstStyle/>
+          <a:p>
+            <a:r>
+              <a:rPr lang="de-DE" dirty="0">
+                <a:solidFill>
+                  <a:schemeClr val="bg1">
+                    <a:lumMod val="50000"/>
+                  </a:schemeClr>
+                </a:solidFill>
+              </a:rPr>
+              <a:t>● Blockchain</a:t>
+            </a:r>
+            <a:r>
+              <a:rPr lang="de-DE" dirty="0">
+                <a:solidFill>
+                  <a:schemeClr val="bg1">
+                    <a:lumMod val="75000"/>
+                  </a:schemeClr>
+                </a:solidFill>
+              </a:rPr>
+              <a:t> </a:t>
+            </a:r>
+            <a:r>
+              <a:rPr lang="de-DE" b="1" dirty="0">
+                <a:solidFill>
+                  <a:srgbClr val="FF0000"/>
+                </a:solidFill>
+              </a:rPr>
+              <a:t>●</a:t>
+            </a:r>
+            <a:r>
+              <a:rPr lang="de-DE" b="1" dirty="0"/>
+              <a:t> </a:t>
+            </a:r>
+            <a:r>
+              <a:rPr lang="de-DE" b="1" dirty="0">
+                <a:solidFill>
+                  <a:schemeClr val="tx1"/>
+                </a:solidFill>
+              </a:rPr>
+              <a:t>Verfahren</a:t>
+            </a:r>
+          </a:p>
+        </p:txBody>
+      </p:sp>
+      <p:pic>
+        <p:nvPicPr>
+          <p:cNvPr id="8" name="Grafik 7">
+            <a:extLst>
+              <a:ext uri="{FF2B5EF4-FFF2-40B4-BE49-F238E27FC236}">
+                <a16:creationId xmlns:a16="http://schemas.microsoft.com/office/drawing/2014/main" id="{717B83C8-8AF6-4D5D-9C90-CB9BD00F88F3}"/>
+              </a:ext>
+            </a:extLst>
+          </p:cNvPr>
+          <p:cNvPicPr>
+            <a:picLocks noChangeAspect="1"/>
+          </p:cNvPicPr>
+          <p:nvPr/>
+        </p:nvPicPr>
+        <p:blipFill>
+          <a:blip r:embed="rId2"/>
+          <a:stretch>
+            <a:fillRect/>
+          </a:stretch>
+        </p:blipFill>
+        <p:spPr>
+          <a:xfrm>
+            <a:off x="3425780" y="716662"/>
+            <a:ext cx="7734220" cy="5265287"/>
+          </a:xfrm>
+          <a:prstGeom prst="rect">
+            <a:avLst/>
+          </a:prstGeom>
+        </p:spPr>
+      </p:pic>
+    </p:spTree>
+    <p:extLst>
+      <p:ext uri="{BB962C8B-B14F-4D97-AF65-F5344CB8AC3E}">
+        <p14:creationId xmlns:p14="http://schemas.microsoft.com/office/powerpoint/2010/main" val="2233845601"/>
+      </p:ext>
+    </p:extLst>
+  </p:cSld>
+  <p:clrMapOvr>
+    <a:masterClrMapping/>
+  </p:clrMapOvr>
+</p:sld>
+</file>
+
+<file path=ppt/slides/slide6.xml><?xml version="1.0" encoding="utf-8"?>
+<p:sld xmlns:a="http://schemas.openxmlformats.org/drawingml/2006/main" xmlns:r="http://schemas.openxmlformats.org/officeDocument/2006/relationships" xmlns:p="http://schemas.openxmlformats.org/presentationml/2006/main">
+  <p:cSld>
+    <p:spTree>
+      <p:nvGrpSpPr>
+        <p:cNvPr id="1" name=""/>
+        <p:cNvGrpSpPr/>
+        <p:nvPr/>
+      </p:nvGrpSpPr>
+      <p:grpSpPr>
+        <a:xfrm>
+          <a:off x="0" y="0"/>
+          <a:ext cx="0" cy="0"/>
+          <a:chOff x="0" y="0"/>
+          <a:chExt cx="0" cy="0"/>
+        </a:xfrm>
+      </p:grpSpPr>
+      <p:sp>
+        <p:nvSpPr>
+          <p:cNvPr id="2" name="Titel 1">
+            <a:extLst>
+              <a:ext uri="{FF2B5EF4-FFF2-40B4-BE49-F238E27FC236}">
+                <a16:creationId xmlns:a16="http://schemas.microsoft.com/office/drawing/2014/main" id="{4D7E6418-9472-42E5-BE32-523B24D4648C}"/>
+              </a:ext>
+            </a:extLst>
+          </p:cNvPr>
+          <p:cNvSpPr>
+            <a:spLocks noGrp="1"/>
+          </p:cNvSpPr>
+          <p:nvPr>
+            <p:ph type="title"/>
+          </p:nvPr>
+        </p:nvSpPr>
+        <p:spPr/>
+        <p:txBody>
+          <a:bodyPr/>
+          <a:lstStyle/>
+          <a:p>
+            <a:r>
+              <a:rPr lang="de-DE" dirty="0"/>
+              <a:t>Die Blockchain</a:t>
+            </a:r>
+          </a:p>
+        </p:txBody>
+      </p:sp>
+      <p:sp>
+        <p:nvSpPr>
+          <p:cNvPr id="3" name="Inhaltsplatzhalter 2">
+            <a:extLst>
+              <a:ext uri="{FF2B5EF4-FFF2-40B4-BE49-F238E27FC236}">
+                <a16:creationId xmlns:a16="http://schemas.microsoft.com/office/drawing/2014/main" id="{2506A2C2-038B-49DD-9C17-060FCFCF4FF9}"/>
+              </a:ext>
+            </a:extLst>
+          </p:cNvPr>
+          <p:cNvSpPr>
+            <a:spLocks noGrp="1"/>
+          </p:cNvSpPr>
+          <p:nvPr>
+            <p:ph idx="1"/>
+          </p:nvPr>
+        </p:nvSpPr>
+        <p:spPr>
+          <a:xfrm>
+            <a:off x="360000" y="1620000"/>
+            <a:ext cx="10800000" cy="4140000"/>
+          </a:xfrm>
+        </p:spPr>
+        <p:txBody>
+          <a:bodyPr>
+            <a:normAutofit/>
+          </a:bodyPr>
+          <a:lstStyle/>
+          <a:p>
+            <a:r>
+              <a:rPr lang="de-DE" dirty="0"/>
+              <a:t>Besteht aus:</a:t>
+            </a:r>
+          </a:p>
+          <a:p>
+            <a:pPr lvl="1"/>
+            <a:r>
+              <a:rPr lang="de-DE" dirty="0"/>
+              <a:t>Block</a:t>
+            </a:r>
+          </a:p>
+          <a:p>
+            <a:pPr lvl="1"/>
+            <a:r>
+              <a:rPr lang="de-DE" dirty="0"/>
+              <a:t>Daten</a:t>
+            </a:r>
+          </a:p>
+          <a:p>
+            <a:pPr lvl="1"/>
+            <a:r>
+              <a:rPr lang="de-DE" dirty="0"/>
+              <a:t>Header</a:t>
+            </a:r>
+          </a:p>
+          <a:p>
+            <a:pPr lvl="1"/>
+            <a:r>
+              <a:rPr lang="de-DE" dirty="0"/>
+              <a:t>Hashwert</a:t>
+            </a:r>
+          </a:p>
+          <a:p>
+            <a:pPr marL="432008" lvl="1" indent="0">
+              <a:buNone/>
+            </a:pPr>
+            <a:endParaRPr lang="de-DE" dirty="0"/>
+          </a:p>
+          <a:p>
+            <a:pPr marL="0" indent="0">
+              <a:buNone/>
+            </a:pPr>
+            <a:endParaRPr lang="de-DE" dirty="0"/>
+          </a:p>
+          <a:p>
+            <a:r>
+              <a:rPr lang="de-DE" dirty="0">
+                <a:hlinkClick r:id="rId2"/>
+              </a:rPr>
+              <a:t>Online-Beispiel</a:t>
+            </a:r>
+            <a:endParaRPr lang="de-DE" dirty="0"/>
+          </a:p>
+          <a:p>
+            <a:endParaRPr lang="de-DE" dirty="0"/>
+          </a:p>
+          <a:p>
+            <a:pPr lvl="1"/>
+            <a:endParaRPr lang="de-DE" dirty="0"/>
+          </a:p>
+        </p:txBody>
+      </p:sp>
+      <p:sp>
+        <p:nvSpPr>
+          <p:cNvPr id="4" name="Datumsplatzhalter 3">
+            <a:extLst>
+              <a:ext uri="{FF2B5EF4-FFF2-40B4-BE49-F238E27FC236}">
+                <a16:creationId xmlns:a16="http://schemas.microsoft.com/office/drawing/2014/main" id="{62AD7339-82A2-420B-AEFD-59315E04A0BD}"/>
+              </a:ext>
+            </a:extLst>
+          </p:cNvPr>
+          <p:cNvSpPr>
+            <a:spLocks noGrp="1"/>
+          </p:cNvSpPr>
+          <p:nvPr>
+            <p:ph type="dt" sz="half" idx="10"/>
+          </p:nvPr>
+        </p:nvSpPr>
+        <p:spPr/>
+        <p:txBody>
+          <a:bodyPr/>
+          <a:lstStyle/>
+          <a:p>
+            <a:fld id="{5816D8F1-3E92-45E9-82E1-886063832025}" type="datetime1">
+              <a:rPr lang="de-AT" smtClean="0"/>
+              <a:t>13.01.2018</a:t>
+            </a:fld>
+            <a:endParaRPr lang="de-DE"/>
+          </a:p>
+        </p:txBody>
+      </p:sp>
+      <p:sp>
+        <p:nvSpPr>
+          <p:cNvPr id="5" name="Fußzeilenplatzhalter 4">
+            <a:extLst>
+              <a:ext uri="{FF2B5EF4-FFF2-40B4-BE49-F238E27FC236}">
+                <a16:creationId xmlns:a16="http://schemas.microsoft.com/office/drawing/2014/main" id="{3CE9CF68-9F63-4B57-9F23-3F62617972BE}"/>
+              </a:ext>
+            </a:extLst>
+          </p:cNvPr>
+          <p:cNvSpPr>
+            <a:spLocks noGrp="1"/>
+          </p:cNvSpPr>
+          <p:nvPr>
+            <p:ph type="ftr" sz="quarter" idx="11"/>
+          </p:nvPr>
+        </p:nvSpPr>
+        <p:spPr/>
+        <p:txBody>
+          <a:bodyPr/>
+          <a:lstStyle/>
+          <a:p>
+            <a:r>
+              <a:rPr lang="en-US"/>
+              <a:t>FH Wels, AT-Master / INIF, ITS3ILV</a:t>
+            </a:r>
+            <a:endParaRPr lang="de-DE" dirty="0"/>
+          </a:p>
+        </p:txBody>
+      </p:sp>
+      <p:sp>
+        <p:nvSpPr>
+          <p:cNvPr id="6" name="Foliennummernplatzhalter 5">
+            <a:extLst>
+              <a:ext uri="{FF2B5EF4-FFF2-40B4-BE49-F238E27FC236}">
+                <a16:creationId xmlns:a16="http://schemas.microsoft.com/office/drawing/2014/main" id="{8CAF25C1-32B3-494A-9138-311D5A368382}"/>
+              </a:ext>
+            </a:extLst>
+          </p:cNvPr>
+          <p:cNvSpPr>
+            <a:spLocks noGrp="1"/>
+          </p:cNvSpPr>
+          <p:nvPr>
+            <p:ph type="sldNum" sz="quarter" idx="12"/>
+          </p:nvPr>
+        </p:nvSpPr>
+        <p:spPr/>
+        <p:txBody>
+          <a:bodyPr/>
+          <a:lstStyle/>
+          <a:p>
+            <a:fld id="{42430F15-44E3-4E69-A3DD-479649D4CC4A}" type="slidenum">
+              <a:rPr lang="de-DE" smtClean="0"/>
+              <a:t>6</a:t>
+            </a:fld>
+            <a:endParaRPr lang="de-DE"/>
+          </a:p>
+        </p:txBody>
+      </p:sp>
+      <p:sp>
+        <p:nvSpPr>
+          <p:cNvPr id="7" name="Textplatzhalter 6">
+            <a:extLst>
+              <a:ext uri="{FF2B5EF4-FFF2-40B4-BE49-F238E27FC236}">
+                <a16:creationId xmlns:a16="http://schemas.microsoft.com/office/drawing/2014/main" id="{DBD630AD-A559-4A01-BBA9-A700BE01F82D}"/>
+              </a:ext>
+            </a:extLst>
+          </p:cNvPr>
+          <p:cNvSpPr>
+            <a:spLocks noGrp="1"/>
+          </p:cNvSpPr>
+          <p:nvPr>
+            <p:ph type="body" sz="quarter" idx="13"/>
+          </p:nvPr>
+        </p:nvSpPr>
+        <p:spPr>
+          <a:xfrm>
+            <a:off x="360000" y="180000"/>
+            <a:ext cx="10800000" cy="360000"/>
+          </a:xfrm>
+        </p:spPr>
+        <p:txBody>
+          <a:bodyPr/>
+          <a:lstStyle/>
+          <a:p>
+            <a:r>
+              <a:rPr lang="de-DE" dirty="0">
+                <a:solidFill>
+                  <a:schemeClr val="bg1">
+                    <a:lumMod val="50000"/>
+                  </a:schemeClr>
+                </a:solidFill>
+              </a:rPr>
+              <a:t>● Blockchain</a:t>
+            </a:r>
+            <a:r>
+              <a:rPr lang="de-DE" dirty="0">
+                <a:solidFill>
+                  <a:schemeClr val="bg1">
+                    <a:lumMod val="75000"/>
+                  </a:schemeClr>
+                </a:solidFill>
+              </a:rPr>
+              <a:t> </a:t>
+            </a:r>
+            <a:r>
+              <a:rPr lang="de-DE" b="1" dirty="0">
+                <a:solidFill>
+                  <a:srgbClr val="FF0000"/>
+                </a:solidFill>
+              </a:rPr>
+              <a:t>●</a:t>
+            </a:r>
+            <a:r>
+              <a:rPr lang="de-DE" b="1" dirty="0"/>
+              <a:t> </a:t>
+            </a:r>
+            <a:r>
+              <a:rPr lang="de-DE" b="1" dirty="0">
+                <a:solidFill>
+                  <a:schemeClr val="tx1"/>
+                </a:solidFill>
+              </a:rPr>
+              <a:t>Verfahren</a:t>
+            </a:r>
+          </a:p>
+        </p:txBody>
+      </p:sp>
+      <p:sp>
+        <p:nvSpPr>
+          <p:cNvPr id="8" name="Rechteck: abgerundete Ecken 7">
+            <a:extLst>
+              <a:ext uri="{FF2B5EF4-FFF2-40B4-BE49-F238E27FC236}">
+                <a16:creationId xmlns:a16="http://schemas.microsoft.com/office/drawing/2014/main" id="{96C10D55-10C3-4A10-90E0-00A4207010D1}"/>
+              </a:ext>
+            </a:extLst>
+          </p:cNvPr>
+          <p:cNvSpPr/>
+          <p:nvPr/>
+        </p:nvSpPr>
+        <p:spPr>
+          <a:xfrm>
+            <a:off x="2806986" y="1800000"/>
+            <a:ext cx="1615956" cy="2153814"/>
+          </a:xfrm>
+          <a:prstGeom prst="roundRect">
+            <a:avLst/>
+          </a:prstGeom>
+        </p:spPr>
+        <p:style>
+          <a:lnRef idx="0">
+            <a:schemeClr val="accent5"/>
+          </a:lnRef>
+          <a:fillRef idx="3">
+            <a:schemeClr val="accent5"/>
+          </a:fillRef>
+          <a:effectRef idx="3">
+            <a:schemeClr val="accent5"/>
+          </a:effectRef>
+          <a:fontRef idx="minor">
+            <a:schemeClr val="lt1"/>
+          </a:fontRef>
+        </p:style>
+        <p:txBody>
+          <a:bodyPr rtlCol="0" anchor="t" anchorCtr="0"/>
+          <a:lstStyle/>
+          <a:p>
+            <a:pPr algn="ctr"/>
+            <a:r>
+              <a:rPr lang="de-DE" dirty="0"/>
+              <a:t>Block 1</a:t>
+            </a:r>
+          </a:p>
+        </p:txBody>
+      </p:sp>
+      <p:grpSp>
+        <p:nvGrpSpPr>
+          <p:cNvPr id="78" name="Gruppieren 77">
+            <a:extLst>
+              <a:ext uri="{FF2B5EF4-FFF2-40B4-BE49-F238E27FC236}">
+                <a16:creationId xmlns:a16="http://schemas.microsoft.com/office/drawing/2014/main" id="{8E5AF320-B964-4D3E-BA5D-09978EA598CF}"/>
+              </a:ext>
+            </a:extLst>
+          </p:cNvPr>
+          <p:cNvGrpSpPr/>
+          <p:nvPr/>
+        </p:nvGrpSpPr>
+        <p:grpSpPr>
+          <a:xfrm>
+            <a:off x="2968582" y="2194866"/>
+            <a:ext cx="1292765" cy="1588769"/>
+            <a:chOff x="2968582" y="2194866"/>
+            <a:chExt cx="1292765" cy="1588769"/>
+          </a:xfrm>
+        </p:grpSpPr>
+        <p:sp>
+          <p:nvSpPr>
+            <p:cNvPr id="11" name="Rechteck: abgerundete Ecken 10">
+              <a:extLst>
+                <a:ext uri="{FF2B5EF4-FFF2-40B4-BE49-F238E27FC236}">
+                  <a16:creationId xmlns:a16="http://schemas.microsoft.com/office/drawing/2014/main" id="{6A827A1A-3DB5-4609-8816-59443A8068F2}"/>
+                </a:ext>
+              </a:extLst>
+            </p:cNvPr>
+            <p:cNvSpPr/>
+            <p:nvPr/>
+          </p:nvSpPr>
+          <p:spPr>
+            <a:xfrm>
+              <a:off x="2968582" y="2194866"/>
+              <a:ext cx="1292765" cy="1579464"/>
+            </a:xfrm>
+            <a:prstGeom prst="roundRect">
+              <a:avLst>
+                <a:gd name="adj" fmla="val 6745"/>
+              </a:avLst>
+            </a:prstGeom>
+          </p:spPr>
+          <p:style>
+            <a:lnRef idx="0">
+              <a:schemeClr val="accent2"/>
+            </a:lnRef>
+            <a:fillRef idx="3">
+              <a:schemeClr val="accent2"/>
+            </a:fillRef>
+            <a:effectRef idx="3">
+              <a:schemeClr val="accent2"/>
+            </a:effectRef>
+            <a:fontRef idx="minor">
+              <a:schemeClr val="lt1"/>
+            </a:fontRef>
+          </p:style>
+          <p:txBody>
+            <a:bodyPr rtlCol="0" anchor="b" anchorCtr="0"/>
+            <a:lstStyle/>
+            <a:p>
+              <a:pPr algn="ctr"/>
+              <a:endParaRPr lang="de-DE" dirty="0"/>
+            </a:p>
+          </p:txBody>
+        </p:sp>
+        <p:sp>
+          <p:nvSpPr>
+            <p:cNvPr id="48" name="Textfeld 47">
+              <a:extLst>
+                <a:ext uri="{FF2B5EF4-FFF2-40B4-BE49-F238E27FC236}">
+                  <a16:creationId xmlns:a16="http://schemas.microsoft.com/office/drawing/2014/main" id="{C7602F49-8F76-4086-A0BA-17F3D6B4E0F8}"/>
+                </a:ext>
+              </a:extLst>
+            </p:cNvPr>
+            <p:cNvSpPr txBox="1"/>
+            <p:nvPr/>
+          </p:nvSpPr>
+          <p:spPr>
+            <a:xfrm>
+              <a:off x="3008981" y="3415361"/>
+              <a:ext cx="1211967" cy="368274"/>
+            </a:xfrm>
+            <a:prstGeom prst="rect">
+              <a:avLst/>
+            </a:prstGeom>
+            <a:noFill/>
+          </p:spPr>
+          <p:txBody>
+            <a:bodyPr wrap="square" rtlCol="0">
+              <a:spAutoFit/>
+            </a:bodyPr>
+            <a:lstStyle/>
+            <a:p>
+              <a:pPr algn="ctr"/>
+              <a:r>
+                <a:rPr lang="de-DE" dirty="0">
+                  <a:solidFill>
+                    <a:schemeClr val="lt1"/>
+                  </a:solidFill>
+                </a:rPr>
+                <a:t>Hashwert</a:t>
+              </a:r>
+            </a:p>
+          </p:txBody>
+        </p:sp>
+      </p:grpSp>
+      <p:sp>
+        <p:nvSpPr>
+          <p:cNvPr id="9" name="Rechteck: abgerundete Ecken 8">
+            <a:extLst>
+              <a:ext uri="{FF2B5EF4-FFF2-40B4-BE49-F238E27FC236}">
+                <a16:creationId xmlns:a16="http://schemas.microsoft.com/office/drawing/2014/main" id="{A0C8486B-1462-49EE-8707-98DBF1E0678D}"/>
+              </a:ext>
+            </a:extLst>
+          </p:cNvPr>
+          <p:cNvSpPr/>
+          <p:nvPr/>
+        </p:nvSpPr>
+        <p:spPr>
+          <a:xfrm>
+            <a:off x="3008981" y="2266660"/>
+            <a:ext cx="1211967" cy="538454"/>
+          </a:xfrm>
+          <a:prstGeom prst="roundRect">
+            <a:avLst/>
+          </a:prstGeom>
+        </p:spPr>
+        <p:style>
+          <a:lnRef idx="0">
+            <a:schemeClr val="accent4"/>
+          </a:lnRef>
+          <a:fillRef idx="3">
+            <a:schemeClr val="accent4"/>
+          </a:fillRef>
+          <a:effectRef idx="3">
+            <a:schemeClr val="accent4"/>
+          </a:effectRef>
+          <a:fontRef idx="minor">
+            <a:schemeClr val="lt1"/>
+          </a:fontRef>
+        </p:style>
+        <p:txBody>
+          <a:bodyPr rtlCol="0" anchor="ctr" anchorCtr="0"/>
+          <a:lstStyle/>
+          <a:p>
+            <a:pPr algn="ctr"/>
+            <a:r>
+              <a:rPr lang="de-DE" dirty="0"/>
+              <a:t>Daten</a:t>
+            </a:r>
+          </a:p>
+        </p:txBody>
+      </p:sp>
+      <p:sp>
+        <p:nvSpPr>
+          <p:cNvPr id="10" name="Rechteck: abgerundete Ecken 9">
+            <a:extLst>
+              <a:ext uri="{FF2B5EF4-FFF2-40B4-BE49-F238E27FC236}">
+                <a16:creationId xmlns:a16="http://schemas.microsoft.com/office/drawing/2014/main" id="{0B90DDD2-13AB-43D9-A6D1-2216AB50DA26}"/>
+              </a:ext>
+            </a:extLst>
+          </p:cNvPr>
+          <p:cNvSpPr/>
+          <p:nvPr/>
+        </p:nvSpPr>
+        <p:spPr>
+          <a:xfrm>
+            <a:off x="3008981" y="2876907"/>
+            <a:ext cx="1211967" cy="358969"/>
+          </a:xfrm>
+          <a:prstGeom prst="roundRect">
+            <a:avLst/>
+          </a:prstGeom>
+        </p:spPr>
+        <p:style>
+          <a:lnRef idx="0">
+            <a:schemeClr val="accent6"/>
+          </a:lnRef>
+          <a:fillRef idx="3">
+            <a:schemeClr val="accent6"/>
+          </a:fillRef>
+          <a:effectRef idx="3">
+            <a:schemeClr val="accent6"/>
+          </a:effectRef>
+          <a:fontRef idx="minor">
+            <a:schemeClr val="lt1"/>
+          </a:fontRef>
+        </p:style>
+        <p:txBody>
+          <a:bodyPr rtlCol="0" anchor="ctr" anchorCtr="0"/>
+          <a:lstStyle/>
+          <a:p>
+            <a:pPr algn="ctr"/>
+            <a:r>
+              <a:rPr lang="de-DE" dirty="0"/>
+              <a:t>Header</a:t>
+            </a:r>
+          </a:p>
+        </p:txBody>
+      </p:sp>
+      <p:sp>
+        <p:nvSpPr>
+          <p:cNvPr id="52" name="Rechteck: abgerundete Ecken 51">
+            <a:extLst>
+              <a:ext uri="{FF2B5EF4-FFF2-40B4-BE49-F238E27FC236}">
+                <a16:creationId xmlns:a16="http://schemas.microsoft.com/office/drawing/2014/main" id="{D0BFA34E-6697-4A5D-A06E-DA9FEAFDD063}"/>
+              </a:ext>
+            </a:extLst>
+          </p:cNvPr>
+          <p:cNvSpPr/>
+          <p:nvPr/>
+        </p:nvSpPr>
+        <p:spPr>
+          <a:xfrm>
+            <a:off x="5052672" y="1800000"/>
+            <a:ext cx="1615956" cy="2153814"/>
+          </a:xfrm>
+          <a:prstGeom prst="roundRect">
+            <a:avLst/>
+          </a:prstGeom>
+        </p:spPr>
+        <p:style>
+          <a:lnRef idx="0">
+            <a:schemeClr val="accent5"/>
+          </a:lnRef>
+          <a:fillRef idx="3">
+            <a:schemeClr val="accent5"/>
+          </a:fillRef>
+          <a:effectRef idx="3">
+            <a:schemeClr val="accent5"/>
+          </a:effectRef>
+          <a:fontRef idx="minor">
+            <a:schemeClr val="lt1"/>
+          </a:fontRef>
+        </p:style>
+        <p:txBody>
+          <a:bodyPr rtlCol="0" anchor="t" anchorCtr="0"/>
+          <a:lstStyle/>
+          <a:p>
+            <a:pPr algn="ctr"/>
+            <a:r>
+              <a:rPr lang="de-DE" dirty="0"/>
+              <a:t>Block 2</a:t>
+            </a:r>
+          </a:p>
+        </p:txBody>
+      </p:sp>
+      <p:grpSp>
+        <p:nvGrpSpPr>
+          <p:cNvPr id="79" name="Gruppieren 78">
+            <a:extLst>
+              <a:ext uri="{FF2B5EF4-FFF2-40B4-BE49-F238E27FC236}">
+                <a16:creationId xmlns:a16="http://schemas.microsoft.com/office/drawing/2014/main" id="{9B23F723-2114-4743-916F-7AF214936586}"/>
+              </a:ext>
+            </a:extLst>
+          </p:cNvPr>
+          <p:cNvGrpSpPr/>
+          <p:nvPr/>
+        </p:nvGrpSpPr>
+        <p:grpSpPr>
+          <a:xfrm>
+            <a:off x="5214268" y="2194866"/>
+            <a:ext cx="1292765" cy="1589827"/>
+            <a:chOff x="5214268" y="2194866"/>
+            <a:chExt cx="1292765" cy="1589827"/>
+          </a:xfrm>
+        </p:grpSpPr>
+        <p:sp>
+          <p:nvSpPr>
+            <p:cNvPr id="53" name="Rechteck: abgerundete Ecken 52">
+              <a:extLst>
+                <a:ext uri="{FF2B5EF4-FFF2-40B4-BE49-F238E27FC236}">
+                  <a16:creationId xmlns:a16="http://schemas.microsoft.com/office/drawing/2014/main" id="{90D9F412-74B6-4164-85BA-18D0886BA9EE}"/>
+                </a:ext>
+              </a:extLst>
+            </p:cNvPr>
+            <p:cNvSpPr/>
+            <p:nvPr/>
+          </p:nvSpPr>
+          <p:spPr>
+            <a:xfrm>
+              <a:off x="5214268" y="2194866"/>
+              <a:ext cx="1292765" cy="1579464"/>
+            </a:xfrm>
+            <a:prstGeom prst="roundRect">
+              <a:avLst>
+                <a:gd name="adj" fmla="val 6745"/>
+              </a:avLst>
+            </a:prstGeom>
+          </p:spPr>
+          <p:style>
+            <a:lnRef idx="0">
+              <a:schemeClr val="accent2"/>
+            </a:lnRef>
+            <a:fillRef idx="3">
+              <a:schemeClr val="accent2"/>
+            </a:fillRef>
+            <a:effectRef idx="3">
+              <a:schemeClr val="accent2"/>
+            </a:effectRef>
+            <a:fontRef idx="minor">
+              <a:schemeClr val="lt1"/>
+            </a:fontRef>
+          </p:style>
+          <p:txBody>
+            <a:bodyPr rtlCol="0" anchor="b" anchorCtr="0"/>
+            <a:lstStyle/>
+            <a:p>
+              <a:pPr algn="ctr"/>
+              <a:endParaRPr lang="de-DE" dirty="0"/>
+            </a:p>
+          </p:txBody>
+        </p:sp>
+        <p:sp>
+          <p:nvSpPr>
+            <p:cNvPr id="56" name="Textfeld 55">
+              <a:extLst>
+                <a:ext uri="{FF2B5EF4-FFF2-40B4-BE49-F238E27FC236}">
+                  <a16:creationId xmlns:a16="http://schemas.microsoft.com/office/drawing/2014/main" id="{49E535DC-E749-43CC-9227-F0F38D28A889}"/>
+                </a:ext>
+              </a:extLst>
+            </p:cNvPr>
+            <p:cNvSpPr txBox="1"/>
+            <p:nvPr/>
+          </p:nvSpPr>
+          <p:spPr>
+            <a:xfrm>
+              <a:off x="5254667" y="3415361"/>
+              <a:ext cx="1211967" cy="369332"/>
+            </a:xfrm>
+            <a:prstGeom prst="rect">
+              <a:avLst/>
+            </a:prstGeom>
+            <a:noFill/>
+          </p:spPr>
+          <p:txBody>
+            <a:bodyPr wrap="square" rtlCol="0">
+              <a:spAutoFit/>
+            </a:bodyPr>
+            <a:lstStyle/>
+            <a:p>
+              <a:pPr algn="ctr"/>
+              <a:r>
+                <a:rPr lang="de-DE" dirty="0">
+                  <a:solidFill>
+                    <a:schemeClr val="lt1"/>
+                  </a:solidFill>
+                </a:rPr>
+                <a:t>Hashwert</a:t>
+              </a:r>
+            </a:p>
+          </p:txBody>
+        </p:sp>
+      </p:grpSp>
+      <p:sp>
+        <p:nvSpPr>
+          <p:cNvPr id="54" name="Rechteck: abgerundete Ecken 53">
+            <a:extLst>
+              <a:ext uri="{FF2B5EF4-FFF2-40B4-BE49-F238E27FC236}">
+                <a16:creationId xmlns:a16="http://schemas.microsoft.com/office/drawing/2014/main" id="{C58BCA76-13ED-427D-8EF2-442B50AAF083}"/>
+              </a:ext>
+            </a:extLst>
+          </p:cNvPr>
+          <p:cNvSpPr/>
+          <p:nvPr/>
+        </p:nvSpPr>
+        <p:spPr>
+          <a:xfrm>
+            <a:off x="5254667" y="2266660"/>
+            <a:ext cx="1211967" cy="538454"/>
+          </a:xfrm>
+          <a:prstGeom prst="roundRect">
+            <a:avLst/>
+          </a:prstGeom>
+        </p:spPr>
+        <p:style>
+          <a:lnRef idx="0">
+            <a:schemeClr val="accent4"/>
+          </a:lnRef>
+          <a:fillRef idx="3">
+            <a:schemeClr val="accent4"/>
+          </a:fillRef>
+          <a:effectRef idx="3">
+            <a:schemeClr val="accent4"/>
+          </a:effectRef>
+          <a:fontRef idx="minor">
+            <a:schemeClr val="lt1"/>
+          </a:fontRef>
+        </p:style>
+        <p:txBody>
+          <a:bodyPr rtlCol="0" anchor="ctr" anchorCtr="0"/>
+          <a:lstStyle/>
+          <a:p>
+            <a:pPr algn="ctr"/>
+            <a:r>
+              <a:rPr lang="de-DE" dirty="0"/>
+              <a:t>Daten</a:t>
+            </a:r>
+          </a:p>
+        </p:txBody>
+      </p:sp>
+      <p:sp>
+        <p:nvSpPr>
+          <p:cNvPr id="55" name="Rechteck: abgerundete Ecken 54">
+            <a:extLst>
+              <a:ext uri="{FF2B5EF4-FFF2-40B4-BE49-F238E27FC236}">
+                <a16:creationId xmlns:a16="http://schemas.microsoft.com/office/drawing/2014/main" id="{50E511C2-9367-4BFD-BBC5-23EED5440881}"/>
+              </a:ext>
+            </a:extLst>
+          </p:cNvPr>
+          <p:cNvSpPr/>
+          <p:nvPr/>
+        </p:nvSpPr>
+        <p:spPr>
+          <a:xfrm>
+            <a:off x="5254667" y="2876907"/>
+            <a:ext cx="1211967" cy="358969"/>
+          </a:xfrm>
+          <a:prstGeom prst="roundRect">
+            <a:avLst/>
+          </a:prstGeom>
+        </p:spPr>
+        <p:style>
+          <a:lnRef idx="0">
+            <a:schemeClr val="accent6"/>
+          </a:lnRef>
+          <a:fillRef idx="3">
+            <a:schemeClr val="accent6"/>
+          </a:fillRef>
+          <a:effectRef idx="3">
+            <a:schemeClr val="accent6"/>
+          </a:effectRef>
+          <a:fontRef idx="minor">
+            <a:schemeClr val="lt1"/>
+          </a:fontRef>
+        </p:style>
+        <p:txBody>
+          <a:bodyPr rtlCol="0" anchor="ctr" anchorCtr="0"/>
+          <a:lstStyle/>
+          <a:p>
+            <a:pPr algn="ctr"/>
+            <a:r>
+              <a:rPr lang="de-DE" dirty="0"/>
+              <a:t>Header</a:t>
+            </a:r>
+          </a:p>
+        </p:txBody>
+      </p:sp>
+      <p:grpSp>
+        <p:nvGrpSpPr>
+          <p:cNvPr id="57" name="Gruppieren 56">
+            <a:extLst>
+              <a:ext uri="{FF2B5EF4-FFF2-40B4-BE49-F238E27FC236}">
+                <a16:creationId xmlns:a16="http://schemas.microsoft.com/office/drawing/2014/main" id="{8A18A6E4-3D4F-4A88-91AD-A2E1C88D37F4}"/>
+              </a:ext>
+            </a:extLst>
+          </p:cNvPr>
+          <p:cNvGrpSpPr/>
+          <p:nvPr/>
+        </p:nvGrpSpPr>
+        <p:grpSpPr>
+          <a:xfrm>
+            <a:off x="7298359" y="1800000"/>
+            <a:ext cx="1615956" cy="2153814"/>
+            <a:chOff x="360000" y="3600000"/>
+            <a:chExt cx="1440000" cy="2160000"/>
+          </a:xfrm>
+        </p:grpSpPr>
+        <p:sp>
+          <p:nvSpPr>
+            <p:cNvPr id="58" name="Rechteck: abgerundete Ecken 57">
+              <a:extLst>
+                <a:ext uri="{FF2B5EF4-FFF2-40B4-BE49-F238E27FC236}">
+                  <a16:creationId xmlns:a16="http://schemas.microsoft.com/office/drawing/2014/main" id="{FB470629-E5CB-450F-929B-A13D9389CFDF}"/>
+                </a:ext>
+              </a:extLst>
+            </p:cNvPr>
+            <p:cNvSpPr/>
+            <p:nvPr/>
+          </p:nvSpPr>
+          <p:spPr>
+            <a:xfrm>
+              <a:off x="360000" y="3600000"/>
+              <a:ext cx="1440000" cy="2160000"/>
+            </a:xfrm>
+            <a:prstGeom prst="roundRect">
+              <a:avLst/>
+            </a:prstGeom>
+          </p:spPr>
+          <p:style>
+            <a:lnRef idx="0">
+              <a:schemeClr val="accent5"/>
+            </a:lnRef>
+            <a:fillRef idx="3">
+              <a:schemeClr val="accent5"/>
+            </a:fillRef>
+            <a:effectRef idx="3">
+              <a:schemeClr val="accent5"/>
+            </a:effectRef>
+            <a:fontRef idx="minor">
+              <a:schemeClr val="lt1"/>
+            </a:fontRef>
+          </p:style>
+          <p:txBody>
+            <a:bodyPr rtlCol="0" anchor="t" anchorCtr="0"/>
+            <a:lstStyle/>
+            <a:p>
+              <a:pPr algn="ctr"/>
+              <a:r>
+                <a:rPr lang="de-DE" dirty="0"/>
+                <a:t>Block …</a:t>
+              </a:r>
+            </a:p>
+          </p:txBody>
+        </p:sp>
+        <p:sp>
+          <p:nvSpPr>
+            <p:cNvPr id="59" name="Rechteck: abgerundete Ecken 58">
+              <a:extLst>
+                <a:ext uri="{FF2B5EF4-FFF2-40B4-BE49-F238E27FC236}">
+                  <a16:creationId xmlns:a16="http://schemas.microsoft.com/office/drawing/2014/main" id="{9E9B6550-58F0-4979-9CB6-9F941D809601}"/>
+                </a:ext>
+              </a:extLst>
+            </p:cNvPr>
+            <p:cNvSpPr/>
+            <p:nvPr/>
+          </p:nvSpPr>
+          <p:spPr>
+            <a:xfrm>
+              <a:off x="504000" y="3996000"/>
+              <a:ext cx="1152000" cy="1584000"/>
+            </a:xfrm>
+            <a:prstGeom prst="roundRect">
+              <a:avLst>
+                <a:gd name="adj" fmla="val 6745"/>
+              </a:avLst>
+            </a:prstGeom>
+          </p:spPr>
+          <p:style>
+            <a:lnRef idx="0">
+              <a:schemeClr val="accent2"/>
+            </a:lnRef>
+            <a:fillRef idx="3">
+              <a:schemeClr val="accent2"/>
+            </a:fillRef>
+            <a:effectRef idx="3">
+              <a:schemeClr val="accent2"/>
+            </a:effectRef>
+            <a:fontRef idx="minor">
+              <a:schemeClr val="lt1"/>
+            </a:fontRef>
+          </p:style>
+          <p:txBody>
+            <a:bodyPr rtlCol="0" anchor="b" anchorCtr="0"/>
+            <a:lstStyle/>
+            <a:p>
+              <a:pPr algn="ctr"/>
+              <a:endParaRPr lang="de-DE" dirty="0"/>
+            </a:p>
+          </p:txBody>
+        </p:sp>
+        <p:sp>
+          <p:nvSpPr>
+            <p:cNvPr id="60" name="Rechteck: abgerundete Ecken 59">
+              <a:extLst>
+                <a:ext uri="{FF2B5EF4-FFF2-40B4-BE49-F238E27FC236}">
+                  <a16:creationId xmlns:a16="http://schemas.microsoft.com/office/drawing/2014/main" id="{6D38102C-EF8E-4CC6-9D24-99981F56AB24}"/>
+                </a:ext>
+              </a:extLst>
+            </p:cNvPr>
+            <p:cNvSpPr/>
+            <p:nvPr/>
+          </p:nvSpPr>
+          <p:spPr>
+            <a:xfrm>
+              <a:off x="540000" y="4068000"/>
+              <a:ext cx="1080000" cy="540000"/>
+            </a:xfrm>
+            <a:prstGeom prst="roundRect">
+              <a:avLst/>
+            </a:prstGeom>
+          </p:spPr>
+          <p:style>
+            <a:lnRef idx="0">
+              <a:schemeClr val="accent4"/>
+            </a:lnRef>
+            <a:fillRef idx="3">
+              <a:schemeClr val="accent4"/>
+            </a:fillRef>
+            <a:effectRef idx="3">
+              <a:schemeClr val="accent4"/>
+            </a:effectRef>
+            <a:fontRef idx="minor">
+              <a:schemeClr val="lt1"/>
+            </a:fontRef>
+          </p:style>
+          <p:txBody>
+            <a:bodyPr rtlCol="0" anchor="ctr" anchorCtr="0"/>
+            <a:lstStyle/>
+            <a:p>
+              <a:pPr algn="ctr"/>
+              <a:r>
+                <a:rPr lang="de-DE" dirty="0"/>
+                <a:t>Daten</a:t>
+              </a:r>
+            </a:p>
+          </p:txBody>
+        </p:sp>
+        <p:sp>
+          <p:nvSpPr>
+            <p:cNvPr id="61" name="Rechteck: abgerundete Ecken 60">
+              <a:extLst>
+                <a:ext uri="{FF2B5EF4-FFF2-40B4-BE49-F238E27FC236}">
+                  <a16:creationId xmlns:a16="http://schemas.microsoft.com/office/drawing/2014/main" id="{B73FB76A-852F-4CD9-A186-0B0F0461E54B}"/>
+                </a:ext>
+              </a:extLst>
+            </p:cNvPr>
+            <p:cNvSpPr/>
+            <p:nvPr/>
+          </p:nvSpPr>
+          <p:spPr>
+            <a:xfrm>
+              <a:off x="540000" y="4680000"/>
+              <a:ext cx="1080000" cy="360000"/>
+            </a:xfrm>
+            <a:prstGeom prst="roundRect">
+              <a:avLst/>
+            </a:prstGeom>
+          </p:spPr>
+          <p:style>
+            <a:lnRef idx="0">
+              <a:schemeClr val="accent6"/>
+            </a:lnRef>
+            <a:fillRef idx="3">
+              <a:schemeClr val="accent6"/>
+            </a:fillRef>
+            <a:effectRef idx="3">
+              <a:schemeClr val="accent6"/>
+            </a:effectRef>
+            <a:fontRef idx="minor">
+              <a:schemeClr val="lt1"/>
+            </a:fontRef>
+          </p:style>
+          <p:txBody>
+            <a:bodyPr rtlCol="0" anchor="ctr" anchorCtr="0"/>
+            <a:lstStyle/>
+            <a:p>
+              <a:pPr algn="ctr"/>
+              <a:r>
+                <a:rPr lang="de-DE" dirty="0"/>
+                <a:t>Header</a:t>
+              </a:r>
+            </a:p>
+          </p:txBody>
+        </p:sp>
+        <p:sp>
+          <p:nvSpPr>
+            <p:cNvPr id="62" name="Textfeld 61">
+              <a:extLst>
+                <a:ext uri="{FF2B5EF4-FFF2-40B4-BE49-F238E27FC236}">
+                  <a16:creationId xmlns:a16="http://schemas.microsoft.com/office/drawing/2014/main" id="{9CCD8F0E-67BE-449A-A723-453B3C15AA7B}"/>
+                </a:ext>
+              </a:extLst>
+            </p:cNvPr>
+            <p:cNvSpPr txBox="1"/>
+            <p:nvPr/>
+          </p:nvSpPr>
+          <p:spPr>
+            <a:xfrm>
+              <a:off x="540000" y="5220001"/>
+              <a:ext cx="1080000" cy="370393"/>
+            </a:xfrm>
+            <a:prstGeom prst="rect">
+              <a:avLst/>
+            </a:prstGeom>
+            <a:noFill/>
+          </p:spPr>
+          <p:txBody>
+            <a:bodyPr wrap="square" rtlCol="0">
+              <a:spAutoFit/>
+            </a:bodyPr>
+            <a:lstStyle/>
+            <a:p>
+              <a:pPr algn="ctr"/>
+              <a:r>
+                <a:rPr lang="de-DE" dirty="0">
+                  <a:solidFill>
+                    <a:schemeClr val="lt1"/>
+                  </a:solidFill>
+                </a:rPr>
+                <a:t>Hashwert</a:t>
+              </a:r>
+            </a:p>
+          </p:txBody>
+        </p:sp>
+      </p:grpSp>
+      <p:grpSp>
+        <p:nvGrpSpPr>
+          <p:cNvPr id="63" name="Gruppieren 62">
+            <a:extLst>
+              <a:ext uri="{FF2B5EF4-FFF2-40B4-BE49-F238E27FC236}">
+                <a16:creationId xmlns:a16="http://schemas.microsoft.com/office/drawing/2014/main" id="{C64C47C0-7B7E-4BBF-A491-64F036F4454B}"/>
+              </a:ext>
+            </a:extLst>
+          </p:cNvPr>
+          <p:cNvGrpSpPr/>
+          <p:nvPr/>
+        </p:nvGrpSpPr>
+        <p:grpSpPr>
+          <a:xfrm>
+            <a:off x="9544044" y="1800000"/>
+            <a:ext cx="1615956" cy="2153814"/>
+            <a:chOff x="360000" y="3600000"/>
+            <a:chExt cx="1440000" cy="2160000"/>
+          </a:xfrm>
+        </p:grpSpPr>
+        <p:sp>
+          <p:nvSpPr>
+            <p:cNvPr id="64" name="Rechteck: abgerundete Ecken 63">
+              <a:extLst>
+                <a:ext uri="{FF2B5EF4-FFF2-40B4-BE49-F238E27FC236}">
+                  <a16:creationId xmlns:a16="http://schemas.microsoft.com/office/drawing/2014/main" id="{EFDC0F12-8A28-4DC4-9939-64D0BB9B46F1}"/>
+                </a:ext>
+              </a:extLst>
+            </p:cNvPr>
+            <p:cNvSpPr/>
+            <p:nvPr/>
+          </p:nvSpPr>
+          <p:spPr>
+            <a:xfrm>
+              <a:off x="360000" y="3600000"/>
+              <a:ext cx="1440000" cy="2160000"/>
+            </a:xfrm>
+            <a:prstGeom prst="roundRect">
+              <a:avLst/>
+            </a:prstGeom>
+          </p:spPr>
+          <p:style>
+            <a:lnRef idx="0">
+              <a:schemeClr val="accent5"/>
+            </a:lnRef>
+            <a:fillRef idx="3">
+              <a:schemeClr val="accent5"/>
+            </a:fillRef>
+            <a:effectRef idx="3">
+              <a:schemeClr val="accent5"/>
+            </a:effectRef>
+            <a:fontRef idx="minor">
+              <a:schemeClr val="lt1"/>
+            </a:fontRef>
+          </p:style>
+          <p:txBody>
+            <a:bodyPr rtlCol="0" anchor="t" anchorCtr="0"/>
+            <a:lstStyle/>
+            <a:p>
+              <a:pPr algn="ctr"/>
+              <a:r>
+                <a:rPr lang="de-DE" dirty="0"/>
+                <a:t>Block n</a:t>
+              </a:r>
+            </a:p>
+          </p:txBody>
+        </p:sp>
+        <p:sp>
+          <p:nvSpPr>
+            <p:cNvPr id="65" name="Rechteck: abgerundete Ecken 64">
+              <a:extLst>
+                <a:ext uri="{FF2B5EF4-FFF2-40B4-BE49-F238E27FC236}">
+                  <a16:creationId xmlns:a16="http://schemas.microsoft.com/office/drawing/2014/main" id="{C31364ED-D17F-4918-9FAC-1AA4A8A8F755}"/>
+                </a:ext>
+              </a:extLst>
+            </p:cNvPr>
+            <p:cNvSpPr/>
+            <p:nvPr/>
+          </p:nvSpPr>
+          <p:spPr>
+            <a:xfrm>
+              <a:off x="504000" y="3996000"/>
+              <a:ext cx="1152000" cy="1584000"/>
+            </a:xfrm>
+            <a:prstGeom prst="roundRect">
+              <a:avLst>
+                <a:gd name="adj" fmla="val 6745"/>
+              </a:avLst>
+            </a:prstGeom>
+          </p:spPr>
+          <p:style>
+            <a:lnRef idx="0">
+              <a:schemeClr val="accent2"/>
+            </a:lnRef>
+            <a:fillRef idx="3">
+              <a:schemeClr val="accent2"/>
+            </a:fillRef>
+            <a:effectRef idx="3">
+              <a:schemeClr val="accent2"/>
+            </a:effectRef>
+            <a:fontRef idx="minor">
+              <a:schemeClr val="lt1"/>
+            </a:fontRef>
+          </p:style>
+          <p:txBody>
+            <a:bodyPr rtlCol="0" anchor="b" anchorCtr="0"/>
+            <a:lstStyle/>
+            <a:p>
+              <a:pPr algn="ctr"/>
+              <a:endParaRPr lang="de-DE" dirty="0"/>
+            </a:p>
+          </p:txBody>
+        </p:sp>
+        <p:sp>
+          <p:nvSpPr>
+            <p:cNvPr id="66" name="Rechteck: abgerundete Ecken 65">
+              <a:extLst>
+                <a:ext uri="{FF2B5EF4-FFF2-40B4-BE49-F238E27FC236}">
+                  <a16:creationId xmlns:a16="http://schemas.microsoft.com/office/drawing/2014/main" id="{BE654269-4653-414E-920D-F76F22B197A5}"/>
+                </a:ext>
+              </a:extLst>
+            </p:cNvPr>
+            <p:cNvSpPr/>
+            <p:nvPr/>
+          </p:nvSpPr>
+          <p:spPr>
+            <a:xfrm>
+              <a:off x="540000" y="4068000"/>
+              <a:ext cx="1080000" cy="540000"/>
+            </a:xfrm>
+            <a:prstGeom prst="roundRect">
+              <a:avLst/>
+            </a:prstGeom>
+          </p:spPr>
+          <p:style>
+            <a:lnRef idx="0">
+              <a:schemeClr val="accent4"/>
+            </a:lnRef>
+            <a:fillRef idx="3">
+              <a:schemeClr val="accent4"/>
+            </a:fillRef>
+            <a:effectRef idx="3">
+              <a:schemeClr val="accent4"/>
+            </a:effectRef>
+            <a:fontRef idx="minor">
+              <a:schemeClr val="lt1"/>
+            </a:fontRef>
+          </p:style>
+          <p:txBody>
+            <a:bodyPr rtlCol="0" anchor="ctr" anchorCtr="0"/>
+            <a:lstStyle/>
+            <a:p>
+              <a:pPr algn="ctr"/>
+              <a:r>
+                <a:rPr lang="de-DE" dirty="0"/>
+                <a:t>Daten</a:t>
+              </a:r>
+            </a:p>
+          </p:txBody>
+        </p:sp>
+        <p:sp>
+          <p:nvSpPr>
+            <p:cNvPr id="67" name="Rechteck: abgerundete Ecken 66">
+              <a:extLst>
+                <a:ext uri="{FF2B5EF4-FFF2-40B4-BE49-F238E27FC236}">
+                  <a16:creationId xmlns:a16="http://schemas.microsoft.com/office/drawing/2014/main" id="{9610BFF9-467F-4CA9-A0EA-EE53CEE3EFD7}"/>
+                </a:ext>
+              </a:extLst>
+            </p:cNvPr>
+            <p:cNvSpPr/>
+            <p:nvPr/>
+          </p:nvSpPr>
+          <p:spPr>
+            <a:xfrm>
+              <a:off x="540000" y="4680000"/>
+              <a:ext cx="1080000" cy="360000"/>
+            </a:xfrm>
+            <a:prstGeom prst="roundRect">
+              <a:avLst/>
+            </a:prstGeom>
+          </p:spPr>
+          <p:style>
+            <a:lnRef idx="0">
+              <a:schemeClr val="accent6"/>
+            </a:lnRef>
+            <a:fillRef idx="3">
+              <a:schemeClr val="accent6"/>
+            </a:fillRef>
+            <a:effectRef idx="3">
+              <a:schemeClr val="accent6"/>
+            </a:effectRef>
+            <a:fontRef idx="minor">
+              <a:schemeClr val="lt1"/>
+            </a:fontRef>
+          </p:style>
+          <p:txBody>
+            <a:bodyPr rtlCol="0" anchor="ctr" anchorCtr="0"/>
+            <a:lstStyle/>
+            <a:p>
+              <a:pPr algn="ctr"/>
+              <a:r>
+                <a:rPr lang="de-DE" dirty="0"/>
+                <a:t>Header</a:t>
+              </a:r>
+            </a:p>
+          </p:txBody>
+        </p:sp>
+        <p:sp>
+          <p:nvSpPr>
+            <p:cNvPr id="68" name="Textfeld 67">
+              <a:extLst>
+                <a:ext uri="{FF2B5EF4-FFF2-40B4-BE49-F238E27FC236}">
+                  <a16:creationId xmlns:a16="http://schemas.microsoft.com/office/drawing/2014/main" id="{BE096619-0105-46D2-ACA6-204C1E433C3C}"/>
+                </a:ext>
+              </a:extLst>
+            </p:cNvPr>
+            <p:cNvSpPr txBox="1"/>
+            <p:nvPr/>
+          </p:nvSpPr>
+          <p:spPr>
+            <a:xfrm>
+              <a:off x="540000" y="5220001"/>
+              <a:ext cx="1080000" cy="370393"/>
+            </a:xfrm>
+            <a:prstGeom prst="rect">
+              <a:avLst/>
+            </a:prstGeom>
+            <a:noFill/>
+          </p:spPr>
+          <p:txBody>
+            <a:bodyPr wrap="square" rtlCol="0">
+              <a:spAutoFit/>
+            </a:bodyPr>
+            <a:lstStyle/>
+            <a:p>
+              <a:pPr algn="ctr"/>
+              <a:r>
+                <a:rPr lang="de-DE" dirty="0">
+                  <a:solidFill>
+                    <a:schemeClr val="lt1"/>
+                  </a:solidFill>
+                </a:rPr>
+                <a:t>Hashwert</a:t>
+              </a:r>
+            </a:p>
+          </p:txBody>
+        </p:sp>
+      </p:grpSp>
+      <p:cxnSp>
+        <p:nvCxnSpPr>
+          <p:cNvPr id="70" name="Gerade Verbindung mit Pfeil 69">
+            <a:extLst>
+              <a:ext uri="{FF2B5EF4-FFF2-40B4-BE49-F238E27FC236}">
+                <a16:creationId xmlns:a16="http://schemas.microsoft.com/office/drawing/2014/main" id="{1ECC366B-ED8A-4967-BC75-65C6B2726361}"/>
+              </a:ext>
+            </a:extLst>
+          </p:cNvPr>
+          <p:cNvCxnSpPr>
+            <a:stCxn id="48" idx="3"/>
+            <a:endCxn id="55" idx="1"/>
+          </p:cNvCxnSpPr>
+          <p:nvPr/>
+        </p:nvCxnSpPr>
+        <p:spPr>
+          <a:xfrm flipV="1">
+            <a:off x="4220948" y="3056391"/>
+            <a:ext cx="1033719" cy="543106"/>
+          </a:xfrm>
+          <a:prstGeom prst="straightConnector1">
+            <a:avLst/>
+          </a:prstGeom>
+          <a:ln w="25400">
+            <a:solidFill>
+              <a:srgbClr val="FF0000"/>
+            </a:solidFill>
+            <a:tailEnd type="triangle" w="lg" len="lg"/>
+          </a:ln>
+        </p:spPr>
+        <p:style>
+          <a:lnRef idx="1">
+            <a:schemeClr val="accent1"/>
+          </a:lnRef>
+          <a:fillRef idx="0">
+            <a:schemeClr val="accent1"/>
+          </a:fillRef>
+          <a:effectRef idx="0">
+            <a:schemeClr val="accent1"/>
+          </a:effectRef>
+          <a:fontRef idx="minor">
+            <a:schemeClr val="tx1"/>
+          </a:fontRef>
+        </p:style>
+      </p:cxnSp>
+      <p:cxnSp>
+        <p:nvCxnSpPr>
+          <p:cNvPr id="71" name="Gerade Verbindung mit Pfeil 70">
+            <a:extLst>
+              <a:ext uri="{FF2B5EF4-FFF2-40B4-BE49-F238E27FC236}">
+                <a16:creationId xmlns:a16="http://schemas.microsoft.com/office/drawing/2014/main" id="{4B89E80E-3241-4A40-B7F8-F88B6955BD46}"/>
+              </a:ext>
+            </a:extLst>
+          </p:cNvPr>
+          <p:cNvCxnSpPr>
+            <a:cxnSpLocks/>
+            <a:stCxn id="56" idx="3"/>
+            <a:endCxn id="61" idx="1"/>
+          </p:cNvCxnSpPr>
+          <p:nvPr/>
+        </p:nvCxnSpPr>
+        <p:spPr>
+          <a:xfrm flipV="1">
+            <a:off x="6466634" y="3056392"/>
+            <a:ext cx="1033720" cy="543635"/>
+          </a:xfrm>
+          <a:prstGeom prst="straightConnector1">
+            <a:avLst/>
+          </a:prstGeom>
+          <a:ln w="25400">
+            <a:solidFill>
+              <a:srgbClr val="FF0000"/>
+            </a:solidFill>
+            <a:prstDash val="dash"/>
+            <a:tailEnd type="triangle" w="lg" len="lg"/>
+          </a:ln>
+        </p:spPr>
+        <p:style>
+          <a:lnRef idx="1">
+            <a:schemeClr val="accent1"/>
+          </a:lnRef>
+          <a:fillRef idx="0">
+            <a:schemeClr val="accent1"/>
+          </a:fillRef>
+          <a:effectRef idx="0">
+            <a:schemeClr val="accent1"/>
+          </a:effectRef>
+          <a:fontRef idx="minor">
+            <a:schemeClr val="tx1"/>
+          </a:fontRef>
+        </p:style>
+      </p:cxnSp>
+      <p:cxnSp>
+        <p:nvCxnSpPr>
+          <p:cNvPr id="74" name="Gerade Verbindung mit Pfeil 73">
+            <a:extLst>
+              <a:ext uri="{FF2B5EF4-FFF2-40B4-BE49-F238E27FC236}">
+                <a16:creationId xmlns:a16="http://schemas.microsoft.com/office/drawing/2014/main" id="{E461761D-D51E-4828-8432-90B5AEE59ACD}"/>
+              </a:ext>
+            </a:extLst>
+          </p:cNvPr>
+          <p:cNvCxnSpPr>
+            <a:cxnSpLocks/>
+            <a:stCxn id="62" idx="3"/>
+            <a:endCxn id="67" idx="1"/>
+          </p:cNvCxnSpPr>
+          <p:nvPr/>
+        </p:nvCxnSpPr>
+        <p:spPr>
+          <a:xfrm flipV="1">
+            <a:off x="8712321" y="3056392"/>
+            <a:ext cx="1033718" cy="543635"/>
+          </a:xfrm>
+          <a:prstGeom prst="straightConnector1">
+            <a:avLst/>
+          </a:prstGeom>
+          <a:ln w="25400">
+            <a:solidFill>
+              <a:srgbClr val="FF0000"/>
+            </a:solidFill>
+            <a:prstDash val="dash"/>
+            <a:tailEnd type="triangle" w="lg" len="lg"/>
+          </a:ln>
+        </p:spPr>
+        <p:style>
+          <a:lnRef idx="1">
+            <a:schemeClr val="accent1"/>
+          </a:lnRef>
+          <a:fillRef idx="0">
+            <a:schemeClr val="accent1"/>
+          </a:fillRef>
+          <a:effectRef idx="0">
+            <a:schemeClr val="accent1"/>
+          </a:effectRef>
+          <a:fontRef idx="minor">
+            <a:schemeClr val="tx1"/>
+          </a:fontRef>
+        </p:style>
+      </p:cxnSp>
+    </p:spTree>
+    <p:extLst>
+      <p:ext uri="{BB962C8B-B14F-4D97-AF65-F5344CB8AC3E}">
+        <p14:creationId xmlns:p14="http://schemas.microsoft.com/office/powerpoint/2010/main" val="2965568751"/>
+      </p:ext>
+    </p:extLst>
+  </p:cSld>
+  <p:clrMapOvr>
+    <a:masterClrMapping/>
+  </p:clrMapOvr>
+  <p:timing>
+    <p:tnLst>
+      <p:par>
+        <p:cTn id="1" dur="indefinite" restart="never" nodeType="tmRoot">
+          <p:childTnLst>
+            <p:seq concurrent="1" nextAc="seek">
+              <p:cTn id="2" dur="indefinite" nodeType="mainSeq">
+                <p:childTnLst>
+                  <p:par>
+                    <p:cTn id="3" fill="hold">
+                      <p:stCondLst>
+                        <p:cond delay="indefinite"/>
+                      </p:stCondLst>
+                      <p:childTnLst>
+                        <p:par>
+                          <p:cTn id="4" fill="hold">
+                            <p:stCondLst>
+                              <p:cond delay="0"/>
+                            </p:stCondLst>
+                            <p:childTnLst>
+                              <p:par>
+                                <p:cTn id="5" presetID="1" presetClass="entr" presetSubtype="0" fill="hold" grpId="0" nodeType="clickEffect">
+                                  <p:stCondLst>
+                                    <p:cond delay="0"/>
+                                  </p:stCondLst>
+                                  <p:childTnLst>
+                                    <p:set>
+                                      <p:cBhvr>
+                                        <p:cTn id="6" dur="1" fill="hold">
+                                          <p:stCondLst>
+                                            <p:cond delay="0"/>
+                                          </p:stCondLst>
+                                        </p:cTn>
+                                        <p:tgtEl>
+                                          <p:spTgt spid="3">
+                                            <p:txEl>
+                                              <p:pRg st="0" end="0"/>
+                                            </p:txEl>
+                                          </p:spTgt>
+                                        </p:tgtEl>
+                                        <p:attrNameLst>
+                                          <p:attrName>style.visibility</p:attrName>
+                                        </p:attrNameLst>
+                                      </p:cBhvr>
+                                      <p:to>
+                                        <p:strVal val="visible"/>
+                                      </p:to>
+                                    </p:set>
+                                  </p:childTnLst>
+                                </p:cTn>
+                              </p:par>
+                            </p:childTnLst>
+                          </p:cTn>
+                        </p:par>
+                      </p:childTnLst>
+                    </p:cTn>
+                  </p:par>
+                  <p:par>
+                    <p:cTn id="7" fill="hold">
+                      <p:stCondLst>
+                        <p:cond delay="indefinite"/>
+                      </p:stCondLst>
+                      <p:childTnLst>
+                        <p:par>
+                          <p:cTn id="8" fill="hold">
+                            <p:stCondLst>
+                              <p:cond delay="0"/>
+                            </p:stCondLst>
+                            <p:childTnLst>
+                              <p:par>
+                                <p:cTn id="9" presetID="1" presetClass="entr" presetSubtype="0" fill="hold" grpId="0" nodeType="clickEffect">
+                                  <p:stCondLst>
+                                    <p:cond delay="0"/>
+                                  </p:stCondLst>
+                                  <p:childTnLst>
+                                    <p:set>
+                                      <p:cBhvr>
+                                        <p:cTn id="10" dur="1" fill="hold">
+                                          <p:stCondLst>
+                                            <p:cond delay="0"/>
+                                          </p:stCondLst>
+                                        </p:cTn>
+                                        <p:tgtEl>
+                                          <p:spTgt spid="3">
+                                            <p:txEl>
+                                              <p:pRg st="1" end="1"/>
+                                            </p:txEl>
+                                          </p:spTgt>
+                                        </p:tgtEl>
+                                        <p:attrNameLst>
+                                          <p:attrName>style.visibility</p:attrName>
+                                        </p:attrNameLst>
+                                      </p:cBhvr>
+                                      <p:to>
+                                        <p:strVal val="visible"/>
+                                      </p:to>
+                                    </p:set>
+                                  </p:childTnLst>
+                                </p:cTn>
+                              </p:par>
+                              <p:par>
+                                <p:cTn id="11" presetID="1" presetClass="entr" presetSubtype="0" fill="hold" grpId="0" nodeType="withEffect">
+                                  <p:stCondLst>
+                                    <p:cond delay="0"/>
+                                  </p:stCondLst>
+                                  <p:childTnLst>
+                                    <p:set>
+                                      <p:cBhvr>
+                                        <p:cTn id="12" dur="1" fill="hold">
+                                          <p:stCondLst>
+                                            <p:cond delay="0"/>
+                                          </p:stCondLst>
+                                        </p:cTn>
+                                        <p:tgtEl>
+                                          <p:spTgt spid="8"/>
+                                        </p:tgtEl>
+                                        <p:attrNameLst>
+                                          <p:attrName>style.visibility</p:attrName>
+                                        </p:attrNameLst>
+                                      </p:cBhvr>
+                                      <p:to>
+                                        <p:strVal val="visible"/>
+                                      </p:to>
+                                    </p:set>
+                                  </p:childTnLst>
+                                </p:cTn>
+                              </p:par>
+                            </p:childTnLst>
+                          </p:cTn>
+                        </p:par>
+                      </p:childTnLst>
+                    </p:cTn>
+                  </p:par>
+                  <p:par>
+                    <p:cTn id="13" fill="hold">
+                      <p:stCondLst>
+                        <p:cond delay="indefinite"/>
+                      </p:stCondLst>
+                      <p:childTnLst>
+                        <p:par>
+                          <p:cTn id="14" fill="hold">
+                            <p:stCondLst>
+                              <p:cond delay="0"/>
+                            </p:stCondLst>
+                            <p:childTnLst>
+                              <p:par>
+                                <p:cTn id="15" presetID="1" presetClass="entr" presetSubtype="0" fill="hold" grpId="0" nodeType="clickEffect">
+                                  <p:stCondLst>
+                                    <p:cond delay="0"/>
+                                  </p:stCondLst>
+                                  <p:childTnLst>
+                                    <p:set>
+                                      <p:cBhvr>
+                                        <p:cTn id="16" dur="1" fill="hold">
+                                          <p:stCondLst>
+                                            <p:cond delay="0"/>
+                                          </p:stCondLst>
+                                        </p:cTn>
+                                        <p:tgtEl>
+                                          <p:spTgt spid="3">
+                                            <p:txEl>
+                                              <p:pRg st="2" end="2"/>
+                                            </p:txEl>
+                                          </p:spTgt>
+                                        </p:tgtEl>
+                                        <p:attrNameLst>
+                                          <p:attrName>style.visibility</p:attrName>
+                                        </p:attrNameLst>
+                                      </p:cBhvr>
+                                      <p:to>
+                                        <p:strVal val="visible"/>
+                                      </p:to>
+                                    </p:set>
+                                  </p:childTnLst>
+                                </p:cTn>
+                              </p:par>
+                              <p:par>
+                                <p:cTn id="17" presetID="1" presetClass="entr" presetSubtype="0" fill="hold" grpId="0" nodeType="withEffect">
+                                  <p:stCondLst>
+                                    <p:cond delay="0"/>
+                                  </p:stCondLst>
+                                  <p:childTnLst>
+                                    <p:set>
+                                      <p:cBhvr>
+                                        <p:cTn id="18" dur="1" fill="hold">
+                                          <p:stCondLst>
+                                            <p:cond delay="0"/>
+                                          </p:stCondLst>
+                                        </p:cTn>
+                                        <p:tgtEl>
+                                          <p:spTgt spid="9"/>
+                                        </p:tgtEl>
+                                        <p:attrNameLst>
+                                          <p:attrName>style.visibility</p:attrName>
+                                        </p:attrNameLst>
+                                      </p:cBhvr>
+                                      <p:to>
+                                        <p:strVal val="visible"/>
+                                      </p:to>
+                                    </p:set>
+                                  </p:childTnLst>
+                                </p:cTn>
+                              </p:par>
+                            </p:childTnLst>
+                          </p:cTn>
+                        </p:par>
+                      </p:childTnLst>
+                    </p:cTn>
+                  </p:par>
+                  <p:par>
+                    <p:cTn id="19" fill="hold">
+                      <p:stCondLst>
+                        <p:cond delay="indefinite"/>
+                      </p:stCondLst>
+                      <p:childTnLst>
+                        <p:par>
+                          <p:cTn id="20" fill="hold">
+                            <p:stCondLst>
+                              <p:cond delay="0"/>
+                            </p:stCondLst>
+                            <p:childTnLst>
+                              <p:par>
+                                <p:cTn id="21" presetID="1" presetClass="entr" presetSubtype="0" fill="hold" grpId="0" nodeType="clickEffect">
+                                  <p:stCondLst>
+                                    <p:cond delay="0"/>
+                                  </p:stCondLst>
+                                  <p:childTnLst>
+                                    <p:set>
+                                      <p:cBhvr>
+                                        <p:cTn id="22" dur="1" fill="hold">
+                                          <p:stCondLst>
+                                            <p:cond delay="0"/>
+                                          </p:stCondLst>
+                                        </p:cTn>
+                                        <p:tgtEl>
+                                          <p:spTgt spid="3">
+                                            <p:txEl>
+                                              <p:pRg st="3" end="3"/>
+                                            </p:txEl>
+                                          </p:spTgt>
+                                        </p:tgtEl>
+                                        <p:attrNameLst>
+                                          <p:attrName>style.visibility</p:attrName>
+                                        </p:attrNameLst>
+                                      </p:cBhvr>
+                                      <p:to>
+                                        <p:strVal val="visible"/>
+                                      </p:to>
+                                    </p:set>
+                                  </p:childTnLst>
+                                </p:cTn>
+                              </p:par>
+                              <p:par>
+                                <p:cTn id="23" presetID="1" presetClass="entr" presetSubtype="0" fill="hold" grpId="0" nodeType="withEffect">
+                                  <p:stCondLst>
+                                    <p:cond delay="0"/>
+                                  </p:stCondLst>
+                                  <p:childTnLst>
+                                    <p:set>
+                                      <p:cBhvr>
+                                        <p:cTn id="24" dur="1" fill="hold">
+                                          <p:stCondLst>
+                                            <p:cond delay="0"/>
+                                          </p:stCondLst>
+                                        </p:cTn>
+                                        <p:tgtEl>
+                                          <p:spTgt spid="10"/>
+                                        </p:tgtEl>
+                                        <p:attrNameLst>
+                                          <p:attrName>style.visibility</p:attrName>
+                                        </p:attrNameLst>
+                                      </p:cBhvr>
+                                      <p:to>
+                                        <p:strVal val="visible"/>
+                                      </p:to>
+                                    </p:set>
+                                  </p:childTnLst>
+                                </p:cTn>
+                              </p:par>
+                            </p:childTnLst>
+                          </p:cTn>
+                        </p:par>
+                      </p:childTnLst>
+                    </p:cTn>
+                  </p:par>
+                  <p:par>
+                    <p:cTn id="25" fill="hold">
+                      <p:stCondLst>
+                        <p:cond delay="indefinite"/>
+                      </p:stCondLst>
+                      <p:childTnLst>
+                        <p:par>
+                          <p:cTn id="26" fill="hold">
+                            <p:stCondLst>
+                              <p:cond delay="0"/>
+                            </p:stCondLst>
+                            <p:childTnLst>
+                              <p:par>
+                                <p:cTn id="27" presetID="1" presetClass="entr" presetSubtype="0" fill="hold" grpId="0" nodeType="clickEffect">
+                                  <p:stCondLst>
+                                    <p:cond delay="0"/>
+                                  </p:stCondLst>
+                                  <p:childTnLst>
+                                    <p:set>
+                                      <p:cBhvr>
+                                        <p:cTn id="28" dur="1" fill="hold">
+                                          <p:stCondLst>
+                                            <p:cond delay="0"/>
+                                          </p:stCondLst>
+                                        </p:cTn>
+                                        <p:tgtEl>
+                                          <p:spTgt spid="3">
+                                            <p:txEl>
+                                              <p:pRg st="4" end="4"/>
+                                            </p:txEl>
+                                          </p:spTgt>
+                                        </p:tgtEl>
+                                        <p:attrNameLst>
+                                          <p:attrName>style.visibility</p:attrName>
+                                        </p:attrNameLst>
+                                      </p:cBhvr>
+                                      <p:to>
+                                        <p:strVal val="visible"/>
+                                      </p:to>
+                                    </p:set>
+                                  </p:childTnLst>
+                                </p:cTn>
+                              </p:par>
+                              <p:par>
+                                <p:cTn id="29" presetID="1" presetClass="entr" presetSubtype="0" fill="hold" nodeType="withEffect">
+                                  <p:stCondLst>
+                                    <p:cond delay="0"/>
+                                  </p:stCondLst>
+                                  <p:childTnLst>
+                                    <p:set>
+                                      <p:cBhvr>
+                                        <p:cTn id="30" dur="1" fill="hold">
+                                          <p:stCondLst>
+                                            <p:cond delay="0"/>
+                                          </p:stCondLst>
+                                        </p:cTn>
+                                        <p:tgtEl>
+                                          <p:spTgt spid="78"/>
+                                        </p:tgtEl>
+                                        <p:attrNameLst>
+                                          <p:attrName>style.visibility</p:attrName>
+                                        </p:attrNameLst>
+                                      </p:cBhvr>
+                                      <p:to>
+                                        <p:strVal val="visible"/>
+                                      </p:to>
+                                    </p:set>
+                                  </p:childTnLst>
+                                </p:cTn>
+                              </p:par>
+                            </p:childTnLst>
+                          </p:cTn>
+                        </p:par>
+                      </p:childTnLst>
+                    </p:cTn>
+                  </p:par>
+                  <p:par>
+                    <p:cTn id="31" fill="hold">
+                      <p:stCondLst>
+                        <p:cond delay="indefinite"/>
+                      </p:stCondLst>
+                      <p:childTnLst>
+                        <p:par>
+                          <p:cTn id="32" fill="hold">
+                            <p:stCondLst>
+                              <p:cond delay="0"/>
+                            </p:stCondLst>
+                            <p:childTnLst>
+                              <p:par>
+                                <p:cTn id="33" presetID="1" presetClass="entr" presetSubtype="0" fill="hold" grpId="0" nodeType="clickEffect">
+                                  <p:stCondLst>
+                                    <p:cond delay="0"/>
+                                  </p:stCondLst>
+                                  <p:childTnLst>
+                                    <p:set>
+                                      <p:cBhvr>
+                                        <p:cTn id="34" dur="1" fill="hold">
+                                          <p:stCondLst>
+                                            <p:cond delay="0"/>
+                                          </p:stCondLst>
+                                        </p:cTn>
+                                        <p:tgtEl>
+                                          <p:spTgt spid="52"/>
+                                        </p:tgtEl>
+                                        <p:attrNameLst>
+                                          <p:attrName>style.visibility</p:attrName>
+                                        </p:attrNameLst>
+                                      </p:cBhvr>
+                                      <p:to>
+                                        <p:strVal val="visible"/>
+                                      </p:to>
+                                    </p:set>
+                                  </p:childTnLst>
+                                </p:cTn>
+                              </p:par>
+                              <p:par>
+                                <p:cTn id="35" presetID="1" presetClass="entr" presetSubtype="0" fill="hold" grpId="0" nodeType="withEffect">
+                                  <p:stCondLst>
+                                    <p:cond delay="0"/>
+                                  </p:stCondLst>
+                                  <p:childTnLst>
+                                    <p:set>
+                                      <p:cBhvr>
+                                        <p:cTn id="36" dur="1" fill="hold">
+                                          <p:stCondLst>
+                                            <p:cond delay="0"/>
+                                          </p:stCondLst>
+                                        </p:cTn>
+                                        <p:tgtEl>
+                                          <p:spTgt spid="54"/>
+                                        </p:tgtEl>
+                                        <p:attrNameLst>
+                                          <p:attrName>style.visibility</p:attrName>
+                                        </p:attrNameLst>
+                                      </p:cBhvr>
+                                      <p:to>
+                                        <p:strVal val="visible"/>
+                                      </p:to>
+                                    </p:set>
+                                  </p:childTnLst>
+                                </p:cTn>
+                              </p:par>
+                              <p:par>
+                                <p:cTn id="37" presetID="1" presetClass="entr" presetSubtype="0" fill="hold" grpId="0" nodeType="withEffect">
+                                  <p:stCondLst>
+                                    <p:cond delay="0"/>
+                                  </p:stCondLst>
+                                  <p:childTnLst>
+                                    <p:set>
+                                      <p:cBhvr>
+                                        <p:cTn id="38" dur="1" fill="hold">
+                                          <p:stCondLst>
+                                            <p:cond delay="0"/>
+                                          </p:stCondLst>
+                                        </p:cTn>
+                                        <p:tgtEl>
+                                          <p:spTgt spid="55"/>
+                                        </p:tgtEl>
+                                        <p:attrNameLst>
+                                          <p:attrName>style.visibility</p:attrName>
+                                        </p:attrNameLst>
+                                      </p:cBhvr>
+                                      <p:to>
+                                        <p:strVal val="visible"/>
+                                      </p:to>
+                                    </p:set>
+                                  </p:childTnLst>
+                                </p:cTn>
+                              </p:par>
+                            </p:childTnLst>
+                          </p:cTn>
+                        </p:par>
+                      </p:childTnLst>
+                    </p:cTn>
+                  </p:par>
+                  <p:par>
+                    <p:cTn id="39" fill="hold">
+                      <p:stCondLst>
+                        <p:cond delay="indefinite"/>
+                      </p:stCondLst>
+                      <p:childTnLst>
+                        <p:par>
+                          <p:cTn id="40" fill="hold">
+                            <p:stCondLst>
+                              <p:cond delay="0"/>
+                            </p:stCondLst>
+                            <p:childTnLst>
+                              <p:par>
+                                <p:cTn id="41" presetID="1" presetClass="entr" presetSubtype="0" fill="hold" nodeType="clickEffect">
+                                  <p:stCondLst>
+                                    <p:cond delay="0"/>
+                                  </p:stCondLst>
+                                  <p:childTnLst>
+                                    <p:set>
+                                      <p:cBhvr>
+                                        <p:cTn id="42" dur="1" fill="hold">
+                                          <p:stCondLst>
+                                            <p:cond delay="0"/>
+                                          </p:stCondLst>
+                                        </p:cTn>
+                                        <p:tgtEl>
+                                          <p:spTgt spid="70"/>
+                                        </p:tgtEl>
+                                        <p:attrNameLst>
+                                          <p:attrName>style.visibility</p:attrName>
+                                        </p:attrNameLst>
+                                      </p:cBhvr>
+                                      <p:to>
+                                        <p:strVal val="visible"/>
+                                      </p:to>
+                                    </p:set>
+                                  </p:childTnLst>
+                                </p:cTn>
+                              </p:par>
+                            </p:childTnLst>
+                          </p:cTn>
+                        </p:par>
+                      </p:childTnLst>
+                    </p:cTn>
+                  </p:par>
+                  <p:par>
+                    <p:cTn id="43" fill="hold">
+                      <p:stCondLst>
+                        <p:cond delay="indefinite"/>
+                      </p:stCondLst>
+                      <p:childTnLst>
+                        <p:par>
+                          <p:cTn id="44" fill="hold">
+                            <p:stCondLst>
+                              <p:cond delay="0"/>
+                            </p:stCondLst>
+                            <p:childTnLst>
+                              <p:par>
+                                <p:cTn id="45" presetID="1" presetClass="entr" presetSubtype="0" fill="hold" nodeType="clickEffect">
+                                  <p:stCondLst>
+                                    <p:cond delay="0"/>
+                                  </p:stCondLst>
+                                  <p:childTnLst>
+                                    <p:set>
+                                      <p:cBhvr>
+                                        <p:cTn id="46" dur="1" fill="hold">
+                                          <p:stCondLst>
+                                            <p:cond delay="0"/>
+                                          </p:stCondLst>
+                                        </p:cTn>
+                                        <p:tgtEl>
+                                          <p:spTgt spid="79"/>
+                                        </p:tgtEl>
+                                        <p:attrNameLst>
+                                          <p:attrName>style.visibility</p:attrName>
+                                        </p:attrNameLst>
+                                      </p:cBhvr>
+                                      <p:to>
+                                        <p:strVal val="visible"/>
+                                      </p:to>
+                                    </p:set>
+                                  </p:childTnLst>
+                                </p:cTn>
+                              </p:par>
+                            </p:childTnLst>
+                          </p:cTn>
+                        </p:par>
+                      </p:childTnLst>
+                    </p:cTn>
+                  </p:par>
+                  <p:par>
+                    <p:cTn id="47" fill="hold">
+                      <p:stCondLst>
+                        <p:cond delay="indefinite"/>
+                      </p:stCondLst>
+                      <p:childTnLst>
+                        <p:par>
+                          <p:cTn id="48" fill="hold">
+                            <p:stCondLst>
+                              <p:cond delay="0"/>
+                            </p:stCondLst>
+                            <p:childTnLst>
+                              <p:par>
+                                <p:cTn id="49" presetID="1" presetClass="entr" presetSubtype="0" fill="hold" nodeType="clickEffect">
+                                  <p:stCondLst>
+                                    <p:cond delay="0"/>
+                                  </p:stCondLst>
+                                  <p:childTnLst>
+                                    <p:set>
+                                      <p:cBhvr>
+                                        <p:cTn id="50" dur="1" fill="hold">
+                                          <p:stCondLst>
+                                            <p:cond delay="0"/>
+                                          </p:stCondLst>
+                                        </p:cTn>
+                                        <p:tgtEl>
+                                          <p:spTgt spid="57"/>
+                                        </p:tgtEl>
+                                        <p:attrNameLst>
+                                          <p:attrName>style.visibility</p:attrName>
+                                        </p:attrNameLst>
+                                      </p:cBhvr>
+                                      <p:to>
+                                        <p:strVal val="visible"/>
+                                      </p:to>
+                                    </p:set>
+                                  </p:childTnLst>
+                                </p:cTn>
+                              </p:par>
+                              <p:par>
+                                <p:cTn id="51" presetID="1" presetClass="entr" presetSubtype="0" fill="hold" nodeType="withEffect">
+                                  <p:stCondLst>
+                                    <p:cond delay="0"/>
+                                  </p:stCondLst>
+                                  <p:childTnLst>
+                                    <p:set>
+                                      <p:cBhvr>
+                                        <p:cTn id="52" dur="1" fill="hold">
+                                          <p:stCondLst>
+                                            <p:cond delay="0"/>
+                                          </p:stCondLst>
+                                        </p:cTn>
+                                        <p:tgtEl>
+                                          <p:spTgt spid="71"/>
+                                        </p:tgtEl>
+                                        <p:attrNameLst>
+                                          <p:attrName>style.visibility</p:attrName>
+                                        </p:attrNameLst>
+                                      </p:cBhvr>
+                                      <p:to>
+                                        <p:strVal val="visible"/>
+                                      </p:to>
+                                    </p:set>
+                                  </p:childTnLst>
+                                </p:cTn>
+                              </p:par>
+                            </p:childTnLst>
+                          </p:cTn>
+                        </p:par>
+                      </p:childTnLst>
+                    </p:cTn>
+                  </p:par>
+                  <p:par>
+                    <p:cTn id="53" fill="hold">
+                      <p:stCondLst>
+                        <p:cond delay="indefinite"/>
+                      </p:stCondLst>
+                      <p:childTnLst>
+                        <p:par>
+                          <p:cTn id="54" fill="hold">
+                            <p:stCondLst>
+                              <p:cond delay="0"/>
+                            </p:stCondLst>
+                            <p:childTnLst>
+                              <p:par>
+                                <p:cTn id="55" presetID="1" presetClass="entr" presetSubtype="0" fill="hold" nodeType="clickEffect">
+                                  <p:stCondLst>
+                                    <p:cond delay="0"/>
+                                  </p:stCondLst>
+                                  <p:childTnLst>
+                                    <p:set>
+                                      <p:cBhvr>
+                                        <p:cTn id="56" dur="1" fill="hold">
+                                          <p:stCondLst>
+                                            <p:cond delay="0"/>
+                                          </p:stCondLst>
+                                        </p:cTn>
+                                        <p:tgtEl>
+                                          <p:spTgt spid="63"/>
+                                        </p:tgtEl>
+                                        <p:attrNameLst>
+                                          <p:attrName>style.visibility</p:attrName>
+                                        </p:attrNameLst>
+                                      </p:cBhvr>
+                                      <p:to>
+                                        <p:strVal val="visible"/>
+                                      </p:to>
+                                    </p:set>
+                                  </p:childTnLst>
+                                </p:cTn>
+                              </p:par>
+                              <p:par>
+                                <p:cTn id="57" presetID="1" presetClass="entr" presetSubtype="0" fill="hold" nodeType="withEffect">
+                                  <p:stCondLst>
+                                    <p:cond delay="0"/>
+                                  </p:stCondLst>
+                                  <p:childTnLst>
+                                    <p:set>
+                                      <p:cBhvr>
+                                        <p:cTn id="58" dur="1" fill="hold">
+                                          <p:stCondLst>
+                                            <p:cond delay="0"/>
+                                          </p:stCondLst>
+                                        </p:cTn>
+                                        <p:tgtEl>
+                                          <p:spTgt spid="74"/>
+                                        </p:tgtEl>
+                                        <p:attrNameLst>
+                                          <p:attrName>style.visibility</p:attrName>
+                                        </p:attrNameLst>
+                                      </p:cBhvr>
+                                      <p:to>
+                                        <p:strVal val="visible"/>
+                                      </p:to>
+                                    </p:set>
+                                  </p:childTnLst>
+                                </p:cTn>
+                              </p:par>
+                            </p:childTnLst>
+                          </p:cTn>
+                        </p:par>
+                      </p:childTnLst>
+                    </p:cTn>
+                  </p:par>
+                  <p:par>
+                    <p:cTn id="59" fill="hold">
+                      <p:stCondLst>
+                        <p:cond delay="indefinite"/>
+                      </p:stCondLst>
+                      <p:childTnLst>
+                        <p:par>
+                          <p:cTn id="60" fill="hold">
+                            <p:stCondLst>
+                              <p:cond delay="0"/>
+                            </p:stCondLst>
+                            <p:childTnLst>
+                              <p:par>
+                                <p:cTn id="61" presetID="1" presetClass="entr" presetSubtype="0" fill="hold" grpId="0" nodeType="clickEffect">
+                                  <p:stCondLst>
+                                    <p:cond delay="0"/>
+                                  </p:stCondLst>
+                                  <p:childTnLst>
+                                    <p:set>
+                                      <p:cBhvr>
+                                        <p:cTn id="62" dur="1" fill="hold">
+                                          <p:stCondLst>
+                                            <p:cond delay="0"/>
+                                          </p:stCondLst>
+                                        </p:cTn>
+                                        <p:tgtEl>
+                                          <p:spTgt spid="3">
+                                            <p:txEl>
+                                              <p:pRg st="7" end="7"/>
+                                            </p:txEl>
+                                          </p:spTgt>
+                                        </p:tgtEl>
+                                        <p:attrNameLst>
+                                          <p:attrName>style.visibility</p:attrName>
+                                        </p:attrNameLst>
+                                      </p:cBhvr>
+                                      <p:to>
+                                        <p:strVal val="visible"/>
+                                      </p:to>
+                                    </p:set>
+                                  </p:childTnLst>
+                                </p:cTn>
+                              </p:par>
+                            </p:childTnLst>
+                          </p:cTn>
+                        </p:par>
+                      </p:childTnLst>
+                    </p:cTn>
+                  </p:par>
+                </p:childTnLst>
+              </p:cTn>
+              <p:prevCondLst>
+                <p:cond evt="onPrev" delay="0">
+                  <p:tgtEl>
+                    <p:sldTgt/>
+                  </p:tgtEl>
+                </p:cond>
+              </p:prevCondLst>
+              <p:nextCondLst>
+                <p:cond evt="onNext" delay="0">
+                  <p:tgtEl>
+                    <p:sldTgt/>
+                  </p:tgtEl>
+                </p:cond>
+              </p:nextCondLst>
+            </p:seq>
+          </p:childTnLst>
+        </p:cTn>
+      </p:par>
+    </p:tnLst>
+    <p:bldLst>
+      <p:bldP spid="3" grpId="0" uiExpand="1" build="p"/>
+      <p:bldP spid="8" grpId="0" animBg="1"/>
+      <p:bldP spid="9" grpId="0" animBg="1"/>
+      <p:bldP spid="10" grpId="0" animBg="1"/>
+      <p:bldP spid="52" grpId="0" animBg="1"/>
+      <p:bldP spid="54" grpId="0" animBg="1"/>
+      <p:bldP spid="55" grpId="0" animBg="1"/>
+    </p:bldLst>
+  </p:timing>
+</p:sld>
+</file>
+
+<file path=ppt/slides/slide7.xml><?xml version="1.0" encoding="utf-8"?>
+<p:sld xmlns:a="http://schemas.openxmlformats.org/drawingml/2006/main" xmlns:r="http://schemas.openxmlformats.org/officeDocument/2006/relationships" xmlns:p="http://schemas.openxmlformats.org/presentationml/2006/main">
+  <p:cSld>
+    <p:spTree>
+      <p:nvGrpSpPr>
+        <p:cNvPr id="1" name=""/>
+        <p:cNvGrpSpPr/>
+        <p:nvPr/>
+      </p:nvGrpSpPr>
+      <p:grpSpPr>
+        <a:xfrm>
+          <a:off x="0" y="0"/>
+          <a:ext cx="0" cy="0"/>
+          <a:chOff x="0" y="0"/>
+          <a:chExt cx="0" cy="0"/>
+        </a:xfrm>
+      </p:grpSpPr>
+      <p:sp>
+        <p:nvSpPr>
+          <p:cNvPr id="2" name="Titel 1">
+            <a:extLst>
+              <a:ext uri="{FF2B5EF4-FFF2-40B4-BE49-F238E27FC236}">
                 <a16:creationId xmlns:a16="http://schemas.microsoft.com/office/drawing/2014/main" id="{FC65F202-7CB5-416F-8B68-C825991901A6}"/>
               </a:ext>
             </a:extLst>
@@ -4809,8 +9667,256 @@
           <a:p>
             <a:r>
               <a:rPr lang="de-DE" dirty="0"/>
-              <a:t>Anwendungsgebiete</a:t>
-            </a:r>
+              <a:t>Vor- / Nachteile</a:t>
+            </a:r>
+          </a:p>
+        </p:txBody>
+      </p:sp>
+      <p:sp>
+        <p:nvSpPr>
+          <p:cNvPr id="3" name="Inhaltsplatzhalter 2">
+            <a:extLst>
+              <a:ext uri="{FF2B5EF4-FFF2-40B4-BE49-F238E27FC236}">
+                <a16:creationId xmlns:a16="http://schemas.microsoft.com/office/drawing/2014/main" id="{522AC027-0B8D-4515-AF39-314F2E7F5F92}"/>
+              </a:ext>
+            </a:extLst>
+          </p:cNvPr>
+          <p:cNvSpPr>
+            <a:spLocks noGrp="1"/>
+          </p:cNvSpPr>
+          <p:nvPr>
+            <p:ph sz="half" idx="1"/>
+          </p:nvPr>
+        </p:nvSpPr>
+        <p:spPr/>
+        <p:txBody>
+          <a:bodyPr>
+            <a:normAutofit/>
+          </a:bodyPr>
+          <a:lstStyle/>
+          <a:p>
+            <a:pPr>
+              <a:lnSpc>
+                <a:spcPct val="100000"/>
+              </a:lnSpc>
+            </a:pPr>
+            <a:r>
+              <a:rPr lang="de-DE" sz="2400" b="1" dirty="0"/>
+              <a:t>Vorteile</a:t>
+            </a:r>
+            <a:endParaRPr lang="de-DE" b="1" dirty="0"/>
+          </a:p>
+          <a:p>
+            <a:pPr lvl="1">
+              <a:lnSpc>
+                <a:spcPct val="100000"/>
+              </a:lnSpc>
+              <a:spcBef>
+                <a:spcPts val="1200"/>
+              </a:spcBef>
+            </a:pPr>
+            <a:r>
+              <a:rPr lang="de-DE" sz="2000" dirty="0"/>
+              <a:t>Integrität der Daten</a:t>
+            </a:r>
+          </a:p>
+          <a:p>
+            <a:pPr lvl="1">
+              <a:lnSpc>
+                <a:spcPct val="100000"/>
+              </a:lnSpc>
+              <a:spcBef>
+                <a:spcPts val="1200"/>
+              </a:spcBef>
+            </a:pPr>
+            <a:r>
+              <a:rPr lang="de-DE" sz="2000" dirty="0"/>
+              <a:t>Keine „Vertrauenspartei“ mehr nötig</a:t>
+            </a:r>
+          </a:p>
+          <a:p>
+            <a:pPr lvl="1">
+              <a:lnSpc>
+                <a:spcPct val="100000"/>
+              </a:lnSpc>
+              <a:spcBef>
+                <a:spcPts val="1200"/>
+              </a:spcBef>
+            </a:pPr>
+            <a:r>
+              <a:rPr lang="de-DE" sz="2000" dirty="0"/>
+              <a:t>Jeder kann(könnte) alles kontrollieren</a:t>
+            </a:r>
+          </a:p>
+          <a:p>
+            <a:pPr lvl="1">
+              <a:lnSpc>
+                <a:spcPct val="100000"/>
+              </a:lnSpc>
+              <a:spcBef>
+                <a:spcPts val="1200"/>
+              </a:spcBef>
+            </a:pPr>
+            <a:r>
+              <a:rPr lang="de-DE" sz="2000" dirty="0"/>
+              <a:t>Kein Betrug mehr möglich (praktisch)</a:t>
+            </a:r>
+          </a:p>
+          <a:p>
+            <a:pPr lvl="1">
+              <a:lnSpc>
+                <a:spcPct val="100000"/>
+              </a:lnSpc>
+              <a:spcBef>
+                <a:spcPts val="1200"/>
+              </a:spcBef>
+            </a:pPr>
+            <a:r>
+              <a:rPr lang="de-DE" sz="2000" dirty="0"/>
+              <a:t>Anonymität</a:t>
+            </a:r>
+          </a:p>
+          <a:p>
+            <a:pPr>
+              <a:lnSpc>
+                <a:spcPct val="150000"/>
+              </a:lnSpc>
+            </a:pPr>
+            <a:endParaRPr lang="de-DE" dirty="0"/>
+          </a:p>
+        </p:txBody>
+      </p:sp>
+      <p:sp>
+        <p:nvSpPr>
+          <p:cNvPr id="11" name="Inhaltsplatzhalter 10">
+            <a:extLst>
+              <a:ext uri="{FF2B5EF4-FFF2-40B4-BE49-F238E27FC236}">
+                <a16:creationId xmlns:a16="http://schemas.microsoft.com/office/drawing/2014/main" id="{C05AC46F-9B68-4421-BD98-8E948E2B1BC6}"/>
+              </a:ext>
+            </a:extLst>
+          </p:cNvPr>
+          <p:cNvSpPr>
+            <a:spLocks noGrp="1"/>
+          </p:cNvSpPr>
+          <p:nvPr>
+            <p:ph sz="half" idx="2"/>
+          </p:nvPr>
+        </p:nvSpPr>
+        <p:spPr/>
+        <p:txBody>
+          <a:bodyPr>
+            <a:normAutofit/>
+          </a:bodyPr>
+          <a:lstStyle/>
+          <a:p>
+            <a:r>
+              <a:rPr lang="de-DE" sz="2400" b="1" dirty="0"/>
+              <a:t>Nachteile</a:t>
+            </a:r>
+            <a:endParaRPr lang="de-DE" b="1" dirty="0"/>
+          </a:p>
+          <a:p>
+            <a:pPr lvl="1">
+              <a:lnSpc>
+                <a:spcPct val="100000"/>
+              </a:lnSpc>
+              <a:spcBef>
+                <a:spcPts val="1200"/>
+              </a:spcBef>
+            </a:pPr>
+            <a:r>
+              <a:rPr lang="de-DE" sz="2000" dirty="0"/>
+              <a:t>Netzwerk nötig</a:t>
+            </a:r>
+          </a:p>
+          <a:p>
+            <a:pPr lvl="1">
+              <a:lnSpc>
+                <a:spcPct val="100000"/>
+              </a:lnSpc>
+              <a:spcBef>
+                <a:spcPts val="1200"/>
+              </a:spcBef>
+            </a:pPr>
+            <a:r>
+              <a:rPr lang="de-DE" sz="2000" dirty="0"/>
+              <a:t>Weitere Mechanismen nötig zur Verhinderung von gleichzeitigen Zugriffen</a:t>
+            </a:r>
+          </a:p>
+          <a:p>
+            <a:pPr lvl="1">
+              <a:lnSpc>
+                <a:spcPct val="100000"/>
+              </a:lnSpc>
+              <a:spcBef>
+                <a:spcPts val="1200"/>
+              </a:spcBef>
+            </a:pPr>
+            <a:r>
+              <a:rPr lang="de-DE" sz="2000" dirty="0"/>
+              <a:t>Kein Verschlüsselung der Daten</a:t>
+            </a:r>
+            <a:br>
+              <a:rPr lang="de-DE" sz="2000" dirty="0"/>
+            </a:br>
+            <a:r>
+              <a:rPr lang="de-DE" sz="1600" dirty="0"/>
+              <a:t>(Außer die Daten selbst werden verschlüsselt)</a:t>
+            </a:r>
+          </a:p>
+          <a:p>
+            <a:pPr lvl="1">
+              <a:lnSpc>
+                <a:spcPct val="100000"/>
+              </a:lnSpc>
+              <a:spcBef>
+                <a:spcPts val="1200"/>
+              </a:spcBef>
+            </a:pPr>
+            <a:r>
+              <a:rPr lang="de-DE" sz="2000" dirty="0"/>
+              <a:t>Kein direkte Authentizität</a:t>
+            </a:r>
+          </a:p>
+          <a:p>
+            <a:pPr lvl="1">
+              <a:lnSpc>
+                <a:spcPct val="100000"/>
+              </a:lnSpc>
+              <a:spcBef>
+                <a:spcPts val="1200"/>
+              </a:spcBef>
+            </a:pPr>
+            <a:r>
+              <a:rPr lang="de-DE" sz="2000" dirty="0"/>
+              <a:t>Größe (z.B. </a:t>
+            </a:r>
+            <a:r>
+              <a:rPr lang="de-DE" sz="2000" dirty="0" err="1"/>
+              <a:t>BitCoin</a:t>
+            </a:r>
+            <a:r>
+              <a:rPr lang="de-DE" sz="2000" dirty="0"/>
+              <a:t>: ~150 GB)</a:t>
+            </a:r>
+          </a:p>
+          <a:p>
+            <a:pPr lvl="1">
+              <a:lnSpc>
+                <a:spcPct val="100000"/>
+              </a:lnSpc>
+              <a:spcBef>
+                <a:spcPts val="1200"/>
+              </a:spcBef>
+            </a:pPr>
+            <a:r>
+              <a:rPr lang="de-DE" sz="2000" dirty="0"/>
+              <a:t>Kein Schutz</a:t>
+            </a:r>
+          </a:p>
+          <a:p>
+            <a:pPr lvl="1"/>
+            <a:endParaRPr lang="de-DE" dirty="0"/>
           </a:p>
         </p:txBody>
       </p:sp>
@@ -4895,7 +10001,7 @@
           <a:p>
             <a:fld id="{42430F15-44E3-4E69-A3DD-479649D4CC4A}" type="slidenum">
               <a:rPr lang="de-DE" smtClean="0"/>
-              <a:t>5</a:t>
+              <a:t>7</a:t>
             </a:fld>
             <a:endParaRPr lang="de-DE"/>
           </a:p>
@@ -4914,7 +10020,7 @@
             <a:spLocks noGrp="1"/>
           </p:cNvSpPr>
           <p:nvPr>
-            <p:ph type="body" sz="quarter" idx="13"/>
+            <p:ph type="body" sz="quarter" idx="14"/>
           </p:nvPr>
         </p:nvSpPr>
         <p:spPr/>
@@ -4922,6 +10028,16 @@
           <a:bodyPr/>
           <a:lstStyle/>
           <a:p>
+            <a:r>
+              <a:rPr lang="de-DE" dirty="0">
+                <a:solidFill>
+                  <a:schemeClr val="bg1">
+                    <a:lumMod val="50000"/>
+                  </a:schemeClr>
+                </a:solidFill>
+              </a:rPr>
+              <a:t>● Blockchain</a:t>
+            </a:r>
             <a:r>
               <a:rPr lang="de-DE" dirty="0">
                 <a:solidFill>
@@ -4930,22 +10046,6 @@
                   </a:schemeClr>
                 </a:solidFill>
               </a:rPr>
-              <a:t>● Blockchain </a:t>
-            </a:r>
-            <a:r>
-              <a:rPr lang="de-DE" dirty="0">
-                <a:solidFill>
-                  <a:schemeClr val="tx1"/>
-                </a:solidFill>
-              </a:rPr>
-              <a:t>● Verfahren</a:t>
-            </a:r>
-            <a:r>
-              <a:rPr lang="de-DE" b="1" dirty="0">
-                <a:solidFill>
-                  <a:schemeClr val="tx1"/>
-                </a:solidFill>
-              </a:rPr>
               <a:t> </a:t>
             </a:r>
             <a:r>
@@ -4966,7 +10066,216 @@
                   <a:schemeClr val="tx1"/>
                 </a:solidFill>
               </a:rPr>
+              <a:t>Verfahren</a:t>
+            </a:r>
+          </a:p>
+        </p:txBody>
+      </p:sp>
+    </p:spTree>
+    <p:extLst>
+      <p:ext uri="{BB962C8B-B14F-4D97-AF65-F5344CB8AC3E}">
+        <p14:creationId xmlns:p14="http://schemas.microsoft.com/office/powerpoint/2010/main" val="841359465"/>
+      </p:ext>
+    </p:extLst>
+  </p:cSld>
+  <p:clrMapOvr>
+    <a:masterClrMapping/>
+  </p:clrMapOvr>
+</p:sld>
+</file>
+
+<file path=ppt/slides/slide8.xml><?xml version="1.0" encoding="utf-8"?>
+<p:sld xmlns:a="http://schemas.openxmlformats.org/drawingml/2006/main" xmlns:r="http://schemas.openxmlformats.org/officeDocument/2006/relationships" xmlns:p="http://schemas.openxmlformats.org/presentationml/2006/main">
+  <p:cSld>
+    <p:spTree>
+      <p:nvGrpSpPr>
+        <p:cNvPr id="1" name=""/>
+        <p:cNvGrpSpPr/>
+        <p:nvPr/>
+      </p:nvGrpSpPr>
+      <p:grpSpPr>
+        <a:xfrm>
+          <a:off x="0" y="0"/>
+          <a:ext cx="0" cy="0"/>
+          <a:chOff x="0" y="0"/>
+          <a:chExt cx="0" cy="0"/>
+        </a:xfrm>
+      </p:grpSpPr>
+      <p:sp>
+        <p:nvSpPr>
+          <p:cNvPr id="2" name="Titel 1">
+            <a:extLst>
+              <a:ext uri="{FF2B5EF4-FFF2-40B4-BE49-F238E27FC236}">
+                <a16:creationId xmlns:a16="http://schemas.microsoft.com/office/drawing/2014/main" id="{FC65F202-7CB5-416F-8B68-C825991901A6}"/>
+              </a:ext>
+            </a:extLst>
+          </p:cNvPr>
+          <p:cNvSpPr>
+            <a:spLocks noGrp="1"/>
+          </p:cNvSpPr>
+          <p:nvPr>
+            <p:ph type="title"/>
+          </p:nvPr>
+        </p:nvSpPr>
+        <p:spPr/>
+        <p:txBody>
+          <a:bodyPr/>
+          <a:lstStyle/>
+          <a:p>
+            <a:r>
+              <a:rPr lang="de-DE" dirty="0"/>
               <a:t>Anwendungsgebiete</a:t>
+            </a:r>
+          </a:p>
+        </p:txBody>
+      </p:sp>
+      <p:sp>
+        <p:nvSpPr>
+          <p:cNvPr id="4" name="Datumsplatzhalter 3">
+            <a:extLst>
+              <a:ext uri="{FF2B5EF4-FFF2-40B4-BE49-F238E27FC236}">
+                <a16:creationId xmlns:a16="http://schemas.microsoft.com/office/drawing/2014/main" id="{E7CB382E-D838-445A-9B76-D4FFF14E4852}"/>
+              </a:ext>
+            </a:extLst>
+          </p:cNvPr>
+          <p:cNvSpPr>
+            <a:spLocks noGrp="1"/>
+          </p:cNvSpPr>
+          <p:nvPr>
+            <p:ph type="dt" sz="half" idx="10"/>
+          </p:nvPr>
+        </p:nvSpPr>
+        <p:spPr/>
+        <p:txBody>
+          <a:bodyPr/>
+          <a:lstStyle/>
+          <a:p>
+            <a:fld id="{5816D8F1-3E92-45E9-82E1-886063832025}" type="datetime1">
+              <a:rPr lang="de-AT" smtClean="0"/>
+              <a:t>13.01.2018</a:t>
+            </a:fld>
+            <a:endParaRPr lang="de-DE"/>
+          </a:p>
+        </p:txBody>
+      </p:sp>
+      <p:sp>
+        <p:nvSpPr>
+          <p:cNvPr id="5" name="Fußzeilenplatzhalter 4">
+            <a:extLst>
+              <a:ext uri="{FF2B5EF4-FFF2-40B4-BE49-F238E27FC236}">
+                <a16:creationId xmlns:a16="http://schemas.microsoft.com/office/drawing/2014/main" id="{A0C5E136-99C4-45C9-B821-874185E3C586}"/>
+              </a:ext>
+            </a:extLst>
+          </p:cNvPr>
+          <p:cNvSpPr>
+            <a:spLocks noGrp="1"/>
+          </p:cNvSpPr>
+          <p:nvPr>
+            <p:ph type="ftr" sz="quarter" idx="11"/>
+          </p:nvPr>
+        </p:nvSpPr>
+        <p:spPr/>
+        <p:txBody>
+          <a:bodyPr/>
+          <a:lstStyle/>
+          <a:p>
+            <a:r>
+              <a:rPr lang="en-US"/>
+              <a:t>FH Wels, AT-Master / INIF, ITS3ILV</a:t>
+            </a:r>
+            <a:endParaRPr lang="de-DE" dirty="0"/>
+          </a:p>
+        </p:txBody>
+      </p:sp>
+      <p:sp>
+        <p:nvSpPr>
+          <p:cNvPr id="6" name="Foliennummernplatzhalter 5">
+            <a:extLst>
+              <a:ext uri="{FF2B5EF4-FFF2-40B4-BE49-F238E27FC236}">
+                <a16:creationId xmlns:a16="http://schemas.microsoft.com/office/drawing/2014/main" id="{FFBDBA6A-3C7C-44C6-A1D8-9CCE46894874}"/>
+              </a:ext>
+            </a:extLst>
+          </p:cNvPr>
+          <p:cNvSpPr>
+            <a:spLocks noGrp="1"/>
+          </p:cNvSpPr>
+          <p:nvPr>
+            <p:ph type="sldNum" sz="quarter" idx="12"/>
+          </p:nvPr>
+        </p:nvSpPr>
+        <p:spPr/>
+        <p:txBody>
+          <a:bodyPr/>
+          <a:lstStyle/>
+          <a:p>
+            <a:fld id="{42430F15-44E3-4E69-A3DD-479649D4CC4A}" type="slidenum">
+              <a:rPr lang="de-DE" smtClean="0"/>
+              <a:t>8</a:t>
+            </a:fld>
+            <a:endParaRPr lang="de-DE"/>
+          </a:p>
+        </p:txBody>
+      </p:sp>
+      <p:sp>
+        <p:nvSpPr>
+          <p:cNvPr id="7" name="Textplatzhalter 6">
+            <a:extLst>
+              <a:ext uri="{FF2B5EF4-FFF2-40B4-BE49-F238E27FC236}">
+                <a16:creationId xmlns:a16="http://schemas.microsoft.com/office/drawing/2014/main" id="{08E7D4D0-7D93-4F90-8F43-BC1EF1C80C7E}"/>
+              </a:ext>
+            </a:extLst>
+          </p:cNvPr>
+          <p:cNvSpPr>
+            <a:spLocks noGrp="1"/>
+          </p:cNvSpPr>
+          <p:nvPr>
+            <p:ph type="body" sz="quarter" idx="13"/>
+          </p:nvPr>
+        </p:nvSpPr>
+        <p:spPr/>
+        <p:txBody>
+          <a:bodyPr/>
+          <a:lstStyle/>
+          <a:p>
+            <a:r>
+              <a:rPr lang="de-DE" dirty="0">
+                <a:solidFill>
+                  <a:schemeClr val="bg1">
+                    <a:lumMod val="50000"/>
+                  </a:schemeClr>
+                </a:solidFill>
+              </a:rPr>
+              <a:t>● Blockchain</a:t>
+            </a:r>
+            <a:r>
+              <a:rPr lang="de-DE" dirty="0">
+                <a:solidFill>
+                  <a:schemeClr val="bg1">
+                    <a:lumMod val="75000"/>
+                  </a:schemeClr>
+                </a:solidFill>
+              </a:rPr>
+              <a:t> </a:t>
+            </a:r>
+            <a:r>
+              <a:rPr lang="de-DE" b="1" dirty="0">
+                <a:solidFill>
+                  <a:srgbClr val="FF0000"/>
+                </a:solidFill>
+              </a:rPr>
+              <a:t>●</a:t>
+            </a:r>
+            <a:r>
+              <a:rPr lang="de-DE" b="1" dirty="0"/>
+              <a:t> </a:t>
+            </a:r>
+            <a:r>
+              <a:rPr lang="de-DE" b="1" dirty="0">
+                <a:solidFill>
+                  <a:schemeClr val="tx1"/>
+                </a:solidFill>
+              </a:rPr>
+              <a:t>Verfahren</a:t>
             </a:r>
           </a:p>
         </p:txBody>
@@ -5094,7 +10403,7 @@
 </p:sld>
 </file>
 
-<file path=ppt/slides/slide6.xml><?xml version="1.0" encoding="utf-8"?>
+<file path=ppt/slides/slide9.xml><?xml version="1.0" encoding="utf-8"?>
 <p:sld xmlns:a="http://schemas.openxmlformats.org/drawingml/2006/main" xmlns:r="http://schemas.openxmlformats.org/officeDocument/2006/relationships" xmlns:p="http://schemas.openxmlformats.org/presentationml/2006/main">
   <p:cSld>
     <p:spTree>
@@ -5116,7 +10425,7 @@
           <p:cNvPr id="2" name="Titel 1">
             <a:extLst>
               <a:ext uri="{FF2B5EF4-FFF2-40B4-BE49-F238E27FC236}">
-                <a16:creationId xmlns:a16="http://schemas.microsoft.com/office/drawing/2014/main" id="{50CBA54E-DED9-4D29-A44C-A5A570E93AE3}"/>
+                <a16:creationId xmlns:a16="http://schemas.microsoft.com/office/drawing/2014/main" id="{FC65F202-7CB5-416F-8B68-C825991901A6}"/>
               </a:ext>
             </a:extLst>
           </p:cNvPr>
@@ -5134,89 +10443,8 @@
           <a:p>
             <a:r>
               <a:rPr lang="de-DE" dirty="0"/>
-              <a:t>References</a:t>
-            </a:r>
-          </a:p>
-        </p:txBody>
-      </p:sp>
-      <p:sp>
-        <p:nvSpPr>
-          <p:cNvPr id="3" name="Inhaltsplatzhalter 2">
-            <a:extLst>
-              <a:ext uri="{FF2B5EF4-FFF2-40B4-BE49-F238E27FC236}">
-                <a16:creationId xmlns:a16="http://schemas.microsoft.com/office/drawing/2014/main" id="{34E55CDD-90F1-427C-A3F9-C9737EB67604}"/>
-              </a:ext>
-            </a:extLst>
-          </p:cNvPr>
-          <p:cNvSpPr>
-            <a:spLocks noGrp="1"/>
-          </p:cNvSpPr>
-          <p:nvPr>
-            <p:ph idx="1"/>
-          </p:nvPr>
-        </p:nvSpPr>
-        <p:spPr/>
-        <p:txBody>
-          <a:bodyPr/>
-          <a:lstStyle/>
-          <a:p>
-            <a:pPr marL="514350" indent="-514350">
-              <a:buFont typeface="+mj-lt"/>
-              <a:buAutoNum type="arabicParenBoth"/>
-            </a:pPr>
-            <a:r>
-              <a:rPr lang="de-DE" dirty="0">
-                <a:hlinkClick r:id="rId2"/>
-              </a:rPr>
-              <a:t>https://www.crypto-news.net/</a:t>
-            </a:r>
-            <a:endParaRPr lang="de-DE" dirty="0"/>
-          </a:p>
-          <a:p>
-            <a:pPr marL="514350" indent="-514350">
-              <a:buFont typeface="+mj-lt"/>
-              <a:buAutoNum type="arabicParenBoth"/>
-            </a:pPr>
-            <a:r>
-              <a:rPr lang="de-DE" dirty="0">
-                <a:hlinkClick r:id="rId3"/>
-              </a:rPr>
-              <a:t>https://www.blockchain.com/</a:t>
-            </a:r>
-            <a:endParaRPr lang="de-DE" dirty="0"/>
-          </a:p>
-          <a:p>
-            <a:pPr marL="514350" indent="-514350">
-              <a:buFont typeface="+mj-lt"/>
-              <a:buAutoNum type="arabicParenBoth"/>
-            </a:pPr>
-            <a:r>
-              <a:rPr lang="de-DE" dirty="0">
-                <a:hlinkClick r:id="rId4"/>
-              </a:rPr>
-              <a:t>https://de.wikipedia.org/wiki/Blockchain</a:t>
-            </a:r>
-            <a:endParaRPr lang="de-DE" dirty="0"/>
-          </a:p>
-          <a:p>
-            <a:pPr marL="514350" indent="-514350">
-              <a:buFont typeface="+mj-lt"/>
-              <a:buAutoNum type="arabicParenBoth"/>
-            </a:pPr>
-            <a:r>
-              <a:rPr lang="de-DE" dirty="0">
-                <a:hlinkClick r:id="rId5"/>
-              </a:rPr>
-              <a:t>https://futurezone.at/digital-life/was-ist-eigentlich-diese-blockchain/270.616.934</a:t>
-            </a:r>
-            <a:endParaRPr lang="de-DE" dirty="0"/>
-          </a:p>
-          <a:p>
-            <a:pPr marL="514350" indent="-514350">
-              <a:buFont typeface="+mj-lt"/>
-              <a:buAutoNum type="arabicParenBoth"/>
-            </a:pPr>
-            <a:endParaRPr lang="de-DE" dirty="0"/>
+              <a:t>Anwendungsgebiete (Auszug)</a:t>
+            </a:r>
           </a:p>
         </p:txBody>
       </p:sp>
@@ -5225,7 +10453,7 @@
           <p:cNvPr id="4" name="Datumsplatzhalter 3">
             <a:extLst>
               <a:ext uri="{FF2B5EF4-FFF2-40B4-BE49-F238E27FC236}">
-                <a16:creationId xmlns:a16="http://schemas.microsoft.com/office/drawing/2014/main" id="{E0E16EF7-1D4A-4E8B-AD29-44E5511F3B9C}"/>
+                <a16:creationId xmlns:a16="http://schemas.microsoft.com/office/drawing/2014/main" id="{E7CB382E-D838-445A-9B76-D4FFF14E4852}"/>
               </a:ext>
             </a:extLst>
           </p:cNvPr>
@@ -5254,7 +10482,7 @@
           <p:cNvPr id="5" name="Fußzeilenplatzhalter 4">
             <a:extLst>
               <a:ext uri="{FF2B5EF4-FFF2-40B4-BE49-F238E27FC236}">
-                <a16:creationId xmlns:a16="http://schemas.microsoft.com/office/drawing/2014/main" id="{F6721E1B-6D87-4CA6-A0B2-C17E9BC0E1A2}"/>
+                <a16:creationId xmlns:a16="http://schemas.microsoft.com/office/drawing/2014/main" id="{A0C5E136-99C4-45C9-B821-874185E3C586}"/>
               </a:ext>
             </a:extLst>
           </p:cNvPr>
@@ -5283,7 +10511,7 @@
           <p:cNvPr id="6" name="Foliennummernplatzhalter 5">
             <a:extLst>
               <a:ext uri="{FF2B5EF4-FFF2-40B4-BE49-F238E27FC236}">
-                <a16:creationId xmlns:a16="http://schemas.microsoft.com/office/drawing/2014/main" id="{248194F9-2754-4427-AB7A-D818D4296943}"/>
+                <a16:creationId xmlns:a16="http://schemas.microsoft.com/office/drawing/2014/main" id="{FFBDBA6A-3C7C-44C6-A1D8-9CCE46894874}"/>
               </a:ext>
             </a:extLst>
           </p:cNvPr>
@@ -5301,7 +10529,7 @@
           <a:p>
             <a:fld id="{42430F15-44E3-4E69-A3DD-479649D4CC4A}" type="slidenum">
               <a:rPr lang="de-DE" smtClean="0"/>
-              <a:t>6</a:t>
+              <a:t>9</a:t>
             </a:fld>
             <a:endParaRPr lang="de-DE"/>
           </a:p>
@@ -5312,7 +10540,7 @@
           <p:cNvPr id="7" name="Textplatzhalter 6">
             <a:extLst>
               <a:ext uri="{FF2B5EF4-FFF2-40B4-BE49-F238E27FC236}">
-                <a16:creationId xmlns:a16="http://schemas.microsoft.com/office/drawing/2014/main" id="{C65BE144-5082-408A-8A73-D8CB72E2CDB4}"/>
+                <a16:creationId xmlns:a16="http://schemas.microsoft.com/office/drawing/2014/main" id="{08E7D4D0-7D93-4F90-8F43-BC1EF1C80C7E}"/>
               </a:ext>
             </a:extLst>
           </p:cNvPr>
@@ -5328,242 +10556,186 @@
           <a:bodyPr/>
           <a:lstStyle/>
           <a:p>
-            <a:endParaRPr lang="de-DE"/>
+            <a:r>
+              <a:rPr lang="de-DE" dirty="0">
+                <a:solidFill>
+                  <a:schemeClr val="bg1">
+                    <a:lumMod val="50000"/>
+                  </a:schemeClr>
+                </a:solidFill>
+              </a:rPr>
+              <a:t>● Blockchain</a:t>
+            </a:r>
+            <a:r>
+              <a:rPr lang="de-DE" dirty="0">
+                <a:solidFill>
+                  <a:schemeClr val="bg1">
+                    <a:lumMod val="75000"/>
+                  </a:schemeClr>
+                </a:solidFill>
+              </a:rPr>
+              <a:t> </a:t>
+            </a:r>
+            <a:r>
+              <a:rPr lang="de-DE" b="1" dirty="0">
+                <a:solidFill>
+                  <a:srgbClr val="FF0000"/>
+                </a:solidFill>
+              </a:rPr>
+              <a:t>●</a:t>
+            </a:r>
+            <a:r>
+              <a:rPr lang="de-DE" b="1" dirty="0"/>
+              <a:t> </a:t>
+            </a:r>
+            <a:r>
+              <a:rPr lang="de-DE" b="1" dirty="0">
+                <a:solidFill>
+                  <a:schemeClr val="tx1"/>
+                </a:solidFill>
+              </a:rPr>
+              <a:t>Verfahren</a:t>
+            </a:r>
+          </a:p>
+        </p:txBody>
+      </p:sp>
+      <p:sp>
+        <p:nvSpPr>
+          <p:cNvPr id="8" name="Inhaltsplatzhalter 7">
+            <a:extLst>
+              <a:ext uri="{FF2B5EF4-FFF2-40B4-BE49-F238E27FC236}">
+                <a16:creationId xmlns:a16="http://schemas.microsoft.com/office/drawing/2014/main" id="{425BCD50-628E-43AE-8278-D9F235F52E7B}"/>
+              </a:ext>
+            </a:extLst>
+          </p:cNvPr>
+          <p:cNvSpPr>
+            <a:spLocks noGrp="1"/>
+          </p:cNvSpPr>
+          <p:nvPr>
+            <p:ph idx="1"/>
+          </p:nvPr>
+        </p:nvSpPr>
+        <p:spPr/>
+        <p:txBody>
+          <a:bodyPr>
+            <a:normAutofit fontScale="92500" lnSpcReduction="10000"/>
+          </a:bodyPr>
+          <a:lstStyle/>
+          <a:p>
+            <a:pPr>
+              <a:lnSpc>
+                <a:spcPct val="150000"/>
+              </a:lnSpc>
+            </a:pPr>
+            <a:r>
+              <a:rPr lang="de-DE" dirty="0"/>
+              <a:t>Besitzüberprüfungen</a:t>
+            </a:r>
+          </a:p>
+          <a:p>
+            <a:pPr lvl="1">
+              <a:lnSpc>
+                <a:spcPct val="110000"/>
+              </a:lnSpc>
+            </a:pPr>
+            <a:r>
+              <a:rPr lang="de-DE" dirty="0"/>
+              <a:t>Jegliche Art von digitalem Inhalt</a:t>
+            </a:r>
+          </a:p>
+          <a:p>
+            <a:pPr>
+              <a:lnSpc>
+                <a:spcPct val="150000"/>
+              </a:lnSpc>
+            </a:pPr>
+            <a:r>
+              <a:rPr lang="de-DE" dirty="0"/>
+              <a:t>Smart </a:t>
+            </a:r>
+            <a:r>
+              <a:rPr lang="de-DE" dirty="0" err="1"/>
+              <a:t>Contracts</a:t>
+            </a:r>
+            <a:endParaRPr lang="de-DE" dirty="0"/>
+          </a:p>
+          <a:p>
+            <a:pPr lvl="1">
+              <a:lnSpc>
+                <a:spcPct val="110000"/>
+              </a:lnSpc>
+            </a:pPr>
+            <a:r>
+              <a:rPr lang="de-DE" dirty="0"/>
+              <a:t>würde </a:t>
+            </a:r>
+            <a:r>
+              <a:rPr lang="de-DE" dirty="0" err="1"/>
+              <a:t>Crowdffunding</a:t>
+            </a:r>
+            <a:r>
+              <a:rPr lang="de-DE" dirty="0"/>
+              <a:t> </a:t>
+            </a:r>
+            <a:r>
+              <a:rPr lang="de-DE" dirty="0" err="1"/>
+              <a:t>Platformen</a:t>
+            </a:r>
+            <a:r>
+              <a:rPr lang="de-DE" dirty="0"/>
+              <a:t> ersetzen</a:t>
+            </a:r>
+          </a:p>
+          <a:p>
+            <a:pPr>
+              <a:lnSpc>
+                <a:spcPct val="150000"/>
+              </a:lnSpc>
+            </a:pPr>
+            <a:r>
+              <a:rPr lang="de-DE" dirty="0"/>
+              <a:t>Dezentralisierte Patientendaten</a:t>
+            </a:r>
+          </a:p>
+          <a:p>
+            <a:pPr>
+              <a:lnSpc>
+                <a:spcPct val="150000"/>
+              </a:lnSpc>
+            </a:pPr>
+            <a:r>
+              <a:rPr lang="de-DE" dirty="0"/>
+              <a:t>Digitale Währung (Krypto-Währung)</a:t>
+            </a:r>
+          </a:p>
+          <a:p>
+            <a:pPr lvl="1">
+              <a:lnSpc>
+                <a:spcPct val="100000"/>
+              </a:lnSpc>
+            </a:pPr>
+            <a:r>
+              <a:rPr lang="de-DE" dirty="0"/>
+              <a:t>Bitcoin</a:t>
+            </a:r>
+          </a:p>
+          <a:p>
+            <a:pPr lvl="1">
+              <a:lnSpc>
+                <a:spcPct val="100000"/>
+              </a:lnSpc>
+            </a:pPr>
+            <a:r>
+              <a:rPr lang="de-DE" dirty="0"/>
+              <a:t>…</a:t>
+            </a:r>
           </a:p>
         </p:txBody>
       </p:sp>
     </p:spTree>
     <p:extLst>
       <p:ext uri="{BB962C8B-B14F-4D97-AF65-F5344CB8AC3E}">
-        <p14:creationId xmlns:p14="http://schemas.microsoft.com/office/powerpoint/2010/main" val="59292147"/>
-      </p:ext>
-    </p:extLst>
-  </p:cSld>
-  <p:clrMapOvr>
-    <a:masterClrMapping/>
-  </p:clrMapOvr>
-</p:sld>
-</file>
-
-<file path=ppt/slides/slide7.xml><?xml version="1.0" encoding="utf-8"?>
-<p:sld xmlns:a="http://schemas.openxmlformats.org/drawingml/2006/main" xmlns:r="http://schemas.openxmlformats.org/officeDocument/2006/relationships" xmlns:p="http://schemas.openxmlformats.org/presentationml/2006/main">
-  <p:cSld>
-    <p:spTree>
-      <p:nvGrpSpPr>
-        <p:cNvPr id="1" name=""/>
-        <p:cNvGrpSpPr/>
-        <p:nvPr/>
-      </p:nvGrpSpPr>
-      <p:grpSpPr>
-        <a:xfrm>
-          <a:off x="0" y="0"/>
-          <a:ext cx="0" cy="0"/>
-          <a:chOff x="0" y="0"/>
-          <a:chExt cx="0" cy="0"/>
-        </a:xfrm>
-      </p:grpSpPr>
-      <p:sp>
-        <p:nvSpPr>
-          <p:cNvPr id="2" name="Titel 1">
-            <a:extLst>
-              <a:ext uri="{FF2B5EF4-FFF2-40B4-BE49-F238E27FC236}">
-                <a16:creationId xmlns:a16="http://schemas.microsoft.com/office/drawing/2014/main" id="{50CBA54E-DED9-4D29-A44C-A5A570E93AE3}"/>
-              </a:ext>
-            </a:extLst>
-          </p:cNvPr>
-          <p:cNvSpPr>
-            <a:spLocks noGrp="1"/>
-          </p:cNvSpPr>
-          <p:nvPr>
-            <p:ph type="title"/>
-          </p:nvPr>
-        </p:nvSpPr>
-        <p:spPr/>
-        <p:txBody>
-          <a:bodyPr/>
-          <a:lstStyle/>
-          <a:p>
-            <a:r>
-              <a:rPr lang="de-DE" dirty="0"/>
-              <a:t>Videos</a:t>
-            </a:r>
-          </a:p>
-        </p:txBody>
-      </p:sp>
-      <p:sp>
-        <p:nvSpPr>
-          <p:cNvPr id="3" name="Inhaltsplatzhalter 2">
-            <a:extLst>
-              <a:ext uri="{FF2B5EF4-FFF2-40B4-BE49-F238E27FC236}">
-                <a16:creationId xmlns:a16="http://schemas.microsoft.com/office/drawing/2014/main" id="{34E55CDD-90F1-427C-A3F9-C9737EB67604}"/>
-              </a:ext>
-            </a:extLst>
-          </p:cNvPr>
-          <p:cNvSpPr>
-            <a:spLocks noGrp="1"/>
-          </p:cNvSpPr>
-          <p:nvPr>
-            <p:ph idx="1"/>
-          </p:nvPr>
-        </p:nvSpPr>
-        <p:spPr/>
-        <p:txBody>
-          <a:bodyPr/>
-          <a:lstStyle/>
-          <a:p>
-            <a:pPr marL="514350" indent="-514350">
-              <a:buFont typeface="+mj-lt"/>
-              <a:buAutoNum type="arabicParenBoth"/>
-            </a:pPr>
-            <a:r>
-              <a:rPr lang="de-DE" dirty="0">
-                <a:hlinkClick r:id="rId2"/>
-              </a:rPr>
-              <a:t>https://www.youtube.com/watch?v=m13mEw96nP8</a:t>
-            </a:r>
-            <a:endParaRPr lang="de-DE" dirty="0"/>
-          </a:p>
-          <a:p>
-            <a:pPr marL="514350" indent="-514350">
-              <a:buFont typeface="+mj-lt"/>
-              <a:buAutoNum type="arabicParenBoth"/>
-            </a:pPr>
-            <a:r>
-              <a:rPr lang="de-DE" dirty="0">
-                <a:hlinkClick r:id="rId3"/>
-              </a:rPr>
-              <a:t>https://www.youtube.com/watch?v=2LFENhIwSvI</a:t>
-            </a:r>
-            <a:endParaRPr lang="de-DE" dirty="0"/>
-          </a:p>
-          <a:p>
-            <a:pPr marL="514350" indent="-514350">
-              <a:buFont typeface="+mj-lt"/>
-              <a:buAutoNum type="arabicParenBoth"/>
-            </a:pPr>
-            <a:r>
-              <a:rPr lang="de-DE" dirty="0"/>
-              <a:t>https://www.youtube.com/watch?v=SSo_EIwHSd4</a:t>
-            </a:r>
-          </a:p>
-        </p:txBody>
-      </p:sp>
-      <p:sp>
-        <p:nvSpPr>
-          <p:cNvPr id="4" name="Datumsplatzhalter 3">
-            <a:extLst>
-              <a:ext uri="{FF2B5EF4-FFF2-40B4-BE49-F238E27FC236}">
-                <a16:creationId xmlns:a16="http://schemas.microsoft.com/office/drawing/2014/main" id="{E0E16EF7-1D4A-4E8B-AD29-44E5511F3B9C}"/>
-              </a:ext>
-            </a:extLst>
-          </p:cNvPr>
-          <p:cNvSpPr>
-            <a:spLocks noGrp="1"/>
-          </p:cNvSpPr>
-          <p:nvPr>
-            <p:ph type="dt" sz="half" idx="10"/>
-          </p:nvPr>
-        </p:nvSpPr>
-        <p:spPr/>
-        <p:txBody>
-          <a:bodyPr/>
-          <a:lstStyle/>
-          <a:p>
-            <a:fld id="{5816D8F1-3E92-45E9-82E1-886063832025}" type="datetime1">
-              <a:rPr lang="de-AT" smtClean="0"/>
-              <a:t>13.01.2018</a:t>
-            </a:fld>
-            <a:endParaRPr lang="de-DE"/>
-          </a:p>
-        </p:txBody>
-      </p:sp>
-      <p:sp>
-        <p:nvSpPr>
-          <p:cNvPr id="5" name="Fußzeilenplatzhalter 4">
-            <a:extLst>
-              <a:ext uri="{FF2B5EF4-FFF2-40B4-BE49-F238E27FC236}">
-                <a16:creationId xmlns:a16="http://schemas.microsoft.com/office/drawing/2014/main" id="{F6721E1B-6D87-4CA6-A0B2-C17E9BC0E1A2}"/>
-              </a:ext>
-            </a:extLst>
-          </p:cNvPr>
-          <p:cNvSpPr>
-            <a:spLocks noGrp="1"/>
-          </p:cNvSpPr>
-          <p:nvPr>
-            <p:ph type="ftr" sz="quarter" idx="11"/>
-          </p:nvPr>
-        </p:nvSpPr>
-        <p:spPr/>
-        <p:txBody>
-          <a:bodyPr/>
-          <a:lstStyle/>
-          <a:p>
-            <a:r>
-              <a:rPr lang="en-US"/>
-              <a:t>FH Wels, AT-Master / INIF, ITS3ILV</a:t>
-            </a:r>
-            <a:endParaRPr lang="de-DE" dirty="0"/>
-          </a:p>
-        </p:txBody>
-      </p:sp>
-      <p:sp>
-        <p:nvSpPr>
-          <p:cNvPr id="6" name="Foliennummernplatzhalter 5">
-            <a:extLst>
-              <a:ext uri="{FF2B5EF4-FFF2-40B4-BE49-F238E27FC236}">
-                <a16:creationId xmlns:a16="http://schemas.microsoft.com/office/drawing/2014/main" id="{248194F9-2754-4427-AB7A-D818D4296943}"/>
-              </a:ext>
-            </a:extLst>
-          </p:cNvPr>
-          <p:cNvSpPr>
-            <a:spLocks noGrp="1"/>
-          </p:cNvSpPr>
-          <p:nvPr>
-            <p:ph type="sldNum" sz="quarter" idx="12"/>
-          </p:nvPr>
-        </p:nvSpPr>
-        <p:spPr/>
-        <p:txBody>
-          <a:bodyPr/>
-          <a:lstStyle/>
-          <a:p>
-            <a:fld id="{42430F15-44E3-4E69-A3DD-479649D4CC4A}" type="slidenum">
-              <a:rPr lang="de-DE" smtClean="0"/>
-              <a:t>7</a:t>
-            </a:fld>
-            <a:endParaRPr lang="de-DE"/>
-          </a:p>
-        </p:txBody>
-      </p:sp>
-      <p:sp>
-        <p:nvSpPr>
-          <p:cNvPr id="7" name="Textplatzhalter 6">
-            <a:extLst>
-              <a:ext uri="{FF2B5EF4-FFF2-40B4-BE49-F238E27FC236}">
-                <a16:creationId xmlns:a16="http://schemas.microsoft.com/office/drawing/2014/main" id="{C65BE144-5082-408A-8A73-D8CB72E2CDB4}"/>
-              </a:ext>
-            </a:extLst>
-          </p:cNvPr>
-          <p:cNvSpPr>
-            <a:spLocks noGrp="1"/>
-          </p:cNvSpPr>
-          <p:nvPr>
-            <p:ph type="body" sz="quarter" idx="13"/>
-          </p:nvPr>
-        </p:nvSpPr>
-        <p:spPr/>
-        <p:txBody>
-          <a:bodyPr/>
-          <a:lstStyle/>
-          <a:p>
-            <a:endParaRPr lang="de-DE"/>
-          </a:p>
-        </p:txBody>
-      </p:sp>
-    </p:spTree>
-    <p:extLst>
-      <p:ext uri="{BB962C8B-B14F-4D97-AF65-F5344CB8AC3E}">
-        <p14:creationId xmlns:p14="http://schemas.microsoft.com/office/powerpoint/2010/main" val="2266573237"/>
+        <p14:creationId xmlns:p14="http://schemas.microsoft.com/office/powerpoint/2010/main" val="2988201403"/>
       </p:ext>
     </p:extLst>
   </p:cSld>

--- a/Präsentation/Blockchain – Technologie.pptx
+++ b/Präsentation/Blockchain – Technologie.pptx
@@ -5,7 +5,7 @@
     <p:sldMasterId id="2147483660" r:id="rId1"/>
   </p:sldMasterIdLst>
   <p:notesMasterIdLst>
-    <p:notesMasterId r:id="rId13"/>
+    <p:notesMasterId r:id="rId19"/>
   </p:notesMasterIdLst>
   <p:sldIdLst>
     <p:sldId id="264" r:id="rId2"/>
@@ -17,8 +17,14 @@
     <p:sldId id="269" r:id="rId8"/>
     <p:sldId id="263" r:id="rId9"/>
     <p:sldId id="268" r:id="rId10"/>
-    <p:sldId id="259" r:id="rId11"/>
-    <p:sldId id="261" r:id="rId12"/>
+    <p:sldId id="276" r:id="rId11"/>
+    <p:sldId id="271" r:id="rId12"/>
+    <p:sldId id="272" r:id="rId13"/>
+    <p:sldId id="273" r:id="rId14"/>
+    <p:sldId id="274" r:id="rId15"/>
+    <p:sldId id="275" r:id="rId16"/>
+    <p:sldId id="259" r:id="rId17"/>
+    <p:sldId id="261" r:id="rId18"/>
   </p:sldIdLst>
   <p:sldSz cx="11520488" cy="6480175"/>
   <p:notesSz cx="6858000" cy="9144000"/>
@@ -138,7 +144,14 @@
           </p14:sldIdLst>
         </p14:section>
         <p14:section name="Kryptowährungen" id="{30871D5C-98A7-4DA8-84E8-10916C60F5DF}">
-          <p14:sldIdLst/>
+          <p14:sldIdLst>
+            <p14:sldId id="276"/>
+            <p14:sldId id="271"/>
+            <p14:sldId id="272"/>
+            <p14:sldId id="273"/>
+            <p14:sldId id="274"/>
+            <p14:sldId id="275"/>
+          </p14:sldIdLst>
         </p14:section>
         <p14:section name="Appendix" id="{1B805BD3-6546-4300-9470-4DE86568BAB3}">
           <p14:sldIdLst>
@@ -765,6 +778,90 @@
     <p:extLst>
       <p:ext uri="{BB962C8B-B14F-4D97-AF65-F5344CB8AC3E}">
         <p14:creationId xmlns:p14="http://schemas.microsoft.com/office/powerpoint/2010/main" val="3521357527"/>
+      </p:ext>
+    </p:extLst>
+  </p:cSld>
+  <p:clrMapOvr>
+    <a:masterClrMapping/>
+  </p:clrMapOvr>
+</p:notes>
+</file>
+
+<file path=ppt/notesSlides/notesSlide4.xml><?xml version="1.0" encoding="utf-8"?>
+<p:notes xmlns:a="http://schemas.openxmlformats.org/drawingml/2006/main" xmlns:r="http://schemas.openxmlformats.org/officeDocument/2006/relationships" xmlns:p="http://schemas.openxmlformats.org/presentationml/2006/main">
+  <p:cSld>
+    <p:spTree>
+      <p:nvGrpSpPr>
+        <p:cNvPr id="1" name=""/>
+        <p:cNvGrpSpPr/>
+        <p:nvPr/>
+      </p:nvGrpSpPr>
+      <p:grpSpPr>
+        <a:xfrm>
+          <a:off x="0" y="0"/>
+          <a:ext cx="0" cy="0"/>
+          <a:chOff x="0" y="0"/>
+          <a:chExt cx="0" cy="0"/>
+        </a:xfrm>
+      </p:grpSpPr>
+      <p:sp>
+        <p:nvSpPr>
+          <p:cNvPr id="2" name="Folienbildplatzhalter 1"/>
+          <p:cNvSpPr>
+            <a:spLocks noGrp="1" noRot="1" noChangeAspect="1"/>
+          </p:cNvSpPr>
+          <p:nvPr>
+            <p:ph type="sldImg"/>
+          </p:nvPr>
+        </p:nvSpPr>
+        <p:spPr/>
+      </p:sp>
+      <p:sp>
+        <p:nvSpPr>
+          <p:cNvPr id="3" name="Notizenplatzhalter 2"/>
+          <p:cNvSpPr>
+            <a:spLocks noGrp="1"/>
+          </p:cNvSpPr>
+          <p:nvPr>
+            <p:ph type="body" idx="1"/>
+          </p:nvPr>
+        </p:nvSpPr>
+        <p:spPr/>
+        <p:txBody>
+          <a:bodyPr/>
+          <a:lstStyle/>
+          <a:p>
+            <a:endParaRPr lang="de-DE" dirty="0"/>
+          </a:p>
+        </p:txBody>
+      </p:sp>
+      <p:sp>
+        <p:nvSpPr>
+          <p:cNvPr id="4" name="Foliennummernplatzhalter 3"/>
+          <p:cNvSpPr>
+            <a:spLocks noGrp="1"/>
+          </p:cNvSpPr>
+          <p:nvPr>
+            <p:ph type="sldNum" sz="quarter" idx="10"/>
+          </p:nvPr>
+        </p:nvSpPr>
+        <p:spPr/>
+        <p:txBody>
+          <a:bodyPr/>
+          <a:lstStyle/>
+          <a:p>
+            <a:fld id="{781625E1-B033-4BF3-95C5-D847FDF1B486}" type="slidenum">
+              <a:rPr lang="de-DE" smtClean="0"/>
+              <a:t>10</a:t>
+            </a:fld>
+            <a:endParaRPr lang="de-DE"/>
+          </a:p>
+        </p:txBody>
+      </p:sp>
+    </p:spTree>
+    <p:extLst>
+      <p:ext uri="{BB962C8B-B14F-4D97-AF65-F5344CB8AC3E}">
+        <p14:creationId xmlns:p14="http://schemas.microsoft.com/office/powerpoint/2010/main" val="3251444451"/>
       </p:ext>
     </p:extLst>
   </p:cSld>
@@ -4238,7 +4335,7 @@
           <p:cNvPr id="2" name="Titel 1">
             <a:extLst>
               <a:ext uri="{FF2B5EF4-FFF2-40B4-BE49-F238E27FC236}">
-                <a16:creationId xmlns:a16="http://schemas.microsoft.com/office/drawing/2014/main" id="{50CBA54E-DED9-4D29-A44C-A5A570E93AE3}"/>
+                <a16:creationId xmlns:a16="http://schemas.microsoft.com/office/drawing/2014/main" id="{FC65F202-7CB5-416F-8B68-C825991901A6}"/>
               </a:ext>
             </a:extLst>
           </p:cNvPr>
@@ -4256,7 +4353,7 @@
           <a:p>
             <a:r>
               <a:rPr lang="de-DE" dirty="0"/>
-              <a:t>Referenzen</a:t>
+              <a:t>Vor- / Nachteile</a:t>
             </a:r>
           </a:p>
         </p:txBody>
@@ -4266,7 +4363,7 @@
           <p:cNvPr id="3" name="Inhaltsplatzhalter 2">
             <a:extLst>
               <a:ext uri="{FF2B5EF4-FFF2-40B4-BE49-F238E27FC236}">
-                <a16:creationId xmlns:a16="http://schemas.microsoft.com/office/drawing/2014/main" id="{34E55CDD-90F1-427C-A3F9-C9737EB67604}"/>
+                <a16:creationId xmlns:a16="http://schemas.microsoft.com/office/drawing/2014/main" id="{522AC027-0B8D-4515-AF39-314F2E7F5F92}"/>
               </a:ext>
             </a:extLst>
           </p:cNvPr>
@@ -4274,109 +4371,184 @@
             <a:spLocks noGrp="1"/>
           </p:cNvSpPr>
           <p:nvPr>
-            <p:ph idx="1"/>
-          </p:nvPr>
-        </p:nvSpPr>
-        <p:spPr/>
-        <p:txBody>
-          <a:bodyPr/>
-          <a:lstStyle/>
-          <a:p>
-            <a:pPr marL="514350" indent="-514350">
-              <a:buFont typeface="+mj-lt"/>
-              <a:buAutoNum type="arabicParenBoth"/>
+            <p:ph sz="half" idx="1"/>
+          </p:nvPr>
+        </p:nvSpPr>
+        <p:spPr>
+          <a:xfrm>
+            <a:off x="359999" y="1620000"/>
+            <a:ext cx="5399755" cy="4140000"/>
+          </a:xfrm>
+        </p:spPr>
+        <p:txBody>
+          <a:bodyPr>
+            <a:normAutofit/>
+          </a:bodyPr>
+          <a:lstStyle/>
+          <a:p>
+            <a:pPr>
+              <a:lnSpc>
+                <a:spcPct val="100000"/>
+              </a:lnSpc>
             </a:pPr>
             <a:r>
-              <a:rPr lang="de-DE" dirty="0">
-                <a:hlinkClick r:id="rId2"/>
-              </a:rPr>
-              <a:t>https://www.crypto-news.net/</a:t>
-            </a:r>
-            <a:endParaRPr lang="de-DE" dirty="0"/>
-          </a:p>
-          <a:p>
-            <a:pPr marL="514350" indent="-514350">
-              <a:buFont typeface="+mj-lt"/>
-              <a:buAutoNum type="arabicParenBoth"/>
+              <a:rPr lang="de-DE" sz="2400" b="1" dirty="0"/>
+              <a:t>Vorteile</a:t>
+            </a:r>
+            <a:endParaRPr lang="de-DE" b="1" dirty="0"/>
+          </a:p>
+          <a:p>
+            <a:pPr lvl="1">
+              <a:lnSpc>
+                <a:spcPct val="100000"/>
+              </a:lnSpc>
+              <a:spcBef>
+                <a:spcPts val="1200"/>
+              </a:spcBef>
             </a:pPr>
             <a:r>
-              <a:rPr lang="de-DE" dirty="0">
-                <a:hlinkClick r:id="rId3"/>
-              </a:rPr>
-              <a:t>https://www.blockchain.info/</a:t>
-            </a:r>
-            <a:endParaRPr lang="de-DE" dirty="0"/>
-          </a:p>
-          <a:p>
-            <a:pPr marL="514350" indent="-514350">
-              <a:buFont typeface="+mj-lt"/>
-              <a:buAutoNum type="arabicParenBoth"/>
+              <a:rPr lang="de-DE" sz="2000" dirty="0"/>
+              <a:t>Nur Internet für Zugriff notwendig um an sein Guthaben zu kommen (weltweit)</a:t>
+            </a:r>
+          </a:p>
+          <a:p>
+            <a:pPr lvl="1">
+              <a:lnSpc>
+                <a:spcPct val="100000"/>
+              </a:lnSpc>
+              <a:spcBef>
+                <a:spcPts val="1200"/>
+              </a:spcBef>
             </a:pPr>
             <a:r>
-              <a:rPr lang="de-DE" dirty="0">
-                <a:hlinkClick r:id="rId4"/>
-              </a:rPr>
-              <a:t>https://de.wikipedia.org/wiki/Blockchain</a:t>
-            </a:r>
-            <a:endParaRPr lang="de-DE" dirty="0"/>
-          </a:p>
-          <a:p>
-            <a:pPr marL="514350" indent="-514350">
-              <a:buFont typeface="+mj-lt"/>
-              <a:buAutoNum type="arabicParenBoth"/>
+              <a:rPr lang="de-DE" sz="2000" dirty="0"/>
+              <a:t>Sicher</a:t>
+            </a:r>
+          </a:p>
+          <a:p>
+            <a:pPr lvl="1">
+              <a:lnSpc>
+                <a:spcPct val="100000"/>
+              </a:lnSpc>
+              <a:spcBef>
+                <a:spcPts val="1200"/>
+              </a:spcBef>
             </a:pPr>
             <a:r>
-              <a:rPr lang="de-DE" dirty="0">
-                <a:hlinkClick r:id="rId5"/>
-              </a:rPr>
-              <a:t>https://futurezone.at/digital-life/was-ist-eigentlich-diese-blockchain/270.616.934</a:t>
-            </a:r>
-            <a:endParaRPr lang="de-DE" dirty="0"/>
-          </a:p>
-          <a:p>
-            <a:pPr marL="514350" indent="-514350">
-              <a:buFont typeface="+mj-lt"/>
-              <a:buAutoNum type="arabicParenBoth"/>
+              <a:rPr lang="de-DE" sz="2000" dirty="0"/>
+              <a:t>Keine zusätzlichen Kosten („Kontoführung“)</a:t>
+            </a:r>
+          </a:p>
+          <a:p>
+            <a:pPr lvl="1">
+              <a:lnSpc>
+                <a:spcPct val="100000"/>
+              </a:lnSpc>
+              <a:spcBef>
+                <a:spcPts val="1200"/>
+              </a:spcBef>
             </a:pPr>
             <a:r>
-              <a:rPr lang="de-DE" dirty="0">
-                <a:hlinkClick r:id="rId6"/>
-              </a:rPr>
-              <a:t>https://blockchainbasics.ch</a:t>
-            </a:r>
-            <a:endParaRPr lang="de-DE" dirty="0"/>
-          </a:p>
-          <a:p>
-            <a:pPr marL="514350" indent="-514350">
-              <a:buFont typeface="+mj-lt"/>
-              <a:buAutoNum type="arabicParenBoth"/>
+              <a:rPr lang="de-DE" sz="2000" dirty="0"/>
+              <a:t>Kein „Single Point </a:t>
+            </a:r>
+            <a:r>
+              <a:rPr lang="de-DE" sz="2000" dirty="0" err="1"/>
+              <a:t>of</a:t>
+            </a:r>
+            <a:r>
+              <a:rPr lang="de-DE" sz="2000" dirty="0"/>
+              <a:t> </a:t>
+            </a:r>
+            <a:r>
+              <a:rPr lang="de-DE" sz="2000" dirty="0" err="1"/>
+              <a:t>Failure</a:t>
+            </a:r>
+            <a:r>
+              <a:rPr lang="de-DE" sz="2000" dirty="0"/>
+              <a:t>“</a:t>
+            </a:r>
+          </a:p>
+          <a:p>
+            <a:pPr lvl="1">
+              <a:lnSpc>
+                <a:spcPct val="100000"/>
+              </a:lnSpc>
+              <a:spcBef>
+                <a:spcPts val="1200"/>
+              </a:spcBef>
             </a:pPr>
             <a:r>
-              <a:rPr lang="de-DE" dirty="0">
-                <a:hlinkClick r:id="rId7"/>
-              </a:rPr>
-              <a:t>https://anders.com/blockchain/</a:t>
-            </a:r>
-            <a:endParaRPr lang="de-DE" dirty="0"/>
-          </a:p>
-          <a:p>
-            <a:pPr marL="0" indent="0">
-              <a:buNone/>
+              <a:rPr lang="de-DE" sz="2000" dirty="0"/>
+              <a:t>Privatsphäre</a:t>
+            </a:r>
+          </a:p>
+        </p:txBody>
+      </p:sp>
+      <p:sp>
+        <p:nvSpPr>
+          <p:cNvPr id="11" name="Inhaltsplatzhalter 10">
+            <a:extLst>
+              <a:ext uri="{FF2B5EF4-FFF2-40B4-BE49-F238E27FC236}">
+                <a16:creationId xmlns:a16="http://schemas.microsoft.com/office/drawing/2014/main" id="{C05AC46F-9B68-4421-BD98-8E948E2B1BC6}"/>
+              </a:ext>
+            </a:extLst>
+          </p:cNvPr>
+          <p:cNvSpPr>
+            <a:spLocks noGrp="1"/>
+          </p:cNvSpPr>
+          <p:nvPr>
+            <p:ph sz="half" idx="2"/>
+          </p:nvPr>
+        </p:nvSpPr>
+        <p:spPr>
+          <a:xfrm>
+            <a:off x="5760244" y="1620000"/>
+            <a:ext cx="5399756" cy="4140000"/>
+          </a:xfrm>
+        </p:spPr>
+        <p:txBody>
+          <a:bodyPr>
+            <a:normAutofit/>
+          </a:bodyPr>
+          <a:lstStyle/>
+          <a:p>
+            <a:r>
+              <a:rPr lang="de-DE" sz="2400" b="1" dirty="0"/>
+              <a:t>Nachteile</a:t>
+            </a:r>
+            <a:endParaRPr lang="de-DE" b="1" dirty="0"/>
+          </a:p>
+          <a:p>
+            <a:pPr lvl="1">
+              <a:lnSpc>
+                <a:spcPct val="100000"/>
+              </a:lnSpc>
+              <a:spcBef>
+                <a:spcPts val="1200"/>
+              </a:spcBef>
             </a:pPr>
-            <a:endParaRPr lang="de-DE" dirty="0"/>
-          </a:p>
-          <a:p>
-            <a:pPr marL="514350" indent="-514350">
-              <a:buFont typeface="+mj-lt"/>
-              <a:buAutoNum type="arabicParenBoth"/>
+            <a:r>
+              <a:rPr lang="de-DE" sz="2000" dirty="0"/>
+              <a:t>Teilweise sehr hohe Gebühren/Wartezeiten für Transaktionen</a:t>
+            </a:r>
+          </a:p>
+          <a:p>
+            <a:pPr lvl="1">
+              <a:lnSpc>
+                <a:spcPct val="100000"/>
+              </a:lnSpc>
+              <a:spcBef>
+                <a:spcPts val="1200"/>
+              </a:spcBef>
             </a:pPr>
-            <a:endParaRPr lang="de-DE" dirty="0"/>
-          </a:p>
-          <a:p>
-            <a:pPr marL="514350" indent="-514350">
-              <a:buFont typeface="+mj-lt"/>
-              <a:buAutoNum type="arabicParenBoth"/>
-            </a:pPr>
+            <a:r>
+              <a:rPr lang="de-DE" sz="2000" dirty="0"/>
+              <a:t>„Eine Währung ist nur eine Währung, wenn sie währt“</a:t>
+            </a:r>
+          </a:p>
+          <a:p>
+            <a:pPr lvl="1"/>
             <a:endParaRPr lang="de-DE" dirty="0"/>
           </a:p>
         </p:txBody>
@@ -4386,7 +4558,7 @@
           <p:cNvPr id="4" name="Datumsplatzhalter 3">
             <a:extLst>
               <a:ext uri="{FF2B5EF4-FFF2-40B4-BE49-F238E27FC236}">
-                <a16:creationId xmlns:a16="http://schemas.microsoft.com/office/drawing/2014/main" id="{E0E16EF7-1D4A-4E8B-AD29-44E5511F3B9C}"/>
+                <a16:creationId xmlns:a16="http://schemas.microsoft.com/office/drawing/2014/main" id="{E7CB382E-D838-445A-9B76-D4FFF14E4852}"/>
               </a:ext>
             </a:extLst>
           </p:cNvPr>
@@ -4415,7 +4587,7 @@
           <p:cNvPr id="5" name="Fußzeilenplatzhalter 4">
             <a:extLst>
               <a:ext uri="{FF2B5EF4-FFF2-40B4-BE49-F238E27FC236}">
-                <a16:creationId xmlns:a16="http://schemas.microsoft.com/office/drawing/2014/main" id="{F6721E1B-6D87-4CA6-A0B2-C17E9BC0E1A2}"/>
+                <a16:creationId xmlns:a16="http://schemas.microsoft.com/office/drawing/2014/main" id="{A0C5E136-99C4-45C9-B821-874185E3C586}"/>
               </a:ext>
             </a:extLst>
           </p:cNvPr>
@@ -4444,7 +4616,7 @@
           <p:cNvPr id="6" name="Foliennummernplatzhalter 5">
             <a:extLst>
               <a:ext uri="{FF2B5EF4-FFF2-40B4-BE49-F238E27FC236}">
-                <a16:creationId xmlns:a16="http://schemas.microsoft.com/office/drawing/2014/main" id="{248194F9-2754-4427-AB7A-D818D4296943}"/>
+                <a16:creationId xmlns:a16="http://schemas.microsoft.com/office/drawing/2014/main" id="{FFBDBA6A-3C7C-44C6-A1D8-9CCE46894874}"/>
               </a:ext>
             </a:extLst>
           </p:cNvPr>
@@ -4473,7 +4645,7 @@
           <p:cNvPr id="7" name="Textplatzhalter 6">
             <a:extLst>
               <a:ext uri="{FF2B5EF4-FFF2-40B4-BE49-F238E27FC236}">
-                <a16:creationId xmlns:a16="http://schemas.microsoft.com/office/drawing/2014/main" id="{C65BE144-5082-408A-8A73-D8CB72E2CDB4}"/>
+                <a16:creationId xmlns:a16="http://schemas.microsoft.com/office/drawing/2014/main" id="{08E7D4D0-7D93-4F90-8F43-BC1EF1C80C7E}"/>
               </a:ext>
             </a:extLst>
           </p:cNvPr>
@@ -4481,7 +4653,7 @@
             <a:spLocks noGrp="1"/>
           </p:cNvSpPr>
           <p:nvPr>
-            <p:ph type="body" sz="quarter" idx="13"/>
+            <p:ph type="body" sz="quarter" idx="14"/>
           </p:nvPr>
         </p:nvSpPr>
         <p:spPr/>
@@ -4527,7 +4699,7 @@
                   <a:schemeClr val="tx1"/>
                 </a:solidFill>
               </a:rPr>
-              <a:t>Anhang</a:t>
+              <a:t>Kryptowährungen</a:t>
             </a:r>
           </a:p>
         </p:txBody>
@@ -4535,7 +4707,7 @@
     </p:spTree>
     <p:extLst>
       <p:ext uri="{BB962C8B-B14F-4D97-AF65-F5344CB8AC3E}">
-        <p14:creationId xmlns:p14="http://schemas.microsoft.com/office/powerpoint/2010/main" val="59292147"/>
+        <p14:creationId xmlns:p14="http://schemas.microsoft.com/office/powerpoint/2010/main" val="1145752306"/>
       </p:ext>
     </p:extLst>
   </p:cSld>
@@ -4567,6 +4739,1366 @@
           <p:cNvPr id="2" name="Titel 1">
             <a:extLst>
               <a:ext uri="{FF2B5EF4-FFF2-40B4-BE49-F238E27FC236}">
+                <a16:creationId xmlns:a16="http://schemas.microsoft.com/office/drawing/2014/main" id="{90C00702-DC14-4A08-8A56-8FFDB381C751}"/>
+              </a:ext>
+            </a:extLst>
+          </p:cNvPr>
+          <p:cNvSpPr>
+            <a:spLocks noGrp="1"/>
+          </p:cNvSpPr>
+          <p:nvPr>
+            <p:ph type="title"/>
+          </p:nvPr>
+        </p:nvSpPr>
+        <p:spPr/>
+        <p:txBody>
+          <a:bodyPr/>
+          <a:lstStyle/>
+          <a:p>
+            <a:r>
+              <a:rPr lang="de-AT" dirty="0"/>
+              <a:t>Bitcoin</a:t>
+            </a:r>
+          </a:p>
+        </p:txBody>
+      </p:sp>
+      <p:sp>
+        <p:nvSpPr>
+          <p:cNvPr id="3" name="Inhaltsplatzhalter 2">
+            <a:extLst>
+              <a:ext uri="{FF2B5EF4-FFF2-40B4-BE49-F238E27FC236}">
+                <a16:creationId xmlns:a16="http://schemas.microsoft.com/office/drawing/2014/main" id="{1DC798AA-1D54-4E39-AC49-77DDAD162ACE}"/>
+              </a:ext>
+            </a:extLst>
+          </p:cNvPr>
+          <p:cNvSpPr>
+            <a:spLocks noGrp="1"/>
+          </p:cNvSpPr>
+          <p:nvPr>
+            <p:ph idx="1"/>
+          </p:nvPr>
+        </p:nvSpPr>
+        <p:spPr/>
+        <p:txBody>
+          <a:bodyPr/>
+          <a:lstStyle/>
+          <a:p>
+            <a:r>
+              <a:rPr lang="de-AT" dirty="0" err="1"/>
+              <a:t>Blockchain</a:t>
+            </a:r>
+            <a:r>
+              <a:rPr lang="de-AT" dirty="0"/>
+              <a:t>: 150 GB</a:t>
+            </a:r>
+          </a:p>
+        </p:txBody>
+      </p:sp>
+      <p:sp>
+        <p:nvSpPr>
+          <p:cNvPr id="4" name="Datumsplatzhalter 3">
+            <a:extLst>
+              <a:ext uri="{FF2B5EF4-FFF2-40B4-BE49-F238E27FC236}">
+                <a16:creationId xmlns:a16="http://schemas.microsoft.com/office/drawing/2014/main" id="{8771D5ED-F46C-474E-BD3E-28FE8C2BA6D2}"/>
+              </a:ext>
+            </a:extLst>
+          </p:cNvPr>
+          <p:cNvSpPr>
+            <a:spLocks noGrp="1"/>
+          </p:cNvSpPr>
+          <p:nvPr>
+            <p:ph type="dt" sz="half" idx="10"/>
+          </p:nvPr>
+        </p:nvSpPr>
+        <p:spPr/>
+        <p:txBody>
+          <a:bodyPr/>
+          <a:lstStyle/>
+          <a:p>
+            <a:fld id="{5816D8F1-3E92-45E9-82E1-886063832025}" type="datetime1">
+              <a:rPr lang="de-AT" smtClean="0"/>
+              <a:t>13.01.2018</a:t>
+            </a:fld>
+            <a:endParaRPr lang="de-DE"/>
+          </a:p>
+        </p:txBody>
+      </p:sp>
+      <p:sp>
+        <p:nvSpPr>
+          <p:cNvPr id="5" name="Fußzeilenplatzhalter 4">
+            <a:extLst>
+              <a:ext uri="{FF2B5EF4-FFF2-40B4-BE49-F238E27FC236}">
+                <a16:creationId xmlns:a16="http://schemas.microsoft.com/office/drawing/2014/main" id="{091E7BE3-E85C-4B3A-ACE2-4FE255BF93A7}"/>
+              </a:ext>
+            </a:extLst>
+          </p:cNvPr>
+          <p:cNvSpPr>
+            <a:spLocks noGrp="1"/>
+          </p:cNvSpPr>
+          <p:nvPr>
+            <p:ph type="ftr" sz="quarter" idx="11"/>
+          </p:nvPr>
+        </p:nvSpPr>
+        <p:spPr/>
+        <p:txBody>
+          <a:bodyPr/>
+          <a:lstStyle/>
+          <a:p>
+            <a:r>
+              <a:rPr lang="en-US"/>
+              <a:t>FH Wels, AT-Master / INIF, ITS3ILV</a:t>
+            </a:r>
+            <a:endParaRPr lang="de-DE" dirty="0"/>
+          </a:p>
+        </p:txBody>
+      </p:sp>
+      <p:sp>
+        <p:nvSpPr>
+          <p:cNvPr id="6" name="Foliennummernplatzhalter 5">
+            <a:extLst>
+              <a:ext uri="{FF2B5EF4-FFF2-40B4-BE49-F238E27FC236}">
+                <a16:creationId xmlns:a16="http://schemas.microsoft.com/office/drawing/2014/main" id="{DB2DF19C-DDD2-4C0B-91BE-B10D24977237}"/>
+              </a:ext>
+            </a:extLst>
+          </p:cNvPr>
+          <p:cNvSpPr>
+            <a:spLocks noGrp="1"/>
+          </p:cNvSpPr>
+          <p:nvPr>
+            <p:ph type="sldNum" sz="quarter" idx="12"/>
+          </p:nvPr>
+        </p:nvSpPr>
+        <p:spPr/>
+        <p:txBody>
+          <a:bodyPr/>
+          <a:lstStyle/>
+          <a:p>
+            <a:fld id="{42430F15-44E3-4E69-A3DD-479649D4CC4A}" type="slidenum">
+              <a:rPr lang="de-DE" smtClean="0"/>
+              <a:t>11</a:t>
+            </a:fld>
+            <a:endParaRPr lang="de-DE"/>
+          </a:p>
+        </p:txBody>
+      </p:sp>
+      <p:sp>
+        <p:nvSpPr>
+          <p:cNvPr id="7" name="Textplatzhalter 6">
+            <a:extLst>
+              <a:ext uri="{FF2B5EF4-FFF2-40B4-BE49-F238E27FC236}">
+                <a16:creationId xmlns:a16="http://schemas.microsoft.com/office/drawing/2014/main" id="{CCF344C4-8807-494D-959A-47F99CF5BDDC}"/>
+              </a:ext>
+            </a:extLst>
+          </p:cNvPr>
+          <p:cNvSpPr>
+            <a:spLocks noGrp="1"/>
+          </p:cNvSpPr>
+          <p:nvPr>
+            <p:ph type="body" sz="quarter" idx="13"/>
+          </p:nvPr>
+        </p:nvSpPr>
+        <p:spPr/>
+        <p:txBody>
+          <a:bodyPr/>
+          <a:lstStyle/>
+          <a:p>
+            <a:r>
+              <a:rPr lang="de-DE" dirty="0">
+                <a:solidFill>
+                  <a:schemeClr val="bg1">
+                    <a:lumMod val="50000"/>
+                  </a:schemeClr>
+                </a:solidFill>
+              </a:rPr>
+              <a:t>● </a:t>
+            </a:r>
+            <a:r>
+              <a:rPr lang="de-DE" dirty="0" err="1">
+                <a:solidFill>
+                  <a:schemeClr val="bg1">
+                    <a:lumMod val="50000"/>
+                  </a:schemeClr>
+                </a:solidFill>
+              </a:rPr>
+              <a:t>Blockchain</a:t>
+            </a:r>
+            <a:r>
+              <a:rPr lang="de-DE" dirty="0">
+                <a:solidFill>
+                  <a:schemeClr val="bg1">
+                    <a:lumMod val="75000"/>
+                  </a:schemeClr>
+                </a:solidFill>
+              </a:rPr>
+              <a:t> </a:t>
+            </a:r>
+            <a:r>
+              <a:rPr lang="de-DE" dirty="0">
+                <a:solidFill>
+                  <a:schemeClr val="bg1">
+                    <a:lumMod val="50000"/>
+                  </a:schemeClr>
+                </a:solidFill>
+              </a:rPr>
+              <a:t>● Kryptowährung</a:t>
+            </a:r>
+            <a:r>
+              <a:rPr lang="de-DE" dirty="0">
+                <a:solidFill>
+                  <a:schemeClr val="bg1">
+                    <a:lumMod val="75000"/>
+                  </a:schemeClr>
+                </a:solidFill>
+              </a:rPr>
+              <a:t> </a:t>
+            </a:r>
+            <a:r>
+              <a:rPr lang="de-DE" b="1" dirty="0">
+                <a:solidFill>
+                  <a:srgbClr val="FF0000"/>
+                </a:solidFill>
+              </a:rPr>
+              <a:t>●</a:t>
+            </a:r>
+            <a:r>
+              <a:rPr lang="de-DE" b="1" dirty="0"/>
+              <a:t> </a:t>
+            </a:r>
+            <a:r>
+              <a:rPr lang="de-DE" b="1" dirty="0">
+                <a:solidFill>
+                  <a:schemeClr val="tx1"/>
+                </a:solidFill>
+              </a:rPr>
+              <a:t>Bitcoin</a:t>
+            </a:r>
+          </a:p>
+        </p:txBody>
+      </p:sp>
+    </p:spTree>
+    <p:extLst>
+      <p:ext uri="{BB962C8B-B14F-4D97-AF65-F5344CB8AC3E}">
+        <p14:creationId xmlns:p14="http://schemas.microsoft.com/office/powerpoint/2010/main" val="235573698"/>
+      </p:ext>
+    </p:extLst>
+  </p:cSld>
+  <p:clrMapOvr>
+    <a:masterClrMapping/>
+  </p:clrMapOvr>
+</p:sld>
+</file>
+
+<file path=ppt/slides/slide12.xml><?xml version="1.0" encoding="utf-8"?>
+<p:sld xmlns:a="http://schemas.openxmlformats.org/drawingml/2006/main" xmlns:r="http://schemas.openxmlformats.org/officeDocument/2006/relationships" xmlns:p="http://schemas.openxmlformats.org/presentationml/2006/main">
+  <p:cSld>
+    <p:spTree>
+      <p:nvGrpSpPr>
+        <p:cNvPr id="1" name=""/>
+        <p:cNvGrpSpPr/>
+        <p:nvPr/>
+      </p:nvGrpSpPr>
+      <p:grpSpPr>
+        <a:xfrm>
+          <a:off x="0" y="0"/>
+          <a:ext cx="0" cy="0"/>
+          <a:chOff x="0" y="0"/>
+          <a:chExt cx="0" cy="0"/>
+        </a:xfrm>
+      </p:grpSpPr>
+      <p:sp>
+        <p:nvSpPr>
+          <p:cNvPr id="2" name="Titel 1">
+            <a:extLst>
+              <a:ext uri="{FF2B5EF4-FFF2-40B4-BE49-F238E27FC236}">
+                <a16:creationId xmlns:a16="http://schemas.microsoft.com/office/drawing/2014/main" id="{90C00702-DC14-4A08-8A56-8FFDB381C751}"/>
+              </a:ext>
+            </a:extLst>
+          </p:cNvPr>
+          <p:cNvSpPr>
+            <a:spLocks noGrp="1"/>
+          </p:cNvSpPr>
+          <p:nvPr>
+            <p:ph type="title"/>
+          </p:nvPr>
+        </p:nvSpPr>
+        <p:spPr/>
+        <p:txBody>
+          <a:bodyPr/>
+          <a:lstStyle/>
+          <a:p>
+            <a:r>
+              <a:rPr lang="de-DE" dirty="0" err="1"/>
+              <a:t>Ethereum</a:t>
+            </a:r>
+            <a:endParaRPr lang="de-AT" dirty="0"/>
+          </a:p>
+        </p:txBody>
+      </p:sp>
+      <p:sp>
+        <p:nvSpPr>
+          <p:cNvPr id="3" name="Inhaltsplatzhalter 2">
+            <a:extLst>
+              <a:ext uri="{FF2B5EF4-FFF2-40B4-BE49-F238E27FC236}">
+                <a16:creationId xmlns:a16="http://schemas.microsoft.com/office/drawing/2014/main" id="{1DC798AA-1D54-4E39-AC49-77DDAD162ACE}"/>
+              </a:ext>
+            </a:extLst>
+          </p:cNvPr>
+          <p:cNvSpPr>
+            <a:spLocks noGrp="1"/>
+          </p:cNvSpPr>
+          <p:nvPr>
+            <p:ph idx="1"/>
+          </p:nvPr>
+        </p:nvSpPr>
+        <p:spPr/>
+        <p:txBody>
+          <a:bodyPr/>
+          <a:lstStyle/>
+          <a:p>
+            <a:r>
+              <a:rPr lang="de-AT" dirty="0" err="1"/>
+              <a:t>Blockchain</a:t>
+            </a:r>
+            <a:r>
+              <a:rPr lang="de-AT" dirty="0"/>
+              <a:t>: 242 GB</a:t>
+            </a:r>
+          </a:p>
+        </p:txBody>
+      </p:sp>
+      <p:sp>
+        <p:nvSpPr>
+          <p:cNvPr id="4" name="Datumsplatzhalter 3">
+            <a:extLst>
+              <a:ext uri="{FF2B5EF4-FFF2-40B4-BE49-F238E27FC236}">
+                <a16:creationId xmlns:a16="http://schemas.microsoft.com/office/drawing/2014/main" id="{8771D5ED-F46C-474E-BD3E-28FE8C2BA6D2}"/>
+              </a:ext>
+            </a:extLst>
+          </p:cNvPr>
+          <p:cNvSpPr>
+            <a:spLocks noGrp="1"/>
+          </p:cNvSpPr>
+          <p:nvPr>
+            <p:ph type="dt" sz="half" idx="10"/>
+          </p:nvPr>
+        </p:nvSpPr>
+        <p:spPr/>
+        <p:txBody>
+          <a:bodyPr/>
+          <a:lstStyle/>
+          <a:p>
+            <a:fld id="{5816D8F1-3E92-45E9-82E1-886063832025}" type="datetime1">
+              <a:rPr lang="de-AT" smtClean="0"/>
+              <a:t>13.01.2018</a:t>
+            </a:fld>
+            <a:endParaRPr lang="de-DE"/>
+          </a:p>
+        </p:txBody>
+      </p:sp>
+      <p:sp>
+        <p:nvSpPr>
+          <p:cNvPr id="5" name="Fußzeilenplatzhalter 4">
+            <a:extLst>
+              <a:ext uri="{FF2B5EF4-FFF2-40B4-BE49-F238E27FC236}">
+                <a16:creationId xmlns:a16="http://schemas.microsoft.com/office/drawing/2014/main" id="{091E7BE3-E85C-4B3A-ACE2-4FE255BF93A7}"/>
+              </a:ext>
+            </a:extLst>
+          </p:cNvPr>
+          <p:cNvSpPr>
+            <a:spLocks noGrp="1"/>
+          </p:cNvSpPr>
+          <p:nvPr>
+            <p:ph type="ftr" sz="quarter" idx="11"/>
+          </p:nvPr>
+        </p:nvSpPr>
+        <p:spPr/>
+        <p:txBody>
+          <a:bodyPr/>
+          <a:lstStyle/>
+          <a:p>
+            <a:r>
+              <a:rPr lang="en-US"/>
+              <a:t>FH Wels, AT-Master / INIF, ITS3ILV</a:t>
+            </a:r>
+            <a:endParaRPr lang="de-DE" dirty="0"/>
+          </a:p>
+        </p:txBody>
+      </p:sp>
+      <p:sp>
+        <p:nvSpPr>
+          <p:cNvPr id="6" name="Foliennummernplatzhalter 5">
+            <a:extLst>
+              <a:ext uri="{FF2B5EF4-FFF2-40B4-BE49-F238E27FC236}">
+                <a16:creationId xmlns:a16="http://schemas.microsoft.com/office/drawing/2014/main" id="{DB2DF19C-DDD2-4C0B-91BE-B10D24977237}"/>
+              </a:ext>
+            </a:extLst>
+          </p:cNvPr>
+          <p:cNvSpPr>
+            <a:spLocks noGrp="1"/>
+          </p:cNvSpPr>
+          <p:nvPr>
+            <p:ph type="sldNum" sz="quarter" idx="12"/>
+          </p:nvPr>
+        </p:nvSpPr>
+        <p:spPr/>
+        <p:txBody>
+          <a:bodyPr/>
+          <a:lstStyle/>
+          <a:p>
+            <a:fld id="{42430F15-44E3-4E69-A3DD-479649D4CC4A}" type="slidenum">
+              <a:rPr lang="de-DE" smtClean="0"/>
+              <a:t>12</a:t>
+            </a:fld>
+            <a:endParaRPr lang="de-DE"/>
+          </a:p>
+        </p:txBody>
+      </p:sp>
+      <p:sp>
+        <p:nvSpPr>
+          <p:cNvPr id="7" name="Textplatzhalter 6">
+            <a:extLst>
+              <a:ext uri="{FF2B5EF4-FFF2-40B4-BE49-F238E27FC236}">
+                <a16:creationId xmlns:a16="http://schemas.microsoft.com/office/drawing/2014/main" id="{CCF344C4-8807-494D-959A-47F99CF5BDDC}"/>
+              </a:ext>
+            </a:extLst>
+          </p:cNvPr>
+          <p:cNvSpPr>
+            <a:spLocks noGrp="1"/>
+          </p:cNvSpPr>
+          <p:nvPr>
+            <p:ph type="body" sz="quarter" idx="13"/>
+          </p:nvPr>
+        </p:nvSpPr>
+        <p:spPr/>
+        <p:txBody>
+          <a:bodyPr/>
+          <a:lstStyle/>
+          <a:p>
+            <a:r>
+              <a:rPr lang="de-DE" dirty="0">
+                <a:solidFill>
+                  <a:schemeClr val="bg1">
+                    <a:lumMod val="50000"/>
+                  </a:schemeClr>
+                </a:solidFill>
+              </a:rPr>
+              <a:t>● </a:t>
+            </a:r>
+            <a:r>
+              <a:rPr lang="de-DE" dirty="0" err="1">
+                <a:solidFill>
+                  <a:schemeClr val="bg1">
+                    <a:lumMod val="50000"/>
+                  </a:schemeClr>
+                </a:solidFill>
+              </a:rPr>
+              <a:t>Blockchain</a:t>
+            </a:r>
+            <a:r>
+              <a:rPr lang="de-DE" dirty="0">
+                <a:solidFill>
+                  <a:schemeClr val="bg1">
+                    <a:lumMod val="75000"/>
+                  </a:schemeClr>
+                </a:solidFill>
+              </a:rPr>
+              <a:t> </a:t>
+            </a:r>
+            <a:r>
+              <a:rPr lang="de-DE" dirty="0">
+                <a:solidFill>
+                  <a:schemeClr val="bg1">
+                    <a:lumMod val="50000"/>
+                  </a:schemeClr>
+                </a:solidFill>
+              </a:rPr>
+              <a:t>● Kryptowährung</a:t>
+            </a:r>
+            <a:r>
+              <a:rPr lang="de-DE" dirty="0">
+                <a:solidFill>
+                  <a:schemeClr val="bg1">
+                    <a:lumMod val="75000"/>
+                  </a:schemeClr>
+                </a:solidFill>
+              </a:rPr>
+              <a:t> </a:t>
+            </a:r>
+            <a:r>
+              <a:rPr lang="de-DE" b="1" dirty="0">
+                <a:solidFill>
+                  <a:srgbClr val="FF0000"/>
+                </a:solidFill>
+              </a:rPr>
+              <a:t>●</a:t>
+            </a:r>
+            <a:r>
+              <a:rPr lang="de-DE" b="1" dirty="0"/>
+              <a:t> </a:t>
+            </a:r>
+            <a:r>
+              <a:rPr lang="de-DE" b="1" dirty="0" err="1">
+                <a:solidFill>
+                  <a:schemeClr val="tx1"/>
+                </a:solidFill>
+              </a:rPr>
+              <a:t>Ethereum</a:t>
+            </a:r>
+            <a:endParaRPr lang="de-DE" b="1" dirty="0">
+              <a:solidFill>
+                <a:schemeClr val="tx1"/>
+              </a:solidFill>
+            </a:endParaRPr>
+          </a:p>
+        </p:txBody>
+      </p:sp>
+    </p:spTree>
+    <p:extLst>
+      <p:ext uri="{BB962C8B-B14F-4D97-AF65-F5344CB8AC3E}">
+        <p14:creationId xmlns:p14="http://schemas.microsoft.com/office/powerpoint/2010/main" val="4129536121"/>
+      </p:ext>
+    </p:extLst>
+  </p:cSld>
+  <p:clrMapOvr>
+    <a:masterClrMapping/>
+  </p:clrMapOvr>
+</p:sld>
+</file>
+
+<file path=ppt/slides/slide13.xml><?xml version="1.0" encoding="utf-8"?>
+<p:sld xmlns:a="http://schemas.openxmlformats.org/drawingml/2006/main" xmlns:r="http://schemas.openxmlformats.org/officeDocument/2006/relationships" xmlns:p="http://schemas.openxmlformats.org/presentationml/2006/main">
+  <p:cSld>
+    <p:spTree>
+      <p:nvGrpSpPr>
+        <p:cNvPr id="1" name=""/>
+        <p:cNvGrpSpPr/>
+        <p:nvPr/>
+      </p:nvGrpSpPr>
+      <p:grpSpPr>
+        <a:xfrm>
+          <a:off x="0" y="0"/>
+          <a:ext cx="0" cy="0"/>
+          <a:chOff x="0" y="0"/>
+          <a:chExt cx="0" cy="0"/>
+        </a:xfrm>
+      </p:grpSpPr>
+      <p:sp>
+        <p:nvSpPr>
+          <p:cNvPr id="2" name="Titel 1">
+            <a:extLst>
+              <a:ext uri="{FF2B5EF4-FFF2-40B4-BE49-F238E27FC236}">
+                <a16:creationId xmlns:a16="http://schemas.microsoft.com/office/drawing/2014/main" id="{90C00702-DC14-4A08-8A56-8FFDB381C751}"/>
+              </a:ext>
+            </a:extLst>
+          </p:cNvPr>
+          <p:cNvSpPr>
+            <a:spLocks noGrp="1"/>
+          </p:cNvSpPr>
+          <p:nvPr>
+            <p:ph type="title"/>
+          </p:nvPr>
+        </p:nvSpPr>
+        <p:spPr/>
+        <p:txBody>
+          <a:bodyPr/>
+          <a:lstStyle/>
+          <a:p>
+            <a:r>
+              <a:rPr lang="de-AT" dirty="0"/>
+              <a:t>Ripple</a:t>
+            </a:r>
+          </a:p>
+        </p:txBody>
+      </p:sp>
+      <p:sp>
+        <p:nvSpPr>
+          <p:cNvPr id="3" name="Inhaltsplatzhalter 2">
+            <a:extLst>
+              <a:ext uri="{FF2B5EF4-FFF2-40B4-BE49-F238E27FC236}">
+                <a16:creationId xmlns:a16="http://schemas.microsoft.com/office/drawing/2014/main" id="{1DC798AA-1D54-4E39-AC49-77DDAD162ACE}"/>
+              </a:ext>
+            </a:extLst>
+          </p:cNvPr>
+          <p:cNvSpPr>
+            <a:spLocks noGrp="1"/>
+          </p:cNvSpPr>
+          <p:nvPr>
+            <p:ph idx="1"/>
+          </p:nvPr>
+        </p:nvSpPr>
+        <p:spPr/>
+        <p:txBody>
+          <a:bodyPr/>
+          <a:lstStyle/>
+          <a:p>
+            <a:r>
+              <a:rPr lang="de-AT" dirty="0" err="1"/>
+              <a:t>Blockchain</a:t>
+            </a:r>
+            <a:r>
+              <a:rPr lang="de-AT" dirty="0"/>
+              <a:t>: keine</a:t>
+            </a:r>
+          </a:p>
+        </p:txBody>
+      </p:sp>
+      <p:sp>
+        <p:nvSpPr>
+          <p:cNvPr id="4" name="Datumsplatzhalter 3">
+            <a:extLst>
+              <a:ext uri="{FF2B5EF4-FFF2-40B4-BE49-F238E27FC236}">
+                <a16:creationId xmlns:a16="http://schemas.microsoft.com/office/drawing/2014/main" id="{8771D5ED-F46C-474E-BD3E-28FE8C2BA6D2}"/>
+              </a:ext>
+            </a:extLst>
+          </p:cNvPr>
+          <p:cNvSpPr>
+            <a:spLocks noGrp="1"/>
+          </p:cNvSpPr>
+          <p:nvPr>
+            <p:ph type="dt" sz="half" idx="10"/>
+          </p:nvPr>
+        </p:nvSpPr>
+        <p:spPr/>
+        <p:txBody>
+          <a:bodyPr/>
+          <a:lstStyle/>
+          <a:p>
+            <a:fld id="{5816D8F1-3E92-45E9-82E1-886063832025}" type="datetime1">
+              <a:rPr lang="de-AT" smtClean="0"/>
+              <a:t>13.01.2018</a:t>
+            </a:fld>
+            <a:endParaRPr lang="de-DE"/>
+          </a:p>
+        </p:txBody>
+      </p:sp>
+      <p:sp>
+        <p:nvSpPr>
+          <p:cNvPr id="5" name="Fußzeilenplatzhalter 4">
+            <a:extLst>
+              <a:ext uri="{FF2B5EF4-FFF2-40B4-BE49-F238E27FC236}">
+                <a16:creationId xmlns:a16="http://schemas.microsoft.com/office/drawing/2014/main" id="{091E7BE3-E85C-4B3A-ACE2-4FE255BF93A7}"/>
+              </a:ext>
+            </a:extLst>
+          </p:cNvPr>
+          <p:cNvSpPr>
+            <a:spLocks noGrp="1"/>
+          </p:cNvSpPr>
+          <p:nvPr>
+            <p:ph type="ftr" sz="quarter" idx="11"/>
+          </p:nvPr>
+        </p:nvSpPr>
+        <p:spPr/>
+        <p:txBody>
+          <a:bodyPr/>
+          <a:lstStyle/>
+          <a:p>
+            <a:r>
+              <a:rPr lang="en-US"/>
+              <a:t>FH Wels, AT-Master / INIF, ITS3ILV</a:t>
+            </a:r>
+            <a:endParaRPr lang="de-DE" dirty="0"/>
+          </a:p>
+        </p:txBody>
+      </p:sp>
+      <p:sp>
+        <p:nvSpPr>
+          <p:cNvPr id="6" name="Foliennummernplatzhalter 5">
+            <a:extLst>
+              <a:ext uri="{FF2B5EF4-FFF2-40B4-BE49-F238E27FC236}">
+                <a16:creationId xmlns:a16="http://schemas.microsoft.com/office/drawing/2014/main" id="{DB2DF19C-DDD2-4C0B-91BE-B10D24977237}"/>
+              </a:ext>
+            </a:extLst>
+          </p:cNvPr>
+          <p:cNvSpPr>
+            <a:spLocks noGrp="1"/>
+          </p:cNvSpPr>
+          <p:nvPr>
+            <p:ph type="sldNum" sz="quarter" idx="12"/>
+          </p:nvPr>
+        </p:nvSpPr>
+        <p:spPr/>
+        <p:txBody>
+          <a:bodyPr/>
+          <a:lstStyle/>
+          <a:p>
+            <a:fld id="{42430F15-44E3-4E69-A3DD-479649D4CC4A}" type="slidenum">
+              <a:rPr lang="de-DE" smtClean="0"/>
+              <a:t>13</a:t>
+            </a:fld>
+            <a:endParaRPr lang="de-DE"/>
+          </a:p>
+        </p:txBody>
+      </p:sp>
+      <p:sp>
+        <p:nvSpPr>
+          <p:cNvPr id="7" name="Textplatzhalter 6">
+            <a:extLst>
+              <a:ext uri="{FF2B5EF4-FFF2-40B4-BE49-F238E27FC236}">
+                <a16:creationId xmlns:a16="http://schemas.microsoft.com/office/drawing/2014/main" id="{CCF344C4-8807-494D-959A-47F99CF5BDDC}"/>
+              </a:ext>
+            </a:extLst>
+          </p:cNvPr>
+          <p:cNvSpPr>
+            <a:spLocks noGrp="1"/>
+          </p:cNvSpPr>
+          <p:nvPr>
+            <p:ph type="body" sz="quarter" idx="13"/>
+          </p:nvPr>
+        </p:nvSpPr>
+        <p:spPr/>
+        <p:txBody>
+          <a:bodyPr/>
+          <a:lstStyle/>
+          <a:p>
+            <a:r>
+              <a:rPr lang="de-DE" dirty="0">
+                <a:solidFill>
+                  <a:schemeClr val="bg1">
+                    <a:lumMod val="50000"/>
+                  </a:schemeClr>
+                </a:solidFill>
+              </a:rPr>
+              <a:t>● </a:t>
+            </a:r>
+            <a:r>
+              <a:rPr lang="de-DE" dirty="0" err="1">
+                <a:solidFill>
+                  <a:schemeClr val="bg1">
+                    <a:lumMod val="50000"/>
+                  </a:schemeClr>
+                </a:solidFill>
+              </a:rPr>
+              <a:t>Blockchain</a:t>
+            </a:r>
+            <a:r>
+              <a:rPr lang="de-DE" dirty="0">
+                <a:solidFill>
+                  <a:schemeClr val="bg1">
+                    <a:lumMod val="75000"/>
+                  </a:schemeClr>
+                </a:solidFill>
+              </a:rPr>
+              <a:t> </a:t>
+            </a:r>
+            <a:r>
+              <a:rPr lang="de-DE" dirty="0">
+                <a:solidFill>
+                  <a:schemeClr val="bg1">
+                    <a:lumMod val="50000"/>
+                  </a:schemeClr>
+                </a:solidFill>
+              </a:rPr>
+              <a:t>● Kryptowährung</a:t>
+            </a:r>
+            <a:r>
+              <a:rPr lang="de-DE" dirty="0">
+                <a:solidFill>
+                  <a:schemeClr val="bg1">
+                    <a:lumMod val="75000"/>
+                  </a:schemeClr>
+                </a:solidFill>
+              </a:rPr>
+              <a:t> </a:t>
+            </a:r>
+            <a:r>
+              <a:rPr lang="de-DE" b="1" dirty="0">
+                <a:solidFill>
+                  <a:srgbClr val="FF0000"/>
+                </a:solidFill>
+              </a:rPr>
+              <a:t>●</a:t>
+            </a:r>
+            <a:r>
+              <a:rPr lang="de-DE" b="1" dirty="0"/>
+              <a:t> </a:t>
+            </a:r>
+            <a:r>
+              <a:rPr lang="de-DE" b="1" dirty="0">
+                <a:solidFill>
+                  <a:schemeClr val="tx1"/>
+                </a:solidFill>
+              </a:rPr>
+              <a:t>Ripple</a:t>
+            </a:r>
+          </a:p>
+        </p:txBody>
+      </p:sp>
+    </p:spTree>
+    <p:extLst>
+      <p:ext uri="{BB962C8B-B14F-4D97-AF65-F5344CB8AC3E}">
+        <p14:creationId xmlns:p14="http://schemas.microsoft.com/office/powerpoint/2010/main" val="498675616"/>
+      </p:ext>
+    </p:extLst>
+  </p:cSld>
+  <p:clrMapOvr>
+    <a:masterClrMapping/>
+  </p:clrMapOvr>
+</p:sld>
+</file>
+
+<file path=ppt/slides/slide14.xml><?xml version="1.0" encoding="utf-8"?>
+<p:sld xmlns:a="http://schemas.openxmlformats.org/drawingml/2006/main" xmlns:r="http://schemas.openxmlformats.org/officeDocument/2006/relationships" xmlns:p="http://schemas.openxmlformats.org/presentationml/2006/main">
+  <p:cSld>
+    <p:spTree>
+      <p:nvGrpSpPr>
+        <p:cNvPr id="1" name=""/>
+        <p:cNvGrpSpPr/>
+        <p:nvPr/>
+      </p:nvGrpSpPr>
+      <p:grpSpPr>
+        <a:xfrm>
+          <a:off x="0" y="0"/>
+          <a:ext cx="0" cy="0"/>
+          <a:chOff x="0" y="0"/>
+          <a:chExt cx="0" cy="0"/>
+        </a:xfrm>
+      </p:grpSpPr>
+      <p:sp>
+        <p:nvSpPr>
+          <p:cNvPr id="2" name="Titel 1">
+            <a:extLst>
+              <a:ext uri="{FF2B5EF4-FFF2-40B4-BE49-F238E27FC236}">
+                <a16:creationId xmlns:a16="http://schemas.microsoft.com/office/drawing/2014/main" id="{90C00702-DC14-4A08-8A56-8FFDB381C751}"/>
+              </a:ext>
+            </a:extLst>
+          </p:cNvPr>
+          <p:cNvSpPr>
+            <a:spLocks noGrp="1"/>
+          </p:cNvSpPr>
+          <p:nvPr>
+            <p:ph type="title"/>
+          </p:nvPr>
+        </p:nvSpPr>
+        <p:spPr/>
+        <p:txBody>
+          <a:bodyPr/>
+          <a:lstStyle/>
+          <a:p>
+            <a:r>
+              <a:rPr lang="de-AT" dirty="0"/>
+              <a:t>Bitcoin Cash</a:t>
+            </a:r>
+          </a:p>
+        </p:txBody>
+      </p:sp>
+      <p:sp>
+        <p:nvSpPr>
+          <p:cNvPr id="3" name="Inhaltsplatzhalter 2">
+            <a:extLst>
+              <a:ext uri="{FF2B5EF4-FFF2-40B4-BE49-F238E27FC236}">
+                <a16:creationId xmlns:a16="http://schemas.microsoft.com/office/drawing/2014/main" id="{1DC798AA-1D54-4E39-AC49-77DDAD162ACE}"/>
+              </a:ext>
+            </a:extLst>
+          </p:cNvPr>
+          <p:cNvSpPr>
+            <a:spLocks noGrp="1"/>
+          </p:cNvSpPr>
+          <p:nvPr>
+            <p:ph idx="1"/>
+          </p:nvPr>
+        </p:nvSpPr>
+        <p:spPr/>
+        <p:txBody>
+          <a:bodyPr/>
+          <a:lstStyle/>
+          <a:p>
+            <a:r>
+              <a:rPr lang="de-AT" dirty="0" err="1"/>
+              <a:t>Blockchain</a:t>
+            </a:r>
+            <a:r>
+              <a:rPr lang="de-AT" dirty="0"/>
+              <a:t>: 156 GB</a:t>
+            </a:r>
+          </a:p>
+        </p:txBody>
+      </p:sp>
+      <p:sp>
+        <p:nvSpPr>
+          <p:cNvPr id="4" name="Datumsplatzhalter 3">
+            <a:extLst>
+              <a:ext uri="{FF2B5EF4-FFF2-40B4-BE49-F238E27FC236}">
+                <a16:creationId xmlns:a16="http://schemas.microsoft.com/office/drawing/2014/main" id="{8771D5ED-F46C-474E-BD3E-28FE8C2BA6D2}"/>
+              </a:ext>
+            </a:extLst>
+          </p:cNvPr>
+          <p:cNvSpPr>
+            <a:spLocks noGrp="1"/>
+          </p:cNvSpPr>
+          <p:nvPr>
+            <p:ph type="dt" sz="half" idx="10"/>
+          </p:nvPr>
+        </p:nvSpPr>
+        <p:spPr/>
+        <p:txBody>
+          <a:bodyPr/>
+          <a:lstStyle/>
+          <a:p>
+            <a:fld id="{5816D8F1-3E92-45E9-82E1-886063832025}" type="datetime1">
+              <a:rPr lang="de-AT" smtClean="0"/>
+              <a:t>13.01.2018</a:t>
+            </a:fld>
+            <a:endParaRPr lang="de-DE"/>
+          </a:p>
+        </p:txBody>
+      </p:sp>
+      <p:sp>
+        <p:nvSpPr>
+          <p:cNvPr id="5" name="Fußzeilenplatzhalter 4">
+            <a:extLst>
+              <a:ext uri="{FF2B5EF4-FFF2-40B4-BE49-F238E27FC236}">
+                <a16:creationId xmlns:a16="http://schemas.microsoft.com/office/drawing/2014/main" id="{091E7BE3-E85C-4B3A-ACE2-4FE255BF93A7}"/>
+              </a:ext>
+            </a:extLst>
+          </p:cNvPr>
+          <p:cNvSpPr>
+            <a:spLocks noGrp="1"/>
+          </p:cNvSpPr>
+          <p:nvPr>
+            <p:ph type="ftr" sz="quarter" idx="11"/>
+          </p:nvPr>
+        </p:nvSpPr>
+        <p:spPr/>
+        <p:txBody>
+          <a:bodyPr/>
+          <a:lstStyle/>
+          <a:p>
+            <a:r>
+              <a:rPr lang="en-US"/>
+              <a:t>FH Wels, AT-Master / INIF, ITS3ILV</a:t>
+            </a:r>
+            <a:endParaRPr lang="de-DE" dirty="0"/>
+          </a:p>
+        </p:txBody>
+      </p:sp>
+      <p:sp>
+        <p:nvSpPr>
+          <p:cNvPr id="6" name="Foliennummernplatzhalter 5">
+            <a:extLst>
+              <a:ext uri="{FF2B5EF4-FFF2-40B4-BE49-F238E27FC236}">
+                <a16:creationId xmlns:a16="http://schemas.microsoft.com/office/drawing/2014/main" id="{DB2DF19C-DDD2-4C0B-91BE-B10D24977237}"/>
+              </a:ext>
+            </a:extLst>
+          </p:cNvPr>
+          <p:cNvSpPr>
+            <a:spLocks noGrp="1"/>
+          </p:cNvSpPr>
+          <p:nvPr>
+            <p:ph type="sldNum" sz="quarter" idx="12"/>
+          </p:nvPr>
+        </p:nvSpPr>
+        <p:spPr/>
+        <p:txBody>
+          <a:bodyPr/>
+          <a:lstStyle/>
+          <a:p>
+            <a:fld id="{42430F15-44E3-4E69-A3DD-479649D4CC4A}" type="slidenum">
+              <a:rPr lang="de-DE" smtClean="0"/>
+              <a:t>14</a:t>
+            </a:fld>
+            <a:endParaRPr lang="de-DE"/>
+          </a:p>
+        </p:txBody>
+      </p:sp>
+      <p:sp>
+        <p:nvSpPr>
+          <p:cNvPr id="7" name="Textplatzhalter 6">
+            <a:extLst>
+              <a:ext uri="{FF2B5EF4-FFF2-40B4-BE49-F238E27FC236}">
+                <a16:creationId xmlns:a16="http://schemas.microsoft.com/office/drawing/2014/main" id="{CCF344C4-8807-494D-959A-47F99CF5BDDC}"/>
+              </a:ext>
+            </a:extLst>
+          </p:cNvPr>
+          <p:cNvSpPr>
+            <a:spLocks noGrp="1"/>
+          </p:cNvSpPr>
+          <p:nvPr>
+            <p:ph type="body" sz="quarter" idx="13"/>
+          </p:nvPr>
+        </p:nvSpPr>
+        <p:spPr/>
+        <p:txBody>
+          <a:bodyPr/>
+          <a:lstStyle/>
+          <a:p>
+            <a:r>
+              <a:rPr lang="de-DE" dirty="0">
+                <a:solidFill>
+                  <a:schemeClr val="bg1">
+                    <a:lumMod val="50000"/>
+                  </a:schemeClr>
+                </a:solidFill>
+              </a:rPr>
+              <a:t>● </a:t>
+            </a:r>
+            <a:r>
+              <a:rPr lang="de-DE" dirty="0" err="1">
+                <a:solidFill>
+                  <a:schemeClr val="bg1">
+                    <a:lumMod val="50000"/>
+                  </a:schemeClr>
+                </a:solidFill>
+              </a:rPr>
+              <a:t>Blockchain</a:t>
+            </a:r>
+            <a:r>
+              <a:rPr lang="de-DE" dirty="0">
+                <a:solidFill>
+                  <a:schemeClr val="bg1">
+                    <a:lumMod val="75000"/>
+                  </a:schemeClr>
+                </a:solidFill>
+              </a:rPr>
+              <a:t> </a:t>
+            </a:r>
+            <a:r>
+              <a:rPr lang="de-DE" dirty="0">
+                <a:solidFill>
+                  <a:schemeClr val="bg1">
+                    <a:lumMod val="50000"/>
+                  </a:schemeClr>
+                </a:solidFill>
+              </a:rPr>
+              <a:t>● Kryptowährung</a:t>
+            </a:r>
+            <a:r>
+              <a:rPr lang="de-DE" dirty="0">
+                <a:solidFill>
+                  <a:schemeClr val="bg1">
+                    <a:lumMod val="75000"/>
+                  </a:schemeClr>
+                </a:solidFill>
+              </a:rPr>
+              <a:t> </a:t>
+            </a:r>
+            <a:r>
+              <a:rPr lang="de-DE" b="1" dirty="0">
+                <a:solidFill>
+                  <a:srgbClr val="FF0000"/>
+                </a:solidFill>
+              </a:rPr>
+              <a:t>●</a:t>
+            </a:r>
+            <a:r>
+              <a:rPr lang="de-DE" b="1" dirty="0"/>
+              <a:t> </a:t>
+            </a:r>
+            <a:r>
+              <a:rPr lang="de-DE" b="1" dirty="0">
+                <a:solidFill>
+                  <a:schemeClr val="tx1"/>
+                </a:solidFill>
+              </a:rPr>
+              <a:t>Bitcoin Cash</a:t>
+            </a:r>
+          </a:p>
+        </p:txBody>
+      </p:sp>
+    </p:spTree>
+    <p:extLst>
+      <p:ext uri="{BB962C8B-B14F-4D97-AF65-F5344CB8AC3E}">
+        <p14:creationId xmlns:p14="http://schemas.microsoft.com/office/powerpoint/2010/main" val="318941384"/>
+      </p:ext>
+    </p:extLst>
+  </p:cSld>
+  <p:clrMapOvr>
+    <a:masterClrMapping/>
+  </p:clrMapOvr>
+</p:sld>
+</file>
+
+<file path=ppt/slides/slide15.xml><?xml version="1.0" encoding="utf-8"?>
+<p:sld xmlns:a="http://schemas.openxmlformats.org/drawingml/2006/main" xmlns:r="http://schemas.openxmlformats.org/officeDocument/2006/relationships" xmlns:p="http://schemas.openxmlformats.org/presentationml/2006/main">
+  <p:cSld>
+    <p:spTree>
+      <p:nvGrpSpPr>
+        <p:cNvPr id="1" name=""/>
+        <p:cNvGrpSpPr/>
+        <p:nvPr/>
+      </p:nvGrpSpPr>
+      <p:grpSpPr>
+        <a:xfrm>
+          <a:off x="0" y="0"/>
+          <a:ext cx="0" cy="0"/>
+          <a:chOff x="0" y="0"/>
+          <a:chExt cx="0" cy="0"/>
+        </a:xfrm>
+      </p:grpSpPr>
+      <p:sp>
+        <p:nvSpPr>
+          <p:cNvPr id="2" name="Titel 1">
+            <a:extLst>
+              <a:ext uri="{FF2B5EF4-FFF2-40B4-BE49-F238E27FC236}">
+                <a16:creationId xmlns:a16="http://schemas.microsoft.com/office/drawing/2014/main" id="{90C00702-DC14-4A08-8A56-8FFDB381C751}"/>
+              </a:ext>
+            </a:extLst>
+          </p:cNvPr>
+          <p:cNvSpPr>
+            <a:spLocks noGrp="1"/>
+          </p:cNvSpPr>
+          <p:nvPr>
+            <p:ph type="title"/>
+          </p:nvPr>
+        </p:nvSpPr>
+        <p:spPr/>
+        <p:txBody>
+          <a:bodyPr/>
+          <a:lstStyle/>
+          <a:p>
+            <a:r>
+              <a:rPr lang="de-AT" dirty="0" err="1"/>
+              <a:t>Cardano</a:t>
+            </a:r>
+            <a:endParaRPr lang="de-AT" dirty="0"/>
+          </a:p>
+        </p:txBody>
+      </p:sp>
+      <p:sp>
+        <p:nvSpPr>
+          <p:cNvPr id="3" name="Inhaltsplatzhalter 2">
+            <a:extLst>
+              <a:ext uri="{FF2B5EF4-FFF2-40B4-BE49-F238E27FC236}">
+                <a16:creationId xmlns:a16="http://schemas.microsoft.com/office/drawing/2014/main" id="{1DC798AA-1D54-4E39-AC49-77DDAD162ACE}"/>
+              </a:ext>
+            </a:extLst>
+          </p:cNvPr>
+          <p:cNvSpPr>
+            <a:spLocks noGrp="1"/>
+          </p:cNvSpPr>
+          <p:nvPr>
+            <p:ph idx="1"/>
+          </p:nvPr>
+        </p:nvSpPr>
+        <p:spPr/>
+        <p:txBody>
+          <a:bodyPr/>
+          <a:lstStyle/>
+          <a:p>
+            <a:endParaRPr lang="de-AT"/>
+          </a:p>
+        </p:txBody>
+      </p:sp>
+      <p:sp>
+        <p:nvSpPr>
+          <p:cNvPr id="4" name="Datumsplatzhalter 3">
+            <a:extLst>
+              <a:ext uri="{FF2B5EF4-FFF2-40B4-BE49-F238E27FC236}">
+                <a16:creationId xmlns:a16="http://schemas.microsoft.com/office/drawing/2014/main" id="{8771D5ED-F46C-474E-BD3E-28FE8C2BA6D2}"/>
+              </a:ext>
+            </a:extLst>
+          </p:cNvPr>
+          <p:cNvSpPr>
+            <a:spLocks noGrp="1"/>
+          </p:cNvSpPr>
+          <p:nvPr>
+            <p:ph type="dt" sz="half" idx="10"/>
+          </p:nvPr>
+        </p:nvSpPr>
+        <p:spPr/>
+        <p:txBody>
+          <a:bodyPr/>
+          <a:lstStyle/>
+          <a:p>
+            <a:fld id="{5816D8F1-3E92-45E9-82E1-886063832025}" type="datetime1">
+              <a:rPr lang="de-AT" smtClean="0"/>
+              <a:t>13.01.2018</a:t>
+            </a:fld>
+            <a:endParaRPr lang="de-DE"/>
+          </a:p>
+        </p:txBody>
+      </p:sp>
+      <p:sp>
+        <p:nvSpPr>
+          <p:cNvPr id="5" name="Fußzeilenplatzhalter 4">
+            <a:extLst>
+              <a:ext uri="{FF2B5EF4-FFF2-40B4-BE49-F238E27FC236}">
+                <a16:creationId xmlns:a16="http://schemas.microsoft.com/office/drawing/2014/main" id="{091E7BE3-E85C-4B3A-ACE2-4FE255BF93A7}"/>
+              </a:ext>
+            </a:extLst>
+          </p:cNvPr>
+          <p:cNvSpPr>
+            <a:spLocks noGrp="1"/>
+          </p:cNvSpPr>
+          <p:nvPr>
+            <p:ph type="ftr" sz="quarter" idx="11"/>
+          </p:nvPr>
+        </p:nvSpPr>
+        <p:spPr/>
+        <p:txBody>
+          <a:bodyPr/>
+          <a:lstStyle/>
+          <a:p>
+            <a:r>
+              <a:rPr lang="en-US"/>
+              <a:t>FH Wels, AT-Master / INIF, ITS3ILV</a:t>
+            </a:r>
+            <a:endParaRPr lang="de-DE" dirty="0"/>
+          </a:p>
+        </p:txBody>
+      </p:sp>
+      <p:sp>
+        <p:nvSpPr>
+          <p:cNvPr id="6" name="Foliennummernplatzhalter 5">
+            <a:extLst>
+              <a:ext uri="{FF2B5EF4-FFF2-40B4-BE49-F238E27FC236}">
+                <a16:creationId xmlns:a16="http://schemas.microsoft.com/office/drawing/2014/main" id="{DB2DF19C-DDD2-4C0B-91BE-B10D24977237}"/>
+              </a:ext>
+            </a:extLst>
+          </p:cNvPr>
+          <p:cNvSpPr>
+            <a:spLocks noGrp="1"/>
+          </p:cNvSpPr>
+          <p:nvPr>
+            <p:ph type="sldNum" sz="quarter" idx="12"/>
+          </p:nvPr>
+        </p:nvSpPr>
+        <p:spPr/>
+        <p:txBody>
+          <a:bodyPr/>
+          <a:lstStyle/>
+          <a:p>
+            <a:fld id="{42430F15-44E3-4E69-A3DD-479649D4CC4A}" type="slidenum">
+              <a:rPr lang="de-DE" smtClean="0"/>
+              <a:t>15</a:t>
+            </a:fld>
+            <a:endParaRPr lang="de-DE"/>
+          </a:p>
+        </p:txBody>
+      </p:sp>
+      <p:sp>
+        <p:nvSpPr>
+          <p:cNvPr id="7" name="Textplatzhalter 6">
+            <a:extLst>
+              <a:ext uri="{FF2B5EF4-FFF2-40B4-BE49-F238E27FC236}">
+                <a16:creationId xmlns:a16="http://schemas.microsoft.com/office/drawing/2014/main" id="{CCF344C4-8807-494D-959A-47F99CF5BDDC}"/>
+              </a:ext>
+            </a:extLst>
+          </p:cNvPr>
+          <p:cNvSpPr>
+            <a:spLocks noGrp="1"/>
+          </p:cNvSpPr>
+          <p:nvPr>
+            <p:ph type="body" sz="quarter" idx="13"/>
+          </p:nvPr>
+        </p:nvSpPr>
+        <p:spPr/>
+        <p:txBody>
+          <a:bodyPr/>
+          <a:lstStyle/>
+          <a:p>
+            <a:r>
+              <a:rPr lang="de-DE" dirty="0">
+                <a:solidFill>
+                  <a:schemeClr val="bg1">
+                    <a:lumMod val="50000"/>
+                  </a:schemeClr>
+                </a:solidFill>
+              </a:rPr>
+              <a:t>● </a:t>
+            </a:r>
+            <a:r>
+              <a:rPr lang="de-DE" dirty="0" err="1">
+                <a:solidFill>
+                  <a:schemeClr val="bg1">
+                    <a:lumMod val="50000"/>
+                  </a:schemeClr>
+                </a:solidFill>
+              </a:rPr>
+              <a:t>Blockchain</a:t>
+            </a:r>
+            <a:r>
+              <a:rPr lang="de-DE" dirty="0">
+                <a:solidFill>
+                  <a:schemeClr val="bg1">
+                    <a:lumMod val="75000"/>
+                  </a:schemeClr>
+                </a:solidFill>
+              </a:rPr>
+              <a:t> </a:t>
+            </a:r>
+            <a:r>
+              <a:rPr lang="de-DE" dirty="0">
+                <a:solidFill>
+                  <a:schemeClr val="bg1">
+                    <a:lumMod val="50000"/>
+                  </a:schemeClr>
+                </a:solidFill>
+              </a:rPr>
+              <a:t>● Kryptowährung</a:t>
+            </a:r>
+            <a:r>
+              <a:rPr lang="de-DE" dirty="0">
+                <a:solidFill>
+                  <a:schemeClr val="bg1">
+                    <a:lumMod val="75000"/>
+                  </a:schemeClr>
+                </a:solidFill>
+              </a:rPr>
+              <a:t> </a:t>
+            </a:r>
+            <a:r>
+              <a:rPr lang="de-DE" b="1" dirty="0">
+                <a:solidFill>
+                  <a:srgbClr val="FF0000"/>
+                </a:solidFill>
+              </a:rPr>
+              <a:t>● </a:t>
+            </a:r>
+            <a:r>
+              <a:rPr lang="de-DE" b="1" dirty="0" err="1">
+                <a:solidFill>
+                  <a:schemeClr val="tx1"/>
+                </a:solidFill>
+              </a:rPr>
+              <a:t>Cardano</a:t>
+            </a:r>
+            <a:r>
+              <a:rPr lang="de-DE" b="1" dirty="0"/>
+              <a:t> </a:t>
+            </a:r>
+            <a:endParaRPr lang="de-DE" b="1" dirty="0">
+              <a:solidFill>
+                <a:schemeClr val="tx1"/>
+              </a:solidFill>
+            </a:endParaRPr>
+          </a:p>
+        </p:txBody>
+      </p:sp>
+    </p:spTree>
+    <p:extLst>
+      <p:ext uri="{BB962C8B-B14F-4D97-AF65-F5344CB8AC3E}">
+        <p14:creationId xmlns:p14="http://schemas.microsoft.com/office/powerpoint/2010/main" val="3046723654"/>
+      </p:ext>
+    </p:extLst>
+  </p:cSld>
+  <p:clrMapOvr>
+    <a:masterClrMapping/>
+  </p:clrMapOvr>
+</p:sld>
+</file>
+
+<file path=ppt/slides/slide16.xml><?xml version="1.0" encoding="utf-8"?>
+<p:sld xmlns:a="http://schemas.openxmlformats.org/drawingml/2006/main" xmlns:r="http://schemas.openxmlformats.org/officeDocument/2006/relationships" xmlns:p="http://schemas.openxmlformats.org/presentationml/2006/main">
+  <p:cSld>
+    <p:spTree>
+      <p:nvGrpSpPr>
+        <p:cNvPr id="1" name=""/>
+        <p:cNvGrpSpPr/>
+        <p:nvPr/>
+      </p:nvGrpSpPr>
+      <p:grpSpPr>
+        <a:xfrm>
+          <a:off x="0" y="0"/>
+          <a:ext cx="0" cy="0"/>
+          <a:chOff x="0" y="0"/>
+          <a:chExt cx="0" cy="0"/>
+        </a:xfrm>
+      </p:grpSpPr>
+      <p:sp>
+        <p:nvSpPr>
+          <p:cNvPr id="2" name="Titel 1">
+            <a:extLst>
+              <a:ext uri="{FF2B5EF4-FFF2-40B4-BE49-F238E27FC236}">
                 <a16:creationId xmlns:a16="http://schemas.microsoft.com/office/drawing/2014/main" id="{50CBA54E-DED9-4D29-A44C-A5A570E93AE3}"/>
               </a:ext>
             </a:extLst>
@@ -4585,7 +6117,7 @@
           <a:p>
             <a:r>
               <a:rPr lang="de-DE" dirty="0"/>
-              <a:t>Videos</a:t>
+              <a:t>Referenzen</a:t>
             </a:r>
           </a:p>
         </p:txBody>
@@ -4619,7 +6151,7 @@
               <a:rPr lang="de-DE" dirty="0">
                 <a:hlinkClick r:id="rId2"/>
               </a:rPr>
-              <a:t>https://www.youtube.com/watch?v=m13mEw96nP8</a:t>
+              <a:t>https://www.crypto-news.net/</a:t>
             </a:r>
             <a:endParaRPr lang="de-DE" dirty="0"/>
           </a:p>
@@ -4632,7 +6164,7 @@
               <a:rPr lang="de-DE" dirty="0">
                 <a:hlinkClick r:id="rId3"/>
               </a:rPr>
-              <a:t>https://www.youtube.com/watch?v=2LFENhIwSvI</a:t>
+              <a:t>https://www.blockchain.info/</a:t>
             </a:r>
             <a:endParaRPr lang="de-DE" dirty="0"/>
           </a:p>
@@ -4645,8 +6177,77 @@
               <a:rPr lang="de-DE" dirty="0">
                 <a:hlinkClick r:id="rId4"/>
               </a:rPr>
-              <a:t>https://www.youtube.com/watch?v=SSo_EIwHSd4</a:t>
-            </a:r>
+              <a:t>https://de.wikipedia.org/wiki/Blockchain</a:t>
+            </a:r>
+            <a:endParaRPr lang="de-DE" dirty="0"/>
+          </a:p>
+          <a:p>
+            <a:pPr marL="514350" indent="-514350">
+              <a:buFont typeface="+mj-lt"/>
+              <a:buAutoNum type="arabicParenBoth"/>
+            </a:pPr>
+            <a:r>
+              <a:rPr lang="de-DE" dirty="0">
+                <a:hlinkClick r:id="rId5"/>
+              </a:rPr>
+              <a:t>https://futurezone.at/digital-life/was-ist-eigentlich-diese-blockchain/270.616.934</a:t>
+            </a:r>
+            <a:endParaRPr lang="de-DE" dirty="0"/>
+          </a:p>
+          <a:p>
+            <a:pPr marL="514350" indent="-514350">
+              <a:buFont typeface="+mj-lt"/>
+              <a:buAutoNum type="arabicParenBoth"/>
+            </a:pPr>
+            <a:r>
+              <a:rPr lang="de-DE" dirty="0">
+                <a:hlinkClick r:id="rId6"/>
+              </a:rPr>
+              <a:t>https://blockchainbasics.ch</a:t>
+            </a:r>
+            <a:endParaRPr lang="de-DE" dirty="0"/>
+          </a:p>
+          <a:p>
+            <a:pPr marL="514350" indent="-514350">
+              <a:buFont typeface="+mj-lt"/>
+              <a:buAutoNum type="arabicParenBoth"/>
+            </a:pPr>
+            <a:r>
+              <a:rPr lang="de-DE" dirty="0">
+                <a:hlinkClick r:id="rId7"/>
+              </a:rPr>
+              <a:t>https://anders.com/blockchain/</a:t>
+            </a:r>
+            <a:endParaRPr lang="de-DE" dirty="0"/>
+          </a:p>
+          <a:p>
+            <a:pPr marL="514350" indent="-514350">
+              <a:buFont typeface="+mj-lt"/>
+              <a:buAutoNum type="arabicParenBoth"/>
+            </a:pPr>
+            <a:r>
+              <a:rPr lang="de-DE" dirty="0"/>
+              <a:t>https://coinmarketcap.com/coins/</a:t>
+            </a:r>
+          </a:p>
+          <a:p>
+            <a:pPr marL="0" indent="0">
+              <a:buNone/>
+            </a:pPr>
+            <a:endParaRPr lang="de-DE" dirty="0"/>
+          </a:p>
+          <a:p>
+            <a:pPr marL="514350" indent="-514350">
+              <a:buFont typeface="+mj-lt"/>
+              <a:buAutoNum type="arabicParenBoth"/>
+            </a:pPr>
+            <a:endParaRPr lang="de-DE" dirty="0"/>
+          </a:p>
+          <a:p>
+            <a:pPr marL="514350" indent="-514350">
+              <a:buFont typeface="+mj-lt"/>
+              <a:buAutoNum type="arabicParenBoth"/>
+            </a:pPr>
             <a:endParaRPr lang="de-DE" dirty="0"/>
           </a:p>
         </p:txBody>
@@ -4732,7 +6333,277 @@
           <a:p>
             <a:fld id="{42430F15-44E3-4E69-A3DD-479649D4CC4A}" type="slidenum">
               <a:rPr lang="de-DE" smtClean="0"/>
-              <a:t>11</a:t>
+              <a:t>16</a:t>
+            </a:fld>
+            <a:endParaRPr lang="de-DE"/>
+          </a:p>
+        </p:txBody>
+      </p:sp>
+      <p:sp>
+        <p:nvSpPr>
+          <p:cNvPr id="7" name="Textplatzhalter 6">
+            <a:extLst>
+              <a:ext uri="{FF2B5EF4-FFF2-40B4-BE49-F238E27FC236}">
+                <a16:creationId xmlns:a16="http://schemas.microsoft.com/office/drawing/2014/main" id="{C65BE144-5082-408A-8A73-D8CB72E2CDB4}"/>
+              </a:ext>
+            </a:extLst>
+          </p:cNvPr>
+          <p:cNvSpPr>
+            <a:spLocks noGrp="1"/>
+          </p:cNvSpPr>
+          <p:nvPr>
+            <p:ph type="body" sz="quarter" idx="13"/>
+          </p:nvPr>
+        </p:nvSpPr>
+        <p:spPr/>
+        <p:txBody>
+          <a:bodyPr/>
+          <a:lstStyle/>
+          <a:p>
+            <a:r>
+              <a:rPr lang="de-DE" dirty="0">
+                <a:solidFill>
+                  <a:schemeClr val="bg1">
+                    <a:lumMod val="50000"/>
+                  </a:schemeClr>
+                </a:solidFill>
+              </a:rPr>
+              <a:t>● Blockchain</a:t>
+            </a:r>
+            <a:r>
+              <a:rPr lang="de-DE" dirty="0">
+                <a:solidFill>
+                  <a:schemeClr val="bg1">
+                    <a:lumMod val="75000"/>
+                  </a:schemeClr>
+                </a:solidFill>
+              </a:rPr>
+              <a:t> </a:t>
+            </a:r>
+            <a:r>
+              <a:rPr lang="de-DE" b="1" dirty="0">
+                <a:solidFill>
+                  <a:srgbClr val="FF0000"/>
+                </a:solidFill>
+              </a:rPr>
+              <a:t>●</a:t>
+            </a:r>
+            <a:r>
+              <a:rPr lang="de-DE" b="1" dirty="0"/>
+              <a:t> </a:t>
+            </a:r>
+            <a:r>
+              <a:rPr lang="de-DE" b="1" dirty="0">
+                <a:solidFill>
+                  <a:schemeClr val="tx1"/>
+                </a:solidFill>
+              </a:rPr>
+              <a:t>Anhang</a:t>
+            </a:r>
+          </a:p>
+        </p:txBody>
+      </p:sp>
+    </p:spTree>
+    <p:extLst>
+      <p:ext uri="{BB962C8B-B14F-4D97-AF65-F5344CB8AC3E}">
+        <p14:creationId xmlns:p14="http://schemas.microsoft.com/office/powerpoint/2010/main" val="59292147"/>
+      </p:ext>
+    </p:extLst>
+  </p:cSld>
+  <p:clrMapOvr>
+    <a:masterClrMapping/>
+  </p:clrMapOvr>
+</p:sld>
+</file>
+
+<file path=ppt/slides/slide17.xml><?xml version="1.0" encoding="utf-8"?>
+<p:sld xmlns:a="http://schemas.openxmlformats.org/drawingml/2006/main" xmlns:r="http://schemas.openxmlformats.org/officeDocument/2006/relationships" xmlns:p="http://schemas.openxmlformats.org/presentationml/2006/main">
+  <p:cSld>
+    <p:spTree>
+      <p:nvGrpSpPr>
+        <p:cNvPr id="1" name=""/>
+        <p:cNvGrpSpPr/>
+        <p:nvPr/>
+      </p:nvGrpSpPr>
+      <p:grpSpPr>
+        <a:xfrm>
+          <a:off x="0" y="0"/>
+          <a:ext cx="0" cy="0"/>
+          <a:chOff x="0" y="0"/>
+          <a:chExt cx="0" cy="0"/>
+        </a:xfrm>
+      </p:grpSpPr>
+      <p:sp>
+        <p:nvSpPr>
+          <p:cNvPr id="2" name="Titel 1">
+            <a:extLst>
+              <a:ext uri="{FF2B5EF4-FFF2-40B4-BE49-F238E27FC236}">
+                <a16:creationId xmlns:a16="http://schemas.microsoft.com/office/drawing/2014/main" id="{50CBA54E-DED9-4D29-A44C-A5A570E93AE3}"/>
+              </a:ext>
+            </a:extLst>
+          </p:cNvPr>
+          <p:cNvSpPr>
+            <a:spLocks noGrp="1"/>
+          </p:cNvSpPr>
+          <p:nvPr>
+            <p:ph type="title"/>
+          </p:nvPr>
+        </p:nvSpPr>
+        <p:spPr/>
+        <p:txBody>
+          <a:bodyPr/>
+          <a:lstStyle/>
+          <a:p>
+            <a:r>
+              <a:rPr lang="de-DE" dirty="0"/>
+              <a:t>Videos</a:t>
+            </a:r>
+          </a:p>
+        </p:txBody>
+      </p:sp>
+      <p:sp>
+        <p:nvSpPr>
+          <p:cNvPr id="3" name="Inhaltsplatzhalter 2">
+            <a:extLst>
+              <a:ext uri="{FF2B5EF4-FFF2-40B4-BE49-F238E27FC236}">
+                <a16:creationId xmlns:a16="http://schemas.microsoft.com/office/drawing/2014/main" id="{34E55CDD-90F1-427C-A3F9-C9737EB67604}"/>
+              </a:ext>
+            </a:extLst>
+          </p:cNvPr>
+          <p:cNvSpPr>
+            <a:spLocks noGrp="1"/>
+          </p:cNvSpPr>
+          <p:nvPr>
+            <p:ph idx="1"/>
+          </p:nvPr>
+        </p:nvSpPr>
+        <p:spPr/>
+        <p:txBody>
+          <a:bodyPr/>
+          <a:lstStyle/>
+          <a:p>
+            <a:pPr marL="514350" indent="-514350">
+              <a:buFont typeface="+mj-lt"/>
+              <a:buAutoNum type="arabicParenBoth"/>
+            </a:pPr>
+            <a:r>
+              <a:rPr lang="de-DE" dirty="0">
+                <a:hlinkClick r:id="rId2"/>
+              </a:rPr>
+              <a:t>https://www.youtube.com/watch?v=m13mEw96nP8</a:t>
+            </a:r>
+            <a:endParaRPr lang="de-DE" dirty="0"/>
+          </a:p>
+          <a:p>
+            <a:pPr marL="514350" indent="-514350">
+              <a:buFont typeface="+mj-lt"/>
+              <a:buAutoNum type="arabicParenBoth"/>
+            </a:pPr>
+            <a:r>
+              <a:rPr lang="de-DE" dirty="0">
+                <a:hlinkClick r:id="rId3"/>
+              </a:rPr>
+              <a:t>https://www.youtube.com/watch?v=2LFENhIwSvI</a:t>
+            </a:r>
+            <a:endParaRPr lang="de-DE" dirty="0"/>
+          </a:p>
+          <a:p>
+            <a:pPr marL="514350" indent="-514350">
+              <a:buFont typeface="+mj-lt"/>
+              <a:buAutoNum type="arabicParenBoth"/>
+            </a:pPr>
+            <a:r>
+              <a:rPr lang="de-DE" dirty="0">
+                <a:hlinkClick r:id="rId4"/>
+              </a:rPr>
+              <a:t>https://www.youtube.com/watch?v=SSo_EIwHSd4</a:t>
+            </a:r>
+            <a:endParaRPr lang="de-DE" dirty="0"/>
+          </a:p>
+        </p:txBody>
+      </p:sp>
+      <p:sp>
+        <p:nvSpPr>
+          <p:cNvPr id="4" name="Datumsplatzhalter 3">
+            <a:extLst>
+              <a:ext uri="{FF2B5EF4-FFF2-40B4-BE49-F238E27FC236}">
+                <a16:creationId xmlns:a16="http://schemas.microsoft.com/office/drawing/2014/main" id="{E0E16EF7-1D4A-4E8B-AD29-44E5511F3B9C}"/>
+              </a:ext>
+            </a:extLst>
+          </p:cNvPr>
+          <p:cNvSpPr>
+            <a:spLocks noGrp="1"/>
+          </p:cNvSpPr>
+          <p:nvPr>
+            <p:ph type="dt" sz="half" idx="10"/>
+          </p:nvPr>
+        </p:nvSpPr>
+        <p:spPr/>
+        <p:txBody>
+          <a:bodyPr/>
+          <a:lstStyle/>
+          <a:p>
+            <a:fld id="{5816D8F1-3E92-45E9-82E1-886063832025}" type="datetime1">
+              <a:rPr lang="de-AT" smtClean="0"/>
+              <a:t>13.01.2018</a:t>
+            </a:fld>
+            <a:endParaRPr lang="de-DE"/>
+          </a:p>
+        </p:txBody>
+      </p:sp>
+      <p:sp>
+        <p:nvSpPr>
+          <p:cNvPr id="5" name="Fußzeilenplatzhalter 4">
+            <a:extLst>
+              <a:ext uri="{FF2B5EF4-FFF2-40B4-BE49-F238E27FC236}">
+                <a16:creationId xmlns:a16="http://schemas.microsoft.com/office/drawing/2014/main" id="{F6721E1B-6D87-4CA6-A0B2-C17E9BC0E1A2}"/>
+              </a:ext>
+            </a:extLst>
+          </p:cNvPr>
+          <p:cNvSpPr>
+            <a:spLocks noGrp="1"/>
+          </p:cNvSpPr>
+          <p:nvPr>
+            <p:ph type="ftr" sz="quarter" idx="11"/>
+          </p:nvPr>
+        </p:nvSpPr>
+        <p:spPr/>
+        <p:txBody>
+          <a:bodyPr/>
+          <a:lstStyle/>
+          <a:p>
+            <a:r>
+              <a:rPr lang="en-US"/>
+              <a:t>FH Wels, AT-Master / INIF, ITS3ILV</a:t>
+            </a:r>
+            <a:endParaRPr lang="de-DE" dirty="0"/>
+          </a:p>
+        </p:txBody>
+      </p:sp>
+      <p:sp>
+        <p:nvSpPr>
+          <p:cNvPr id="6" name="Foliennummernplatzhalter 5">
+            <a:extLst>
+              <a:ext uri="{FF2B5EF4-FFF2-40B4-BE49-F238E27FC236}">
+                <a16:creationId xmlns:a16="http://schemas.microsoft.com/office/drawing/2014/main" id="{248194F9-2754-4427-AB7A-D818D4296943}"/>
+              </a:ext>
+            </a:extLst>
+          </p:cNvPr>
+          <p:cNvSpPr>
+            <a:spLocks noGrp="1"/>
+          </p:cNvSpPr>
+          <p:nvPr>
+            <p:ph type="sldNum" sz="quarter" idx="12"/>
+          </p:nvPr>
+        </p:nvSpPr>
+        <p:spPr/>
+        <p:txBody>
+          <a:bodyPr/>
+          <a:lstStyle/>
+          <a:p>
+            <a:fld id="{42430F15-44E3-4E69-A3DD-479649D4CC4A}" type="slidenum">
+              <a:rPr lang="de-DE" smtClean="0"/>
+              <a:t>17</a:t>
             </a:fld>
             <a:endParaRPr lang="de-DE"/>
           </a:p>
@@ -5072,26 +6943,11 @@
           <a:bodyPr/>
           <a:lstStyle/>
           <a:p>
-            <a:r>
-              <a:rPr lang="de-DE" b="1" dirty="0">
-                <a:solidFill>
-                  <a:srgbClr val="FF0000"/>
-                </a:solidFill>
-              </a:rPr>
-              <a:t>●</a:t>
-            </a:r>
-            <a:r>
-              <a:rPr lang="de-DE" b="1" dirty="0"/>
-              <a:t> </a:t>
-            </a:r>
-            <a:r>
-              <a:rPr lang="de-DE" b="1" dirty="0">
-                <a:solidFill>
-                  <a:schemeClr val="tx1"/>
-                </a:solidFill>
-              </a:rPr>
-              <a:t>Blockchain</a:t>
-            </a:r>
+            <a:endParaRPr lang="de-DE" b="1" dirty="0">
+              <a:solidFill>
+                <a:schemeClr val="tx1"/>
+              </a:solidFill>
+            </a:endParaRPr>
           </a:p>
         </p:txBody>
       </p:sp>
@@ -5180,8 +7036,12 @@
               </a:lnSpc>
             </a:pPr>
             <a:r>
+              <a:rPr lang="de-DE" dirty="0" err="1"/>
+              <a:t>Blockchain</a:t>
+            </a:r>
+            <a:r>
               <a:rPr lang="de-DE" dirty="0"/>
-              <a:t>Blockchain ≠ Kryptografisches Verfahren</a:t>
+              <a:t> = Kryptografisches Verfahren</a:t>
             </a:r>
           </a:p>
           <a:p>
@@ -5203,22 +7063,22 @@
               <a:buNone/>
             </a:pPr>
             <a:r>
-              <a:rPr lang="de-DE"/>
+              <a:rPr lang="de-DE" dirty="0"/>
               <a:t>	</a:t>
             </a:r>
             <a:r>
-              <a:rPr lang="de-DE">
+              <a:rPr lang="de-DE" dirty="0">
                 <a:sym typeface="Wingdings" panose="05000000000000000000" pitchFamily="2" charset="2"/>
               </a:rPr>
               <a:t></a:t>
             </a:r>
             <a:r>
-              <a:rPr lang="de-DE"/>
-              <a:t>Blockchain </a:t>
+              <a:rPr lang="de-DE" dirty="0" err="1"/>
+              <a:t>Blockchain</a:t>
             </a:r>
             <a:r>
               <a:rPr lang="de-DE" dirty="0"/>
-              <a:t>ist eine „Distributed Ledger“ Technologie</a:t>
+              <a:t> ist eine „Distributed Ledger“ Technologie</a:t>
             </a:r>
           </a:p>
           <a:p>
@@ -5250,8 +7110,12 @@
               </a:lnSpc>
             </a:pPr>
             <a:r>
+              <a:rPr lang="de-DE" dirty="0" err="1"/>
+              <a:t>Blockchain</a:t>
+            </a:r>
+            <a:r>
               <a:rPr lang="de-DE" dirty="0"/>
-              <a:t>Blockchain ≠ </a:t>
+              <a:t> = </a:t>
             </a:r>
             <a:r>
               <a:rPr lang="de-DE" dirty="0" err="1"/>
@@ -9759,7 +11623,7 @@
             </a:pPr>
             <a:r>
               <a:rPr lang="de-DE" sz="2000" dirty="0"/>
-              <a:t>Kein Betrug mehr möglich (praktisch)</a:t>
+              <a:t>(praktisch) Kein Betrug mehr möglich</a:t>
             </a:r>
           </a:p>
           <a:p>
@@ -9854,7 +11718,7 @@
             </a:pPr>
             <a:r>
               <a:rPr lang="de-DE" sz="2000" dirty="0"/>
-              <a:t>Kein Verschlüsselung der Daten</a:t>
+              <a:t>Keine Verschlüsselung der Daten</a:t>
             </a:r>
             <a:br>
               <a:rPr lang="de-DE" sz="2000" dirty="0"/>
@@ -10667,23 +12531,7 @@
             </a:pPr>
             <a:r>
               <a:rPr lang="de-DE" dirty="0"/>
-              <a:t>würde </a:t>
-            </a:r>
-            <a:r>
-              <a:rPr lang="de-DE" dirty="0" err="1"/>
-              <a:t>Crowdffunding</a:t>
-            </a:r>
-            <a:r>
-              <a:rPr lang="de-DE" dirty="0"/>
-              <a:t> </a:t>
-            </a:r>
-            <a:r>
-              <a:rPr lang="de-DE" dirty="0" err="1"/>
-              <a:t>Platformen</a:t>
-            </a:r>
-            <a:r>
-              <a:rPr lang="de-DE" dirty="0"/>
-              <a:t> ersetzen</a:t>
+              <a:t>würde Crowdfunding Plattformen ersetzen</a:t>
             </a:r>
           </a:p>
           <a:p>

--- a/Präsentation/Blockchain – Technologie.pptx
+++ b/Präsentation/Blockchain – Technologie.pptx
@@ -265,7 +265,7 @@
           <a:p>
             <a:fld id="{C922F1C0-284A-44BB-BCF8-D8335E765857}" type="datetimeFigureOut">
               <a:rPr lang="de-DE" smtClean="0"/>
-              <a:t>13.01.2018</a:t>
+              <a:t>14.01.2018</a:t>
             </a:fld>
             <a:endParaRPr lang="de-DE"/>
           </a:p>
@@ -1002,7 +1002,7 @@
           <a:p>
             <a:fld id="{315E8A2F-5ED5-4549-BFB9-2BC329A69573}" type="datetime1">
               <a:rPr lang="de-AT" smtClean="0"/>
-              <a:t>13.01.2018</a:t>
+              <a:t>14.01.2018</a:t>
             </a:fld>
             <a:endParaRPr lang="de-DE"/>
           </a:p>
@@ -1176,7 +1176,7 @@
           <a:p>
             <a:fld id="{4E2DB17D-E469-4C49-AC3D-9CC6590B13DB}" type="datetime1">
               <a:rPr lang="de-AT" smtClean="0"/>
-              <a:t>13.01.2018</a:t>
+              <a:t>14.01.2018</a:t>
             </a:fld>
             <a:endParaRPr lang="de-DE"/>
           </a:p>
@@ -1410,7 +1410,7 @@
           <a:p>
             <a:fld id="{16948907-F387-4846-976A-483992721A9E}" type="datetime1">
               <a:rPr lang="de-AT" smtClean="0"/>
-              <a:t>13.01.2018</a:t>
+              <a:t>14.01.2018</a:t>
             </a:fld>
             <a:endParaRPr lang="de-DE"/>
           </a:p>
@@ -1619,7 +1619,7 @@
           <a:p>
             <a:fld id="{5816D8F1-3E92-45E9-82E1-886063832025}" type="datetime1">
               <a:rPr lang="de-AT" smtClean="0"/>
-              <a:t>13.01.2018</a:t>
+              <a:t>14.01.2018</a:t>
             </a:fld>
             <a:endParaRPr lang="de-DE"/>
           </a:p>
@@ -1919,7 +1919,7 @@
           <a:p>
             <a:fld id="{5CB4BD73-D578-4E9A-B2A7-9790786CF1B1}" type="datetime1">
               <a:rPr lang="de-AT" smtClean="0"/>
-              <a:t>13.01.2018</a:t>
+              <a:t>14.01.2018</a:t>
             </a:fld>
             <a:endParaRPr lang="de-DE"/>
           </a:p>
@@ -2155,7 +2155,7 @@
           <a:p>
             <a:fld id="{BA329A1D-E821-4279-BAFF-66EE62667191}" type="datetime1">
               <a:rPr lang="de-AT" smtClean="0"/>
-              <a:t>13.01.2018</a:t>
+              <a:t>14.01.2018</a:t>
             </a:fld>
             <a:endParaRPr lang="de-DE"/>
           </a:p>
@@ -2576,7 +2576,7 @@
           <a:p>
             <a:fld id="{1206C1CA-37BC-4152-B5C9-571384507DE7}" type="datetime1">
               <a:rPr lang="de-AT" smtClean="0"/>
-              <a:t>13.01.2018</a:t>
+              <a:t>14.01.2018</a:t>
             </a:fld>
             <a:endParaRPr lang="de-DE"/>
           </a:p>
@@ -2748,7 +2748,7 @@
           <a:p>
             <a:fld id="{BD3A2570-EF93-400E-BDF3-A18DF7DC9D38}" type="datetime1">
               <a:rPr lang="de-AT" smtClean="0"/>
-              <a:t>13.01.2018</a:t>
+              <a:t>14.01.2018</a:t>
             </a:fld>
             <a:endParaRPr lang="de-DE"/>
           </a:p>
@@ -2897,7 +2897,7 @@
           <a:p>
             <a:fld id="{D23263EF-E046-4C90-AA81-BD594F0F691A}" type="datetime1">
               <a:rPr lang="de-AT" smtClean="0"/>
-              <a:t>13.01.2018</a:t>
+              <a:t>14.01.2018</a:t>
             </a:fld>
             <a:endParaRPr lang="de-DE"/>
           </a:p>
@@ -3178,7 +3178,7 @@
           <a:p>
             <a:fld id="{AB483CCF-C2A3-43CA-85B9-625065A0A80B}" type="datetime1">
               <a:rPr lang="de-AT" smtClean="0"/>
-              <a:t>13.01.2018</a:t>
+              <a:t>14.01.2018</a:t>
             </a:fld>
             <a:endParaRPr lang="de-DE"/>
           </a:p>
@@ -3439,7 +3439,7 @@
           <a:p>
             <a:fld id="{532053B8-1FD2-4745-BAA5-FD0851A3DCDD}" type="datetime1">
               <a:rPr lang="de-AT" smtClean="0"/>
-              <a:t>13.01.2018</a:t>
+              <a:t>14.01.2018</a:t>
             </a:fld>
             <a:endParaRPr lang="de-DE"/>
           </a:p>
@@ -3666,7 +3666,7 @@
           <a:p>
             <a:fld id="{2AA8B81B-DC2D-46D5-A4FD-63984947327E}" type="datetime1">
               <a:rPr lang="de-AT" smtClean="0"/>
-              <a:t>13.01.2018</a:t>
+              <a:t>14.01.2018</a:t>
             </a:fld>
             <a:endParaRPr lang="de-DE" dirty="0"/>
           </a:p>
@@ -4236,7 +4236,7 @@
           <a:p>
             <a:fld id="{5816D8F1-3E92-45E9-82E1-886063832025}" type="datetime1">
               <a:rPr lang="de-AT" smtClean="0"/>
-              <a:t>13.01.2018</a:t>
+              <a:t>14.01.2018</a:t>
             </a:fld>
             <a:endParaRPr lang="de-DE"/>
           </a:p>
@@ -4408,7 +4408,7 @@
             </a:pPr>
             <a:r>
               <a:rPr lang="de-DE" sz="2000" dirty="0"/>
-              <a:t>Nur Internet für Zugriff notwendig um an sein Guthaben zu kommen (weltweit)</a:t>
+              <a:t>Nur Internetzugriff notwendig um an sein Guthaben zu kommen (weltweit)</a:t>
             </a:r>
           </a:p>
           <a:p>
@@ -4436,7 +4436,7 @@
             </a:pPr>
             <a:r>
               <a:rPr lang="de-DE" sz="2000" dirty="0"/>
-              <a:t>Keine zusätzlichen Kosten („Kontoführung“)</a:t>
+              <a:t>Keine zusätzlichen Kosten (Kontoführung)</a:t>
             </a:r>
           </a:p>
           <a:p>
@@ -4480,7 +4480,7 @@
             </a:pPr>
             <a:r>
               <a:rPr lang="de-DE" sz="2000" dirty="0"/>
-              <a:t>Privatsphäre</a:t>
+              <a:t>Anonymität</a:t>
             </a:r>
           </a:p>
         </p:txBody>
@@ -4544,7 +4544,35 @@
             </a:pPr>
             <a:r>
               <a:rPr lang="de-DE" sz="2000" dirty="0"/>
-              <a:t>„Eine Währung ist nur eine Währung, wenn sie währt“</a:t>
+              <a:t>„Eine Währung ist nur eine Währung, wenn sie währt“ (Handelsware, Tulpenzwiebel)</a:t>
+            </a:r>
+          </a:p>
+          <a:p>
+            <a:pPr lvl="1">
+              <a:lnSpc>
+                <a:spcPct val="100000"/>
+              </a:lnSpc>
+              <a:spcBef>
+                <a:spcPts val="1200"/>
+              </a:spcBef>
+            </a:pPr>
+            <a:r>
+              <a:rPr lang="de-DE" sz="2000" dirty="0"/>
+              <a:t>Stark schwankender Wechselkurs</a:t>
+            </a:r>
+          </a:p>
+          <a:p>
+            <a:pPr lvl="1">
+              <a:lnSpc>
+                <a:spcPct val="100000"/>
+              </a:lnSpc>
+              <a:spcBef>
+                <a:spcPts val="1200"/>
+              </a:spcBef>
+            </a:pPr>
+            <a:r>
+              <a:rPr lang="de-DE" sz="2000" dirty="0"/>
+              <a:t>Noch nicht überall und vor allem nur wenige akzeptiert</a:t>
             </a:r>
           </a:p>
           <a:p>
@@ -4576,7 +4604,7 @@
           <a:p>
             <a:fld id="{5816D8F1-3E92-45E9-82E1-886063832025}" type="datetime1">
               <a:rPr lang="de-AT" smtClean="0"/>
-              <a:t>13.01.2018</a:t>
+              <a:t>14.01.2018</a:t>
             </a:fld>
             <a:endParaRPr lang="de-DE"/>
           </a:p>
@@ -4784,12 +4812,49 @@
           <a:lstStyle/>
           <a:p>
             <a:r>
+              <a:rPr lang="de-AT" dirty="0"/>
+              <a:t>Seit </a:t>
+            </a:r>
+            <a:r>
+              <a:rPr lang="de-AT" b="1" dirty="0"/>
+              <a:t>2009</a:t>
+            </a:r>
+          </a:p>
+          <a:p>
+            <a:r>
               <a:rPr lang="de-AT" dirty="0" err="1"/>
               <a:t>Blockchain</a:t>
             </a:r>
             <a:r>
               <a:rPr lang="de-AT" dirty="0"/>
               <a:t>: 150 GB</a:t>
+            </a:r>
+          </a:p>
+          <a:p>
+            <a:r>
+              <a:rPr lang="de-AT" dirty="0"/>
+              <a:t>Blocksize: 1 MB</a:t>
+            </a:r>
+          </a:p>
+          <a:p>
+            <a:r>
+              <a:rPr lang="de-AT" dirty="0" err="1"/>
+              <a:t>proof-of-work</a:t>
+            </a:r>
+            <a:endParaRPr lang="de-AT" dirty="0"/>
+          </a:p>
+          <a:p>
+            <a:r>
+              <a:rPr lang="de-AT" dirty="0"/>
+              <a:t>Schwierigkeit des </a:t>
+            </a:r>
+            <a:r>
+              <a:rPr lang="de-AT" dirty="0" err="1"/>
+              <a:t>Hashens</a:t>
+            </a:r>
+            <a:r>
+              <a:rPr lang="de-AT" dirty="0"/>
+              <a:t> dynamisch -&gt; 10 min/Block</a:t>
             </a:r>
           </a:p>
         </p:txBody>
@@ -4817,7 +4882,7 @@
           <a:p>
             <a:fld id="{5816D8F1-3E92-45E9-82E1-886063832025}" type="datetime1">
               <a:rPr lang="de-AT" smtClean="0"/>
-              <a:t>13.01.2018</a:t>
+              <a:t>14.01.2018</a:t>
             </a:fld>
             <a:endParaRPr lang="de-DE"/>
           </a:p>
@@ -5056,12 +5121,76 @@
           <a:lstStyle/>
           <a:p>
             <a:r>
+              <a:rPr lang="de-AT" dirty="0"/>
+              <a:t>Seit 2015</a:t>
+            </a:r>
+          </a:p>
+          <a:p>
+            <a:r>
               <a:rPr lang="de-AT" dirty="0" err="1"/>
               <a:t>Blockchain</a:t>
             </a:r>
             <a:r>
               <a:rPr lang="de-AT" dirty="0"/>
               <a:t>: 242 GB</a:t>
+            </a:r>
+          </a:p>
+          <a:p>
+            <a:r>
+              <a:rPr lang="de-AT" dirty="0"/>
+              <a:t>Blocksize: nicht fix, in letzter Zeit durchschnittlich 30 MB</a:t>
+            </a:r>
+          </a:p>
+          <a:p>
+            <a:r>
+              <a:rPr lang="de-AT" dirty="0"/>
+              <a:t>Derzeit noch </a:t>
+            </a:r>
+            <a:r>
+              <a:rPr lang="de-AT" dirty="0" err="1"/>
+              <a:t>proof-of-work</a:t>
+            </a:r>
+            <a:r>
+              <a:rPr lang="de-AT" dirty="0"/>
+              <a:t>, </a:t>
+            </a:r>
+            <a:r>
+              <a:rPr lang="de-AT" dirty="0" err="1"/>
+              <a:t>proof</a:t>
+            </a:r>
+            <a:r>
+              <a:rPr lang="de-AT" dirty="0"/>
+              <a:t>-</a:t>
+            </a:r>
+            <a:r>
+              <a:rPr lang="de-AT" dirty="0" err="1"/>
+              <a:t>of</a:t>
+            </a:r>
+            <a:r>
+              <a:rPr lang="de-AT" dirty="0"/>
+              <a:t>-stake in Arbeit</a:t>
+            </a:r>
+          </a:p>
+          <a:p>
+            <a:r>
+              <a:rPr lang="de-AT" dirty="0"/>
+              <a:t>Nicht nur Kryptowährung, auch „</a:t>
+            </a:r>
+            <a:r>
+              <a:rPr lang="de-AT" b="1" dirty="0" err="1"/>
+              <a:t>DApps</a:t>
+            </a:r>
+            <a:r>
+              <a:rPr lang="de-AT" dirty="0"/>
+              <a:t>“ und „Smart </a:t>
+            </a:r>
+            <a:r>
+              <a:rPr lang="de-AT" dirty="0" err="1"/>
+              <a:t>Contracts</a:t>
+            </a:r>
+            <a:r>
+              <a:rPr lang="de-AT" dirty="0"/>
+              <a:t>“</a:t>
             </a:r>
           </a:p>
         </p:txBody>
@@ -5089,7 +5218,7 @@
           <a:p>
             <a:fld id="{5816D8F1-3E92-45E9-82E1-886063832025}" type="datetime1">
               <a:rPr lang="de-AT" smtClean="0"/>
-              <a:t>13.01.2018</a:t>
+              <a:t>14.01.2018</a:t>
             </a:fld>
             <a:endParaRPr lang="de-DE"/>
           </a:p>
@@ -5332,12 +5461,90 @@
           <a:lstStyle/>
           <a:p>
             <a:r>
+              <a:rPr lang="de-AT" dirty="0"/>
+              <a:t>Seit 2012</a:t>
+            </a:r>
+          </a:p>
+          <a:p>
+            <a:r>
               <a:rPr lang="de-AT" dirty="0" err="1"/>
               <a:t>Blockchain</a:t>
             </a:r>
             <a:r>
               <a:rPr lang="de-AT" dirty="0"/>
-              <a:t>: keine</a:t>
+              <a:t>: </a:t>
+            </a:r>
+            <a:r>
+              <a:rPr lang="de-AT" b="1" dirty="0"/>
+              <a:t>Consensus Ledger</a:t>
+            </a:r>
+            <a:r>
+              <a:rPr lang="de-AT" dirty="0"/>
+              <a:t>, auf Servern von Ripple Labs</a:t>
+            </a:r>
+          </a:p>
+          <a:p>
+            <a:r>
+              <a:rPr lang="de-AT" dirty="0"/>
+              <a:t>Netzwerk als Devisenmarkt, akzeptiert alle Währungen (€, $, Bitcoin, …)</a:t>
+            </a:r>
+          </a:p>
+          <a:p>
+            <a:r>
+              <a:rPr lang="de-AT" dirty="0"/>
+              <a:t>Basiert auf </a:t>
+            </a:r>
+            <a:r>
+              <a:rPr lang="de-AT" dirty="0" err="1"/>
+              <a:t>IOU´s</a:t>
+            </a:r>
+            <a:r>
+              <a:rPr lang="de-AT" dirty="0"/>
+              <a:t> (I </a:t>
+            </a:r>
+            <a:r>
+              <a:rPr lang="de-AT" dirty="0" err="1"/>
+              <a:t>Owe</a:t>
+            </a:r>
+            <a:r>
+              <a:rPr lang="de-AT" dirty="0"/>
+              <a:t> </a:t>
+            </a:r>
+            <a:r>
+              <a:rPr lang="de-AT" dirty="0" err="1"/>
+              <a:t>You</a:t>
+            </a:r>
+            <a:r>
+              <a:rPr lang="de-AT" dirty="0"/>
+              <a:t> = Schuldschein)</a:t>
+            </a:r>
+          </a:p>
+          <a:p>
+            <a:r>
+              <a:rPr lang="de-AT" dirty="0"/>
+              <a:t>Gateways akzeptieren andere Währungen, stellen dafür </a:t>
+            </a:r>
+            <a:r>
+              <a:rPr lang="de-AT" dirty="0" err="1"/>
+              <a:t>IOU´s</a:t>
+            </a:r>
+            <a:r>
+              <a:rPr lang="de-AT" dirty="0"/>
+              <a:t> aus</a:t>
+            </a:r>
+          </a:p>
+          <a:p>
+            <a:r>
+              <a:rPr lang="de-AT" dirty="0"/>
+              <a:t>Fixe Anzahl an XRP (100 </a:t>
+            </a:r>
+            <a:r>
+              <a:rPr lang="de-AT" dirty="0" err="1"/>
+              <a:t>Mrd</a:t>
+            </a:r>
+            <a:r>
+              <a:rPr lang="de-AT" dirty="0"/>
+              <a:t>), nimmt ab durch Transaktionsgebühren</a:t>
             </a:r>
           </a:p>
         </p:txBody>
@@ -5365,7 +5572,7 @@
           <a:p>
             <a:fld id="{5816D8F1-3E92-45E9-82E1-886063832025}" type="datetime1">
               <a:rPr lang="de-AT" smtClean="0"/>
-              <a:t>13.01.2018</a:t>
+              <a:t>14.01.2018</a:t>
             </a:fld>
             <a:endParaRPr lang="de-DE"/>
           </a:p>
@@ -5603,6 +5810,12 @@
           <a:lstStyle/>
           <a:p>
             <a:r>
+              <a:rPr lang="de-AT" dirty="0"/>
+              <a:t>Seit August 2017 durch „Hard-Fork“</a:t>
+            </a:r>
+          </a:p>
+          <a:p>
+            <a:r>
               <a:rPr lang="de-AT" dirty="0" err="1"/>
               <a:t>Blockchain</a:t>
             </a:r>
@@ -5610,6 +5823,35 @@
               <a:rPr lang="de-AT" dirty="0"/>
               <a:t>: 156 GB</a:t>
             </a:r>
+          </a:p>
+          <a:p>
+            <a:r>
+              <a:rPr lang="de-AT" dirty="0"/>
+              <a:t>Blocksize: </a:t>
+            </a:r>
+            <a:r>
+              <a:rPr lang="de-AT" b="1" dirty="0"/>
+              <a:t>8 MB</a:t>
+            </a:r>
+          </a:p>
+          <a:p>
+            <a:r>
+              <a:rPr lang="de-AT" dirty="0"/>
+              <a:t>Proof-</a:t>
+            </a:r>
+            <a:r>
+              <a:rPr lang="de-AT" dirty="0" err="1"/>
+              <a:t>of</a:t>
+            </a:r>
+            <a:r>
+              <a:rPr lang="de-AT" dirty="0"/>
+              <a:t>-</a:t>
+            </a:r>
+            <a:r>
+              <a:rPr lang="de-AT" dirty="0" err="1"/>
+              <a:t>work</a:t>
+            </a:r>
+            <a:endParaRPr lang="de-AT" dirty="0"/>
           </a:p>
         </p:txBody>
       </p:sp>
@@ -5636,7 +5878,7 @@
           <a:p>
             <a:fld id="{5816D8F1-3E92-45E9-82E1-886063832025}" type="datetime1">
               <a:rPr lang="de-AT" smtClean="0"/>
-              <a:t>13.01.2018</a:t>
+              <a:t>14.01.2018</a:t>
             </a:fld>
             <a:endParaRPr lang="de-DE"/>
           </a:p>
@@ -5874,7 +6116,73 @@
           <a:bodyPr/>
           <a:lstStyle/>
           <a:p>
-            <a:endParaRPr lang="de-AT"/>
+            <a:r>
+              <a:rPr lang="de-AT" dirty="0"/>
+              <a:t>Seit 2015</a:t>
+            </a:r>
+          </a:p>
+          <a:p>
+            <a:r>
+              <a:rPr lang="de-AT" dirty="0" err="1"/>
+              <a:t>Blockchain</a:t>
+            </a:r>
+            <a:r>
+              <a:rPr lang="de-AT" dirty="0"/>
+              <a:t>: ? GB, </a:t>
+            </a:r>
+            <a:r>
+              <a:rPr lang="de-AT" dirty="0" err="1"/>
+              <a:t>Blockchain</a:t>
+            </a:r>
+            <a:r>
+              <a:rPr lang="de-AT" dirty="0"/>
+              <a:t> Explorer auf der Website</a:t>
+            </a:r>
+          </a:p>
+          <a:p>
+            <a:r>
+              <a:rPr lang="de-AT" dirty="0"/>
+              <a:t>Blocksize: nicht fix, derzeit im Bereich 1-2 kB</a:t>
+            </a:r>
+          </a:p>
+          <a:p>
+            <a:r>
+              <a:rPr lang="de-AT" dirty="0"/>
+              <a:t>Proof-</a:t>
+            </a:r>
+            <a:r>
+              <a:rPr lang="de-AT" dirty="0" err="1"/>
+              <a:t>of</a:t>
+            </a:r>
+            <a:r>
+              <a:rPr lang="de-AT" dirty="0"/>
+              <a:t>-stake</a:t>
+            </a:r>
+          </a:p>
+          <a:p>
+            <a:r>
+              <a:rPr lang="de-AT" dirty="0"/>
+              <a:t>Wissenschaftlicher Ansatz (Open-Source)</a:t>
+            </a:r>
+          </a:p>
+          <a:p>
+            <a:r>
+              <a:rPr lang="de-AT" dirty="0"/>
+              <a:t>„Smart </a:t>
+            </a:r>
+            <a:r>
+              <a:rPr lang="de-AT" dirty="0" err="1"/>
+              <a:t>Contracts</a:t>
+            </a:r>
+            <a:r>
+              <a:rPr lang="de-AT" dirty="0"/>
+              <a:t>“, wie bei </a:t>
+            </a:r>
+            <a:r>
+              <a:rPr lang="de-AT" dirty="0" err="1"/>
+              <a:t>Ethereum</a:t>
+            </a:r>
+            <a:endParaRPr lang="de-AT" dirty="0"/>
           </a:p>
         </p:txBody>
       </p:sp>
@@ -5901,7 +6209,7 @@
           <a:p>
             <a:fld id="{5816D8F1-3E92-45E9-82E1-886063832025}" type="datetime1">
               <a:rPr lang="de-AT" smtClean="0"/>
-              <a:t>13.01.2018</a:t>
+              <a:t>14.01.2018</a:t>
             </a:fld>
             <a:endParaRPr lang="de-DE"/>
           </a:p>
@@ -6275,7 +6583,7 @@
           <a:p>
             <a:fld id="{5816D8F1-3E92-45E9-82E1-886063832025}" type="datetime1">
               <a:rPr lang="de-AT" smtClean="0"/>
-              <a:t>13.01.2018</a:t>
+              <a:t>14.01.2018</a:t>
             </a:fld>
             <a:endParaRPr lang="de-DE"/>
           </a:p>
@@ -6545,7 +6853,7 @@
           <a:p>
             <a:fld id="{5816D8F1-3E92-45E9-82E1-886063832025}" type="datetime1">
               <a:rPr lang="de-AT" smtClean="0"/>
-              <a:t>13.01.2018</a:t>
+              <a:t>14.01.2018</a:t>
             </a:fld>
             <a:endParaRPr lang="de-DE"/>
           </a:p>
@@ -6795,6 +7103,22 @@
             </a:r>
           </a:p>
           <a:p>
+            <a:pPr lvl="1"/>
+            <a:endParaRPr lang="de-DE" dirty="0"/>
+          </a:p>
+          <a:p>
+            <a:pPr lvl="1"/>
+            <a:endParaRPr lang="de-DE" dirty="0"/>
+          </a:p>
+          <a:p>
+            <a:pPr lvl="1"/>
+            <a:endParaRPr lang="de-DE" dirty="0"/>
+          </a:p>
+          <a:p>
+            <a:pPr lvl="1"/>
+            <a:endParaRPr lang="de-DE" dirty="0"/>
+          </a:p>
+          <a:p>
             <a:r>
               <a:rPr lang="de-DE" dirty="0"/>
               <a:t>Anwendung: Kryptowährung</a:t>
@@ -6804,13 +7128,44 @@
             <a:pPr lvl="1"/>
             <a:r>
               <a:rPr lang="de-DE" dirty="0"/>
-              <a:t>…</a:t>
-            </a:r>
-          </a:p>
-          <a:p>
+              <a:t>Vor- / Nachteile</a:t>
+            </a:r>
+          </a:p>
+          <a:p>
+            <a:pPr lvl="1"/>
+            <a:r>
+              <a:rPr lang="de-DE" dirty="0"/>
+              <a:t>Bitcoin</a:t>
+            </a:r>
+          </a:p>
+          <a:p>
+            <a:pPr lvl="1"/>
+            <a:r>
+              <a:rPr lang="de-DE" dirty="0" err="1"/>
+              <a:t>Ethereum</a:t>
+            </a:r>
             <a:endParaRPr lang="de-DE" dirty="0"/>
           </a:p>
           <a:p>
+            <a:pPr lvl="1"/>
+            <a:r>
+              <a:rPr lang="de-DE" dirty="0"/>
+              <a:t>Ripple</a:t>
+            </a:r>
+          </a:p>
+          <a:p>
+            <a:pPr lvl="1"/>
+            <a:r>
+              <a:rPr lang="de-DE" dirty="0"/>
+              <a:t>Bitcoin Cash</a:t>
+            </a:r>
+          </a:p>
+          <a:p>
+            <a:pPr lvl="1"/>
+            <a:r>
+              <a:rPr lang="de-DE" dirty="0" err="1"/>
+              <a:t>Cardano</a:t>
+            </a:r>
             <a:endParaRPr lang="de-DE" dirty="0"/>
           </a:p>
           <a:p>
@@ -6858,7 +7213,7 @@
           <a:p>
             <a:fld id="{5816D8F1-3E92-45E9-82E1-886063832025}" type="datetime1">
               <a:rPr lang="de-AT" smtClean="0"/>
-              <a:t>13.01.2018</a:t>
+              <a:t>14.01.2018</a:t>
             </a:fld>
             <a:endParaRPr lang="de-DE"/>
           </a:p>
@@ -7163,7 +7518,7 @@
           <a:p>
             <a:fld id="{5816D8F1-3E92-45E9-82E1-886063832025}" type="datetime1">
               <a:rPr lang="de-AT" smtClean="0"/>
-              <a:t>13.01.2018</a:t>
+              <a:t>14.01.2018</a:t>
             </a:fld>
             <a:endParaRPr lang="de-DE"/>
           </a:p>
@@ -7890,7 +8245,7 @@
           <a:p>
             <a:fld id="{5816D8F1-3E92-45E9-82E1-886063832025}" type="datetime1">
               <a:rPr lang="de-AT" smtClean="0"/>
-              <a:t>13.01.2018</a:t>
+              <a:t>14.01.2018</a:t>
             </a:fld>
             <a:endParaRPr lang="de-DE"/>
           </a:p>
@@ -9110,7 +9465,7 @@
           <a:p>
             <a:fld id="{5816D8F1-3E92-45E9-82E1-886063832025}" type="datetime1">
               <a:rPr lang="de-AT" smtClean="0"/>
-              <a:t>13.01.2018</a:t>
+              <a:t>14.01.2018</a:t>
             </a:fld>
             <a:endParaRPr lang="de-DE"/>
           </a:p>
@@ -9440,7 +9795,7 @@
           <a:p>
             <a:fld id="{5816D8F1-3E92-45E9-82E1-886063832025}" type="datetime1">
               <a:rPr lang="de-AT" smtClean="0"/>
-              <a:t>13.01.2018</a:t>
+              <a:t>14.01.2018</a:t>
             </a:fld>
             <a:endParaRPr lang="de-DE"/>
           </a:p>
@@ -11807,7 +12162,7 @@
           <a:p>
             <a:fld id="{5816D8F1-3E92-45E9-82E1-886063832025}" type="datetime1">
               <a:rPr lang="de-AT" smtClean="0"/>
-              <a:t>13.01.2018</a:t>
+              <a:t>14.01.2018</a:t>
             </a:fld>
             <a:endParaRPr lang="de-DE"/>
           </a:p>
@@ -12016,7 +12371,7 @@
           <a:p>
             <a:fld id="{5816D8F1-3E92-45E9-82E1-886063832025}" type="datetime1">
               <a:rPr lang="de-AT" smtClean="0"/>
-              <a:t>13.01.2018</a:t>
+              <a:t>14.01.2018</a:t>
             </a:fld>
             <a:endParaRPr lang="de-DE"/>
           </a:p>
@@ -12335,7 +12690,7 @@
           <a:p>
             <a:fld id="{5816D8F1-3E92-45E9-82E1-886063832025}" type="datetime1">
               <a:rPr lang="de-AT" smtClean="0"/>
-              <a:t>13.01.2018</a:t>
+              <a:t>14.01.2018</a:t>
             </a:fld>
             <a:endParaRPr lang="de-DE"/>
           </a:p>

--- a/Präsentation/Blockchain – Technologie.pptx
+++ b/Präsentation/Blockchain – Technologie.pptx
@@ -5,7 +5,7 @@
     <p:sldMasterId id="2147483660" r:id="rId1"/>
   </p:sldMasterIdLst>
   <p:notesMasterIdLst>
-    <p:notesMasterId r:id="rId19"/>
+    <p:notesMasterId r:id="rId20"/>
   </p:notesMasterIdLst>
   <p:sldIdLst>
     <p:sldId id="264" r:id="rId2"/>
@@ -23,8 +23,9 @@
     <p:sldId id="273" r:id="rId14"/>
     <p:sldId id="274" r:id="rId15"/>
     <p:sldId id="275" r:id="rId16"/>
-    <p:sldId id="259" r:id="rId17"/>
-    <p:sldId id="261" r:id="rId18"/>
+    <p:sldId id="277" r:id="rId17"/>
+    <p:sldId id="259" r:id="rId18"/>
+    <p:sldId id="261" r:id="rId19"/>
   </p:sldIdLst>
   <p:sldSz cx="11520488" cy="6480175"/>
   <p:notesSz cx="6858000" cy="9144000"/>
@@ -151,6 +152,7 @@
             <p14:sldId id="273"/>
             <p14:sldId id="274"/>
             <p14:sldId id="275"/>
+            <p14:sldId id="277"/>
           </p14:sldIdLst>
         </p14:section>
         <p14:section name="Appendix" id="{1B805BD3-6546-4300-9470-4DE86568BAB3}">
@@ -4838,6 +4840,12 @@
           </a:p>
           <a:p>
             <a:r>
+              <a:rPr lang="de-AT" dirty="0"/>
+              <a:t>Mining: Ja</a:t>
+            </a:r>
+          </a:p>
+          <a:p>
+            <a:r>
               <a:rPr lang="de-AT" dirty="0" err="1"/>
               <a:t>proof-of-work</a:t>
             </a:r>
@@ -5040,6 +5048,42 @@
           </a:p>
         </p:txBody>
       </p:sp>
+      <p:pic>
+        <p:nvPicPr>
+          <p:cNvPr id="11" name="Grafik 10">
+            <a:extLst>
+              <a:ext uri="{FF2B5EF4-FFF2-40B4-BE49-F238E27FC236}">
+                <a16:creationId xmlns:a16="http://schemas.microsoft.com/office/drawing/2014/main" id="{8DC452B7-E213-4C75-BF19-07671EAC00CE}"/>
+              </a:ext>
+            </a:extLst>
+          </p:cNvPr>
+          <p:cNvPicPr>
+            <a:picLocks noChangeAspect="1"/>
+          </p:cNvPicPr>
+          <p:nvPr/>
+        </p:nvPicPr>
+        <p:blipFill>
+          <a:blip r:embed="rId2">
+            <a:extLst>
+              <a:ext uri="{28A0092B-C50C-407E-A947-70E740481C1C}">
+                <a14:useLocalDpi xmlns:a14="http://schemas.microsoft.com/office/drawing/2010/main" val="0"/>
+              </a:ext>
+            </a:extLst>
+          </a:blip>
+          <a:stretch>
+            <a:fillRect/>
+          </a:stretch>
+        </p:blipFill>
+        <p:spPr>
+          <a:xfrm>
+            <a:off x="8989965" y="539999"/>
+            <a:ext cx="2170035" cy="2160000"/>
+          </a:xfrm>
+          <a:prstGeom prst="rect">
+            <a:avLst/>
+          </a:prstGeom>
+        </p:spPr>
+      </p:pic>
     </p:spTree>
     <p:extLst>
       <p:ext uri="{BB962C8B-B14F-4D97-AF65-F5344CB8AC3E}">
@@ -5144,6 +5188,12 @@
           <a:p>
             <a:r>
               <a:rPr lang="de-AT" dirty="0"/>
+              <a:t>Mining: Ja</a:t>
+            </a:r>
+          </a:p>
+          <a:p>
+            <a:r>
+              <a:rPr lang="de-AT" dirty="0"/>
               <a:t>Derzeit noch </a:t>
             </a:r>
             <a:r>
@@ -5381,6 +5431,42 @@
           </a:p>
         </p:txBody>
       </p:sp>
+      <p:pic>
+        <p:nvPicPr>
+          <p:cNvPr id="9" name="Grafik 8">
+            <a:extLst>
+              <a:ext uri="{FF2B5EF4-FFF2-40B4-BE49-F238E27FC236}">
+                <a16:creationId xmlns:a16="http://schemas.microsoft.com/office/drawing/2014/main" id="{02613CE0-FA06-4826-844E-71D685D4C3D3}"/>
+              </a:ext>
+            </a:extLst>
+          </p:cNvPr>
+          <p:cNvPicPr>
+            <a:picLocks noChangeAspect="1"/>
+          </p:cNvPicPr>
+          <p:nvPr/>
+        </p:nvPicPr>
+        <p:blipFill>
+          <a:blip r:embed="rId2">
+            <a:extLst>
+              <a:ext uri="{28A0092B-C50C-407E-A947-70E740481C1C}">
+                <a14:useLocalDpi xmlns:a14="http://schemas.microsoft.com/office/drawing/2010/main" val="0"/>
+              </a:ext>
+            </a:extLst>
+          </a:blip>
+          <a:stretch>
+            <a:fillRect/>
+          </a:stretch>
+        </p:blipFill>
+        <p:spPr>
+          <a:xfrm>
+            <a:off x="9804493" y="539999"/>
+            <a:ext cx="1355507" cy="2160000"/>
+          </a:xfrm>
+          <a:prstGeom prst="rect">
+            <a:avLst/>
+          </a:prstGeom>
+        </p:spPr>
+      </p:pic>
     </p:spTree>
     <p:extLst>
       <p:ext uri="{BB962C8B-B14F-4D97-AF65-F5344CB8AC3E}">
@@ -5486,6 +5572,28 @@
           <a:p>
             <a:r>
               <a:rPr lang="de-AT" dirty="0"/>
+              <a:t>Mining: </a:t>
+            </a:r>
+            <a:r>
+              <a:rPr lang="de-AT" b="1" dirty="0"/>
+              <a:t>Nein</a:t>
+            </a:r>
+            <a:r>
+              <a:rPr lang="de-AT" dirty="0"/>
+              <a:t> („</a:t>
+            </a:r>
+            <a:r>
+              <a:rPr lang="de-AT" dirty="0" err="1"/>
+              <a:t>Pre-Mined</a:t>
+            </a:r>
+            <a:r>
+              <a:rPr lang="de-AT" dirty="0"/>
+              <a:t>“)</a:t>
+            </a:r>
+          </a:p>
+          <a:p>
+            <a:r>
+              <a:rPr lang="de-AT" dirty="0"/>
               <a:t>Netzwerk als Devisenmarkt, akzeptiert alle Währungen (€, $, Bitcoin, …)</a:t>
             </a:r>
           </a:p>
@@ -5730,6 +5838,42 @@
           </a:p>
         </p:txBody>
       </p:sp>
+      <p:pic>
+        <p:nvPicPr>
+          <p:cNvPr id="11" name="Grafik 10">
+            <a:extLst>
+              <a:ext uri="{FF2B5EF4-FFF2-40B4-BE49-F238E27FC236}">
+                <a16:creationId xmlns:a16="http://schemas.microsoft.com/office/drawing/2014/main" id="{16070677-0C8A-43C5-92C3-BBB29FAF419C}"/>
+              </a:ext>
+            </a:extLst>
+          </p:cNvPr>
+          <p:cNvPicPr>
+            <a:picLocks noChangeAspect="1"/>
+          </p:cNvPicPr>
+          <p:nvPr/>
+        </p:nvPicPr>
+        <p:blipFill>
+          <a:blip r:embed="rId2">
+            <a:extLst>
+              <a:ext uri="{28A0092B-C50C-407E-A947-70E740481C1C}">
+                <a14:useLocalDpi xmlns:a14="http://schemas.microsoft.com/office/drawing/2010/main" val="0"/>
+              </a:ext>
+            </a:extLst>
+          </a:blip>
+          <a:stretch>
+            <a:fillRect/>
+          </a:stretch>
+        </p:blipFill>
+        <p:spPr>
+          <a:xfrm>
+            <a:off x="9000000" y="539999"/>
+            <a:ext cx="2160000" cy="2160000"/>
+          </a:xfrm>
+          <a:prstGeom prst="rect">
+            <a:avLst/>
+          </a:prstGeom>
+        </p:spPr>
+      </p:pic>
     </p:spTree>
     <p:extLst>
       <p:ext uri="{BB962C8B-B14F-4D97-AF65-F5344CB8AC3E}">
@@ -5811,7 +5955,15 @@
           <a:p>
             <a:r>
               <a:rPr lang="de-AT" dirty="0"/>
-              <a:t>Seit August 2017 durch „Hard-Fork“</a:t>
+              <a:t>Seit August 2017 durch „User </a:t>
+            </a:r>
+            <a:r>
+              <a:rPr lang="de-AT" dirty="0" err="1"/>
+              <a:t>Activated</a:t>
+            </a:r>
+            <a:r>
+              <a:rPr lang="de-AT" dirty="0"/>
+              <a:t> Hard-Fork“</a:t>
             </a:r>
           </a:p>
           <a:p>
@@ -5832,6 +5984,12 @@
             <a:r>
               <a:rPr lang="de-AT" b="1" dirty="0"/>
               <a:t>8 MB</a:t>
+            </a:r>
+          </a:p>
+          <a:p>
+            <a:r>
+              <a:rPr lang="de-AT" dirty="0"/>
+              <a:t>Mining: Ja</a:t>
             </a:r>
           </a:p>
           <a:p>
@@ -6036,6 +6194,42 @@
           </a:p>
         </p:txBody>
       </p:sp>
+      <p:pic>
+        <p:nvPicPr>
+          <p:cNvPr id="9" name="Grafik 8">
+            <a:extLst>
+              <a:ext uri="{FF2B5EF4-FFF2-40B4-BE49-F238E27FC236}">
+                <a16:creationId xmlns:a16="http://schemas.microsoft.com/office/drawing/2014/main" id="{E863FB95-F4AD-495A-B63F-DE32EE6FF41A}"/>
+              </a:ext>
+            </a:extLst>
+          </p:cNvPr>
+          <p:cNvPicPr>
+            <a:picLocks noChangeAspect="1"/>
+          </p:cNvPicPr>
+          <p:nvPr/>
+        </p:nvPicPr>
+        <p:blipFill>
+          <a:blip r:embed="rId2">
+            <a:extLst>
+              <a:ext uri="{28A0092B-C50C-407E-A947-70E740481C1C}">
+                <a14:useLocalDpi xmlns:a14="http://schemas.microsoft.com/office/drawing/2010/main" val="0"/>
+              </a:ext>
+            </a:extLst>
+          </a:blip>
+          <a:stretch>
+            <a:fillRect/>
+          </a:stretch>
+        </p:blipFill>
+        <p:spPr>
+          <a:xfrm>
+            <a:off x="8577951" y="539999"/>
+            <a:ext cx="2582049" cy="2160000"/>
+          </a:xfrm>
+          <a:prstGeom prst="rect">
+            <a:avLst/>
+          </a:prstGeom>
+        </p:spPr>
+      </p:pic>
     </p:spTree>
     <p:extLst>
       <p:ext uri="{BB962C8B-B14F-4D97-AF65-F5344CB8AC3E}">
@@ -6148,14 +6342,20 @@
           <a:p>
             <a:r>
               <a:rPr lang="de-AT" dirty="0"/>
+              <a:t>Mining: Ja (aber nicht durch Rechenpower)</a:t>
+            </a:r>
+          </a:p>
+          <a:p>
+            <a:r>
+              <a:rPr lang="de-AT" b="1" dirty="0"/>
               <a:t>Proof-</a:t>
             </a:r>
             <a:r>
-              <a:rPr lang="de-AT" dirty="0" err="1"/>
+              <a:rPr lang="de-AT" b="1" dirty="0" err="1"/>
               <a:t>of</a:t>
             </a:r>
             <a:r>
-              <a:rPr lang="de-AT" dirty="0"/>
+              <a:rPr lang="de-AT" b="1" dirty="0"/>
               <a:t>-stake</a:t>
             </a:r>
           </a:p>
@@ -6372,6 +6572,42 @@
           </a:p>
         </p:txBody>
       </p:sp>
+      <p:pic>
+        <p:nvPicPr>
+          <p:cNvPr id="9" name="Grafik 8">
+            <a:extLst>
+              <a:ext uri="{FF2B5EF4-FFF2-40B4-BE49-F238E27FC236}">
+                <a16:creationId xmlns:a16="http://schemas.microsoft.com/office/drawing/2014/main" id="{6A53AE2C-97D6-4B2B-BF89-17E6C39319FB}"/>
+              </a:ext>
+            </a:extLst>
+          </p:cNvPr>
+          <p:cNvPicPr>
+            <a:picLocks noChangeAspect="1"/>
+          </p:cNvPicPr>
+          <p:nvPr/>
+        </p:nvPicPr>
+        <p:blipFill>
+          <a:blip r:embed="rId2">
+            <a:extLst>
+              <a:ext uri="{28A0092B-C50C-407E-A947-70E740481C1C}">
+                <a14:useLocalDpi xmlns:a14="http://schemas.microsoft.com/office/drawing/2010/main" val="0"/>
+              </a:ext>
+            </a:extLst>
+          </a:blip>
+          <a:stretch>
+            <a:fillRect/>
+          </a:stretch>
+        </p:blipFill>
+        <p:spPr>
+          <a:xfrm>
+            <a:off x="9000000" y="539999"/>
+            <a:ext cx="2160000" cy="2160000"/>
+          </a:xfrm>
+          <a:prstGeom prst="rect">
+            <a:avLst/>
+          </a:prstGeom>
+        </p:spPr>
+      </p:pic>
     </p:spTree>
     <p:extLst>
       <p:ext uri="{BB962C8B-B14F-4D97-AF65-F5344CB8AC3E}">
@@ -6407,7 +6643,7 @@
           <p:cNvPr id="2" name="Titel 1">
             <a:extLst>
               <a:ext uri="{FF2B5EF4-FFF2-40B4-BE49-F238E27FC236}">
-                <a16:creationId xmlns:a16="http://schemas.microsoft.com/office/drawing/2014/main" id="{50CBA54E-DED9-4D29-A44C-A5A570E93AE3}"/>
+                <a16:creationId xmlns:a16="http://schemas.microsoft.com/office/drawing/2014/main" id="{90C00702-DC14-4A08-8A56-8FFDB381C751}"/>
               </a:ext>
             </a:extLst>
           </p:cNvPr>
@@ -6424,8 +6660,8 @@
           <a:lstStyle/>
           <a:p>
             <a:r>
-              <a:rPr lang="de-DE" dirty="0"/>
-              <a:t>Referenzen</a:t>
+              <a:rPr lang="de-AT" dirty="0"/>
+              <a:t>Markt</a:t>
             </a:r>
           </a:p>
         </p:txBody>
@@ -6435,7 +6671,7 @@
           <p:cNvPr id="3" name="Inhaltsplatzhalter 2">
             <a:extLst>
               <a:ext uri="{FF2B5EF4-FFF2-40B4-BE49-F238E27FC236}">
-                <a16:creationId xmlns:a16="http://schemas.microsoft.com/office/drawing/2014/main" id="{34E55CDD-90F1-427C-A3F9-C9737EB67604}"/>
+                <a16:creationId xmlns:a16="http://schemas.microsoft.com/office/drawing/2014/main" id="{1DC798AA-1D54-4E39-AC49-77DDAD162ACE}"/>
               </a:ext>
             </a:extLst>
           </p:cNvPr>
@@ -6446,117 +6682,49 @@
             <p:ph idx="1"/>
           </p:nvPr>
         </p:nvSpPr>
-        <p:spPr/>
-        <p:txBody>
-          <a:bodyPr/>
-          <a:lstStyle/>
-          <a:p>
-            <a:pPr marL="514350" indent="-514350">
-              <a:buFont typeface="+mj-lt"/>
-              <a:buAutoNum type="arabicParenBoth"/>
-            </a:pPr>
-            <a:r>
-              <a:rPr lang="de-DE" dirty="0">
-                <a:hlinkClick r:id="rId2"/>
-              </a:rPr>
-              <a:t>https://www.crypto-news.net/</a:t>
-            </a:r>
-            <a:endParaRPr lang="de-DE" dirty="0"/>
-          </a:p>
-          <a:p>
-            <a:pPr marL="514350" indent="-514350">
-              <a:buFont typeface="+mj-lt"/>
-              <a:buAutoNum type="arabicParenBoth"/>
-            </a:pPr>
-            <a:r>
-              <a:rPr lang="de-DE" dirty="0">
-                <a:hlinkClick r:id="rId3"/>
-              </a:rPr>
-              <a:t>https://www.blockchain.info/</a:t>
-            </a:r>
-            <a:endParaRPr lang="de-DE" dirty="0"/>
-          </a:p>
-          <a:p>
-            <a:pPr marL="514350" indent="-514350">
-              <a:buFont typeface="+mj-lt"/>
-              <a:buAutoNum type="arabicParenBoth"/>
-            </a:pPr>
-            <a:r>
-              <a:rPr lang="de-DE" dirty="0">
-                <a:hlinkClick r:id="rId4"/>
-              </a:rPr>
-              <a:t>https://de.wikipedia.org/wiki/Blockchain</a:t>
-            </a:r>
-            <a:endParaRPr lang="de-DE" dirty="0"/>
-          </a:p>
-          <a:p>
-            <a:pPr marL="514350" indent="-514350">
-              <a:buFont typeface="+mj-lt"/>
-              <a:buAutoNum type="arabicParenBoth"/>
-            </a:pPr>
-            <a:r>
-              <a:rPr lang="de-DE" dirty="0">
-                <a:hlinkClick r:id="rId5"/>
-              </a:rPr>
-              <a:t>https://futurezone.at/digital-life/was-ist-eigentlich-diese-blockchain/270.616.934</a:t>
-            </a:r>
-            <a:endParaRPr lang="de-DE" dirty="0"/>
-          </a:p>
-          <a:p>
-            <a:pPr marL="514350" indent="-514350">
-              <a:buFont typeface="+mj-lt"/>
-              <a:buAutoNum type="arabicParenBoth"/>
-            </a:pPr>
-            <a:r>
-              <a:rPr lang="de-DE" dirty="0">
-                <a:hlinkClick r:id="rId6"/>
-              </a:rPr>
-              <a:t>https://blockchainbasics.ch</a:t>
-            </a:r>
-            <a:endParaRPr lang="de-DE" dirty="0"/>
-          </a:p>
-          <a:p>
-            <a:pPr marL="514350" indent="-514350">
-              <a:buFont typeface="+mj-lt"/>
-              <a:buAutoNum type="arabicParenBoth"/>
-            </a:pPr>
-            <a:r>
-              <a:rPr lang="de-DE" dirty="0">
-                <a:hlinkClick r:id="rId7"/>
-              </a:rPr>
-              <a:t>https://anders.com/blockchain/</a:t>
-            </a:r>
-            <a:endParaRPr lang="de-DE" dirty="0"/>
-          </a:p>
-          <a:p>
-            <a:pPr marL="514350" indent="-514350">
-              <a:buFont typeface="+mj-lt"/>
-              <a:buAutoNum type="arabicParenBoth"/>
-            </a:pPr>
-            <a:r>
-              <a:rPr lang="de-DE" dirty="0"/>
-              <a:t>https://coinmarketcap.com/coins/</a:t>
-            </a:r>
-          </a:p>
+        <p:spPr>
+          <a:xfrm>
+            <a:off x="360000" y="1620000"/>
+            <a:ext cx="2293675" cy="4140000"/>
+          </a:xfrm>
+        </p:spPr>
+        <p:txBody>
+          <a:bodyPr/>
+          <a:lstStyle/>
           <a:p>
             <a:pPr marL="0" indent="0">
               <a:buNone/>
             </a:pPr>
-            <a:endParaRPr lang="de-DE" dirty="0"/>
-          </a:p>
-          <a:p>
-            <a:pPr marL="514350" indent="-514350">
-              <a:buFont typeface="+mj-lt"/>
-              <a:buAutoNum type="arabicParenBoth"/>
+            <a:r>
+              <a:rPr lang="de-AT" dirty="0">
+                <a:hlinkClick r:id="rId2"/>
+              </a:rPr>
+              <a:t>https://coinmarketcap.com/coins/</a:t>
+            </a:r>
+            <a:endParaRPr lang="de-AT" dirty="0"/>
+          </a:p>
+          <a:p>
+            <a:pPr marL="0" indent="0">
+              <a:buNone/>
             </a:pPr>
-            <a:endParaRPr lang="de-DE" dirty="0"/>
-          </a:p>
-          <a:p>
-            <a:pPr marL="514350" indent="-514350">
-              <a:buFont typeface="+mj-lt"/>
-              <a:buAutoNum type="arabicParenBoth"/>
+            <a:endParaRPr lang="de-AT" dirty="0"/>
+          </a:p>
+          <a:p>
+            <a:pPr marL="0" indent="0">
+              <a:buNone/>
             </a:pPr>
-            <a:endParaRPr lang="de-DE" dirty="0"/>
+            <a:r>
+              <a:rPr lang="de-AT" dirty="0"/>
+              <a:t>Über 1400 (!) </a:t>
+            </a:r>
+            <a:r>
+              <a:rPr lang="de-AT" dirty="0" err="1"/>
+              <a:t>Crypto</a:t>
+            </a:r>
+            <a:r>
+              <a:rPr lang="de-AT" dirty="0"/>
+              <a:t>-Währungen</a:t>
+            </a:r>
           </a:p>
         </p:txBody>
       </p:sp>
@@ -6565,7 +6733,7 @@
           <p:cNvPr id="4" name="Datumsplatzhalter 3">
             <a:extLst>
               <a:ext uri="{FF2B5EF4-FFF2-40B4-BE49-F238E27FC236}">
-                <a16:creationId xmlns:a16="http://schemas.microsoft.com/office/drawing/2014/main" id="{E0E16EF7-1D4A-4E8B-AD29-44E5511F3B9C}"/>
+                <a16:creationId xmlns:a16="http://schemas.microsoft.com/office/drawing/2014/main" id="{8771D5ED-F46C-474E-BD3E-28FE8C2BA6D2}"/>
               </a:ext>
             </a:extLst>
           </p:cNvPr>
@@ -6594,7 +6762,7 @@
           <p:cNvPr id="5" name="Fußzeilenplatzhalter 4">
             <a:extLst>
               <a:ext uri="{FF2B5EF4-FFF2-40B4-BE49-F238E27FC236}">
-                <a16:creationId xmlns:a16="http://schemas.microsoft.com/office/drawing/2014/main" id="{F6721E1B-6D87-4CA6-A0B2-C17E9BC0E1A2}"/>
+                <a16:creationId xmlns:a16="http://schemas.microsoft.com/office/drawing/2014/main" id="{091E7BE3-E85C-4B3A-ACE2-4FE255BF93A7}"/>
               </a:ext>
             </a:extLst>
           </p:cNvPr>
@@ -6623,7 +6791,7 @@
           <p:cNvPr id="6" name="Foliennummernplatzhalter 5">
             <a:extLst>
               <a:ext uri="{FF2B5EF4-FFF2-40B4-BE49-F238E27FC236}">
-                <a16:creationId xmlns:a16="http://schemas.microsoft.com/office/drawing/2014/main" id="{248194F9-2754-4427-AB7A-D818D4296943}"/>
+                <a16:creationId xmlns:a16="http://schemas.microsoft.com/office/drawing/2014/main" id="{DB2DF19C-DDD2-4C0B-91BE-B10D24977237}"/>
               </a:ext>
             </a:extLst>
           </p:cNvPr>
@@ -6652,7 +6820,7 @@
           <p:cNvPr id="7" name="Textplatzhalter 6">
             <a:extLst>
               <a:ext uri="{FF2B5EF4-FFF2-40B4-BE49-F238E27FC236}">
-                <a16:creationId xmlns:a16="http://schemas.microsoft.com/office/drawing/2014/main" id="{C65BE144-5082-408A-8A73-D8CB72E2CDB4}"/>
+                <a16:creationId xmlns:a16="http://schemas.microsoft.com/office/drawing/2014/main" id="{CCF344C4-8807-494D-959A-47F99CF5BDDC}"/>
               </a:ext>
             </a:extLst>
           </p:cNvPr>
@@ -6676,7 +6844,17 @@
                   </a:schemeClr>
                 </a:solidFill>
               </a:rPr>
-              <a:t>● Blockchain</a:t>
+              <a:t>● </a:t>
+            </a:r>
+            <a:r>
+              <a:rPr lang="de-DE" dirty="0" err="1">
+                <a:solidFill>
+                  <a:schemeClr val="bg1">
+                    <a:lumMod val="50000"/>
+                  </a:schemeClr>
+                </a:solidFill>
+              </a:rPr>
+              <a:t>Blockchain</a:t>
             </a:r>
             <a:r>
               <a:rPr lang="de-DE" dirty="0">
@@ -6689,16 +6867,32 @@
               <a:t> </a:t>
             </a:r>
             <a:r>
+              <a:rPr lang="de-DE" dirty="0">
+                <a:solidFill>
+                  <a:schemeClr val="bg1">
+                    <a:lumMod val="50000"/>
+                  </a:schemeClr>
+                </a:solidFill>
+              </a:rPr>
+              <a:t>● Kryptowährung</a:t>
+            </a:r>
+            <a:r>
+              <a:rPr lang="de-DE" dirty="0">
+                <a:solidFill>
+                  <a:schemeClr val="bg1">
+                    <a:lumMod val="75000"/>
+                  </a:schemeClr>
+                </a:solidFill>
+              </a:rPr>
+              <a:t> </a:t>
+            </a:r>
+            <a:r>
               <a:rPr lang="de-DE" b="1" dirty="0">
                 <a:solidFill>
                   <a:srgbClr val="FF0000"/>
                 </a:solidFill>
               </a:rPr>
-              <a:t>●</a:t>
-            </a:r>
-            <a:r>
-              <a:rPr lang="de-DE" b="1" dirty="0"/>
-              <a:t> </a:t>
+              <a:t>● </a:t>
             </a:r>
             <a:r>
               <a:rPr lang="de-DE" b="1" dirty="0">
@@ -6706,15 +6900,54 @@
                   <a:schemeClr val="tx1"/>
                 </a:solidFill>
               </a:rPr>
-              <a:t>Anhang</a:t>
-            </a:r>
-          </a:p>
-        </p:txBody>
-      </p:sp>
+              <a:t>Übersicht</a:t>
+            </a:r>
+            <a:r>
+              <a:rPr lang="de-DE" b="1" dirty="0"/>
+              <a:t> </a:t>
+            </a:r>
+            <a:endParaRPr lang="de-DE" b="1" dirty="0">
+              <a:solidFill>
+                <a:schemeClr val="tx1"/>
+              </a:solidFill>
+            </a:endParaRPr>
+          </a:p>
+        </p:txBody>
+      </p:sp>
+      <p:pic>
+        <p:nvPicPr>
+          <p:cNvPr id="8" name="Grafik 7">
+            <a:extLst>
+              <a:ext uri="{FF2B5EF4-FFF2-40B4-BE49-F238E27FC236}">
+                <a16:creationId xmlns:a16="http://schemas.microsoft.com/office/drawing/2014/main" id="{06F88E9C-677E-48A8-AEF8-2AF556790A2F}"/>
+              </a:ext>
+            </a:extLst>
+          </p:cNvPr>
+          <p:cNvPicPr>
+            <a:picLocks noChangeAspect="1"/>
+          </p:cNvPicPr>
+          <p:nvPr/>
+        </p:nvPicPr>
+        <p:blipFill>
+          <a:blip r:embed="rId3"/>
+          <a:stretch>
+            <a:fillRect/>
+          </a:stretch>
+        </p:blipFill>
+        <p:spPr>
+          <a:xfrm>
+            <a:off x="2653675" y="683998"/>
+            <a:ext cx="8506325" cy="5256000"/>
+          </a:xfrm>
+          <a:prstGeom prst="rect">
+            <a:avLst/>
+          </a:prstGeom>
+        </p:spPr>
+      </p:pic>
     </p:spTree>
     <p:extLst>
       <p:ext uri="{BB962C8B-B14F-4D97-AF65-F5344CB8AC3E}">
-        <p14:creationId xmlns:p14="http://schemas.microsoft.com/office/powerpoint/2010/main" val="59292147"/>
+        <p14:creationId xmlns:p14="http://schemas.microsoft.com/office/powerpoint/2010/main" val="1523554393"/>
       </p:ext>
     </p:extLst>
   </p:cSld>
@@ -6764,7 +6997,7 @@
           <a:p>
             <a:r>
               <a:rPr lang="de-DE" dirty="0"/>
-              <a:t>Videos</a:t>
+              <a:t>Referenzen</a:t>
             </a:r>
           </a:p>
         </p:txBody>
@@ -6798,7 +7031,7 @@
               <a:rPr lang="de-DE" dirty="0">
                 <a:hlinkClick r:id="rId2"/>
               </a:rPr>
-              <a:t>https://www.youtube.com/watch?v=m13mEw96nP8</a:t>
+              <a:t>https://www.crypto-news.net/</a:t>
             </a:r>
             <a:endParaRPr lang="de-DE" dirty="0"/>
           </a:p>
@@ -6811,7 +7044,7 @@
               <a:rPr lang="de-DE" dirty="0">
                 <a:hlinkClick r:id="rId3"/>
               </a:rPr>
-              <a:t>https://www.youtube.com/watch?v=2LFENhIwSvI</a:t>
+              <a:t>https://www.blockchain.info/</a:t>
             </a:r>
             <a:endParaRPr lang="de-DE" dirty="0"/>
           </a:p>
@@ -6824,8 +7057,80 @@
               <a:rPr lang="de-DE" dirty="0">
                 <a:hlinkClick r:id="rId4"/>
               </a:rPr>
-              <a:t>https://www.youtube.com/watch?v=SSo_EIwHSd4</a:t>
-            </a:r>
+              <a:t>https://de.wikipedia.org/wiki/Blockchain</a:t>
+            </a:r>
+            <a:endParaRPr lang="de-DE" dirty="0"/>
+          </a:p>
+          <a:p>
+            <a:pPr marL="514350" indent="-514350">
+              <a:buFont typeface="+mj-lt"/>
+              <a:buAutoNum type="arabicParenBoth"/>
+            </a:pPr>
+            <a:r>
+              <a:rPr lang="de-DE" dirty="0">
+                <a:hlinkClick r:id="rId5"/>
+              </a:rPr>
+              <a:t>https://futurezone.at/digital-life/was-ist-eigentlich-diese-blockchain/270.616.934</a:t>
+            </a:r>
+            <a:endParaRPr lang="de-DE" dirty="0"/>
+          </a:p>
+          <a:p>
+            <a:pPr marL="514350" indent="-514350">
+              <a:buFont typeface="+mj-lt"/>
+              <a:buAutoNum type="arabicParenBoth"/>
+            </a:pPr>
+            <a:r>
+              <a:rPr lang="de-DE" dirty="0">
+                <a:hlinkClick r:id="rId6"/>
+              </a:rPr>
+              <a:t>https://blockchainbasics.ch</a:t>
+            </a:r>
+            <a:endParaRPr lang="de-DE" dirty="0"/>
+          </a:p>
+          <a:p>
+            <a:pPr marL="514350" indent="-514350">
+              <a:buFont typeface="+mj-lt"/>
+              <a:buAutoNum type="arabicParenBoth"/>
+            </a:pPr>
+            <a:r>
+              <a:rPr lang="de-DE" dirty="0">
+                <a:hlinkClick r:id="rId7"/>
+              </a:rPr>
+              <a:t>https://anders.com/blockchain/</a:t>
+            </a:r>
+            <a:endParaRPr lang="de-DE" dirty="0"/>
+          </a:p>
+          <a:p>
+            <a:pPr marL="514350" indent="-514350">
+              <a:buFont typeface="+mj-lt"/>
+              <a:buAutoNum type="arabicParenBoth"/>
+            </a:pPr>
+            <a:r>
+              <a:rPr lang="de-DE" dirty="0">
+                <a:hlinkClick r:id="rId8"/>
+              </a:rPr>
+              <a:t>https://coinmarketcap.com/coins/</a:t>
+            </a:r>
+            <a:endParaRPr lang="de-DE" dirty="0"/>
+          </a:p>
+          <a:p>
+            <a:pPr marL="0" indent="0">
+              <a:buNone/>
+            </a:pPr>
+            <a:endParaRPr lang="de-DE" dirty="0"/>
+          </a:p>
+          <a:p>
+            <a:pPr marL="514350" indent="-514350">
+              <a:buFont typeface="+mj-lt"/>
+              <a:buAutoNum type="arabicParenBoth"/>
+            </a:pPr>
+            <a:endParaRPr lang="de-DE" dirty="0"/>
+          </a:p>
+          <a:p>
+            <a:pPr marL="514350" indent="-514350">
+              <a:buFont typeface="+mj-lt"/>
+              <a:buAutoNum type="arabicParenBoth"/>
+            </a:pPr>
             <a:endParaRPr lang="de-DE" dirty="0"/>
           </a:p>
         </p:txBody>
@@ -6912,6 +7217,276 @@
             <a:fld id="{42430F15-44E3-4E69-A3DD-479649D4CC4A}" type="slidenum">
               <a:rPr lang="de-DE" smtClean="0"/>
               <a:t>17</a:t>
+            </a:fld>
+            <a:endParaRPr lang="de-DE"/>
+          </a:p>
+        </p:txBody>
+      </p:sp>
+      <p:sp>
+        <p:nvSpPr>
+          <p:cNvPr id="7" name="Textplatzhalter 6">
+            <a:extLst>
+              <a:ext uri="{FF2B5EF4-FFF2-40B4-BE49-F238E27FC236}">
+                <a16:creationId xmlns:a16="http://schemas.microsoft.com/office/drawing/2014/main" id="{C65BE144-5082-408A-8A73-D8CB72E2CDB4}"/>
+              </a:ext>
+            </a:extLst>
+          </p:cNvPr>
+          <p:cNvSpPr>
+            <a:spLocks noGrp="1"/>
+          </p:cNvSpPr>
+          <p:nvPr>
+            <p:ph type="body" sz="quarter" idx="13"/>
+          </p:nvPr>
+        </p:nvSpPr>
+        <p:spPr/>
+        <p:txBody>
+          <a:bodyPr/>
+          <a:lstStyle/>
+          <a:p>
+            <a:r>
+              <a:rPr lang="de-DE" dirty="0">
+                <a:solidFill>
+                  <a:schemeClr val="bg1">
+                    <a:lumMod val="50000"/>
+                  </a:schemeClr>
+                </a:solidFill>
+              </a:rPr>
+              <a:t>● Blockchain</a:t>
+            </a:r>
+            <a:r>
+              <a:rPr lang="de-DE" dirty="0">
+                <a:solidFill>
+                  <a:schemeClr val="bg1">
+                    <a:lumMod val="75000"/>
+                  </a:schemeClr>
+                </a:solidFill>
+              </a:rPr>
+              <a:t> </a:t>
+            </a:r>
+            <a:r>
+              <a:rPr lang="de-DE" b="1" dirty="0">
+                <a:solidFill>
+                  <a:srgbClr val="FF0000"/>
+                </a:solidFill>
+              </a:rPr>
+              <a:t>●</a:t>
+            </a:r>
+            <a:r>
+              <a:rPr lang="de-DE" b="1" dirty="0"/>
+              <a:t> </a:t>
+            </a:r>
+            <a:r>
+              <a:rPr lang="de-DE" b="1" dirty="0">
+                <a:solidFill>
+                  <a:schemeClr val="tx1"/>
+                </a:solidFill>
+              </a:rPr>
+              <a:t>Anhang</a:t>
+            </a:r>
+          </a:p>
+        </p:txBody>
+      </p:sp>
+    </p:spTree>
+    <p:extLst>
+      <p:ext uri="{BB962C8B-B14F-4D97-AF65-F5344CB8AC3E}">
+        <p14:creationId xmlns:p14="http://schemas.microsoft.com/office/powerpoint/2010/main" val="59292147"/>
+      </p:ext>
+    </p:extLst>
+  </p:cSld>
+  <p:clrMapOvr>
+    <a:masterClrMapping/>
+  </p:clrMapOvr>
+</p:sld>
+</file>
+
+<file path=ppt/slides/slide18.xml><?xml version="1.0" encoding="utf-8"?>
+<p:sld xmlns:a="http://schemas.openxmlformats.org/drawingml/2006/main" xmlns:r="http://schemas.openxmlformats.org/officeDocument/2006/relationships" xmlns:p="http://schemas.openxmlformats.org/presentationml/2006/main">
+  <p:cSld>
+    <p:spTree>
+      <p:nvGrpSpPr>
+        <p:cNvPr id="1" name=""/>
+        <p:cNvGrpSpPr/>
+        <p:nvPr/>
+      </p:nvGrpSpPr>
+      <p:grpSpPr>
+        <a:xfrm>
+          <a:off x="0" y="0"/>
+          <a:ext cx="0" cy="0"/>
+          <a:chOff x="0" y="0"/>
+          <a:chExt cx="0" cy="0"/>
+        </a:xfrm>
+      </p:grpSpPr>
+      <p:sp>
+        <p:nvSpPr>
+          <p:cNvPr id="2" name="Titel 1">
+            <a:extLst>
+              <a:ext uri="{FF2B5EF4-FFF2-40B4-BE49-F238E27FC236}">
+                <a16:creationId xmlns:a16="http://schemas.microsoft.com/office/drawing/2014/main" id="{50CBA54E-DED9-4D29-A44C-A5A570E93AE3}"/>
+              </a:ext>
+            </a:extLst>
+          </p:cNvPr>
+          <p:cNvSpPr>
+            <a:spLocks noGrp="1"/>
+          </p:cNvSpPr>
+          <p:nvPr>
+            <p:ph type="title"/>
+          </p:nvPr>
+        </p:nvSpPr>
+        <p:spPr/>
+        <p:txBody>
+          <a:bodyPr/>
+          <a:lstStyle/>
+          <a:p>
+            <a:r>
+              <a:rPr lang="de-DE" dirty="0"/>
+              <a:t>Videos</a:t>
+            </a:r>
+          </a:p>
+        </p:txBody>
+      </p:sp>
+      <p:sp>
+        <p:nvSpPr>
+          <p:cNvPr id="3" name="Inhaltsplatzhalter 2">
+            <a:extLst>
+              <a:ext uri="{FF2B5EF4-FFF2-40B4-BE49-F238E27FC236}">
+                <a16:creationId xmlns:a16="http://schemas.microsoft.com/office/drawing/2014/main" id="{34E55CDD-90F1-427C-A3F9-C9737EB67604}"/>
+              </a:ext>
+            </a:extLst>
+          </p:cNvPr>
+          <p:cNvSpPr>
+            <a:spLocks noGrp="1"/>
+          </p:cNvSpPr>
+          <p:nvPr>
+            <p:ph idx="1"/>
+          </p:nvPr>
+        </p:nvSpPr>
+        <p:spPr/>
+        <p:txBody>
+          <a:bodyPr/>
+          <a:lstStyle/>
+          <a:p>
+            <a:pPr marL="514350" indent="-514350">
+              <a:buFont typeface="+mj-lt"/>
+              <a:buAutoNum type="arabicParenBoth"/>
+            </a:pPr>
+            <a:r>
+              <a:rPr lang="de-DE" dirty="0">
+                <a:hlinkClick r:id="rId2"/>
+              </a:rPr>
+              <a:t>https://www.youtube.com/watch?v=m13mEw96nP8</a:t>
+            </a:r>
+            <a:endParaRPr lang="de-DE" dirty="0"/>
+          </a:p>
+          <a:p>
+            <a:pPr marL="514350" indent="-514350">
+              <a:buFont typeface="+mj-lt"/>
+              <a:buAutoNum type="arabicParenBoth"/>
+            </a:pPr>
+            <a:r>
+              <a:rPr lang="de-DE" dirty="0">
+                <a:hlinkClick r:id="rId3"/>
+              </a:rPr>
+              <a:t>https://www.youtube.com/watch?v=2LFENhIwSvI</a:t>
+            </a:r>
+            <a:endParaRPr lang="de-DE" dirty="0"/>
+          </a:p>
+          <a:p>
+            <a:pPr marL="514350" indent="-514350">
+              <a:buFont typeface="+mj-lt"/>
+              <a:buAutoNum type="arabicParenBoth"/>
+            </a:pPr>
+            <a:r>
+              <a:rPr lang="de-DE" dirty="0">
+                <a:hlinkClick r:id="rId4"/>
+              </a:rPr>
+              <a:t>https://www.youtube.com/watch?v=SSo_EIwHSd4</a:t>
+            </a:r>
+            <a:endParaRPr lang="de-DE" dirty="0"/>
+          </a:p>
+        </p:txBody>
+      </p:sp>
+      <p:sp>
+        <p:nvSpPr>
+          <p:cNvPr id="4" name="Datumsplatzhalter 3">
+            <a:extLst>
+              <a:ext uri="{FF2B5EF4-FFF2-40B4-BE49-F238E27FC236}">
+                <a16:creationId xmlns:a16="http://schemas.microsoft.com/office/drawing/2014/main" id="{E0E16EF7-1D4A-4E8B-AD29-44E5511F3B9C}"/>
+              </a:ext>
+            </a:extLst>
+          </p:cNvPr>
+          <p:cNvSpPr>
+            <a:spLocks noGrp="1"/>
+          </p:cNvSpPr>
+          <p:nvPr>
+            <p:ph type="dt" sz="half" idx="10"/>
+          </p:nvPr>
+        </p:nvSpPr>
+        <p:spPr/>
+        <p:txBody>
+          <a:bodyPr/>
+          <a:lstStyle/>
+          <a:p>
+            <a:fld id="{5816D8F1-3E92-45E9-82E1-886063832025}" type="datetime1">
+              <a:rPr lang="de-AT" smtClean="0"/>
+              <a:t>14.01.2018</a:t>
+            </a:fld>
+            <a:endParaRPr lang="de-DE"/>
+          </a:p>
+        </p:txBody>
+      </p:sp>
+      <p:sp>
+        <p:nvSpPr>
+          <p:cNvPr id="5" name="Fußzeilenplatzhalter 4">
+            <a:extLst>
+              <a:ext uri="{FF2B5EF4-FFF2-40B4-BE49-F238E27FC236}">
+                <a16:creationId xmlns:a16="http://schemas.microsoft.com/office/drawing/2014/main" id="{F6721E1B-6D87-4CA6-A0B2-C17E9BC0E1A2}"/>
+              </a:ext>
+            </a:extLst>
+          </p:cNvPr>
+          <p:cNvSpPr>
+            <a:spLocks noGrp="1"/>
+          </p:cNvSpPr>
+          <p:nvPr>
+            <p:ph type="ftr" sz="quarter" idx="11"/>
+          </p:nvPr>
+        </p:nvSpPr>
+        <p:spPr/>
+        <p:txBody>
+          <a:bodyPr/>
+          <a:lstStyle/>
+          <a:p>
+            <a:r>
+              <a:rPr lang="en-US"/>
+              <a:t>FH Wels, AT-Master / INIF, ITS3ILV</a:t>
+            </a:r>
+            <a:endParaRPr lang="de-DE" dirty="0"/>
+          </a:p>
+        </p:txBody>
+      </p:sp>
+      <p:sp>
+        <p:nvSpPr>
+          <p:cNvPr id="6" name="Foliennummernplatzhalter 5">
+            <a:extLst>
+              <a:ext uri="{FF2B5EF4-FFF2-40B4-BE49-F238E27FC236}">
+                <a16:creationId xmlns:a16="http://schemas.microsoft.com/office/drawing/2014/main" id="{248194F9-2754-4427-AB7A-D818D4296943}"/>
+              </a:ext>
+            </a:extLst>
+          </p:cNvPr>
+          <p:cNvSpPr>
+            <a:spLocks noGrp="1"/>
+          </p:cNvSpPr>
+          <p:nvPr>
+            <p:ph type="sldNum" sz="quarter" idx="12"/>
+          </p:nvPr>
+        </p:nvSpPr>
+        <p:spPr/>
+        <p:txBody>
+          <a:bodyPr/>
+          <a:lstStyle/>
+          <a:p>
+            <a:fld id="{42430F15-44E3-4E69-A3DD-479649D4CC4A}" type="slidenum">
+              <a:rPr lang="de-DE" smtClean="0"/>
+              <a:t>18</a:t>
             </a:fld>
             <a:endParaRPr lang="de-DE"/>
           </a:p>

--- a/Präsentation/Blockchain – Technologie.pptx
+++ b/Präsentation/Blockchain – Technologie.pptx
@@ -5,27 +5,30 @@
     <p:sldMasterId id="2147483660" r:id="rId1"/>
   </p:sldMasterIdLst>
   <p:notesMasterIdLst>
-    <p:notesMasterId r:id="rId20"/>
+    <p:notesMasterId r:id="rId23"/>
   </p:notesMasterIdLst>
   <p:sldIdLst>
     <p:sldId id="264" r:id="rId2"/>
     <p:sldId id="265" r:id="rId3"/>
-    <p:sldId id="260" r:id="rId4"/>
-    <p:sldId id="262" r:id="rId5"/>
-    <p:sldId id="267" r:id="rId6"/>
-    <p:sldId id="266" r:id="rId7"/>
-    <p:sldId id="269" r:id="rId8"/>
-    <p:sldId id="263" r:id="rId9"/>
-    <p:sldId id="268" r:id="rId10"/>
-    <p:sldId id="276" r:id="rId11"/>
-    <p:sldId id="271" r:id="rId12"/>
-    <p:sldId id="272" r:id="rId13"/>
-    <p:sldId id="273" r:id="rId14"/>
-    <p:sldId id="274" r:id="rId15"/>
-    <p:sldId id="275" r:id="rId16"/>
-    <p:sldId id="277" r:id="rId17"/>
-    <p:sldId id="259" r:id="rId18"/>
-    <p:sldId id="261" r:id="rId19"/>
+    <p:sldId id="279" r:id="rId4"/>
+    <p:sldId id="260" r:id="rId5"/>
+    <p:sldId id="262" r:id="rId6"/>
+    <p:sldId id="267" r:id="rId7"/>
+    <p:sldId id="266" r:id="rId8"/>
+    <p:sldId id="269" r:id="rId9"/>
+    <p:sldId id="263" r:id="rId10"/>
+    <p:sldId id="268" r:id="rId11"/>
+    <p:sldId id="278" r:id="rId12"/>
+    <p:sldId id="276" r:id="rId13"/>
+    <p:sldId id="271" r:id="rId14"/>
+    <p:sldId id="272" r:id="rId15"/>
+    <p:sldId id="273" r:id="rId16"/>
+    <p:sldId id="274" r:id="rId17"/>
+    <p:sldId id="275" r:id="rId18"/>
+    <p:sldId id="277" r:id="rId19"/>
+    <p:sldId id="280" r:id="rId20"/>
+    <p:sldId id="259" r:id="rId21"/>
+    <p:sldId id="261" r:id="rId22"/>
   </p:sldIdLst>
   <p:sldSz cx="11520488" cy="6480175"/>
   <p:notesSz cx="6858000" cy="9144000"/>
@@ -135,6 +138,7 @@
         </p14:section>
         <p14:section name="Verfahren" id="{86735F51-711E-410D-957D-ACA3CB444497}">
           <p14:sldIdLst>
+            <p14:sldId id="279"/>
             <p14:sldId id="260"/>
             <p14:sldId id="262"/>
             <p14:sldId id="267"/>
@@ -146,6 +150,7 @@
         </p14:section>
         <p14:section name="Kryptowährungen" id="{30871D5C-98A7-4DA8-84E8-10916C60F5DF}">
           <p14:sldIdLst>
+            <p14:sldId id="278"/>
             <p14:sldId id="276"/>
             <p14:sldId id="271"/>
             <p14:sldId id="272"/>
@@ -157,6 +162,7 @@
         </p14:section>
         <p14:section name="Appendix" id="{1B805BD3-6546-4300-9470-4DE86568BAB3}">
           <p14:sldIdLst>
+            <p14:sldId id="280"/>
             <p14:sldId id="259"/>
             <p14:sldId id="261"/>
           </p14:sldIdLst>
@@ -267,7 +273,7 @@
           <a:p>
             <a:fld id="{C922F1C0-284A-44BB-BCF8-D8335E765857}" type="datetimeFigureOut">
               <a:rPr lang="de-DE" smtClean="0"/>
-              <a:t>14.01.2018</a:t>
+              <a:t>16.01.2018</a:t>
             </a:fld>
             <a:endParaRPr lang="de-DE"/>
           </a:p>
@@ -599,7 +605,7 @@
           <a:p>
             <a:fld id="{781625E1-B033-4BF3-95C5-D847FDF1B486}" type="slidenum">
               <a:rPr lang="de-DE" smtClean="0"/>
-              <a:t>3</a:t>
+              <a:t>4</a:t>
             </a:fld>
             <a:endParaRPr lang="de-DE"/>
           </a:p>
@@ -686,7 +692,7 @@
           <a:p>
             <a:fld id="{781625E1-B033-4BF3-95C5-D847FDF1B486}" type="slidenum">
               <a:rPr lang="de-DE" smtClean="0"/>
-              <a:t>4</a:t>
+              <a:t>5</a:t>
             </a:fld>
             <a:endParaRPr lang="de-DE"/>
           </a:p>
@@ -770,7 +776,7 @@
           <a:p>
             <a:fld id="{781625E1-B033-4BF3-95C5-D847FDF1B486}" type="slidenum">
               <a:rPr lang="de-DE" smtClean="0"/>
-              <a:t>7</a:t>
+              <a:t>8</a:t>
             </a:fld>
             <a:endParaRPr lang="de-DE"/>
           </a:p>
@@ -854,7 +860,7 @@
           <a:p>
             <a:fld id="{781625E1-B033-4BF3-95C5-D847FDF1B486}" type="slidenum">
               <a:rPr lang="de-DE" smtClean="0"/>
-              <a:t>10</a:t>
+              <a:t>12</a:t>
             </a:fld>
             <a:endParaRPr lang="de-DE"/>
           </a:p>
@@ -1004,7 +1010,7 @@
           <a:p>
             <a:fld id="{315E8A2F-5ED5-4549-BFB9-2BC329A69573}" type="datetime1">
               <a:rPr lang="de-AT" smtClean="0"/>
-              <a:t>14.01.2018</a:t>
+              <a:t>16.01.2018</a:t>
             </a:fld>
             <a:endParaRPr lang="de-DE"/>
           </a:p>
@@ -1178,7 +1184,7 @@
           <a:p>
             <a:fld id="{4E2DB17D-E469-4C49-AC3D-9CC6590B13DB}" type="datetime1">
               <a:rPr lang="de-AT" smtClean="0"/>
-              <a:t>14.01.2018</a:t>
+              <a:t>16.01.2018</a:t>
             </a:fld>
             <a:endParaRPr lang="de-DE"/>
           </a:p>
@@ -1412,7 +1418,7 @@
           <a:p>
             <a:fld id="{16948907-F387-4846-976A-483992721A9E}" type="datetime1">
               <a:rPr lang="de-AT" smtClean="0"/>
-              <a:t>14.01.2018</a:t>
+              <a:t>16.01.2018</a:t>
             </a:fld>
             <a:endParaRPr lang="de-DE"/>
           </a:p>
@@ -1621,7 +1627,7 @@
           <a:p>
             <a:fld id="{5816D8F1-3E92-45E9-82E1-886063832025}" type="datetime1">
               <a:rPr lang="de-AT" smtClean="0"/>
-              <a:t>14.01.2018</a:t>
+              <a:t>16.01.2018</a:t>
             </a:fld>
             <a:endParaRPr lang="de-DE"/>
           </a:p>
@@ -1921,7 +1927,7 @@
           <a:p>
             <a:fld id="{5CB4BD73-D578-4E9A-B2A7-9790786CF1B1}" type="datetime1">
               <a:rPr lang="de-AT" smtClean="0"/>
-              <a:t>14.01.2018</a:t>
+              <a:t>16.01.2018</a:t>
             </a:fld>
             <a:endParaRPr lang="de-DE"/>
           </a:p>
@@ -2157,7 +2163,7 @@
           <a:p>
             <a:fld id="{BA329A1D-E821-4279-BAFF-66EE62667191}" type="datetime1">
               <a:rPr lang="de-AT" smtClean="0"/>
-              <a:t>14.01.2018</a:t>
+              <a:t>16.01.2018</a:t>
             </a:fld>
             <a:endParaRPr lang="de-DE"/>
           </a:p>
@@ -2578,7 +2584,7 @@
           <a:p>
             <a:fld id="{1206C1CA-37BC-4152-B5C9-571384507DE7}" type="datetime1">
               <a:rPr lang="de-AT" smtClean="0"/>
-              <a:t>14.01.2018</a:t>
+              <a:t>16.01.2018</a:t>
             </a:fld>
             <a:endParaRPr lang="de-DE"/>
           </a:p>
@@ -2750,7 +2756,7 @@
           <a:p>
             <a:fld id="{BD3A2570-EF93-400E-BDF3-A18DF7DC9D38}" type="datetime1">
               <a:rPr lang="de-AT" smtClean="0"/>
-              <a:t>14.01.2018</a:t>
+              <a:t>16.01.2018</a:t>
             </a:fld>
             <a:endParaRPr lang="de-DE"/>
           </a:p>
@@ -2899,7 +2905,7 @@
           <a:p>
             <a:fld id="{D23263EF-E046-4C90-AA81-BD594F0F691A}" type="datetime1">
               <a:rPr lang="de-AT" smtClean="0"/>
-              <a:t>14.01.2018</a:t>
+              <a:t>16.01.2018</a:t>
             </a:fld>
             <a:endParaRPr lang="de-DE"/>
           </a:p>
@@ -3180,7 +3186,7 @@
           <a:p>
             <a:fld id="{AB483CCF-C2A3-43CA-85B9-625065A0A80B}" type="datetime1">
               <a:rPr lang="de-AT" smtClean="0"/>
-              <a:t>14.01.2018</a:t>
+              <a:t>16.01.2018</a:t>
             </a:fld>
             <a:endParaRPr lang="de-DE"/>
           </a:p>
@@ -3441,7 +3447,7 @@
           <a:p>
             <a:fld id="{532053B8-1FD2-4745-BAA5-FD0851A3DCDD}" type="datetime1">
               <a:rPr lang="de-AT" smtClean="0"/>
-              <a:t>14.01.2018</a:t>
+              <a:t>16.01.2018</a:t>
             </a:fld>
             <a:endParaRPr lang="de-DE"/>
           </a:p>
@@ -3668,7 +3674,7 @@
           <a:p>
             <a:fld id="{2AA8B81B-DC2D-46D5-A4FD-63984947327E}" type="datetime1">
               <a:rPr lang="de-AT" smtClean="0"/>
-              <a:t>14.01.2018</a:t>
+              <a:t>16.01.2018</a:t>
             </a:fld>
             <a:endParaRPr lang="de-DE" dirty="0"/>
           </a:p>
@@ -4173,7 +4179,7 @@
             </a:br>
             <a:r>
               <a:rPr lang="de-DE" sz="4000" dirty="0"/>
-              <a:t>(Verfahren und Anwendungen)</a:t>
+              <a:t>(Verfahren und Kryptowährungen)</a:t>
             </a:r>
             <a:endParaRPr lang="de-DE" dirty="0"/>
           </a:p>
@@ -4238,7 +4244,7 @@
           <a:p>
             <a:fld id="{5816D8F1-3E92-45E9-82E1-886063832025}" type="datetime1">
               <a:rPr lang="de-AT" smtClean="0"/>
-              <a:t>14.01.2018</a:t>
+              <a:t>16.01.2018</a:t>
             </a:fld>
             <a:endParaRPr lang="de-DE"/>
           </a:p>
@@ -4355,318 +4361,8 @@
           <a:p>
             <a:r>
               <a:rPr lang="de-DE" dirty="0"/>
-              <a:t>Vor- / Nachteile</a:t>
-            </a:r>
-          </a:p>
-        </p:txBody>
-      </p:sp>
-      <p:sp>
-        <p:nvSpPr>
-          <p:cNvPr id="3" name="Inhaltsplatzhalter 2">
-            <a:extLst>
-              <a:ext uri="{FF2B5EF4-FFF2-40B4-BE49-F238E27FC236}">
-                <a16:creationId xmlns:a16="http://schemas.microsoft.com/office/drawing/2014/main" id="{522AC027-0B8D-4515-AF39-314F2E7F5F92}"/>
-              </a:ext>
-            </a:extLst>
-          </p:cNvPr>
-          <p:cNvSpPr>
-            <a:spLocks noGrp="1"/>
-          </p:cNvSpPr>
-          <p:nvPr>
-            <p:ph sz="half" idx="1"/>
-          </p:nvPr>
-        </p:nvSpPr>
-        <p:spPr>
-          <a:xfrm>
-            <a:off x="359999" y="1620000"/>
-            <a:ext cx="5399755" cy="4140000"/>
-          </a:xfrm>
-        </p:spPr>
-        <p:txBody>
-          <a:bodyPr>
-            <a:normAutofit/>
-          </a:bodyPr>
-          <a:lstStyle/>
-          <a:p>
-            <a:pPr>
-              <a:lnSpc>
-                <a:spcPct val="100000"/>
-              </a:lnSpc>
-            </a:pPr>
-            <a:r>
-              <a:rPr lang="de-DE" sz="2400" b="1" dirty="0"/>
-              <a:t>Vorteile</a:t>
-            </a:r>
-            <a:endParaRPr lang="de-DE" b="1" dirty="0"/>
-          </a:p>
-          <a:p>
-            <a:pPr lvl="1">
-              <a:lnSpc>
-                <a:spcPct val="100000"/>
-              </a:lnSpc>
-              <a:spcBef>
-                <a:spcPts val="1200"/>
-              </a:spcBef>
-            </a:pPr>
-            <a:r>
-              <a:rPr lang="de-DE" sz="2000" dirty="0"/>
-              <a:t>Nur Internetzugriff notwendig um an sein Guthaben zu kommen (weltweit)</a:t>
-            </a:r>
-          </a:p>
-          <a:p>
-            <a:pPr lvl="1">
-              <a:lnSpc>
-                <a:spcPct val="100000"/>
-              </a:lnSpc>
-              <a:spcBef>
-                <a:spcPts val="1200"/>
-              </a:spcBef>
-            </a:pPr>
-            <a:r>
-              <a:rPr lang="de-DE" sz="2000" dirty="0"/>
-              <a:t>Sicher</a:t>
-            </a:r>
-          </a:p>
-          <a:p>
-            <a:pPr lvl="1">
-              <a:lnSpc>
-                <a:spcPct val="100000"/>
-              </a:lnSpc>
-              <a:spcBef>
-                <a:spcPts val="1200"/>
-              </a:spcBef>
-            </a:pPr>
-            <a:r>
-              <a:rPr lang="de-DE" sz="2000" dirty="0"/>
-              <a:t>Keine zusätzlichen Kosten (Kontoführung)</a:t>
-            </a:r>
-          </a:p>
-          <a:p>
-            <a:pPr lvl="1">
-              <a:lnSpc>
-                <a:spcPct val="100000"/>
-              </a:lnSpc>
-              <a:spcBef>
-                <a:spcPts val="1200"/>
-              </a:spcBef>
-            </a:pPr>
-            <a:r>
-              <a:rPr lang="de-DE" sz="2000" dirty="0"/>
-              <a:t>Kein „Single Point </a:t>
-            </a:r>
-            <a:r>
-              <a:rPr lang="de-DE" sz="2000" dirty="0" err="1"/>
-              <a:t>of</a:t>
-            </a:r>
-            <a:r>
-              <a:rPr lang="de-DE" sz="2000" dirty="0"/>
-              <a:t> </a:t>
-            </a:r>
-            <a:r>
-              <a:rPr lang="de-DE" sz="2000" dirty="0" err="1"/>
-              <a:t>Failure</a:t>
-            </a:r>
-            <a:r>
-              <a:rPr lang="de-DE" sz="2000" dirty="0"/>
-              <a:t>“</a:t>
-            </a:r>
-          </a:p>
-          <a:p>
-            <a:pPr lvl="1">
-              <a:lnSpc>
-                <a:spcPct val="100000"/>
-              </a:lnSpc>
-              <a:spcBef>
-                <a:spcPts val="1200"/>
-              </a:spcBef>
-            </a:pPr>
-            <a:r>
-              <a:rPr lang="de-DE" sz="2000" dirty="0"/>
-              <a:t>Anonymität</a:t>
-            </a:r>
-          </a:p>
-        </p:txBody>
-      </p:sp>
-      <p:sp>
-        <p:nvSpPr>
-          <p:cNvPr id="11" name="Inhaltsplatzhalter 10">
-            <a:extLst>
-              <a:ext uri="{FF2B5EF4-FFF2-40B4-BE49-F238E27FC236}">
-                <a16:creationId xmlns:a16="http://schemas.microsoft.com/office/drawing/2014/main" id="{C05AC46F-9B68-4421-BD98-8E948E2B1BC6}"/>
-              </a:ext>
-            </a:extLst>
-          </p:cNvPr>
-          <p:cNvSpPr>
-            <a:spLocks noGrp="1"/>
-          </p:cNvSpPr>
-          <p:nvPr>
-            <p:ph sz="half" idx="2"/>
-          </p:nvPr>
-        </p:nvSpPr>
-        <p:spPr>
-          <a:xfrm>
-            <a:off x="5760244" y="1620000"/>
-            <a:ext cx="5399756" cy="4140000"/>
-          </a:xfrm>
-        </p:spPr>
-        <p:txBody>
-          <a:bodyPr>
-            <a:normAutofit/>
-          </a:bodyPr>
-          <a:lstStyle/>
-          <a:p>
-            <a:r>
-              <a:rPr lang="de-DE" sz="2400" b="1" dirty="0"/>
-              <a:t>Nachteile</a:t>
-            </a:r>
-            <a:endParaRPr lang="de-DE" b="1" dirty="0"/>
-          </a:p>
-          <a:p>
-            <a:pPr lvl="1">
-              <a:lnSpc>
-                <a:spcPct val="100000"/>
-              </a:lnSpc>
-              <a:spcBef>
-                <a:spcPts val="1200"/>
-              </a:spcBef>
-            </a:pPr>
-            <a:r>
-              <a:rPr lang="de-DE" sz="2000" dirty="0"/>
-              <a:t>Teilweise sehr hohe Gebühren/Wartezeiten für Transaktionen</a:t>
-            </a:r>
-          </a:p>
-          <a:p>
-            <a:pPr lvl="1">
-              <a:lnSpc>
-                <a:spcPct val="100000"/>
-              </a:lnSpc>
-              <a:spcBef>
-                <a:spcPts val="1200"/>
-              </a:spcBef>
-            </a:pPr>
-            <a:r>
-              <a:rPr lang="de-DE" sz="2000" dirty="0"/>
-              <a:t>„Eine Währung ist nur eine Währung, wenn sie währt“ (Handelsware, Tulpenzwiebel)</a:t>
-            </a:r>
-          </a:p>
-          <a:p>
-            <a:pPr lvl="1">
-              <a:lnSpc>
-                <a:spcPct val="100000"/>
-              </a:lnSpc>
-              <a:spcBef>
-                <a:spcPts val="1200"/>
-              </a:spcBef>
-            </a:pPr>
-            <a:r>
-              <a:rPr lang="de-DE" sz="2000" dirty="0"/>
-              <a:t>Stark schwankender Wechselkurs</a:t>
-            </a:r>
-          </a:p>
-          <a:p>
-            <a:pPr lvl="1">
-              <a:lnSpc>
-                <a:spcPct val="100000"/>
-              </a:lnSpc>
-              <a:spcBef>
-                <a:spcPts val="1200"/>
-              </a:spcBef>
-            </a:pPr>
-            <a:r>
-              <a:rPr lang="de-DE" sz="2000" dirty="0"/>
-              <a:t>Noch nicht überall und vor allem nur wenige akzeptiert</a:t>
-            </a:r>
-          </a:p>
-          <a:p>
-            <a:pPr lvl="1"/>
-            <a:endParaRPr lang="de-DE" dirty="0"/>
-          </a:p>
-        </p:txBody>
-      </p:sp>
-      <p:sp>
-        <p:nvSpPr>
-          <p:cNvPr id="4" name="Datumsplatzhalter 3">
-            <a:extLst>
-              <a:ext uri="{FF2B5EF4-FFF2-40B4-BE49-F238E27FC236}">
-                <a16:creationId xmlns:a16="http://schemas.microsoft.com/office/drawing/2014/main" id="{E7CB382E-D838-445A-9B76-D4FFF14E4852}"/>
-              </a:ext>
-            </a:extLst>
-          </p:cNvPr>
-          <p:cNvSpPr>
-            <a:spLocks noGrp="1"/>
-          </p:cNvSpPr>
-          <p:nvPr>
-            <p:ph type="dt" sz="half" idx="10"/>
-          </p:nvPr>
-        </p:nvSpPr>
-        <p:spPr/>
-        <p:txBody>
-          <a:bodyPr/>
-          <a:lstStyle/>
-          <a:p>
-            <a:fld id="{5816D8F1-3E92-45E9-82E1-886063832025}" type="datetime1">
-              <a:rPr lang="de-AT" smtClean="0"/>
-              <a:t>14.01.2018</a:t>
-            </a:fld>
-            <a:endParaRPr lang="de-DE"/>
-          </a:p>
-        </p:txBody>
-      </p:sp>
-      <p:sp>
-        <p:nvSpPr>
-          <p:cNvPr id="5" name="Fußzeilenplatzhalter 4">
-            <a:extLst>
-              <a:ext uri="{FF2B5EF4-FFF2-40B4-BE49-F238E27FC236}">
-                <a16:creationId xmlns:a16="http://schemas.microsoft.com/office/drawing/2014/main" id="{A0C5E136-99C4-45C9-B821-874185E3C586}"/>
-              </a:ext>
-            </a:extLst>
-          </p:cNvPr>
-          <p:cNvSpPr>
-            <a:spLocks noGrp="1"/>
-          </p:cNvSpPr>
-          <p:nvPr>
-            <p:ph type="ftr" sz="quarter" idx="11"/>
-          </p:nvPr>
-        </p:nvSpPr>
-        <p:spPr/>
-        <p:txBody>
-          <a:bodyPr/>
-          <a:lstStyle/>
-          <a:p>
-            <a:r>
-              <a:rPr lang="en-US"/>
-              <a:t>FH Wels, AT-Master / INIF, ITS3ILV</a:t>
-            </a:r>
-            <a:endParaRPr lang="de-DE" dirty="0"/>
-          </a:p>
-        </p:txBody>
-      </p:sp>
-      <p:sp>
-        <p:nvSpPr>
-          <p:cNvPr id="6" name="Foliennummernplatzhalter 5">
-            <a:extLst>
-              <a:ext uri="{FF2B5EF4-FFF2-40B4-BE49-F238E27FC236}">
-                <a16:creationId xmlns:a16="http://schemas.microsoft.com/office/drawing/2014/main" id="{FFBDBA6A-3C7C-44C6-A1D8-9CCE46894874}"/>
-              </a:ext>
-            </a:extLst>
-          </p:cNvPr>
-          <p:cNvSpPr>
-            <a:spLocks noGrp="1"/>
-          </p:cNvSpPr>
-          <p:nvPr>
-            <p:ph type="sldNum" sz="quarter" idx="12"/>
-          </p:nvPr>
-        </p:nvSpPr>
-        <p:spPr/>
-        <p:txBody>
-          <a:bodyPr/>
-          <a:lstStyle/>
-          <a:p>
-            <a:fld id="{42430F15-44E3-4E69-A3DD-479649D4CC4A}" type="slidenum">
-              <a:rPr lang="de-DE" smtClean="0"/>
-              <a:t>10</a:t>
-            </a:fld>
-            <a:endParaRPr lang="de-DE"/>
+              <a:t>Anwendungsgebiete (Auszug)</a:t>
+            </a:r>
           </a:p>
         </p:txBody>
       </p:sp>
@@ -4683,7 +4379,7 @@
             <a:spLocks noGrp="1"/>
           </p:cNvSpPr>
           <p:nvPr>
-            <p:ph type="body" sz="quarter" idx="14"/>
+            <p:ph type="body" idx="1"/>
           </p:nvPr>
         </p:nvSpPr>
         <p:spPr/>
@@ -4729,7 +4425,216 @@
                   <a:schemeClr val="tx1"/>
                 </a:solidFill>
               </a:rPr>
-              <a:t>Kryptowährungen</a:t>
+              <a:t>Verfahren</a:t>
+            </a:r>
+          </a:p>
+        </p:txBody>
+      </p:sp>
+      <p:sp>
+        <p:nvSpPr>
+          <p:cNvPr id="4" name="Datumsplatzhalter 3">
+            <a:extLst>
+              <a:ext uri="{FF2B5EF4-FFF2-40B4-BE49-F238E27FC236}">
+                <a16:creationId xmlns:a16="http://schemas.microsoft.com/office/drawing/2014/main" id="{E7CB382E-D838-445A-9B76-D4FFF14E4852}"/>
+              </a:ext>
+            </a:extLst>
+          </p:cNvPr>
+          <p:cNvSpPr>
+            <a:spLocks noGrp="1"/>
+          </p:cNvSpPr>
+          <p:nvPr>
+            <p:ph type="dt" sz="half" idx="10"/>
+          </p:nvPr>
+        </p:nvSpPr>
+        <p:spPr/>
+        <p:txBody>
+          <a:bodyPr/>
+          <a:lstStyle/>
+          <a:p>
+            <a:fld id="{5816D8F1-3E92-45E9-82E1-886063832025}" type="datetime1">
+              <a:rPr lang="de-AT" smtClean="0"/>
+              <a:t>16.01.2018</a:t>
+            </a:fld>
+            <a:endParaRPr lang="de-DE"/>
+          </a:p>
+        </p:txBody>
+      </p:sp>
+      <p:sp>
+        <p:nvSpPr>
+          <p:cNvPr id="5" name="Fußzeilenplatzhalter 4">
+            <a:extLst>
+              <a:ext uri="{FF2B5EF4-FFF2-40B4-BE49-F238E27FC236}">
+                <a16:creationId xmlns:a16="http://schemas.microsoft.com/office/drawing/2014/main" id="{A0C5E136-99C4-45C9-B821-874185E3C586}"/>
+              </a:ext>
+            </a:extLst>
+          </p:cNvPr>
+          <p:cNvSpPr>
+            <a:spLocks noGrp="1"/>
+          </p:cNvSpPr>
+          <p:nvPr>
+            <p:ph type="ftr" sz="quarter" idx="11"/>
+          </p:nvPr>
+        </p:nvSpPr>
+        <p:spPr/>
+        <p:txBody>
+          <a:bodyPr/>
+          <a:lstStyle/>
+          <a:p>
+            <a:r>
+              <a:rPr lang="en-US"/>
+              <a:t>FH Wels, AT-Master / INIF, ITS3ILV</a:t>
+            </a:r>
+            <a:endParaRPr lang="de-DE" dirty="0"/>
+          </a:p>
+        </p:txBody>
+      </p:sp>
+      <p:sp>
+        <p:nvSpPr>
+          <p:cNvPr id="6" name="Foliennummernplatzhalter 5">
+            <a:extLst>
+              <a:ext uri="{FF2B5EF4-FFF2-40B4-BE49-F238E27FC236}">
+                <a16:creationId xmlns:a16="http://schemas.microsoft.com/office/drawing/2014/main" id="{FFBDBA6A-3C7C-44C6-A1D8-9CCE46894874}"/>
+              </a:ext>
+            </a:extLst>
+          </p:cNvPr>
+          <p:cNvSpPr>
+            <a:spLocks noGrp="1"/>
+          </p:cNvSpPr>
+          <p:nvPr>
+            <p:ph type="sldNum" sz="quarter" idx="12"/>
+          </p:nvPr>
+        </p:nvSpPr>
+        <p:spPr/>
+        <p:txBody>
+          <a:bodyPr/>
+          <a:lstStyle/>
+          <a:p>
+            <a:fld id="{42430F15-44E3-4E69-A3DD-479649D4CC4A}" type="slidenum">
+              <a:rPr lang="de-DE" smtClean="0"/>
+              <a:t>10</a:t>
+            </a:fld>
+            <a:endParaRPr lang="de-DE"/>
+          </a:p>
+        </p:txBody>
+      </p:sp>
+      <p:sp>
+        <p:nvSpPr>
+          <p:cNvPr id="8" name="Inhaltsplatzhalter 7">
+            <a:extLst>
+              <a:ext uri="{FF2B5EF4-FFF2-40B4-BE49-F238E27FC236}">
+                <a16:creationId xmlns:a16="http://schemas.microsoft.com/office/drawing/2014/main" id="{425BCD50-628E-43AE-8278-D9F235F52E7B}"/>
+              </a:ext>
+            </a:extLst>
+          </p:cNvPr>
+          <p:cNvSpPr>
+            <a:spLocks noGrp="1"/>
+          </p:cNvSpPr>
+          <p:nvPr>
+            <p:ph idx="4294967295"/>
+          </p:nvPr>
+        </p:nvSpPr>
+        <p:spPr>
+          <a:xfrm>
+            <a:off x="0" y="1619250"/>
+            <a:ext cx="10799763" cy="4140200"/>
+          </a:xfrm>
+        </p:spPr>
+        <p:txBody>
+          <a:bodyPr>
+            <a:normAutofit fontScale="92500" lnSpcReduction="10000"/>
+          </a:bodyPr>
+          <a:lstStyle/>
+          <a:p>
+            <a:pPr>
+              <a:lnSpc>
+                <a:spcPct val="150000"/>
+              </a:lnSpc>
+            </a:pPr>
+            <a:r>
+              <a:rPr lang="de-DE" dirty="0"/>
+              <a:t>Besitzüberprüfungen</a:t>
+            </a:r>
+          </a:p>
+          <a:p>
+            <a:pPr lvl="1">
+              <a:lnSpc>
+                <a:spcPct val="110000"/>
+              </a:lnSpc>
+            </a:pPr>
+            <a:r>
+              <a:rPr lang="de-DE" dirty="0"/>
+              <a:t>Jegliche Art von digitalem Inhalt</a:t>
+            </a:r>
+          </a:p>
+          <a:p>
+            <a:pPr>
+              <a:lnSpc>
+                <a:spcPct val="150000"/>
+              </a:lnSpc>
+            </a:pPr>
+            <a:r>
+              <a:rPr lang="de-DE" dirty="0"/>
+              <a:t>Smart </a:t>
+            </a:r>
+            <a:r>
+              <a:rPr lang="de-DE" dirty="0" err="1"/>
+              <a:t>Contracts</a:t>
+            </a:r>
+            <a:endParaRPr lang="de-DE" dirty="0"/>
+          </a:p>
+          <a:p>
+            <a:pPr lvl="1">
+              <a:lnSpc>
+                <a:spcPct val="110000"/>
+              </a:lnSpc>
+            </a:pPr>
+            <a:r>
+              <a:rPr lang="de-DE" dirty="0"/>
+              <a:t>würde Crowdfunding Plattformen ersetzen</a:t>
+            </a:r>
+          </a:p>
+          <a:p>
+            <a:pPr>
+              <a:lnSpc>
+                <a:spcPct val="150000"/>
+              </a:lnSpc>
+            </a:pPr>
+            <a:r>
+              <a:rPr lang="de-DE" dirty="0"/>
+              <a:t>Dezentralisierte Patientendaten</a:t>
+            </a:r>
+          </a:p>
+          <a:p>
+            <a:pPr>
+              <a:lnSpc>
+                <a:spcPct val="150000"/>
+              </a:lnSpc>
+            </a:pPr>
+            <a:r>
+              <a:rPr lang="de-DE" dirty="0"/>
+              <a:t>Digitale Währung (Krypto-Währung)</a:t>
+            </a:r>
+          </a:p>
+          <a:p>
+            <a:pPr lvl="1">
+              <a:lnSpc>
+                <a:spcPct val="100000"/>
+              </a:lnSpc>
+            </a:pPr>
+            <a:r>
+              <a:rPr lang="de-DE" dirty="0"/>
+              <a:t>Bitcoin</a:t>
+            </a:r>
+          </a:p>
+          <a:p>
+            <a:pPr lvl="1">
+              <a:lnSpc>
+                <a:spcPct val="100000"/>
+              </a:lnSpc>
+            </a:pPr>
+            <a:r>
+              <a:rPr lang="de-DE" dirty="0"/>
+              <a:t>…</a:t>
             </a:r>
           </a:p>
         </p:txBody>
@@ -4737,7 +4642,7 @@
     </p:spTree>
     <p:extLst>
       <p:ext uri="{BB962C8B-B14F-4D97-AF65-F5344CB8AC3E}">
-        <p14:creationId xmlns:p14="http://schemas.microsoft.com/office/powerpoint/2010/main" val="1145752306"/>
+        <p14:creationId xmlns:p14="http://schemas.microsoft.com/office/powerpoint/2010/main" val="2988201403"/>
       </p:ext>
     </p:extLst>
   </p:cSld>
@@ -4766,10 +4671,10 @@
       </p:grpSpPr>
       <p:sp>
         <p:nvSpPr>
-          <p:cNvPr id="2" name="Titel 1">
-            <a:extLst>
-              <a:ext uri="{FF2B5EF4-FFF2-40B4-BE49-F238E27FC236}">
-                <a16:creationId xmlns:a16="http://schemas.microsoft.com/office/drawing/2014/main" id="{90C00702-DC14-4A08-8A56-8FFDB381C751}"/>
+          <p:cNvPr id="9" name="Titel 8">
+            <a:extLst>
+              <a:ext uri="{FF2B5EF4-FFF2-40B4-BE49-F238E27FC236}">
+                <a16:creationId xmlns:a16="http://schemas.microsoft.com/office/drawing/2014/main" id="{4CD66ABF-1CDA-40E4-847E-C02B3B92C00D}"/>
               </a:ext>
             </a:extLst>
           </p:cNvPr>
@@ -4786,93 +4691,43 @@
           <a:lstStyle/>
           <a:p>
             <a:r>
-              <a:rPr lang="de-AT" dirty="0"/>
-              <a:t>Bitcoin</a:t>
-            </a:r>
-          </a:p>
-        </p:txBody>
-      </p:sp>
-      <p:sp>
-        <p:nvSpPr>
-          <p:cNvPr id="3" name="Inhaltsplatzhalter 2">
-            <a:extLst>
-              <a:ext uri="{FF2B5EF4-FFF2-40B4-BE49-F238E27FC236}">
-                <a16:creationId xmlns:a16="http://schemas.microsoft.com/office/drawing/2014/main" id="{1DC798AA-1D54-4E39-AC49-77DDAD162ACE}"/>
-              </a:ext>
-            </a:extLst>
-          </p:cNvPr>
-          <p:cNvSpPr>
-            <a:spLocks noGrp="1"/>
-          </p:cNvSpPr>
-          <p:nvPr>
-            <p:ph idx="1"/>
-          </p:nvPr>
-        </p:nvSpPr>
-        <p:spPr/>
-        <p:txBody>
-          <a:bodyPr/>
-          <a:lstStyle/>
-          <a:p>
-            <a:r>
-              <a:rPr lang="de-AT" dirty="0"/>
-              <a:t>Seit </a:t>
-            </a:r>
-            <a:r>
-              <a:rPr lang="de-AT" b="1" dirty="0"/>
-              <a:t>2009</a:t>
-            </a:r>
-          </a:p>
-          <a:p>
-            <a:r>
-              <a:rPr lang="de-AT" dirty="0" err="1"/>
-              <a:t>Blockchain</a:t>
-            </a:r>
-            <a:r>
-              <a:rPr lang="de-AT" dirty="0"/>
-              <a:t>: 150 GB</a:t>
-            </a:r>
-          </a:p>
-          <a:p>
-            <a:r>
-              <a:rPr lang="de-AT" dirty="0"/>
-              <a:t>Blocksize: 1 MB</a:t>
-            </a:r>
-          </a:p>
-          <a:p>
-            <a:r>
-              <a:rPr lang="de-AT" dirty="0"/>
-              <a:t>Mining: Ja</a:t>
-            </a:r>
-          </a:p>
-          <a:p>
-            <a:r>
-              <a:rPr lang="de-AT" dirty="0" err="1"/>
-              <a:t>proof-of-work</a:t>
-            </a:r>
-            <a:endParaRPr lang="de-AT" dirty="0"/>
-          </a:p>
-          <a:p>
-            <a:r>
-              <a:rPr lang="de-AT" dirty="0"/>
-              <a:t>Schwierigkeit des </a:t>
-            </a:r>
-            <a:r>
-              <a:rPr lang="de-AT" dirty="0" err="1"/>
-              <a:t>Hashens</a:t>
-            </a:r>
-            <a:r>
-              <a:rPr lang="de-AT" dirty="0"/>
-              <a:t> dynamisch -&gt; 10 min/Block</a:t>
-            </a:r>
-          </a:p>
-        </p:txBody>
-      </p:sp>
-      <p:sp>
-        <p:nvSpPr>
-          <p:cNvPr id="4" name="Datumsplatzhalter 3">
-            <a:extLst>
-              <a:ext uri="{FF2B5EF4-FFF2-40B4-BE49-F238E27FC236}">
-                <a16:creationId xmlns:a16="http://schemas.microsoft.com/office/drawing/2014/main" id="{8771D5ED-F46C-474E-BD3E-28FE8C2BA6D2}"/>
+              <a:rPr lang="de-DE" dirty="0"/>
+              <a:t>Kryptowährungen</a:t>
+            </a:r>
+          </a:p>
+        </p:txBody>
+      </p:sp>
+      <p:sp>
+        <p:nvSpPr>
+          <p:cNvPr id="10" name="Textplatzhalter 9">
+            <a:extLst>
+              <a:ext uri="{FF2B5EF4-FFF2-40B4-BE49-F238E27FC236}">
+                <a16:creationId xmlns:a16="http://schemas.microsoft.com/office/drawing/2014/main" id="{081C225F-A039-49EF-8542-7AE376A4745E}"/>
+              </a:ext>
+            </a:extLst>
+          </p:cNvPr>
+          <p:cNvSpPr>
+            <a:spLocks noGrp="1"/>
+          </p:cNvSpPr>
+          <p:nvPr>
+            <p:ph type="body" idx="1"/>
+          </p:nvPr>
+        </p:nvSpPr>
+        <p:spPr/>
+        <p:txBody>
+          <a:bodyPr/>
+          <a:lstStyle/>
+          <a:p>
+            <a:endParaRPr lang="de-DE"/>
+          </a:p>
+        </p:txBody>
+      </p:sp>
+      <p:sp>
+        <p:nvSpPr>
+          <p:cNvPr id="5" name="Datumsplatzhalter 4">
+            <a:extLst>
+              <a:ext uri="{FF2B5EF4-FFF2-40B4-BE49-F238E27FC236}">
+                <a16:creationId xmlns:a16="http://schemas.microsoft.com/office/drawing/2014/main" id="{C1A70A75-6A7B-4157-9DE1-8C4A8230A247}"/>
               </a:ext>
             </a:extLst>
           </p:cNvPr>
@@ -4888,9 +4743,9 @@
           <a:bodyPr/>
           <a:lstStyle/>
           <a:p>
-            <a:fld id="{5816D8F1-3E92-45E9-82E1-886063832025}" type="datetime1">
+            <a:fld id="{BA329A1D-E821-4279-BAFF-66EE62667191}" type="datetime1">
               <a:rPr lang="de-AT" smtClean="0"/>
-              <a:t>14.01.2018</a:t>
+              <a:t>16.01.2018</a:t>
             </a:fld>
             <a:endParaRPr lang="de-DE"/>
           </a:p>
@@ -4898,10 +4753,10 @@
       </p:sp>
       <p:sp>
         <p:nvSpPr>
-          <p:cNvPr id="5" name="Fußzeilenplatzhalter 4">
-            <a:extLst>
-              <a:ext uri="{FF2B5EF4-FFF2-40B4-BE49-F238E27FC236}">
-                <a16:creationId xmlns:a16="http://schemas.microsoft.com/office/drawing/2014/main" id="{091E7BE3-E85C-4B3A-ACE2-4FE255BF93A7}"/>
+          <p:cNvPr id="6" name="Fußzeilenplatzhalter 5">
+            <a:extLst>
+              <a:ext uri="{FF2B5EF4-FFF2-40B4-BE49-F238E27FC236}">
+                <a16:creationId xmlns:a16="http://schemas.microsoft.com/office/drawing/2014/main" id="{1AC386BA-545E-4340-B92D-C2C73F72E160}"/>
               </a:ext>
             </a:extLst>
           </p:cNvPr>
@@ -4921,16 +4776,16 @@
               <a:rPr lang="en-US"/>
               <a:t>FH Wels, AT-Master / INIF, ITS3ILV</a:t>
             </a:r>
-            <a:endParaRPr lang="de-DE" dirty="0"/>
-          </a:p>
-        </p:txBody>
-      </p:sp>
-      <p:sp>
-        <p:nvSpPr>
-          <p:cNvPr id="6" name="Foliennummernplatzhalter 5">
-            <a:extLst>
-              <a:ext uri="{FF2B5EF4-FFF2-40B4-BE49-F238E27FC236}">
-                <a16:creationId xmlns:a16="http://schemas.microsoft.com/office/drawing/2014/main" id="{DB2DF19C-DDD2-4C0B-91BE-B10D24977237}"/>
+            <a:endParaRPr lang="de-DE"/>
+          </a:p>
+        </p:txBody>
+      </p:sp>
+      <p:sp>
+        <p:nvSpPr>
+          <p:cNvPr id="7" name="Foliennummernplatzhalter 6">
+            <a:extLst>
+              <a:ext uri="{FF2B5EF4-FFF2-40B4-BE49-F238E27FC236}">
+                <a16:creationId xmlns:a16="http://schemas.microsoft.com/office/drawing/2014/main" id="{FC447D1A-32FA-4CE6-8E6A-72F6600AE270}"/>
               </a:ext>
             </a:extLst>
           </p:cNvPr>
@@ -4949,6 +4804,658 @@
             <a:fld id="{42430F15-44E3-4E69-A3DD-479649D4CC4A}" type="slidenum">
               <a:rPr lang="de-DE" smtClean="0"/>
               <a:t>11</a:t>
+            </a:fld>
+            <a:endParaRPr lang="de-DE"/>
+          </a:p>
+        </p:txBody>
+      </p:sp>
+    </p:spTree>
+    <p:extLst>
+      <p:ext uri="{BB962C8B-B14F-4D97-AF65-F5344CB8AC3E}">
+        <p14:creationId xmlns:p14="http://schemas.microsoft.com/office/powerpoint/2010/main" val="2191863593"/>
+      </p:ext>
+    </p:extLst>
+  </p:cSld>
+  <p:clrMapOvr>
+    <a:masterClrMapping/>
+  </p:clrMapOvr>
+</p:sld>
+</file>
+
+<file path=ppt/slides/slide12.xml><?xml version="1.0" encoding="utf-8"?>
+<p:sld xmlns:a="http://schemas.openxmlformats.org/drawingml/2006/main" xmlns:r="http://schemas.openxmlformats.org/officeDocument/2006/relationships" xmlns:p="http://schemas.openxmlformats.org/presentationml/2006/main">
+  <p:cSld>
+    <p:spTree>
+      <p:nvGrpSpPr>
+        <p:cNvPr id="1" name=""/>
+        <p:cNvGrpSpPr/>
+        <p:nvPr/>
+      </p:nvGrpSpPr>
+      <p:grpSpPr>
+        <a:xfrm>
+          <a:off x="0" y="0"/>
+          <a:ext cx="0" cy="0"/>
+          <a:chOff x="0" y="0"/>
+          <a:chExt cx="0" cy="0"/>
+        </a:xfrm>
+      </p:grpSpPr>
+      <p:sp>
+        <p:nvSpPr>
+          <p:cNvPr id="2" name="Titel 1">
+            <a:extLst>
+              <a:ext uri="{FF2B5EF4-FFF2-40B4-BE49-F238E27FC236}">
+                <a16:creationId xmlns:a16="http://schemas.microsoft.com/office/drawing/2014/main" id="{FC65F202-7CB5-416F-8B68-C825991901A6}"/>
+              </a:ext>
+            </a:extLst>
+          </p:cNvPr>
+          <p:cNvSpPr>
+            <a:spLocks noGrp="1"/>
+          </p:cNvSpPr>
+          <p:nvPr>
+            <p:ph type="title"/>
+          </p:nvPr>
+        </p:nvSpPr>
+        <p:spPr/>
+        <p:txBody>
+          <a:bodyPr/>
+          <a:lstStyle/>
+          <a:p>
+            <a:r>
+              <a:rPr lang="de-DE" dirty="0"/>
+              <a:t>Vor- / Nachteile</a:t>
+            </a:r>
+          </a:p>
+        </p:txBody>
+      </p:sp>
+      <p:sp>
+        <p:nvSpPr>
+          <p:cNvPr id="3" name="Inhaltsplatzhalter 2">
+            <a:extLst>
+              <a:ext uri="{FF2B5EF4-FFF2-40B4-BE49-F238E27FC236}">
+                <a16:creationId xmlns:a16="http://schemas.microsoft.com/office/drawing/2014/main" id="{522AC027-0B8D-4515-AF39-314F2E7F5F92}"/>
+              </a:ext>
+            </a:extLst>
+          </p:cNvPr>
+          <p:cNvSpPr>
+            <a:spLocks noGrp="1"/>
+          </p:cNvSpPr>
+          <p:nvPr>
+            <p:ph sz="half" idx="1"/>
+          </p:nvPr>
+        </p:nvSpPr>
+        <p:spPr>
+          <a:xfrm>
+            <a:off x="359999" y="1620000"/>
+            <a:ext cx="5399755" cy="4140000"/>
+          </a:xfrm>
+        </p:spPr>
+        <p:txBody>
+          <a:bodyPr>
+            <a:normAutofit/>
+          </a:bodyPr>
+          <a:lstStyle/>
+          <a:p>
+            <a:pPr>
+              <a:lnSpc>
+                <a:spcPct val="100000"/>
+              </a:lnSpc>
+            </a:pPr>
+            <a:r>
+              <a:rPr lang="de-DE" sz="2400" b="1" dirty="0"/>
+              <a:t>Vorteile</a:t>
+            </a:r>
+            <a:endParaRPr lang="de-DE" b="1" dirty="0"/>
+          </a:p>
+          <a:p>
+            <a:pPr lvl="1">
+              <a:lnSpc>
+                <a:spcPct val="100000"/>
+              </a:lnSpc>
+              <a:spcBef>
+                <a:spcPts val="1200"/>
+              </a:spcBef>
+            </a:pPr>
+            <a:r>
+              <a:rPr lang="de-DE" sz="2000" dirty="0"/>
+              <a:t>Nur Internetzugriff notwendig um an sein Guthaben zu kommen (weltweit)</a:t>
+            </a:r>
+          </a:p>
+          <a:p>
+            <a:pPr lvl="1">
+              <a:lnSpc>
+                <a:spcPct val="100000"/>
+              </a:lnSpc>
+              <a:spcBef>
+                <a:spcPts val="1200"/>
+              </a:spcBef>
+            </a:pPr>
+            <a:r>
+              <a:rPr lang="de-DE" sz="2000" dirty="0"/>
+              <a:t>Sicher</a:t>
+            </a:r>
+          </a:p>
+          <a:p>
+            <a:pPr lvl="1">
+              <a:lnSpc>
+                <a:spcPct val="100000"/>
+              </a:lnSpc>
+              <a:spcBef>
+                <a:spcPts val="1200"/>
+              </a:spcBef>
+            </a:pPr>
+            <a:r>
+              <a:rPr lang="de-DE" sz="2000" dirty="0"/>
+              <a:t>Keine zusätzlichen Kosten (Kontoführung)</a:t>
+            </a:r>
+          </a:p>
+          <a:p>
+            <a:pPr lvl="1">
+              <a:lnSpc>
+                <a:spcPct val="100000"/>
+              </a:lnSpc>
+              <a:spcBef>
+                <a:spcPts val="1200"/>
+              </a:spcBef>
+            </a:pPr>
+            <a:r>
+              <a:rPr lang="de-DE" sz="2000" dirty="0"/>
+              <a:t>Kein „Single Point </a:t>
+            </a:r>
+            <a:r>
+              <a:rPr lang="de-DE" sz="2000" dirty="0" err="1"/>
+              <a:t>of</a:t>
+            </a:r>
+            <a:r>
+              <a:rPr lang="de-DE" sz="2000" dirty="0"/>
+              <a:t> </a:t>
+            </a:r>
+            <a:r>
+              <a:rPr lang="de-DE" sz="2000" dirty="0" err="1"/>
+              <a:t>Failure</a:t>
+            </a:r>
+            <a:r>
+              <a:rPr lang="de-DE" sz="2000" dirty="0"/>
+              <a:t>“</a:t>
+            </a:r>
+          </a:p>
+          <a:p>
+            <a:pPr lvl="1">
+              <a:lnSpc>
+                <a:spcPct val="100000"/>
+              </a:lnSpc>
+              <a:spcBef>
+                <a:spcPts val="1200"/>
+              </a:spcBef>
+            </a:pPr>
+            <a:r>
+              <a:rPr lang="de-DE" sz="2000" dirty="0"/>
+              <a:t>Anonymität</a:t>
+            </a:r>
+          </a:p>
+        </p:txBody>
+      </p:sp>
+      <p:sp>
+        <p:nvSpPr>
+          <p:cNvPr id="11" name="Inhaltsplatzhalter 10">
+            <a:extLst>
+              <a:ext uri="{FF2B5EF4-FFF2-40B4-BE49-F238E27FC236}">
+                <a16:creationId xmlns:a16="http://schemas.microsoft.com/office/drawing/2014/main" id="{C05AC46F-9B68-4421-BD98-8E948E2B1BC6}"/>
+              </a:ext>
+            </a:extLst>
+          </p:cNvPr>
+          <p:cNvSpPr>
+            <a:spLocks noGrp="1"/>
+          </p:cNvSpPr>
+          <p:nvPr>
+            <p:ph sz="half" idx="2"/>
+          </p:nvPr>
+        </p:nvSpPr>
+        <p:spPr>
+          <a:xfrm>
+            <a:off x="5760244" y="1620000"/>
+            <a:ext cx="5399756" cy="4140000"/>
+          </a:xfrm>
+        </p:spPr>
+        <p:txBody>
+          <a:bodyPr>
+            <a:normAutofit/>
+          </a:bodyPr>
+          <a:lstStyle/>
+          <a:p>
+            <a:r>
+              <a:rPr lang="de-DE" sz="2400" b="1" dirty="0"/>
+              <a:t>Nachteile</a:t>
+            </a:r>
+            <a:endParaRPr lang="de-DE" b="1" dirty="0"/>
+          </a:p>
+          <a:p>
+            <a:pPr lvl="1">
+              <a:lnSpc>
+                <a:spcPct val="100000"/>
+              </a:lnSpc>
+              <a:spcBef>
+                <a:spcPts val="1200"/>
+              </a:spcBef>
+            </a:pPr>
+            <a:r>
+              <a:rPr lang="de-DE" sz="2000" dirty="0"/>
+              <a:t>Teilweise sehr hohe Gebühren/Wartezeiten für Transaktionen</a:t>
+            </a:r>
+          </a:p>
+          <a:p>
+            <a:pPr lvl="1">
+              <a:lnSpc>
+                <a:spcPct val="100000"/>
+              </a:lnSpc>
+              <a:spcBef>
+                <a:spcPts val="1200"/>
+              </a:spcBef>
+            </a:pPr>
+            <a:r>
+              <a:rPr lang="de-DE" sz="2000" dirty="0"/>
+              <a:t>„Eine Währung ist nur eine Währung, wenn sie währt“ (Handelsware, Tulpenzwiebel)</a:t>
+            </a:r>
+          </a:p>
+          <a:p>
+            <a:pPr lvl="1">
+              <a:lnSpc>
+                <a:spcPct val="100000"/>
+              </a:lnSpc>
+              <a:spcBef>
+                <a:spcPts val="1200"/>
+              </a:spcBef>
+            </a:pPr>
+            <a:r>
+              <a:rPr lang="de-DE" sz="2000" dirty="0"/>
+              <a:t>Stark schwankender Wechselkurs</a:t>
+            </a:r>
+          </a:p>
+          <a:p>
+            <a:pPr lvl="1">
+              <a:lnSpc>
+                <a:spcPct val="100000"/>
+              </a:lnSpc>
+              <a:spcBef>
+                <a:spcPts val="1200"/>
+              </a:spcBef>
+            </a:pPr>
+            <a:r>
+              <a:rPr lang="de-DE" sz="2000" dirty="0"/>
+              <a:t>Noch nicht überall und vor allem nur wenige akzeptiert</a:t>
+            </a:r>
+          </a:p>
+          <a:p>
+            <a:pPr lvl="1"/>
+            <a:endParaRPr lang="de-DE" dirty="0"/>
+          </a:p>
+        </p:txBody>
+      </p:sp>
+      <p:sp>
+        <p:nvSpPr>
+          <p:cNvPr id="4" name="Datumsplatzhalter 3">
+            <a:extLst>
+              <a:ext uri="{FF2B5EF4-FFF2-40B4-BE49-F238E27FC236}">
+                <a16:creationId xmlns:a16="http://schemas.microsoft.com/office/drawing/2014/main" id="{E7CB382E-D838-445A-9B76-D4FFF14E4852}"/>
+              </a:ext>
+            </a:extLst>
+          </p:cNvPr>
+          <p:cNvSpPr>
+            <a:spLocks noGrp="1"/>
+          </p:cNvSpPr>
+          <p:nvPr>
+            <p:ph type="dt" sz="half" idx="10"/>
+          </p:nvPr>
+        </p:nvSpPr>
+        <p:spPr/>
+        <p:txBody>
+          <a:bodyPr/>
+          <a:lstStyle/>
+          <a:p>
+            <a:fld id="{5816D8F1-3E92-45E9-82E1-886063832025}" type="datetime1">
+              <a:rPr lang="de-AT" smtClean="0"/>
+              <a:t>16.01.2018</a:t>
+            </a:fld>
+            <a:endParaRPr lang="de-DE"/>
+          </a:p>
+        </p:txBody>
+      </p:sp>
+      <p:sp>
+        <p:nvSpPr>
+          <p:cNvPr id="5" name="Fußzeilenplatzhalter 4">
+            <a:extLst>
+              <a:ext uri="{FF2B5EF4-FFF2-40B4-BE49-F238E27FC236}">
+                <a16:creationId xmlns:a16="http://schemas.microsoft.com/office/drawing/2014/main" id="{A0C5E136-99C4-45C9-B821-874185E3C586}"/>
+              </a:ext>
+            </a:extLst>
+          </p:cNvPr>
+          <p:cNvSpPr>
+            <a:spLocks noGrp="1"/>
+          </p:cNvSpPr>
+          <p:nvPr>
+            <p:ph type="ftr" sz="quarter" idx="11"/>
+          </p:nvPr>
+        </p:nvSpPr>
+        <p:spPr/>
+        <p:txBody>
+          <a:bodyPr/>
+          <a:lstStyle/>
+          <a:p>
+            <a:r>
+              <a:rPr lang="en-US"/>
+              <a:t>FH Wels, AT-Master / INIF, ITS3ILV</a:t>
+            </a:r>
+            <a:endParaRPr lang="de-DE" dirty="0"/>
+          </a:p>
+        </p:txBody>
+      </p:sp>
+      <p:sp>
+        <p:nvSpPr>
+          <p:cNvPr id="6" name="Foliennummernplatzhalter 5">
+            <a:extLst>
+              <a:ext uri="{FF2B5EF4-FFF2-40B4-BE49-F238E27FC236}">
+                <a16:creationId xmlns:a16="http://schemas.microsoft.com/office/drawing/2014/main" id="{FFBDBA6A-3C7C-44C6-A1D8-9CCE46894874}"/>
+              </a:ext>
+            </a:extLst>
+          </p:cNvPr>
+          <p:cNvSpPr>
+            <a:spLocks noGrp="1"/>
+          </p:cNvSpPr>
+          <p:nvPr>
+            <p:ph type="sldNum" sz="quarter" idx="12"/>
+          </p:nvPr>
+        </p:nvSpPr>
+        <p:spPr/>
+        <p:txBody>
+          <a:bodyPr/>
+          <a:lstStyle/>
+          <a:p>
+            <a:fld id="{42430F15-44E3-4E69-A3DD-479649D4CC4A}" type="slidenum">
+              <a:rPr lang="de-DE" smtClean="0"/>
+              <a:t>12</a:t>
+            </a:fld>
+            <a:endParaRPr lang="de-DE"/>
+          </a:p>
+        </p:txBody>
+      </p:sp>
+      <p:sp>
+        <p:nvSpPr>
+          <p:cNvPr id="7" name="Textplatzhalter 6">
+            <a:extLst>
+              <a:ext uri="{FF2B5EF4-FFF2-40B4-BE49-F238E27FC236}">
+                <a16:creationId xmlns:a16="http://schemas.microsoft.com/office/drawing/2014/main" id="{08E7D4D0-7D93-4F90-8F43-BC1EF1C80C7E}"/>
+              </a:ext>
+            </a:extLst>
+          </p:cNvPr>
+          <p:cNvSpPr>
+            <a:spLocks noGrp="1"/>
+          </p:cNvSpPr>
+          <p:nvPr>
+            <p:ph type="body" sz="quarter" idx="14"/>
+          </p:nvPr>
+        </p:nvSpPr>
+        <p:spPr/>
+        <p:txBody>
+          <a:bodyPr/>
+          <a:lstStyle/>
+          <a:p>
+            <a:r>
+              <a:rPr lang="de-DE" dirty="0">
+                <a:solidFill>
+                  <a:schemeClr val="bg1">
+                    <a:lumMod val="50000"/>
+                  </a:schemeClr>
+                </a:solidFill>
+              </a:rPr>
+              <a:t>● Blockchain</a:t>
+            </a:r>
+            <a:r>
+              <a:rPr lang="de-DE" dirty="0">
+                <a:solidFill>
+                  <a:schemeClr val="bg1">
+                    <a:lumMod val="75000"/>
+                  </a:schemeClr>
+                </a:solidFill>
+              </a:rPr>
+              <a:t> </a:t>
+            </a:r>
+            <a:r>
+              <a:rPr lang="de-DE" b="1" dirty="0">
+                <a:solidFill>
+                  <a:srgbClr val="FF0000"/>
+                </a:solidFill>
+              </a:rPr>
+              <a:t>●</a:t>
+            </a:r>
+            <a:r>
+              <a:rPr lang="de-DE" b="1" dirty="0"/>
+              <a:t> </a:t>
+            </a:r>
+            <a:r>
+              <a:rPr lang="de-DE" b="1" dirty="0">
+                <a:solidFill>
+                  <a:schemeClr val="tx1"/>
+                </a:solidFill>
+              </a:rPr>
+              <a:t>Kryptowährungen</a:t>
+            </a:r>
+          </a:p>
+        </p:txBody>
+      </p:sp>
+    </p:spTree>
+    <p:extLst>
+      <p:ext uri="{BB962C8B-B14F-4D97-AF65-F5344CB8AC3E}">
+        <p14:creationId xmlns:p14="http://schemas.microsoft.com/office/powerpoint/2010/main" val="1145752306"/>
+      </p:ext>
+    </p:extLst>
+  </p:cSld>
+  <p:clrMapOvr>
+    <a:masterClrMapping/>
+  </p:clrMapOvr>
+</p:sld>
+</file>
+
+<file path=ppt/slides/slide13.xml><?xml version="1.0" encoding="utf-8"?>
+<p:sld xmlns:a="http://schemas.openxmlformats.org/drawingml/2006/main" xmlns:r="http://schemas.openxmlformats.org/officeDocument/2006/relationships" xmlns:p="http://schemas.openxmlformats.org/presentationml/2006/main">
+  <p:cSld>
+    <p:spTree>
+      <p:nvGrpSpPr>
+        <p:cNvPr id="1" name=""/>
+        <p:cNvGrpSpPr/>
+        <p:nvPr/>
+      </p:nvGrpSpPr>
+      <p:grpSpPr>
+        <a:xfrm>
+          <a:off x="0" y="0"/>
+          <a:ext cx="0" cy="0"/>
+          <a:chOff x="0" y="0"/>
+          <a:chExt cx="0" cy="0"/>
+        </a:xfrm>
+      </p:grpSpPr>
+      <p:sp>
+        <p:nvSpPr>
+          <p:cNvPr id="2" name="Titel 1">
+            <a:extLst>
+              <a:ext uri="{FF2B5EF4-FFF2-40B4-BE49-F238E27FC236}">
+                <a16:creationId xmlns:a16="http://schemas.microsoft.com/office/drawing/2014/main" id="{90C00702-DC14-4A08-8A56-8FFDB381C751}"/>
+              </a:ext>
+            </a:extLst>
+          </p:cNvPr>
+          <p:cNvSpPr>
+            <a:spLocks noGrp="1"/>
+          </p:cNvSpPr>
+          <p:nvPr>
+            <p:ph type="title"/>
+          </p:nvPr>
+        </p:nvSpPr>
+        <p:spPr/>
+        <p:txBody>
+          <a:bodyPr/>
+          <a:lstStyle/>
+          <a:p>
+            <a:r>
+              <a:rPr lang="de-AT" dirty="0"/>
+              <a:t>Bitcoin</a:t>
+            </a:r>
+          </a:p>
+        </p:txBody>
+      </p:sp>
+      <p:sp>
+        <p:nvSpPr>
+          <p:cNvPr id="3" name="Inhaltsplatzhalter 2">
+            <a:extLst>
+              <a:ext uri="{FF2B5EF4-FFF2-40B4-BE49-F238E27FC236}">
+                <a16:creationId xmlns:a16="http://schemas.microsoft.com/office/drawing/2014/main" id="{1DC798AA-1D54-4E39-AC49-77DDAD162ACE}"/>
+              </a:ext>
+            </a:extLst>
+          </p:cNvPr>
+          <p:cNvSpPr>
+            <a:spLocks noGrp="1"/>
+          </p:cNvSpPr>
+          <p:nvPr>
+            <p:ph idx="1"/>
+          </p:nvPr>
+        </p:nvSpPr>
+        <p:spPr/>
+        <p:txBody>
+          <a:bodyPr/>
+          <a:lstStyle/>
+          <a:p>
+            <a:r>
+              <a:rPr lang="de-AT" dirty="0"/>
+              <a:t>Seit </a:t>
+            </a:r>
+            <a:r>
+              <a:rPr lang="de-AT" b="1" dirty="0"/>
+              <a:t>2009</a:t>
+            </a:r>
+          </a:p>
+          <a:p>
+            <a:r>
+              <a:rPr lang="de-AT" dirty="0" err="1"/>
+              <a:t>Blockchain</a:t>
+            </a:r>
+            <a:r>
+              <a:rPr lang="de-AT" dirty="0"/>
+              <a:t>: 150 GB</a:t>
+            </a:r>
+          </a:p>
+          <a:p>
+            <a:r>
+              <a:rPr lang="de-AT" dirty="0"/>
+              <a:t>Blocksize: 1 MB</a:t>
+            </a:r>
+          </a:p>
+          <a:p>
+            <a:r>
+              <a:rPr lang="de-AT" dirty="0"/>
+              <a:t>Mining: Ja</a:t>
+            </a:r>
+          </a:p>
+          <a:p>
+            <a:r>
+              <a:rPr lang="de-AT" dirty="0" err="1"/>
+              <a:t>proof-of-work</a:t>
+            </a:r>
+            <a:endParaRPr lang="de-AT" dirty="0"/>
+          </a:p>
+          <a:p>
+            <a:r>
+              <a:rPr lang="de-AT" dirty="0"/>
+              <a:t>Schwierigkeit des </a:t>
+            </a:r>
+            <a:r>
+              <a:rPr lang="de-AT" dirty="0" err="1"/>
+              <a:t>Hashens</a:t>
+            </a:r>
+            <a:r>
+              <a:rPr lang="de-AT" dirty="0"/>
+              <a:t> dynamisch -&gt; 10 min/Block</a:t>
+            </a:r>
+          </a:p>
+        </p:txBody>
+      </p:sp>
+      <p:sp>
+        <p:nvSpPr>
+          <p:cNvPr id="4" name="Datumsplatzhalter 3">
+            <a:extLst>
+              <a:ext uri="{FF2B5EF4-FFF2-40B4-BE49-F238E27FC236}">
+                <a16:creationId xmlns:a16="http://schemas.microsoft.com/office/drawing/2014/main" id="{8771D5ED-F46C-474E-BD3E-28FE8C2BA6D2}"/>
+              </a:ext>
+            </a:extLst>
+          </p:cNvPr>
+          <p:cNvSpPr>
+            <a:spLocks noGrp="1"/>
+          </p:cNvSpPr>
+          <p:nvPr>
+            <p:ph type="dt" sz="half" idx="10"/>
+          </p:nvPr>
+        </p:nvSpPr>
+        <p:spPr/>
+        <p:txBody>
+          <a:bodyPr/>
+          <a:lstStyle/>
+          <a:p>
+            <a:fld id="{5816D8F1-3E92-45E9-82E1-886063832025}" type="datetime1">
+              <a:rPr lang="de-AT" smtClean="0"/>
+              <a:t>16.01.2018</a:t>
+            </a:fld>
+            <a:endParaRPr lang="de-DE"/>
+          </a:p>
+        </p:txBody>
+      </p:sp>
+      <p:sp>
+        <p:nvSpPr>
+          <p:cNvPr id="5" name="Fußzeilenplatzhalter 4">
+            <a:extLst>
+              <a:ext uri="{FF2B5EF4-FFF2-40B4-BE49-F238E27FC236}">
+                <a16:creationId xmlns:a16="http://schemas.microsoft.com/office/drawing/2014/main" id="{091E7BE3-E85C-4B3A-ACE2-4FE255BF93A7}"/>
+              </a:ext>
+            </a:extLst>
+          </p:cNvPr>
+          <p:cNvSpPr>
+            <a:spLocks noGrp="1"/>
+          </p:cNvSpPr>
+          <p:nvPr>
+            <p:ph type="ftr" sz="quarter" idx="11"/>
+          </p:nvPr>
+        </p:nvSpPr>
+        <p:spPr/>
+        <p:txBody>
+          <a:bodyPr/>
+          <a:lstStyle/>
+          <a:p>
+            <a:r>
+              <a:rPr lang="en-US"/>
+              <a:t>FH Wels, AT-Master / INIF, ITS3ILV</a:t>
+            </a:r>
+            <a:endParaRPr lang="de-DE" dirty="0"/>
+          </a:p>
+        </p:txBody>
+      </p:sp>
+      <p:sp>
+        <p:nvSpPr>
+          <p:cNvPr id="6" name="Foliennummernplatzhalter 5">
+            <a:extLst>
+              <a:ext uri="{FF2B5EF4-FFF2-40B4-BE49-F238E27FC236}">
+                <a16:creationId xmlns:a16="http://schemas.microsoft.com/office/drawing/2014/main" id="{DB2DF19C-DDD2-4C0B-91BE-B10D24977237}"/>
+              </a:ext>
+            </a:extLst>
+          </p:cNvPr>
+          <p:cNvSpPr>
+            <a:spLocks noGrp="1"/>
+          </p:cNvSpPr>
+          <p:nvPr>
+            <p:ph type="sldNum" sz="quarter" idx="12"/>
+          </p:nvPr>
+        </p:nvSpPr>
+        <p:spPr/>
+        <p:txBody>
+          <a:bodyPr/>
+          <a:lstStyle/>
+          <a:p>
+            <a:fld id="{42430F15-44E3-4E69-A3DD-479649D4CC4A}" type="slidenum">
+              <a:rPr lang="de-DE" smtClean="0"/>
+              <a:t>13</a:t>
             </a:fld>
             <a:endParaRPr lang="de-DE"/>
           </a:p>
@@ -5097,7 +5604,7 @@
 </p:sld>
 </file>
 
-<file path=ppt/slides/slide12.xml><?xml version="1.0" encoding="utf-8"?>
+<file path=ppt/slides/slide14.xml><?xml version="1.0" encoding="utf-8"?>
 <p:sld xmlns:a="http://schemas.openxmlformats.org/drawingml/2006/main" xmlns:r="http://schemas.openxmlformats.org/officeDocument/2006/relationships" xmlns:p="http://schemas.openxmlformats.org/presentationml/2006/main">
   <p:cSld>
     <p:spTree>
@@ -5268,7 +5775,7 @@
           <a:p>
             <a:fld id="{5816D8F1-3E92-45E9-82E1-886063832025}" type="datetime1">
               <a:rPr lang="de-AT" smtClean="0"/>
-              <a:t>14.01.2018</a:t>
+              <a:t>16.01.2018</a:t>
             </a:fld>
             <a:endParaRPr lang="de-DE"/>
           </a:p>
@@ -5326,7 +5833,7 @@
           <a:p>
             <a:fld id="{42430F15-44E3-4E69-A3DD-479649D4CC4A}" type="slidenum">
               <a:rPr lang="de-DE" smtClean="0"/>
-              <a:t>12</a:t>
+              <a:t>14</a:t>
             </a:fld>
             <a:endParaRPr lang="de-DE"/>
           </a:p>
@@ -5480,7 +5987,7 @@
 </p:sld>
 </file>
 
-<file path=ppt/slides/slide13.xml><?xml version="1.0" encoding="utf-8"?>
+<file path=ppt/slides/slide15.xml><?xml version="1.0" encoding="utf-8"?>
 <p:sld xmlns:a="http://schemas.openxmlformats.org/drawingml/2006/main" xmlns:r="http://schemas.openxmlformats.org/officeDocument/2006/relationships" xmlns:p="http://schemas.openxmlformats.org/presentationml/2006/main">
   <p:cSld>
     <p:spTree>
@@ -5680,7 +6187,7 @@
           <a:p>
             <a:fld id="{5816D8F1-3E92-45E9-82E1-886063832025}" type="datetime1">
               <a:rPr lang="de-AT" smtClean="0"/>
-              <a:t>14.01.2018</a:t>
+              <a:t>16.01.2018</a:t>
             </a:fld>
             <a:endParaRPr lang="de-DE"/>
           </a:p>
@@ -5738,7 +6245,7 @@
           <a:p>
             <a:fld id="{42430F15-44E3-4E69-A3DD-479649D4CC4A}" type="slidenum">
               <a:rPr lang="de-DE" smtClean="0"/>
-              <a:t>13</a:t>
+              <a:t>15</a:t>
             </a:fld>
             <a:endParaRPr lang="de-DE"/>
           </a:p>
@@ -5887,7 +6394,7 @@
 </p:sld>
 </file>
 
-<file path=ppt/slides/slide14.xml><?xml version="1.0" encoding="utf-8"?>
+<file path=ppt/slides/slide16.xml><?xml version="1.0" encoding="utf-8"?>
 <p:sld xmlns:a="http://schemas.openxmlformats.org/drawingml/2006/main" xmlns:r="http://schemas.openxmlformats.org/officeDocument/2006/relationships" xmlns:p="http://schemas.openxmlformats.org/presentationml/2006/main">
   <p:cSld>
     <p:spTree>
@@ -6036,7 +6543,7 @@
           <a:p>
             <a:fld id="{5816D8F1-3E92-45E9-82E1-886063832025}" type="datetime1">
               <a:rPr lang="de-AT" smtClean="0"/>
-              <a:t>14.01.2018</a:t>
+              <a:t>16.01.2018</a:t>
             </a:fld>
             <a:endParaRPr lang="de-DE"/>
           </a:p>
@@ -6094,7 +6601,7 @@
           <a:p>
             <a:fld id="{42430F15-44E3-4E69-A3DD-479649D4CC4A}" type="slidenum">
               <a:rPr lang="de-DE" smtClean="0"/>
-              <a:t>14</a:t>
+              <a:t>16</a:t>
             </a:fld>
             <a:endParaRPr lang="de-DE"/>
           </a:p>
@@ -6243,7 +6750,7 @@
 </p:sld>
 </file>
 
-<file path=ppt/slides/slide15.xml><?xml version="1.0" encoding="utf-8"?>
+<file path=ppt/slides/slide17.xml><?xml version="1.0" encoding="utf-8"?>
 <p:sld xmlns:a="http://schemas.openxmlformats.org/drawingml/2006/main" xmlns:r="http://schemas.openxmlformats.org/officeDocument/2006/relationships" xmlns:p="http://schemas.openxmlformats.org/presentationml/2006/main">
   <p:cSld>
     <p:spTree>
@@ -6409,7 +6916,7 @@
           <a:p>
             <a:fld id="{5816D8F1-3E92-45E9-82E1-886063832025}" type="datetime1">
               <a:rPr lang="de-AT" smtClean="0"/>
-              <a:t>14.01.2018</a:t>
+              <a:t>16.01.2018</a:t>
             </a:fld>
             <a:endParaRPr lang="de-DE"/>
           </a:p>
@@ -6467,7 +6974,7 @@
           <a:p>
             <a:fld id="{42430F15-44E3-4E69-A3DD-479649D4CC4A}" type="slidenum">
               <a:rPr lang="de-DE" smtClean="0"/>
-              <a:t>15</a:t>
+              <a:t>17</a:t>
             </a:fld>
             <a:endParaRPr lang="de-DE"/>
           </a:p>
@@ -6621,7 +7128,7 @@
 </p:sld>
 </file>
 
-<file path=ppt/slides/slide16.xml><?xml version="1.0" encoding="utf-8"?>
+<file path=ppt/slides/slide18.xml><?xml version="1.0" encoding="utf-8"?>
 <p:sld xmlns:a="http://schemas.openxmlformats.org/drawingml/2006/main" xmlns:r="http://schemas.openxmlformats.org/officeDocument/2006/relationships" xmlns:p="http://schemas.openxmlformats.org/presentationml/2006/main">
   <p:cSld>
     <p:spTree>
@@ -6751,7 +7258,7 @@
           <a:p>
             <a:fld id="{5816D8F1-3E92-45E9-82E1-886063832025}" type="datetime1">
               <a:rPr lang="de-AT" smtClean="0"/>
-              <a:t>14.01.2018</a:t>
+              <a:t>16.01.2018</a:t>
             </a:fld>
             <a:endParaRPr lang="de-DE"/>
           </a:p>
@@ -6809,7 +7316,7 @@
           <a:p>
             <a:fld id="{42430F15-44E3-4E69-A3DD-479649D4CC4A}" type="slidenum">
               <a:rPr lang="de-DE" smtClean="0"/>
-              <a:t>16</a:t>
+              <a:t>18</a:t>
             </a:fld>
             <a:endParaRPr lang="de-DE"/>
           </a:p>
@@ -6957,7 +7464,7 @@
 </p:sld>
 </file>
 
-<file path=ppt/slides/slide17.xml><?xml version="1.0" encoding="utf-8"?>
+<file path=ppt/slides/slide19.xml><?xml version="1.0" encoding="utf-8"?>
 <p:sld xmlns:a="http://schemas.openxmlformats.org/drawingml/2006/main" xmlns:r="http://schemas.openxmlformats.org/officeDocument/2006/relationships" xmlns:p="http://schemas.openxmlformats.org/presentationml/2006/main">
   <p:cSld>
     <p:spTree>
@@ -6976,10 +7483,10 @@
       </p:grpSpPr>
       <p:sp>
         <p:nvSpPr>
-          <p:cNvPr id="2" name="Titel 1">
-            <a:extLst>
-              <a:ext uri="{FF2B5EF4-FFF2-40B4-BE49-F238E27FC236}">
-                <a16:creationId xmlns:a16="http://schemas.microsoft.com/office/drawing/2014/main" id="{50CBA54E-DED9-4D29-A44C-A5A570E93AE3}"/>
+          <p:cNvPr id="8" name="Titel 7">
+            <a:extLst>
+              <a:ext uri="{FF2B5EF4-FFF2-40B4-BE49-F238E27FC236}">
+                <a16:creationId xmlns:a16="http://schemas.microsoft.com/office/drawing/2014/main" id="{317488D4-6B2F-40DC-AF27-5EFA646E6F7E}"/>
               </a:ext>
             </a:extLst>
           </p:cNvPr>
@@ -6997,141 +7504,33 @@
           <a:p>
             <a:r>
               <a:rPr lang="de-DE" dirty="0"/>
-              <a:t>Referenzen</a:t>
-            </a:r>
-          </a:p>
-        </p:txBody>
-      </p:sp>
-      <p:sp>
-        <p:nvSpPr>
-          <p:cNvPr id="3" name="Inhaltsplatzhalter 2">
-            <a:extLst>
-              <a:ext uri="{FF2B5EF4-FFF2-40B4-BE49-F238E27FC236}">
-                <a16:creationId xmlns:a16="http://schemas.microsoft.com/office/drawing/2014/main" id="{34E55CDD-90F1-427C-A3F9-C9737EB67604}"/>
-              </a:ext>
-            </a:extLst>
-          </p:cNvPr>
-          <p:cNvSpPr>
-            <a:spLocks noGrp="1"/>
-          </p:cNvSpPr>
-          <p:nvPr>
-            <p:ph idx="1"/>
-          </p:nvPr>
-        </p:nvSpPr>
-        <p:spPr/>
-        <p:txBody>
-          <a:bodyPr/>
-          <a:lstStyle/>
-          <a:p>
-            <a:pPr marL="514350" indent="-514350">
-              <a:buFont typeface="+mj-lt"/>
-              <a:buAutoNum type="arabicParenBoth"/>
-            </a:pPr>
-            <a:r>
-              <a:rPr lang="de-DE" dirty="0">
-                <a:hlinkClick r:id="rId2"/>
-              </a:rPr>
-              <a:t>https://www.crypto-news.net/</a:t>
-            </a:r>
-            <a:endParaRPr lang="de-DE" dirty="0"/>
-          </a:p>
-          <a:p>
-            <a:pPr marL="514350" indent="-514350">
-              <a:buFont typeface="+mj-lt"/>
-              <a:buAutoNum type="arabicParenBoth"/>
-            </a:pPr>
-            <a:r>
-              <a:rPr lang="de-DE" dirty="0">
-                <a:hlinkClick r:id="rId3"/>
-              </a:rPr>
-              <a:t>https://www.blockchain.info/</a:t>
-            </a:r>
-            <a:endParaRPr lang="de-DE" dirty="0"/>
-          </a:p>
-          <a:p>
-            <a:pPr marL="514350" indent="-514350">
-              <a:buFont typeface="+mj-lt"/>
-              <a:buAutoNum type="arabicParenBoth"/>
-            </a:pPr>
-            <a:r>
-              <a:rPr lang="de-DE" dirty="0">
-                <a:hlinkClick r:id="rId4"/>
-              </a:rPr>
-              <a:t>https://de.wikipedia.org/wiki/Blockchain</a:t>
-            </a:r>
-            <a:endParaRPr lang="de-DE" dirty="0"/>
-          </a:p>
-          <a:p>
-            <a:pPr marL="514350" indent="-514350">
-              <a:buFont typeface="+mj-lt"/>
-              <a:buAutoNum type="arabicParenBoth"/>
-            </a:pPr>
-            <a:r>
-              <a:rPr lang="de-DE" dirty="0">
-                <a:hlinkClick r:id="rId5"/>
-              </a:rPr>
-              <a:t>https://futurezone.at/digital-life/was-ist-eigentlich-diese-blockchain/270.616.934</a:t>
-            </a:r>
-            <a:endParaRPr lang="de-DE" dirty="0"/>
-          </a:p>
-          <a:p>
-            <a:pPr marL="514350" indent="-514350">
-              <a:buFont typeface="+mj-lt"/>
-              <a:buAutoNum type="arabicParenBoth"/>
-            </a:pPr>
-            <a:r>
-              <a:rPr lang="de-DE" dirty="0">
-                <a:hlinkClick r:id="rId6"/>
-              </a:rPr>
-              <a:t>https://blockchainbasics.ch</a:t>
-            </a:r>
-            <a:endParaRPr lang="de-DE" dirty="0"/>
-          </a:p>
-          <a:p>
-            <a:pPr marL="514350" indent="-514350">
-              <a:buFont typeface="+mj-lt"/>
-              <a:buAutoNum type="arabicParenBoth"/>
-            </a:pPr>
-            <a:r>
-              <a:rPr lang="de-DE" dirty="0">
-                <a:hlinkClick r:id="rId7"/>
-              </a:rPr>
-              <a:t>https://anders.com/blockchain/</a:t>
-            </a:r>
-            <a:endParaRPr lang="de-DE" dirty="0"/>
-          </a:p>
-          <a:p>
-            <a:pPr marL="514350" indent="-514350">
-              <a:buFont typeface="+mj-lt"/>
-              <a:buAutoNum type="arabicParenBoth"/>
-            </a:pPr>
-            <a:r>
-              <a:rPr lang="de-DE" dirty="0">
-                <a:hlinkClick r:id="rId8"/>
-              </a:rPr>
-              <a:t>https://coinmarketcap.com/coins/</a:t>
-            </a:r>
-            <a:endParaRPr lang="de-DE" dirty="0"/>
-          </a:p>
-          <a:p>
-            <a:pPr marL="0" indent="0">
-              <a:buNone/>
-            </a:pPr>
-            <a:endParaRPr lang="de-DE" dirty="0"/>
-          </a:p>
-          <a:p>
-            <a:pPr marL="514350" indent="-514350">
-              <a:buFont typeface="+mj-lt"/>
-              <a:buAutoNum type="arabicParenBoth"/>
-            </a:pPr>
-            <a:endParaRPr lang="de-DE" dirty="0"/>
-          </a:p>
-          <a:p>
-            <a:pPr marL="514350" indent="-514350">
-              <a:buFont typeface="+mj-lt"/>
-              <a:buAutoNum type="arabicParenBoth"/>
-            </a:pPr>
-            <a:endParaRPr lang="de-DE" dirty="0"/>
+              <a:t>Anhang</a:t>
+            </a:r>
+          </a:p>
+        </p:txBody>
+      </p:sp>
+      <p:sp>
+        <p:nvSpPr>
+          <p:cNvPr id="9" name="Textplatzhalter 8">
+            <a:extLst>
+              <a:ext uri="{FF2B5EF4-FFF2-40B4-BE49-F238E27FC236}">
+                <a16:creationId xmlns:a16="http://schemas.microsoft.com/office/drawing/2014/main" id="{0302B9D0-F43B-4320-A92A-BE469619BAEB}"/>
+              </a:ext>
+            </a:extLst>
+          </p:cNvPr>
+          <p:cNvSpPr>
+            <a:spLocks noGrp="1"/>
+          </p:cNvSpPr>
+          <p:nvPr>
+            <p:ph type="body" idx="1"/>
+          </p:nvPr>
+        </p:nvSpPr>
+        <p:spPr/>
+        <p:txBody>
+          <a:bodyPr/>
+          <a:lstStyle/>
+          <a:p>
+            <a:endParaRPr lang="de-DE"/>
           </a:p>
         </p:txBody>
       </p:sp>
@@ -7140,7 +7539,7 @@
           <p:cNvPr id="4" name="Datumsplatzhalter 3">
             <a:extLst>
               <a:ext uri="{FF2B5EF4-FFF2-40B4-BE49-F238E27FC236}">
-                <a16:creationId xmlns:a16="http://schemas.microsoft.com/office/drawing/2014/main" id="{E0E16EF7-1D4A-4E8B-AD29-44E5511F3B9C}"/>
+                <a16:creationId xmlns:a16="http://schemas.microsoft.com/office/drawing/2014/main" id="{3D01AF0F-E899-4279-B3DB-91F788EF4C54}"/>
               </a:ext>
             </a:extLst>
           </p:cNvPr>
@@ -7158,7 +7557,7 @@
           <a:p>
             <a:fld id="{5816D8F1-3E92-45E9-82E1-886063832025}" type="datetime1">
               <a:rPr lang="de-AT" smtClean="0"/>
-              <a:t>14.01.2018</a:t>
+              <a:t>16.01.2018</a:t>
             </a:fld>
             <a:endParaRPr lang="de-DE"/>
           </a:p>
@@ -7169,7 +7568,7 @@
           <p:cNvPr id="5" name="Fußzeilenplatzhalter 4">
             <a:extLst>
               <a:ext uri="{FF2B5EF4-FFF2-40B4-BE49-F238E27FC236}">
-                <a16:creationId xmlns:a16="http://schemas.microsoft.com/office/drawing/2014/main" id="{F6721E1B-6D87-4CA6-A0B2-C17E9BC0E1A2}"/>
+                <a16:creationId xmlns:a16="http://schemas.microsoft.com/office/drawing/2014/main" id="{C4FF71C7-742E-4080-8A96-2DF0CE7D9483}"/>
               </a:ext>
             </a:extLst>
           </p:cNvPr>
@@ -7198,7 +7597,7 @@
           <p:cNvPr id="6" name="Foliennummernplatzhalter 5">
             <a:extLst>
               <a:ext uri="{FF2B5EF4-FFF2-40B4-BE49-F238E27FC236}">
-                <a16:creationId xmlns:a16="http://schemas.microsoft.com/office/drawing/2014/main" id="{248194F9-2754-4427-AB7A-D818D4296943}"/>
+                <a16:creationId xmlns:a16="http://schemas.microsoft.com/office/drawing/2014/main" id="{E759A638-F477-40A2-8444-FC6712E7BEEE}"/>
               </a:ext>
             </a:extLst>
           </p:cNvPr>
@@ -7216,350 +7615,16 @@
           <a:p>
             <a:fld id="{42430F15-44E3-4E69-A3DD-479649D4CC4A}" type="slidenum">
               <a:rPr lang="de-DE" smtClean="0"/>
-              <a:t>17</a:t>
+              <a:t>19</a:t>
             </a:fld>
             <a:endParaRPr lang="de-DE"/>
-          </a:p>
-        </p:txBody>
-      </p:sp>
-      <p:sp>
-        <p:nvSpPr>
-          <p:cNvPr id="7" name="Textplatzhalter 6">
-            <a:extLst>
-              <a:ext uri="{FF2B5EF4-FFF2-40B4-BE49-F238E27FC236}">
-                <a16:creationId xmlns:a16="http://schemas.microsoft.com/office/drawing/2014/main" id="{C65BE144-5082-408A-8A73-D8CB72E2CDB4}"/>
-              </a:ext>
-            </a:extLst>
-          </p:cNvPr>
-          <p:cNvSpPr>
-            <a:spLocks noGrp="1"/>
-          </p:cNvSpPr>
-          <p:nvPr>
-            <p:ph type="body" sz="quarter" idx="13"/>
-          </p:nvPr>
-        </p:nvSpPr>
-        <p:spPr/>
-        <p:txBody>
-          <a:bodyPr/>
-          <a:lstStyle/>
-          <a:p>
-            <a:r>
-              <a:rPr lang="de-DE" dirty="0">
-                <a:solidFill>
-                  <a:schemeClr val="bg1">
-                    <a:lumMod val="50000"/>
-                  </a:schemeClr>
-                </a:solidFill>
-              </a:rPr>
-              <a:t>● Blockchain</a:t>
-            </a:r>
-            <a:r>
-              <a:rPr lang="de-DE" dirty="0">
-                <a:solidFill>
-                  <a:schemeClr val="bg1">
-                    <a:lumMod val="75000"/>
-                  </a:schemeClr>
-                </a:solidFill>
-              </a:rPr>
-              <a:t> </a:t>
-            </a:r>
-            <a:r>
-              <a:rPr lang="de-DE" b="1" dirty="0">
-                <a:solidFill>
-                  <a:srgbClr val="FF0000"/>
-                </a:solidFill>
-              </a:rPr>
-              <a:t>●</a:t>
-            </a:r>
-            <a:r>
-              <a:rPr lang="de-DE" b="1" dirty="0"/>
-              <a:t> </a:t>
-            </a:r>
-            <a:r>
-              <a:rPr lang="de-DE" b="1" dirty="0">
-                <a:solidFill>
-                  <a:schemeClr val="tx1"/>
-                </a:solidFill>
-              </a:rPr>
-              <a:t>Anhang</a:t>
-            </a:r>
           </a:p>
         </p:txBody>
       </p:sp>
     </p:spTree>
     <p:extLst>
       <p:ext uri="{BB962C8B-B14F-4D97-AF65-F5344CB8AC3E}">
-        <p14:creationId xmlns:p14="http://schemas.microsoft.com/office/powerpoint/2010/main" val="59292147"/>
-      </p:ext>
-    </p:extLst>
-  </p:cSld>
-  <p:clrMapOvr>
-    <a:masterClrMapping/>
-  </p:clrMapOvr>
-</p:sld>
-</file>
-
-<file path=ppt/slides/slide18.xml><?xml version="1.0" encoding="utf-8"?>
-<p:sld xmlns:a="http://schemas.openxmlformats.org/drawingml/2006/main" xmlns:r="http://schemas.openxmlformats.org/officeDocument/2006/relationships" xmlns:p="http://schemas.openxmlformats.org/presentationml/2006/main">
-  <p:cSld>
-    <p:spTree>
-      <p:nvGrpSpPr>
-        <p:cNvPr id="1" name=""/>
-        <p:cNvGrpSpPr/>
-        <p:nvPr/>
-      </p:nvGrpSpPr>
-      <p:grpSpPr>
-        <a:xfrm>
-          <a:off x="0" y="0"/>
-          <a:ext cx="0" cy="0"/>
-          <a:chOff x="0" y="0"/>
-          <a:chExt cx="0" cy="0"/>
-        </a:xfrm>
-      </p:grpSpPr>
-      <p:sp>
-        <p:nvSpPr>
-          <p:cNvPr id="2" name="Titel 1">
-            <a:extLst>
-              <a:ext uri="{FF2B5EF4-FFF2-40B4-BE49-F238E27FC236}">
-                <a16:creationId xmlns:a16="http://schemas.microsoft.com/office/drawing/2014/main" id="{50CBA54E-DED9-4D29-A44C-A5A570E93AE3}"/>
-              </a:ext>
-            </a:extLst>
-          </p:cNvPr>
-          <p:cNvSpPr>
-            <a:spLocks noGrp="1"/>
-          </p:cNvSpPr>
-          <p:nvPr>
-            <p:ph type="title"/>
-          </p:nvPr>
-        </p:nvSpPr>
-        <p:spPr/>
-        <p:txBody>
-          <a:bodyPr/>
-          <a:lstStyle/>
-          <a:p>
-            <a:r>
-              <a:rPr lang="de-DE" dirty="0"/>
-              <a:t>Videos</a:t>
-            </a:r>
-          </a:p>
-        </p:txBody>
-      </p:sp>
-      <p:sp>
-        <p:nvSpPr>
-          <p:cNvPr id="3" name="Inhaltsplatzhalter 2">
-            <a:extLst>
-              <a:ext uri="{FF2B5EF4-FFF2-40B4-BE49-F238E27FC236}">
-                <a16:creationId xmlns:a16="http://schemas.microsoft.com/office/drawing/2014/main" id="{34E55CDD-90F1-427C-A3F9-C9737EB67604}"/>
-              </a:ext>
-            </a:extLst>
-          </p:cNvPr>
-          <p:cNvSpPr>
-            <a:spLocks noGrp="1"/>
-          </p:cNvSpPr>
-          <p:nvPr>
-            <p:ph idx="1"/>
-          </p:nvPr>
-        </p:nvSpPr>
-        <p:spPr/>
-        <p:txBody>
-          <a:bodyPr/>
-          <a:lstStyle/>
-          <a:p>
-            <a:pPr marL="514350" indent="-514350">
-              <a:buFont typeface="+mj-lt"/>
-              <a:buAutoNum type="arabicParenBoth"/>
-            </a:pPr>
-            <a:r>
-              <a:rPr lang="de-DE" dirty="0">
-                <a:hlinkClick r:id="rId2"/>
-              </a:rPr>
-              <a:t>https://www.youtube.com/watch?v=m13mEw96nP8</a:t>
-            </a:r>
-            <a:endParaRPr lang="de-DE" dirty="0"/>
-          </a:p>
-          <a:p>
-            <a:pPr marL="514350" indent="-514350">
-              <a:buFont typeface="+mj-lt"/>
-              <a:buAutoNum type="arabicParenBoth"/>
-            </a:pPr>
-            <a:r>
-              <a:rPr lang="de-DE" dirty="0">
-                <a:hlinkClick r:id="rId3"/>
-              </a:rPr>
-              <a:t>https://www.youtube.com/watch?v=2LFENhIwSvI</a:t>
-            </a:r>
-            <a:endParaRPr lang="de-DE" dirty="0"/>
-          </a:p>
-          <a:p>
-            <a:pPr marL="514350" indent="-514350">
-              <a:buFont typeface="+mj-lt"/>
-              <a:buAutoNum type="arabicParenBoth"/>
-            </a:pPr>
-            <a:r>
-              <a:rPr lang="de-DE" dirty="0">
-                <a:hlinkClick r:id="rId4"/>
-              </a:rPr>
-              <a:t>https://www.youtube.com/watch?v=SSo_EIwHSd4</a:t>
-            </a:r>
-            <a:endParaRPr lang="de-DE" dirty="0"/>
-          </a:p>
-        </p:txBody>
-      </p:sp>
-      <p:sp>
-        <p:nvSpPr>
-          <p:cNvPr id="4" name="Datumsplatzhalter 3">
-            <a:extLst>
-              <a:ext uri="{FF2B5EF4-FFF2-40B4-BE49-F238E27FC236}">
-                <a16:creationId xmlns:a16="http://schemas.microsoft.com/office/drawing/2014/main" id="{E0E16EF7-1D4A-4E8B-AD29-44E5511F3B9C}"/>
-              </a:ext>
-            </a:extLst>
-          </p:cNvPr>
-          <p:cNvSpPr>
-            <a:spLocks noGrp="1"/>
-          </p:cNvSpPr>
-          <p:nvPr>
-            <p:ph type="dt" sz="half" idx="10"/>
-          </p:nvPr>
-        </p:nvSpPr>
-        <p:spPr/>
-        <p:txBody>
-          <a:bodyPr/>
-          <a:lstStyle/>
-          <a:p>
-            <a:fld id="{5816D8F1-3E92-45E9-82E1-886063832025}" type="datetime1">
-              <a:rPr lang="de-AT" smtClean="0"/>
-              <a:t>14.01.2018</a:t>
-            </a:fld>
-            <a:endParaRPr lang="de-DE"/>
-          </a:p>
-        </p:txBody>
-      </p:sp>
-      <p:sp>
-        <p:nvSpPr>
-          <p:cNvPr id="5" name="Fußzeilenplatzhalter 4">
-            <a:extLst>
-              <a:ext uri="{FF2B5EF4-FFF2-40B4-BE49-F238E27FC236}">
-                <a16:creationId xmlns:a16="http://schemas.microsoft.com/office/drawing/2014/main" id="{F6721E1B-6D87-4CA6-A0B2-C17E9BC0E1A2}"/>
-              </a:ext>
-            </a:extLst>
-          </p:cNvPr>
-          <p:cNvSpPr>
-            <a:spLocks noGrp="1"/>
-          </p:cNvSpPr>
-          <p:nvPr>
-            <p:ph type="ftr" sz="quarter" idx="11"/>
-          </p:nvPr>
-        </p:nvSpPr>
-        <p:spPr/>
-        <p:txBody>
-          <a:bodyPr/>
-          <a:lstStyle/>
-          <a:p>
-            <a:r>
-              <a:rPr lang="en-US"/>
-              <a:t>FH Wels, AT-Master / INIF, ITS3ILV</a:t>
-            </a:r>
-            <a:endParaRPr lang="de-DE" dirty="0"/>
-          </a:p>
-        </p:txBody>
-      </p:sp>
-      <p:sp>
-        <p:nvSpPr>
-          <p:cNvPr id="6" name="Foliennummernplatzhalter 5">
-            <a:extLst>
-              <a:ext uri="{FF2B5EF4-FFF2-40B4-BE49-F238E27FC236}">
-                <a16:creationId xmlns:a16="http://schemas.microsoft.com/office/drawing/2014/main" id="{248194F9-2754-4427-AB7A-D818D4296943}"/>
-              </a:ext>
-            </a:extLst>
-          </p:cNvPr>
-          <p:cNvSpPr>
-            <a:spLocks noGrp="1"/>
-          </p:cNvSpPr>
-          <p:nvPr>
-            <p:ph type="sldNum" sz="quarter" idx="12"/>
-          </p:nvPr>
-        </p:nvSpPr>
-        <p:spPr/>
-        <p:txBody>
-          <a:bodyPr/>
-          <a:lstStyle/>
-          <a:p>
-            <a:fld id="{42430F15-44E3-4E69-A3DD-479649D4CC4A}" type="slidenum">
-              <a:rPr lang="de-DE" smtClean="0"/>
-              <a:t>18</a:t>
-            </a:fld>
-            <a:endParaRPr lang="de-DE"/>
-          </a:p>
-        </p:txBody>
-      </p:sp>
-      <p:sp>
-        <p:nvSpPr>
-          <p:cNvPr id="7" name="Textplatzhalter 6">
-            <a:extLst>
-              <a:ext uri="{FF2B5EF4-FFF2-40B4-BE49-F238E27FC236}">
-                <a16:creationId xmlns:a16="http://schemas.microsoft.com/office/drawing/2014/main" id="{C65BE144-5082-408A-8A73-D8CB72E2CDB4}"/>
-              </a:ext>
-            </a:extLst>
-          </p:cNvPr>
-          <p:cNvSpPr>
-            <a:spLocks noGrp="1"/>
-          </p:cNvSpPr>
-          <p:nvPr>
-            <p:ph type="body" sz="quarter" idx="13"/>
-          </p:nvPr>
-        </p:nvSpPr>
-        <p:spPr/>
-        <p:txBody>
-          <a:bodyPr/>
-          <a:lstStyle/>
-          <a:p>
-            <a:r>
-              <a:rPr lang="de-DE" dirty="0">
-                <a:solidFill>
-                  <a:schemeClr val="bg1">
-                    <a:lumMod val="50000"/>
-                  </a:schemeClr>
-                </a:solidFill>
-              </a:rPr>
-              <a:t>● Blockchain</a:t>
-            </a:r>
-            <a:r>
-              <a:rPr lang="de-DE" dirty="0">
-                <a:solidFill>
-                  <a:schemeClr val="bg1">
-                    <a:lumMod val="75000"/>
-                  </a:schemeClr>
-                </a:solidFill>
-              </a:rPr>
-              <a:t> </a:t>
-            </a:r>
-            <a:r>
-              <a:rPr lang="de-DE" b="1" dirty="0">
-                <a:solidFill>
-                  <a:srgbClr val="FF0000"/>
-                </a:solidFill>
-              </a:rPr>
-              <a:t>●</a:t>
-            </a:r>
-            <a:r>
-              <a:rPr lang="de-DE" b="1" dirty="0"/>
-              <a:t> </a:t>
-            </a:r>
-            <a:r>
-              <a:rPr lang="de-DE" b="1" dirty="0">
-                <a:solidFill>
-                  <a:schemeClr val="tx1"/>
-                </a:solidFill>
-              </a:rPr>
-              <a:t>Anhang</a:t>
-            </a:r>
-          </a:p>
-        </p:txBody>
-      </p:sp>
-    </p:spTree>
-    <p:extLst>
-      <p:ext uri="{BB962C8B-B14F-4D97-AF65-F5344CB8AC3E}">
-        <p14:creationId xmlns:p14="http://schemas.microsoft.com/office/powerpoint/2010/main" val="2266573237"/>
+        <p14:creationId xmlns:p14="http://schemas.microsoft.com/office/powerpoint/2010/main" val="3239373524"/>
       </p:ext>
     </p:extLst>
   </p:cSld>
@@ -7788,7 +7853,7 @@
           <a:p>
             <a:fld id="{5816D8F1-3E92-45E9-82E1-886063832025}" type="datetime1">
               <a:rPr lang="de-AT" smtClean="0"/>
-              <a:t>14.01.2018</a:t>
+              <a:t>16.01.2018</a:t>
             </a:fld>
             <a:endParaRPr lang="de-DE"/>
           </a:p>
@@ -7873,11 +7938,26 @@
           <a:bodyPr/>
           <a:lstStyle/>
           <a:p>
-            <a:endParaRPr lang="de-DE" b="1" dirty="0">
-              <a:solidFill>
-                <a:schemeClr val="tx1"/>
-              </a:solidFill>
-            </a:endParaRPr>
+            <a:r>
+              <a:rPr lang="de-DE" b="1" dirty="0">
+                <a:solidFill>
+                  <a:srgbClr val="FF0000"/>
+                </a:solidFill>
+              </a:rPr>
+              <a:t>●</a:t>
+            </a:r>
+            <a:r>
+              <a:rPr lang="de-DE" b="1" dirty="0"/>
+              <a:t> </a:t>
+            </a:r>
+            <a:r>
+              <a:rPr lang="de-DE" b="1" dirty="0">
+                <a:solidFill>
+                  <a:schemeClr val="tx1"/>
+                </a:solidFill>
+              </a:rPr>
+              <a:t>Blockchain</a:t>
+            </a:r>
           </a:p>
         </p:txBody>
       </p:sp>
@@ -7885,6 +7965,628 @@
     <p:extLst>
       <p:ext uri="{BB962C8B-B14F-4D97-AF65-F5344CB8AC3E}">
         <p14:creationId xmlns:p14="http://schemas.microsoft.com/office/powerpoint/2010/main" val="1847489480"/>
+      </p:ext>
+    </p:extLst>
+  </p:cSld>
+  <p:clrMapOvr>
+    <a:masterClrMapping/>
+  </p:clrMapOvr>
+</p:sld>
+</file>
+
+<file path=ppt/slides/slide20.xml><?xml version="1.0" encoding="utf-8"?>
+<p:sld xmlns:a="http://schemas.openxmlformats.org/drawingml/2006/main" xmlns:r="http://schemas.openxmlformats.org/officeDocument/2006/relationships" xmlns:p="http://schemas.openxmlformats.org/presentationml/2006/main">
+  <p:cSld>
+    <p:spTree>
+      <p:nvGrpSpPr>
+        <p:cNvPr id="1" name=""/>
+        <p:cNvGrpSpPr/>
+        <p:nvPr/>
+      </p:nvGrpSpPr>
+      <p:grpSpPr>
+        <a:xfrm>
+          <a:off x="0" y="0"/>
+          <a:ext cx="0" cy="0"/>
+          <a:chOff x="0" y="0"/>
+          <a:chExt cx="0" cy="0"/>
+        </a:xfrm>
+      </p:grpSpPr>
+      <p:sp>
+        <p:nvSpPr>
+          <p:cNvPr id="2" name="Titel 1">
+            <a:extLst>
+              <a:ext uri="{FF2B5EF4-FFF2-40B4-BE49-F238E27FC236}">
+                <a16:creationId xmlns:a16="http://schemas.microsoft.com/office/drawing/2014/main" id="{50CBA54E-DED9-4D29-A44C-A5A570E93AE3}"/>
+              </a:ext>
+            </a:extLst>
+          </p:cNvPr>
+          <p:cNvSpPr>
+            <a:spLocks noGrp="1"/>
+          </p:cNvSpPr>
+          <p:nvPr>
+            <p:ph type="title"/>
+          </p:nvPr>
+        </p:nvSpPr>
+        <p:spPr/>
+        <p:txBody>
+          <a:bodyPr/>
+          <a:lstStyle/>
+          <a:p>
+            <a:r>
+              <a:rPr lang="de-DE" dirty="0"/>
+              <a:t>Referenzen</a:t>
+            </a:r>
+          </a:p>
+        </p:txBody>
+      </p:sp>
+      <p:sp>
+        <p:nvSpPr>
+          <p:cNvPr id="7" name="Textplatzhalter 6">
+            <a:extLst>
+              <a:ext uri="{FF2B5EF4-FFF2-40B4-BE49-F238E27FC236}">
+                <a16:creationId xmlns:a16="http://schemas.microsoft.com/office/drawing/2014/main" id="{C65BE144-5082-408A-8A73-D8CB72E2CDB4}"/>
+              </a:ext>
+            </a:extLst>
+          </p:cNvPr>
+          <p:cNvSpPr>
+            <a:spLocks noGrp="1"/>
+          </p:cNvSpPr>
+          <p:nvPr>
+            <p:ph type="body" idx="1"/>
+          </p:nvPr>
+        </p:nvSpPr>
+        <p:spPr/>
+        <p:txBody>
+          <a:bodyPr/>
+          <a:lstStyle/>
+          <a:p>
+            <a:r>
+              <a:rPr lang="de-DE" dirty="0">
+                <a:solidFill>
+                  <a:schemeClr val="bg1">
+                    <a:lumMod val="50000"/>
+                  </a:schemeClr>
+                </a:solidFill>
+              </a:rPr>
+              <a:t>● Blockchain</a:t>
+            </a:r>
+            <a:r>
+              <a:rPr lang="de-DE" dirty="0">
+                <a:solidFill>
+                  <a:schemeClr val="bg1">
+                    <a:lumMod val="75000"/>
+                  </a:schemeClr>
+                </a:solidFill>
+              </a:rPr>
+              <a:t> </a:t>
+            </a:r>
+            <a:r>
+              <a:rPr lang="de-DE" b="1" dirty="0">
+                <a:solidFill>
+                  <a:srgbClr val="FF0000"/>
+                </a:solidFill>
+              </a:rPr>
+              <a:t>●</a:t>
+            </a:r>
+            <a:r>
+              <a:rPr lang="de-DE" b="1" dirty="0"/>
+              <a:t> </a:t>
+            </a:r>
+            <a:r>
+              <a:rPr lang="de-DE" b="1" dirty="0">
+                <a:solidFill>
+                  <a:schemeClr val="tx1"/>
+                </a:solidFill>
+              </a:rPr>
+              <a:t>Anhang</a:t>
+            </a:r>
+          </a:p>
+        </p:txBody>
+      </p:sp>
+      <p:sp>
+        <p:nvSpPr>
+          <p:cNvPr id="4" name="Datumsplatzhalter 3">
+            <a:extLst>
+              <a:ext uri="{FF2B5EF4-FFF2-40B4-BE49-F238E27FC236}">
+                <a16:creationId xmlns:a16="http://schemas.microsoft.com/office/drawing/2014/main" id="{E0E16EF7-1D4A-4E8B-AD29-44E5511F3B9C}"/>
+              </a:ext>
+            </a:extLst>
+          </p:cNvPr>
+          <p:cNvSpPr>
+            <a:spLocks noGrp="1"/>
+          </p:cNvSpPr>
+          <p:nvPr>
+            <p:ph type="dt" sz="half" idx="10"/>
+          </p:nvPr>
+        </p:nvSpPr>
+        <p:spPr/>
+        <p:txBody>
+          <a:bodyPr/>
+          <a:lstStyle/>
+          <a:p>
+            <a:fld id="{5816D8F1-3E92-45E9-82E1-886063832025}" type="datetime1">
+              <a:rPr lang="de-AT" smtClean="0"/>
+              <a:t>16.01.2018</a:t>
+            </a:fld>
+            <a:endParaRPr lang="de-DE"/>
+          </a:p>
+        </p:txBody>
+      </p:sp>
+      <p:sp>
+        <p:nvSpPr>
+          <p:cNvPr id="5" name="Fußzeilenplatzhalter 4">
+            <a:extLst>
+              <a:ext uri="{FF2B5EF4-FFF2-40B4-BE49-F238E27FC236}">
+                <a16:creationId xmlns:a16="http://schemas.microsoft.com/office/drawing/2014/main" id="{F6721E1B-6D87-4CA6-A0B2-C17E9BC0E1A2}"/>
+              </a:ext>
+            </a:extLst>
+          </p:cNvPr>
+          <p:cNvSpPr>
+            <a:spLocks noGrp="1"/>
+          </p:cNvSpPr>
+          <p:nvPr>
+            <p:ph type="ftr" sz="quarter" idx="11"/>
+          </p:nvPr>
+        </p:nvSpPr>
+        <p:spPr/>
+        <p:txBody>
+          <a:bodyPr/>
+          <a:lstStyle/>
+          <a:p>
+            <a:r>
+              <a:rPr lang="en-US"/>
+              <a:t>FH Wels, AT-Master / INIF, ITS3ILV</a:t>
+            </a:r>
+            <a:endParaRPr lang="de-DE" dirty="0"/>
+          </a:p>
+        </p:txBody>
+      </p:sp>
+      <p:sp>
+        <p:nvSpPr>
+          <p:cNvPr id="6" name="Foliennummernplatzhalter 5">
+            <a:extLst>
+              <a:ext uri="{FF2B5EF4-FFF2-40B4-BE49-F238E27FC236}">
+                <a16:creationId xmlns:a16="http://schemas.microsoft.com/office/drawing/2014/main" id="{248194F9-2754-4427-AB7A-D818D4296943}"/>
+              </a:ext>
+            </a:extLst>
+          </p:cNvPr>
+          <p:cNvSpPr>
+            <a:spLocks noGrp="1"/>
+          </p:cNvSpPr>
+          <p:nvPr>
+            <p:ph type="sldNum" sz="quarter" idx="12"/>
+          </p:nvPr>
+        </p:nvSpPr>
+        <p:spPr/>
+        <p:txBody>
+          <a:bodyPr/>
+          <a:lstStyle/>
+          <a:p>
+            <a:fld id="{42430F15-44E3-4E69-A3DD-479649D4CC4A}" type="slidenum">
+              <a:rPr lang="de-DE" smtClean="0"/>
+              <a:t>20</a:t>
+            </a:fld>
+            <a:endParaRPr lang="de-DE"/>
+          </a:p>
+        </p:txBody>
+      </p:sp>
+      <p:sp>
+        <p:nvSpPr>
+          <p:cNvPr id="3" name="Inhaltsplatzhalter 2">
+            <a:extLst>
+              <a:ext uri="{FF2B5EF4-FFF2-40B4-BE49-F238E27FC236}">
+                <a16:creationId xmlns:a16="http://schemas.microsoft.com/office/drawing/2014/main" id="{34E55CDD-90F1-427C-A3F9-C9737EB67604}"/>
+              </a:ext>
+            </a:extLst>
+          </p:cNvPr>
+          <p:cNvSpPr>
+            <a:spLocks noGrp="1"/>
+          </p:cNvSpPr>
+          <p:nvPr>
+            <p:ph idx="4294967295"/>
+          </p:nvPr>
+        </p:nvSpPr>
+        <p:spPr>
+          <a:xfrm>
+            <a:off x="0" y="1619250"/>
+            <a:ext cx="10799763" cy="4140200"/>
+          </a:xfrm>
+        </p:spPr>
+        <p:txBody>
+          <a:bodyPr/>
+          <a:lstStyle/>
+          <a:p>
+            <a:pPr marL="514350" indent="-514350">
+              <a:buFont typeface="+mj-lt"/>
+              <a:buAutoNum type="arabicParenBoth"/>
+            </a:pPr>
+            <a:r>
+              <a:rPr lang="de-DE" dirty="0">
+                <a:hlinkClick r:id="rId2"/>
+              </a:rPr>
+              <a:t>https://www.crypto-news.net/</a:t>
+            </a:r>
+            <a:endParaRPr lang="de-DE" dirty="0"/>
+          </a:p>
+          <a:p>
+            <a:pPr marL="514350" indent="-514350">
+              <a:buFont typeface="+mj-lt"/>
+              <a:buAutoNum type="arabicParenBoth"/>
+            </a:pPr>
+            <a:r>
+              <a:rPr lang="de-DE" dirty="0">
+                <a:hlinkClick r:id="rId3"/>
+              </a:rPr>
+              <a:t>https://www.blockchain.info/</a:t>
+            </a:r>
+            <a:endParaRPr lang="de-DE" dirty="0"/>
+          </a:p>
+          <a:p>
+            <a:pPr marL="514350" indent="-514350">
+              <a:buFont typeface="+mj-lt"/>
+              <a:buAutoNum type="arabicParenBoth"/>
+            </a:pPr>
+            <a:r>
+              <a:rPr lang="de-DE" dirty="0">
+                <a:hlinkClick r:id="rId4"/>
+              </a:rPr>
+              <a:t>https://de.wikipedia.org/wiki/Blockchain</a:t>
+            </a:r>
+            <a:endParaRPr lang="de-DE" dirty="0"/>
+          </a:p>
+          <a:p>
+            <a:pPr marL="514350" indent="-514350">
+              <a:buFont typeface="+mj-lt"/>
+              <a:buAutoNum type="arabicParenBoth"/>
+            </a:pPr>
+            <a:r>
+              <a:rPr lang="de-DE" dirty="0">
+                <a:hlinkClick r:id="rId5"/>
+              </a:rPr>
+              <a:t>https://futurezone.at/digital-life/was-ist-eigentlich-diese-blockchain/270.616.934</a:t>
+            </a:r>
+            <a:endParaRPr lang="de-DE" dirty="0"/>
+          </a:p>
+          <a:p>
+            <a:pPr marL="514350" indent="-514350">
+              <a:buFont typeface="+mj-lt"/>
+              <a:buAutoNum type="arabicParenBoth"/>
+            </a:pPr>
+            <a:r>
+              <a:rPr lang="de-DE" dirty="0">
+                <a:hlinkClick r:id="rId6"/>
+              </a:rPr>
+              <a:t>https://blockchainbasics.ch</a:t>
+            </a:r>
+            <a:endParaRPr lang="de-DE" dirty="0"/>
+          </a:p>
+          <a:p>
+            <a:pPr marL="514350" indent="-514350">
+              <a:buFont typeface="+mj-lt"/>
+              <a:buAutoNum type="arabicParenBoth"/>
+            </a:pPr>
+            <a:r>
+              <a:rPr lang="de-DE" dirty="0">
+                <a:hlinkClick r:id="rId7"/>
+              </a:rPr>
+              <a:t>https://anders.com/blockchain/</a:t>
+            </a:r>
+            <a:endParaRPr lang="de-DE" dirty="0"/>
+          </a:p>
+          <a:p>
+            <a:pPr marL="514350" indent="-514350">
+              <a:buFont typeface="+mj-lt"/>
+              <a:buAutoNum type="arabicParenBoth"/>
+            </a:pPr>
+            <a:r>
+              <a:rPr lang="de-DE" dirty="0">
+                <a:hlinkClick r:id="rId8"/>
+              </a:rPr>
+              <a:t>https://coinmarketcap.com/coins/</a:t>
+            </a:r>
+            <a:endParaRPr lang="de-DE" dirty="0"/>
+          </a:p>
+          <a:p>
+            <a:pPr marL="0" indent="0">
+              <a:buNone/>
+            </a:pPr>
+            <a:endParaRPr lang="de-DE" dirty="0"/>
+          </a:p>
+          <a:p>
+            <a:pPr marL="514350" indent="-514350">
+              <a:buFont typeface="+mj-lt"/>
+              <a:buAutoNum type="arabicParenBoth"/>
+            </a:pPr>
+            <a:endParaRPr lang="de-DE" dirty="0"/>
+          </a:p>
+          <a:p>
+            <a:pPr marL="514350" indent="-514350">
+              <a:buFont typeface="+mj-lt"/>
+              <a:buAutoNum type="arabicParenBoth"/>
+            </a:pPr>
+            <a:endParaRPr lang="de-DE" dirty="0"/>
+          </a:p>
+        </p:txBody>
+      </p:sp>
+    </p:spTree>
+    <p:extLst>
+      <p:ext uri="{BB962C8B-B14F-4D97-AF65-F5344CB8AC3E}">
+        <p14:creationId xmlns:p14="http://schemas.microsoft.com/office/powerpoint/2010/main" val="59292147"/>
+      </p:ext>
+    </p:extLst>
+  </p:cSld>
+  <p:clrMapOvr>
+    <a:masterClrMapping/>
+  </p:clrMapOvr>
+</p:sld>
+</file>
+
+<file path=ppt/slides/slide21.xml><?xml version="1.0" encoding="utf-8"?>
+<p:sld xmlns:a="http://schemas.openxmlformats.org/drawingml/2006/main" xmlns:r="http://schemas.openxmlformats.org/officeDocument/2006/relationships" xmlns:p="http://schemas.openxmlformats.org/presentationml/2006/main">
+  <p:cSld>
+    <p:spTree>
+      <p:nvGrpSpPr>
+        <p:cNvPr id="1" name=""/>
+        <p:cNvGrpSpPr/>
+        <p:nvPr/>
+      </p:nvGrpSpPr>
+      <p:grpSpPr>
+        <a:xfrm>
+          <a:off x="0" y="0"/>
+          <a:ext cx="0" cy="0"/>
+          <a:chOff x="0" y="0"/>
+          <a:chExt cx="0" cy="0"/>
+        </a:xfrm>
+      </p:grpSpPr>
+      <p:sp>
+        <p:nvSpPr>
+          <p:cNvPr id="2" name="Titel 1">
+            <a:extLst>
+              <a:ext uri="{FF2B5EF4-FFF2-40B4-BE49-F238E27FC236}">
+                <a16:creationId xmlns:a16="http://schemas.microsoft.com/office/drawing/2014/main" id="{50CBA54E-DED9-4D29-A44C-A5A570E93AE3}"/>
+              </a:ext>
+            </a:extLst>
+          </p:cNvPr>
+          <p:cNvSpPr>
+            <a:spLocks noGrp="1"/>
+          </p:cNvSpPr>
+          <p:nvPr>
+            <p:ph type="title"/>
+          </p:nvPr>
+        </p:nvSpPr>
+        <p:spPr/>
+        <p:txBody>
+          <a:bodyPr/>
+          <a:lstStyle/>
+          <a:p>
+            <a:r>
+              <a:rPr lang="de-DE" dirty="0"/>
+              <a:t>Videos</a:t>
+            </a:r>
+          </a:p>
+        </p:txBody>
+      </p:sp>
+      <p:sp>
+        <p:nvSpPr>
+          <p:cNvPr id="7" name="Textplatzhalter 6">
+            <a:extLst>
+              <a:ext uri="{FF2B5EF4-FFF2-40B4-BE49-F238E27FC236}">
+                <a16:creationId xmlns:a16="http://schemas.microsoft.com/office/drawing/2014/main" id="{C65BE144-5082-408A-8A73-D8CB72E2CDB4}"/>
+              </a:ext>
+            </a:extLst>
+          </p:cNvPr>
+          <p:cNvSpPr>
+            <a:spLocks noGrp="1"/>
+          </p:cNvSpPr>
+          <p:nvPr>
+            <p:ph type="body" idx="1"/>
+          </p:nvPr>
+        </p:nvSpPr>
+        <p:spPr/>
+        <p:txBody>
+          <a:bodyPr/>
+          <a:lstStyle/>
+          <a:p>
+            <a:r>
+              <a:rPr lang="de-DE" dirty="0">
+                <a:solidFill>
+                  <a:schemeClr val="bg1">
+                    <a:lumMod val="50000"/>
+                  </a:schemeClr>
+                </a:solidFill>
+              </a:rPr>
+              <a:t>● Blockchain</a:t>
+            </a:r>
+            <a:r>
+              <a:rPr lang="de-DE" dirty="0">
+                <a:solidFill>
+                  <a:schemeClr val="bg1">
+                    <a:lumMod val="75000"/>
+                  </a:schemeClr>
+                </a:solidFill>
+              </a:rPr>
+              <a:t> </a:t>
+            </a:r>
+            <a:r>
+              <a:rPr lang="de-DE" b="1" dirty="0">
+                <a:solidFill>
+                  <a:srgbClr val="FF0000"/>
+                </a:solidFill>
+              </a:rPr>
+              <a:t>●</a:t>
+            </a:r>
+            <a:r>
+              <a:rPr lang="de-DE" b="1" dirty="0"/>
+              <a:t> </a:t>
+            </a:r>
+            <a:r>
+              <a:rPr lang="de-DE" b="1" dirty="0">
+                <a:solidFill>
+                  <a:schemeClr val="tx1"/>
+                </a:solidFill>
+              </a:rPr>
+              <a:t>Anhang</a:t>
+            </a:r>
+          </a:p>
+        </p:txBody>
+      </p:sp>
+      <p:sp>
+        <p:nvSpPr>
+          <p:cNvPr id="4" name="Datumsplatzhalter 3">
+            <a:extLst>
+              <a:ext uri="{FF2B5EF4-FFF2-40B4-BE49-F238E27FC236}">
+                <a16:creationId xmlns:a16="http://schemas.microsoft.com/office/drawing/2014/main" id="{E0E16EF7-1D4A-4E8B-AD29-44E5511F3B9C}"/>
+              </a:ext>
+            </a:extLst>
+          </p:cNvPr>
+          <p:cNvSpPr>
+            <a:spLocks noGrp="1"/>
+          </p:cNvSpPr>
+          <p:nvPr>
+            <p:ph type="dt" sz="half" idx="10"/>
+          </p:nvPr>
+        </p:nvSpPr>
+        <p:spPr/>
+        <p:txBody>
+          <a:bodyPr/>
+          <a:lstStyle/>
+          <a:p>
+            <a:fld id="{5816D8F1-3E92-45E9-82E1-886063832025}" type="datetime1">
+              <a:rPr lang="de-AT" smtClean="0"/>
+              <a:t>16.01.2018</a:t>
+            </a:fld>
+            <a:endParaRPr lang="de-DE"/>
+          </a:p>
+        </p:txBody>
+      </p:sp>
+      <p:sp>
+        <p:nvSpPr>
+          <p:cNvPr id="5" name="Fußzeilenplatzhalter 4">
+            <a:extLst>
+              <a:ext uri="{FF2B5EF4-FFF2-40B4-BE49-F238E27FC236}">
+                <a16:creationId xmlns:a16="http://schemas.microsoft.com/office/drawing/2014/main" id="{F6721E1B-6D87-4CA6-A0B2-C17E9BC0E1A2}"/>
+              </a:ext>
+            </a:extLst>
+          </p:cNvPr>
+          <p:cNvSpPr>
+            <a:spLocks noGrp="1"/>
+          </p:cNvSpPr>
+          <p:nvPr>
+            <p:ph type="ftr" sz="quarter" idx="11"/>
+          </p:nvPr>
+        </p:nvSpPr>
+        <p:spPr/>
+        <p:txBody>
+          <a:bodyPr/>
+          <a:lstStyle/>
+          <a:p>
+            <a:r>
+              <a:rPr lang="en-US"/>
+              <a:t>FH Wels, AT-Master / INIF, ITS3ILV</a:t>
+            </a:r>
+            <a:endParaRPr lang="de-DE" dirty="0"/>
+          </a:p>
+        </p:txBody>
+      </p:sp>
+      <p:sp>
+        <p:nvSpPr>
+          <p:cNvPr id="6" name="Foliennummernplatzhalter 5">
+            <a:extLst>
+              <a:ext uri="{FF2B5EF4-FFF2-40B4-BE49-F238E27FC236}">
+                <a16:creationId xmlns:a16="http://schemas.microsoft.com/office/drawing/2014/main" id="{248194F9-2754-4427-AB7A-D818D4296943}"/>
+              </a:ext>
+            </a:extLst>
+          </p:cNvPr>
+          <p:cNvSpPr>
+            <a:spLocks noGrp="1"/>
+          </p:cNvSpPr>
+          <p:nvPr>
+            <p:ph type="sldNum" sz="quarter" idx="12"/>
+          </p:nvPr>
+        </p:nvSpPr>
+        <p:spPr/>
+        <p:txBody>
+          <a:bodyPr/>
+          <a:lstStyle/>
+          <a:p>
+            <a:fld id="{42430F15-44E3-4E69-A3DD-479649D4CC4A}" type="slidenum">
+              <a:rPr lang="de-DE" smtClean="0"/>
+              <a:t>21</a:t>
+            </a:fld>
+            <a:endParaRPr lang="de-DE"/>
+          </a:p>
+        </p:txBody>
+      </p:sp>
+      <p:sp>
+        <p:nvSpPr>
+          <p:cNvPr id="3" name="Inhaltsplatzhalter 2">
+            <a:extLst>
+              <a:ext uri="{FF2B5EF4-FFF2-40B4-BE49-F238E27FC236}">
+                <a16:creationId xmlns:a16="http://schemas.microsoft.com/office/drawing/2014/main" id="{34E55CDD-90F1-427C-A3F9-C9737EB67604}"/>
+              </a:ext>
+            </a:extLst>
+          </p:cNvPr>
+          <p:cNvSpPr>
+            <a:spLocks noGrp="1"/>
+          </p:cNvSpPr>
+          <p:nvPr>
+            <p:ph idx="4294967295"/>
+          </p:nvPr>
+        </p:nvSpPr>
+        <p:spPr>
+          <a:xfrm>
+            <a:off x="0" y="1619250"/>
+            <a:ext cx="10799763" cy="4140200"/>
+          </a:xfrm>
+        </p:spPr>
+        <p:txBody>
+          <a:bodyPr/>
+          <a:lstStyle/>
+          <a:p>
+            <a:pPr marL="514350" indent="-514350">
+              <a:buFont typeface="+mj-lt"/>
+              <a:buAutoNum type="arabicParenBoth"/>
+            </a:pPr>
+            <a:r>
+              <a:rPr lang="de-DE" dirty="0">
+                <a:hlinkClick r:id="rId2"/>
+              </a:rPr>
+              <a:t>https://www.youtube.com/watch?v=m13mEw96nP8</a:t>
+            </a:r>
+            <a:endParaRPr lang="de-DE" dirty="0"/>
+          </a:p>
+          <a:p>
+            <a:pPr marL="514350" indent="-514350">
+              <a:buFont typeface="+mj-lt"/>
+              <a:buAutoNum type="arabicParenBoth"/>
+            </a:pPr>
+            <a:r>
+              <a:rPr lang="de-DE" dirty="0">
+                <a:hlinkClick r:id="rId3"/>
+              </a:rPr>
+              <a:t>https://www.youtube.com/watch?v=2LFENhIwSvI</a:t>
+            </a:r>
+            <a:endParaRPr lang="de-DE" dirty="0"/>
+          </a:p>
+          <a:p>
+            <a:pPr marL="514350" indent="-514350">
+              <a:buFont typeface="+mj-lt"/>
+              <a:buAutoNum type="arabicParenBoth"/>
+            </a:pPr>
+            <a:r>
+              <a:rPr lang="de-DE" dirty="0">
+                <a:hlinkClick r:id="rId4"/>
+              </a:rPr>
+              <a:t>https://www.youtube.com/watch?v=SSo_EIwHSd4</a:t>
+            </a:r>
+            <a:endParaRPr lang="de-DE" dirty="0"/>
+          </a:p>
+        </p:txBody>
+      </p:sp>
+    </p:spTree>
+    <p:extLst>
+      <p:ext uri="{BB962C8B-B14F-4D97-AF65-F5344CB8AC3E}">
+        <p14:creationId xmlns:p14="http://schemas.microsoft.com/office/powerpoint/2010/main" val="2266573237"/>
       </p:ext>
     </p:extLst>
   </p:cSld>
@@ -7913,10 +8615,10 @@
       </p:grpSpPr>
       <p:sp>
         <p:nvSpPr>
-          <p:cNvPr id="2" name="Titel 1">
-            <a:extLst>
-              <a:ext uri="{FF2B5EF4-FFF2-40B4-BE49-F238E27FC236}">
-                <a16:creationId xmlns:a16="http://schemas.microsoft.com/office/drawing/2014/main" id="{FC65F202-7CB5-416F-8B68-C825991901A6}"/>
+          <p:cNvPr id="8" name="Titel 7">
+            <a:extLst>
+              <a:ext uri="{FF2B5EF4-FFF2-40B4-BE49-F238E27FC236}">
+                <a16:creationId xmlns:a16="http://schemas.microsoft.com/office/drawing/2014/main" id="{193E0D78-F786-4200-8FDE-82C028EBA64B}"/>
               </a:ext>
             </a:extLst>
           </p:cNvPr>
@@ -7934,139 +8636,33 @@
           <a:p>
             <a:r>
               <a:rPr lang="de-DE" dirty="0"/>
-              <a:t>Irrtümer</a:t>
-            </a:r>
-          </a:p>
-        </p:txBody>
-      </p:sp>
-      <p:sp>
-        <p:nvSpPr>
-          <p:cNvPr id="3" name="Inhaltsplatzhalter 2">
-            <a:extLst>
-              <a:ext uri="{FF2B5EF4-FFF2-40B4-BE49-F238E27FC236}">
-                <a16:creationId xmlns:a16="http://schemas.microsoft.com/office/drawing/2014/main" id="{522AC027-0B8D-4515-AF39-314F2E7F5F92}"/>
-              </a:ext>
-            </a:extLst>
-          </p:cNvPr>
-          <p:cNvSpPr>
-            <a:spLocks noGrp="1"/>
-          </p:cNvSpPr>
-          <p:nvPr>
-            <p:ph idx="1"/>
-          </p:nvPr>
-        </p:nvSpPr>
-        <p:spPr/>
-        <p:txBody>
-          <a:bodyPr/>
-          <a:lstStyle/>
-          <a:p>
-            <a:pPr>
-              <a:lnSpc>
-                <a:spcPct val="150000"/>
-              </a:lnSpc>
-            </a:pPr>
-            <a:r>
-              <a:rPr lang="de-DE" dirty="0" err="1"/>
-              <a:t>Blockchain</a:t>
-            </a:r>
-            <a:r>
-              <a:rPr lang="de-DE" dirty="0"/>
-              <a:t> = Kryptografisches Verfahren</a:t>
-            </a:r>
-          </a:p>
-          <a:p>
-            <a:pPr lvl="1">
-              <a:lnSpc>
-                <a:spcPct val="100000"/>
-              </a:lnSpc>
-            </a:pPr>
-            <a:r>
-              <a:rPr lang="de-DE" dirty="0"/>
-              <a:t>Blockchain nutzt kryptographische Verfahren (Hashwert - Berechnung)</a:t>
-            </a:r>
-          </a:p>
-          <a:p>
-            <a:pPr marL="432008" lvl="1" indent="0">
-              <a:lnSpc>
-                <a:spcPct val="100000"/>
-              </a:lnSpc>
-              <a:buNone/>
-            </a:pPr>
-            <a:r>
-              <a:rPr lang="de-DE" dirty="0"/>
-              <a:t>	</a:t>
-            </a:r>
-            <a:r>
-              <a:rPr lang="de-DE" dirty="0">
-                <a:sym typeface="Wingdings" panose="05000000000000000000" pitchFamily="2" charset="2"/>
-              </a:rPr>
-              <a:t></a:t>
-            </a:r>
-            <a:r>
-              <a:rPr lang="de-DE" dirty="0" err="1"/>
-              <a:t>Blockchain</a:t>
-            </a:r>
-            <a:r>
-              <a:rPr lang="de-DE" dirty="0"/>
-              <a:t> ist eine „Distributed Ledger“ Technologie</a:t>
-            </a:r>
-          </a:p>
-          <a:p>
-            <a:pPr>
-              <a:lnSpc>
-                <a:spcPct val="100000"/>
-              </a:lnSpc>
-            </a:pPr>
-            <a:r>
-              <a:rPr lang="de-DE" dirty="0"/>
-              <a:t>Blockchain bietet Sicherheit</a:t>
-            </a:r>
-          </a:p>
-          <a:p>
-            <a:pPr lvl="1">
-              <a:lnSpc>
-                <a:spcPct val="100000"/>
-              </a:lnSpc>
-            </a:pPr>
-            <a:r>
-              <a:rPr lang="de-DE" dirty="0"/>
-              <a:t>Nur bedingt</a:t>
-            </a:r>
-          </a:p>
-          <a:p>
-            <a:pPr>
-              <a:lnSpc>
-                <a:spcPct val="150000"/>
-              </a:lnSpc>
-            </a:pPr>
-            <a:r>
-              <a:rPr lang="de-DE" dirty="0" err="1"/>
-              <a:t>Blockchain</a:t>
-            </a:r>
-            <a:r>
-              <a:rPr lang="de-DE" dirty="0"/>
-              <a:t> = </a:t>
-            </a:r>
-            <a:r>
-              <a:rPr lang="de-DE" dirty="0" err="1"/>
-              <a:t>BitCoin</a:t>
-            </a:r>
-            <a:endParaRPr lang="de-DE" dirty="0"/>
-          </a:p>
-          <a:p>
-            <a:pPr lvl="1">
-              <a:lnSpc>
-                <a:spcPct val="150000"/>
-              </a:lnSpc>
-            </a:pPr>
-            <a:r>
-              <a:rPr lang="de-DE" dirty="0" err="1"/>
-              <a:t>BitCoin</a:t>
-            </a:r>
-            <a:r>
-              <a:rPr lang="de-DE" dirty="0"/>
-              <a:t> verwendet die Blockchain Technologie</a:t>
-            </a:r>
+              <a:t>Verfahren</a:t>
+            </a:r>
+          </a:p>
+        </p:txBody>
+      </p:sp>
+      <p:sp>
+        <p:nvSpPr>
+          <p:cNvPr id="9" name="Textplatzhalter 8">
+            <a:extLst>
+              <a:ext uri="{FF2B5EF4-FFF2-40B4-BE49-F238E27FC236}">
+                <a16:creationId xmlns:a16="http://schemas.microsoft.com/office/drawing/2014/main" id="{4F28E593-4503-4534-9794-EA3ABBA1CA04}"/>
+              </a:ext>
+            </a:extLst>
+          </p:cNvPr>
+          <p:cNvSpPr>
+            <a:spLocks noGrp="1"/>
+          </p:cNvSpPr>
+          <p:nvPr>
+            <p:ph type="body" idx="1"/>
+          </p:nvPr>
+        </p:nvSpPr>
+        <p:spPr/>
+        <p:txBody>
+          <a:bodyPr/>
+          <a:lstStyle/>
+          <a:p>
+            <a:endParaRPr lang="de-DE"/>
           </a:p>
         </p:txBody>
       </p:sp>
@@ -8075,7 +8671,7 @@
           <p:cNvPr id="4" name="Datumsplatzhalter 3">
             <a:extLst>
               <a:ext uri="{FF2B5EF4-FFF2-40B4-BE49-F238E27FC236}">
-                <a16:creationId xmlns:a16="http://schemas.microsoft.com/office/drawing/2014/main" id="{E7CB382E-D838-445A-9B76-D4FFF14E4852}"/>
+                <a16:creationId xmlns:a16="http://schemas.microsoft.com/office/drawing/2014/main" id="{ACE12AC2-0CB7-4461-9F0F-845587A0BFAC}"/>
               </a:ext>
             </a:extLst>
           </p:cNvPr>
@@ -8093,7 +8689,7 @@
           <a:p>
             <a:fld id="{5816D8F1-3E92-45E9-82E1-886063832025}" type="datetime1">
               <a:rPr lang="de-AT" smtClean="0"/>
-              <a:t>14.01.2018</a:t>
+              <a:t>16.01.2018</a:t>
             </a:fld>
             <a:endParaRPr lang="de-DE"/>
           </a:p>
@@ -8104,7 +8700,7 @@
           <p:cNvPr id="5" name="Fußzeilenplatzhalter 4">
             <a:extLst>
               <a:ext uri="{FF2B5EF4-FFF2-40B4-BE49-F238E27FC236}">
-                <a16:creationId xmlns:a16="http://schemas.microsoft.com/office/drawing/2014/main" id="{A0C5E136-99C4-45C9-B821-874185E3C586}"/>
+                <a16:creationId xmlns:a16="http://schemas.microsoft.com/office/drawing/2014/main" id="{2466B202-2C20-4BA8-8B89-E6D571580D3A}"/>
               </a:ext>
             </a:extLst>
           </p:cNvPr>
@@ -8133,7 +8729,7 @@
           <p:cNvPr id="6" name="Foliennummernplatzhalter 5">
             <a:extLst>
               <a:ext uri="{FF2B5EF4-FFF2-40B4-BE49-F238E27FC236}">
-                <a16:creationId xmlns:a16="http://schemas.microsoft.com/office/drawing/2014/main" id="{FFBDBA6A-3C7C-44C6-A1D8-9CCE46894874}"/>
+                <a16:creationId xmlns:a16="http://schemas.microsoft.com/office/drawing/2014/main" id="{A492F95F-DEA4-42B7-817B-4A766E4A348B}"/>
               </a:ext>
             </a:extLst>
           </p:cNvPr>
@@ -8157,6 +8753,64 @@
           </a:p>
         </p:txBody>
       </p:sp>
+    </p:spTree>
+    <p:extLst>
+      <p:ext uri="{BB962C8B-B14F-4D97-AF65-F5344CB8AC3E}">
+        <p14:creationId xmlns:p14="http://schemas.microsoft.com/office/powerpoint/2010/main" val="663762701"/>
+      </p:ext>
+    </p:extLst>
+  </p:cSld>
+  <p:clrMapOvr>
+    <a:masterClrMapping/>
+  </p:clrMapOvr>
+</p:sld>
+</file>
+
+<file path=ppt/slides/slide4.xml><?xml version="1.0" encoding="utf-8"?>
+<p:sld xmlns:a="http://schemas.openxmlformats.org/drawingml/2006/main" xmlns:r="http://schemas.openxmlformats.org/officeDocument/2006/relationships" xmlns:p="http://schemas.openxmlformats.org/presentationml/2006/main">
+  <p:cSld>
+    <p:spTree>
+      <p:nvGrpSpPr>
+        <p:cNvPr id="1" name=""/>
+        <p:cNvGrpSpPr/>
+        <p:nvPr/>
+      </p:nvGrpSpPr>
+      <p:grpSpPr>
+        <a:xfrm>
+          <a:off x="0" y="0"/>
+          <a:ext cx="0" cy="0"/>
+          <a:chOff x="0" y="0"/>
+          <a:chExt cx="0" cy="0"/>
+        </a:xfrm>
+      </p:grpSpPr>
+      <p:sp>
+        <p:nvSpPr>
+          <p:cNvPr id="2" name="Titel 1">
+            <a:extLst>
+              <a:ext uri="{FF2B5EF4-FFF2-40B4-BE49-F238E27FC236}">
+                <a16:creationId xmlns:a16="http://schemas.microsoft.com/office/drawing/2014/main" id="{FC65F202-7CB5-416F-8B68-C825991901A6}"/>
+              </a:ext>
+            </a:extLst>
+          </p:cNvPr>
+          <p:cNvSpPr>
+            <a:spLocks noGrp="1"/>
+          </p:cNvSpPr>
+          <p:nvPr>
+            <p:ph type="title"/>
+          </p:nvPr>
+        </p:nvSpPr>
+        <p:spPr/>
+        <p:txBody>
+          <a:bodyPr/>
+          <a:lstStyle/>
+          <a:p>
+            <a:r>
+              <a:rPr lang="de-DE" dirty="0"/>
+              <a:t>Irrtümer</a:t>
+            </a:r>
+          </a:p>
+        </p:txBody>
+      </p:sp>
       <p:sp>
         <p:nvSpPr>
           <p:cNvPr id="7" name="Textplatzhalter 6">
@@ -8170,7 +8824,7 @@
             <a:spLocks noGrp="1"/>
           </p:cNvSpPr>
           <p:nvPr>
-            <p:ph type="body" sz="quarter" idx="13"/>
+            <p:ph type="body" idx="1"/>
           </p:nvPr>
         </p:nvSpPr>
         <p:spPr/>
@@ -8221,6 +8875,307 @@
           </a:p>
         </p:txBody>
       </p:sp>
+      <p:sp>
+        <p:nvSpPr>
+          <p:cNvPr id="4" name="Datumsplatzhalter 3">
+            <a:extLst>
+              <a:ext uri="{FF2B5EF4-FFF2-40B4-BE49-F238E27FC236}">
+                <a16:creationId xmlns:a16="http://schemas.microsoft.com/office/drawing/2014/main" id="{E7CB382E-D838-445A-9B76-D4FFF14E4852}"/>
+              </a:ext>
+            </a:extLst>
+          </p:cNvPr>
+          <p:cNvSpPr>
+            <a:spLocks noGrp="1"/>
+          </p:cNvSpPr>
+          <p:nvPr>
+            <p:ph type="dt" sz="half" idx="10"/>
+          </p:nvPr>
+        </p:nvSpPr>
+        <p:spPr/>
+        <p:txBody>
+          <a:bodyPr/>
+          <a:lstStyle/>
+          <a:p>
+            <a:fld id="{5816D8F1-3E92-45E9-82E1-886063832025}" type="datetime1">
+              <a:rPr lang="de-AT" smtClean="0"/>
+              <a:t>16.01.2018</a:t>
+            </a:fld>
+            <a:endParaRPr lang="de-DE"/>
+          </a:p>
+        </p:txBody>
+      </p:sp>
+      <p:sp>
+        <p:nvSpPr>
+          <p:cNvPr id="5" name="Fußzeilenplatzhalter 4">
+            <a:extLst>
+              <a:ext uri="{FF2B5EF4-FFF2-40B4-BE49-F238E27FC236}">
+                <a16:creationId xmlns:a16="http://schemas.microsoft.com/office/drawing/2014/main" id="{A0C5E136-99C4-45C9-B821-874185E3C586}"/>
+              </a:ext>
+            </a:extLst>
+          </p:cNvPr>
+          <p:cNvSpPr>
+            <a:spLocks noGrp="1"/>
+          </p:cNvSpPr>
+          <p:nvPr>
+            <p:ph type="ftr" sz="quarter" idx="11"/>
+          </p:nvPr>
+        </p:nvSpPr>
+        <p:spPr/>
+        <p:txBody>
+          <a:bodyPr/>
+          <a:lstStyle/>
+          <a:p>
+            <a:r>
+              <a:rPr lang="en-US"/>
+              <a:t>FH Wels, AT-Master / INIF, ITS3ILV</a:t>
+            </a:r>
+            <a:endParaRPr lang="de-DE" dirty="0"/>
+          </a:p>
+        </p:txBody>
+      </p:sp>
+      <p:sp>
+        <p:nvSpPr>
+          <p:cNvPr id="6" name="Foliennummernplatzhalter 5">
+            <a:extLst>
+              <a:ext uri="{FF2B5EF4-FFF2-40B4-BE49-F238E27FC236}">
+                <a16:creationId xmlns:a16="http://schemas.microsoft.com/office/drawing/2014/main" id="{FFBDBA6A-3C7C-44C6-A1D8-9CCE46894874}"/>
+              </a:ext>
+            </a:extLst>
+          </p:cNvPr>
+          <p:cNvSpPr>
+            <a:spLocks noGrp="1"/>
+          </p:cNvSpPr>
+          <p:nvPr>
+            <p:ph type="sldNum" sz="quarter" idx="12"/>
+          </p:nvPr>
+        </p:nvSpPr>
+        <p:spPr/>
+        <p:txBody>
+          <a:bodyPr/>
+          <a:lstStyle/>
+          <a:p>
+            <a:fld id="{42430F15-44E3-4E69-A3DD-479649D4CC4A}" type="slidenum">
+              <a:rPr lang="de-DE" smtClean="0"/>
+              <a:t>4</a:t>
+            </a:fld>
+            <a:endParaRPr lang="de-DE"/>
+          </a:p>
+        </p:txBody>
+      </p:sp>
+      <p:sp>
+        <p:nvSpPr>
+          <p:cNvPr id="3" name="Inhaltsplatzhalter 2">
+            <a:extLst>
+              <a:ext uri="{FF2B5EF4-FFF2-40B4-BE49-F238E27FC236}">
+                <a16:creationId xmlns:a16="http://schemas.microsoft.com/office/drawing/2014/main" id="{522AC027-0B8D-4515-AF39-314F2E7F5F92}"/>
+              </a:ext>
+            </a:extLst>
+          </p:cNvPr>
+          <p:cNvSpPr>
+            <a:spLocks noGrp="1"/>
+          </p:cNvSpPr>
+          <p:nvPr>
+            <p:ph idx="4294967295"/>
+          </p:nvPr>
+        </p:nvSpPr>
+        <p:spPr>
+          <a:xfrm>
+            <a:off x="0" y="1619250"/>
+            <a:ext cx="10799763" cy="4140200"/>
+          </a:xfrm>
+        </p:spPr>
+        <p:txBody>
+          <a:bodyPr/>
+          <a:lstStyle/>
+          <a:p>
+            <a:pPr>
+              <a:lnSpc>
+                <a:spcPct val="150000"/>
+              </a:lnSpc>
+            </a:pPr>
+            <a:r>
+              <a:rPr lang="de-DE" dirty="0"/>
+              <a:t>Blockchain = Kryptografisches Verfahren</a:t>
+            </a:r>
+          </a:p>
+          <a:p>
+            <a:pPr lvl="1">
+              <a:lnSpc>
+                <a:spcPct val="100000"/>
+              </a:lnSpc>
+            </a:pPr>
+            <a:r>
+              <a:rPr lang="de-DE" dirty="0"/>
+              <a:t>Blockchain nutzt kryptographische Verfahren (Hashwert - Berechnung)</a:t>
+            </a:r>
+          </a:p>
+          <a:p>
+            <a:pPr marL="432008" lvl="1" indent="0">
+              <a:lnSpc>
+                <a:spcPct val="100000"/>
+              </a:lnSpc>
+              <a:buNone/>
+            </a:pPr>
+            <a:r>
+              <a:rPr lang="de-DE" dirty="0"/>
+              <a:t>	</a:t>
+            </a:r>
+            <a:r>
+              <a:rPr lang="de-DE" dirty="0">
+                <a:sym typeface="Wingdings" panose="05000000000000000000" pitchFamily="2" charset="2"/>
+              </a:rPr>
+              <a:t></a:t>
+            </a:r>
+            <a:r>
+              <a:rPr lang="de-DE" dirty="0" err="1"/>
+              <a:t>Blockchain</a:t>
+            </a:r>
+            <a:r>
+              <a:rPr lang="de-DE" dirty="0"/>
+              <a:t> ist eine „Distributed Ledger“ Technologie</a:t>
+            </a:r>
+          </a:p>
+          <a:p>
+            <a:pPr>
+              <a:lnSpc>
+                <a:spcPct val="100000"/>
+              </a:lnSpc>
+            </a:pPr>
+            <a:r>
+              <a:rPr lang="de-DE" dirty="0"/>
+              <a:t>Blockchain bietet Sicherheit</a:t>
+            </a:r>
+          </a:p>
+          <a:p>
+            <a:pPr lvl="1">
+              <a:lnSpc>
+                <a:spcPct val="100000"/>
+              </a:lnSpc>
+            </a:pPr>
+            <a:r>
+              <a:rPr lang="de-DE" dirty="0"/>
+              <a:t>Nur bedingt</a:t>
+            </a:r>
+          </a:p>
+          <a:p>
+            <a:pPr>
+              <a:lnSpc>
+                <a:spcPct val="150000"/>
+              </a:lnSpc>
+            </a:pPr>
+            <a:r>
+              <a:rPr lang="de-DE" dirty="0"/>
+              <a:t>Blockchain = </a:t>
+            </a:r>
+            <a:r>
+              <a:rPr lang="de-DE" dirty="0" err="1"/>
+              <a:t>BitCoin</a:t>
+            </a:r>
+            <a:endParaRPr lang="de-DE" dirty="0"/>
+          </a:p>
+          <a:p>
+            <a:pPr lvl="1">
+              <a:lnSpc>
+                <a:spcPct val="150000"/>
+              </a:lnSpc>
+            </a:pPr>
+            <a:r>
+              <a:rPr lang="de-DE" dirty="0" err="1"/>
+              <a:t>BitCoin</a:t>
+            </a:r>
+            <a:r>
+              <a:rPr lang="de-DE" dirty="0"/>
+              <a:t> verwendet die Blockchain Technologie</a:t>
+            </a:r>
+          </a:p>
+        </p:txBody>
+      </p:sp>
+      <p:cxnSp>
+        <p:nvCxnSpPr>
+          <p:cNvPr id="10" name="Gerader Verbinder 9">
+            <a:extLst>
+              <a:ext uri="{FF2B5EF4-FFF2-40B4-BE49-F238E27FC236}">
+                <a16:creationId xmlns:a16="http://schemas.microsoft.com/office/drawing/2014/main" id="{6740E13D-07A3-48EA-82C4-70B1F6BD7946}"/>
+              </a:ext>
+            </a:extLst>
+          </p:cNvPr>
+          <p:cNvCxnSpPr>
+            <a:cxnSpLocks/>
+          </p:cNvCxnSpPr>
+          <p:nvPr/>
+        </p:nvCxnSpPr>
+        <p:spPr>
+          <a:xfrm flipH="1">
+            <a:off x="2160000" y="1872000"/>
+            <a:ext cx="252000" cy="288000"/>
+          </a:xfrm>
+          <a:prstGeom prst="line">
+            <a:avLst/>
+          </a:prstGeom>
+          <a:ln w="38100">
+            <a:solidFill>
+              <a:srgbClr val="FF0000"/>
+            </a:solidFill>
+          </a:ln>
+        </p:spPr>
+        <p:style>
+          <a:lnRef idx="1">
+            <a:schemeClr val="accent1"/>
+          </a:lnRef>
+          <a:fillRef idx="0">
+            <a:schemeClr val="accent1"/>
+          </a:fillRef>
+          <a:effectRef idx="0">
+            <a:schemeClr val="accent1"/>
+          </a:effectRef>
+          <a:fontRef idx="minor">
+            <a:schemeClr val="tx1"/>
+          </a:fontRef>
+        </p:style>
+      </p:cxnSp>
+      <p:cxnSp>
+        <p:nvCxnSpPr>
+          <p:cNvPr id="12" name="Gerader Verbinder 11">
+            <a:extLst>
+              <a:ext uri="{FF2B5EF4-FFF2-40B4-BE49-F238E27FC236}">
+                <a16:creationId xmlns:a16="http://schemas.microsoft.com/office/drawing/2014/main" id="{31BAA093-3770-48B0-B2F2-C38FA06C184D}"/>
+              </a:ext>
+            </a:extLst>
+          </p:cNvPr>
+          <p:cNvCxnSpPr>
+            <a:cxnSpLocks/>
+          </p:cNvCxnSpPr>
+          <p:nvPr/>
+        </p:nvCxnSpPr>
+        <p:spPr>
+          <a:xfrm flipH="1">
+            <a:off x="2142000" y="4338000"/>
+            <a:ext cx="252000" cy="288000"/>
+          </a:xfrm>
+          <a:prstGeom prst="line">
+            <a:avLst/>
+          </a:prstGeom>
+          <a:ln w="38100">
+            <a:solidFill>
+              <a:srgbClr val="FF0000"/>
+            </a:solidFill>
+          </a:ln>
+        </p:spPr>
+        <p:style>
+          <a:lnRef idx="1">
+            <a:schemeClr val="accent1"/>
+          </a:lnRef>
+          <a:fillRef idx="0">
+            <a:schemeClr val="accent1"/>
+          </a:fillRef>
+          <a:effectRef idx="0">
+            <a:schemeClr val="accent1"/>
+          </a:effectRef>
+          <a:fontRef idx="minor">
+            <a:schemeClr val="tx1"/>
+          </a:fontRef>
+        </p:style>
+      </p:cxnSp>
     </p:spTree>
     <p:extLst>
       <p:ext uri="{BB962C8B-B14F-4D97-AF65-F5344CB8AC3E}">
@@ -8362,43 +9317,21 @@
                                   </p:childTnLst>
                                 </p:cTn>
                               </p:par>
-                            </p:childTnLst>
-                          </p:cTn>
-                        </p:par>
-                      </p:childTnLst>
-                    </p:cTn>
-                  </p:par>
-                  <p:par>
-                    <p:cTn id="13" fill="hold">
-                      <p:stCondLst>
-                        <p:cond delay="indefinite"/>
-                      </p:stCondLst>
-                      <p:childTnLst>
-                        <p:par>
-                          <p:cTn id="14" fill="hold">
-                            <p:stCondLst>
-                              <p:cond delay="0"/>
-                            </p:stCondLst>
-                            <p:childTnLst>
                               <p:par>
-                                <p:cTn id="15" presetID="1" presetClass="entr" presetSubtype="0" fill="hold" grpId="0" nodeType="clickEffect">
+                                <p:cTn id="13" presetID="1" presetClass="entr" presetSubtype="0" fill="hold" nodeType="withEffect">
                                   <p:stCondLst>
                                     <p:cond delay="0"/>
                                   </p:stCondLst>
                                   <p:childTnLst>
                                     <p:set>
                                       <p:cBhvr>
-                                        <p:cTn id="16" dur="1" fill="hold">
+                                        <p:cTn id="14" dur="1" fill="hold">
                                           <p:stCondLst>
                                             <p:cond delay="0"/>
                                           </p:stCondLst>
                                         </p:cTn>
                                         <p:tgtEl>
-                                          <p:spTgt spid="3">
-                                            <p:txEl>
-                                              <p:pRg st="3" end="3"/>
-                                            </p:txEl>
-                                          </p:spTgt>
+                                          <p:spTgt spid="10"/>
                                         </p:tgtEl>
                                         <p:attrNameLst>
                                           <p:attrName>style.visibility</p:attrName>
@@ -8411,8 +9344,26 @@
                                   </p:childTnLst>
                                 </p:cTn>
                               </p:par>
+                            </p:childTnLst>
+                          </p:cTn>
+                        </p:par>
+                      </p:childTnLst>
+                    </p:cTn>
+                  </p:par>
+                  <p:par>
+                    <p:cTn id="15" fill="hold">
+                      <p:stCondLst>
+                        <p:cond delay="indefinite"/>
+                      </p:stCondLst>
+                      <p:childTnLst>
+                        <p:par>
+                          <p:cTn id="16" fill="hold">
+                            <p:stCondLst>
+                              <p:cond delay="0"/>
+                            </p:stCondLst>
+                            <p:childTnLst>
                               <p:par>
-                                <p:cTn id="17" presetID="1" presetClass="entr" presetSubtype="0" fill="hold" grpId="0" nodeType="withEffect">
+                                <p:cTn id="17" presetID="1" presetClass="entr" presetSubtype="0" fill="hold" grpId="0" nodeType="clickEffect">
                                   <p:stCondLst>
                                     <p:cond delay="0"/>
                                   </p:stCondLst>
@@ -8427,7 +9378,7 @@
                                         <p:tgtEl>
                                           <p:spTgt spid="3">
                                             <p:txEl>
-                                              <p:pRg st="4" end="4"/>
+                                              <p:pRg st="3" end="3"/>
                                             </p:txEl>
                                           </p:spTgt>
                                         </p:tgtEl>
@@ -8476,7 +9427,7 @@
                                         <p:tgtEl>
                                           <p:spTgt spid="3">
                                             <p:txEl>
-                                              <p:pRg st="5" end="5"/>
+                                              <p:pRg st="4" end="4"/>
                                             </p:txEl>
                                           </p:spTgt>
                                         </p:tgtEl>
@@ -8525,9 +9476,85 @@
                                         <p:tgtEl>
                                           <p:spTgt spid="3">
                                             <p:txEl>
+                                              <p:pRg st="5" end="5"/>
+                                            </p:txEl>
+                                          </p:spTgt>
+                                        </p:tgtEl>
+                                        <p:attrNameLst>
+                                          <p:attrName>style.visibility</p:attrName>
+                                        </p:attrNameLst>
+                                      </p:cBhvr>
+                                      <p:to>
+                                        <p:strVal val="visible"/>
+                                      </p:to>
+                                    </p:set>
+                                  </p:childTnLst>
+                                </p:cTn>
+                              </p:par>
+                            </p:childTnLst>
+                          </p:cTn>
+                        </p:par>
+                      </p:childTnLst>
+                    </p:cTn>
+                  </p:par>
+                  <p:par>
+                    <p:cTn id="27" fill="hold">
+                      <p:stCondLst>
+                        <p:cond delay="indefinite"/>
+                      </p:stCondLst>
+                      <p:childTnLst>
+                        <p:par>
+                          <p:cTn id="28" fill="hold">
+                            <p:stCondLst>
+                              <p:cond delay="0"/>
+                            </p:stCondLst>
+                            <p:childTnLst>
+                              <p:par>
+                                <p:cTn id="29" presetID="1" presetClass="entr" presetSubtype="0" fill="hold" grpId="0" nodeType="clickEffect">
+                                  <p:stCondLst>
+                                    <p:cond delay="0"/>
+                                  </p:stCondLst>
+                                  <p:childTnLst>
+                                    <p:set>
+                                      <p:cBhvr>
+                                        <p:cTn id="30" dur="1" fill="hold">
+                                          <p:stCondLst>
+                                            <p:cond delay="0"/>
+                                          </p:stCondLst>
+                                        </p:cTn>
+                                        <p:tgtEl>
+                                          <p:spTgt spid="3">
+                                            <p:txEl>
                                               <p:pRg st="6" end="6"/>
                                             </p:txEl>
                                           </p:spTgt>
+                                        </p:tgtEl>
+                                        <p:attrNameLst>
+                                          <p:attrName>style.visibility</p:attrName>
+                                        </p:attrNameLst>
+                                      </p:cBhvr>
+                                      <p:to>
+                                        <p:strVal val="visible"/>
+                                      </p:to>
+                                    </p:set>
+                                  </p:childTnLst>
+                                </p:cTn>
+                              </p:par>
+                              <p:par>
+                                <p:cTn id="31" presetID="1" presetClass="entr" presetSubtype="0" fill="hold" nodeType="withEffect">
+                                  <p:stCondLst>
+                                    <p:cond delay="0"/>
+                                  </p:stCondLst>
+                                  <p:childTnLst>
+                                    <p:set>
+                                      <p:cBhvr>
+                                        <p:cTn id="32" dur="1" fill="hold">
+                                          <p:stCondLst>
+                                            <p:cond delay="0"/>
+                                          </p:stCondLst>
+                                        </p:cTn>
+                                        <p:tgtEl>
+                                          <p:spTgt spid="12"/>
                                         </p:tgtEl>
                                         <p:attrNameLst>
                                           <p:attrName>style.visibility</p:attrName>
@@ -8574,7 +9601,7 @@
 </p:sld>
 </file>
 
-<file path=ppt/slides/slide4.xml><?xml version="1.0" encoding="utf-8"?>
+<file path=ppt/slides/slide5.xml><?xml version="1.0" encoding="utf-8"?>
 <p:sld xmlns:a="http://schemas.openxmlformats.org/drawingml/2006/main" xmlns:r="http://schemas.openxmlformats.org/officeDocument/2006/relationships" xmlns:p="http://schemas.openxmlformats.org/presentationml/2006/main">
   <p:cSld>
     <p:spTree>
@@ -8657,235 +9684,6 @@
       </p:sp>
       <p:sp>
         <p:nvSpPr>
-          <p:cNvPr id="3" name="Inhaltsplatzhalter 2">
-            <a:extLst>
-              <a:ext uri="{FF2B5EF4-FFF2-40B4-BE49-F238E27FC236}">
-                <a16:creationId xmlns:a16="http://schemas.microsoft.com/office/drawing/2014/main" id="{522AC027-0B8D-4515-AF39-314F2E7F5F92}"/>
-              </a:ext>
-            </a:extLst>
-          </p:cNvPr>
-          <p:cNvSpPr>
-            <a:spLocks noGrp="1"/>
-          </p:cNvSpPr>
-          <p:nvPr>
-            <p:ph idx="1"/>
-          </p:nvPr>
-        </p:nvSpPr>
-        <p:spPr/>
-        <p:txBody>
-          <a:bodyPr/>
-          <a:lstStyle/>
-          <a:p>
-            <a:pPr>
-              <a:lnSpc>
-                <a:spcPct val="150000"/>
-              </a:lnSpc>
-            </a:pPr>
-            <a:r>
-              <a:rPr lang="de-DE" dirty="0"/>
-              <a:t>„</a:t>
-            </a:r>
-            <a:r>
-              <a:rPr lang="de-DE" dirty="0" err="1"/>
-              <a:t>Trusted</a:t>
-            </a:r>
-            <a:r>
-              <a:rPr lang="de-DE" dirty="0"/>
-              <a:t> Third Party“ (TTP) Problem</a:t>
-            </a:r>
-          </a:p>
-          <a:p>
-            <a:pPr lvl="1">
-              <a:lnSpc>
-                <a:spcPct val="100000"/>
-              </a:lnSpc>
-            </a:pPr>
-            <a:r>
-              <a:rPr lang="de-DE" dirty="0"/>
-              <a:t>Beide Parteien müssen 3. Partei vertrauen</a:t>
-            </a:r>
-          </a:p>
-          <a:p>
-            <a:pPr lvl="1">
-              <a:lnSpc>
-                <a:spcPct val="100000"/>
-              </a:lnSpc>
-            </a:pPr>
-            <a:r>
-              <a:rPr lang="de-DE" dirty="0"/>
-              <a:t>Wer kontrolliert die 3. Partei?</a:t>
-            </a:r>
-          </a:p>
-          <a:p>
-            <a:pPr lvl="1">
-              <a:lnSpc>
-                <a:spcPct val="100000"/>
-              </a:lnSpc>
-            </a:pPr>
-            <a:r>
-              <a:rPr lang="de-DE" dirty="0"/>
-              <a:t>Kosten für die 3. Partei</a:t>
-            </a:r>
-          </a:p>
-          <a:p>
-            <a:pPr>
-              <a:lnSpc>
-                <a:spcPct val="150000"/>
-              </a:lnSpc>
-            </a:pPr>
-            <a:r>
-              <a:rPr lang="de-DE" dirty="0"/>
-              <a:t>„</a:t>
-            </a:r>
-            <a:r>
-              <a:rPr lang="de-DE" dirty="0" err="1"/>
-              <a:t>Trustless</a:t>
-            </a:r>
-            <a:r>
-              <a:rPr lang="de-DE" dirty="0"/>
-              <a:t> System“</a:t>
-            </a:r>
-          </a:p>
-          <a:p>
-            <a:pPr lvl="1">
-              <a:lnSpc>
-                <a:spcPct val="100000"/>
-              </a:lnSpc>
-            </a:pPr>
-            <a:r>
-              <a:rPr lang="de-DE" dirty="0"/>
-              <a:t>Vertrauen ist gut, Kontrolle ist besser</a:t>
-            </a:r>
-          </a:p>
-          <a:p>
-            <a:pPr lvl="1">
-              <a:lnSpc>
-                <a:spcPct val="100000"/>
-              </a:lnSpc>
-            </a:pPr>
-            <a:r>
-              <a:rPr lang="de-DE" dirty="0"/>
-              <a:t>Gegenseitige Kontrolle</a:t>
-            </a:r>
-          </a:p>
-          <a:p>
-            <a:pPr lvl="1">
-              <a:lnSpc>
-                <a:spcPct val="100000"/>
-              </a:lnSpc>
-            </a:pPr>
-            <a:r>
-              <a:rPr lang="de-DE" dirty="0"/>
-              <a:t>Anonymität</a:t>
-            </a:r>
-          </a:p>
-          <a:p>
-            <a:pPr lvl="1">
-              <a:lnSpc>
-                <a:spcPct val="150000"/>
-              </a:lnSpc>
-            </a:pPr>
-            <a:endParaRPr lang="de-DE" dirty="0"/>
-          </a:p>
-          <a:p>
-            <a:pPr lvl="1">
-              <a:lnSpc>
-                <a:spcPct val="150000"/>
-              </a:lnSpc>
-            </a:pPr>
-            <a:endParaRPr lang="de-DE" dirty="0"/>
-          </a:p>
-        </p:txBody>
-      </p:sp>
-      <p:sp>
-        <p:nvSpPr>
-          <p:cNvPr id="4" name="Datumsplatzhalter 3">
-            <a:extLst>
-              <a:ext uri="{FF2B5EF4-FFF2-40B4-BE49-F238E27FC236}">
-                <a16:creationId xmlns:a16="http://schemas.microsoft.com/office/drawing/2014/main" id="{E7CB382E-D838-445A-9B76-D4FFF14E4852}"/>
-              </a:ext>
-            </a:extLst>
-          </p:cNvPr>
-          <p:cNvSpPr>
-            <a:spLocks noGrp="1"/>
-          </p:cNvSpPr>
-          <p:nvPr>
-            <p:ph type="dt" sz="half" idx="10"/>
-          </p:nvPr>
-        </p:nvSpPr>
-        <p:spPr/>
-        <p:txBody>
-          <a:bodyPr/>
-          <a:lstStyle/>
-          <a:p>
-            <a:fld id="{5816D8F1-3E92-45E9-82E1-886063832025}" type="datetime1">
-              <a:rPr lang="de-AT" smtClean="0"/>
-              <a:t>14.01.2018</a:t>
-            </a:fld>
-            <a:endParaRPr lang="de-DE"/>
-          </a:p>
-        </p:txBody>
-      </p:sp>
-      <p:sp>
-        <p:nvSpPr>
-          <p:cNvPr id="5" name="Fußzeilenplatzhalter 4">
-            <a:extLst>
-              <a:ext uri="{FF2B5EF4-FFF2-40B4-BE49-F238E27FC236}">
-                <a16:creationId xmlns:a16="http://schemas.microsoft.com/office/drawing/2014/main" id="{A0C5E136-99C4-45C9-B821-874185E3C586}"/>
-              </a:ext>
-            </a:extLst>
-          </p:cNvPr>
-          <p:cNvSpPr>
-            <a:spLocks noGrp="1"/>
-          </p:cNvSpPr>
-          <p:nvPr>
-            <p:ph type="ftr" sz="quarter" idx="11"/>
-          </p:nvPr>
-        </p:nvSpPr>
-        <p:spPr/>
-        <p:txBody>
-          <a:bodyPr/>
-          <a:lstStyle/>
-          <a:p>
-            <a:r>
-              <a:rPr lang="en-US" dirty="0"/>
-              <a:t>FH Wels, AT-Master / INIF, ITS3ILV</a:t>
-            </a:r>
-            <a:endParaRPr lang="de-DE" dirty="0"/>
-          </a:p>
-        </p:txBody>
-      </p:sp>
-      <p:sp>
-        <p:nvSpPr>
-          <p:cNvPr id="6" name="Foliennummernplatzhalter 5">
-            <a:extLst>
-              <a:ext uri="{FF2B5EF4-FFF2-40B4-BE49-F238E27FC236}">
-                <a16:creationId xmlns:a16="http://schemas.microsoft.com/office/drawing/2014/main" id="{FFBDBA6A-3C7C-44C6-A1D8-9CCE46894874}"/>
-              </a:ext>
-            </a:extLst>
-          </p:cNvPr>
-          <p:cNvSpPr>
-            <a:spLocks noGrp="1"/>
-          </p:cNvSpPr>
-          <p:nvPr>
-            <p:ph type="sldNum" sz="quarter" idx="12"/>
-          </p:nvPr>
-        </p:nvSpPr>
-        <p:spPr/>
-        <p:txBody>
-          <a:bodyPr/>
-          <a:lstStyle/>
-          <a:p>
-            <a:fld id="{42430F15-44E3-4E69-A3DD-479649D4CC4A}" type="slidenum">
-              <a:rPr lang="de-DE" smtClean="0"/>
-              <a:t>4</a:t>
-            </a:fld>
-            <a:endParaRPr lang="de-DE"/>
-          </a:p>
-        </p:txBody>
-      </p:sp>
-      <p:sp>
-        <p:nvSpPr>
           <p:cNvPr id="7" name="Textplatzhalter 6">
             <a:extLst>
               <a:ext uri="{FF2B5EF4-FFF2-40B4-BE49-F238E27FC236}">
@@ -8897,7 +9695,7 @@
             <a:spLocks noGrp="1"/>
           </p:cNvSpPr>
           <p:nvPr>
-            <p:ph type="body" sz="quarter" idx="13"/>
+            <p:ph type="body" idx="1"/>
           </p:nvPr>
         </p:nvSpPr>
         <p:spPr/>
@@ -8945,6 +9743,240 @@
               </a:rPr>
               <a:t>Verfahren</a:t>
             </a:r>
+          </a:p>
+        </p:txBody>
+      </p:sp>
+      <p:sp>
+        <p:nvSpPr>
+          <p:cNvPr id="4" name="Datumsplatzhalter 3">
+            <a:extLst>
+              <a:ext uri="{FF2B5EF4-FFF2-40B4-BE49-F238E27FC236}">
+                <a16:creationId xmlns:a16="http://schemas.microsoft.com/office/drawing/2014/main" id="{E7CB382E-D838-445A-9B76-D4FFF14E4852}"/>
+              </a:ext>
+            </a:extLst>
+          </p:cNvPr>
+          <p:cNvSpPr>
+            <a:spLocks noGrp="1"/>
+          </p:cNvSpPr>
+          <p:nvPr>
+            <p:ph type="dt" sz="half" idx="10"/>
+          </p:nvPr>
+        </p:nvSpPr>
+        <p:spPr/>
+        <p:txBody>
+          <a:bodyPr/>
+          <a:lstStyle/>
+          <a:p>
+            <a:fld id="{5816D8F1-3E92-45E9-82E1-886063832025}" type="datetime1">
+              <a:rPr lang="de-AT" smtClean="0"/>
+              <a:t>16.01.2018</a:t>
+            </a:fld>
+            <a:endParaRPr lang="de-DE"/>
+          </a:p>
+        </p:txBody>
+      </p:sp>
+      <p:sp>
+        <p:nvSpPr>
+          <p:cNvPr id="5" name="Fußzeilenplatzhalter 4">
+            <a:extLst>
+              <a:ext uri="{FF2B5EF4-FFF2-40B4-BE49-F238E27FC236}">
+                <a16:creationId xmlns:a16="http://schemas.microsoft.com/office/drawing/2014/main" id="{A0C5E136-99C4-45C9-B821-874185E3C586}"/>
+              </a:ext>
+            </a:extLst>
+          </p:cNvPr>
+          <p:cNvSpPr>
+            <a:spLocks noGrp="1"/>
+          </p:cNvSpPr>
+          <p:nvPr>
+            <p:ph type="ftr" sz="quarter" idx="11"/>
+          </p:nvPr>
+        </p:nvSpPr>
+        <p:spPr/>
+        <p:txBody>
+          <a:bodyPr/>
+          <a:lstStyle/>
+          <a:p>
+            <a:r>
+              <a:rPr lang="en-US" dirty="0"/>
+              <a:t>FH Wels, AT-Master / INIF, ITS3ILV</a:t>
+            </a:r>
+            <a:endParaRPr lang="de-DE" dirty="0"/>
+          </a:p>
+        </p:txBody>
+      </p:sp>
+      <p:sp>
+        <p:nvSpPr>
+          <p:cNvPr id="6" name="Foliennummernplatzhalter 5">
+            <a:extLst>
+              <a:ext uri="{FF2B5EF4-FFF2-40B4-BE49-F238E27FC236}">
+                <a16:creationId xmlns:a16="http://schemas.microsoft.com/office/drawing/2014/main" id="{FFBDBA6A-3C7C-44C6-A1D8-9CCE46894874}"/>
+              </a:ext>
+            </a:extLst>
+          </p:cNvPr>
+          <p:cNvSpPr>
+            <a:spLocks noGrp="1"/>
+          </p:cNvSpPr>
+          <p:nvPr>
+            <p:ph type="sldNum" sz="quarter" idx="12"/>
+          </p:nvPr>
+        </p:nvSpPr>
+        <p:spPr/>
+        <p:txBody>
+          <a:bodyPr/>
+          <a:lstStyle/>
+          <a:p>
+            <a:fld id="{42430F15-44E3-4E69-A3DD-479649D4CC4A}" type="slidenum">
+              <a:rPr lang="de-DE" smtClean="0"/>
+              <a:t>5</a:t>
+            </a:fld>
+            <a:endParaRPr lang="de-DE"/>
+          </a:p>
+        </p:txBody>
+      </p:sp>
+      <p:sp>
+        <p:nvSpPr>
+          <p:cNvPr id="3" name="Inhaltsplatzhalter 2">
+            <a:extLst>
+              <a:ext uri="{FF2B5EF4-FFF2-40B4-BE49-F238E27FC236}">
+                <a16:creationId xmlns:a16="http://schemas.microsoft.com/office/drawing/2014/main" id="{522AC027-0B8D-4515-AF39-314F2E7F5F92}"/>
+              </a:ext>
+            </a:extLst>
+          </p:cNvPr>
+          <p:cNvSpPr>
+            <a:spLocks noGrp="1"/>
+          </p:cNvSpPr>
+          <p:nvPr>
+            <p:ph idx="4294967295"/>
+          </p:nvPr>
+        </p:nvSpPr>
+        <p:spPr>
+          <a:xfrm>
+            <a:off x="0" y="1619250"/>
+            <a:ext cx="10799763" cy="4140200"/>
+          </a:xfrm>
+        </p:spPr>
+        <p:txBody>
+          <a:bodyPr/>
+          <a:lstStyle/>
+          <a:p>
+            <a:pPr>
+              <a:lnSpc>
+                <a:spcPct val="150000"/>
+              </a:lnSpc>
+            </a:pPr>
+            <a:r>
+              <a:rPr lang="de-DE" dirty="0"/>
+              <a:t>„</a:t>
+            </a:r>
+            <a:r>
+              <a:rPr lang="de-DE" dirty="0" err="1"/>
+              <a:t>Trusted</a:t>
+            </a:r>
+            <a:r>
+              <a:rPr lang="de-DE" dirty="0"/>
+              <a:t> Third Party“ (TTP) Problem</a:t>
+            </a:r>
+          </a:p>
+          <a:p>
+            <a:pPr lvl="1">
+              <a:lnSpc>
+                <a:spcPct val="100000"/>
+              </a:lnSpc>
+            </a:pPr>
+            <a:r>
+              <a:rPr lang="de-DE" dirty="0"/>
+              <a:t>Beide Parteien müssen 3. Partei vertrauen</a:t>
+            </a:r>
+          </a:p>
+          <a:p>
+            <a:pPr lvl="1">
+              <a:lnSpc>
+                <a:spcPct val="100000"/>
+              </a:lnSpc>
+            </a:pPr>
+            <a:r>
+              <a:rPr lang="de-DE" dirty="0"/>
+              <a:t>Wer kontrolliert die 3. Partei?</a:t>
+            </a:r>
+          </a:p>
+          <a:p>
+            <a:pPr lvl="1">
+              <a:lnSpc>
+                <a:spcPct val="100000"/>
+              </a:lnSpc>
+            </a:pPr>
+            <a:r>
+              <a:rPr lang="de-DE" dirty="0"/>
+              <a:t>Kosten für die 3. Partei</a:t>
+            </a:r>
+          </a:p>
+          <a:p>
+            <a:pPr>
+              <a:lnSpc>
+                <a:spcPct val="150000"/>
+              </a:lnSpc>
+            </a:pPr>
+            <a:r>
+              <a:rPr lang="de-DE" dirty="0"/>
+              <a:t>„</a:t>
+            </a:r>
+            <a:r>
+              <a:rPr lang="de-DE" dirty="0" err="1"/>
+              <a:t>Trustless</a:t>
+            </a:r>
+            <a:r>
+              <a:rPr lang="de-DE" dirty="0"/>
+              <a:t> System“</a:t>
+            </a:r>
+          </a:p>
+          <a:p>
+            <a:pPr lvl="1">
+              <a:lnSpc>
+                <a:spcPct val="100000"/>
+              </a:lnSpc>
+            </a:pPr>
+            <a:r>
+              <a:rPr lang="de-DE" dirty="0"/>
+              <a:t>Vertrauen ist gut, Kontrolle ist besser</a:t>
+            </a:r>
+          </a:p>
+          <a:p>
+            <a:pPr lvl="1">
+              <a:lnSpc>
+                <a:spcPct val="100000"/>
+              </a:lnSpc>
+            </a:pPr>
+            <a:r>
+              <a:rPr lang="de-DE" dirty="0"/>
+              <a:t>Gegenseitige Kontrolle</a:t>
+            </a:r>
+          </a:p>
+          <a:p>
+            <a:pPr lvl="1">
+              <a:lnSpc>
+                <a:spcPct val="100000"/>
+              </a:lnSpc>
+            </a:pPr>
+            <a:r>
+              <a:rPr lang="de-DE" dirty="0"/>
+              <a:t>Anonymität</a:t>
+            </a:r>
+          </a:p>
+          <a:p>
+            <a:pPr lvl="1">
+              <a:lnSpc>
+                <a:spcPct val="150000"/>
+              </a:lnSpc>
+            </a:pPr>
+            <a:endParaRPr lang="de-DE" dirty="0"/>
+          </a:p>
+          <a:p>
+            <a:pPr lvl="1">
+              <a:lnSpc>
+                <a:spcPct val="150000"/>
+              </a:lnSpc>
+            </a:pPr>
+            <a:endParaRPr lang="de-DE" dirty="0"/>
           </a:p>
         </p:txBody>
       </p:sp>
@@ -9922,7 +10954,7 @@
 </p:sld>
 </file>
 
-<file path=ppt/slides/slide5.xml><?xml version="1.0" encoding="utf-8"?>
+<file path=ppt/slides/slide6.xml><?xml version="1.0" encoding="utf-8"?>
 <p:sld xmlns:a="http://schemas.openxmlformats.org/drawingml/2006/main" xmlns:r="http://schemas.openxmlformats.org/officeDocument/2006/relationships" xmlns:p="http://schemas.openxmlformats.org/presentationml/2006/main">
   <p:cSld>
     <p:spTree>
@@ -9969,143 +11001,6 @@
       </p:sp>
       <p:sp>
         <p:nvSpPr>
-          <p:cNvPr id="3" name="Inhaltsplatzhalter 2">
-            <a:extLst>
-              <a:ext uri="{FF2B5EF4-FFF2-40B4-BE49-F238E27FC236}">
-                <a16:creationId xmlns:a16="http://schemas.microsoft.com/office/drawing/2014/main" id="{4A43F374-82B0-4A18-8FF0-FF977F765D52}"/>
-              </a:ext>
-            </a:extLst>
-          </p:cNvPr>
-          <p:cNvSpPr>
-            <a:spLocks noGrp="1"/>
-          </p:cNvSpPr>
-          <p:nvPr>
-            <p:ph idx="1"/>
-          </p:nvPr>
-        </p:nvSpPr>
-        <p:spPr/>
-        <p:txBody>
-          <a:bodyPr/>
-          <a:lstStyle/>
-          <a:p>
-            <a:r>
-              <a:rPr lang="de-DE" dirty="0"/>
-              <a:t>„</a:t>
-            </a:r>
-            <a:r>
-              <a:rPr lang="de-DE" dirty="0" err="1"/>
-              <a:t>Trustless</a:t>
-            </a:r>
-            <a:r>
-              <a:rPr lang="de-DE" dirty="0"/>
-              <a:t> System“</a:t>
-            </a:r>
-          </a:p>
-          <a:p>
-            <a:pPr lvl="1"/>
-            <a:r>
-              <a:rPr lang="de-DE" dirty="0"/>
-              <a:t>Distributed</a:t>
-            </a:r>
-          </a:p>
-          <a:p>
-            <a:pPr lvl="1"/>
-            <a:r>
-              <a:rPr lang="de-DE" dirty="0"/>
-              <a:t>Öffentlich</a:t>
-            </a:r>
-          </a:p>
-        </p:txBody>
-      </p:sp>
-      <p:sp>
-        <p:nvSpPr>
-          <p:cNvPr id="4" name="Datumsplatzhalter 3">
-            <a:extLst>
-              <a:ext uri="{FF2B5EF4-FFF2-40B4-BE49-F238E27FC236}">
-                <a16:creationId xmlns:a16="http://schemas.microsoft.com/office/drawing/2014/main" id="{9DBA0A7D-0898-41F8-9778-A005BF4305C5}"/>
-              </a:ext>
-            </a:extLst>
-          </p:cNvPr>
-          <p:cNvSpPr>
-            <a:spLocks noGrp="1"/>
-          </p:cNvSpPr>
-          <p:nvPr>
-            <p:ph type="dt" sz="half" idx="10"/>
-          </p:nvPr>
-        </p:nvSpPr>
-        <p:spPr/>
-        <p:txBody>
-          <a:bodyPr/>
-          <a:lstStyle/>
-          <a:p>
-            <a:fld id="{5816D8F1-3E92-45E9-82E1-886063832025}" type="datetime1">
-              <a:rPr lang="de-AT" smtClean="0"/>
-              <a:t>14.01.2018</a:t>
-            </a:fld>
-            <a:endParaRPr lang="de-DE"/>
-          </a:p>
-        </p:txBody>
-      </p:sp>
-      <p:sp>
-        <p:nvSpPr>
-          <p:cNvPr id="5" name="Fußzeilenplatzhalter 4">
-            <a:extLst>
-              <a:ext uri="{FF2B5EF4-FFF2-40B4-BE49-F238E27FC236}">
-                <a16:creationId xmlns:a16="http://schemas.microsoft.com/office/drawing/2014/main" id="{635817B1-97E4-4403-A0F9-693D8A084FC7}"/>
-              </a:ext>
-            </a:extLst>
-          </p:cNvPr>
-          <p:cNvSpPr>
-            <a:spLocks noGrp="1"/>
-          </p:cNvSpPr>
-          <p:nvPr>
-            <p:ph type="ftr" sz="quarter" idx="11"/>
-          </p:nvPr>
-        </p:nvSpPr>
-        <p:spPr/>
-        <p:txBody>
-          <a:bodyPr/>
-          <a:lstStyle/>
-          <a:p>
-            <a:r>
-              <a:rPr lang="en-US"/>
-              <a:t>FH Wels, AT-Master / INIF, ITS3ILV</a:t>
-            </a:r>
-            <a:endParaRPr lang="de-DE" dirty="0"/>
-          </a:p>
-        </p:txBody>
-      </p:sp>
-      <p:sp>
-        <p:nvSpPr>
-          <p:cNvPr id="6" name="Foliennummernplatzhalter 5">
-            <a:extLst>
-              <a:ext uri="{FF2B5EF4-FFF2-40B4-BE49-F238E27FC236}">
-                <a16:creationId xmlns:a16="http://schemas.microsoft.com/office/drawing/2014/main" id="{847DA69C-8CD4-4E87-80FD-52CC53CBA39B}"/>
-              </a:ext>
-            </a:extLst>
-          </p:cNvPr>
-          <p:cNvSpPr>
-            <a:spLocks noGrp="1"/>
-          </p:cNvSpPr>
-          <p:nvPr>
-            <p:ph type="sldNum" sz="quarter" idx="12"/>
-          </p:nvPr>
-        </p:nvSpPr>
-        <p:spPr/>
-        <p:txBody>
-          <a:bodyPr/>
-          <a:lstStyle/>
-          <a:p>
-            <a:fld id="{42430F15-44E3-4E69-A3DD-479649D4CC4A}" type="slidenum">
-              <a:rPr lang="de-DE" smtClean="0"/>
-              <a:t>5</a:t>
-            </a:fld>
-            <a:endParaRPr lang="de-DE"/>
-          </a:p>
-        </p:txBody>
-      </p:sp>
-      <p:sp>
-        <p:nvSpPr>
           <p:cNvPr id="7" name="Textplatzhalter 6">
             <a:extLst>
               <a:ext uri="{FF2B5EF4-FFF2-40B4-BE49-F238E27FC236}">
@@ -10117,7 +11012,7 @@
             <a:spLocks noGrp="1"/>
           </p:cNvSpPr>
           <p:nvPr>
-            <p:ph type="body" sz="quarter" idx="13"/>
+            <p:ph type="body" idx="1"/>
           </p:nvPr>
         </p:nvSpPr>
         <p:spPr/>
@@ -10164,6 +11059,148 @@
                 </a:solidFill>
               </a:rPr>
               <a:t>Verfahren</a:t>
+            </a:r>
+          </a:p>
+        </p:txBody>
+      </p:sp>
+      <p:sp>
+        <p:nvSpPr>
+          <p:cNvPr id="4" name="Datumsplatzhalter 3">
+            <a:extLst>
+              <a:ext uri="{FF2B5EF4-FFF2-40B4-BE49-F238E27FC236}">
+                <a16:creationId xmlns:a16="http://schemas.microsoft.com/office/drawing/2014/main" id="{9DBA0A7D-0898-41F8-9778-A005BF4305C5}"/>
+              </a:ext>
+            </a:extLst>
+          </p:cNvPr>
+          <p:cNvSpPr>
+            <a:spLocks noGrp="1"/>
+          </p:cNvSpPr>
+          <p:nvPr>
+            <p:ph type="dt" sz="half" idx="10"/>
+          </p:nvPr>
+        </p:nvSpPr>
+        <p:spPr/>
+        <p:txBody>
+          <a:bodyPr/>
+          <a:lstStyle/>
+          <a:p>
+            <a:fld id="{5816D8F1-3E92-45E9-82E1-886063832025}" type="datetime1">
+              <a:rPr lang="de-AT" smtClean="0"/>
+              <a:t>16.01.2018</a:t>
+            </a:fld>
+            <a:endParaRPr lang="de-DE"/>
+          </a:p>
+        </p:txBody>
+      </p:sp>
+      <p:sp>
+        <p:nvSpPr>
+          <p:cNvPr id="5" name="Fußzeilenplatzhalter 4">
+            <a:extLst>
+              <a:ext uri="{FF2B5EF4-FFF2-40B4-BE49-F238E27FC236}">
+                <a16:creationId xmlns:a16="http://schemas.microsoft.com/office/drawing/2014/main" id="{635817B1-97E4-4403-A0F9-693D8A084FC7}"/>
+              </a:ext>
+            </a:extLst>
+          </p:cNvPr>
+          <p:cNvSpPr>
+            <a:spLocks noGrp="1"/>
+          </p:cNvSpPr>
+          <p:nvPr>
+            <p:ph type="ftr" sz="quarter" idx="11"/>
+          </p:nvPr>
+        </p:nvSpPr>
+        <p:spPr/>
+        <p:txBody>
+          <a:bodyPr/>
+          <a:lstStyle/>
+          <a:p>
+            <a:r>
+              <a:rPr lang="en-US"/>
+              <a:t>FH Wels, AT-Master / INIF, ITS3ILV</a:t>
+            </a:r>
+            <a:endParaRPr lang="de-DE" dirty="0"/>
+          </a:p>
+        </p:txBody>
+      </p:sp>
+      <p:sp>
+        <p:nvSpPr>
+          <p:cNvPr id="6" name="Foliennummernplatzhalter 5">
+            <a:extLst>
+              <a:ext uri="{FF2B5EF4-FFF2-40B4-BE49-F238E27FC236}">
+                <a16:creationId xmlns:a16="http://schemas.microsoft.com/office/drawing/2014/main" id="{847DA69C-8CD4-4E87-80FD-52CC53CBA39B}"/>
+              </a:ext>
+            </a:extLst>
+          </p:cNvPr>
+          <p:cNvSpPr>
+            <a:spLocks noGrp="1"/>
+          </p:cNvSpPr>
+          <p:nvPr>
+            <p:ph type="sldNum" sz="quarter" idx="12"/>
+          </p:nvPr>
+        </p:nvSpPr>
+        <p:spPr/>
+        <p:txBody>
+          <a:bodyPr/>
+          <a:lstStyle/>
+          <a:p>
+            <a:fld id="{42430F15-44E3-4E69-A3DD-479649D4CC4A}" type="slidenum">
+              <a:rPr lang="de-DE" smtClean="0"/>
+              <a:t>6</a:t>
+            </a:fld>
+            <a:endParaRPr lang="de-DE"/>
+          </a:p>
+        </p:txBody>
+      </p:sp>
+      <p:sp>
+        <p:nvSpPr>
+          <p:cNvPr id="3" name="Inhaltsplatzhalter 2">
+            <a:extLst>
+              <a:ext uri="{FF2B5EF4-FFF2-40B4-BE49-F238E27FC236}">
+                <a16:creationId xmlns:a16="http://schemas.microsoft.com/office/drawing/2014/main" id="{4A43F374-82B0-4A18-8FF0-FF977F765D52}"/>
+              </a:ext>
+            </a:extLst>
+          </p:cNvPr>
+          <p:cNvSpPr>
+            <a:spLocks noGrp="1"/>
+          </p:cNvSpPr>
+          <p:nvPr>
+            <p:ph idx="4294967295"/>
+          </p:nvPr>
+        </p:nvSpPr>
+        <p:spPr>
+          <a:xfrm>
+            <a:off x="0" y="1619250"/>
+            <a:ext cx="10799763" cy="4140200"/>
+          </a:xfrm>
+        </p:spPr>
+        <p:txBody>
+          <a:bodyPr/>
+          <a:lstStyle/>
+          <a:p>
+            <a:r>
+              <a:rPr lang="de-DE" dirty="0"/>
+              <a:t>„</a:t>
+            </a:r>
+            <a:r>
+              <a:rPr lang="de-DE" dirty="0" err="1"/>
+              <a:t>Trustless</a:t>
+            </a:r>
+            <a:r>
+              <a:rPr lang="de-DE" dirty="0"/>
+              <a:t> System“</a:t>
+            </a:r>
+          </a:p>
+          <a:p>
+            <a:pPr lvl="1"/>
+            <a:r>
+              <a:rPr lang="de-DE" dirty="0"/>
+              <a:t>Distributed</a:t>
+            </a:r>
+          </a:p>
+          <a:p>
+            <a:pPr lvl="1"/>
+            <a:r>
+              <a:rPr lang="de-DE" dirty="0"/>
+              <a:t>Öffentlich</a:t>
             </a:r>
           </a:p>
         </p:txBody>
@@ -10211,7 +11248,7 @@
 </p:sld>
 </file>
 
-<file path=ppt/slides/slide6.xml><?xml version="1.0" encoding="utf-8"?>
+<file path=ppt/slides/slide7.xml><?xml version="1.0" encoding="utf-8"?>
 <p:sld xmlns:a="http://schemas.openxmlformats.org/drawingml/2006/main" xmlns:r="http://schemas.openxmlformats.org/officeDocument/2006/relationships" xmlns:p="http://schemas.openxmlformats.org/presentationml/2006/main">
   <p:cSld>
     <p:spTree>
@@ -10258,184 +11295,6 @@
       </p:sp>
       <p:sp>
         <p:nvSpPr>
-          <p:cNvPr id="3" name="Inhaltsplatzhalter 2">
-            <a:extLst>
-              <a:ext uri="{FF2B5EF4-FFF2-40B4-BE49-F238E27FC236}">
-                <a16:creationId xmlns:a16="http://schemas.microsoft.com/office/drawing/2014/main" id="{2506A2C2-038B-49DD-9C17-060FCFCF4FF9}"/>
-              </a:ext>
-            </a:extLst>
-          </p:cNvPr>
-          <p:cNvSpPr>
-            <a:spLocks noGrp="1"/>
-          </p:cNvSpPr>
-          <p:nvPr>
-            <p:ph idx="1"/>
-          </p:nvPr>
-        </p:nvSpPr>
-        <p:spPr>
-          <a:xfrm>
-            <a:off x="360000" y="1620000"/>
-            <a:ext cx="10800000" cy="4140000"/>
-          </a:xfrm>
-        </p:spPr>
-        <p:txBody>
-          <a:bodyPr>
-            <a:normAutofit/>
-          </a:bodyPr>
-          <a:lstStyle/>
-          <a:p>
-            <a:r>
-              <a:rPr lang="de-DE" dirty="0"/>
-              <a:t>Besteht aus:</a:t>
-            </a:r>
-          </a:p>
-          <a:p>
-            <a:pPr lvl="1"/>
-            <a:r>
-              <a:rPr lang="de-DE" dirty="0"/>
-              <a:t>Block</a:t>
-            </a:r>
-          </a:p>
-          <a:p>
-            <a:pPr lvl="1"/>
-            <a:r>
-              <a:rPr lang="de-DE" dirty="0"/>
-              <a:t>Daten</a:t>
-            </a:r>
-          </a:p>
-          <a:p>
-            <a:pPr lvl="1"/>
-            <a:r>
-              <a:rPr lang="de-DE" dirty="0"/>
-              <a:t>Header</a:t>
-            </a:r>
-          </a:p>
-          <a:p>
-            <a:pPr lvl="1"/>
-            <a:r>
-              <a:rPr lang="de-DE" dirty="0"/>
-              <a:t>Hashwert</a:t>
-            </a:r>
-          </a:p>
-          <a:p>
-            <a:pPr marL="432008" lvl="1" indent="0">
-              <a:buNone/>
-            </a:pPr>
-            <a:endParaRPr lang="de-DE" dirty="0"/>
-          </a:p>
-          <a:p>
-            <a:pPr marL="0" indent="0">
-              <a:buNone/>
-            </a:pPr>
-            <a:endParaRPr lang="de-DE" dirty="0"/>
-          </a:p>
-          <a:p>
-            <a:r>
-              <a:rPr lang="de-DE" dirty="0">
-                <a:hlinkClick r:id="rId2"/>
-              </a:rPr>
-              <a:t>Online-Beispiel</a:t>
-            </a:r>
-            <a:endParaRPr lang="de-DE" dirty="0"/>
-          </a:p>
-          <a:p>
-            <a:endParaRPr lang="de-DE" dirty="0"/>
-          </a:p>
-          <a:p>
-            <a:pPr lvl="1"/>
-            <a:endParaRPr lang="de-DE" dirty="0"/>
-          </a:p>
-        </p:txBody>
-      </p:sp>
-      <p:sp>
-        <p:nvSpPr>
-          <p:cNvPr id="4" name="Datumsplatzhalter 3">
-            <a:extLst>
-              <a:ext uri="{FF2B5EF4-FFF2-40B4-BE49-F238E27FC236}">
-                <a16:creationId xmlns:a16="http://schemas.microsoft.com/office/drawing/2014/main" id="{62AD7339-82A2-420B-AEFD-59315E04A0BD}"/>
-              </a:ext>
-            </a:extLst>
-          </p:cNvPr>
-          <p:cNvSpPr>
-            <a:spLocks noGrp="1"/>
-          </p:cNvSpPr>
-          <p:nvPr>
-            <p:ph type="dt" sz="half" idx="10"/>
-          </p:nvPr>
-        </p:nvSpPr>
-        <p:spPr/>
-        <p:txBody>
-          <a:bodyPr/>
-          <a:lstStyle/>
-          <a:p>
-            <a:fld id="{5816D8F1-3E92-45E9-82E1-886063832025}" type="datetime1">
-              <a:rPr lang="de-AT" smtClean="0"/>
-              <a:t>14.01.2018</a:t>
-            </a:fld>
-            <a:endParaRPr lang="de-DE"/>
-          </a:p>
-        </p:txBody>
-      </p:sp>
-      <p:sp>
-        <p:nvSpPr>
-          <p:cNvPr id="5" name="Fußzeilenplatzhalter 4">
-            <a:extLst>
-              <a:ext uri="{FF2B5EF4-FFF2-40B4-BE49-F238E27FC236}">
-                <a16:creationId xmlns:a16="http://schemas.microsoft.com/office/drawing/2014/main" id="{3CE9CF68-9F63-4B57-9F23-3F62617972BE}"/>
-              </a:ext>
-            </a:extLst>
-          </p:cNvPr>
-          <p:cNvSpPr>
-            <a:spLocks noGrp="1"/>
-          </p:cNvSpPr>
-          <p:nvPr>
-            <p:ph type="ftr" sz="quarter" idx="11"/>
-          </p:nvPr>
-        </p:nvSpPr>
-        <p:spPr/>
-        <p:txBody>
-          <a:bodyPr/>
-          <a:lstStyle/>
-          <a:p>
-            <a:r>
-              <a:rPr lang="en-US"/>
-              <a:t>FH Wels, AT-Master / INIF, ITS3ILV</a:t>
-            </a:r>
-            <a:endParaRPr lang="de-DE" dirty="0"/>
-          </a:p>
-        </p:txBody>
-      </p:sp>
-      <p:sp>
-        <p:nvSpPr>
-          <p:cNvPr id="6" name="Foliennummernplatzhalter 5">
-            <a:extLst>
-              <a:ext uri="{FF2B5EF4-FFF2-40B4-BE49-F238E27FC236}">
-                <a16:creationId xmlns:a16="http://schemas.microsoft.com/office/drawing/2014/main" id="{8CAF25C1-32B3-494A-9138-311D5A368382}"/>
-              </a:ext>
-            </a:extLst>
-          </p:cNvPr>
-          <p:cNvSpPr>
-            <a:spLocks noGrp="1"/>
-          </p:cNvSpPr>
-          <p:nvPr>
-            <p:ph type="sldNum" sz="quarter" idx="12"/>
-          </p:nvPr>
-        </p:nvSpPr>
-        <p:spPr/>
-        <p:txBody>
-          <a:bodyPr/>
-          <a:lstStyle/>
-          <a:p>
-            <a:fld id="{42430F15-44E3-4E69-A3DD-479649D4CC4A}" type="slidenum">
-              <a:rPr lang="de-DE" smtClean="0"/>
-              <a:t>6</a:t>
-            </a:fld>
-            <a:endParaRPr lang="de-DE"/>
-          </a:p>
-        </p:txBody>
-      </p:sp>
-      <p:sp>
-        <p:nvSpPr>
           <p:cNvPr id="7" name="Textplatzhalter 6">
             <a:extLst>
               <a:ext uri="{FF2B5EF4-FFF2-40B4-BE49-F238E27FC236}">
@@ -10447,15 +11306,10 @@
             <a:spLocks noGrp="1"/>
           </p:cNvSpPr>
           <p:nvPr>
-            <p:ph type="body" sz="quarter" idx="13"/>
-          </p:nvPr>
-        </p:nvSpPr>
-        <p:spPr>
-          <a:xfrm>
-            <a:off x="360000" y="180000"/>
-            <a:ext cx="10800000" cy="360000"/>
-          </a:xfrm>
-        </p:spPr>
+            <p:ph type="body" idx="1"/>
+          </p:nvPr>
+        </p:nvSpPr>
+        <p:spPr/>
         <p:txBody>
           <a:bodyPr/>
           <a:lstStyle/>
@@ -10500,6 +11354,184 @@
               </a:rPr>
               <a:t>Verfahren</a:t>
             </a:r>
+          </a:p>
+        </p:txBody>
+      </p:sp>
+      <p:sp>
+        <p:nvSpPr>
+          <p:cNvPr id="4" name="Datumsplatzhalter 3">
+            <a:extLst>
+              <a:ext uri="{FF2B5EF4-FFF2-40B4-BE49-F238E27FC236}">
+                <a16:creationId xmlns:a16="http://schemas.microsoft.com/office/drawing/2014/main" id="{62AD7339-82A2-420B-AEFD-59315E04A0BD}"/>
+              </a:ext>
+            </a:extLst>
+          </p:cNvPr>
+          <p:cNvSpPr>
+            <a:spLocks noGrp="1"/>
+          </p:cNvSpPr>
+          <p:nvPr>
+            <p:ph type="dt" sz="half" idx="10"/>
+          </p:nvPr>
+        </p:nvSpPr>
+        <p:spPr/>
+        <p:txBody>
+          <a:bodyPr/>
+          <a:lstStyle/>
+          <a:p>
+            <a:fld id="{5816D8F1-3E92-45E9-82E1-886063832025}" type="datetime1">
+              <a:rPr lang="de-AT" smtClean="0"/>
+              <a:t>16.01.2018</a:t>
+            </a:fld>
+            <a:endParaRPr lang="de-DE"/>
+          </a:p>
+        </p:txBody>
+      </p:sp>
+      <p:sp>
+        <p:nvSpPr>
+          <p:cNvPr id="5" name="Fußzeilenplatzhalter 4">
+            <a:extLst>
+              <a:ext uri="{FF2B5EF4-FFF2-40B4-BE49-F238E27FC236}">
+                <a16:creationId xmlns:a16="http://schemas.microsoft.com/office/drawing/2014/main" id="{3CE9CF68-9F63-4B57-9F23-3F62617972BE}"/>
+              </a:ext>
+            </a:extLst>
+          </p:cNvPr>
+          <p:cNvSpPr>
+            <a:spLocks noGrp="1"/>
+          </p:cNvSpPr>
+          <p:nvPr>
+            <p:ph type="ftr" sz="quarter" idx="11"/>
+          </p:nvPr>
+        </p:nvSpPr>
+        <p:spPr/>
+        <p:txBody>
+          <a:bodyPr/>
+          <a:lstStyle/>
+          <a:p>
+            <a:r>
+              <a:rPr lang="en-US"/>
+              <a:t>FH Wels, AT-Master / INIF, ITS3ILV</a:t>
+            </a:r>
+            <a:endParaRPr lang="de-DE" dirty="0"/>
+          </a:p>
+        </p:txBody>
+      </p:sp>
+      <p:sp>
+        <p:nvSpPr>
+          <p:cNvPr id="6" name="Foliennummernplatzhalter 5">
+            <a:extLst>
+              <a:ext uri="{FF2B5EF4-FFF2-40B4-BE49-F238E27FC236}">
+                <a16:creationId xmlns:a16="http://schemas.microsoft.com/office/drawing/2014/main" id="{8CAF25C1-32B3-494A-9138-311D5A368382}"/>
+              </a:ext>
+            </a:extLst>
+          </p:cNvPr>
+          <p:cNvSpPr>
+            <a:spLocks noGrp="1"/>
+          </p:cNvSpPr>
+          <p:nvPr>
+            <p:ph type="sldNum" sz="quarter" idx="12"/>
+          </p:nvPr>
+        </p:nvSpPr>
+        <p:spPr/>
+        <p:txBody>
+          <a:bodyPr/>
+          <a:lstStyle/>
+          <a:p>
+            <a:fld id="{42430F15-44E3-4E69-A3DD-479649D4CC4A}" type="slidenum">
+              <a:rPr lang="de-DE" smtClean="0"/>
+              <a:t>7</a:t>
+            </a:fld>
+            <a:endParaRPr lang="de-DE"/>
+          </a:p>
+        </p:txBody>
+      </p:sp>
+      <p:sp>
+        <p:nvSpPr>
+          <p:cNvPr id="3" name="Inhaltsplatzhalter 2">
+            <a:extLst>
+              <a:ext uri="{FF2B5EF4-FFF2-40B4-BE49-F238E27FC236}">
+                <a16:creationId xmlns:a16="http://schemas.microsoft.com/office/drawing/2014/main" id="{2506A2C2-038B-49DD-9C17-060FCFCF4FF9}"/>
+              </a:ext>
+            </a:extLst>
+          </p:cNvPr>
+          <p:cNvSpPr>
+            <a:spLocks noGrp="1"/>
+          </p:cNvSpPr>
+          <p:nvPr>
+            <p:ph idx="4294967295"/>
+          </p:nvPr>
+        </p:nvSpPr>
+        <p:spPr>
+          <a:xfrm>
+            <a:off x="0" y="1619250"/>
+            <a:ext cx="10799763" cy="4140200"/>
+          </a:xfrm>
+        </p:spPr>
+        <p:txBody>
+          <a:bodyPr>
+            <a:normAutofit/>
+          </a:bodyPr>
+          <a:lstStyle/>
+          <a:p>
+            <a:r>
+              <a:rPr lang="de-DE" dirty="0"/>
+              <a:t>Besteht aus:</a:t>
+            </a:r>
+          </a:p>
+          <a:p>
+            <a:pPr lvl="1"/>
+            <a:r>
+              <a:rPr lang="de-DE" dirty="0"/>
+              <a:t>Block</a:t>
+            </a:r>
+          </a:p>
+          <a:p>
+            <a:pPr lvl="1"/>
+            <a:r>
+              <a:rPr lang="de-DE" dirty="0"/>
+              <a:t>Daten</a:t>
+            </a:r>
+          </a:p>
+          <a:p>
+            <a:pPr lvl="1"/>
+            <a:r>
+              <a:rPr lang="de-DE" dirty="0"/>
+              <a:t>Header</a:t>
+            </a:r>
+          </a:p>
+          <a:p>
+            <a:pPr lvl="1"/>
+            <a:r>
+              <a:rPr lang="de-DE" dirty="0"/>
+              <a:t>Hashwert</a:t>
+            </a:r>
+          </a:p>
+          <a:p>
+            <a:pPr marL="432008" lvl="1" indent="0">
+              <a:buNone/>
+            </a:pPr>
+            <a:endParaRPr lang="de-DE" dirty="0"/>
+          </a:p>
+          <a:p>
+            <a:pPr marL="0" indent="0">
+              <a:buNone/>
+            </a:pPr>
+            <a:endParaRPr lang="de-DE" dirty="0"/>
+          </a:p>
+          <a:p>
+            <a:r>
+              <a:rPr lang="de-DE" dirty="0">
+                <a:hlinkClick r:id="rId2"/>
+              </a:rPr>
+              <a:t>Online-Beispiel</a:t>
+            </a:r>
+            <a:endParaRPr lang="de-DE" dirty="0"/>
+          </a:p>
+          <a:p>
+            <a:endParaRPr lang="de-DE" dirty="0"/>
+          </a:p>
+          <a:p>
+            <a:pPr lvl="1"/>
+            <a:endParaRPr lang="de-DE" dirty="0"/>
           </a:p>
         </p:txBody>
       </p:sp>
@@ -12421,463 +13453,6 @@
 </p:sld>
 </file>
 
-<file path=ppt/slides/slide7.xml><?xml version="1.0" encoding="utf-8"?>
-<p:sld xmlns:a="http://schemas.openxmlformats.org/drawingml/2006/main" xmlns:r="http://schemas.openxmlformats.org/officeDocument/2006/relationships" xmlns:p="http://schemas.openxmlformats.org/presentationml/2006/main">
-  <p:cSld>
-    <p:spTree>
-      <p:nvGrpSpPr>
-        <p:cNvPr id="1" name=""/>
-        <p:cNvGrpSpPr/>
-        <p:nvPr/>
-      </p:nvGrpSpPr>
-      <p:grpSpPr>
-        <a:xfrm>
-          <a:off x="0" y="0"/>
-          <a:ext cx="0" cy="0"/>
-          <a:chOff x="0" y="0"/>
-          <a:chExt cx="0" cy="0"/>
-        </a:xfrm>
-      </p:grpSpPr>
-      <p:sp>
-        <p:nvSpPr>
-          <p:cNvPr id="2" name="Titel 1">
-            <a:extLst>
-              <a:ext uri="{FF2B5EF4-FFF2-40B4-BE49-F238E27FC236}">
-                <a16:creationId xmlns:a16="http://schemas.microsoft.com/office/drawing/2014/main" id="{FC65F202-7CB5-416F-8B68-C825991901A6}"/>
-              </a:ext>
-            </a:extLst>
-          </p:cNvPr>
-          <p:cNvSpPr>
-            <a:spLocks noGrp="1"/>
-          </p:cNvSpPr>
-          <p:nvPr>
-            <p:ph type="title"/>
-          </p:nvPr>
-        </p:nvSpPr>
-        <p:spPr/>
-        <p:txBody>
-          <a:bodyPr/>
-          <a:lstStyle/>
-          <a:p>
-            <a:r>
-              <a:rPr lang="de-DE" dirty="0"/>
-              <a:t>Vor- / Nachteile</a:t>
-            </a:r>
-          </a:p>
-        </p:txBody>
-      </p:sp>
-      <p:sp>
-        <p:nvSpPr>
-          <p:cNvPr id="3" name="Inhaltsplatzhalter 2">
-            <a:extLst>
-              <a:ext uri="{FF2B5EF4-FFF2-40B4-BE49-F238E27FC236}">
-                <a16:creationId xmlns:a16="http://schemas.microsoft.com/office/drawing/2014/main" id="{522AC027-0B8D-4515-AF39-314F2E7F5F92}"/>
-              </a:ext>
-            </a:extLst>
-          </p:cNvPr>
-          <p:cNvSpPr>
-            <a:spLocks noGrp="1"/>
-          </p:cNvSpPr>
-          <p:nvPr>
-            <p:ph sz="half" idx="1"/>
-          </p:nvPr>
-        </p:nvSpPr>
-        <p:spPr/>
-        <p:txBody>
-          <a:bodyPr>
-            <a:normAutofit/>
-          </a:bodyPr>
-          <a:lstStyle/>
-          <a:p>
-            <a:pPr>
-              <a:lnSpc>
-                <a:spcPct val="100000"/>
-              </a:lnSpc>
-            </a:pPr>
-            <a:r>
-              <a:rPr lang="de-DE" sz="2400" b="1" dirty="0"/>
-              <a:t>Vorteile</a:t>
-            </a:r>
-            <a:endParaRPr lang="de-DE" b="1" dirty="0"/>
-          </a:p>
-          <a:p>
-            <a:pPr lvl="1">
-              <a:lnSpc>
-                <a:spcPct val="100000"/>
-              </a:lnSpc>
-              <a:spcBef>
-                <a:spcPts val="1200"/>
-              </a:spcBef>
-            </a:pPr>
-            <a:r>
-              <a:rPr lang="de-DE" sz="2000" dirty="0"/>
-              <a:t>Integrität der Daten</a:t>
-            </a:r>
-          </a:p>
-          <a:p>
-            <a:pPr lvl="1">
-              <a:lnSpc>
-                <a:spcPct val="100000"/>
-              </a:lnSpc>
-              <a:spcBef>
-                <a:spcPts val="1200"/>
-              </a:spcBef>
-            </a:pPr>
-            <a:r>
-              <a:rPr lang="de-DE" sz="2000" dirty="0"/>
-              <a:t>Keine „Vertrauenspartei“ mehr nötig</a:t>
-            </a:r>
-          </a:p>
-          <a:p>
-            <a:pPr lvl="1">
-              <a:lnSpc>
-                <a:spcPct val="100000"/>
-              </a:lnSpc>
-              <a:spcBef>
-                <a:spcPts val="1200"/>
-              </a:spcBef>
-            </a:pPr>
-            <a:r>
-              <a:rPr lang="de-DE" sz="2000" dirty="0"/>
-              <a:t>Jeder kann(könnte) alles kontrollieren</a:t>
-            </a:r>
-          </a:p>
-          <a:p>
-            <a:pPr lvl="1">
-              <a:lnSpc>
-                <a:spcPct val="100000"/>
-              </a:lnSpc>
-              <a:spcBef>
-                <a:spcPts val="1200"/>
-              </a:spcBef>
-            </a:pPr>
-            <a:r>
-              <a:rPr lang="de-DE" sz="2000" dirty="0"/>
-              <a:t>(praktisch) Kein Betrug mehr möglich</a:t>
-            </a:r>
-          </a:p>
-          <a:p>
-            <a:pPr lvl="1">
-              <a:lnSpc>
-                <a:spcPct val="100000"/>
-              </a:lnSpc>
-              <a:spcBef>
-                <a:spcPts val="1200"/>
-              </a:spcBef>
-            </a:pPr>
-            <a:r>
-              <a:rPr lang="de-DE" sz="2000" dirty="0"/>
-              <a:t>Anonymität</a:t>
-            </a:r>
-          </a:p>
-          <a:p>
-            <a:pPr>
-              <a:lnSpc>
-                <a:spcPct val="150000"/>
-              </a:lnSpc>
-            </a:pPr>
-            <a:endParaRPr lang="de-DE" dirty="0"/>
-          </a:p>
-        </p:txBody>
-      </p:sp>
-      <p:sp>
-        <p:nvSpPr>
-          <p:cNvPr id="11" name="Inhaltsplatzhalter 10">
-            <a:extLst>
-              <a:ext uri="{FF2B5EF4-FFF2-40B4-BE49-F238E27FC236}">
-                <a16:creationId xmlns:a16="http://schemas.microsoft.com/office/drawing/2014/main" id="{C05AC46F-9B68-4421-BD98-8E948E2B1BC6}"/>
-              </a:ext>
-            </a:extLst>
-          </p:cNvPr>
-          <p:cNvSpPr>
-            <a:spLocks noGrp="1"/>
-          </p:cNvSpPr>
-          <p:nvPr>
-            <p:ph sz="half" idx="2"/>
-          </p:nvPr>
-        </p:nvSpPr>
-        <p:spPr/>
-        <p:txBody>
-          <a:bodyPr>
-            <a:normAutofit/>
-          </a:bodyPr>
-          <a:lstStyle/>
-          <a:p>
-            <a:r>
-              <a:rPr lang="de-DE" sz="2400" b="1" dirty="0"/>
-              <a:t>Nachteile</a:t>
-            </a:r>
-            <a:endParaRPr lang="de-DE" b="1" dirty="0"/>
-          </a:p>
-          <a:p>
-            <a:pPr lvl="1">
-              <a:lnSpc>
-                <a:spcPct val="100000"/>
-              </a:lnSpc>
-              <a:spcBef>
-                <a:spcPts val="1200"/>
-              </a:spcBef>
-            </a:pPr>
-            <a:r>
-              <a:rPr lang="de-DE" sz="2000" dirty="0"/>
-              <a:t>Netzwerk nötig</a:t>
-            </a:r>
-          </a:p>
-          <a:p>
-            <a:pPr lvl="1">
-              <a:lnSpc>
-                <a:spcPct val="100000"/>
-              </a:lnSpc>
-              <a:spcBef>
-                <a:spcPts val="1200"/>
-              </a:spcBef>
-            </a:pPr>
-            <a:r>
-              <a:rPr lang="de-DE" sz="2000" dirty="0"/>
-              <a:t>Weitere Mechanismen nötig zur Verhinderung von gleichzeitigen Zugriffen</a:t>
-            </a:r>
-          </a:p>
-          <a:p>
-            <a:pPr lvl="1">
-              <a:lnSpc>
-                <a:spcPct val="100000"/>
-              </a:lnSpc>
-              <a:spcBef>
-                <a:spcPts val="1200"/>
-              </a:spcBef>
-            </a:pPr>
-            <a:r>
-              <a:rPr lang="de-DE" sz="2000" dirty="0"/>
-              <a:t>Keine Verschlüsselung der Daten</a:t>
-            </a:r>
-            <a:br>
-              <a:rPr lang="de-DE" sz="2000" dirty="0"/>
-            </a:br>
-            <a:r>
-              <a:rPr lang="de-DE" sz="1600" dirty="0"/>
-              <a:t>(Außer die Daten selbst werden verschlüsselt)</a:t>
-            </a:r>
-          </a:p>
-          <a:p>
-            <a:pPr lvl="1">
-              <a:lnSpc>
-                <a:spcPct val="100000"/>
-              </a:lnSpc>
-              <a:spcBef>
-                <a:spcPts val="1200"/>
-              </a:spcBef>
-            </a:pPr>
-            <a:r>
-              <a:rPr lang="de-DE" sz="2000" dirty="0"/>
-              <a:t>Kein direkte Authentizität</a:t>
-            </a:r>
-          </a:p>
-          <a:p>
-            <a:pPr lvl="1">
-              <a:lnSpc>
-                <a:spcPct val="100000"/>
-              </a:lnSpc>
-              <a:spcBef>
-                <a:spcPts val="1200"/>
-              </a:spcBef>
-            </a:pPr>
-            <a:r>
-              <a:rPr lang="de-DE" sz="2000" dirty="0"/>
-              <a:t>Größe (z.B. </a:t>
-            </a:r>
-            <a:r>
-              <a:rPr lang="de-DE" sz="2000" dirty="0" err="1"/>
-              <a:t>BitCoin</a:t>
-            </a:r>
-            <a:r>
-              <a:rPr lang="de-DE" sz="2000" dirty="0"/>
-              <a:t>: ~150 GB)</a:t>
-            </a:r>
-          </a:p>
-          <a:p>
-            <a:pPr lvl="1">
-              <a:lnSpc>
-                <a:spcPct val="100000"/>
-              </a:lnSpc>
-              <a:spcBef>
-                <a:spcPts val="1200"/>
-              </a:spcBef>
-            </a:pPr>
-            <a:r>
-              <a:rPr lang="de-DE" sz="2000" dirty="0"/>
-              <a:t>Kein Schutz</a:t>
-            </a:r>
-          </a:p>
-          <a:p>
-            <a:pPr lvl="1"/>
-            <a:endParaRPr lang="de-DE" dirty="0"/>
-          </a:p>
-        </p:txBody>
-      </p:sp>
-      <p:sp>
-        <p:nvSpPr>
-          <p:cNvPr id="4" name="Datumsplatzhalter 3">
-            <a:extLst>
-              <a:ext uri="{FF2B5EF4-FFF2-40B4-BE49-F238E27FC236}">
-                <a16:creationId xmlns:a16="http://schemas.microsoft.com/office/drawing/2014/main" id="{E7CB382E-D838-445A-9B76-D4FFF14E4852}"/>
-              </a:ext>
-            </a:extLst>
-          </p:cNvPr>
-          <p:cNvSpPr>
-            <a:spLocks noGrp="1"/>
-          </p:cNvSpPr>
-          <p:nvPr>
-            <p:ph type="dt" sz="half" idx="10"/>
-          </p:nvPr>
-        </p:nvSpPr>
-        <p:spPr/>
-        <p:txBody>
-          <a:bodyPr/>
-          <a:lstStyle/>
-          <a:p>
-            <a:fld id="{5816D8F1-3E92-45E9-82E1-886063832025}" type="datetime1">
-              <a:rPr lang="de-AT" smtClean="0"/>
-              <a:t>14.01.2018</a:t>
-            </a:fld>
-            <a:endParaRPr lang="de-DE"/>
-          </a:p>
-        </p:txBody>
-      </p:sp>
-      <p:sp>
-        <p:nvSpPr>
-          <p:cNvPr id="5" name="Fußzeilenplatzhalter 4">
-            <a:extLst>
-              <a:ext uri="{FF2B5EF4-FFF2-40B4-BE49-F238E27FC236}">
-                <a16:creationId xmlns:a16="http://schemas.microsoft.com/office/drawing/2014/main" id="{A0C5E136-99C4-45C9-B821-874185E3C586}"/>
-              </a:ext>
-            </a:extLst>
-          </p:cNvPr>
-          <p:cNvSpPr>
-            <a:spLocks noGrp="1"/>
-          </p:cNvSpPr>
-          <p:nvPr>
-            <p:ph type="ftr" sz="quarter" idx="11"/>
-          </p:nvPr>
-        </p:nvSpPr>
-        <p:spPr/>
-        <p:txBody>
-          <a:bodyPr/>
-          <a:lstStyle/>
-          <a:p>
-            <a:r>
-              <a:rPr lang="en-US"/>
-              <a:t>FH Wels, AT-Master / INIF, ITS3ILV</a:t>
-            </a:r>
-            <a:endParaRPr lang="de-DE" dirty="0"/>
-          </a:p>
-        </p:txBody>
-      </p:sp>
-      <p:sp>
-        <p:nvSpPr>
-          <p:cNvPr id="6" name="Foliennummernplatzhalter 5">
-            <a:extLst>
-              <a:ext uri="{FF2B5EF4-FFF2-40B4-BE49-F238E27FC236}">
-                <a16:creationId xmlns:a16="http://schemas.microsoft.com/office/drawing/2014/main" id="{FFBDBA6A-3C7C-44C6-A1D8-9CCE46894874}"/>
-              </a:ext>
-            </a:extLst>
-          </p:cNvPr>
-          <p:cNvSpPr>
-            <a:spLocks noGrp="1"/>
-          </p:cNvSpPr>
-          <p:nvPr>
-            <p:ph type="sldNum" sz="quarter" idx="12"/>
-          </p:nvPr>
-        </p:nvSpPr>
-        <p:spPr/>
-        <p:txBody>
-          <a:bodyPr/>
-          <a:lstStyle/>
-          <a:p>
-            <a:fld id="{42430F15-44E3-4E69-A3DD-479649D4CC4A}" type="slidenum">
-              <a:rPr lang="de-DE" smtClean="0"/>
-              <a:t>7</a:t>
-            </a:fld>
-            <a:endParaRPr lang="de-DE"/>
-          </a:p>
-        </p:txBody>
-      </p:sp>
-      <p:sp>
-        <p:nvSpPr>
-          <p:cNvPr id="7" name="Textplatzhalter 6">
-            <a:extLst>
-              <a:ext uri="{FF2B5EF4-FFF2-40B4-BE49-F238E27FC236}">
-                <a16:creationId xmlns:a16="http://schemas.microsoft.com/office/drawing/2014/main" id="{08E7D4D0-7D93-4F90-8F43-BC1EF1C80C7E}"/>
-              </a:ext>
-            </a:extLst>
-          </p:cNvPr>
-          <p:cNvSpPr>
-            <a:spLocks noGrp="1"/>
-          </p:cNvSpPr>
-          <p:nvPr>
-            <p:ph type="body" sz="quarter" idx="14"/>
-          </p:nvPr>
-        </p:nvSpPr>
-        <p:spPr/>
-        <p:txBody>
-          <a:bodyPr/>
-          <a:lstStyle/>
-          <a:p>
-            <a:r>
-              <a:rPr lang="de-DE" dirty="0">
-                <a:solidFill>
-                  <a:schemeClr val="bg1">
-                    <a:lumMod val="50000"/>
-                  </a:schemeClr>
-                </a:solidFill>
-              </a:rPr>
-              <a:t>● Blockchain</a:t>
-            </a:r>
-            <a:r>
-              <a:rPr lang="de-DE" dirty="0">
-                <a:solidFill>
-                  <a:schemeClr val="bg1">
-                    <a:lumMod val="75000"/>
-                  </a:schemeClr>
-                </a:solidFill>
-              </a:rPr>
-              <a:t> </a:t>
-            </a:r>
-            <a:r>
-              <a:rPr lang="de-DE" b="1" dirty="0">
-                <a:solidFill>
-                  <a:srgbClr val="FF0000"/>
-                </a:solidFill>
-              </a:rPr>
-              <a:t>●</a:t>
-            </a:r>
-            <a:r>
-              <a:rPr lang="de-DE" b="1" dirty="0"/>
-              <a:t> </a:t>
-            </a:r>
-            <a:r>
-              <a:rPr lang="de-DE" b="1" dirty="0">
-                <a:solidFill>
-                  <a:schemeClr val="tx1"/>
-                </a:solidFill>
-              </a:rPr>
-              <a:t>Verfahren</a:t>
-            </a:r>
-          </a:p>
-        </p:txBody>
-      </p:sp>
-    </p:spTree>
-    <p:extLst>
-      <p:ext uri="{BB962C8B-B14F-4D97-AF65-F5344CB8AC3E}">
-        <p14:creationId xmlns:p14="http://schemas.microsoft.com/office/powerpoint/2010/main" val="841359465"/>
-      </p:ext>
-    </p:extLst>
-  </p:cSld>
-  <p:clrMapOvr>
-    <a:masterClrMapping/>
-  </p:clrMapOvr>
-</p:sld>
-</file>
-
 <file path=ppt/slides/slide8.xml><?xml version="1.0" encoding="utf-8"?>
 <p:sld xmlns:a="http://schemas.openxmlformats.org/drawingml/2006/main" xmlns:r="http://schemas.openxmlformats.org/officeDocument/2006/relationships" xmlns:p="http://schemas.openxmlformats.org/presentationml/2006/main">
   <p:cSld>
@@ -12918,95 +13493,8 @@
           <a:p>
             <a:r>
               <a:rPr lang="de-DE" dirty="0"/>
-              <a:t>Anwendungsgebiete</a:t>
-            </a:r>
-          </a:p>
-        </p:txBody>
-      </p:sp>
-      <p:sp>
-        <p:nvSpPr>
-          <p:cNvPr id="4" name="Datumsplatzhalter 3">
-            <a:extLst>
-              <a:ext uri="{FF2B5EF4-FFF2-40B4-BE49-F238E27FC236}">
-                <a16:creationId xmlns:a16="http://schemas.microsoft.com/office/drawing/2014/main" id="{E7CB382E-D838-445A-9B76-D4FFF14E4852}"/>
-              </a:ext>
-            </a:extLst>
-          </p:cNvPr>
-          <p:cNvSpPr>
-            <a:spLocks noGrp="1"/>
-          </p:cNvSpPr>
-          <p:nvPr>
-            <p:ph type="dt" sz="half" idx="10"/>
-          </p:nvPr>
-        </p:nvSpPr>
-        <p:spPr/>
-        <p:txBody>
-          <a:bodyPr/>
-          <a:lstStyle/>
-          <a:p>
-            <a:fld id="{5816D8F1-3E92-45E9-82E1-886063832025}" type="datetime1">
-              <a:rPr lang="de-AT" smtClean="0"/>
-              <a:t>14.01.2018</a:t>
-            </a:fld>
-            <a:endParaRPr lang="de-DE"/>
-          </a:p>
-        </p:txBody>
-      </p:sp>
-      <p:sp>
-        <p:nvSpPr>
-          <p:cNvPr id="5" name="Fußzeilenplatzhalter 4">
-            <a:extLst>
-              <a:ext uri="{FF2B5EF4-FFF2-40B4-BE49-F238E27FC236}">
-                <a16:creationId xmlns:a16="http://schemas.microsoft.com/office/drawing/2014/main" id="{A0C5E136-99C4-45C9-B821-874185E3C586}"/>
-              </a:ext>
-            </a:extLst>
-          </p:cNvPr>
-          <p:cNvSpPr>
-            <a:spLocks noGrp="1"/>
-          </p:cNvSpPr>
-          <p:nvPr>
-            <p:ph type="ftr" sz="quarter" idx="11"/>
-          </p:nvPr>
-        </p:nvSpPr>
-        <p:spPr/>
-        <p:txBody>
-          <a:bodyPr/>
-          <a:lstStyle/>
-          <a:p>
-            <a:r>
-              <a:rPr lang="en-US"/>
-              <a:t>FH Wels, AT-Master / INIF, ITS3ILV</a:t>
-            </a:r>
-            <a:endParaRPr lang="de-DE" dirty="0"/>
-          </a:p>
-        </p:txBody>
-      </p:sp>
-      <p:sp>
-        <p:nvSpPr>
-          <p:cNvPr id="6" name="Foliennummernplatzhalter 5">
-            <a:extLst>
-              <a:ext uri="{FF2B5EF4-FFF2-40B4-BE49-F238E27FC236}">
-                <a16:creationId xmlns:a16="http://schemas.microsoft.com/office/drawing/2014/main" id="{FFBDBA6A-3C7C-44C6-A1D8-9CCE46894874}"/>
-              </a:ext>
-            </a:extLst>
-          </p:cNvPr>
-          <p:cNvSpPr>
-            <a:spLocks noGrp="1"/>
-          </p:cNvSpPr>
-          <p:nvPr>
-            <p:ph type="sldNum" sz="quarter" idx="12"/>
-          </p:nvPr>
-        </p:nvSpPr>
-        <p:spPr/>
-        <p:txBody>
-          <a:bodyPr/>
-          <a:lstStyle/>
-          <a:p>
-            <a:fld id="{42430F15-44E3-4E69-A3DD-479649D4CC4A}" type="slidenum">
-              <a:rPr lang="de-DE" smtClean="0"/>
-              <a:t>8</a:t>
-            </a:fld>
-            <a:endParaRPr lang="de-DE"/>
+              <a:t>Vor- / Nachteile</a:t>
+            </a:r>
           </a:p>
         </p:txBody>
       </p:sp>
@@ -13023,7 +13511,7 @@
             <a:spLocks noGrp="1"/>
           </p:cNvSpPr>
           <p:nvPr>
-            <p:ph type="body" sz="quarter" idx="13"/>
+            <p:ph type="body" idx="1"/>
           </p:nvPr>
         </p:nvSpPr>
         <p:spPr/>
@@ -13074,6 +13562,560 @@
           </a:p>
         </p:txBody>
       </p:sp>
+      <p:sp>
+        <p:nvSpPr>
+          <p:cNvPr id="4" name="Datumsplatzhalter 3">
+            <a:extLst>
+              <a:ext uri="{FF2B5EF4-FFF2-40B4-BE49-F238E27FC236}">
+                <a16:creationId xmlns:a16="http://schemas.microsoft.com/office/drawing/2014/main" id="{E7CB382E-D838-445A-9B76-D4FFF14E4852}"/>
+              </a:ext>
+            </a:extLst>
+          </p:cNvPr>
+          <p:cNvSpPr>
+            <a:spLocks noGrp="1"/>
+          </p:cNvSpPr>
+          <p:nvPr>
+            <p:ph type="dt" sz="half" idx="10"/>
+          </p:nvPr>
+        </p:nvSpPr>
+        <p:spPr/>
+        <p:txBody>
+          <a:bodyPr/>
+          <a:lstStyle/>
+          <a:p>
+            <a:fld id="{5816D8F1-3E92-45E9-82E1-886063832025}" type="datetime1">
+              <a:rPr lang="de-AT" smtClean="0"/>
+              <a:t>16.01.2018</a:t>
+            </a:fld>
+            <a:endParaRPr lang="de-DE"/>
+          </a:p>
+        </p:txBody>
+      </p:sp>
+      <p:sp>
+        <p:nvSpPr>
+          <p:cNvPr id="5" name="Fußzeilenplatzhalter 4">
+            <a:extLst>
+              <a:ext uri="{FF2B5EF4-FFF2-40B4-BE49-F238E27FC236}">
+                <a16:creationId xmlns:a16="http://schemas.microsoft.com/office/drawing/2014/main" id="{A0C5E136-99C4-45C9-B821-874185E3C586}"/>
+              </a:ext>
+            </a:extLst>
+          </p:cNvPr>
+          <p:cNvSpPr>
+            <a:spLocks noGrp="1"/>
+          </p:cNvSpPr>
+          <p:nvPr>
+            <p:ph type="ftr" sz="quarter" idx="11"/>
+          </p:nvPr>
+        </p:nvSpPr>
+        <p:spPr/>
+        <p:txBody>
+          <a:bodyPr/>
+          <a:lstStyle/>
+          <a:p>
+            <a:r>
+              <a:rPr lang="en-US"/>
+              <a:t>FH Wels, AT-Master / INIF, ITS3ILV</a:t>
+            </a:r>
+            <a:endParaRPr lang="de-DE" dirty="0"/>
+          </a:p>
+        </p:txBody>
+      </p:sp>
+      <p:sp>
+        <p:nvSpPr>
+          <p:cNvPr id="6" name="Foliennummernplatzhalter 5">
+            <a:extLst>
+              <a:ext uri="{FF2B5EF4-FFF2-40B4-BE49-F238E27FC236}">
+                <a16:creationId xmlns:a16="http://schemas.microsoft.com/office/drawing/2014/main" id="{FFBDBA6A-3C7C-44C6-A1D8-9CCE46894874}"/>
+              </a:ext>
+            </a:extLst>
+          </p:cNvPr>
+          <p:cNvSpPr>
+            <a:spLocks noGrp="1"/>
+          </p:cNvSpPr>
+          <p:nvPr>
+            <p:ph type="sldNum" sz="quarter" idx="12"/>
+          </p:nvPr>
+        </p:nvSpPr>
+        <p:spPr/>
+        <p:txBody>
+          <a:bodyPr/>
+          <a:lstStyle/>
+          <a:p>
+            <a:fld id="{42430F15-44E3-4E69-A3DD-479649D4CC4A}" type="slidenum">
+              <a:rPr lang="de-DE" smtClean="0"/>
+              <a:t>8</a:t>
+            </a:fld>
+            <a:endParaRPr lang="de-DE"/>
+          </a:p>
+        </p:txBody>
+      </p:sp>
+      <p:sp>
+        <p:nvSpPr>
+          <p:cNvPr id="3" name="Inhaltsplatzhalter 2">
+            <a:extLst>
+              <a:ext uri="{FF2B5EF4-FFF2-40B4-BE49-F238E27FC236}">
+                <a16:creationId xmlns:a16="http://schemas.microsoft.com/office/drawing/2014/main" id="{522AC027-0B8D-4515-AF39-314F2E7F5F92}"/>
+              </a:ext>
+            </a:extLst>
+          </p:cNvPr>
+          <p:cNvSpPr>
+            <a:spLocks noGrp="1"/>
+          </p:cNvSpPr>
+          <p:nvPr>
+            <p:ph sz="half" idx="4294967295"/>
+          </p:nvPr>
+        </p:nvSpPr>
+        <p:spPr>
+          <a:xfrm>
+            <a:off x="0" y="1619250"/>
+            <a:ext cx="5219700" cy="4140200"/>
+          </a:xfrm>
+        </p:spPr>
+        <p:txBody>
+          <a:bodyPr>
+            <a:normAutofit/>
+          </a:bodyPr>
+          <a:lstStyle/>
+          <a:p>
+            <a:pPr>
+              <a:lnSpc>
+                <a:spcPct val="100000"/>
+              </a:lnSpc>
+            </a:pPr>
+            <a:r>
+              <a:rPr lang="de-DE" sz="2400" b="1" dirty="0"/>
+              <a:t>Vorteile</a:t>
+            </a:r>
+            <a:endParaRPr lang="de-DE" b="1" dirty="0"/>
+          </a:p>
+          <a:p>
+            <a:pPr lvl="1">
+              <a:lnSpc>
+                <a:spcPct val="100000"/>
+              </a:lnSpc>
+              <a:spcBef>
+                <a:spcPts val="1200"/>
+              </a:spcBef>
+            </a:pPr>
+            <a:r>
+              <a:rPr lang="de-DE" sz="2000" dirty="0"/>
+              <a:t>Integrität der Daten</a:t>
+            </a:r>
+          </a:p>
+          <a:p>
+            <a:pPr lvl="1">
+              <a:lnSpc>
+                <a:spcPct val="100000"/>
+              </a:lnSpc>
+              <a:spcBef>
+                <a:spcPts val="1200"/>
+              </a:spcBef>
+            </a:pPr>
+            <a:r>
+              <a:rPr lang="de-DE" sz="2000" dirty="0"/>
+              <a:t>Keine „Vertrauenspartei“ mehr nötig</a:t>
+            </a:r>
+          </a:p>
+          <a:p>
+            <a:pPr lvl="1">
+              <a:lnSpc>
+                <a:spcPct val="100000"/>
+              </a:lnSpc>
+              <a:spcBef>
+                <a:spcPts val="1200"/>
+              </a:spcBef>
+            </a:pPr>
+            <a:r>
+              <a:rPr lang="de-DE" sz="2000" dirty="0"/>
+              <a:t>Jeder kann(könnte) alles kontrollieren</a:t>
+            </a:r>
+          </a:p>
+          <a:p>
+            <a:pPr lvl="1">
+              <a:lnSpc>
+                <a:spcPct val="100000"/>
+              </a:lnSpc>
+              <a:spcBef>
+                <a:spcPts val="1200"/>
+              </a:spcBef>
+            </a:pPr>
+            <a:r>
+              <a:rPr lang="de-DE" sz="2000" dirty="0"/>
+              <a:t>(praktisch) Kein Betrug mehr möglich</a:t>
+            </a:r>
+          </a:p>
+          <a:p>
+            <a:pPr lvl="1">
+              <a:lnSpc>
+                <a:spcPct val="100000"/>
+              </a:lnSpc>
+              <a:spcBef>
+                <a:spcPts val="1200"/>
+              </a:spcBef>
+            </a:pPr>
+            <a:r>
+              <a:rPr lang="de-DE" sz="2000" dirty="0"/>
+              <a:t>Anonymität</a:t>
+            </a:r>
+          </a:p>
+          <a:p>
+            <a:pPr>
+              <a:lnSpc>
+                <a:spcPct val="150000"/>
+              </a:lnSpc>
+            </a:pPr>
+            <a:endParaRPr lang="de-DE" dirty="0"/>
+          </a:p>
+        </p:txBody>
+      </p:sp>
+      <p:sp>
+        <p:nvSpPr>
+          <p:cNvPr id="11" name="Inhaltsplatzhalter 10">
+            <a:extLst>
+              <a:ext uri="{FF2B5EF4-FFF2-40B4-BE49-F238E27FC236}">
+                <a16:creationId xmlns:a16="http://schemas.microsoft.com/office/drawing/2014/main" id="{C05AC46F-9B68-4421-BD98-8E948E2B1BC6}"/>
+              </a:ext>
+            </a:extLst>
+          </p:cNvPr>
+          <p:cNvSpPr>
+            <a:spLocks noGrp="1"/>
+          </p:cNvSpPr>
+          <p:nvPr>
+            <p:ph sz="half" idx="4294967295"/>
+          </p:nvPr>
+        </p:nvSpPr>
+        <p:spPr>
+          <a:xfrm>
+            <a:off x="6300788" y="1619250"/>
+            <a:ext cx="5219700" cy="4140200"/>
+          </a:xfrm>
+        </p:spPr>
+        <p:txBody>
+          <a:bodyPr>
+            <a:normAutofit/>
+          </a:bodyPr>
+          <a:lstStyle/>
+          <a:p>
+            <a:r>
+              <a:rPr lang="de-DE" sz="2400" b="1" dirty="0"/>
+              <a:t>Nachteile</a:t>
+            </a:r>
+            <a:endParaRPr lang="de-DE" b="1" dirty="0"/>
+          </a:p>
+          <a:p>
+            <a:pPr lvl="1">
+              <a:lnSpc>
+                <a:spcPct val="100000"/>
+              </a:lnSpc>
+              <a:spcBef>
+                <a:spcPts val="1200"/>
+              </a:spcBef>
+            </a:pPr>
+            <a:r>
+              <a:rPr lang="de-DE" sz="2000" dirty="0"/>
+              <a:t>Netzwerk nötig</a:t>
+            </a:r>
+          </a:p>
+          <a:p>
+            <a:pPr lvl="1">
+              <a:lnSpc>
+                <a:spcPct val="100000"/>
+              </a:lnSpc>
+              <a:spcBef>
+                <a:spcPts val="1200"/>
+              </a:spcBef>
+            </a:pPr>
+            <a:r>
+              <a:rPr lang="de-DE" sz="2000" dirty="0"/>
+              <a:t>Weitere Mechanismen nötig zur Verhinderung von gleichzeitigen Zugriffen</a:t>
+            </a:r>
+          </a:p>
+          <a:p>
+            <a:pPr lvl="1">
+              <a:lnSpc>
+                <a:spcPct val="100000"/>
+              </a:lnSpc>
+              <a:spcBef>
+                <a:spcPts val="1200"/>
+              </a:spcBef>
+            </a:pPr>
+            <a:r>
+              <a:rPr lang="de-DE" sz="2000" dirty="0"/>
+              <a:t>Keine Verschlüsselung der Daten</a:t>
+            </a:r>
+            <a:br>
+              <a:rPr lang="de-DE" sz="2000" dirty="0"/>
+            </a:br>
+            <a:r>
+              <a:rPr lang="de-DE" sz="1600" dirty="0"/>
+              <a:t>(Außer die Daten selbst werden verschlüsselt)</a:t>
+            </a:r>
+          </a:p>
+          <a:p>
+            <a:pPr lvl="1">
+              <a:lnSpc>
+                <a:spcPct val="100000"/>
+              </a:lnSpc>
+              <a:spcBef>
+                <a:spcPts val="1200"/>
+              </a:spcBef>
+            </a:pPr>
+            <a:r>
+              <a:rPr lang="de-DE" sz="2000" dirty="0"/>
+              <a:t>Kein direkte Authentizität</a:t>
+            </a:r>
+          </a:p>
+          <a:p>
+            <a:pPr lvl="1">
+              <a:lnSpc>
+                <a:spcPct val="100000"/>
+              </a:lnSpc>
+              <a:spcBef>
+                <a:spcPts val="1200"/>
+              </a:spcBef>
+            </a:pPr>
+            <a:r>
+              <a:rPr lang="de-DE" sz="2000" dirty="0"/>
+              <a:t>Größe (z.B. </a:t>
+            </a:r>
+            <a:r>
+              <a:rPr lang="de-DE" sz="2000" dirty="0" err="1"/>
+              <a:t>BitCoin</a:t>
+            </a:r>
+            <a:r>
+              <a:rPr lang="de-DE" sz="2000" dirty="0"/>
+              <a:t>: ~150 GB)</a:t>
+            </a:r>
+          </a:p>
+          <a:p>
+            <a:pPr lvl="1">
+              <a:lnSpc>
+                <a:spcPct val="100000"/>
+              </a:lnSpc>
+              <a:spcBef>
+                <a:spcPts val="1200"/>
+              </a:spcBef>
+            </a:pPr>
+            <a:r>
+              <a:rPr lang="de-DE" sz="2000" dirty="0"/>
+              <a:t>Kein Schutz</a:t>
+            </a:r>
+          </a:p>
+          <a:p>
+            <a:pPr lvl="1"/>
+            <a:endParaRPr lang="de-DE" dirty="0"/>
+          </a:p>
+        </p:txBody>
+      </p:sp>
+    </p:spTree>
+    <p:extLst>
+      <p:ext uri="{BB962C8B-B14F-4D97-AF65-F5344CB8AC3E}">
+        <p14:creationId xmlns:p14="http://schemas.microsoft.com/office/powerpoint/2010/main" val="841359465"/>
+      </p:ext>
+    </p:extLst>
+  </p:cSld>
+  <p:clrMapOvr>
+    <a:masterClrMapping/>
+  </p:clrMapOvr>
+</p:sld>
+</file>
+
+<file path=ppt/slides/slide9.xml><?xml version="1.0" encoding="utf-8"?>
+<p:sld xmlns:a="http://schemas.openxmlformats.org/drawingml/2006/main" xmlns:r="http://schemas.openxmlformats.org/officeDocument/2006/relationships" xmlns:p="http://schemas.openxmlformats.org/presentationml/2006/main">
+  <p:cSld>
+    <p:spTree>
+      <p:nvGrpSpPr>
+        <p:cNvPr id="1" name=""/>
+        <p:cNvGrpSpPr/>
+        <p:nvPr/>
+      </p:nvGrpSpPr>
+      <p:grpSpPr>
+        <a:xfrm>
+          <a:off x="0" y="0"/>
+          <a:ext cx="0" cy="0"/>
+          <a:chOff x="0" y="0"/>
+          <a:chExt cx="0" cy="0"/>
+        </a:xfrm>
+      </p:grpSpPr>
+      <p:sp>
+        <p:nvSpPr>
+          <p:cNvPr id="2" name="Titel 1">
+            <a:extLst>
+              <a:ext uri="{FF2B5EF4-FFF2-40B4-BE49-F238E27FC236}">
+                <a16:creationId xmlns:a16="http://schemas.microsoft.com/office/drawing/2014/main" id="{FC65F202-7CB5-416F-8B68-C825991901A6}"/>
+              </a:ext>
+            </a:extLst>
+          </p:cNvPr>
+          <p:cNvSpPr>
+            <a:spLocks noGrp="1"/>
+          </p:cNvSpPr>
+          <p:nvPr>
+            <p:ph type="title"/>
+          </p:nvPr>
+        </p:nvSpPr>
+        <p:spPr/>
+        <p:txBody>
+          <a:bodyPr/>
+          <a:lstStyle/>
+          <a:p>
+            <a:r>
+              <a:rPr lang="de-DE" dirty="0"/>
+              <a:t>Anwendungsgebiete</a:t>
+            </a:r>
+          </a:p>
+        </p:txBody>
+      </p:sp>
+      <p:sp>
+        <p:nvSpPr>
+          <p:cNvPr id="7" name="Textplatzhalter 6">
+            <a:extLst>
+              <a:ext uri="{FF2B5EF4-FFF2-40B4-BE49-F238E27FC236}">
+                <a16:creationId xmlns:a16="http://schemas.microsoft.com/office/drawing/2014/main" id="{08E7D4D0-7D93-4F90-8F43-BC1EF1C80C7E}"/>
+              </a:ext>
+            </a:extLst>
+          </p:cNvPr>
+          <p:cNvSpPr>
+            <a:spLocks noGrp="1"/>
+          </p:cNvSpPr>
+          <p:nvPr>
+            <p:ph type="body" idx="1"/>
+          </p:nvPr>
+        </p:nvSpPr>
+        <p:spPr/>
+        <p:txBody>
+          <a:bodyPr/>
+          <a:lstStyle/>
+          <a:p>
+            <a:r>
+              <a:rPr lang="de-DE" dirty="0">
+                <a:solidFill>
+                  <a:schemeClr val="bg1">
+                    <a:lumMod val="50000"/>
+                  </a:schemeClr>
+                </a:solidFill>
+              </a:rPr>
+              <a:t>● Blockchain</a:t>
+            </a:r>
+            <a:r>
+              <a:rPr lang="de-DE" dirty="0">
+                <a:solidFill>
+                  <a:schemeClr val="bg1">
+                    <a:lumMod val="75000"/>
+                  </a:schemeClr>
+                </a:solidFill>
+              </a:rPr>
+              <a:t> </a:t>
+            </a:r>
+            <a:r>
+              <a:rPr lang="de-DE" b="1" dirty="0">
+                <a:solidFill>
+                  <a:srgbClr val="FF0000"/>
+                </a:solidFill>
+              </a:rPr>
+              <a:t>●</a:t>
+            </a:r>
+            <a:r>
+              <a:rPr lang="de-DE" b="1" dirty="0"/>
+              <a:t> </a:t>
+            </a:r>
+            <a:r>
+              <a:rPr lang="de-DE" b="1" dirty="0">
+                <a:solidFill>
+                  <a:schemeClr val="tx1"/>
+                </a:solidFill>
+              </a:rPr>
+              <a:t>Verfahren</a:t>
+            </a:r>
+          </a:p>
+        </p:txBody>
+      </p:sp>
+      <p:sp>
+        <p:nvSpPr>
+          <p:cNvPr id="4" name="Datumsplatzhalter 3">
+            <a:extLst>
+              <a:ext uri="{FF2B5EF4-FFF2-40B4-BE49-F238E27FC236}">
+                <a16:creationId xmlns:a16="http://schemas.microsoft.com/office/drawing/2014/main" id="{E7CB382E-D838-445A-9B76-D4FFF14E4852}"/>
+              </a:ext>
+            </a:extLst>
+          </p:cNvPr>
+          <p:cNvSpPr>
+            <a:spLocks noGrp="1"/>
+          </p:cNvSpPr>
+          <p:nvPr>
+            <p:ph type="dt" sz="half" idx="10"/>
+          </p:nvPr>
+        </p:nvSpPr>
+        <p:spPr/>
+        <p:txBody>
+          <a:bodyPr/>
+          <a:lstStyle/>
+          <a:p>
+            <a:fld id="{5816D8F1-3E92-45E9-82E1-886063832025}" type="datetime1">
+              <a:rPr lang="de-AT" smtClean="0"/>
+              <a:t>16.01.2018</a:t>
+            </a:fld>
+            <a:endParaRPr lang="de-DE"/>
+          </a:p>
+        </p:txBody>
+      </p:sp>
+      <p:sp>
+        <p:nvSpPr>
+          <p:cNvPr id="5" name="Fußzeilenplatzhalter 4">
+            <a:extLst>
+              <a:ext uri="{FF2B5EF4-FFF2-40B4-BE49-F238E27FC236}">
+                <a16:creationId xmlns:a16="http://schemas.microsoft.com/office/drawing/2014/main" id="{A0C5E136-99C4-45C9-B821-874185E3C586}"/>
+              </a:ext>
+            </a:extLst>
+          </p:cNvPr>
+          <p:cNvSpPr>
+            <a:spLocks noGrp="1"/>
+          </p:cNvSpPr>
+          <p:nvPr>
+            <p:ph type="ftr" sz="quarter" idx="11"/>
+          </p:nvPr>
+        </p:nvSpPr>
+        <p:spPr/>
+        <p:txBody>
+          <a:bodyPr/>
+          <a:lstStyle/>
+          <a:p>
+            <a:r>
+              <a:rPr lang="en-US"/>
+              <a:t>FH Wels, AT-Master / INIF, ITS3ILV</a:t>
+            </a:r>
+            <a:endParaRPr lang="de-DE" dirty="0"/>
+          </a:p>
+        </p:txBody>
+      </p:sp>
+      <p:sp>
+        <p:nvSpPr>
+          <p:cNvPr id="6" name="Foliennummernplatzhalter 5">
+            <a:extLst>
+              <a:ext uri="{FF2B5EF4-FFF2-40B4-BE49-F238E27FC236}">
+                <a16:creationId xmlns:a16="http://schemas.microsoft.com/office/drawing/2014/main" id="{FFBDBA6A-3C7C-44C6-A1D8-9CCE46894874}"/>
+              </a:ext>
+            </a:extLst>
+          </p:cNvPr>
+          <p:cNvSpPr>
+            <a:spLocks noGrp="1"/>
+          </p:cNvSpPr>
+          <p:nvPr>
+            <p:ph type="sldNum" sz="quarter" idx="12"/>
+          </p:nvPr>
+        </p:nvSpPr>
+        <p:spPr/>
+        <p:txBody>
+          <a:bodyPr/>
+          <a:lstStyle/>
+          <a:p>
+            <a:fld id="{42430F15-44E3-4E69-A3DD-479649D4CC4A}" type="slidenum">
+              <a:rPr lang="de-DE" smtClean="0"/>
+              <a:t>9</a:t>
+            </a:fld>
+            <a:endParaRPr lang="de-DE"/>
+          </a:p>
+        </p:txBody>
+      </p:sp>
       <p:pic>
         <p:nvPicPr>
           <p:cNvPr id="10" name="Inhaltsplatzhalter 9">
@@ -13087,7 +14129,7 @@
             <a:picLocks noGrp="1" noChangeAspect="1"/>
           </p:cNvPicPr>
           <p:nvPr>
-            <p:ph idx="1"/>
+            <p:ph idx="4294967295"/>
           </p:nvPr>
         </p:nvPicPr>
         <p:blipFill>
@@ -13104,8 +14146,8 @@
         </p:blipFill>
         <p:spPr>
           <a:xfrm>
-            <a:off x="997349" y="0"/>
-            <a:ext cx="9525301" cy="6480175"/>
+            <a:off x="0" y="0"/>
+            <a:ext cx="9525000" cy="6480175"/>
           </a:xfrm>
         </p:spPr>
       </p:pic>
@@ -13194,332 +14236,6 @@
       </p:par>
     </p:tnLst>
   </p:timing>
-</p:sld>
-</file>
-
-<file path=ppt/slides/slide9.xml><?xml version="1.0" encoding="utf-8"?>
-<p:sld xmlns:a="http://schemas.openxmlformats.org/drawingml/2006/main" xmlns:r="http://schemas.openxmlformats.org/officeDocument/2006/relationships" xmlns:p="http://schemas.openxmlformats.org/presentationml/2006/main">
-  <p:cSld>
-    <p:spTree>
-      <p:nvGrpSpPr>
-        <p:cNvPr id="1" name=""/>
-        <p:cNvGrpSpPr/>
-        <p:nvPr/>
-      </p:nvGrpSpPr>
-      <p:grpSpPr>
-        <a:xfrm>
-          <a:off x="0" y="0"/>
-          <a:ext cx="0" cy="0"/>
-          <a:chOff x="0" y="0"/>
-          <a:chExt cx="0" cy="0"/>
-        </a:xfrm>
-      </p:grpSpPr>
-      <p:sp>
-        <p:nvSpPr>
-          <p:cNvPr id="2" name="Titel 1">
-            <a:extLst>
-              <a:ext uri="{FF2B5EF4-FFF2-40B4-BE49-F238E27FC236}">
-                <a16:creationId xmlns:a16="http://schemas.microsoft.com/office/drawing/2014/main" id="{FC65F202-7CB5-416F-8B68-C825991901A6}"/>
-              </a:ext>
-            </a:extLst>
-          </p:cNvPr>
-          <p:cNvSpPr>
-            <a:spLocks noGrp="1"/>
-          </p:cNvSpPr>
-          <p:nvPr>
-            <p:ph type="title"/>
-          </p:nvPr>
-        </p:nvSpPr>
-        <p:spPr/>
-        <p:txBody>
-          <a:bodyPr/>
-          <a:lstStyle/>
-          <a:p>
-            <a:r>
-              <a:rPr lang="de-DE" dirty="0"/>
-              <a:t>Anwendungsgebiete (Auszug)</a:t>
-            </a:r>
-          </a:p>
-        </p:txBody>
-      </p:sp>
-      <p:sp>
-        <p:nvSpPr>
-          <p:cNvPr id="4" name="Datumsplatzhalter 3">
-            <a:extLst>
-              <a:ext uri="{FF2B5EF4-FFF2-40B4-BE49-F238E27FC236}">
-                <a16:creationId xmlns:a16="http://schemas.microsoft.com/office/drawing/2014/main" id="{E7CB382E-D838-445A-9B76-D4FFF14E4852}"/>
-              </a:ext>
-            </a:extLst>
-          </p:cNvPr>
-          <p:cNvSpPr>
-            <a:spLocks noGrp="1"/>
-          </p:cNvSpPr>
-          <p:nvPr>
-            <p:ph type="dt" sz="half" idx="10"/>
-          </p:nvPr>
-        </p:nvSpPr>
-        <p:spPr/>
-        <p:txBody>
-          <a:bodyPr/>
-          <a:lstStyle/>
-          <a:p>
-            <a:fld id="{5816D8F1-3E92-45E9-82E1-886063832025}" type="datetime1">
-              <a:rPr lang="de-AT" smtClean="0"/>
-              <a:t>14.01.2018</a:t>
-            </a:fld>
-            <a:endParaRPr lang="de-DE"/>
-          </a:p>
-        </p:txBody>
-      </p:sp>
-      <p:sp>
-        <p:nvSpPr>
-          <p:cNvPr id="5" name="Fußzeilenplatzhalter 4">
-            <a:extLst>
-              <a:ext uri="{FF2B5EF4-FFF2-40B4-BE49-F238E27FC236}">
-                <a16:creationId xmlns:a16="http://schemas.microsoft.com/office/drawing/2014/main" id="{A0C5E136-99C4-45C9-B821-874185E3C586}"/>
-              </a:ext>
-            </a:extLst>
-          </p:cNvPr>
-          <p:cNvSpPr>
-            <a:spLocks noGrp="1"/>
-          </p:cNvSpPr>
-          <p:nvPr>
-            <p:ph type="ftr" sz="quarter" idx="11"/>
-          </p:nvPr>
-        </p:nvSpPr>
-        <p:spPr/>
-        <p:txBody>
-          <a:bodyPr/>
-          <a:lstStyle/>
-          <a:p>
-            <a:r>
-              <a:rPr lang="en-US"/>
-              <a:t>FH Wels, AT-Master / INIF, ITS3ILV</a:t>
-            </a:r>
-            <a:endParaRPr lang="de-DE" dirty="0"/>
-          </a:p>
-        </p:txBody>
-      </p:sp>
-      <p:sp>
-        <p:nvSpPr>
-          <p:cNvPr id="6" name="Foliennummernplatzhalter 5">
-            <a:extLst>
-              <a:ext uri="{FF2B5EF4-FFF2-40B4-BE49-F238E27FC236}">
-                <a16:creationId xmlns:a16="http://schemas.microsoft.com/office/drawing/2014/main" id="{FFBDBA6A-3C7C-44C6-A1D8-9CCE46894874}"/>
-              </a:ext>
-            </a:extLst>
-          </p:cNvPr>
-          <p:cNvSpPr>
-            <a:spLocks noGrp="1"/>
-          </p:cNvSpPr>
-          <p:nvPr>
-            <p:ph type="sldNum" sz="quarter" idx="12"/>
-          </p:nvPr>
-        </p:nvSpPr>
-        <p:spPr/>
-        <p:txBody>
-          <a:bodyPr/>
-          <a:lstStyle/>
-          <a:p>
-            <a:fld id="{42430F15-44E3-4E69-A3DD-479649D4CC4A}" type="slidenum">
-              <a:rPr lang="de-DE" smtClean="0"/>
-              <a:t>9</a:t>
-            </a:fld>
-            <a:endParaRPr lang="de-DE"/>
-          </a:p>
-        </p:txBody>
-      </p:sp>
-      <p:sp>
-        <p:nvSpPr>
-          <p:cNvPr id="7" name="Textplatzhalter 6">
-            <a:extLst>
-              <a:ext uri="{FF2B5EF4-FFF2-40B4-BE49-F238E27FC236}">
-                <a16:creationId xmlns:a16="http://schemas.microsoft.com/office/drawing/2014/main" id="{08E7D4D0-7D93-4F90-8F43-BC1EF1C80C7E}"/>
-              </a:ext>
-            </a:extLst>
-          </p:cNvPr>
-          <p:cNvSpPr>
-            <a:spLocks noGrp="1"/>
-          </p:cNvSpPr>
-          <p:nvPr>
-            <p:ph type="body" sz="quarter" idx="13"/>
-          </p:nvPr>
-        </p:nvSpPr>
-        <p:spPr/>
-        <p:txBody>
-          <a:bodyPr/>
-          <a:lstStyle/>
-          <a:p>
-            <a:r>
-              <a:rPr lang="de-DE" dirty="0">
-                <a:solidFill>
-                  <a:schemeClr val="bg1">
-                    <a:lumMod val="50000"/>
-                  </a:schemeClr>
-                </a:solidFill>
-              </a:rPr>
-              <a:t>● Blockchain</a:t>
-            </a:r>
-            <a:r>
-              <a:rPr lang="de-DE" dirty="0">
-                <a:solidFill>
-                  <a:schemeClr val="bg1">
-                    <a:lumMod val="75000"/>
-                  </a:schemeClr>
-                </a:solidFill>
-              </a:rPr>
-              <a:t> </a:t>
-            </a:r>
-            <a:r>
-              <a:rPr lang="de-DE" b="1" dirty="0">
-                <a:solidFill>
-                  <a:srgbClr val="FF0000"/>
-                </a:solidFill>
-              </a:rPr>
-              <a:t>●</a:t>
-            </a:r>
-            <a:r>
-              <a:rPr lang="de-DE" b="1" dirty="0"/>
-              <a:t> </a:t>
-            </a:r>
-            <a:r>
-              <a:rPr lang="de-DE" b="1" dirty="0">
-                <a:solidFill>
-                  <a:schemeClr val="tx1"/>
-                </a:solidFill>
-              </a:rPr>
-              <a:t>Verfahren</a:t>
-            </a:r>
-          </a:p>
-        </p:txBody>
-      </p:sp>
-      <p:sp>
-        <p:nvSpPr>
-          <p:cNvPr id="8" name="Inhaltsplatzhalter 7">
-            <a:extLst>
-              <a:ext uri="{FF2B5EF4-FFF2-40B4-BE49-F238E27FC236}">
-                <a16:creationId xmlns:a16="http://schemas.microsoft.com/office/drawing/2014/main" id="{425BCD50-628E-43AE-8278-D9F235F52E7B}"/>
-              </a:ext>
-            </a:extLst>
-          </p:cNvPr>
-          <p:cNvSpPr>
-            <a:spLocks noGrp="1"/>
-          </p:cNvSpPr>
-          <p:nvPr>
-            <p:ph idx="1"/>
-          </p:nvPr>
-        </p:nvSpPr>
-        <p:spPr/>
-        <p:txBody>
-          <a:bodyPr>
-            <a:normAutofit fontScale="92500" lnSpcReduction="10000"/>
-          </a:bodyPr>
-          <a:lstStyle/>
-          <a:p>
-            <a:pPr>
-              <a:lnSpc>
-                <a:spcPct val="150000"/>
-              </a:lnSpc>
-            </a:pPr>
-            <a:r>
-              <a:rPr lang="de-DE" dirty="0"/>
-              <a:t>Besitzüberprüfungen</a:t>
-            </a:r>
-          </a:p>
-          <a:p>
-            <a:pPr lvl="1">
-              <a:lnSpc>
-                <a:spcPct val="110000"/>
-              </a:lnSpc>
-            </a:pPr>
-            <a:r>
-              <a:rPr lang="de-DE" dirty="0"/>
-              <a:t>Jegliche Art von digitalem Inhalt</a:t>
-            </a:r>
-          </a:p>
-          <a:p>
-            <a:pPr>
-              <a:lnSpc>
-                <a:spcPct val="150000"/>
-              </a:lnSpc>
-            </a:pPr>
-            <a:r>
-              <a:rPr lang="de-DE" dirty="0"/>
-              <a:t>Smart </a:t>
-            </a:r>
-            <a:r>
-              <a:rPr lang="de-DE" dirty="0" err="1"/>
-              <a:t>Contracts</a:t>
-            </a:r>
-            <a:endParaRPr lang="de-DE" dirty="0"/>
-          </a:p>
-          <a:p>
-            <a:pPr lvl="1">
-              <a:lnSpc>
-                <a:spcPct val="110000"/>
-              </a:lnSpc>
-            </a:pPr>
-            <a:r>
-              <a:rPr lang="de-DE" dirty="0"/>
-              <a:t>würde Crowdfunding Plattformen ersetzen</a:t>
-            </a:r>
-          </a:p>
-          <a:p>
-            <a:pPr>
-              <a:lnSpc>
-                <a:spcPct val="150000"/>
-              </a:lnSpc>
-            </a:pPr>
-            <a:r>
-              <a:rPr lang="de-DE" dirty="0"/>
-              <a:t>Dezentralisierte Patientendaten</a:t>
-            </a:r>
-          </a:p>
-          <a:p>
-            <a:pPr>
-              <a:lnSpc>
-                <a:spcPct val="150000"/>
-              </a:lnSpc>
-            </a:pPr>
-            <a:r>
-              <a:rPr lang="de-DE" dirty="0"/>
-              <a:t>Digitale Währung (Krypto-Währung)</a:t>
-            </a:r>
-          </a:p>
-          <a:p>
-            <a:pPr lvl="1">
-              <a:lnSpc>
-                <a:spcPct val="100000"/>
-              </a:lnSpc>
-            </a:pPr>
-            <a:r>
-              <a:rPr lang="de-DE" dirty="0"/>
-              <a:t>Bitcoin</a:t>
-            </a:r>
-          </a:p>
-          <a:p>
-            <a:pPr lvl="1">
-              <a:lnSpc>
-                <a:spcPct val="100000"/>
-              </a:lnSpc>
-            </a:pPr>
-            <a:r>
-              <a:rPr lang="de-DE" dirty="0"/>
-              <a:t>…</a:t>
-            </a:r>
-          </a:p>
-        </p:txBody>
-      </p:sp>
-    </p:spTree>
-    <p:extLst>
-      <p:ext uri="{BB962C8B-B14F-4D97-AF65-F5344CB8AC3E}">
-        <p14:creationId xmlns:p14="http://schemas.microsoft.com/office/powerpoint/2010/main" val="2988201403"/>
-      </p:ext>
-    </p:extLst>
-  </p:cSld>
-  <p:clrMapOvr>
-    <a:masterClrMapping/>
-  </p:clrMapOvr>
 </p:sld>
 </file>
 

--- a/Präsentation/Blockchain – Technologie.pptx
+++ b/Präsentation/Blockchain – Technologie.pptx
@@ -11,9 +11,9 @@
     <p:sldId id="264" r:id="rId2"/>
     <p:sldId id="265" r:id="rId3"/>
     <p:sldId id="279" r:id="rId4"/>
-    <p:sldId id="260" r:id="rId5"/>
-    <p:sldId id="262" r:id="rId6"/>
-    <p:sldId id="267" r:id="rId7"/>
+    <p:sldId id="262" r:id="rId5"/>
+    <p:sldId id="267" r:id="rId6"/>
+    <p:sldId id="260" r:id="rId7"/>
     <p:sldId id="266" r:id="rId8"/>
     <p:sldId id="269" r:id="rId9"/>
     <p:sldId id="263" r:id="rId10"/>
@@ -139,9 +139,9 @@
         <p14:section name="Verfahren" id="{86735F51-711E-410D-957D-ACA3CB444497}">
           <p14:sldIdLst>
             <p14:sldId id="279"/>
-            <p14:sldId id="260"/>
             <p14:sldId id="262"/>
             <p14:sldId id="267"/>
+            <p14:sldId id="260"/>
             <p14:sldId id="266"/>
             <p14:sldId id="269"/>
             <p14:sldId id="263"/>
@@ -584,7 +584,10 @@
           <a:bodyPr/>
           <a:lstStyle/>
           <a:p>
-            <a:endParaRPr lang="de-DE" dirty="0"/>
+            <a:r>
+              <a:rPr lang="de-DE" dirty="0"/>
+              <a:t>Beispiele TTP: Banken, PayPal, Zertifizierungsstellen</a:t>
+            </a:r>
           </a:p>
         </p:txBody>
       </p:sp>
@@ -614,7 +617,7 @@
     </p:spTree>
     <p:extLst>
       <p:ext uri="{BB962C8B-B14F-4D97-AF65-F5344CB8AC3E}">
-        <p14:creationId xmlns:p14="http://schemas.microsoft.com/office/powerpoint/2010/main" val="3407338059"/>
+        <p14:creationId xmlns:p14="http://schemas.microsoft.com/office/powerpoint/2010/main" val="2278061784"/>
       </p:ext>
     </p:extLst>
   </p:cSld>
@@ -668,10 +671,7 @@
           <a:bodyPr/>
           <a:lstStyle/>
           <a:p>
-            <a:r>
-              <a:rPr lang="de-DE" dirty="0"/>
-              <a:t>Beispiele TTP: Banken, PayPal, Zertifizierungsstellen</a:t>
-            </a:r>
+            <a:endParaRPr lang="de-DE" dirty="0"/>
           </a:p>
         </p:txBody>
       </p:sp>
@@ -701,7 +701,7 @@
     </p:spTree>
     <p:extLst>
       <p:ext uri="{BB962C8B-B14F-4D97-AF65-F5344CB8AC3E}">
-        <p14:creationId xmlns:p14="http://schemas.microsoft.com/office/powerpoint/2010/main" val="2278061784"/>
+        <p14:creationId xmlns:p14="http://schemas.microsoft.com/office/powerpoint/2010/main" val="155387937"/>
       </p:ext>
     </p:extLst>
   </p:cSld>
@@ -776,6 +776,90 @@
           <a:p>
             <a:fld id="{781625E1-B033-4BF3-95C5-D847FDF1B486}" type="slidenum">
               <a:rPr lang="de-DE" smtClean="0"/>
+              <a:t>6</a:t>
+            </a:fld>
+            <a:endParaRPr lang="de-DE"/>
+          </a:p>
+        </p:txBody>
+      </p:sp>
+    </p:spTree>
+    <p:extLst>
+      <p:ext uri="{BB962C8B-B14F-4D97-AF65-F5344CB8AC3E}">
+        <p14:creationId xmlns:p14="http://schemas.microsoft.com/office/powerpoint/2010/main" val="3407338059"/>
+      </p:ext>
+    </p:extLst>
+  </p:cSld>
+  <p:clrMapOvr>
+    <a:masterClrMapping/>
+  </p:clrMapOvr>
+</p:notes>
+</file>
+
+<file path=ppt/notesSlides/notesSlide4.xml><?xml version="1.0" encoding="utf-8"?>
+<p:notes xmlns:a="http://schemas.openxmlformats.org/drawingml/2006/main" xmlns:r="http://schemas.openxmlformats.org/officeDocument/2006/relationships" xmlns:p="http://schemas.openxmlformats.org/presentationml/2006/main">
+  <p:cSld>
+    <p:spTree>
+      <p:nvGrpSpPr>
+        <p:cNvPr id="1" name=""/>
+        <p:cNvGrpSpPr/>
+        <p:nvPr/>
+      </p:nvGrpSpPr>
+      <p:grpSpPr>
+        <a:xfrm>
+          <a:off x="0" y="0"/>
+          <a:ext cx="0" cy="0"/>
+          <a:chOff x="0" y="0"/>
+          <a:chExt cx="0" cy="0"/>
+        </a:xfrm>
+      </p:grpSpPr>
+      <p:sp>
+        <p:nvSpPr>
+          <p:cNvPr id="2" name="Folienbildplatzhalter 1"/>
+          <p:cNvSpPr>
+            <a:spLocks noGrp="1" noRot="1" noChangeAspect="1"/>
+          </p:cNvSpPr>
+          <p:nvPr>
+            <p:ph type="sldImg"/>
+          </p:nvPr>
+        </p:nvSpPr>
+        <p:spPr/>
+      </p:sp>
+      <p:sp>
+        <p:nvSpPr>
+          <p:cNvPr id="3" name="Notizenplatzhalter 2"/>
+          <p:cNvSpPr>
+            <a:spLocks noGrp="1"/>
+          </p:cNvSpPr>
+          <p:nvPr>
+            <p:ph type="body" idx="1"/>
+          </p:nvPr>
+        </p:nvSpPr>
+        <p:spPr/>
+        <p:txBody>
+          <a:bodyPr/>
+          <a:lstStyle/>
+          <a:p>
+            <a:endParaRPr lang="de-DE" dirty="0"/>
+          </a:p>
+        </p:txBody>
+      </p:sp>
+      <p:sp>
+        <p:nvSpPr>
+          <p:cNvPr id="4" name="Foliennummernplatzhalter 3"/>
+          <p:cNvSpPr>
+            <a:spLocks noGrp="1"/>
+          </p:cNvSpPr>
+          <p:nvPr>
+            <p:ph type="sldNum" sz="quarter" idx="10"/>
+          </p:nvPr>
+        </p:nvSpPr>
+        <p:spPr/>
+        <p:txBody>
+          <a:bodyPr/>
+          <a:lstStyle/>
+          <a:p>
+            <a:fld id="{781625E1-B033-4BF3-95C5-D847FDF1B486}" type="slidenum">
+              <a:rPr lang="de-DE" smtClean="0"/>
               <a:t>8</a:t>
             </a:fld>
             <a:endParaRPr lang="de-DE"/>
@@ -795,7 +879,7 @@
 </p:notes>
 </file>
 
-<file path=ppt/notesSlides/notesSlide4.xml><?xml version="1.0" encoding="utf-8"?>
+<file path=ppt/notesSlides/notesSlide5.xml><?xml version="1.0" encoding="utf-8"?>
 <p:notes xmlns:a="http://schemas.openxmlformats.org/drawingml/2006/main" xmlns:r="http://schemas.openxmlformats.org/officeDocument/2006/relationships" xmlns:p="http://schemas.openxmlformats.org/presentationml/2006/main">
   <p:cSld>
     <p:spTree>
@@ -4368,6 +4452,210 @@
       </p:sp>
       <p:sp>
         <p:nvSpPr>
+          <p:cNvPr id="8" name="Inhaltsplatzhalter 7">
+            <a:extLst>
+              <a:ext uri="{FF2B5EF4-FFF2-40B4-BE49-F238E27FC236}">
+                <a16:creationId xmlns:a16="http://schemas.microsoft.com/office/drawing/2014/main" id="{425BCD50-628E-43AE-8278-D9F235F52E7B}"/>
+              </a:ext>
+            </a:extLst>
+          </p:cNvPr>
+          <p:cNvSpPr>
+            <a:spLocks noGrp="1"/>
+          </p:cNvSpPr>
+          <p:nvPr>
+            <p:ph idx="1"/>
+          </p:nvPr>
+        </p:nvSpPr>
+        <p:spPr/>
+        <p:txBody>
+          <a:bodyPr>
+            <a:normAutofit fontScale="92500" lnSpcReduction="10000"/>
+          </a:bodyPr>
+          <a:lstStyle/>
+          <a:p>
+            <a:pPr>
+              <a:lnSpc>
+                <a:spcPct val="150000"/>
+              </a:lnSpc>
+            </a:pPr>
+            <a:r>
+              <a:rPr lang="de-DE" dirty="0"/>
+              <a:t>Besitzüberprüfungen</a:t>
+            </a:r>
+          </a:p>
+          <a:p>
+            <a:pPr lvl="1">
+              <a:lnSpc>
+                <a:spcPct val="110000"/>
+              </a:lnSpc>
+            </a:pPr>
+            <a:r>
+              <a:rPr lang="de-DE" dirty="0"/>
+              <a:t>Jegliche Art von digitalem Inhalt</a:t>
+            </a:r>
+          </a:p>
+          <a:p>
+            <a:pPr>
+              <a:lnSpc>
+                <a:spcPct val="150000"/>
+              </a:lnSpc>
+            </a:pPr>
+            <a:r>
+              <a:rPr lang="de-DE" dirty="0"/>
+              <a:t>Smart </a:t>
+            </a:r>
+            <a:r>
+              <a:rPr lang="de-DE" dirty="0" err="1"/>
+              <a:t>Contracts</a:t>
+            </a:r>
+            <a:endParaRPr lang="de-DE" dirty="0"/>
+          </a:p>
+          <a:p>
+            <a:pPr lvl="1">
+              <a:lnSpc>
+                <a:spcPct val="110000"/>
+              </a:lnSpc>
+            </a:pPr>
+            <a:r>
+              <a:rPr lang="de-DE" dirty="0"/>
+              <a:t>würde Crowdfunding Plattformen ersetzen</a:t>
+            </a:r>
+          </a:p>
+          <a:p>
+            <a:pPr>
+              <a:lnSpc>
+                <a:spcPct val="150000"/>
+              </a:lnSpc>
+            </a:pPr>
+            <a:r>
+              <a:rPr lang="de-DE" dirty="0"/>
+              <a:t>Dezentralisierte Patientendaten</a:t>
+            </a:r>
+          </a:p>
+          <a:p>
+            <a:pPr>
+              <a:lnSpc>
+                <a:spcPct val="150000"/>
+              </a:lnSpc>
+            </a:pPr>
+            <a:r>
+              <a:rPr lang="de-DE" dirty="0"/>
+              <a:t>Digitale Währung (Krypto-Währung)</a:t>
+            </a:r>
+          </a:p>
+          <a:p>
+            <a:pPr lvl="1">
+              <a:lnSpc>
+                <a:spcPct val="100000"/>
+              </a:lnSpc>
+            </a:pPr>
+            <a:r>
+              <a:rPr lang="de-DE" dirty="0"/>
+              <a:t>Bitcoin</a:t>
+            </a:r>
+          </a:p>
+          <a:p>
+            <a:pPr lvl="1">
+              <a:lnSpc>
+                <a:spcPct val="100000"/>
+              </a:lnSpc>
+            </a:pPr>
+            <a:r>
+              <a:rPr lang="de-DE" dirty="0"/>
+              <a:t>…</a:t>
+            </a:r>
+          </a:p>
+        </p:txBody>
+      </p:sp>
+      <p:sp>
+        <p:nvSpPr>
+          <p:cNvPr id="4" name="Datumsplatzhalter 3">
+            <a:extLst>
+              <a:ext uri="{FF2B5EF4-FFF2-40B4-BE49-F238E27FC236}">
+                <a16:creationId xmlns:a16="http://schemas.microsoft.com/office/drawing/2014/main" id="{E7CB382E-D838-445A-9B76-D4FFF14E4852}"/>
+              </a:ext>
+            </a:extLst>
+          </p:cNvPr>
+          <p:cNvSpPr>
+            <a:spLocks noGrp="1"/>
+          </p:cNvSpPr>
+          <p:nvPr>
+            <p:ph type="dt" sz="half" idx="10"/>
+          </p:nvPr>
+        </p:nvSpPr>
+        <p:spPr/>
+        <p:txBody>
+          <a:bodyPr/>
+          <a:lstStyle/>
+          <a:p>
+            <a:fld id="{5816D8F1-3E92-45E9-82E1-886063832025}" type="datetime1">
+              <a:rPr lang="de-AT" smtClean="0"/>
+              <a:t>16.01.2018</a:t>
+            </a:fld>
+            <a:endParaRPr lang="de-DE"/>
+          </a:p>
+        </p:txBody>
+      </p:sp>
+      <p:sp>
+        <p:nvSpPr>
+          <p:cNvPr id="5" name="Fußzeilenplatzhalter 4">
+            <a:extLst>
+              <a:ext uri="{FF2B5EF4-FFF2-40B4-BE49-F238E27FC236}">
+                <a16:creationId xmlns:a16="http://schemas.microsoft.com/office/drawing/2014/main" id="{A0C5E136-99C4-45C9-B821-874185E3C586}"/>
+              </a:ext>
+            </a:extLst>
+          </p:cNvPr>
+          <p:cNvSpPr>
+            <a:spLocks noGrp="1"/>
+          </p:cNvSpPr>
+          <p:nvPr>
+            <p:ph type="ftr" sz="quarter" idx="11"/>
+          </p:nvPr>
+        </p:nvSpPr>
+        <p:spPr/>
+        <p:txBody>
+          <a:bodyPr/>
+          <a:lstStyle/>
+          <a:p>
+            <a:r>
+              <a:rPr lang="en-US"/>
+              <a:t>FH Wels, AT-Master / INIF, ITS3ILV</a:t>
+            </a:r>
+            <a:endParaRPr lang="de-DE" dirty="0"/>
+          </a:p>
+        </p:txBody>
+      </p:sp>
+      <p:sp>
+        <p:nvSpPr>
+          <p:cNvPr id="6" name="Foliennummernplatzhalter 5">
+            <a:extLst>
+              <a:ext uri="{FF2B5EF4-FFF2-40B4-BE49-F238E27FC236}">
+                <a16:creationId xmlns:a16="http://schemas.microsoft.com/office/drawing/2014/main" id="{FFBDBA6A-3C7C-44C6-A1D8-9CCE46894874}"/>
+              </a:ext>
+            </a:extLst>
+          </p:cNvPr>
+          <p:cNvSpPr>
+            <a:spLocks noGrp="1"/>
+          </p:cNvSpPr>
+          <p:nvPr>
+            <p:ph type="sldNum" sz="quarter" idx="12"/>
+          </p:nvPr>
+        </p:nvSpPr>
+        <p:spPr/>
+        <p:txBody>
+          <a:bodyPr/>
+          <a:lstStyle/>
+          <a:p>
+            <a:fld id="{42430F15-44E3-4E69-A3DD-479649D4CC4A}" type="slidenum">
+              <a:rPr lang="de-DE" smtClean="0"/>
+              <a:t>10</a:t>
+            </a:fld>
+            <a:endParaRPr lang="de-DE"/>
+          </a:p>
+        </p:txBody>
+      </p:sp>
+      <p:sp>
+        <p:nvSpPr>
           <p:cNvPr id="7" name="Textplatzhalter 6">
             <a:extLst>
               <a:ext uri="{FF2B5EF4-FFF2-40B4-BE49-F238E27FC236}">
@@ -4379,7 +4667,7 @@
             <a:spLocks noGrp="1"/>
           </p:cNvSpPr>
           <p:nvPr>
-            <p:ph type="body" idx="1"/>
+            <p:ph type="body" sz="quarter" idx="13"/>
           </p:nvPr>
         </p:nvSpPr>
         <p:spPr/>
@@ -4426,215 +4714,6 @@
                 </a:solidFill>
               </a:rPr>
               <a:t>Verfahren</a:t>
-            </a:r>
-          </a:p>
-        </p:txBody>
-      </p:sp>
-      <p:sp>
-        <p:nvSpPr>
-          <p:cNvPr id="4" name="Datumsplatzhalter 3">
-            <a:extLst>
-              <a:ext uri="{FF2B5EF4-FFF2-40B4-BE49-F238E27FC236}">
-                <a16:creationId xmlns:a16="http://schemas.microsoft.com/office/drawing/2014/main" id="{E7CB382E-D838-445A-9B76-D4FFF14E4852}"/>
-              </a:ext>
-            </a:extLst>
-          </p:cNvPr>
-          <p:cNvSpPr>
-            <a:spLocks noGrp="1"/>
-          </p:cNvSpPr>
-          <p:nvPr>
-            <p:ph type="dt" sz="half" idx="10"/>
-          </p:nvPr>
-        </p:nvSpPr>
-        <p:spPr/>
-        <p:txBody>
-          <a:bodyPr/>
-          <a:lstStyle/>
-          <a:p>
-            <a:fld id="{5816D8F1-3E92-45E9-82E1-886063832025}" type="datetime1">
-              <a:rPr lang="de-AT" smtClean="0"/>
-              <a:t>16.01.2018</a:t>
-            </a:fld>
-            <a:endParaRPr lang="de-DE"/>
-          </a:p>
-        </p:txBody>
-      </p:sp>
-      <p:sp>
-        <p:nvSpPr>
-          <p:cNvPr id="5" name="Fußzeilenplatzhalter 4">
-            <a:extLst>
-              <a:ext uri="{FF2B5EF4-FFF2-40B4-BE49-F238E27FC236}">
-                <a16:creationId xmlns:a16="http://schemas.microsoft.com/office/drawing/2014/main" id="{A0C5E136-99C4-45C9-B821-874185E3C586}"/>
-              </a:ext>
-            </a:extLst>
-          </p:cNvPr>
-          <p:cNvSpPr>
-            <a:spLocks noGrp="1"/>
-          </p:cNvSpPr>
-          <p:nvPr>
-            <p:ph type="ftr" sz="quarter" idx="11"/>
-          </p:nvPr>
-        </p:nvSpPr>
-        <p:spPr/>
-        <p:txBody>
-          <a:bodyPr/>
-          <a:lstStyle/>
-          <a:p>
-            <a:r>
-              <a:rPr lang="en-US"/>
-              <a:t>FH Wels, AT-Master / INIF, ITS3ILV</a:t>
-            </a:r>
-            <a:endParaRPr lang="de-DE" dirty="0"/>
-          </a:p>
-        </p:txBody>
-      </p:sp>
-      <p:sp>
-        <p:nvSpPr>
-          <p:cNvPr id="6" name="Foliennummernplatzhalter 5">
-            <a:extLst>
-              <a:ext uri="{FF2B5EF4-FFF2-40B4-BE49-F238E27FC236}">
-                <a16:creationId xmlns:a16="http://schemas.microsoft.com/office/drawing/2014/main" id="{FFBDBA6A-3C7C-44C6-A1D8-9CCE46894874}"/>
-              </a:ext>
-            </a:extLst>
-          </p:cNvPr>
-          <p:cNvSpPr>
-            <a:spLocks noGrp="1"/>
-          </p:cNvSpPr>
-          <p:nvPr>
-            <p:ph type="sldNum" sz="quarter" idx="12"/>
-          </p:nvPr>
-        </p:nvSpPr>
-        <p:spPr/>
-        <p:txBody>
-          <a:bodyPr/>
-          <a:lstStyle/>
-          <a:p>
-            <a:fld id="{42430F15-44E3-4E69-A3DD-479649D4CC4A}" type="slidenum">
-              <a:rPr lang="de-DE" smtClean="0"/>
-              <a:t>10</a:t>
-            </a:fld>
-            <a:endParaRPr lang="de-DE"/>
-          </a:p>
-        </p:txBody>
-      </p:sp>
-      <p:sp>
-        <p:nvSpPr>
-          <p:cNvPr id="8" name="Inhaltsplatzhalter 7">
-            <a:extLst>
-              <a:ext uri="{FF2B5EF4-FFF2-40B4-BE49-F238E27FC236}">
-                <a16:creationId xmlns:a16="http://schemas.microsoft.com/office/drawing/2014/main" id="{425BCD50-628E-43AE-8278-D9F235F52E7B}"/>
-              </a:ext>
-            </a:extLst>
-          </p:cNvPr>
-          <p:cNvSpPr>
-            <a:spLocks noGrp="1"/>
-          </p:cNvSpPr>
-          <p:nvPr>
-            <p:ph idx="4294967295"/>
-          </p:nvPr>
-        </p:nvSpPr>
-        <p:spPr>
-          <a:xfrm>
-            <a:off x="0" y="1619250"/>
-            <a:ext cx="10799763" cy="4140200"/>
-          </a:xfrm>
-        </p:spPr>
-        <p:txBody>
-          <a:bodyPr>
-            <a:normAutofit fontScale="92500" lnSpcReduction="10000"/>
-          </a:bodyPr>
-          <a:lstStyle/>
-          <a:p>
-            <a:pPr>
-              <a:lnSpc>
-                <a:spcPct val="150000"/>
-              </a:lnSpc>
-            </a:pPr>
-            <a:r>
-              <a:rPr lang="de-DE" dirty="0"/>
-              <a:t>Besitzüberprüfungen</a:t>
-            </a:r>
-          </a:p>
-          <a:p>
-            <a:pPr lvl="1">
-              <a:lnSpc>
-                <a:spcPct val="110000"/>
-              </a:lnSpc>
-            </a:pPr>
-            <a:r>
-              <a:rPr lang="de-DE" dirty="0"/>
-              <a:t>Jegliche Art von digitalem Inhalt</a:t>
-            </a:r>
-          </a:p>
-          <a:p>
-            <a:pPr>
-              <a:lnSpc>
-                <a:spcPct val="150000"/>
-              </a:lnSpc>
-            </a:pPr>
-            <a:r>
-              <a:rPr lang="de-DE" dirty="0"/>
-              <a:t>Smart </a:t>
-            </a:r>
-            <a:r>
-              <a:rPr lang="de-DE" dirty="0" err="1"/>
-              <a:t>Contracts</a:t>
-            </a:r>
-            <a:endParaRPr lang="de-DE" dirty="0"/>
-          </a:p>
-          <a:p>
-            <a:pPr lvl="1">
-              <a:lnSpc>
-                <a:spcPct val="110000"/>
-              </a:lnSpc>
-            </a:pPr>
-            <a:r>
-              <a:rPr lang="de-DE" dirty="0"/>
-              <a:t>würde Crowdfunding Plattformen ersetzen</a:t>
-            </a:r>
-          </a:p>
-          <a:p>
-            <a:pPr>
-              <a:lnSpc>
-                <a:spcPct val="150000"/>
-              </a:lnSpc>
-            </a:pPr>
-            <a:r>
-              <a:rPr lang="de-DE" dirty="0"/>
-              <a:t>Dezentralisierte Patientendaten</a:t>
-            </a:r>
-          </a:p>
-          <a:p>
-            <a:pPr>
-              <a:lnSpc>
-                <a:spcPct val="150000"/>
-              </a:lnSpc>
-            </a:pPr>
-            <a:r>
-              <a:rPr lang="de-DE" dirty="0"/>
-              <a:t>Digitale Währung (Krypto-Währung)</a:t>
-            </a:r>
-          </a:p>
-          <a:p>
-            <a:pPr lvl="1">
-              <a:lnSpc>
-                <a:spcPct val="100000"/>
-              </a:lnSpc>
-            </a:pPr>
-            <a:r>
-              <a:rPr lang="de-DE" dirty="0"/>
-              <a:t>Bitcoin</a:t>
-            </a:r>
-          </a:p>
-          <a:p>
-            <a:pPr lvl="1">
-              <a:lnSpc>
-                <a:spcPct val="100000"/>
-              </a:lnSpc>
-            </a:pPr>
-            <a:r>
-              <a:rPr lang="de-DE" dirty="0"/>
-              <a:t>…</a:t>
             </a:r>
           </a:p>
         </p:txBody>
@@ -7711,6 +7790,13 @@
             <a:pPr lvl="1"/>
             <a:r>
               <a:rPr lang="de-DE" dirty="0"/>
+              <a:t>Background</a:t>
+            </a:r>
+          </a:p>
+          <a:p>
+            <a:pPr lvl="1"/>
+            <a:r>
+              <a:rPr lang="de-DE" dirty="0"/>
               <a:t>Irrtümer</a:t>
             </a:r>
           </a:p>
@@ -7718,14 +7804,7 @@
             <a:pPr lvl="1"/>
             <a:r>
               <a:rPr lang="de-DE" dirty="0"/>
-              <a:t>Motivation</a:t>
-            </a:r>
-          </a:p>
-          <a:p>
-            <a:pPr lvl="1"/>
-            <a:r>
-              <a:rPr lang="de-DE" dirty="0"/>
-              <a:t>Die Blockchain</a:t>
+              <a:t>Grundprinzip der Blockchain</a:t>
             </a:r>
           </a:p>
           <a:p>
@@ -7761,7 +7840,7 @@
           <a:p>
             <a:r>
               <a:rPr lang="de-DE" dirty="0"/>
-              <a:t>Anwendung: Kryptowährung</a:t>
+              <a:t>Kryptowährungen</a:t>
             </a:r>
           </a:p>
           <a:p>
@@ -8021,6 +8100,226 @@
       </p:sp>
       <p:sp>
         <p:nvSpPr>
+          <p:cNvPr id="3" name="Inhaltsplatzhalter 2">
+            <a:extLst>
+              <a:ext uri="{FF2B5EF4-FFF2-40B4-BE49-F238E27FC236}">
+                <a16:creationId xmlns:a16="http://schemas.microsoft.com/office/drawing/2014/main" id="{34E55CDD-90F1-427C-A3F9-C9737EB67604}"/>
+              </a:ext>
+            </a:extLst>
+          </p:cNvPr>
+          <p:cNvSpPr>
+            <a:spLocks noGrp="1"/>
+          </p:cNvSpPr>
+          <p:nvPr>
+            <p:ph idx="1"/>
+          </p:nvPr>
+        </p:nvSpPr>
+        <p:spPr/>
+        <p:txBody>
+          <a:bodyPr/>
+          <a:lstStyle/>
+          <a:p>
+            <a:pPr marL="514350" indent="-514350">
+              <a:buFont typeface="+mj-lt"/>
+              <a:buAutoNum type="arabicParenBoth"/>
+            </a:pPr>
+            <a:r>
+              <a:rPr lang="de-DE" dirty="0">
+                <a:hlinkClick r:id="rId2"/>
+              </a:rPr>
+              <a:t>https://www.crypto-news.net/</a:t>
+            </a:r>
+            <a:endParaRPr lang="de-DE" dirty="0"/>
+          </a:p>
+          <a:p>
+            <a:pPr marL="514350" indent="-514350">
+              <a:buFont typeface="+mj-lt"/>
+              <a:buAutoNum type="arabicParenBoth"/>
+            </a:pPr>
+            <a:r>
+              <a:rPr lang="de-DE" dirty="0">
+                <a:hlinkClick r:id="rId3"/>
+              </a:rPr>
+              <a:t>https://www.blockchain.info/</a:t>
+            </a:r>
+            <a:endParaRPr lang="de-DE" dirty="0"/>
+          </a:p>
+          <a:p>
+            <a:pPr marL="514350" indent="-514350">
+              <a:buFont typeface="+mj-lt"/>
+              <a:buAutoNum type="arabicParenBoth"/>
+            </a:pPr>
+            <a:r>
+              <a:rPr lang="de-DE" dirty="0">
+                <a:hlinkClick r:id="rId4"/>
+              </a:rPr>
+              <a:t>https://de.wikipedia.org/wiki/Blockchain</a:t>
+            </a:r>
+            <a:endParaRPr lang="de-DE" dirty="0"/>
+          </a:p>
+          <a:p>
+            <a:pPr marL="514350" indent="-514350">
+              <a:buFont typeface="+mj-lt"/>
+              <a:buAutoNum type="arabicParenBoth"/>
+            </a:pPr>
+            <a:r>
+              <a:rPr lang="de-DE" dirty="0">
+                <a:hlinkClick r:id="rId5"/>
+              </a:rPr>
+              <a:t>https://futurezone.at/digital-life/was-ist-eigentlich-diese-blockchain/270.616.934</a:t>
+            </a:r>
+            <a:endParaRPr lang="de-DE" dirty="0"/>
+          </a:p>
+          <a:p>
+            <a:pPr marL="514350" indent="-514350">
+              <a:buFont typeface="+mj-lt"/>
+              <a:buAutoNum type="arabicParenBoth"/>
+            </a:pPr>
+            <a:r>
+              <a:rPr lang="de-DE" dirty="0">
+                <a:hlinkClick r:id="rId6"/>
+              </a:rPr>
+              <a:t>https://blockchainbasics.ch</a:t>
+            </a:r>
+            <a:endParaRPr lang="de-DE" dirty="0"/>
+          </a:p>
+          <a:p>
+            <a:pPr marL="514350" indent="-514350">
+              <a:buFont typeface="+mj-lt"/>
+              <a:buAutoNum type="arabicParenBoth"/>
+            </a:pPr>
+            <a:r>
+              <a:rPr lang="de-DE" dirty="0">
+                <a:hlinkClick r:id="rId7"/>
+              </a:rPr>
+              <a:t>https://anders.com/blockchain/</a:t>
+            </a:r>
+            <a:endParaRPr lang="de-DE" dirty="0"/>
+          </a:p>
+          <a:p>
+            <a:pPr marL="514350" indent="-514350">
+              <a:buFont typeface="+mj-lt"/>
+              <a:buAutoNum type="arabicParenBoth"/>
+            </a:pPr>
+            <a:r>
+              <a:rPr lang="de-DE" dirty="0">
+                <a:hlinkClick r:id="rId8"/>
+              </a:rPr>
+              <a:t>https://coinmarketcap.com/coins/</a:t>
+            </a:r>
+            <a:endParaRPr lang="de-DE" dirty="0"/>
+          </a:p>
+          <a:p>
+            <a:pPr marL="0" indent="0">
+              <a:buNone/>
+            </a:pPr>
+            <a:endParaRPr lang="de-DE" dirty="0"/>
+          </a:p>
+          <a:p>
+            <a:pPr marL="514350" indent="-514350">
+              <a:buFont typeface="+mj-lt"/>
+              <a:buAutoNum type="arabicParenBoth"/>
+            </a:pPr>
+            <a:endParaRPr lang="de-DE" dirty="0"/>
+          </a:p>
+          <a:p>
+            <a:pPr marL="514350" indent="-514350">
+              <a:buFont typeface="+mj-lt"/>
+              <a:buAutoNum type="arabicParenBoth"/>
+            </a:pPr>
+            <a:endParaRPr lang="de-DE" dirty="0"/>
+          </a:p>
+        </p:txBody>
+      </p:sp>
+      <p:sp>
+        <p:nvSpPr>
+          <p:cNvPr id="4" name="Datumsplatzhalter 3">
+            <a:extLst>
+              <a:ext uri="{FF2B5EF4-FFF2-40B4-BE49-F238E27FC236}">
+                <a16:creationId xmlns:a16="http://schemas.microsoft.com/office/drawing/2014/main" id="{E0E16EF7-1D4A-4E8B-AD29-44E5511F3B9C}"/>
+              </a:ext>
+            </a:extLst>
+          </p:cNvPr>
+          <p:cNvSpPr>
+            <a:spLocks noGrp="1"/>
+          </p:cNvSpPr>
+          <p:nvPr>
+            <p:ph type="dt" sz="half" idx="10"/>
+          </p:nvPr>
+        </p:nvSpPr>
+        <p:spPr/>
+        <p:txBody>
+          <a:bodyPr/>
+          <a:lstStyle/>
+          <a:p>
+            <a:fld id="{5816D8F1-3E92-45E9-82E1-886063832025}" type="datetime1">
+              <a:rPr lang="de-AT" smtClean="0"/>
+              <a:t>16.01.2018</a:t>
+            </a:fld>
+            <a:endParaRPr lang="de-DE"/>
+          </a:p>
+        </p:txBody>
+      </p:sp>
+      <p:sp>
+        <p:nvSpPr>
+          <p:cNvPr id="5" name="Fußzeilenplatzhalter 4">
+            <a:extLst>
+              <a:ext uri="{FF2B5EF4-FFF2-40B4-BE49-F238E27FC236}">
+                <a16:creationId xmlns:a16="http://schemas.microsoft.com/office/drawing/2014/main" id="{F6721E1B-6D87-4CA6-A0B2-C17E9BC0E1A2}"/>
+              </a:ext>
+            </a:extLst>
+          </p:cNvPr>
+          <p:cNvSpPr>
+            <a:spLocks noGrp="1"/>
+          </p:cNvSpPr>
+          <p:nvPr>
+            <p:ph type="ftr" sz="quarter" idx="11"/>
+          </p:nvPr>
+        </p:nvSpPr>
+        <p:spPr/>
+        <p:txBody>
+          <a:bodyPr/>
+          <a:lstStyle/>
+          <a:p>
+            <a:r>
+              <a:rPr lang="en-US"/>
+              <a:t>FH Wels, AT-Master / INIF, ITS3ILV</a:t>
+            </a:r>
+            <a:endParaRPr lang="de-DE" dirty="0"/>
+          </a:p>
+        </p:txBody>
+      </p:sp>
+      <p:sp>
+        <p:nvSpPr>
+          <p:cNvPr id="6" name="Foliennummernplatzhalter 5">
+            <a:extLst>
+              <a:ext uri="{FF2B5EF4-FFF2-40B4-BE49-F238E27FC236}">
+                <a16:creationId xmlns:a16="http://schemas.microsoft.com/office/drawing/2014/main" id="{248194F9-2754-4427-AB7A-D818D4296943}"/>
+              </a:ext>
+            </a:extLst>
+          </p:cNvPr>
+          <p:cNvSpPr>
+            <a:spLocks noGrp="1"/>
+          </p:cNvSpPr>
+          <p:nvPr>
+            <p:ph type="sldNum" sz="quarter" idx="12"/>
+          </p:nvPr>
+        </p:nvSpPr>
+        <p:spPr/>
+        <p:txBody>
+          <a:bodyPr/>
+          <a:lstStyle/>
+          <a:p>
+            <a:fld id="{42430F15-44E3-4E69-A3DD-479649D4CC4A}" type="slidenum">
+              <a:rPr lang="de-DE" smtClean="0"/>
+              <a:t>20</a:t>
+            </a:fld>
+            <a:endParaRPr lang="de-DE"/>
+          </a:p>
+        </p:txBody>
+      </p:sp>
+      <p:sp>
+        <p:nvSpPr>
           <p:cNvPr id="7" name="Textplatzhalter 6">
             <a:extLst>
               <a:ext uri="{FF2B5EF4-FFF2-40B4-BE49-F238E27FC236}">
@@ -8032,7 +8331,7 @@
             <a:spLocks noGrp="1"/>
           </p:cNvSpPr>
           <p:nvPr>
-            <p:ph type="body" idx="1"/>
+            <p:ph type="body" sz="quarter" idx="13"/>
           </p:nvPr>
         </p:nvSpPr>
         <p:spPr/>
@@ -8080,231 +8379,6 @@
               </a:rPr>
               <a:t>Anhang</a:t>
             </a:r>
-          </a:p>
-        </p:txBody>
-      </p:sp>
-      <p:sp>
-        <p:nvSpPr>
-          <p:cNvPr id="4" name="Datumsplatzhalter 3">
-            <a:extLst>
-              <a:ext uri="{FF2B5EF4-FFF2-40B4-BE49-F238E27FC236}">
-                <a16:creationId xmlns:a16="http://schemas.microsoft.com/office/drawing/2014/main" id="{E0E16EF7-1D4A-4E8B-AD29-44E5511F3B9C}"/>
-              </a:ext>
-            </a:extLst>
-          </p:cNvPr>
-          <p:cNvSpPr>
-            <a:spLocks noGrp="1"/>
-          </p:cNvSpPr>
-          <p:nvPr>
-            <p:ph type="dt" sz="half" idx="10"/>
-          </p:nvPr>
-        </p:nvSpPr>
-        <p:spPr/>
-        <p:txBody>
-          <a:bodyPr/>
-          <a:lstStyle/>
-          <a:p>
-            <a:fld id="{5816D8F1-3E92-45E9-82E1-886063832025}" type="datetime1">
-              <a:rPr lang="de-AT" smtClean="0"/>
-              <a:t>16.01.2018</a:t>
-            </a:fld>
-            <a:endParaRPr lang="de-DE"/>
-          </a:p>
-        </p:txBody>
-      </p:sp>
-      <p:sp>
-        <p:nvSpPr>
-          <p:cNvPr id="5" name="Fußzeilenplatzhalter 4">
-            <a:extLst>
-              <a:ext uri="{FF2B5EF4-FFF2-40B4-BE49-F238E27FC236}">
-                <a16:creationId xmlns:a16="http://schemas.microsoft.com/office/drawing/2014/main" id="{F6721E1B-6D87-4CA6-A0B2-C17E9BC0E1A2}"/>
-              </a:ext>
-            </a:extLst>
-          </p:cNvPr>
-          <p:cNvSpPr>
-            <a:spLocks noGrp="1"/>
-          </p:cNvSpPr>
-          <p:nvPr>
-            <p:ph type="ftr" sz="quarter" idx="11"/>
-          </p:nvPr>
-        </p:nvSpPr>
-        <p:spPr/>
-        <p:txBody>
-          <a:bodyPr/>
-          <a:lstStyle/>
-          <a:p>
-            <a:r>
-              <a:rPr lang="en-US"/>
-              <a:t>FH Wels, AT-Master / INIF, ITS3ILV</a:t>
-            </a:r>
-            <a:endParaRPr lang="de-DE" dirty="0"/>
-          </a:p>
-        </p:txBody>
-      </p:sp>
-      <p:sp>
-        <p:nvSpPr>
-          <p:cNvPr id="6" name="Foliennummernplatzhalter 5">
-            <a:extLst>
-              <a:ext uri="{FF2B5EF4-FFF2-40B4-BE49-F238E27FC236}">
-                <a16:creationId xmlns:a16="http://schemas.microsoft.com/office/drawing/2014/main" id="{248194F9-2754-4427-AB7A-D818D4296943}"/>
-              </a:ext>
-            </a:extLst>
-          </p:cNvPr>
-          <p:cNvSpPr>
-            <a:spLocks noGrp="1"/>
-          </p:cNvSpPr>
-          <p:nvPr>
-            <p:ph type="sldNum" sz="quarter" idx="12"/>
-          </p:nvPr>
-        </p:nvSpPr>
-        <p:spPr/>
-        <p:txBody>
-          <a:bodyPr/>
-          <a:lstStyle/>
-          <a:p>
-            <a:fld id="{42430F15-44E3-4E69-A3DD-479649D4CC4A}" type="slidenum">
-              <a:rPr lang="de-DE" smtClean="0"/>
-              <a:t>20</a:t>
-            </a:fld>
-            <a:endParaRPr lang="de-DE"/>
-          </a:p>
-        </p:txBody>
-      </p:sp>
-      <p:sp>
-        <p:nvSpPr>
-          <p:cNvPr id="3" name="Inhaltsplatzhalter 2">
-            <a:extLst>
-              <a:ext uri="{FF2B5EF4-FFF2-40B4-BE49-F238E27FC236}">
-                <a16:creationId xmlns:a16="http://schemas.microsoft.com/office/drawing/2014/main" id="{34E55CDD-90F1-427C-A3F9-C9737EB67604}"/>
-              </a:ext>
-            </a:extLst>
-          </p:cNvPr>
-          <p:cNvSpPr>
-            <a:spLocks noGrp="1"/>
-          </p:cNvSpPr>
-          <p:nvPr>
-            <p:ph idx="4294967295"/>
-          </p:nvPr>
-        </p:nvSpPr>
-        <p:spPr>
-          <a:xfrm>
-            <a:off x="0" y="1619250"/>
-            <a:ext cx="10799763" cy="4140200"/>
-          </a:xfrm>
-        </p:spPr>
-        <p:txBody>
-          <a:bodyPr/>
-          <a:lstStyle/>
-          <a:p>
-            <a:pPr marL="514350" indent="-514350">
-              <a:buFont typeface="+mj-lt"/>
-              <a:buAutoNum type="arabicParenBoth"/>
-            </a:pPr>
-            <a:r>
-              <a:rPr lang="de-DE" dirty="0">
-                <a:hlinkClick r:id="rId2"/>
-              </a:rPr>
-              <a:t>https://www.crypto-news.net/</a:t>
-            </a:r>
-            <a:endParaRPr lang="de-DE" dirty="0"/>
-          </a:p>
-          <a:p>
-            <a:pPr marL="514350" indent="-514350">
-              <a:buFont typeface="+mj-lt"/>
-              <a:buAutoNum type="arabicParenBoth"/>
-            </a:pPr>
-            <a:r>
-              <a:rPr lang="de-DE" dirty="0">
-                <a:hlinkClick r:id="rId3"/>
-              </a:rPr>
-              <a:t>https://www.blockchain.info/</a:t>
-            </a:r>
-            <a:endParaRPr lang="de-DE" dirty="0"/>
-          </a:p>
-          <a:p>
-            <a:pPr marL="514350" indent="-514350">
-              <a:buFont typeface="+mj-lt"/>
-              <a:buAutoNum type="arabicParenBoth"/>
-            </a:pPr>
-            <a:r>
-              <a:rPr lang="de-DE" dirty="0">
-                <a:hlinkClick r:id="rId4"/>
-              </a:rPr>
-              <a:t>https://de.wikipedia.org/wiki/Blockchain</a:t>
-            </a:r>
-            <a:endParaRPr lang="de-DE" dirty="0"/>
-          </a:p>
-          <a:p>
-            <a:pPr marL="514350" indent="-514350">
-              <a:buFont typeface="+mj-lt"/>
-              <a:buAutoNum type="arabicParenBoth"/>
-            </a:pPr>
-            <a:r>
-              <a:rPr lang="de-DE" dirty="0">
-                <a:hlinkClick r:id="rId5"/>
-              </a:rPr>
-              <a:t>https://futurezone.at/digital-life/was-ist-eigentlich-diese-blockchain/270.616.934</a:t>
-            </a:r>
-            <a:endParaRPr lang="de-DE" dirty="0"/>
-          </a:p>
-          <a:p>
-            <a:pPr marL="514350" indent="-514350">
-              <a:buFont typeface="+mj-lt"/>
-              <a:buAutoNum type="arabicParenBoth"/>
-            </a:pPr>
-            <a:r>
-              <a:rPr lang="de-DE" dirty="0">
-                <a:hlinkClick r:id="rId6"/>
-              </a:rPr>
-              <a:t>https://blockchainbasics.ch</a:t>
-            </a:r>
-            <a:endParaRPr lang="de-DE" dirty="0"/>
-          </a:p>
-          <a:p>
-            <a:pPr marL="514350" indent="-514350">
-              <a:buFont typeface="+mj-lt"/>
-              <a:buAutoNum type="arabicParenBoth"/>
-            </a:pPr>
-            <a:r>
-              <a:rPr lang="de-DE" dirty="0">
-                <a:hlinkClick r:id="rId7"/>
-              </a:rPr>
-              <a:t>https://anders.com/blockchain/</a:t>
-            </a:r>
-            <a:endParaRPr lang="de-DE" dirty="0"/>
-          </a:p>
-          <a:p>
-            <a:pPr marL="514350" indent="-514350">
-              <a:buFont typeface="+mj-lt"/>
-              <a:buAutoNum type="arabicParenBoth"/>
-            </a:pPr>
-            <a:r>
-              <a:rPr lang="de-DE" dirty="0">
-                <a:hlinkClick r:id="rId8"/>
-              </a:rPr>
-              <a:t>https://coinmarketcap.com/coins/</a:t>
-            </a:r>
-            <a:endParaRPr lang="de-DE" dirty="0"/>
-          </a:p>
-          <a:p>
-            <a:pPr marL="0" indent="0">
-              <a:buNone/>
-            </a:pPr>
-            <a:endParaRPr lang="de-DE" dirty="0"/>
-          </a:p>
-          <a:p>
-            <a:pPr marL="514350" indent="-514350">
-              <a:buFont typeface="+mj-lt"/>
-              <a:buAutoNum type="arabicParenBoth"/>
-            </a:pPr>
-            <a:endParaRPr lang="de-DE" dirty="0"/>
-          </a:p>
-          <a:p>
-            <a:pPr marL="514350" indent="-514350">
-              <a:buFont typeface="+mj-lt"/>
-              <a:buAutoNum type="arabicParenBoth"/>
-            </a:pPr>
-            <a:endParaRPr lang="de-DE" dirty="0"/>
           </a:p>
         </p:txBody>
       </p:sp>
@@ -8368,6 +8442,154 @@
       </p:sp>
       <p:sp>
         <p:nvSpPr>
+          <p:cNvPr id="3" name="Inhaltsplatzhalter 2">
+            <a:extLst>
+              <a:ext uri="{FF2B5EF4-FFF2-40B4-BE49-F238E27FC236}">
+                <a16:creationId xmlns:a16="http://schemas.microsoft.com/office/drawing/2014/main" id="{34E55CDD-90F1-427C-A3F9-C9737EB67604}"/>
+              </a:ext>
+            </a:extLst>
+          </p:cNvPr>
+          <p:cNvSpPr>
+            <a:spLocks noGrp="1"/>
+          </p:cNvSpPr>
+          <p:nvPr>
+            <p:ph idx="1"/>
+          </p:nvPr>
+        </p:nvSpPr>
+        <p:spPr/>
+        <p:txBody>
+          <a:bodyPr/>
+          <a:lstStyle/>
+          <a:p>
+            <a:pPr marL="514350" indent="-514350">
+              <a:buFont typeface="+mj-lt"/>
+              <a:buAutoNum type="arabicParenBoth"/>
+            </a:pPr>
+            <a:r>
+              <a:rPr lang="de-DE" dirty="0">
+                <a:hlinkClick r:id="rId2"/>
+              </a:rPr>
+              <a:t>https://www.youtube.com/watch?v=m13mEw96nP8</a:t>
+            </a:r>
+            <a:endParaRPr lang="de-DE" dirty="0"/>
+          </a:p>
+          <a:p>
+            <a:pPr marL="514350" indent="-514350">
+              <a:buFont typeface="+mj-lt"/>
+              <a:buAutoNum type="arabicParenBoth"/>
+            </a:pPr>
+            <a:r>
+              <a:rPr lang="de-DE" dirty="0">
+                <a:hlinkClick r:id="rId3"/>
+              </a:rPr>
+              <a:t>https://www.youtube.com/watch?v=2LFENhIwSvI</a:t>
+            </a:r>
+            <a:endParaRPr lang="de-DE" dirty="0"/>
+          </a:p>
+          <a:p>
+            <a:pPr marL="514350" indent="-514350">
+              <a:buFont typeface="+mj-lt"/>
+              <a:buAutoNum type="arabicParenBoth"/>
+            </a:pPr>
+            <a:r>
+              <a:rPr lang="de-DE" dirty="0">
+                <a:hlinkClick r:id="rId4"/>
+              </a:rPr>
+              <a:t>https://www.youtube.com/watch?v=SSo_EIwHSd4</a:t>
+            </a:r>
+            <a:endParaRPr lang="de-DE" dirty="0"/>
+          </a:p>
+        </p:txBody>
+      </p:sp>
+      <p:sp>
+        <p:nvSpPr>
+          <p:cNvPr id="4" name="Datumsplatzhalter 3">
+            <a:extLst>
+              <a:ext uri="{FF2B5EF4-FFF2-40B4-BE49-F238E27FC236}">
+                <a16:creationId xmlns:a16="http://schemas.microsoft.com/office/drawing/2014/main" id="{E0E16EF7-1D4A-4E8B-AD29-44E5511F3B9C}"/>
+              </a:ext>
+            </a:extLst>
+          </p:cNvPr>
+          <p:cNvSpPr>
+            <a:spLocks noGrp="1"/>
+          </p:cNvSpPr>
+          <p:nvPr>
+            <p:ph type="dt" sz="half" idx="10"/>
+          </p:nvPr>
+        </p:nvSpPr>
+        <p:spPr/>
+        <p:txBody>
+          <a:bodyPr/>
+          <a:lstStyle/>
+          <a:p>
+            <a:fld id="{5816D8F1-3E92-45E9-82E1-886063832025}" type="datetime1">
+              <a:rPr lang="de-AT" smtClean="0"/>
+              <a:t>16.01.2018</a:t>
+            </a:fld>
+            <a:endParaRPr lang="de-DE"/>
+          </a:p>
+        </p:txBody>
+      </p:sp>
+      <p:sp>
+        <p:nvSpPr>
+          <p:cNvPr id="5" name="Fußzeilenplatzhalter 4">
+            <a:extLst>
+              <a:ext uri="{FF2B5EF4-FFF2-40B4-BE49-F238E27FC236}">
+                <a16:creationId xmlns:a16="http://schemas.microsoft.com/office/drawing/2014/main" id="{F6721E1B-6D87-4CA6-A0B2-C17E9BC0E1A2}"/>
+              </a:ext>
+            </a:extLst>
+          </p:cNvPr>
+          <p:cNvSpPr>
+            <a:spLocks noGrp="1"/>
+          </p:cNvSpPr>
+          <p:nvPr>
+            <p:ph type="ftr" sz="quarter" idx="11"/>
+          </p:nvPr>
+        </p:nvSpPr>
+        <p:spPr/>
+        <p:txBody>
+          <a:bodyPr/>
+          <a:lstStyle/>
+          <a:p>
+            <a:r>
+              <a:rPr lang="en-US"/>
+              <a:t>FH Wels, AT-Master / INIF, ITS3ILV</a:t>
+            </a:r>
+            <a:endParaRPr lang="de-DE" dirty="0"/>
+          </a:p>
+        </p:txBody>
+      </p:sp>
+      <p:sp>
+        <p:nvSpPr>
+          <p:cNvPr id="6" name="Foliennummernplatzhalter 5">
+            <a:extLst>
+              <a:ext uri="{FF2B5EF4-FFF2-40B4-BE49-F238E27FC236}">
+                <a16:creationId xmlns:a16="http://schemas.microsoft.com/office/drawing/2014/main" id="{248194F9-2754-4427-AB7A-D818D4296943}"/>
+              </a:ext>
+            </a:extLst>
+          </p:cNvPr>
+          <p:cNvSpPr>
+            <a:spLocks noGrp="1"/>
+          </p:cNvSpPr>
+          <p:nvPr>
+            <p:ph type="sldNum" sz="quarter" idx="12"/>
+          </p:nvPr>
+        </p:nvSpPr>
+        <p:spPr/>
+        <p:txBody>
+          <a:bodyPr/>
+          <a:lstStyle/>
+          <a:p>
+            <a:fld id="{42430F15-44E3-4E69-A3DD-479649D4CC4A}" type="slidenum">
+              <a:rPr lang="de-DE" smtClean="0"/>
+              <a:t>21</a:t>
+            </a:fld>
+            <a:endParaRPr lang="de-DE"/>
+          </a:p>
+        </p:txBody>
+      </p:sp>
+      <p:sp>
+        <p:nvSpPr>
           <p:cNvPr id="7" name="Textplatzhalter 6">
             <a:extLst>
               <a:ext uri="{FF2B5EF4-FFF2-40B4-BE49-F238E27FC236}">
@@ -8379,7 +8601,7 @@
             <a:spLocks noGrp="1"/>
           </p:cNvSpPr>
           <p:nvPr>
-            <p:ph type="body" idx="1"/>
+            <p:ph type="body" sz="quarter" idx="13"/>
           </p:nvPr>
         </p:nvSpPr>
         <p:spPr/>
@@ -8427,159 +8649,6 @@
               </a:rPr>
               <a:t>Anhang</a:t>
             </a:r>
-          </a:p>
-        </p:txBody>
-      </p:sp>
-      <p:sp>
-        <p:nvSpPr>
-          <p:cNvPr id="4" name="Datumsplatzhalter 3">
-            <a:extLst>
-              <a:ext uri="{FF2B5EF4-FFF2-40B4-BE49-F238E27FC236}">
-                <a16:creationId xmlns:a16="http://schemas.microsoft.com/office/drawing/2014/main" id="{E0E16EF7-1D4A-4E8B-AD29-44E5511F3B9C}"/>
-              </a:ext>
-            </a:extLst>
-          </p:cNvPr>
-          <p:cNvSpPr>
-            <a:spLocks noGrp="1"/>
-          </p:cNvSpPr>
-          <p:nvPr>
-            <p:ph type="dt" sz="half" idx="10"/>
-          </p:nvPr>
-        </p:nvSpPr>
-        <p:spPr/>
-        <p:txBody>
-          <a:bodyPr/>
-          <a:lstStyle/>
-          <a:p>
-            <a:fld id="{5816D8F1-3E92-45E9-82E1-886063832025}" type="datetime1">
-              <a:rPr lang="de-AT" smtClean="0"/>
-              <a:t>16.01.2018</a:t>
-            </a:fld>
-            <a:endParaRPr lang="de-DE"/>
-          </a:p>
-        </p:txBody>
-      </p:sp>
-      <p:sp>
-        <p:nvSpPr>
-          <p:cNvPr id="5" name="Fußzeilenplatzhalter 4">
-            <a:extLst>
-              <a:ext uri="{FF2B5EF4-FFF2-40B4-BE49-F238E27FC236}">
-                <a16:creationId xmlns:a16="http://schemas.microsoft.com/office/drawing/2014/main" id="{F6721E1B-6D87-4CA6-A0B2-C17E9BC0E1A2}"/>
-              </a:ext>
-            </a:extLst>
-          </p:cNvPr>
-          <p:cNvSpPr>
-            <a:spLocks noGrp="1"/>
-          </p:cNvSpPr>
-          <p:nvPr>
-            <p:ph type="ftr" sz="quarter" idx="11"/>
-          </p:nvPr>
-        </p:nvSpPr>
-        <p:spPr/>
-        <p:txBody>
-          <a:bodyPr/>
-          <a:lstStyle/>
-          <a:p>
-            <a:r>
-              <a:rPr lang="en-US"/>
-              <a:t>FH Wels, AT-Master / INIF, ITS3ILV</a:t>
-            </a:r>
-            <a:endParaRPr lang="de-DE" dirty="0"/>
-          </a:p>
-        </p:txBody>
-      </p:sp>
-      <p:sp>
-        <p:nvSpPr>
-          <p:cNvPr id="6" name="Foliennummernplatzhalter 5">
-            <a:extLst>
-              <a:ext uri="{FF2B5EF4-FFF2-40B4-BE49-F238E27FC236}">
-                <a16:creationId xmlns:a16="http://schemas.microsoft.com/office/drawing/2014/main" id="{248194F9-2754-4427-AB7A-D818D4296943}"/>
-              </a:ext>
-            </a:extLst>
-          </p:cNvPr>
-          <p:cNvSpPr>
-            <a:spLocks noGrp="1"/>
-          </p:cNvSpPr>
-          <p:nvPr>
-            <p:ph type="sldNum" sz="quarter" idx="12"/>
-          </p:nvPr>
-        </p:nvSpPr>
-        <p:spPr/>
-        <p:txBody>
-          <a:bodyPr/>
-          <a:lstStyle/>
-          <a:p>
-            <a:fld id="{42430F15-44E3-4E69-A3DD-479649D4CC4A}" type="slidenum">
-              <a:rPr lang="de-DE" smtClean="0"/>
-              <a:t>21</a:t>
-            </a:fld>
-            <a:endParaRPr lang="de-DE"/>
-          </a:p>
-        </p:txBody>
-      </p:sp>
-      <p:sp>
-        <p:nvSpPr>
-          <p:cNvPr id="3" name="Inhaltsplatzhalter 2">
-            <a:extLst>
-              <a:ext uri="{FF2B5EF4-FFF2-40B4-BE49-F238E27FC236}">
-                <a16:creationId xmlns:a16="http://schemas.microsoft.com/office/drawing/2014/main" id="{34E55CDD-90F1-427C-A3F9-C9737EB67604}"/>
-              </a:ext>
-            </a:extLst>
-          </p:cNvPr>
-          <p:cNvSpPr>
-            <a:spLocks noGrp="1"/>
-          </p:cNvSpPr>
-          <p:nvPr>
-            <p:ph idx="4294967295"/>
-          </p:nvPr>
-        </p:nvSpPr>
-        <p:spPr>
-          <a:xfrm>
-            <a:off x="0" y="1619250"/>
-            <a:ext cx="10799763" cy="4140200"/>
-          </a:xfrm>
-        </p:spPr>
-        <p:txBody>
-          <a:bodyPr/>
-          <a:lstStyle/>
-          <a:p>
-            <a:pPr marL="514350" indent="-514350">
-              <a:buFont typeface="+mj-lt"/>
-              <a:buAutoNum type="arabicParenBoth"/>
-            </a:pPr>
-            <a:r>
-              <a:rPr lang="de-DE" dirty="0">
-                <a:hlinkClick r:id="rId2"/>
-              </a:rPr>
-              <a:t>https://www.youtube.com/watch?v=m13mEw96nP8</a:t>
-            </a:r>
-            <a:endParaRPr lang="de-DE" dirty="0"/>
-          </a:p>
-          <a:p>
-            <a:pPr marL="514350" indent="-514350">
-              <a:buFont typeface="+mj-lt"/>
-              <a:buAutoNum type="arabicParenBoth"/>
-            </a:pPr>
-            <a:r>
-              <a:rPr lang="de-DE" dirty="0">
-                <a:hlinkClick r:id="rId3"/>
-              </a:rPr>
-              <a:t>https://www.youtube.com/watch?v=2LFENhIwSvI</a:t>
-            </a:r>
-            <a:endParaRPr lang="de-DE" dirty="0"/>
-          </a:p>
-          <a:p>
-            <a:pPr marL="514350" indent="-514350">
-              <a:buFont typeface="+mj-lt"/>
-              <a:buAutoNum type="arabicParenBoth"/>
-            </a:pPr>
-            <a:r>
-              <a:rPr lang="de-DE" dirty="0">
-                <a:hlinkClick r:id="rId4"/>
-              </a:rPr>
-              <a:t>https://www.youtube.com/watch?v=SSo_EIwHSd4</a:t>
-            </a:r>
-            <a:endParaRPr lang="de-DE" dirty="0"/>
           </a:p>
         </p:txBody>
       </p:sp>
@@ -8806,8 +8875,231 @@
           <a:p>
             <a:r>
               <a:rPr lang="de-DE" dirty="0"/>
-              <a:t>Irrtümer</a:t>
-            </a:r>
+              <a:t>Background</a:t>
+            </a:r>
+          </a:p>
+        </p:txBody>
+      </p:sp>
+      <p:sp>
+        <p:nvSpPr>
+          <p:cNvPr id="3" name="Inhaltsplatzhalter 2">
+            <a:extLst>
+              <a:ext uri="{FF2B5EF4-FFF2-40B4-BE49-F238E27FC236}">
+                <a16:creationId xmlns:a16="http://schemas.microsoft.com/office/drawing/2014/main" id="{522AC027-0B8D-4515-AF39-314F2E7F5F92}"/>
+              </a:ext>
+            </a:extLst>
+          </p:cNvPr>
+          <p:cNvSpPr>
+            <a:spLocks noGrp="1"/>
+          </p:cNvSpPr>
+          <p:nvPr>
+            <p:ph idx="1"/>
+          </p:nvPr>
+        </p:nvSpPr>
+        <p:spPr/>
+        <p:txBody>
+          <a:bodyPr>
+            <a:normAutofit/>
+          </a:bodyPr>
+          <a:lstStyle/>
+          <a:p>
+            <a:pPr>
+              <a:lnSpc>
+                <a:spcPct val="150000"/>
+              </a:lnSpc>
+            </a:pPr>
+            <a:r>
+              <a:rPr lang="de-DE" dirty="0"/>
+              <a:t>„</a:t>
+            </a:r>
+            <a:r>
+              <a:rPr lang="de-DE" dirty="0" err="1"/>
+              <a:t>Trusted</a:t>
+            </a:r>
+            <a:r>
+              <a:rPr lang="de-DE" dirty="0"/>
+              <a:t> Third Party“ (TTP) Problem</a:t>
+            </a:r>
+          </a:p>
+          <a:p>
+            <a:pPr lvl="1">
+              <a:lnSpc>
+                <a:spcPct val="100000"/>
+              </a:lnSpc>
+            </a:pPr>
+            <a:r>
+              <a:rPr lang="de-DE" dirty="0"/>
+              <a:t>Beide Parteien müssen 3. Partei vertrauen</a:t>
+            </a:r>
+          </a:p>
+          <a:p>
+            <a:pPr lvl="1">
+              <a:lnSpc>
+                <a:spcPct val="100000"/>
+              </a:lnSpc>
+            </a:pPr>
+            <a:r>
+              <a:rPr lang="de-DE" dirty="0"/>
+              <a:t>Wer kontrolliert die 3. Partei?</a:t>
+            </a:r>
+          </a:p>
+          <a:p>
+            <a:pPr lvl="1">
+              <a:lnSpc>
+                <a:spcPct val="100000"/>
+              </a:lnSpc>
+            </a:pPr>
+            <a:r>
+              <a:rPr lang="de-DE" dirty="0"/>
+              <a:t>Kosten für die 3. Partei</a:t>
+            </a:r>
+          </a:p>
+          <a:p>
+            <a:pPr>
+              <a:lnSpc>
+                <a:spcPct val="150000"/>
+              </a:lnSpc>
+            </a:pPr>
+            <a:r>
+              <a:rPr lang="de-DE" dirty="0"/>
+              <a:t>„</a:t>
+            </a:r>
+            <a:r>
+              <a:rPr lang="de-DE" dirty="0" err="1"/>
+              <a:t>Trustless</a:t>
+            </a:r>
+            <a:r>
+              <a:rPr lang="de-DE" dirty="0"/>
+              <a:t> System“</a:t>
+            </a:r>
+          </a:p>
+          <a:p>
+            <a:pPr lvl="1">
+              <a:lnSpc>
+                <a:spcPct val="100000"/>
+              </a:lnSpc>
+            </a:pPr>
+            <a:r>
+              <a:rPr lang="de-DE" dirty="0"/>
+              <a:t>Vertrauen ist gut, Kontrolle ist besser</a:t>
+            </a:r>
+          </a:p>
+          <a:p>
+            <a:pPr lvl="1">
+              <a:lnSpc>
+                <a:spcPct val="100000"/>
+              </a:lnSpc>
+            </a:pPr>
+            <a:r>
+              <a:rPr lang="de-DE" dirty="0"/>
+              <a:t>Gegenseitige Kontrolle</a:t>
+            </a:r>
+          </a:p>
+          <a:p>
+            <a:pPr lvl="1">
+              <a:lnSpc>
+                <a:spcPct val="100000"/>
+              </a:lnSpc>
+            </a:pPr>
+            <a:r>
+              <a:rPr lang="de-DE" dirty="0"/>
+              <a:t>Jeder kennt alle Transaktionen</a:t>
+            </a:r>
+          </a:p>
+          <a:p>
+            <a:pPr lvl="1">
+              <a:lnSpc>
+                <a:spcPct val="150000"/>
+              </a:lnSpc>
+            </a:pPr>
+            <a:endParaRPr lang="de-DE" dirty="0"/>
+          </a:p>
+        </p:txBody>
+      </p:sp>
+      <p:sp>
+        <p:nvSpPr>
+          <p:cNvPr id="4" name="Datumsplatzhalter 3">
+            <a:extLst>
+              <a:ext uri="{FF2B5EF4-FFF2-40B4-BE49-F238E27FC236}">
+                <a16:creationId xmlns:a16="http://schemas.microsoft.com/office/drawing/2014/main" id="{E7CB382E-D838-445A-9B76-D4FFF14E4852}"/>
+              </a:ext>
+            </a:extLst>
+          </p:cNvPr>
+          <p:cNvSpPr>
+            <a:spLocks noGrp="1"/>
+          </p:cNvSpPr>
+          <p:nvPr>
+            <p:ph type="dt" sz="half" idx="10"/>
+          </p:nvPr>
+        </p:nvSpPr>
+        <p:spPr/>
+        <p:txBody>
+          <a:bodyPr/>
+          <a:lstStyle/>
+          <a:p>
+            <a:fld id="{5816D8F1-3E92-45E9-82E1-886063832025}" type="datetime1">
+              <a:rPr lang="de-AT" smtClean="0"/>
+              <a:t>16.01.2018</a:t>
+            </a:fld>
+            <a:endParaRPr lang="de-DE"/>
+          </a:p>
+        </p:txBody>
+      </p:sp>
+      <p:sp>
+        <p:nvSpPr>
+          <p:cNvPr id="5" name="Fußzeilenplatzhalter 4">
+            <a:extLst>
+              <a:ext uri="{FF2B5EF4-FFF2-40B4-BE49-F238E27FC236}">
+                <a16:creationId xmlns:a16="http://schemas.microsoft.com/office/drawing/2014/main" id="{A0C5E136-99C4-45C9-B821-874185E3C586}"/>
+              </a:ext>
+            </a:extLst>
+          </p:cNvPr>
+          <p:cNvSpPr>
+            <a:spLocks noGrp="1"/>
+          </p:cNvSpPr>
+          <p:nvPr>
+            <p:ph type="ftr" sz="quarter" idx="11"/>
+          </p:nvPr>
+        </p:nvSpPr>
+        <p:spPr/>
+        <p:txBody>
+          <a:bodyPr/>
+          <a:lstStyle/>
+          <a:p>
+            <a:r>
+              <a:rPr lang="en-US" dirty="0"/>
+              <a:t>FH Wels, AT-Master / INIF, ITS3ILV</a:t>
+            </a:r>
+            <a:endParaRPr lang="de-DE" dirty="0"/>
+          </a:p>
+        </p:txBody>
+      </p:sp>
+      <p:sp>
+        <p:nvSpPr>
+          <p:cNvPr id="6" name="Foliennummernplatzhalter 5">
+            <a:extLst>
+              <a:ext uri="{FF2B5EF4-FFF2-40B4-BE49-F238E27FC236}">
+                <a16:creationId xmlns:a16="http://schemas.microsoft.com/office/drawing/2014/main" id="{FFBDBA6A-3C7C-44C6-A1D8-9CCE46894874}"/>
+              </a:ext>
+            </a:extLst>
+          </p:cNvPr>
+          <p:cNvSpPr>
+            <a:spLocks noGrp="1"/>
+          </p:cNvSpPr>
+          <p:nvPr>
+            <p:ph type="sldNum" sz="quarter" idx="12"/>
+          </p:nvPr>
+        </p:nvSpPr>
+        <p:spPr/>
+        <p:txBody>
+          <a:bodyPr/>
+          <a:lstStyle/>
+          <a:p>
+            <a:fld id="{42430F15-44E3-4E69-A3DD-479649D4CC4A}" type="slidenum">
+              <a:rPr lang="de-DE" smtClean="0"/>
+              <a:t>4</a:t>
+            </a:fld>
+            <a:endParaRPr lang="de-DE"/>
           </a:p>
         </p:txBody>
       </p:sp>
@@ -8824,7 +9116,7 @@
             <a:spLocks noGrp="1"/>
           </p:cNvSpPr>
           <p:nvPr>
-            <p:ph type="body" idx="1"/>
+            <p:ph type="body" sz="quarter" idx="13"/>
           </p:nvPr>
         </p:nvSpPr>
         <p:spPr/>
@@ -8875,1300 +9167,6 @@
           </a:p>
         </p:txBody>
       </p:sp>
-      <p:sp>
-        <p:nvSpPr>
-          <p:cNvPr id="4" name="Datumsplatzhalter 3">
-            <a:extLst>
-              <a:ext uri="{FF2B5EF4-FFF2-40B4-BE49-F238E27FC236}">
-                <a16:creationId xmlns:a16="http://schemas.microsoft.com/office/drawing/2014/main" id="{E7CB382E-D838-445A-9B76-D4FFF14E4852}"/>
-              </a:ext>
-            </a:extLst>
-          </p:cNvPr>
-          <p:cNvSpPr>
-            <a:spLocks noGrp="1"/>
-          </p:cNvSpPr>
-          <p:nvPr>
-            <p:ph type="dt" sz="half" idx="10"/>
-          </p:nvPr>
-        </p:nvSpPr>
-        <p:spPr/>
-        <p:txBody>
-          <a:bodyPr/>
-          <a:lstStyle/>
-          <a:p>
-            <a:fld id="{5816D8F1-3E92-45E9-82E1-886063832025}" type="datetime1">
-              <a:rPr lang="de-AT" smtClean="0"/>
-              <a:t>16.01.2018</a:t>
-            </a:fld>
-            <a:endParaRPr lang="de-DE"/>
-          </a:p>
-        </p:txBody>
-      </p:sp>
-      <p:sp>
-        <p:nvSpPr>
-          <p:cNvPr id="5" name="Fußzeilenplatzhalter 4">
-            <a:extLst>
-              <a:ext uri="{FF2B5EF4-FFF2-40B4-BE49-F238E27FC236}">
-                <a16:creationId xmlns:a16="http://schemas.microsoft.com/office/drawing/2014/main" id="{A0C5E136-99C4-45C9-B821-874185E3C586}"/>
-              </a:ext>
-            </a:extLst>
-          </p:cNvPr>
-          <p:cNvSpPr>
-            <a:spLocks noGrp="1"/>
-          </p:cNvSpPr>
-          <p:nvPr>
-            <p:ph type="ftr" sz="quarter" idx="11"/>
-          </p:nvPr>
-        </p:nvSpPr>
-        <p:spPr/>
-        <p:txBody>
-          <a:bodyPr/>
-          <a:lstStyle/>
-          <a:p>
-            <a:r>
-              <a:rPr lang="en-US"/>
-              <a:t>FH Wels, AT-Master / INIF, ITS3ILV</a:t>
-            </a:r>
-            <a:endParaRPr lang="de-DE" dirty="0"/>
-          </a:p>
-        </p:txBody>
-      </p:sp>
-      <p:sp>
-        <p:nvSpPr>
-          <p:cNvPr id="6" name="Foliennummernplatzhalter 5">
-            <a:extLst>
-              <a:ext uri="{FF2B5EF4-FFF2-40B4-BE49-F238E27FC236}">
-                <a16:creationId xmlns:a16="http://schemas.microsoft.com/office/drawing/2014/main" id="{FFBDBA6A-3C7C-44C6-A1D8-9CCE46894874}"/>
-              </a:ext>
-            </a:extLst>
-          </p:cNvPr>
-          <p:cNvSpPr>
-            <a:spLocks noGrp="1"/>
-          </p:cNvSpPr>
-          <p:nvPr>
-            <p:ph type="sldNum" sz="quarter" idx="12"/>
-          </p:nvPr>
-        </p:nvSpPr>
-        <p:spPr/>
-        <p:txBody>
-          <a:bodyPr/>
-          <a:lstStyle/>
-          <a:p>
-            <a:fld id="{42430F15-44E3-4E69-A3DD-479649D4CC4A}" type="slidenum">
-              <a:rPr lang="de-DE" smtClean="0"/>
-              <a:t>4</a:t>
-            </a:fld>
-            <a:endParaRPr lang="de-DE"/>
-          </a:p>
-        </p:txBody>
-      </p:sp>
-      <p:sp>
-        <p:nvSpPr>
-          <p:cNvPr id="3" name="Inhaltsplatzhalter 2">
-            <a:extLst>
-              <a:ext uri="{FF2B5EF4-FFF2-40B4-BE49-F238E27FC236}">
-                <a16:creationId xmlns:a16="http://schemas.microsoft.com/office/drawing/2014/main" id="{522AC027-0B8D-4515-AF39-314F2E7F5F92}"/>
-              </a:ext>
-            </a:extLst>
-          </p:cNvPr>
-          <p:cNvSpPr>
-            <a:spLocks noGrp="1"/>
-          </p:cNvSpPr>
-          <p:nvPr>
-            <p:ph idx="4294967295"/>
-          </p:nvPr>
-        </p:nvSpPr>
-        <p:spPr>
-          <a:xfrm>
-            <a:off x="0" y="1619250"/>
-            <a:ext cx="10799763" cy="4140200"/>
-          </a:xfrm>
-        </p:spPr>
-        <p:txBody>
-          <a:bodyPr/>
-          <a:lstStyle/>
-          <a:p>
-            <a:pPr>
-              <a:lnSpc>
-                <a:spcPct val="150000"/>
-              </a:lnSpc>
-            </a:pPr>
-            <a:r>
-              <a:rPr lang="de-DE" dirty="0"/>
-              <a:t>Blockchain = Kryptografisches Verfahren</a:t>
-            </a:r>
-          </a:p>
-          <a:p>
-            <a:pPr lvl="1">
-              <a:lnSpc>
-                <a:spcPct val="100000"/>
-              </a:lnSpc>
-            </a:pPr>
-            <a:r>
-              <a:rPr lang="de-DE" dirty="0"/>
-              <a:t>Blockchain nutzt kryptographische Verfahren (Hashwert - Berechnung)</a:t>
-            </a:r>
-          </a:p>
-          <a:p>
-            <a:pPr marL="432008" lvl="1" indent="0">
-              <a:lnSpc>
-                <a:spcPct val="100000"/>
-              </a:lnSpc>
-              <a:buNone/>
-            </a:pPr>
-            <a:r>
-              <a:rPr lang="de-DE" dirty="0"/>
-              <a:t>	</a:t>
-            </a:r>
-            <a:r>
-              <a:rPr lang="de-DE" dirty="0">
-                <a:sym typeface="Wingdings" panose="05000000000000000000" pitchFamily="2" charset="2"/>
-              </a:rPr>
-              <a:t></a:t>
-            </a:r>
-            <a:r>
-              <a:rPr lang="de-DE" dirty="0" err="1"/>
-              <a:t>Blockchain</a:t>
-            </a:r>
-            <a:r>
-              <a:rPr lang="de-DE" dirty="0"/>
-              <a:t> ist eine „Distributed Ledger“ Technologie</a:t>
-            </a:r>
-          </a:p>
-          <a:p>
-            <a:pPr>
-              <a:lnSpc>
-                <a:spcPct val="100000"/>
-              </a:lnSpc>
-            </a:pPr>
-            <a:r>
-              <a:rPr lang="de-DE" dirty="0"/>
-              <a:t>Blockchain bietet Sicherheit</a:t>
-            </a:r>
-          </a:p>
-          <a:p>
-            <a:pPr lvl="1">
-              <a:lnSpc>
-                <a:spcPct val="100000"/>
-              </a:lnSpc>
-            </a:pPr>
-            <a:r>
-              <a:rPr lang="de-DE" dirty="0"/>
-              <a:t>Nur bedingt</a:t>
-            </a:r>
-          </a:p>
-          <a:p>
-            <a:pPr>
-              <a:lnSpc>
-                <a:spcPct val="150000"/>
-              </a:lnSpc>
-            </a:pPr>
-            <a:r>
-              <a:rPr lang="de-DE" dirty="0"/>
-              <a:t>Blockchain = </a:t>
-            </a:r>
-            <a:r>
-              <a:rPr lang="de-DE" dirty="0" err="1"/>
-              <a:t>BitCoin</a:t>
-            </a:r>
-            <a:endParaRPr lang="de-DE" dirty="0"/>
-          </a:p>
-          <a:p>
-            <a:pPr lvl="1">
-              <a:lnSpc>
-                <a:spcPct val="150000"/>
-              </a:lnSpc>
-            </a:pPr>
-            <a:r>
-              <a:rPr lang="de-DE" dirty="0" err="1"/>
-              <a:t>BitCoin</a:t>
-            </a:r>
-            <a:r>
-              <a:rPr lang="de-DE" dirty="0"/>
-              <a:t> verwendet die Blockchain Technologie</a:t>
-            </a:r>
-          </a:p>
-        </p:txBody>
-      </p:sp>
-      <p:cxnSp>
-        <p:nvCxnSpPr>
-          <p:cNvPr id="10" name="Gerader Verbinder 9">
-            <a:extLst>
-              <a:ext uri="{FF2B5EF4-FFF2-40B4-BE49-F238E27FC236}">
-                <a16:creationId xmlns:a16="http://schemas.microsoft.com/office/drawing/2014/main" id="{6740E13D-07A3-48EA-82C4-70B1F6BD7946}"/>
-              </a:ext>
-            </a:extLst>
-          </p:cNvPr>
-          <p:cNvCxnSpPr>
-            <a:cxnSpLocks/>
-          </p:cNvCxnSpPr>
-          <p:nvPr/>
-        </p:nvCxnSpPr>
-        <p:spPr>
-          <a:xfrm flipH="1">
-            <a:off x="2160000" y="1872000"/>
-            <a:ext cx="252000" cy="288000"/>
-          </a:xfrm>
-          <a:prstGeom prst="line">
-            <a:avLst/>
-          </a:prstGeom>
-          <a:ln w="38100">
-            <a:solidFill>
-              <a:srgbClr val="FF0000"/>
-            </a:solidFill>
-          </a:ln>
-        </p:spPr>
-        <p:style>
-          <a:lnRef idx="1">
-            <a:schemeClr val="accent1"/>
-          </a:lnRef>
-          <a:fillRef idx="0">
-            <a:schemeClr val="accent1"/>
-          </a:fillRef>
-          <a:effectRef idx="0">
-            <a:schemeClr val="accent1"/>
-          </a:effectRef>
-          <a:fontRef idx="minor">
-            <a:schemeClr val="tx1"/>
-          </a:fontRef>
-        </p:style>
-      </p:cxnSp>
-      <p:cxnSp>
-        <p:nvCxnSpPr>
-          <p:cNvPr id="12" name="Gerader Verbinder 11">
-            <a:extLst>
-              <a:ext uri="{FF2B5EF4-FFF2-40B4-BE49-F238E27FC236}">
-                <a16:creationId xmlns:a16="http://schemas.microsoft.com/office/drawing/2014/main" id="{31BAA093-3770-48B0-B2F2-C38FA06C184D}"/>
-              </a:ext>
-            </a:extLst>
-          </p:cNvPr>
-          <p:cNvCxnSpPr>
-            <a:cxnSpLocks/>
-          </p:cNvCxnSpPr>
-          <p:nvPr/>
-        </p:nvCxnSpPr>
-        <p:spPr>
-          <a:xfrm flipH="1">
-            <a:off x="2142000" y="4338000"/>
-            <a:ext cx="252000" cy="288000"/>
-          </a:xfrm>
-          <a:prstGeom prst="line">
-            <a:avLst/>
-          </a:prstGeom>
-          <a:ln w="38100">
-            <a:solidFill>
-              <a:srgbClr val="FF0000"/>
-            </a:solidFill>
-          </a:ln>
-        </p:spPr>
-        <p:style>
-          <a:lnRef idx="1">
-            <a:schemeClr val="accent1"/>
-          </a:lnRef>
-          <a:fillRef idx="0">
-            <a:schemeClr val="accent1"/>
-          </a:fillRef>
-          <a:effectRef idx="0">
-            <a:schemeClr val="accent1"/>
-          </a:effectRef>
-          <a:fontRef idx="minor">
-            <a:schemeClr val="tx1"/>
-          </a:fontRef>
-        </p:style>
-      </p:cxnSp>
-    </p:spTree>
-    <p:extLst>
-      <p:ext uri="{BB962C8B-B14F-4D97-AF65-F5344CB8AC3E}">
-        <p14:creationId xmlns:p14="http://schemas.microsoft.com/office/powerpoint/2010/main" val="1755624973"/>
-      </p:ext>
-    </p:extLst>
-  </p:cSld>
-  <p:clrMapOvr>
-    <a:masterClrMapping/>
-  </p:clrMapOvr>
-  <p:timing>
-    <p:tnLst>
-      <p:par>
-        <p:cTn id="1" dur="indefinite" restart="never" nodeType="tmRoot">
-          <p:childTnLst>
-            <p:seq concurrent="1" nextAc="seek">
-              <p:cTn id="2" dur="indefinite" nodeType="mainSeq">
-                <p:childTnLst>
-                  <p:par>
-                    <p:cTn id="3" fill="hold">
-                      <p:stCondLst>
-                        <p:cond delay="indefinite"/>
-                      </p:stCondLst>
-                      <p:childTnLst>
-                        <p:par>
-                          <p:cTn id="4" fill="hold">
-                            <p:stCondLst>
-                              <p:cond delay="0"/>
-                            </p:stCondLst>
-                            <p:childTnLst>
-                              <p:par>
-                                <p:cTn id="5" presetID="1" presetClass="entr" presetSubtype="0" fill="hold" grpId="0" nodeType="clickEffect">
-                                  <p:stCondLst>
-                                    <p:cond delay="0"/>
-                                  </p:stCondLst>
-                                  <p:childTnLst>
-                                    <p:set>
-                                      <p:cBhvr>
-                                        <p:cTn id="6" dur="1" fill="hold">
-                                          <p:stCondLst>
-                                            <p:cond delay="0"/>
-                                          </p:stCondLst>
-                                        </p:cTn>
-                                        <p:tgtEl>
-                                          <p:spTgt spid="3">
-                                            <p:txEl>
-                                              <p:pRg st="0" end="0"/>
-                                            </p:txEl>
-                                          </p:spTgt>
-                                        </p:tgtEl>
-                                        <p:attrNameLst>
-                                          <p:attrName>style.visibility</p:attrName>
-                                        </p:attrNameLst>
-                                      </p:cBhvr>
-                                      <p:to>
-                                        <p:strVal val="visible"/>
-                                      </p:to>
-                                    </p:set>
-                                  </p:childTnLst>
-                                </p:cTn>
-                              </p:par>
-                            </p:childTnLst>
-                          </p:cTn>
-                        </p:par>
-                      </p:childTnLst>
-                    </p:cTn>
-                  </p:par>
-                  <p:par>
-                    <p:cTn id="7" fill="hold">
-                      <p:stCondLst>
-                        <p:cond delay="indefinite"/>
-                      </p:stCondLst>
-                      <p:childTnLst>
-                        <p:par>
-                          <p:cTn id="8" fill="hold">
-                            <p:stCondLst>
-                              <p:cond delay="0"/>
-                            </p:stCondLst>
-                            <p:childTnLst>
-                              <p:par>
-                                <p:cTn id="9" presetID="1" presetClass="entr" presetSubtype="0" fill="hold" grpId="0" nodeType="clickEffect">
-                                  <p:stCondLst>
-                                    <p:cond delay="0"/>
-                                  </p:stCondLst>
-                                  <p:childTnLst>
-                                    <p:set>
-                                      <p:cBhvr>
-                                        <p:cTn id="10" dur="1" fill="hold">
-                                          <p:stCondLst>
-                                            <p:cond delay="0"/>
-                                          </p:stCondLst>
-                                        </p:cTn>
-                                        <p:tgtEl>
-                                          <p:spTgt spid="3">
-                                            <p:txEl>
-                                              <p:pRg st="1" end="1"/>
-                                            </p:txEl>
-                                          </p:spTgt>
-                                        </p:tgtEl>
-                                        <p:attrNameLst>
-                                          <p:attrName>style.visibility</p:attrName>
-                                        </p:attrNameLst>
-                                      </p:cBhvr>
-                                      <p:to>
-                                        <p:strVal val="visible"/>
-                                      </p:to>
-                                    </p:set>
-                                  </p:childTnLst>
-                                </p:cTn>
-                              </p:par>
-                              <p:par>
-                                <p:cTn id="11" presetID="1" presetClass="entr" presetSubtype="0" fill="hold" grpId="0" nodeType="withEffect">
-                                  <p:stCondLst>
-                                    <p:cond delay="0"/>
-                                  </p:stCondLst>
-                                  <p:childTnLst>
-                                    <p:set>
-                                      <p:cBhvr>
-                                        <p:cTn id="12" dur="1" fill="hold">
-                                          <p:stCondLst>
-                                            <p:cond delay="0"/>
-                                          </p:stCondLst>
-                                        </p:cTn>
-                                        <p:tgtEl>
-                                          <p:spTgt spid="3">
-                                            <p:txEl>
-                                              <p:pRg st="2" end="2"/>
-                                            </p:txEl>
-                                          </p:spTgt>
-                                        </p:tgtEl>
-                                        <p:attrNameLst>
-                                          <p:attrName>style.visibility</p:attrName>
-                                        </p:attrNameLst>
-                                      </p:cBhvr>
-                                      <p:to>
-                                        <p:strVal val="visible"/>
-                                      </p:to>
-                                    </p:set>
-                                  </p:childTnLst>
-                                </p:cTn>
-                              </p:par>
-                              <p:par>
-                                <p:cTn id="13" presetID="1" presetClass="entr" presetSubtype="0" fill="hold" nodeType="withEffect">
-                                  <p:stCondLst>
-                                    <p:cond delay="0"/>
-                                  </p:stCondLst>
-                                  <p:childTnLst>
-                                    <p:set>
-                                      <p:cBhvr>
-                                        <p:cTn id="14" dur="1" fill="hold">
-                                          <p:stCondLst>
-                                            <p:cond delay="0"/>
-                                          </p:stCondLst>
-                                        </p:cTn>
-                                        <p:tgtEl>
-                                          <p:spTgt spid="10"/>
-                                        </p:tgtEl>
-                                        <p:attrNameLst>
-                                          <p:attrName>style.visibility</p:attrName>
-                                        </p:attrNameLst>
-                                      </p:cBhvr>
-                                      <p:to>
-                                        <p:strVal val="visible"/>
-                                      </p:to>
-                                    </p:set>
-                                  </p:childTnLst>
-                                </p:cTn>
-                              </p:par>
-                            </p:childTnLst>
-                          </p:cTn>
-                        </p:par>
-                      </p:childTnLst>
-                    </p:cTn>
-                  </p:par>
-                  <p:par>
-                    <p:cTn id="15" fill="hold">
-                      <p:stCondLst>
-                        <p:cond delay="indefinite"/>
-                      </p:stCondLst>
-                      <p:childTnLst>
-                        <p:par>
-                          <p:cTn id="16" fill="hold">
-                            <p:stCondLst>
-                              <p:cond delay="0"/>
-                            </p:stCondLst>
-                            <p:childTnLst>
-                              <p:par>
-                                <p:cTn id="17" presetID="1" presetClass="entr" presetSubtype="0" fill="hold" grpId="0" nodeType="clickEffect">
-                                  <p:stCondLst>
-                                    <p:cond delay="0"/>
-                                  </p:stCondLst>
-                                  <p:childTnLst>
-                                    <p:set>
-                                      <p:cBhvr>
-                                        <p:cTn id="18" dur="1" fill="hold">
-                                          <p:stCondLst>
-                                            <p:cond delay="0"/>
-                                          </p:stCondLst>
-                                        </p:cTn>
-                                        <p:tgtEl>
-                                          <p:spTgt spid="3">
-                                            <p:txEl>
-                                              <p:pRg st="3" end="3"/>
-                                            </p:txEl>
-                                          </p:spTgt>
-                                        </p:tgtEl>
-                                        <p:attrNameLst>
-                                          <p:attrName>style.visibility</p:attrName>
-                                        </p:attrNameLst>
-                                      </p:cBhvr>
-                                      <p:to>
-                                        <p:strVal val="visible"/>
-                                      </p:to>
-                                    </p:set>
-                                  </p:childTnLst>
-                                </p:cTn>
-                              </p:par>
-                            </p:childTnLst>
-                          </p:cTn>
-                        </p:par>
-                      </p:childTnLst>
-                    </p:cTn>
-                  </p:par>
-                  <p:par>
-                    <p:cTn id="19" fill="hold">
-                      <p:stCondLst>
-                        <p:cond delay="indefinite"/>
-                      </p:stCondLst>
-                      <p:childTnLst>
-                        <p:par>
-                          <p:cTn id="20" fill="hold">
-                            <p:stCondLst>
-                              <p:cond delay="0"/>
-                            </p:stCondLst>
-                            <p:childTnLst>
-                              <p:par>
-                                <p:cTn id="21" presetID="1" presetClass="entr" presetSubtype="0" fill="hold" grpId="0" nodeType="clickEffect">
-                                  <p:stCondLst>
-                                    <p:cond delay="0"/>
-                                  </p:stCondLst>
-                                  <p:childTnLst>
-                                    <p:set>
-                                      <p:cBhvr>
-                                        <p:cTn id="22" dur="1" fill="hold">
-                                          <p:stCondLst>
-                                            <p:cond delay="0"/>
-                                          </p:stCondLst>
-                                        </p:cTn>
-                                        <p:tgtEl>
-                                          <p:spTgt spid="3">
-                                            <p:txEl>
-                                              <p:pRg st="4" end="4"/>
-                                            </p:txEl>
-                                          </p:spTgt>
-                                        </p:tgtEl>
-                                        <p:attrNameLst>
-                                          <p:attrName>style.visibility</p:attrName>
-                                        </p:attrNameLst>
-                                      </p:cBhvr>
-                                      <p:to>
-                                        <p:strVal val="visible"/>
-                                      </p:to>
-                                    </p:set>
-                                  </p:childTnLst>
-                                </p:cTn>
-                              </p:par>
-                            </p:childTnLst>
-                          </p:cTn>
-                        </p:par>
-                      </p:childTnLst>
-                    </p:cTn>
-                  </p:par>
-                  <p:par>
-                    <p:cTn id="23" fill="hold">
-                      <p:stCondLst>
-                        <p:cond delay="indefinite"/>
-                      </p:stCondLst>
-                      <p:childTnLst>
-                        <p:par>
-                          <p:cTn id="24" fill="hold">
-                            <p:stCondLst>
-                              <p:cond delay="0"/>
-                            </p:stCondLst>
-                            <p:childTnLst>
-                              <p:par>
-                                <p:cTn id="25" presetID="1" presetClass="entr" presetSubtype="0" fill="hold" grpId="0" nodeType="clickEffect">
-                                  <p:stCondLst>
-                                    <p:cond delay="0"/>
-                                  </p:stCondLst>
-                                  <p:childTnLst>
-                                    <p:set>
-                                      <p:cBhvr>
-                                        <p:cTn id="26" dur="1" fill="hold">
-                                          <p:stCondLst>
-                                            <p:cond delay="0"/>
-                                          </p:stCondLst>
-                                        </p:cTn>
-                                        <p:tgtEl>
-                                          <p:spTgt spid="3">
-                                            <p:txEl>
-                                              <p:pRg st="5" end="5"/>
-                                            </p:txEl>
-                                          </p:spTgt>
-                                        </p:tgtEl>
-                                        <p:attrNameLst>
-                                          <p:attrName>style.visibility</p:attrName>
-                                        </p:attrNameLst>
-                                      </p:cBhvr>
-                                      <p:to>
-                                        <p:strVal val="visible"/>
-                                      </p:to>
-                                    </p:set>
-                                  </p:childTnLst>
-                                </p:cTn>
-                              </p:par>
-                            </p:childTnLst>
-                          </p:cTn>
-                        </p:par>
-                      </p:childTnLst>
-                    </p:cTn>
-                  </p:par>
-                  <p:par>
-                    <p:cTn id="27" fill="hold">
-                      <p:stCondLst>
-                        <p:cond delay="indefinite"/>
-                      </p:stCondLst>
-                      <p:childTnLst>
-                        <p:par>
-                          <p:cTn id="28" fill="hold">
-                            <p:stCondLst>
-                              <p:cond delay="0"/>
-                            </p:stCondLst>
-                            <p:childTnLst>
-                              <p:par>
-                                <p:cTn id="29" presetID="1" presetClass="entr" presetSubtype="0" fill="hold" grpId="0" nodeType="clickEffect">
-                                  <p:stCondLst>
-                                    <p:cond delay="0"/>
-                                  </p:stCondLst>
-                                  <p:childTnLst>
-                                    <p:set>
-                                      <p:cBhvr>
-                                        <p:cTn id="30" dur="1" fill="hold">
-                                          <p:stCondLst>
-                                            <p:cond delay="0"/>
-                                          </p:stCondLst>
-                                        </p:cTn>
-                                        <p:tgtEl>
-                                          <p:spTgt spid="3">
-                                            <p:txEl>
-                                              <p:pRg st="6" end="6"/>
-                                            </p:txEl>
-                                          </p:spTgt>
-                                        </p:tgtEl>
-                                        <p:attrNameLst>
-                                          <p:attrName>style.visibility</p:attrName>
-                                        </p:attrNameLst>
-                                      </p:cBhvr>
-                                      <p:to>
-                                        <p:strVal val="visible"/>
-                                      </p:to>
-                                    </p:set>
-                                  </p:childTnLst>
-                                </p:cTn>
-                              </p:par>
-                              <p:par>
-                                <p:cTn id="31" presetID="1" presetClass="entr" presetSubtype="0" fill="hold" nodeType="withEffect">
-                                  <p:stCondLst>
-                                    <p:cond delay="0"/>
-                                  </p:stCondLst>
-                                  <p:childTnLst>
-                                    <p:set>
-                                      <p:cBhvr>
-                                        <p:cTn id="32" dur="1" fill="hold">
-                                          <p:stCondLst>
-                                            <p:cond delay="0"/>
-                                          </p:stCondLst>
-                                        </p:cTn>
-                                        <p:tgtEl>
-                                          <p:spTgt spid="12"/>
-                                        </p:tgtEl>
-                                        <p:attrNameLst>
-                                          <p:attrName>style.visibility</p:attrName>
-                                        </p:attrNameLst>
-                                      </p:cBhvr>
-                                      <p:to>
-                                        <p:strVal val="visible"/>
-                                      </p:to>
-                                    </p:set>
-                                  </p:childTnLst>
-                                </p:cTn>
-                              </p:par>
-                            </p:childTnLst>
-                          </p:cTn>
-                        </p:par>
-                      </p:childTnLst>
-                    </p:cTn>
-                  </p:par>
-                </p:childTnLst>
-              </p:cTn>
-              <p:prevCondLst>
-                <p:cond evt="onPrev" delay="0">
-                  <p:tgtEl>
-                    <p:sldTgt/>
-                  </p:tgtEl>
-                </p:cond>
-              </p:prevCondLst>
-              <p:nextCondLst>
-                <p:cond evt="onNext" delay="0">
-                  <p:tgtEl>
-                    <p:sldTgt/>
-                  </p:tgtEl>
-                </p:cond>
-              </p:nextCondLst>
-            </p:seq>
-          </p:childTnLst>
-        </p:cTn>
-      </p:par>
-    </p:tnLst>
-    <p:bldLst>
-      <p:bldP spid="3" grpId="0" uiExpand="1" build="p"/>
-    </p:bldLst>
-  </p:timing>
-</p:sld>
-</file>
-
-<file path=ppt/slides/slide5.xml><?xml version="1.0" encoding="utf-8"?>
-<p:sld xmlns:a="http://schemas.openxmlformats.org/drawingml/2006/main" xmlns:r="http://schemas.openxmlformats.org/officeDocument/2006/relationships" xmlns:p="http://schemas.openxmlformats.org/presentationml/2006/main">
-  <p:cSld>
-    <p:spTree>
-      <p:nvGrpSpPr>
-        <p:cNvPr id="1" name=""/>
-        <p:cNvGrpSpPr/>
-        <p:nvPr/>
-      </p:nvGrpSpPr>
-      <p:grpSpPr>
-        <a:xfrm>
-          <a:off x="0" y="0"/>
-          <a:ext cx="0" cy="0"/>
-          <a:chOff x="0" y="0"/>
-          <a:chExt cx="0" cy="0"/>
-        </a:xfrm>
-      </p:grpSpPr>
-      <p:pic>
-        <p:nvPicPr>
-          <p:cNvPr id="15" name="Grafik 14">
-            <a:extLst>
-              <a:ext uri="{FF2B5EF4-FFF2-40B4-BE49-F238E27FC236}">
-                <a16:creationId xmlns:a16="http://schemas.microsoft.com/office/drawing/2014/main" id="{3D71FABF-CBFE-4DE0-8CEF-9EA08084ABA0}"/>
-              </a:ext>
-            </a:extLst>
-          </p:cNvPr>
-          <p:cNvPicPr>
-            <a:picLocks noChangeAspect="1"/>
-          </p:cNvPicPr>
-          <p:nvPr/>
-        </p:nvPicPr>
-        <p:blipFill>
-          <a:blip r:embed="rId3">
-            <a:extLst>
-              <a:ext uri="{28A0092B-C50C-407E-A947-70E740481C1C}">
-                <a14:useLocalDpi xmlns:a14="http://schemas.microsoft.com/office/drawing/2010/main" val="0"/>
-              </a:ext>
-            </a:extLst>
-          </a:blip>
-          <a:stretch>
-            <a:fillRect/>
-          </a:stretch>
-        </p:blipFill>
-        <p:spPr>
-          <a:xfrm>
-            <a:off x="7463886" y="381023"/>
-            <a:ext cx="3600000" cy="3211364"/>
-          </a:xfrm>
-          <a:prstGeom prst="rect">
-            <a:avLst/>
-          </a:prstGeom>
-        </p:spPr>
-      </p:pic>
-      <p:sp>
-        <p:nvSpPr>
-          <p:cNvPr id="2" name="Titel 1">
-            <a:extLst>
-              <a:ext uri="{FF2B5EF4-FFF2-40B4-BE49-F238E27FC236}">
-                <a16:creationId xmlns:a16="http://schemas.microsoft.com/office/drawing/2014/main" id="{FC65F202-7CB5-416F-8B68-C825991901A6}"/>
-              </a:ext>
-            </a:extLst>
-          </p:cNvPr>
-          <p:cNvSpPr>
-            <a:spLocks noGrp="1"/>
-          </p:cNvSpPr>
-          <p:nvPr>
-            <p:ph type="title"/>
-          </p:nvPr>
-        </p:nvSpPr>
-        <p:spPr/>
-        <p:txBody>
-          <a:bodyPr/>
-          <a:lstStyle/>
-          <a:p>
-            <a:r>
-              <a:rPr lang="de-DE" dirty="0"/>
-              <a:t>Motivation</a:t>
-            </a:r>
-          </a:p>
-        </p:txBody>
-      </p:sp>
-      <p:sp>
-        <p:nvSpPr>
-          <p:cNvPr id="7" name="Textplatzhalter 6">
-            <a:extLst>
-              <a:ext uri="{FF2B5EF4-FFF2-40B4-BE49-F238E27FC236}">
-                <a16:creationId xmlns:a16="http://schemas.microsoft.com/office/drawing/2014/main" id="{08E7D4D0-7D93-4F90-8F43-BC1EF1C80C7E}"/>
-              </a:ext>
-            </a:extLst>
-          </p:cNvPr>
-          <p:cNvSpPr>
-            <a:spLocks noGrp="1"/>
-          </p:cNvSpPr>
-          <p:nvPr>
-            <p:ph type="body" idx="1"/>
-          </p:nvPr>
-        </p:nvSpPr>
-        <p:spPr/>
-        <p:txBody>
-          <a:bodyPr/>
-          <a:lstStyle/>
-          <a:p>
-            <a:r>
-              <a:rPr lang="de-DE" dirty="0">
-                <a:solidFill>
-                  <a:schemeClr val="bg1">
-                    <a:lumMod val="50000"/>
-                  </a:schemeClr>
-                </a:solidFill>
-              </a:rPr>
-              <a:t>● Blockchain</a:t>
-            </a:r>
-            <a:r>
-              <a:rPr lang="de-DE" dirty="0">
-                <a:solidFill>
-                  <a:schemeClr val="bg1">
-                    <a:lumMod val="75000"/>
-                  </a:schemeClr>
-                </a:solidFill>
-              </a:rPr>
-              <a:t> </a:t>
-            </a:r>
-            <a:r>
-              <a:rPr lang="de-DE" b="1" dirty="0">
-                <a:solidFill>
-                  <a:srgbClr val="FF0000"/>
-                </a:solidFill>
-              </a:rPr>
-              <a:t>●</a:t>
-            </a:r>
-            <a:r>
-              <a:rPr lang="de-DE" b="1" dirty="0"/>
-              <a:t> </a:t>
-            </a:r>
-            <a:r>
-              <a:rPr lang="de-DE" b="1" dirty="0">
-                <a:solidFill>
-                  <a:schemeClr val="tx1"/>
-                </a:solidFill>
-              </a:rPr>
-              <a:t>Verfahren</a:t>
-            </a:r>
-          </a:p>
-        </p:txBody>
-      </p:sp>
-      <p:sp>
-        <p:nvSpPr>
-          <p:cNvPr id="4" name="Datumsplatzhalter 3">
-            <a:extLst>
-              <a:ext uri="{FF2B5EF4-FFF2-40B4-BE49-F238E27FC236}">
-                <a16:creationId xmlns:a16="http://schemas.microsoft.com/office/drawing/2014/main" id="{E7CB382E-D838-445A-9B76-D4FFF14E4852}"/>
-              </a:ext>
-            </a:extLst>
-          </p:cNvPr>
-          <p:cNvSpPr>
-            <a:spLocks noGrp="1"/>
-          </p:cNvSpPr>
-          <p:nvPr>
-            <p:ph type="dt" sz="half" idx="10"/>
-          </p:nvPr>
-        </p:nvSpPr>
-        <p:spPr/>
-        <p:txBody>
-          <a:bodyPr/>
-          <a:lstStyle/>
-          <a:p>
-            <a:fld id="{5816D8F1-3E92-45E9-82E1-886063832025}" type="datetime1">
-              <a:rPr lang="de-AT" smtClean="0"/>
-              <a:t>16.01.2018</a:t>
-            </a:fld>
-            <a:endParaRPr lang="de-DE"/>
-          </a:p>
-        </p:txBody>
-      </p:sp>
-      <p:sp>
-        <p:nvSpPr>
-          <p:cNvPr id="5" name="Fußzeilenplatzhalter 4">
-            <a:extLst>
-              <a:ext uri="{FF2B5EF4-FFF2-40B4-BE49-F238E27FC236}">
-                <a16:creationId xmlns:a16="http://schemas.microsoft.com/office/drawing/2014/main" id="{A0C5E136-99C4-45C9-B821-874185E3C586}"/>
-              </a:ext>
-            </a:extLst>
-          </p:cNvPr>
-          <p:cNvSpPr>
-            <a:spLocks noGrp="1"/>
-          </p:cNvSpPr>
-          <p:nvPr>
-            <p:ph type="ftr" sz="quarter" idx="11"/>
-          </p:nvPr>
-        </p:nvSpPr>
-        <p:spPr/>
-        <p:txBody>
-          <a:bodyPr/>
-          <a:lstStyle/>
-          <a:p>
-            <a:r>
-              <a:rPr lang="en-US" dirty="0"/>
-              <a:t>FH Wels, AT-Master / INIF, ITS3ILV</a:t>
-            </a:r>
-            <a:endParaRPr lang="de-DE" dirty="0"/>
-          </a:p>
-        </p:txBody>
-      </p:sp>
-      <p:sp>
-        <p:nvSpPr>
-          <p:cNvPr id="6" name="Foliennummernplatzhalter 5">
-            <a:extLst>
-              <a:ext uri="{FF2B5EF4-FFF2-40B4-BE49-F238E27FC236}">
-                <a16:creationId xmlns:a16="http://schemas.microsoft.com/office/drawing/2014/main" id="{FFBDBA6A-3C7C-44C6-A1D8-9CCE46894874}"/>
-              </a:ext>
-            </a:extLst>
-          </p:cNvPr>
-          <p:cNvSpPr>
-            <a:spLocks noGrp="1"/>
-          </p:cNvSpPr>
-          <p:nvPr>
-            <p:ph type="sldNum" sz="quarter" idx="12"/>
-          </p:nvPr>
-        </p:nvSpPr>
-        <p:spPr/>
-        <p:txBody>
-          <a:bodyPr/>
-          <a:lstStyle/>
-          <a:p>
-            <a:fld id="{42430F15-44E3-4E69-A3DD-479649D4CC4A}" type="slidenum">
-              <a:rPr lang="de-DE" smtClean="0"/>
-              <a:t>5</a:t>
-            </a:fld>
-            <a:endParaRPr lang="de-DE"/>
-          </a:p>
-        </p:txBody>
-      </p:sp>
-      <p:sp>
-        <p:nvSpPr>
-          <p:cNvPr id="3" name="Inhaltsplatzhalter 2">
-            <a:extLst>
-              <a:ext uri="{FF2B5EF4-FFF2-40B4-BE49-F238E27FC236}">
-                <a16:creationId xmlns:a16="http://schemas.microsoft.com/office/drawing/2014/main" id="{522AC027-0B8D-4515-AF39-314F2E7F5F92}"/>
-              </a:ext>
-            </a:extLst>
-          </p:cNvPr>
-          <p:cNvSpPr>
-            <a:spLocks noGrp="1"/>
-          </p:cNvSpPr>
-          <p:nvPr>
-            <p:ph idx="4294967295"/>
-          </p:nvPr>
-        </p:nvSpPr>
-        <p:spPr>
-          <a:xfrm>
-            <a:off x="0" y="1619250"/>
-            <a:ext cx="10799763" cy="4140200"/>
-          </a:xfrm>
-        </p:spPr>
-        <p:txBody>
-          <a:bodyPr/>
-          <a:lstStyle/>
-          <a:p>
-            <a:pPr>
-              <a:lnSpc>
-                <a:spcPct val="150000"/>
-              </a:lnSpc>
-            </a:pPr>
-            <a:r>
-              <a:rPr lang="de-DE" dirty="0"/>
-              <a:t>„</a:t>
-            </a:r>
-            <a:r>
-              <a:rPr lang="de-DE" dirty="0" err="1"/>
-              <a:t>Trusted</a:t>
-            </a:r>
-            <a:r>
-              <a:rPr lang="de-DE" dirty="0"/>
-              <a:t> Third Party“ (TTP) Problem</a:t>
-            </a:r>
-          </a:p>
-          <a:p>
-            <a:pPr lvl="1">
-              <a:lnSpc>
-                <a:spcPct val="100000"/>
-              </a:lnSpc>
-            </a:pPr>
-            <a:r>
-              <a:rPr lang="de-DE" dirty="0"/>
-              <a:t>Beide Parteien müssen 3. Partei vertrauen</a:t>
-            </a:r>
-          </a:p>
-          <a:p>
-            <a:pPr lvl="1">
-              <a:lnSpc>
-                <a:spcPct val="100000"/>
-              </a:lnSpc>
-            </a:pPr>
-            <a:r>
-              <a:rPr lang="de-DE" dirty="0"/>
-              <a:t>Wer kontrolliert die 3. Partei?</a:t>
-            </a:r>
-          </a:p>
-          <a:p>
-            <a:pPr lvl="1">
-              <a:lnSpc>
-                <a:spcPct val="100000"/>
-              </a:lnSpc>
-            </a:pPr>
-            <a:r>
-              <a:rPr lang="de-DE" dirty="0"/>
-              <a:t>Kosten für die 3. Partei</a:t>
-            </a:r>
-          </a:p>
-          <a:p>
-            <a:pPr>
-              <a:lnSpc>
-                <a:spcPct val="150000"/>
-              </a:lnSpc>
-            </a:pPr>
-            <a:r>
-              <a:rPr lang="de-DE" dirty="0"/>
-              <a:t>„</a:t>
-            </a:r>
-            <a:r>
-              <a:rPr lang="de-DE" dirty="0" err="1"/>
-              <a:t>Trustless</a:t>
-            </a:r>
-            <a:r>
-              <a:rPr lang="de-DE" dirty="0"/>
-              <a:t> System“</a:t>
-            </a:r>
-          </a:p>
-          <a:p>
-            <a:pPr lvl="1">
-              <a:lnSpc>
-                <a:spcPct val="100000"/>
-              </a:lnSpc>
-            </a:pPr>
-            <a:r>
-              <a:rPr lang="de-DE" dirty="0"/>
-              <a:t>Vertrauen ist gut, Kontrolle ist besser</a:t>
-            </a:r>
-          </a:p>
-          <a:p>
-            <a:pPr lvl="1">
-              <a:lnSpc>
-                <a:spcPct val="100000"/>
-              </a:lnSpc>
-            </a:pPr>
-            <a:r>
-              <a:rPr lang="de-DE" dirty="0"/>
-              <a:t>Gegenseitige Kontrolle</a:t>
-            </a:r>
-          </a:p>
-          <a:p>
-            <a:pPr lvl="1">
-              <a:lnSpc>
-                <a:spcPct val="100000"/>
-              </a:lnSpc>
-            </a:pPr>
-            <a:r>
-              <a:rPr lang="de-DE" dirty="0"/>
-              <a:t>Anonymität</a:t>
-            </a:r>
-          </a:p>
-          <a:p>
-            <a:pPr lvl="1">
-              <a:lnSpc>
-                <a:spcPct val="150000"/>
-              </a:lnSpc>
-            </a:pPr>
-            <a:endParaRPr lang="de-DE" dirty="0"/>
-          </a:p>
-          <a:p>
-            <a:pPr lvl="1">
-              <a:lnSpc>
-                <a:spcPct val="150000"/>
-              </a:lnSpc>
-            </a:pPr>
-            <a:endParaRPr lang="de-DE" dirty="0"/>
-          </a:p>
-        </p:txBody>
-      </p:sp>
-      <p:grpSp>
-        <p:nvGrpSpPr>
-          <p:cNvPr id="16" name="Gruppieren 15">
-            <a:extLst>
-              <a:ext uri="{FF2B5EF4-FFF2-40B4-BE49-F238E27FC236}">
-                <a16:creationId xmlns:a16="http://schemas.microsoft.com/office/drawing/2014/main" id="{67962E78-2D4A-47EF-BDFC-3DE15EA673A2}"/>
-              </a:ext>
-            </a:extLst>
-          </p:cNvPr>
-          <p:cNvGrpSpPr>
-            <a:grpSpLocks noChangeAspect="1"/>
-          </p:cNvGrpSpPr>
-          <p:nvPr/>
-        </p:nvGrpSpPr>
-        <p:grpSpPr>
-          <a:xfrm>
-            <a:off x="7463886" y="1727837"/>
-            <a:ext cx="3600000" cy="1864550"/>
-            <a:chOff x="6371386" y="2520778"/>
-            <a:chExt cx="5004130" cy="2591776"/>
-          </a:xfrm>
-        </p:grpSpPr>
-        <p:pic>
-          <p:nvPicPr>
-            <p:cNvPr id="10" name="Grafik 9">
-              <a:extLst>
-                <a:ext uri="{FF2B5EF4-FFF2-40B4-BE49-F238E27FC236}">
-                  <a16:creationId xmlns:a16="http://schemas.microsoft.com/office/drawing/2014/main" id="{ED884D23-622D-4428-B804-80B09927F557}"/>
-                </a:ext>
-              </a:extLst>
-            </p:cNvPr>
-            <p:cNvPicPr>
-              <a:picLocks noChangeAspect="1"/>
-            </p:cNvPicPr>
-            <p:nvPr/>
-          </p:nvPicPr>
-          <p:blipFill rotWithShape="1">
-            <a:blip r:embed="rId3">
-              <a:extLst>
-                <a:ext uri="{28A0092B-C50C-407E-A947-70E740481C1C}">
-                  <a14:useLocalDpi xmlns:a14="http://schemas.microsoft.com/office/drawing/2010/main" val="0"/>
-                </a:ext>
-              </a:extLst>
-            </a:blip>
-            <a:srcRect t="41939"/>
-            <a:stretch/>
-          </p:blipFill>
-          <p:spPr>
-            <a:xfrm>
-              <a:off x="6371386" y="2520778"/>
-              <a:ext cx="5004130" cy="2591776"/>
-            </a:xfrm>
-            <a:prstGeom prst="rect">
-              <a:avLst/>
-            </a:prstGeom>
-          </p:spPr>
-        </p:pic>
-        <p:sp>
-          <p:nvSpPr>
-            <p:cNvPr id="11" name="Fußzeilenplatzhalter 4">
-              <a:extLst>
-                <a:ext uri="{FF2B5EF4-FFF2-40B4-BE49-F238E27FC236}">
-                  <a16:creationId xmlns:a16="http://schemas.microsoft.com/office/drawing/2014/main" id="{FD7B0085-101E-42DF-A57C-1EA2784300B2}"/>
-                </a:ext>
-              </a:extLst>
-            </p:cNvPr>
-            <p:cNvSpPr txBox="1">
-              <a:spLocks/>
-            </p:cNvSpPr>
-            <p:nvPr/>
-          </p:nvSpPr>
-          <p:spPr>
-            <a:xfrm>
-              <a:off x="9035516" y="4572555"/>
-              <a:ext cx="2340000" cy="360000"/>
-            </a:xfrm>
-            <a:prstGeom prst="rect">
-              <a:avLst/>
-            </a:prstGeom>
-          </p:spPr>
-          <p:txBody>
-            <a:bodyPr vert="horz" lIns="91440" tIns="45720" rIns="91440" bIns="45720" rtlCol="0" anchor="ctr"/>
-            <a:lstStyle>
-              <a:defPPr>
-                <a:defRPr lang="en-US"/>
-              </a:defPPr>
-              <a:lvl1pPr marL="0" algn="ctr" defTabSz="457200" rtl="0" eaLnBrk="1" latinLnBrk="0" hangingPunct="1">
-                <a:defRPr sz="1134" kern="1200">
-                  <a:solidFill>
-                    <a:schemeClr val="tx1">
-                      <a:tint val="75000"/>
-                    </a:schemeClr>
-                  </a:solidFill>
-                  <a:latin typeface="+mn-lt"/>
-                  <a:ea typeface="+mn-ea"/>
-                  <a:cs typeface="+mn-cs"/>
-                </a:defRPr>
-              </a:lvl1pPr>
-              <a:lvl2pPr marL="457200" algn="l" defTabSz="457200" rtl="0" eaLnBrk="1" latinLnBrk="0" hangingPunct="1">
-                <a:defRPr sz="1800" kern="1200">
-                  <a:solidFill>
-                    <a:schemeClr val="tx1"/>
-                  </a:solidFill>
-                  <a:latin typeface="+mn-lt"/>
-                  <a:ea typeface="+mn-ea"/>
-                  <a:cs typeface="+mn-cs"/>
-                </a:defRPr>
-              </a:lvl2pPr>
-              <a:lvl3pPr marL="914400" algn="l" defTabSz="457200" rtl="0" eaLnBrk="1" latinLnBrk="0" hangingPunct="1">
-                <a:defRPr sz="1800" kern="1200">
-                  <a:solidFill>
-                    <a:schemeClr val="tx1"/>
-                  </a:solidFill>
-                  <a:latin typeface="+mn-lt"/>
-                  <a:ea typeface="+mn-ea"/>
-                  <a:cs typeface="+mn-cs"/>
-                </a:defRPr>
-              </a:lvl3pPr>
-              <a:lvl4pPr marL="1371600" algn="l" defTabSz="457200" rtl="0" eaLnBrk="1" latinLnBrk="0" hangingPunct="1">
-                <a:defRPr sz="1800" kern="1200">
-                  <a:solidFill>
-                    <a:schemeClr val="tx1"/>
-                  </a:solidFill>
-                  <a:latin typeface="+mn-lt"/>
-                  <a:ea typeface="+mn-ea"/>
-                  <a:cs typeface="+mn-cs"/>
-                </a:defRPr>
-              </a:lvl4pPr>
-              <a:lvl5pPr marL="1828800" algn="l" defTabSz="457200" rtl="0" eaLnBrk="1" latinLnBrk="0" hangingPunct="1">
-                <a:defRPr sz="1800" kern="1200">
-                  <a:solidFill>
-                    <a:schemeClr val="tx1"/>
-                  </a:solidFill>
-                  <a:latin typeface="+mn-lt"/>
-                  <a:ea typeface="+mn-ea"/>
-                  <a:cs typeface="+mn-cs"/>
-                </a:defRPr>
-              </a:lvl5pPr>
-              <a:lvl6pPr marL="2286000" algn="l" defTabSz="457200" rtl="0" eaLnBrk="1" latinLnBrk="0" hangingPunct="1">
-                <a:defRPr sz="1800" kern="1200">
-                  <a:solidFill>
-                    <a:schemeClr val="tx1"/>
-                  </a:solidFill>
-                  <a:latin typeface="+mn-lt"/>
-                  <a:ea typeface="+mn-ea"/>
-                  <a:cs typeface="+mn-cs"/>
-                </a:defRPr>
-              </a:lvl6pPr>
-              <a:lvl7pPr marL="2743200" algn="l" defTabSz="457200" rtl="0" eaLnBrk="1" latinLnBrk="0" hangingPunct="1">
-                <a:defRPr sz="1800" kern="1200">
-                  <a:solidFill>
-                    <a:schemeClr val="tx1"/>
-                  </a:solidFill>
-                  <a:latin typeface="+mn-lt"/>
-                  <a:ea typeface="+mn-ea"/>
-                  <a:cs typeface="+mn-cs"/>
-                </a:defRPr>
-              </a:lvl7pPr>
-              <a:lvl8pPr marL="3200400" algn="l" defTabSz="457200" rtl="0" eaLnBrk="1" latinLnBrk="0" hangingPunct="1">
-                <a:defRPr sz="1800" kern="1200">
-                  <a:solidFill>
-                    <a:schemeClr val="tx1"/>
-                  </a:solidFill>
-                  <a:latin typeface="+mn-lt"/>
-                  <a:ea typeface="+mn-ea"/>
-                  <a:cs typeface="+mn-cs"/>
-                </a:defRPr>
-              </a:lvl8pPr>
-              <a:lvl9pPr marL="3657600" algn="l" defTabSz="457200" rtl="0" eaLnBrk="1" latinLnBrk="0" hangingPunct="1">
-                <a:defRPr sz="1800" kern="1200">
-                  <a:solidFill>
-                    <a:schemeClr val="tx1"/>
-                  </a:solidFill>
-                  <a:latin typeface="+mn-lt"/>
-                  <a:ea typeface="+mn-ea"/>
-                  <a:cs typeface="+mn-cs"/>
-                </a:defRPr>
-              </a:lvl9pPr>
-            </a:lstStyle>
-            <a:p>
-              <a:r>
-                <a:rPr lang="en-US" dirty="0"/>
-                <a:t>http://www.artsetter.com</a:t>
-              </a:r>
-              <a:endParaRPr lang="de-DE" dirty="0"/>
-            </a:p>
-          </p:txBody>
-        </p:sp>
-      </p:grpSp>
       <p:grpSp>
         <p:nvGrpSpPr>
           <p:cNvPr id="25" name="Gruppieren 24">
@@ -10204,7 +9202,7 @@
             <p:nvPr/>
           </p:nvPicPr>
           <p:blipFill>
-            <a:blip r:embed="rId4">
+            <a:blip r:embed="rId3">
               <a:clrChange>
                 <a:clrFrom>
                   <a:srgbClr val="FFFFFF"/>
@@ -10383,6 +9381,204 @@
           </p:txBody>
         </p:sp>
       </p:grpSp>
+      <p:grpSp>
+        <p:nvGrpSpPr>
+          <p:cNvPr id="18" name="Gruppieren 17">
+            <a:extLst>
+              <a:ext uri="{FF2B5EF4-FFF2-40B4-BE49-F238E27FC236}">
+                <a16:creationId xmlns:a16="http://schemas.microsoft.com/office/drawing/2014/main" id="{4E6D13D1-661A-4D41-B61E-ABD31E39144E}"/>
+              </a:ext>
+            </a:extLst>
+          </p:cNvPr>
+          <p:cNvGrpSpPr/>
+          <p:nvPr/>
+        </p:nvGrpSpPr>
+        <p:grpSpPr>
+          <a:xfrm>
+            <a:off x="6047461" y="107102"/>
+            <a:ext cx="5309618" cy="3422729"/>
+            <a:chOff x="6047461" y="107102"/>
+            <a:chExt cx="5309618" cy="3422729"/>
+          </a:xfrm>
+        </p:grpSpPr>
+        <p:pic>
+          <p:nvPicPr>
+            <p:cNvPr id="14" name="Grafik 13">
+              <a:extLst>
+                <a:ext uri="{FF2B5EF4-FFF2-40B4-BE49-F238E27FC236}">
+                  <a16:creationId xmlns:a16="http://schemas.microsoft.com/office/drawing/2014/main" id="{EAF41BA9-A88E-4CD8-A6C4-D4E7984105DF}"/>
+                </a:ext>
+              </a:extLst>
+            </p:cNvPr>
+            <p:cNvPicPr>
+              <a:picLocks noChangeAspect="1"/>
+            </p:cNvPicPr>
+            <p:nvPr/>
+          </p:nvPicPr>
+          <p:blipFill>
+            <a:blip r:embed="rId4">
+              <a:clrChange>
+                <a:clrFrom>
+                  <a:srgbClr val="FEFEFE"/>
+                </a:clrFrom>
+                <a:clrTo>
+                  <a:srgbClr val="FEFEFE">
+                    <a:alpha val="0"/>
+                  </a:srgbClr>
+                </a:clrTo>
+              </a:clrChange>
+              <a:extLst>
+                <a:ext uri="{28A0092B-C50C-407E-A947-70E740481C1C}">
+                  <a14:useLocalDpi xmlns:a14="http://schemas.microsoft.com/office/drawing/2010/main" val="0"/>
+                </a:ext>
+              </a:extLst>
+            </a:blip>
+            <a:stretch>
+              <a:fillRect/>
+            </a:stretch>
+          </p:blipFill>
+          <p:spPr>
+            <a:xfrm>
+              <a:off x="6047461" y="107102"/>
+              <a:ext cx="5309618" cy="3422729"/>
+            </a:xfrm>
+            <a:prstGeom prst="rect">
+              <a:avLst/>
+            </a:prstGeom>
+          </p:spPr>
+        </p:pic>
+        <p:sp>
+          <p:nvSpPr>
+            <p:cNvPr id="17" name="Fußzeilenplatzhalter 4">
+              <a:extLst>
+                <a:ext uri="{FF2B5EF4-FFF2-40B4-BE49-F238E27FC236}">
+                  <a16:creationId xmlns:a16="http://schemas.microsoft.com/office/drawing/2014/main" id="{B7D7A4ED-4899-4E5D-A3C0-7904C6291662}"/>
+                </a:ext>
+              </a:extLst>
+            </p:cNvPr>
+            <p:cNvSpPr txBox="1">
+              <a:spLocks/>
+            </p:cNvSpPr>
+            <p:nvPr/>
+          </p:nvSpPr>
+          <p:spPr>
+            <a:xfrm>
+              <a:off x="7658700" y="2994160"/>
+              <a:ext cx="2087141" cy="272338"/>
+            </a:xfrm>
+            <a:prstGeom prst="rect">
+              <a:avLst/>
+            </a:prstGeom>
+          </p:spPr>
+          <p:txBody>
+            <a:bodyPr vert="horz" lIns="91440" tIns="45720" rIns="91440" bIns="45720" rtlCol="0" anchor="ctr"/>
+            <a:lstStyle>
+              <a:defPPr>
+                <a:defRPr lang="en-US"/>
+              </a:defPPr>
+              <a:lvl1pPr marL="0" algn="ctr" defTabSz="457200" rtl="0" eaLnBrk="1" latinLnBrk="0" hangingPunct="1">
+                <a:defRPr sz="1134" kern="1200">
+                  <a:solidFill>
+                    <a:schemeClr val="tx1">
+                      <a:tint val="75000"/>
+                    </a:schemeClr>
+                  </a:solidFill>
+                  <a:latin typeface="+mn-lt"/>
+                  <a:ea typeface="+mn-ea"/>
+                  <a:cs typeface="+mn-cs"/>
+                </a:defRPr>
+              </a:lvl1pPr>
+              <a:lvl2pPr marL="457200" algn="l" defTabSz="457200" rtl="0" eaLnBrk="1" latinLnBrk="0" hangingPunct="1">
+                <a:defRPr sz="1800" kern="1200">
+                  <a:solidFill>
+                    <a:schemeClr val="tx1"/>
+                  </a:solidFill>
+                  <a:latin typeface="+mn-lt"/>
+                  <a:ea typeface="+mn-ea"/>
+                  <a:cs typeface="+mn-cs"/>
+                </a:defRPr>
+              </a:lvl2pPr>
+              <a:lvl3pPr marL="914400" algn="l" defTabSz="457200" rtl="0" eaLnBrk="1" latinLnBrk="0" hangingPunct="1">
+                <a:defRPr sz="1800" kern="1200">
+                  <a:solidFill>
+                    <a:schemeClr val="tx1"/>
+                  </a:solidFill>
+                  <a:latin typeface="+mn-lt"/>
+                  <a:ea typeface="+mn-ea"/>
+                  <a:cs typeface="+mn-cs"/>
+                </a:defRPr>
+              </a:lvl3pPr>
+              <a:lvl4pPr marL="1371600" algn="l" defTabSz="457200" rtl="0" eaLnBrk="1" latinLnBrk="0" hangingPunct="1">
+                <a:defRPr sz="1800" kern="1200">
+                  <a:solidFill>
+                    <a:schemeClr val="tx1"/>
+                  </a:solidFill>
+                  <a:latin typeface="+mn-lt"/>
+                  <a:ea typeface="+mn-ea"/>
+                  <a:cs typeface="+mn-cs"/>
+                </a:defRPr>
+              </a:lvl4pPr>
+              <a:lvl5pPr marL="1828800" algn="l" defTabSz="457200" rtl="0" eaLnBrk="1" latinLnBrk="0" hangingPunct="1">
+                <a:defRPr sz="1800" kern="1200">
+                  <a:solidFill>
+                    <a:schemeClr val="tx1"/>
+                  </a:solidFill>
+                  <a:latin typeface="+mn-lt"/>
+                  <a:ea typeface="+mn-ea"/>
+                  <a:cs typeface="+mn-cs"/>
+                </a:defRPr>
+              </a:lvl5pPr>
+              <a:lvl6pPr marL="2286000" algn="l" defTabSz="457200" rtl="0" eaLnBrk="1" latinLnBrk="0" hangingPunct="1">
+                <a:defRPr sz="1800" kern="1200">
+                  <a:solidFill>
+                    <a:schemeClr val="tx1"/>
+                  </a:solidFill>
+                  <a:latin typeface="+mn-lt"/>
+                  <a:ea typeface="+mn-ea"/>
+                  <a:cs typeface="+mn-cs"/>
+                </a:defRPr>
+              </a:lvl6pPr>
+              <a:lvl7pPr marL="2743200" algn="l" defTabSz="457200" rtl="0" eaLnBrk="1" latinLnBrk="0" hangingPunct="1">
+                <a:defRPr sz="1800" kern="1200">
+                  <a:solidFill>
+                    <a:schemeClr val="tx1"/>
+                  </a:solidFill>
+                  <a:latin typeface="+mn-lt"/>
+                  <a:ea typeface="+mn-ea"/>
+                  <a:cs typeface="+mn-cs"/>
+                </a:defRPr>
+              </a:lvl7pPr>
+              <a:lvl8pPr marL="3200400" algn="l" defTabSz="457200" rtl="0" eaLnBrk="1" latinLnBrk="0" hangingPunct="1">
+                <a:defRPr sz="1800" kern="1200">
+                  <a:solidFill>
+                    <a:schemeClr val="tx1"/>
+                  </a:solidFill>
+                  <a:latin typeface="+mn-lt"/>
+                  <a:ea typeface="+mn-ea"/>
+                  <a:cs typeface="+mn-cs"/>
+                </a:defRPr>
+              </a:lvl8pPr>
+              <a:lvl9pPr marL="3657600" algn="l" defTabSz="457200" rtl="0" eaLnBrk="1" latinLnBrk="0" hangingPunct="1">
+                <a:defRPr sz="1800" kern="1200">
+                  <a:solidFill>
+                    <a:schemeClr val="tx1"/>
+                  </a:solidFill>
+                  <a:latin typeface="+mn-lt"/>
+                  <a:ea typeface="+mn-ea"/>
+                  <a:cs typeface="+mn-cs"/>
+                </a:defRPr>
+              </a:lvl9pPr>
+            </a:lstStyle>
+            <a:p>
+              <a:r>
+                <a:rPr lang="en-US" dirty="0"/>
+                <a:t>www.flylib.com</a:t>
+              </a:r>
+              <a:endParaRPr lang="de-DE" dirty="0"/>
+            </a:p>
+          </p:txBody>
+        </p:sp>
+      </p:grpSp>
     </p:spTree>
     <p:extLst>
       <p:ext uri="{BB962C8B-B14F-4D97-AF65-F5344CB8AC3E}">
@@ -10476,7 +9672,7 @@
                                           </p:stCondLst>
                                         </p:cTn>
                                         <p:tgtEl>
-                                          <p:spTgt spid="16"/>
+                                          <p:spTgt spid="18"/>
                                         </p:tgtEl>
                                         <p:attrNameLst>
                                           <p:attrName>style.visibility</p:attrName>
@@ -10508,7 +9704,7 @@
                             </p:stCondLst>
                             <p:childTnLst>
                               <p:par>
-                                <p:cTn id="13" presetID="1" presetClass="entr" presetSubtype="0" fill="hold" nodeType="clickEffect">
+                                <p:cTn id="13" presetID="1" presetClass="entr" presetSubtype="0" fill="hold" grpId="0" nodeType="clickEffect">
                                   <p:stCondLst>
                                     <p:cond delay="0"/>
                                   </p:stCondLst>
@@ -10516,51 +9712,6 @@
                                     <p:set>
                                       <p:cBhvr>
                                         <p:cTn id="14" dur="1" fill="hold">
-                                          <p:stCondLst>
-                                            <p:cond delay="0"/>
-                                          </p:stCondLst>
-                                        </p:cTn>
-                                        <p:tgtEl>
-                                          <p:spTgt spid="15"/>
-                                        </p:tgtEl>
-                                        <p:attrNameLst>
-                                          <p:attrName>style.visibility</p:attrName>
-                                        </p:attrNameLst>
-                                      </p:cBhvr>
-                                      <p:to>
-                                        <p:strVal val="visible"/>
-                                      </p:to>
-                                    </p:set>
-                                  </p:childTnLst>
-                                </p:cTn>
-                              </p:par>
-                            </p:childTnLst>
-                          </p:cTn>
-                        </p:par>
-                      </p:childTnLst>
-                    </p:cTn>
-                  </p:par>
-                  <p:par>
-                    <p:cTn id="15" fill="hold">
-                      <p:stCondLst>
-                        <p:cond delay="indefinite"/>
-                      </p:stCondLst>
-                      <p:childTnLst>
-                        <p:par>
-                          <p:cTn id="16" fill="hold">
-                            <p:stCondLst>
-                              <p:cond delay="0"/>
-                            </p:stCondLst>
-                            <p:childTnLst>
-                              <p:par>
-                                <p:cTn id="17" presetID="1" presetClass="entr" presetSubtype="0" fill="hold" grpId="0" nodeType="clickEffect">
-                                  <p:stCondLst>
-                                    <p:cond delay="0"/>
-                                  </p:stCondLst>
-                                  <p:childTnLst>
-                                    <p:set>
-                                      <p:cBhvr>
-                                        <p:cTn id="18" dur="1" fill="hold">
                                           <p:stCondLst>
                                             <p:cond delay="0"/>
                                           </p:stCondLst>
@@ -10584,14 +9735,14 @@
                                 </p:cTn>
                               </p:par>
                               <p:par>
-                                <p:cTn id="19" presetID="1" presetClass="entr" presetSubtype="0" fill="hold" grpId="0" nodeType="withEffect">
+                                <p:cTn id="15" presetID="1" presetClass="entr" presetSubtype="0" fill="hold" grpId="0" nodeType="withEffect">
                                   <p:stCondLst>
                                     <p:cond delay="0"/>
                                   </p:stCondLst>
                                   <p:childTnLst>
                                     <p:set>
                                       <p:cBhvr>
-                                        <p:cTn id="20" dur="1" fill="hold">
+                                        <p:cTn id="16" dur="1" fill="hold">
                                           <p:stCondLst>
                                             <p:cond delay="0"/>
                                           </p:stCondLst>
@@ -10615,7 +9766,56 @@
                                 </p:cTn>
                               </p:par>
                               <p:par>
-                                <p:cTn id="21" presetID="1" presetClass="entr" presetSubtype="0" fill="hold" grpId="0" nodeType="withEffect">
+                                <p:cTn id="17" presetID="1" presetClass="entr" presetSubtype="0" fill="hold" grpId="0" nodeType="withEffect">
+                                  <p:stCondLst>
+                                    <p:cond delay="0"/>
+                                  </p:stCondLst>
+                                  <p:childTnLst>
+                                    <p:set>
+                                      <p:cBhvr>
+                                        <p:cTn id="18" dur="1" fill="hold">
+                                          <p:stCondLst>
+                                            <p:cond delay="0"/>
+                                          </p:stCondLst>
+                                        </p:cTn>
+                                        <p:tgtEl>
+                                          <p:spTgt spid="3">
+                                            <p:txEl>
+                                              <p:pRg st="3" end="3"/>
+                                            </p:txEl>
+                                          </p:spTgt>
+                                        </p:tgtEl>
+                                        <p:attrNameLst>
+                                          <p:attrName>style.visibility</p:attrName>
+                                        </p:attrNameLst>
+                                      </p:cBhvr>
+                                      <p:to>
+                                        <p:strVal val="visible"/>
+                                      </p:to>
+                                    </p:set>
+                                  </p:childTnLst>
+                                </p:cTn>
+                              </p:par>
+                            </p:childTnLst>
+                          </p:cTn>
+                        </p:par>
+                      </p:childTnLst>
+                    </p:cTn>
+                  </p:par>
+                  <p:par>
+                    <p:cTn id="19" fill="hold">
+                      <p:stCondLst>
+                        <p:cond delay="indefinite"/>
+                      </p:stCondLst>
+                      <p:childTnLst>
+                        <p:par>
+                          <p:cTn id="20" fill="hold">
+                            <p:stCondLst>
+                              <p:cond delay="0"/>
+                            </p:stCondLst>
+                            <p:childTnLst>
+                              <p:par>
+                                <p:cTn id="21" presetID="1" presetClass="entr" presetSubtype="0" fill="hold" grpId="0" nodeType="clickEffect">
                                   <p:stCondLst>
                                     <p:cond delay="0"/>
                                   </p:stCondLst>
@@ -10630,7 +9830,7 @@
                                         <p:tgtEl>
                                           <p:spTgt spid="3">
                                             <p:txEl>
-                                              <p:pRg st="3" end="3"/>
+                                              <p:pRg st="4" end="4"/>
                                             </p:txEl>
                                           </p:spTgt>
                                         </p:tgtEl>
@@ -10679,55 +9879,6 @@
                                         <p:tgtEl>
                                           <p:spTgt spid="3">
                                             <p:txEl>
-                                              <p:pRg st="4" end="4"/>
-                                            </p:txEl>
-                                          </p:spTgt>
-                                        </p:tgtEl>
-                                        <p:attrNameLst>
-                                          <p:attrName>style.visibility</p:attrName>
-                                        </p:attrNameLst>
-                                      </p:cBhvr>
-                                      <p:to>
-                                        <p:strVal val="visible"/>
-                                      </p:to>
-                                    </p:set>
-                                  </p:childTnLst>
-                                </p:cTn>
-                              </p:par>
-                            </p:childTnLst>
-                          </p:cTn>
-                        </p:par>
-                      </p:childTnLst>
-                    </p:cTn>
-                  </p:par>
-                  <p:par>
-                    <p:cTn id="27" fill="hold">
-                      <p:stCondLst>
-                        <p:cond delay="indefinite"/>
-                      </p:stCondLst>
-                      <p:childTnLst>
-                        <p:par>
-                          <p:cTn id="28" fill="hold">
-                            <p:stCondLst>
-                              <p:cond delay="0"/>
-                            </p:stCondLst>
-                            <p:childTnLst>
-                              <p:par>
-                                <p:cTn id="29" presetID="1" presetClass="entr" presetSubtype="0" fill="hold" grpId="0" nodeType="clickEffect">
-                                  <p:stCondLst>
-                                    <p:cond delay="0"/>
-                                  </p:stCondLst>
-                                  <p:childTnLst>
-                                    <p:set>
-                                      <p:cBhvr>
-                                        <p:cTn id="30" dur="1" fill="hold">
-                                          <p:stCondLst>
-                                            <p:cond delay="0"/>
-                                          </p:stCondLst>
-                                        </p:cTn>
-                                        <p:tgtEl>
-                                          <p:spTgt spid="3">
-                                            <p:txEl>
                                               <p:pRg st="5" end="5"/>
                                             </p:txEl>
                                           </p:spTgt>
@@ -10744,14 +9895,14 @@
                                 </p:cTn>
                               </p:par>
                               <p:par>
-                                <p:cTn id="31" presetID="1" presetClass="entr" presetSubtype="0" fill="hold" grpId="0" nodeType="withEffect">
+                                <p:cTn id="27" presetID="1" presetClass="entr" presetSubtype="0" fill="hold" grpId="0" nodeType="withEffect">
                                   <p:stCondLst>
                                     <p:cond delay="0"/>
                                   </p:stCondLst>
                                   <p:childTnLst>
                                     <p:set>
                                       <p:cBhvr>
-                                        <p:cTn id="32" dur="1" fill="hold">
+                                        <p:cTn id="28" dur="1" fill="hold">
                                           <p:stCondLst>
                                             <p:cond delay="0"/>
                                           </p:stCondLst>
@@ -10775,14 +9926,14 @@
                                 </p:cTn>
                               </p:par>
                               <p:par>
-                                <p:cTn id="33" presetID="1" presetClass="entr" presetSubtype="0" fill="hold" grpId="0" nodeType="withEffect">
+                                <p:cTn id="29" presetID="1" presetClass="entr" presetSubtype="0" fill="hold" grpId="0" nodeType="withEffect">
                                   <p:stCondLst>
                                     <p:cond delay="0"/>
                                   </p:stCondLst>
                                   <p:childTnLst>
                                     <p:set>
                                       <p:cBhvr>
-                                        <p:cTn id="34" dur="1" fill="hold">
+                                        <p:cTn id="30" dur="1" fill="hold">
                                           <p:stCondLst>
                                             <p:cond delay="0"/>
                                           </p:stCondLst>
@@ -10812,26 +9963,26 @@
                     </p:cTn>
                   </p:par>
                   <p:par>
-                    <p:cTn id="35" fill="hold">
+                    <p:cTn id="31" fill="hold">
                       <p:stCondLst>
                         <p:cond delay="indefinite"/>
                       </p:stCondLst>
                       <p:childTnLst>
                         <p:par>
-                          <p:cTn id="36" fill="hold">
+                          <p:cTn id="32" fill="hold">
                             <p:stCondLst>
                               <p:cond delay="0"/>
                             </p:stCondLst>
                             <p:childTnLst>
                               <p:par>
-                                <p:cTn id="37" presetID="1" presetClass="entr" presetSubtype="0" fill="hold" nodeType="clickEffect">
+                                <p:cTn id="33" presetID="1" presetClass="entr" presetSubtype="0" fill="hold" nodeType="clickEffect">
                                   <p:stCondLst>
                                     <p:cond delay="0"/>
                                   </p:stCondLst>
                                   <p:childTnLst>
                                     <p:set>
                                       <p:cBhvr>
-                                        <p:cTn id="38" dur="1" fill="hold">
+                                        <p:cTn id="34" dur="1" fill="hold">
                                           <p:stCondLst>
                                             <p:cond delay="0"/>
                                           </p:stCondLst>
@@ -10850,71 +10001,885 @@
                                   </p:childTnLst>
                                 </p:cTn>
                               </p:par>
+                            </p:childTnLst>
+                          </p:cTn>
+                        </p:par>
+                      </p:childTnLst>
+                    </p:cTn>
+                  </p:par>
+                </p:childTnLst>
+              </p:cTn>
+              <p:prevCondLst>
+                <p:cond evt="onPrev" delay="0">
+                  <p:tgtEl>
+                    <p:sldTgt/>
+                  </p:tgtEl>
+                </p:cond>
+              </p:prevCondLst>
+              <p:nextCondLst>
+                <p:cond evt="onNext" delay="0">
+                  <p:tgtEl>
+                    <p:sldTgt/>
+                  </p:tgtEl>
+                </p:cond>
+              </p:nextCondLst>
+            </p:seq>
+          </p:childTnLst>
+        </p:cTn>
+      </p:par>
+    </p:tnLst>
+    <p:bldLst>
+      <p:bldP spid="3" grpId="0" uiExpand="1" build="p"/>
+    </p:bldLst>
+  </p:timing>
+</p:sld>
+</file>
+
+<file path=ppt/slides/slide5.xml><?xml version="1.0" encoding="utf-8"?>
+<p:sld xmlns:a="http://schemas.openxmlformats.org/drawingml/2006/main" xmlns:r="http://schemas.openxmlformats.org/officeDocument/2006/relationships" xmlns:p="http://schemas.openxmlformats.org/presentationml/2006/main">
+  <p:cSld>
+    <p:spTree>
+      <p:nvGrpSpPr>
+        <p:cNvPr id="1" name=""/>
+        <p:cNvGrpSpPr/>
+        <p:nvPr/>
+      </p:nvGrpSpPr>
+      <p:grpSpPr>
+        <a:xfrm>
+          <a:off x="0" y="0"/>
+          <a:ext cx="0" cy="0"/>
+          <a:chOff x="0" y="0"/>
+          <a:chExt cx="0" cy="0"/>
+        </a:xfrm>
+      </p:grpSpPr>
+      <p:sp>
+        <p:nvSpPr>
+          <p:cNvPr id="2" name="Titel 1">
+            <a:extLst>
+              <a:ext uri="{FF2B5EF4-FFF2-40B4-BE49-F238E27FC236}">
+                <a16:creationId xmlns:a16="http://schemas.microsoft.com/office/drawing/2014/main" id="{F2EA066E-948D-4EAB-87AD-28B7EC8F970B}"/>
+              </a:ext>
+            </a:extLst>
+          </p:cNvPr>
+          <p:cNvSpPr>
+            <a:spLocks noGrp="1"/>
+          </p:cNvSpPr>
+          <p:nvPr>
+            <p:ph type="title"/>
+          </p:nvPr>
+        </p:nvSpPr>
+        <p:spPr/>
+        <p:txBody>
+          <a:bodyPr/>
+          <a:lstStyle/>
+          <a:p>
+            <a:r>
+              <a:rPr lang="de-DE" dirty="0"/>
+              <a:t>Background</a:t>
+            </a:r>
+          </a:p>
+        </p:txBody>
+      </p:sp>
+      <p:sp>
+        <p:nvSpPr>
+          <p:cNvPr id="3" name="Inhaltsplatzhalter 2">
+            <a:extLst>
+              <a:ext uri="{FF2B5EF4-FFF2-40B4-BE49-F238E27FC236}">
+                <a16:creationId xmlns:a16="http://schemas.microsoft.com/office/drawing/2014/main" id="{4A43F374-82B0-4A18-8FF0-FF977F765D52}"/>
+              </a:ext>
+            </a:extLst>
+          </p:cNvPr>
+          <p:cNvSpPr>
+            <a:spLocks noGrp="1"/>
+          </p:cNvSpPr>
+          <p:nvPr>
+            <p:ph idx="1"/>
+          </p:nvPr>
+        </p:nvSpPr>
+        <p:spPr/>
+        <p:txBody>
+          <a:bodyPr/>
+          <a:lstStyle/>
+          <a:p>
+            <a:r>
+              <a:rPr lang="de-DE" dirty="0"/>
+              <a:t>„</a:t>
+            </a:r>
+            <a:r>
+              <a:rPr lang="de-DE" dirty="0" err="1"/>
+              <a:t>Trustless</a:t>
+            </a:r>
+            <a:r>
+              <a:rPr lang="de-DE" dirty="0"/>
+              <a:t> System“</a:t>
+            </a:r>
+          </a:p>
+          <a:p>
+            <a:pPr lvl="1"/>
+            <a:r>
+              <a:rPr lang="de-DE" dirty="0"/>
+              <a:t>Distributed</a:t>
+            </a:r>
+          </a:p>
+          <a:p>
+            <a:pPr lvl="1"/>
+            <a:r>
+              <a:rPr lang="de-DE" dirty="0"/>
+              <a:t>Öffentlich</a:t>
+            </a:r>
+          </a:p>
+          <a:p>
+            <a:pPr marL="432008" lvl="1" indent="0">
+              <a:buNone/>
+            </a:pPr>
+            <a:r>
+              <a:rPr lang="de-DE" dirty="0">
+                <a:sym typeface="Wingdings" panose="05000000000000000000" pitchFamily="2" charset="2"/>
+              </a:rPr>
+              <a:t></a:t>
+            </a:r>
+            <a:r>
+              <a:rPr lang="de-DE" dirty="0"/>
+              <a:t>„Distributed Ledger“</a:t>
+            </a:r>
+          </a:p>
+          <a:p>
+            <a:r>
+              <a:rPr lang="de-DE" dirty="0"/>
+              <a:t>Problem</a:t>
+            </a:r>
+          </a:p>
+          <a:p>
+            <a:pPr lvl="1"/>
+            <a:r>
+              <a:rPr lang="de-DE" dirty="0"/>
+              <a:t>Nachträgliche Veränderung</a:t>
+            </a:r>
+          </a:p>
+          <a:p>
+            <a:pPr lvl="1"/>
+            <a:r>
+              <a:rPr lang="de-DE" dirty="0"/>
+              <a:t>Konsistenz der Kopien</a:t>
+            </a:r>
+          </a:p>
+          <a:p>
+            <a:pPr lvl="1"/>
+            <a:endParaRPr lang="de-DE" dirty="0"/>
+          </a:p>
+          <a:p>
+            <a:r>
+              <a:rPr lang="de-DE" dirty="0"/>
+              <a:t>Lösung: Blockchain - Technologie</a:t>
+            </a:r>
+          </a:p>
+        </p:txBody>
+      </p:sp>
+      <p:sp>
+        <p:nvSpPr>
+          <p:cNvPr id="4" name="Datumsplatzhalter 3">
+            <a:extLst>
+              <a:ext uri="{FF2B5EF4-FFF2-40B4-BE49-F238E27FC236}">
+                <a16:creationId xmlns:a16="http://schemas.microsoft.com/office/drawing/2014/main" id="{9DBA0A7D-0898-41F8-9778-A005BF4305C5}"/>
+              </a:ext>
+            </a:extLst>
+          </p:cNvPr>
+          <p:cNvSpPr>
+            <a:spLocks noGrp="1"/>
+          </p:cNvSpPr>
+          <p:nvPr>
+            <p:ph type="dt" sz="half" idx="10"/>
+          </p:nvPr>
+        </p:nvSpPr>
+        <p:spPr/>
+        <p:txBody>
+          <a:bodyPr/>
+          <a:lstStyle/>
+          <a:p>
+            <a:fld id="{5816D8F1-3E92-45E9-82E1-886063832025}" type="datetime1">
+              <a:rPr lang="de-AT" smtClean="0"/>
+              <a:t>16.01.2018</a:t>
+            </a:fld>
+            <a:endParaRPr lang="de-DE"/>
+          </a:p>
+        </p:txBody>
+      </p:sp>
+      <p:sp>
+        <p:nvSpPr>
+          <p:cNvPr id="5" name="Fußzeilenplatzhalter 4">
+            <a:extLst>
+              <a:ext uri="{FF2B5EF4-FFF2-40B4-BE49-F238E27FC236}">
+                <a16:creationId xmlns:a16="http://schemas.microsoft.com/office/drawing/2014/main" id="{635817B1-97E4-4403-A0F9-693D8A084FC7}"/>
+              </a:ext>
+            </a:extLst>
+          </p:cNvPr>
+          <p:cNvSpPr>
+            <a:spLocks noGrp="1"/>
+          </p:cNvSpPr>
+          <p:nvPr>
+            <p:ph type="ftr" sz="quarter" idx="11"/>
+          </p:nvPr>
+        </p:nvSpPr>
+        <p:spPr/>
+        <p:txBody>
+          <a:bodyPr/>
+          <a:lstStyle/>
+          <a:p>
+            <a:r>
+              <a:rPr lang="en-US"/>
+              <a:t>FH Wels, AT-Master / INIF, ITS3ILV</a:t>
+            </a:r>
+            <a:endParaRPr lang="de-DE" dirty="0"/>
+          </a:p>
+        </p:txBody>
+      </p:sp>
+      <p:sp>
+        <p:nvSpPr>
+          <p:cNvPr id="6" name="Foliennummernplatzhalter 5">
+            <a:extLst>
+              <a:ext uri="{FF2B5EF4-FFF2-40B4-BE49-F238E27FC236}">
+                <a16:creationId xmlns:a16="http://schemas.microsoft.com/office/drawing/2014/main" id="{847DA69C-8CD4-4E87-80FD-52CC53CBA39B}"/>
+              </a:ext>
+            </a:extLst>
+          </p:cNvPr>
+          <p:cNvSpPr>
+            <a:spLocks noGrp="1"/>
+          </p:cNvSpPr>
+          <p:nvPr>
+            <p:ph type="sldNum" sz="quarter" idx="12"/>
+          </p:nvPr>
+        </p:nvSpPr>
+        <p:spPr/>
+        <p:txBody>
+          <a:bodyPr/>
+          <a:lstStyle/>
+          <a:p>
+            <a:fld id="{42430F15-44E3-4E69-A3DD-479649D4CC4A}" type="slidenum">
+              <a:rPr lang="de-DE" smtClean="0"/>
+              <a:t>5</a:t>
+            </a:fld>
+            <a:endParaRPr lang="de-DE"/>
+          </a:p>
+        </p:txBody>
+      </p:sp>
+      <p:sp>
+        <p:nvSpPr>
+          <p:cNvPr id="7" name="Textplatzhalter 6">
+            <a:extLst>
+              <a:ext uri="{FF2B5EF4-FFF2-40B4-BE49-F238E27FC236}">
+                <a16:creationId xmlns:a16="http://schemas.microsoft.com/office/drawing/2014/main" id="{CA601C77-F65E-4771-A92B-D9F26751E530}"/>
+              </a:ext>
+            </a:extLst>
+          </p:cNvPr>
+          <p:cNvSpPr>
+            <a:spLocks noGrp="1"/>
+          </p:cNvSpPr>
+          <p:nvPr>
+            <p:ph type="body" sz="quarter" idx="13"/>
+          </p:nvPr>
+        </p:nvSpPr>
+        <p:spPr/>
+        <p:txBody>
+          <a:bodyPr/>
+          <a:lstStyle/>
+          <a:p>
+            <a:r>
+              <a:rPr lang="de-DE" dirty="0">
+                <a:solidFill>
+                  <a:schemeClr val="bg1">
+                    <a:lumMod val="50000"/>
+                  </a:schemeClr>
+                </a:solidFill>
+              </a:rPr>
+              <a:t>● Blockchain</a:t>
+            </a:r>
+            <a:r>
+              <a:rPr lang="de-DE" dirty="0">
+                <a:solidFill>
+                  <a:schemeClr val="bg1">
+                    <a:lumMod val="75000"/>
+                  </a:schemeClr>
+                </a:solidFill>
+              </a:rPr>
+              <a:t> </a:t>
+            </a:r>
+            <a:r>
+              <a:rPr lang="de-DE" b="1" dirty="0">
+                <a:solidFill>
+                  <a:srgbClr val="FF0000"/>
+                </a:solidFill>
+              </a:rPr>
+              <a:t>●</a:t>
+            </a:r>
+            <a:r>
+              <a:rPr lang="de-DE" b="1" dirty="0"/>
+              <a:t> </a:t>
+            </a:r>
+            <a:r>
+              <a:rPr lang="de-DE" b="1" dirty="0">
+                <a:solidFill>
+                  <a:schemeClr val="tx1"/>
+                </a:solidFill>
+              </a:rPr>
+              <a:t>Verfahren</a:t>
+            </a:r>
+          </a:p>
+        </p:txBody>
+      </p:sp>
+      <p:grpSp>
+        <p:nvGrpSpPr>
+          <p:cNvPr id="12" name="Gruppieren 11">
+            <a:extLst>
+              <a:ext uri="{FF2B5EF4-FFF2-40B4-BE49-F238E27FC236}">
+                <a16:creationId xmlns:a16="http://schemas.microsoft.com/office/drawing/2014/main" id="{FD644D50-B345-4EB2-96F0-06E957DF9DF0}"/>
+              </a:ext>
+            </a:extLst>
+          </p:cNvPr>
+          <p:cNvGrpSpPr/>
+          <p:nvPr/>
+        </p:nvGrpSpPr>
+        <p:grpSpPr>
+          <a:xfrm>
+            <a:off x="4586072" y="626235"/>
+            <a:ext cx="6213928" cy="3782510"/>
+            <a:chOff x="3754583" y="359999"/>
+            <a:chExt cx="7405418" cy="4726876"/>
+          </a:xfrm>
+        </p:grpSpPr>
+        <p:pic>
+          <p:nvPicPr>
+            <p:cNvPr id="10" name="Grafik 9">
+              <a:extLst>
+                <a:ext uri="{FF2B5EF4-FFF2-40B4-BE49-F238E27FC236}">
+                  <a16:creationId xmlns:a16="http://schemas.microsoft.com/office/drawing/2014/main" id="{F34EF690-8455-4A85-876F-5EF55944FD8C}"/>
+                </a:ext>
+              </a:extLst>
+            </p:cNvPr>
+            <p:cNvPicPr>
+              <a:picLocks noChangeAspect="1"/>
+            </p:cNvPicPr>
+            <p:nvPr/>
+          </p:nvPicPr>
+          <p:blipFill rotWithShape="1">
+            <a:blip r:embed="rId3">
+              <a:clrChange>
+                <a:clrFrom>
+                  <a:srgbClr val="FFFFFF"/>
+                </a:clrFrom>
+                <a:clrTo>
+                  <a:srgbClr val="FFFFFF">
+                    <a:alpha val="0"/>
+                  </a:srgbClr>
+                </a:clrTo>
+              </a:clrChange>
+              <a:extLst>
+                <a:ext uri="{28A0092B-C50C-407E-A947-70E740481C1C}">
+                  <a14:useLocalDpi xmlns:a14="http://schemas.microsoft.com/office/drawing/2010/main" val="0"/>
+                </a:ext>
+              </a:extLst>
+            </a:blip>
+            <a:srcRect l="12997" t="10680" r="12316" b="10112"/>
+            <a:stretch/>
+          </p:blipFill>
+          <p:spPr>
+            <a:xfrm>
+              <a:off x="3754583" y="359999"/>
+              <a:ext cx="7405418" cy="4500707"/>
+            </a:xfrm>
+            <a:prstGeom prst="rect">
+              <a:avLst/>
+            </a:prstGeom>
+          </p:spPr>
+        </p:pic>
+        <p:sp>
+          <p:nvSpPr>
+            <p:cNvPr id="11" name="Fußzeilenplatzhalter 4">
+              <a:extLst>
+                <a:ext uri="{FF2B5EF4-FFF2-40B4-BE49-F238E27FC236}">
+                  <a16:creationId xmlns:a16="http://schemas.microsoft.com/office/drawing/2014/main" id="{C8900AF0-3EAE-46CB-A654-C7969EFF9338}"/>
+                </a:ext>
+              </a:extLst>
+            </p:cNvPr>
+            <p:cNvSpPr txBox="1">
+              <a:spLocks/>
+            </p:cNvSpPr>
+            <p:nvPr/>
+          </p:nvSpPr>
+          <p:spPr>
+            <a:xfrm>
+              <a:off x="6679906" y="4814537"/>
+              <a:ext cx="2087141" cy="272338"/>
+            </a:xfrm>
+            <a:prstGeom prst="rect">
+              <a:avLst/>
+            </a:prstGeom>
+          </p:spPr>
+          <p:txBody>
+            <a:bodyPr vert="horz" lIns="91440" tIns="45720" rIns="91440" bIns="45720" rtlCol="0" anchor="ctr"/>
+            <a:lstStyle>
+              <a:defPPr>
+                <a:defRPr lang="en-US"/>
+              </a:defPPr>
+              <a:lvl1pPr marL="0" algn="ctr" defTabSz="457200" rtl="0" eaLnBrk="1" latinLnBrk="0" hangingPunct="1">
+                <a:defRPr sz="1134" kern="1200">
+                  <a:solidFill>
+                    <a:schemeClr val="tx1">
+                      <a:tint val="75000"/>
+                    </a:schemeClr>
+                  </a:solidFill>
+                  <a:latin typeface="+mn-lt"/>
+                  <a:ea typeface="+mn-ea"/>
+                  <a:cs typeface="+mn-cs"/>
+                </a:defRPr>
+              </a:lvl1pPr>
+              <a:lvl2pPr marL="457200" algn="l" defTabSz="457200" rtl="0" eaLnBrk="1" latinLnBrk="0" hangingPunct="1">
+                <a:defRPr sz="1800" kern="1200">
+                  <a:solidFill>
+                    <a:schemeClr val="tx1"/>
+                  </a:solidFill>
+                  <a:latin typeface="+mn-lt"/>
+                  <a:ea typeface="+mn-ea"/>
+                  <a:cs typeface="+mn-cs"/>
+                </a:defRPr>
+              </a:lvl2pPr>
+              <a:lvl3pPr marL="914400" algn="l" defTabSz="457200" rtl="0" eaLnBrk="1" latinLnBrk="0" hangingPunct="1">
+                <a:defRPr sz="1800" kern="1200">
+                  <a:solidFill>
+                    <a:schemeClr val="tx1"/>
+                  </a:solidFill>
+                  <a:latin typeface="+mn-lt"/>
+                  <a:ea typeface="+mn-ea"/>
+                  <a:cs typeface="+mn-cs"/>
+                </a:defRPr>
+              </a:lvl3pPr>
+              <a:lvl4pPr marL="1371600" algn="l" defTabSz="457200" rtl="0" eaLnBrk="1" latinLnBrk="0" hangingPunct="1">
+                <a:defRPr sz="1800" kern="1200">
+                  <a:solidFill>
+                    <a:schemeClr val="tx1"/>
+                  </a:solidFill>
+                  <a:latin typeface="+mn-lt"/>
+                  <a:ea typeface="+mn-ea"/>
+                  <a:cs typeface="+mn-cs"/>
+                </a:defRPr>
+              </a:lvl4pPr>
+              <a:lvl5pPr marL="1828800" algn="l" defTabSz="457200" rtl="0" eaLnBrk="1" latinLnBrk="0" hangingPunct="1">
+                <a:defRPr sz="1800" kern="1200">
+                  <a:solidFill>
+                    <a:schemeClr val="tx1"/>
+                  </a:solidFill>
+                  <a:latin typeface="+mn-lt"/>
+                  <a:ea typeface="+mn-ea"/>
+                  <a:cs typeface="+mn-cs"/>
+                </a:defRPr>
+              </a:lvl5pPr>
+              <a:lvl6pPr marL="2286000" algn="l" defTabSz="457200" rtl="0" eaLnBrk="1" latinLnBrk="0" hangingPunct="1">
+                <a:defRPr sz="1800" kern="1200">
+                  <a:solidFill>
+                    <a:schemeClr val="tx1"/>
+                  </a:solidFill>
+                  <a:latin typeface="+mn-lt"/>
+                  <a:ea typeface="+mn-ea"/>
+                  <a:cs typeface="+mn-cs"/>
+                </a:defRPr>
+              </a:lvl6pPr>
+              <a:lvl7pPr marL="2743200" algn="l" defTabSz="457200" rtl="0" eaLnBrk="1" latinLnBrk="0" hangingPunct="1">
+                <a:defRPr sz="1800" kern="1200">
+                  <a:solidFill>
+                    <a:schemeClr val="tx1"/>
+                  </a:solidFill>
+                  <a:latin typeface="+mn-lt"/>
+                  <a:ea typeface="+mn-ea"/>
+                  <a:cs typeface="+mn-cs"/>
+                </a:defRPr>
+              </a:lvl7pPr>
+              <a:lvl8pPr marL="3200400" algn="l" defTabSz="457200" rtl="0" eaLnBrk="1" latinLnBrk="0" hangingPunct="1">
+                <a:defRPr sz="1800" kern="1200">
+                  <a:solidFill>
+                    <a:schemeClr val="tx1"/>
+                  </a:solidFill>
+                  <a:latin typeface="+mn-lt"/>
+                  <a:ea typeface="+mn-ea"/>
+                  <a:cs typeface="+mn-cs"/>
+                </a:defRPr>
+              </a:lvl8pPr>
+              <a:lvl9pPr marL="3657600" algn="l" defTabSz="457200" rtl="0" eaLnBrk="1" latinLnBrk="0" hangingPunct="1">
+                <a:defRPr sz="1800" kern="1200">
+                  <a:solidFill>
+                    <a:schemeClr val="tx1"/>
+                  </a:solidFill>
+                  <a:latin typeface="+mn-lt"/>
+                  <a:ea typeface="+mn-ea"/>
+                  <a:cs typeface="+mn-cs"/>
+                </a:defRPr>
+              </a:lvl9pPr>
+            </a:lstStyle>
+            <a:p>
+              <a:r>
+                <a:rPr lang="en-US" dirty="0"/>
+                <a:t>www.linkedin.com</a:t>
+              </a:r>
+              <a:endParaRPr lang="de-DE" dirty="0"/>
+            </a:p>
+          </p:txBody>
+        </p:sp>
+      </p:grpSp>
+    </p:spTree>
+    <p:extLst>
+      <p:ext uri="{BB962C8B-B14F-4D97-AF65-F5344CB8AC3E}">
+        <p14:creationId xmlns:p14="http://schemas.microsoft.com/office/powerpoint/2010/main" val="2233845601"/>
+      </p:ext>
+    </p:extLst>
+  </p:cSld>
+  <p:clrMapOvr>
+    <a:masterClrMapping/>
+  </p:clrMapOvr>
+  <p:timing>
+    <p:tnLst>
+      <p:par>
+        <p:cTn id="1" dur="indefinite" restart="never" nodeType="tmRoot">
+          <p:childTnLst>
+            <p:seq concurrent="1" nextAc="seek">
+              <p:cTn id="2" dur="indefinite" nodeType="mainSeq">
+                <p:childTnLst>
+                  <p:par>
+                    <p:cTn id="3" fill="hold">
+                      <p:stCondLst>
+                        <p:cond delay="indefinite"/>
+                        <p:cond evt="onBegin" delay="0">
+                          <p:tn val="2"/>
+                        </p:cond>
+                      </p:stCondLst>
+                      <p:childTnLst>
+                        <p:par>
+                          <p:cTn id="4" fill="hold">
+                            <p:stCondLst>
+                              <p:cond delay="0"/>
+                            </p:stCondLst>
+                            <p:childTnLst>
                               <p:par>
-                                <p:cTn id="39" presetID="10" presetClass="exit" presetSubtype="0" fill="hold" nodeType="withEffect">
+                                <p:cTn id="5" presetID="1" presetClass="entr" presetSubtype="0" fill="hold" grpId="0" nodeType="withEffect">
                                   <p:stCondLst>
                                     <p:cond delay="0"/>
                                   </p:stCondLst>
                                   <p:childTnLst>
-                                    <p:animEffect transition="out" filter="fade">
-                                      <p:cBhvr>
-                                        <p:cTn id="40" dur="500"/>
-                                        <p:tgtEl>
-                                          <p:spTgt spid="16"/>
-                                        </p:tgtEl>
-                                      </p:cBhvr>
-                                    </p:animEffect>
                                     <p:set>
                                       <p:cBhvr>
-                                        <p:cTn id="41" dur="1" fill="hold">
+                                        <p:cTn id="6" dur="1" fill="hold">
                                           <p:stCondLst>
-                                            <p:cond delay="499"/>
+                                            <p:cond delay="0"/>
                                           </p:stCondLst>
                                         </p:cTn>
                                         <p:tgtEl>
-                                          <p:spTgt spid="16"/>
+                                          <p:spTgt spid="3">
+                                            <p:txEl>
+                                              <p:pRg st="0" end="0"/>
+                                            </p:txEl>
+                                          </p:spTgt>
                                         </p:tgtEl>
                                         <p:attrNameLst>
                                           <p:attrName>style.visibility</p:attrName>
                                         </p:attrNameLst>
                                       </p:cBhvr>
                                       <p:to>
-                                        <p:strVal val="hidden"/>
+                                        <p:strVal val="visible"/>
                                       </p:to>
                                     </p:set>
                                   </p:childTnLst>
                                 </p:cTn>
                               </p:par>
                               <p:par>
-                                <p:cTn id="42" presetID="10" presetClass="exit" presetSubtype="0" fill="hold" nodeType="withEffect">
+                                <p:cTn id="7" presetID="1" presetClass="entr" presetSubtype="0" fill="hold" grpId="0" nodeType="withEffect">
                                   <p:stCondLst>
                                     <p:cond delay="0"/>
                                   </p:stCondLst>
                                   <p:childTnLst>
-                                    <p:animEffect transition="out" filter="fade">
-                                      <p:cBhvr>
-                                        <p:cTn id="43" dur="500"/>
-                                        <p:tgtEl>
-                                          <p:spTgt spid="15"/>
-                                        </p:tgtEl>
-                                      </p:cBhvr>
-                                    </p:animEffect>
                                     <p:set>
                                       <p:cBhvr>
-                                        <p:cTn id="44" dur="1" fill="hold">
+                                        <p:cTn id="8" dur="1" fill="hold">
                                           <p:stCondLst>
-                                            <p:cond delay="499"/>
+                                            <p:cond delay="0"/>
                                           </p:stCondLst>
                                         </p:cTn>
                                         <p:tgtEl>
-                                          <p:spTgt spid="15"/>
+                                          <p:spTgt spid="3">
+                                            <p:txEl>
+                                              <p:pRg st="1" end="1"/>
+                                            </p:txEl>
+                                          </p:spTgt>
                                         </p:tgtEl>
                                         <p:attrNameLst>
                                           <p:attrName>style.visibility</p:attrName>
                                         </p:attrNameLst>
                                       </p:cBhvr>
                                       <p:to>
-                                        <p:strVal val="hidden"/>
+                                        <p:strVal val="visible"/>
+                                      </p:to>
+                                    </p:set>
+                                  </p:childTnLst>
+                                </p:cTn>
+                              </p:par>
+                              <p:par>
+                                <p:cTn id="9" presetID="1" presetClass="entr" presetSubtype="0" fill="hold" grpId="0" nodeType="withEffect">
+                                  <p:stCondLst>
+                                    <p:cond delay="0"/>
+                                  </p:stCondLst>
+                                  <p:childTnLst>
+                                    <p:set>
+                                      <p:cBhvr>
+                                        <p:cTn id="10" dur="1" fill="hold">
+                                          <p:stCondLst>
+                                            <p:cond delay="0"/>
+                                          </p:stCondLst>
+                                        </p:cTn>
+                                        <p:tgtEl>
+                                          <p:spTgt spid="3">
+                                            <p:txEl>
+                                              <p:pRg st="2" end="2"/>
+                                            </p:txEl>
+                                          </p:spTgt>
+                                        </p:tgtEl>
+                                        <p:attrNameLst>
+                                          <p:attrName>style.visibility</p:attrName>
+                                        </p:attrNameLst>
+                                      </p:cBhvr>
+                                      <p:to>
+                                        <p:strVal val="visible"/>
+                                      </p:to>
+                                    </p:set>
+                                  </p:childTnLst>
+                                </p:cTn>
+                              </p:par>
+                              <p:par>
+                                <p:cTn id="11" presetID="1" presetClass="entr" presetSubtype="0" fill="hold" grpId="0" nodeType="withEffect">
+                                  <p:stCondLst>
+                                    <p:cond delay="0"/>
+                                  </p:stCondLst>
+                                  <p:childTnLst>
+                                    <p:set>
+                                      <p:cBhvr>
+                                        <p:cTn id="12" dur="1" fill="hold">
+                                          <p:stCondLst>
+                                            <p:cond delay="0"/>
+                                          </p:stCondLst>
+                                        </p:cTn>
+                                        <p:tgtEl>
+                                          <p:spTgt spid="3">
+                                            <p:txEl>
+                                              <p:pRg st="3" end="3"/>
+                                            </p:txEl>
+                                          </p:spTgt>
+                                        </p:tgtEl>
+                                        <p:attrNameLst>
+                                          <p:attrName>style.visibility</p:attrName>
+                                        </p:attrNameLst>
+                                      </p:cBhvr>
+                                      <p:to>
+                                        <p:strVal val="visible"/>
+                                      </p:to>
+                                    </p:set>
+                                  </p:childTnLst>
+                                </p:cTn>
+                              </p:par>
+                            </p:childTnLst>
+                          </p:cTn>
+                        </p:par>
+                      </p:childTnLst>
+                    </p:cTn>
+                  </p:par>
+                  <p:par>
+                    <p:cTn id="13" fill="hold">
+                      <p:stCondLst>
+                        <p:cond delay="indefinite"/>
+                      </p:stCondLst>
+                      <p:childTnLst>
+                        <p:par>
+                          <p:cTn id="14" fill="hold">
+                            <p:stCondLst>
+                              <p:cond delay="0"/>
+                            </p:stCondLst>
+                            <p:childTnLst>
+                              <p:par>
+                                <p:cTn id="15" presetID="1" presetClass="entr" presetSubtype="0" fill="hold" nodeType="clickEffect">
+                                  <p:stCondLst>
+                                    <p:cond delay="0"/>
+                                  </p:stCondLst>
+                                  <p:childTnLst>
+                                    <p:set>
+                                      <p:cBhvr>
+                                        <p:cTn id="16" dur="1" fill="hold">
+                                          <p:stCondLst>
+                                            <p:cond delay="0"/>
+                                          </p:stCondLst>
+                                        </p:cTn>
+                                        <p:tgtEl>
+                                          <p:spTgt spid="12"/>
+                                        </p:tgtEl>
+                                        <p:attrNameLst>
+                                          <p:attrName>style.visibility</p:attrName>
+                                        </p:attrNameLst>
+                                      </p:cBhvr>
+                                      <p:to>
+                                        <p:strVal val="visible"/>
+                                      </p:to>
+                                    </p:set>
+                                  </p:childTnLst>
+                                </p:cTn>
+                              </p:par>
+                            </p:childTnLst>
+                          </p:cTn>
+                        </p:par>
+                      </p:childTnLst>
+                    </p:cTn>
+                  </p:par>
+                  <p:par>
+                    <p:cTn id="17" fill="hold">
+                      <p:stCondLst>
+                        <p:cond delay="indefinite"/>
+                      </p:stCondLst>
+                      <p:childTnLst>
+                        <p:par>
+                          <p:cTn id="18" fill="hold">
+                            <p:stCondLst>
+                              <p:cond delay="0"/>
+                            </p:stCondLst>
+                            <p:childTnLst>
+                              <p:par>
+                                <p:cTn id="19" presetID="1" presetClass="entr" presetSubtype="0" fill="hold" grpId="0" nodeType="clickEffect">
+                                  <p:stCondLst>
+                                    <p:cond delay="0"/>
+                                  </p:stCondLst>
+                                  <p:childTnLst>
+                                    <p:set>
+                                      <p:cBhvr>
+                                        <p:cTn id="20" dur="1" fill="hold">
+                                          <p:stCondLst>
+                                            <p:cond delay="0"/>
+                                          </p:stCondLst>
+                                        </p:cTn>
+                                        <p:tgtEl>
+                                          <p:spTgt spid="3">
+                                            <p:txEl>
+                                              <p:pRg st="4" end="4"/>
+                                            </p:txEl>
+                                          </p:spTgt>
+                                        </p:tgtEl>
+                                        <p:attrNameLst>
+                                          <p:attrName>style.visibility</p:attrName>
+                                        </p:attrNameLst>
+                                      </p:cBhvr>
+                                      <p:to>
+                                        <p:strVal val="visible"/>
+                                      </p:to>
+                                    </p:set>
+                                  </p:childTnLst>
+                                </p:cTn>
+                              </p:par>
+                              <p:par>
+                                <p:cTn id="21" presetID="1" presetClass="entr" presetSubtype="0" fill="hold" grpId="0" nodeType="withEffect">
+                                  <p:stCondLst>
+                                    <p:cond delay="0"/>
+                                  </p:stCondLst>
+                                  <p:childTnLst>
+                                    <p:set>
+                                      <p:cBhvr>
+                                        <p:cTn id="22" dur="1" fill="hold">
+                                          <p:stCondLst>
+                                            <p:cond delay="0"/>
+                                          </p:stCondLst>
+                                        </p:cTn>
+                                        <p:tgtEl>
+                                          <p:spTgt spid="3">
+                                            <p:txEl>
+                                              <p:pRg st="5" end="5"/>
+                                            </p:txEl>
+                                          </p:spTgt>
+                                        </p:tgtEl>
+                                        <p:attrNameLst>
+                                          <p:attrName>style.visibility</p:attrName>
+                                        </p:attrNameLst>
+                                      </p:cBhvr>
+                                      <p:to>
+                                        <p:strVal val="visible"/>
+                                      </p:to>
+                                    </p:set>
+                                  </p:childTnLst>
+                                </p:cTn>
+                              </p:par>
+                              <p:par>
+                                <p:cTn id="23" presetID="1" presetClass="entr" presetSubtype="0" fill="hold" grpId="0" nodeType="withEffect">
+                                  <p:stCondLst>
+                                    <p:cond delay="0"/>
+                                  </p:stCondLst>
+                                  <p:childTnLst>
+                                    <p:set>
+                                      <p:cBhvr>
+                                        <p:cTn id="24" dur="1" fill="hold">
+                                          <p:stCondLst>
+                                            <p:cond delay="0"/>
+                                          </p:stCondLst>
+                                        </p:cTn>
+                                        <p:tgtEl>
+                                          <p:spTgt spid="3">
+                                            <p:txEl>
+                                              <p:pRg st="6" end="6"/>
+                                            </p:txEl>
+                                          </p:spTgt>
+                                        </p:tgtEl>
+                                        <p:attrNameLst>
+                                          <p:attrName>style.visibility</p:attrName>
+                                        </p:attrNameLst>
+                                      </p:cBhvr>
+                                      <p:to>
+                                        <p:strVal val="visible"/>
+                                      </p:to>
+                                    </p:set>
+                                  </p:childTnLst>
+                                </p:cTn>
+                              </p:par>
+                            </p:childTnLst>
+                          </p:cTn>
+                        </p:par>
+                      </p:childTnLst>
+                    </p:cTn>
+                  </p:par>
+                  <p:par>
+                    <p:cTn id="25" fill="hold">
+                      <p:stCondLst>
+                        <p:cond delay="indefinite"/>
+                      </p:stCondLst>
+                      <p:childTnLst>
+                        <p:par>
+                          <p:cTn id="26" fill="hold">
+                            <p:stCondLst>
+                              <p:cond delay="0"/>
+                            </p:stCondLst>
+                            <p:childTnLst>
+                              <p:par>
+                                <p:cTn id="27" presetID="1" presetClass="entr" presetSubtype="0" fill="hold" grpId="0" nodeType="clickEffect">
+                                  <p:stCondLst>
+                                    <p:cond delay="0"/>
+                                  </p:stCondLst>
+                                  <p:childTnLst>
+                                    <p:set>
+                                      <p:cBhvr>
+                                        <p:cTn id="28" dur="1" fill="hold">
+                                          <p:stCondLst>
+                                            <p:cond delay="0"/>
+                                          </p:stCondLst>
+                                        </p:cTn>
+                                        <p:tgtEl>
+                                          <p:spTgt spid="3">
+                                            <p:txEl>
+                                              <p:pRg st="8" end="8"/>
+                                            </p:txEl>
+                                          </p:spTgt>
+                                        </p:tgtEl>
+                                        <p:attrNameLst>
+                                          <p:attrName>style.visibility</p:attrName>
+                                        </p:attrNameLst>
+                                      </p:cBhvr>
+                                      <p:to>
+                                        <p:strVal val="visible"/>
                                       </p:to>
                                     </p:set>
                                   </p:childTnLst>
@@ -10976,7 +10941,7 @@
           <p:cNvPr id="2" name="Titel 1">
             <a:extLst>
               <a:ext uri="{FF2B5EF4-FFF2-40B4-BE49-F238E27FC236}">
-                <a16:creationId xmlns:a16="http://schemas.microsoft.com/office/drawing/2014/main" id="{F2EA066E-948D-4EAB-87AD-28B7EC8F970B}"/>
+                <a16:creationId xmlns:a16="http://schemas.microsoft.com/office/drawing/2014/main" id="{FC65F202-7CB5-416F-8B68-C825991901A6}"/>
               </a:ext>
             </a:extLst>
           </p:cNvPr>
@@ -10994,8 +10959,225 @@
           <a:p>
             <a:r>
               <a:rPr lang="de-DE" dirty="0"/>
-              <a:t>Motivation</a:t>
-            </a:r>
+              <a:t>Irrtümer</a:t>
+            </a:r>
+          </a:p>
+        </p:txBody>
+      </p:sp>
+      <p:sp>
+        <p:nvSpPr>
+          <p:cNvPr id="3" name="Inhaltsplatzhalter 2">
+            <a:extLst>
+              <a:ext uri="{FF2B5EF4-FFF2-40B4-BE49-F238E27FC236}">
+                <a16:creationId xmlns:a16="http://schemas.microsoft.com/office/drawing/2014/main" id="{522AC027-0B8D-4515-AF39-314F2E7F5F92}"/>
+              </a:ext>
+            </a:extLst>
+          </p:cNvPr>
+          <p:cNvSpPr>
+            <a:spLocks noGrp="1"/>
+          </p:cNvSpPr>
+          <p:nvPr>
+            <p:ph idx="1"/>
+          </p:nvPr>
+        </p:nvSpPr>
+        <p:spPr/>
+        <p:txBody>
+          <a:bodyPr/>
+          <a:lstStyle/>
+          <a:p>
+            <a:pPr>
+              <a:lnSpc>
+                <a:spcPct val="150000"/>
+              </a:lnSpc>
+            </a:pPr>
+            <a:r>
+              <a:rPr lang="de-DE" dirty="0"/>
+              <a:t>Blockchain = Kryptografisches Verfahren</a:t>
+            </a:r>
+          </a:p>
+          <a:p>
+            <a:pPr lvl="1">
+              <a:lnSpc>
+                <a:spcPct val="100000"/>
+              </a:lnSpc>
+            </a:pPr>
+            <a:r>
+              <a:rPr lang="de-DE" dirty="0"/>
+              <a:t>Blöcke sind kryptografisch sicher miteinander verbunden</a:t>
+            </a:r>
+          </a:p>
+          <a:p>
+            <a:pPr lvl="1">
+              <a:lnSpc>
+                <a:spcPct val="100000"/>
+              </a:lnSpc>
+            </a:pPr>
+            <a:r>
+              <a:rPr lang="de-DE" dirty="0"/>
+              <a:t>Blockchain nutzt kryptographische Verfahren (Hashwert - Berechnung)</a:t>
+            </a:r>
+          </a:p>
+          <a:p>
+            <a:pPr marL="432008" lvl="1" indent="0">
+              <a:lnSpc>
+                <a:spcPct val="100000"/>
+              </a:lnSpc>
+              <a:buNone/>
+            </a:pPr>
+            <a:r>
+              <a:rPr lang="de-DE" dirty="0"/>
+              <a:t>	</a:t>
+            </a:r>
+            <a:r>
+              <a:rPr lang="de-DE" dirty="0">
+                <a:sym typeface="Wingdings" panose="05000000000000000000" pitchFamily="2" charset="2"/>
+              </a:rPr>
+              <a:t></a:t>
+            </a:r>
+            <a:r>
+              <a:rPr lang="de-DE" dirty="0"/>
+              <a:t>Blockchain ist eine „Distributed Ledger“ Technologie</a:t>
+            </a:r>
+          </a:p>
+          <a:p>
+            <a:pPr>
+              <a:lnSpc>
+                <a:spcPct val="100000"/>
+              </a:lnSpc>
+            </a:pPr>
+            <a:r>
+              <a:rPr lang="de-DE" dirty="0"/>
+              <a:t>Blockchain bietet Sicherheit</a:t>
+            </a:r>
+          </a:p>
+          <a:p>
+            <a:pPr lvl="1">
+              <a:lnSpc>
+                <a:spcPct val="100000"/>
+              </a:lnSpc>
+            </a:pPr>
+            <a:r>
+              <a:rPr lang="de-DE" dirty="0"/>
+              <a:t>Nur bedingt</a:t>
+            </a:r>
+          </a:p>
+          <a:p>
+            <a:pPr>
+              <a:lnSpc>
+                <a:spcPct val="150000"/>
+              </a:lnSpc>
+            </a:pPr>
+            <a:r>
+              <a:rPr lang="de-DE" dirty="0"/>
+              <a:t>Blockchain = </a:t>
+            </a:r>
+            <a:r>
+              <a:rPr lang="de-DE" dirty="0" err="1"/>
+              <a:t>BitCoin</a:t>
+            </a:r>
+            <a:endParaRPr lang="de-DE" dirty="0"/>
+          </a:p>
+          <a:p>
+            <a:pPr lvl="1">
+              <a:lnSpc>
+                <a:spcPct val="100000"/>
+              </a:lnSpc>
+            </a:pPr>
+            <a:r>
+              <a:rPr lang="de-DE" dirty="0" err="1"/>
+              <a:t>BitCoin</a:t>
+            </a:r>
+            <a:r>
+              <a:rPr lang="de-DE" dirty="0"/>
+              <a:t> verwendet die Blockchain Technologie</a:t>
+            </a:r>
+          </a:p>
+        </p:txBody>
+      </p:sp>
+      <p:sp>
+        <p:nvSpPr>
+          <p:cNvPr id="4" name="Datumsplatzhalter 3">
+            <a:extLst>
+              <a:ext uri="{FF2B5EF4-FFF2-40B4-BE49-F238E27FC236}">
+                <a16:creationId xmlns:a16="http://schemas.microsoft.com/office/drawing/2014/main" id="{E7CB382E-D838-445A-9B76-D4FFF14E4852}"/>
+              </a:ext>
+            </a:extLst>
+          </p:cNvPr>
+          <p:cNvSpPr>
+            <a:spLocks noGrp="1"/>
+          </p:cNvSpPr>
+          <p:nvPr>
+            <p:ph type="dt" sz="half" idx="10"/>
+          </p:nvPr>
+        </p:nvSpPr>
+        <p:spPr/>
+        <p:txBody>
+          <a:bodyPr/>
+          <a:lstStyle/>
+          <a:p>
+            <a:fld id="{5816D8F1-3E92-45E9-82E1-886063832025}" type="datetime1">
+              <a:rPr lang="de-AT" smtClean="0"/>
+              <a:t>16.01.2018</a:t>
+            </a:fld>
+            <a:endParaRPr lang="de-DE"/>
+          </a:p>
+        </p:txBody>
+      </p:sp>
+      <p:sp>
+        <p:nvSpPr>
+          <p:cNvPr id="5" name="Fußzeilenplatzhalter 4">
+            <a:extLst>
+              <a:ext uri="{FF2B5EF4-FFF2-40B4-BE49-F238E27FC236}">
+                <a16:creationId xmlns:a16="http://schemas.microsoft.com/office/drawing/2014/main" id="{A0C5E136-99C4-45C9-B821-874185E3C586}"/>
+              </a:ext>
+            </a:extLst>
+          </p:cNvPr>
+          <p:cNvSpPr>
+            <a:spLocks noGrp="1"/>
+          </p:cNvSpPr>
+          <p:nvPr>
+            <p:ph type="ftr" sz="quarter" idx="11"/>
+          </p:nvPr>
+        </p:nvSpPr>
+        <p:spPr/>
+        <p:txBody>
+          <a:bodyPr/>
+          <a:lstStyle/>
+          <a:p>
+            <a:r>
+              <a:rPr lang="en-US"/>
+              <a:t>FH Wels, AT-Master / INIF, ITS3ILV</a:t>
+            </a:r>
+            <a:endParaRPr lang="de-DE" dirty="0"/>
+          </a:p>
+        </p:txBody>
+      </p:sp>
+      <p:sp>
+        <p:nvSpPr>
+          <p:cNvPr id="6" name="Foliennummernplatzhalter 5">
+            <a:extLst>
+              <a:ext uri="{FF2B5EF4-FFF2-40B4-BE49-F238E27FC236}">
+                <a16:creationId xmlns:a16="http://schemas.microsoft.com/office/drawing/2014/main" id="{FFBDBA6A-3C7C-44C6-A1D8-9CCE46894874}"/>
+              </a:ext>
+            </a:extLst>
+          </p:cNvPr>
+          <p:cNvSpPr>
+            <a:spLocks noGrp="1"/>
+          </p:cNvSpPr>
+          <p:nvPr>
+            <p:ph type="sldNum" sz="quarter" idx="12"/>
+          </p:nvPr>
+        </p:nvSpPr>
+        <p:spPr/>
+        <p:txBody>
+          <a:bodyPr/>
+          <a:lstStyle/>
+          <a:p>
+            <a:fld id="{42430F15-44E3-4E69-A3DD-479649D4CC4A}" type="slidenum">
+              <a:rPr lang="de-DE" smtClean="0"/>
+              <a:t>6</a:t>
+            </a:fld>
+            <a:endParaRPr lang="de-DE"/>
           </a:p>
         </p:txBody>
       </p:sp>
@@ -11004,7 +11186,7 @@
           <p:cNvPr id="7" name="Textplatzhalter 6">
             <a:extLst>
               <a:ext uri="{FF2B5EF4-FFF2-40B4-BE49-F238E27FC236}">
-                <a16:creationId xmlns:a16="http://schemas.microsoft.com/office/drawing/2014/main" id="{CA601C77-F65E-4771-A92B-D9F26751E530}"/>
+                <a16:creationId xmlns:a16="http://schemas.microsoft.com/office/drawing/2014/main" id="{08E7D4D0-7D93-4F90-8F43-BC1EF1C80C7E}"/>
               </a:ext>
             </a:extLst>
           </p:cNvPr>
@@ -11012,7 +11194,7 @@
             <a:spLocks noGrp="1"/>
           </p:cNvSpPr>
           <p:nvPr>
-            <p:ph type="body" idx="1"/>
+            <p:ph type="body" sz="quarter" idx="13"/>
           </p:nvPr>
         </p:nvSpPr>
         <p:spPr/>
@@ -11063,188 +11245,545 @@
           </a:p>
         </p:txBody>
       </p:sp>
-      <p:sp>
-        <p:nvSpPr>
-          <p:cNvPr id="4" name="Datumsplatzhalter 3">
+      <p:cxnSp>
+        <p:nvCxnSpPr>
+          <p:cNvPr id="10" name="Gerader Verbinder 9">
             <a:extLst>
               <a:ext uri="{FF2B5EF4-FFF2-40B4-BE49-F238E27FC236}">
-                <a16:creationId xmlns:a16="http://schemas.microsoft.com/office/drawing/2014/main" id="{9DBA0A7D-0898-41F8-9778-A005BF4305C5}"/>
+                <a16:creationId xmlns:a16="http://schemas.microsoft.com/office/drawing/2014/main" id="{6740E13D-07A3-48EA-82C4-70B1F6BD7946}"/>
               </a:ext>
             </a:extLst>
           </p:cNvPr>
-          <p:cNvSpPr>
-            <a:spLocks noGrp="1"/>
-          </p:cNvSpPr>
-          <p:nvPr>
-            <p:ph type="dt" sz="half" idx="10"/>
-          </p:nvPr>
-        </p:nvSpPr>
-        <p:spPr/>
-        <p:txBody>
-          <a:bodyPr/>
-          <a:lstStyle/>
-          <a:p>
-            <a:fld id="{5816D8F1-3E92-45E9-82E1-886063832025}" type="datetime1">
-              <a:rPr lang="de-AT" smtClean="0"/>
-              <a:t>16.01.2018</a:t>
-            </a:fld>
-            <a:endParaRPr lang="de-DE"/>
-          </a:p>
-        </p:txBody>
-      </p:sp>
-      <p:sp>
-        <p:nvSpPr>
-          <p:cNvPr id="5" name="Fußzeilenplatzhalter 4">
-            <a:extLst>
-              <a:ext uri="{FF2B5EF4-FFF2-40B4-BE49-F238E27FC236}">
-                <a16:creationId xmlns:a16="http://schemas.microsoft.com/office/drawing/2014/main" id="{635817B1-97E4-4403-A0F9-693D8A084FC7}"/>
-              </a:ext>
-            </a:extLst>
-          </p:cNvPr>
-          <p:cNvSpPr>
-            <a:spLocks noGrp="1"/>
-          </p:cNvSpPr>
-          <p:nvPr>
-            <p:ph type="ftr" sz="quarter" idx="11"/>
-          </p:nvPr>
-        </p:nvSpPr>
-        <p:spPr/>
-        <p:txBody>
-          <a:bodyPr/>
-          <a:lstStyle/>
-          <a:p>
-            <a:r>
-              <a:rPr lang="en-US"/>
-              <a:t>FH Wels, AT-Master / INIF, ITS3ILV</a:t>
-            </a:r>
-            <a:endParaRPr lang="de-DE" dirty="0"/>
-          </a:p>
-        </p:txBody>
-      </p:sp>
-      <p:sp>
-        <p:nvSpPr>
-          <p:cNvPr id="6" name="Foliennummernplatzhalter 5">
-            <a:extLst>
-              <a:ext uri="{FF2B5EF4-FFF2-40B4-BE49-F238E27FC236}">
-                <a16:creationId xmlns:a16="http://schemas.microsoft.com/office/drawing/2014/main" id="{847DA69C-8CD4-4E87-80FD-52CC53CBA39B}"/>
-              </a:ext>
-            </a:extLst>
-          </p:cNvPr>
-          <p:cNvSpPr>
-            <a:spLocks noGrp="1"/>
-          </p:cNvSpPr>
-          <p:nvPr>
-            <p:ph type="sldNum" sz="quarter" idx="12"/>
-          </p:nvPr>
-        </p:nvSpPr>
-        <p:spPr/>
-        <p:txBody>
-          <a:bodyPr/>
-          <a:lstStyle/>
-          <a:p>
-            <a:fld id="{42430F15-44E3-4E69-A3DD-479649D4CC4A}" type="slidenum">
-              <a:rPr lang="de-DE" smtClean="0"/>
-              <a:t>6</a:t>
-            </a:fld>
-            <a:endParaRPr lang="de-DE"/>
-          </a:p>
-        </p:txBody>
-      </p:sp>
-      <p:sp>
-        <p:nvSpPr>
-          <p:cNvPr id="3" name="Inhaltsplatzhalter 2">
-            <a:extLst>
-              <a:ext uri="{FF2B5EF4-FFF2-40B4-BE49-F238E27FC236}">
-                <a16:creationId xmlns:a16="http://schemas.microsoft.com/office/drawing/2014/main" id="{4A43F374-82B0-4A18-8FF0-FF977F765D52}"/>
-              </a:ext>
-            </a:extLst>
-          </p:cNvPr>
-          <p:cNvSpPr>
-            <a:spLocks noGrp="1"/>
-          </p:cNvSpPr>
-          <p:nvPr>
-            <p:ph idx="4294967295"/>
-          </p:nvPr>
-        </p:nvSpPr>
+          <p:cNvCxnSpPr>
+            <a:cxnSpLocks/>
+          </p:cNvCxnSpPr>
+          <p:nvPr/>
+        </p:nvCxnSpPr>
         <p:spPr>
-          <a:xfrm>
-            <a:off x="0" y="1619250"/>
-            <a:ext cx="10799763" cy="4140200"/>
+          <a:xfrm flipH="1">
+            <a:off x="2160000" y="1872000"/>
+            <a:ext cx="252000" cy="288000"/>
           </a:xfrm>
-        </p:spPr>
-        <p:txBody>
-          <a:bodyPr/>
-          <a:lstStyle/>
-          <a:p>
-            <a:r>
-              <a:rPr lang="de-DE" dirty="0"/>
-              <a:t>„</a:t>
-            </a:r>
-            <a:r>
-              <a:rPr lang="de-DE" dirty="0" err="1"/>
-              <a:t>Trustless</a:t>
-            </a:r>
-            <a:r>
-              <a:rPr lang="de-DE" dirty="0"/>
-              <a:t> System“</a:t>
-            </a:r>
-          </a:p>
-          <a:p>
-            <a:pPr lvl="1"/>
-            <a:r>
-              <a:rPr lang="de-DE" dirty="0"/>
-              <a:t>Distributed</a:t>
-            </a:r>
-          </a:p>
-          <a:p>
-            <a:pPr lvl="1"/>
-            <a:r>
-              <a:rPr lang="de-DE" dirty="0"/>
-              <a:t>Öffentlich</a:t>
-            </a:r>
-          </a:p>
-        </p:txBody>
-      </p:sp>
-      <p:pic>
-        <p:nvPicPr>
-          <p:cNvPr id="8" name="Grafik 7">
-            <a:extLst>
-              <a:ext uri="{FF2B5EF4-FFF2-40B4-BE49-F238E27FC236}">
-                <a16:creationId xmlns:a16="http://schemas.microsoft.com/office/drawing/2014/main" id="{717B83C8-8AF6-4D5D-9C90-CB9BD00F88F3}"/>
-              </a:ext>
-            </a:extLst>
-          </p:cNvPr>
-          <p:cNvPicPr>
-            <a:picLocks noChangeAspect="1"/>
-          </p:cNvPicPr>
-          <p:nvPr/>
-        </p:nvPicPr>
-        <p:blipFill>
-          <a:blip r:embed="rId2"/>
-          <a:stretch>
-            <a:fillRect/>
-          </a:stretch>
-        </p:blipFill>
-        <p:spPr>
-          <a:xfrm>
-            <a:off x="3425780" y="716662"/>
-            <a:ext cx="7734220" cy="5265287"/>
-          </a:xfrm>
-          <a:prstGeom prst="rect">
+          <a:prstGeom prst="line">
             <a:avLst/>
           </a:prstGeom>
+          <a:ln w="38100">
+            <a:solidFill>
+              <a:srgbClr val="FF0000"/>
+            </a:solidFill>
+          </a:ln>
         </p:spPr>
-      </p:pic>
+        <p:style>
+          <a:lnRef idx="1">
+            <a:schemeClr val="accent1"/>
+          </a:lnRef>
+          <a:fillRef idx="0">
+            <a:schemeClr val="accent1"/>
+          </a:fillRef>
+          <a:effectRef idx="0">
+            <a:schemeClr val="accent1"/>
+          </a:effectRef>
+          <a:fontRef idx="minor">
+            <a:schemeClr val="tx1"/>
+          </a:fontRef>
+        </p:style>
+      </p:cxnSp>
+      <p:cxnSp>
+        <p:nvCxnSpPr>
+          <p:cNvPr id="12" name="Gerader Verbinder 11">
+            <a:extLst>
+              <a:ext uri="{FF2B5EF4-FFF2-40B4-BE49-F238E27FC236}">
+                <a16:creationId xmlns:a16="http://schemas.microsoft.com/office/drawing/2014/main" id="{31BAA093-3770-48B0-B2F2-C38FA06C184D}"/>
+              </a:ext>
+            </a:extLst>
+          </p:cNvPr>
+          <p:cNvCxnSpPr>
+            <a:cxnSpLocks/>
+          </p:cNvCxnSpPr>
+          <p:nvPr/>
+        </p:nvCxnSpPr>
+        <p:spPr>
+          <a:xfrm flipH="1">
+            <a:off x="2160000" y="4752000"/>
+            <a:ext cx="252000" cy="288000"/>
+          </a:xfrm>
+          <a:prstGeom prst="line">
+            <a:avLst/>
+          </a:prstGeom>
+          <a:ln w="38100">
+            <a:solidFill>
+              <a:srgbClr val="FF0000"/>
+            </a:solidFill>
+          </a:ln>
+        </p:spPr>
+        <p:style>
+          <a:lnRef idx="1">
+            <a:schemeClr val="accent1"/>
+          </a:lnRef>
+          <a:fillRef idx="0">
+            <a:schemeClr val="accent1"/>
+          </a:fillRef>
+          <a:effectRef idx="0">
+            <a:schemeClr val="accent1"/>
+          </a:effectRef>
+          <a:fontRef idx="minor">
+            <a:schemeClr val="tx1"/>
+          </a:fontRef>
+        </p:style>
+      </p:cxnSp>
     </p:spTree>
     <p:extLst>
       <p:ext uri="{BB962C8B-B14F-4D97-AF65-F5344CB8AC3E}">
-        <p14:creationId xmlns:p14="http://schemas.microsoft.com/office/powerpoint/2010/main" val="2233845601"/>
+        <p14:creationId xmlns:p14="http://schemas.microsoft.com/office/powerpoint/2010/main" val="1755624973"/>
       </p:ext>
     </p:extLst>
   </p:cSld>
   <p:clrMapOvr>
     <a:masterClrMapping/>
   </p:clrMapOvr>
+  <p:timing>
+    <p:tnLst>
+      <p:par>
+        <p:cTn id="1" dur="indefinite" restart="never" nodeType="tmRoot">
+          <p:childTnLst>
+            <p:seq concurrent="1" nextAc="seek">
+              <p:cTn id="2" dur="indefinite" nodeType="mainSeq">
+                <p:childTnLst>
+                  <p:par>
+                    <p:cTn id="3" fill="hold">
+                      <p:stCondLst>
+                        <p:cond delay="indefinite"/>
+                      </p:stCondLst>
+                      <p:childTnLst>
+                        <p:par>
+                          <p:cTn id="4" fill="hold">
+                            <p:stCondLst>
+                              <p:cond delay="0"/>
+                            </p:stCondLst>
+                            <p:childTnLst>
+                              <p:par>
+                                <p:cTn id="5" presetID="1" presetClass="entr" presetSubtype="0" fill="hold" grpId="0" nodeType="clickEffect">
+                                  <p:stCondLst>
+                                    <p:cond delay="0"/>
+                                  </p:stCondLst>
+                                  <p:childTnLst>
+                                    <p:set>
+                                      <p:cBhvr>
+                                        <p:cTn id="6" dur="1" fill="hold">
+                                          <p:stCondLst>
+                                            <p:cond delay="0"/>
+                                          </p:stCondLst>
+                                        </p:cTn>
+                                        <p:tgtEl>
+                                          <p:spTgt spid="3">
+                                            <p:txEl>
+                                              <p:pRg st="0" end="0"/>
+                                            </p:txEl>
+                                          </p:spTgt>
+                                        </p:tgtEl>
+                                        <p:attrNameLst>
+                                          <p:attrName>style.visibility</p:attrName>
+                                        </p:attrNameLst>
+                                      </p:cBhvr>
+                                      <p:to>
+                                        <p:strVal val="visible"/>
+                                      </p:to>
+                                    </p:set>
+                                  </p:childTnLst>
+                                </p:cTn>
+                              </p:par>
+                            </p:childTnLst>
+                          </p:cTn>
+                        </p:par>
+                      </p:childTnLst>
+                    </p:cTn>
+                  </p:par>
+                  <p:par>
+                    <p:cTn id="7" fill="hold">
+                      <p:stCondLst>
+                        <p:cond delay="indefinite"/>
+                      </p:stCondLst>
+                      <p:childTnLst>
+                        <p:par>
+                          <p:cTn id="8" fill="hold">
+                            <p:stCondLst>
+                              <p:cond delay="0"/>
+                            </p:stCondLst>
+                            <p:childTnLst>
+                              <p:par>
+                                <p:cTn id="9" presetID="1" presetClass="entr" presetSubtype="0" fill="hold" grpId="0" nodeType="clickEffect">
+                                  <p:stCondLst>
+                                    <p:cond delay="0"/>
+                                  </p:stCondLst>
+                                  <p:childTnLst>
+                                    <p:set>
+                                      <p:cBhvr>
+                                        <p:cTn id="10" dur="1" fill="hold">
+                                          <p:stCondLst>
+                                            <p:cond delay="0"/>
+                                          </p:stCondLst>
+                                        </p:cTn>
+                                        <p:tgtEl>
+                                          <p:spTgt spid="3">
+                                            <p:txEl>
+                                              <p:pRg st="1" end="1"/>
+                                            </p:txEl>
+                                          </p:spTgt>
+                                        </p:tgtEl>
+                                        <p:attrNameLst>
+                                          <p:attrName>style.visibility</p:attrName>
+                                        </p:attrNameLst>
+                                      </p:cBhvr>
+                                      <p:to>
+                                        <p:strVal val="visible"/>
+                                      </p:to>
+                                    </p:set>
+                                  </p:childTnLst>
+                                </p:cTn>
+                              </p:par>
+                              <p:par>
+                                <p:cTn id="11" presetID="1" presetClass="entr" presetSubtype="0" fill="hold" grpId="0" nodeType="withEffect">
+                                  <p:stCondLst>
+                                    <p:cond delay="0"/>
+                                  </p:stCondLst>
+                                  <p:childTnLst>
+                                    <p:set>
+                                      <p:cBhvr>
+                                        <p:cTn id="12" dur="1" fill="hold">
+                                          <p:stCondLst>
+                                            <p:cond delay="0"/>
+                                          </p:stCondLst>
+                                        </p:cTn>
+                                        <p:tgtEl>
+                                          <p:spTgt spid="3">
+                                            <p:txEl>
+                                              <p:pRg st="2" end="2"/>
+                                            </p:txEl>
+                                          </p:spTgt>
+                                        </p:tgtEl>
+                                        <p:attrNameLst>
+                                          <p:attrName>style.visibility</p:attrName>
+                                        </p:attrNameLst>
+                                      </p:cBhvr>
+                                      <p:to>
+                                        <p:strVal val="visible"/>
+                                      </p:to>
+                                    </p:set>
+                                  </p:childTnLst>
+                                </p:cTn>
+                              </p:par>
+                              <p:par>
+                                <p:cTn id="13" presetID="1" presetClass="entr" presetSubtype="0" fill="hold" grpId="0" nodeType="withEffect">
+                                  <p:stCondLst>
+                                    <p:cond delay="0"/>
+                                  </p:stCondLst>
+                                  <p:childTnLst>
+                                    <p:set>
+                                      <p:cBhvr>
+                                        <p:cTn id="14" dur="1" fill="hold">
+                                          <p:stCondLst>
+                                            <p:cond delay="0"/>
+                                          </p:stCondLst>
+                                        </p:cTn>
+                                        <p:tgtEl>
+                                          <p:spTgt spid="3">
+                                            <p:txEl>
+                                              <p:pRg st="3" end="3"/>
+                                            </p:txEl>
+                                          </p:spTgt>
+                                        </p:tgtEl>
+                                        <p:attrNameLst>
+                                          <p:attrName>style.visibility</p:attrName>
+                                        </p:attrNameLst>
+                                      </p:cBhvr>
+                                      <p:to>
+                                        <p:strVal val="visible"/>
+                                      </p:to>
+                                    </p:set>
+                                  </p:childTnLst>
+                                </p:cTn>
+                              </p:par>
+                              <p:par>
+                                <p:cTn id="15" presetID="1" presetClass="entr" presetSubtype="0" fill="hold" nodeType="withEffect">
+                                  <p:stCondLst>
+                                    <p:cond delay="0"/>
+                                  </p:stCondLst>
+                                  <p:childTnLst>
+                                    <p:set>
+                                      <p:cBhvr>
+                                        <p:cTn id="16" dur="1" fill="hold">
+                                          <p:stCondLst>
+                                            <p:cond delay="0"/>
+                                          </p:stCondLst>
+                                        </p:cTn>
+                                        <p:tgtEl>
+                                          <p:spTgt spid="10"/>
+                                        </p:tgtEl>
+                                        <p:attrNameLst>
+                                          <p:attrName>style.visibility</p:attrName>
+                                        </p:attrNameLst>
+                                      </p:cBhvr>
+                                      <p:to>
+                                        <p:strVal val="visible"/>
+                                      </p:to>
+                                    </p:set>
+                                  </p:childTnLst>
+                                </p:cTn>
+                              </p:par>
+                            </p:childTnLst>
+                          </p:cTn>
+                        </p:par>
+                      </p:childTnLst>
+                    </p:cTn>
+                  </p:par>
+                  <p:par>
+                    <p:cTn id="17" fill="hold">
+                      <p:stCondLst>
+                        <p:cond delay="indefinite"/>
+                      </p:stCondLst>
+                      <p:childTnLst>
+                        <p:par>
+                          <p:cTn id="18" fill="hold">
+                            <p:stCondLst>
+                              <p:cond delay="0"/>
+                            </p:stCondLst>
+                            <p:childTnLst>
+                              <p:par>
+                                <p:cTn id="19" presetID="1" presetClass="entr" presetSubtype="0" fill="hold" grpId="0" nodeType="clickEffect">
+                                  <p:stCondLst>
+                                    <p:cond delay="0"/>
+                                  </p:stCondLst>
+                                  <p:childTnLst>
+                                    <p:set>
+                                      <p:cBhvr>
+                                        <p:cTn id="20" dur="1" fill="hold">
+                                          <p:stCondLst>
+                                            <p:cond delay="0"/>
+                                          </p:stCondLst>
+                                        </p:cTn>
+                                        <p:tgtEl>
+                                          <p:spTgt spid="3">
+                                            <p:txEl>
+                                              <p:pRg st="4" end="4"/>
+                                            </p:txEl>
+                                          </p:spTgt>
+                                        </p:tgtEl>
+                                        <p:attrNameLst>
+                                          <p:attrName>style.visibility</p:attrName>
+                                        </p:attrNameLst>
+                                      </p:cBhvr>
+                                      <p:to>
+                                        <p:strVal val="visible"/>
+                                      </p:to>
+                                    </p:set>
+                                  </p:childTnLst>
+                                </p:cTn>
+                              </p:par>
+                            </p:childTnLst>
+                          </p:cTn>
+                        </p:par>
+                      </p:childTnLst>
+                    </p:cTn>
+                  </p:par>
+                  <p:par>
+                    <p:cTn id="21" fill="hold">
+                      <p:stCondLst>
+                        <p:cond delay="indefinite"/>
+                      </p:stCondLst>
+                      <p:childTnLst>
+                        <p:par>
+                          <p:cTn id="22" fill="hold">
+                            <p:stCondLst>
+                              <p:cond delay="0"/>
+                            </p:stCondLst>
+                            <p:childTnLst>
+                              <p:par>
+                                <p:cTn id="23" presetID="1" presetClass="entr" presetSubtype="0" fill="hold" grpId="0" nodeType="clickEffect">
+                                  <p:stCondLst>
+                                    <p:cond delay="0"/>
+                                  </p:stCondLst>
+                                  <p:childTnLst>
+                                    <p:set>
+                                      <p:cBhvr>
+                                        <p:cTn id="24" dur="1" fill="hold">
+                                          <p:stCondLst>
+                                            <p:cond delay="0"/>
+                                          </p:stCondLst>
+                                        </p:cTn>
+                                        <p:tgtEl>
+                                          <p:spTgt spid="3">
+                                            <p:txEl>
+                                              <p:pRg st="5" end="5"/>
+                                            </p:txEl>
+                                          </p:spTgt>
+                                        </p:tgtEl>
+                                        <p:attrNameLst>
+                                          <p:attrName>style.visibility</p:attrName>
+                                        </p:attrNameLst>
+                                      </p:cBhvr>
+                                      <p:to>
+                                        <p:strVal val="visible"/>
+                                      </p:to>
+                                    </p:set>
+                                  </p:childTnLst>
+                                </p:cTn>
+                              </p:par>
+                            </p:childTnLst>
+                          </p:cTn>
+                        </p:par>
+                      </p:childTnLst>
+                    </p:cTn>
+                  </p:par>
+                  <p:par>
+                    <p:cTn id="25" fill="hold">
+                      <p:stCondLst>
+                        <p:cond delay="indefinite"/>
+                      </p:stCondLst>
+                      <p:childTnLst>
+                        <p:par>
+                          <p:cTn id="26" fill="hold">
+                            <p:stCondLst>
+                              <p:cond delay="0"/>
+                            </p:stCondLst>
+                            <p:childTnLst>
+                              <p:par>
+                                <p:cTn id="27" presetID="1" presetClass="entr" presetSubtype="0" fill="hold" grpId="0" nodeType="clickEffect">
+                                  <p:stCondLst>
+                                    <p:cond delay="0"/>
+                                  </p:stCondLst>
+                                  <p:childTnLst>
+                                    <p:set>
+                                      <p:cBhvr>
+                                        <p:cTn id="28" dur="1" fill="hold">
+                                          <p:stCondLst>
+                                            <p:cond delay="0"/>
+                                          </p:stCondLst>
+                                        </p:cTn>
+                                        <p:tgtEl>
+                                          <p:spTgt spid="3">
+                                            <p:txEl>
+                                              <p:pRg st="6" end="6"/>
+                                            </p:txEl>
+                                          </p:spTgt>
+                                        </p:tgtEl>
+                                        <p:attrNameLst>
+                                          <p:attrName>style.visibility</p:attrName>
+                                        </p:attrNameLst>
+                                      </p:cBhvr>
+                                      <p:to>
+                                        <p:strVal val="visible"/>
+                                      </p:to>
+                                    </p:set>
+                                  </p:childTnLst>
+                                </p:cTn>
+                              </p:par>
+                            </p:childTnLst>
+                          </p:cTn>
+                        </p:par>
+                      </p:childTnLst>
+                    </p:cTn>
+                  </p:par>
+                  <p:par>
+                    <p:cTn id="29" fill="hold">
+                      <p:stCondLst>
+                        <p:cond delay="indefinite"/>
+                      </p:stCondLst>
+                      <p:childTnLst>
+                        <p:par>
+                          <p:cTn id="30" fill="hold">
+                            <p:stCondLst>
+                              <p:cond delay="0"/>
+                            </p:stCondLst>
+                            <p:childTnLst>
+                              <p:par>
+                                <p:cTn id="31" presetID="1" presetClass="entr" presetSubtype="0" fill="hold" grpId="0" nodeType="clickEffect">
+                                  <p:stCondLst>
+                                    <p:cond delay="0"/>
+                                  </p:stCondLst>
+                                  <p:childTnLst>
+                                    <p:set>
+                                      <p:cBhvr>
+                                        <p:cTn id="32" dur="1" fill="hold">
+                                          <p:stCondLst>
+                                            <p:cond delay="0"/>
+                                          </p:stCondLst>
+                                        </p:cTn>
+                                        <p:tgtEl>
+                                          <p:spTgt spid="3">
+                                            <p:txEl>
+                                              <p:pRg st="7" end="7"/>
+                                            </p:txEl>
+                                          </p:spTgt>
+                                        </p:tgtEl>
+                                        <p:attrNameLst>
+                                          <p:attrName>style.visibility</p:attrName>
+                                        </p:attrNameLst>
+                                      </p:cBhvr>
+                                      <p:to>
+                                        <p:strVal val="visible"/>
+                                      </p:to>
+                                    </p:set>
+                                  </p:childTnLst>
+                                </p:cTn>
+                              </p:par>
+                              <p:par>
+                                <p:cTn id="33" presetID="1" presetClass="entr" presetSubtype="0" fill="hold" nodeType="withEffect">
+                                  <p:stCondLst>
+                                    <p:cond delay="0"/>
+                                  </p:stCondLst>
+                                  <p:childTnLst>
+                                    <p:set>
+                                      <p:cBhvr>
+                                        <p:cTn id="34" dur="1" fill="hold">
+                                          <p:stCondLst>
+                                            <p:cond delay="0"/>
+                                          </p:stCondLst>
+                                        </p:cTn>
+                                        <p:tgtEl>
+                                          <p:spTgt spid="12"/>
+                                        </p:tgtEl>
+                                        <p:attrNameLst>
+                                          <p:attrName>style.visibility</p:attrName>
+                                        </p:attrNameLst>
+                                      </p:cBhvr>
+                                      <p:to>
+                                        <p:strVal val="visible"/>
+                                      </p:to>
+                                    </p:set>
+                                  </p:childTnLst>
+                                </p:cTn>
+                              </p:par>
+                            </p:childTnLst>
+                          </p:cTn>
+                        </p:par>
+                      </p:childTnLst>
+                    </p:cTn>
+                  </p:par>
+                </p:childTnLst>
+              </p:cTn>
+              <p:prevCondLst>
+                <p:cond evt="onPrev" delay="0">
+                  <p:tgtEl>
+                    <p:sldTgt/>
+                  </p:tgtEl>
+                </p:cond>
+              </p:prevCondLst>
+              <p:nextCondLst>
+                <p:cond evt="onNext" delay="0">
+                  <p:tgtEl>
+                    <p:sldTgt/>
+                  </p:tgtEl>
+                </p:cond>
+              </p:nextCondLst>
+            </p:seq>
+          </p:childTnLst>
+        </p:cTn>
+      </p:par>
+    </p:tnLst>
+    <p:bldLst>
+      <p:bldP spid="3" grpId="0" uiExpand="1" build="p"/>
+    </p:bldLst>
+  </p:timing>
 </p:sld>
 </file>
 
@@ -11288,8 +11827,192 @@
           <a:p>
             <a:r>
               <a:rPr lang="de-DE" dirty="0"/>
-              <a:t>Die Blockchain</a:t>
-            </a:r>
+              <a:t>Grundprinzip der Blockchain</a:t>
+            </a:r>
+          </a:p>
+        </p:txBody>
+      </p:sp>
+      <p:sp>
+        <p:nvSpPr>
+          <p:cNvPr id="3" name="Inhaltsplatzhalter 2">
+            <a:extLst>
+              <a:ext uri="{FF2B5EF4-FFF2-40B4-BE49-F238E27FC236}">
+                <a16:creationId xmlns:a16="http://schemas.microsoft.com/office/drawing/2014/main" id="{2506A2C2-038B-49DD-9C17-060FCFCF4FF9}"/>
+              </a:ext>
+            </a:extLst>
+          </p:cNvPr>
+          <p:cNvSpPr>
+            <a:spLocks noGrp="1"/>
+          </p:cNvSpPr>
+          <p:nvPr>
+            <p:ph idx="1"/>
+          </p:nvPr>
+        </p:nvSpPr>
+        <p:spPr/>
+        <p:txBody>
+          <a:bodyPr>
+            <a:normAutofit/>
+          </a:bodyPr>
+          <a:lstStyle/>
+          <a:p>
+            <a:r>
+              <a:rPr lang="de-DE" dirty="0"/>
+              <a:t>Besteht aus:</a:t>
+            </a:r>
+          </a:p>
+          <a:p>
+            <a:pPr lvl="1"/>
+            <a:r>
+              <a:rPr lang="de-DE" dirty="0"/>
+              <a:t>Block</a:t>
+            </a:r>
+          </a:p>
+          <a:p>
+            <a:pPr lvl="1"/>
+            <a:r>
+              <a:rPr lang="de-DE" dirty="0"/>
+              <a:t>Daten</a:t>
+            </a:r>
+          </a:p>
+          <a:p>
+            <a:pPr lvl="1"/>
+            <a:r>
+              <a:rPr lang="de-DE" dirty="0"/>
+              <a:t>Header</a:t>
+            </a:r>
+          </a:p>
+          <a:p>
+            <a:pPr lvl="1"/>
+            <a:r>
+              <a:rPr lang="de-DE" dirty="0"/>
+              <a:t>Hashwert</a:t>
+            </a:r>
+          </a:p>
+          <a:p>
+            <a:pPr marL="432008" lvl="1" indent="0">
+              <a:buNone/>
+            </a:pPr>
+            <a:endParaRPr lang="de-DE" dirty="0"/>
+          </a:p>
+          <a:p>
+            <a:pPr marL="0" indent="0">
+              <a:buNone/>
+            </a:pPr>
+            <a:endParaRPr lang="de-DE" dirty="0"/>
+          </a:p>
+          <a:p>
+            <a:r>
+              <a:rPr lang="de-DE" dirty="0">
+                <a:hlinkClick r:id="rId2"/>
+              </a:rPr>
+              <a:t>Online-Beispiel</a:t>
+            </a:r>
+            <a:endParaRPr lang="de-DE" dirty="0"/>
+          </a:p>
+          <a:p>
+            <a:pPr lvl="1"/>
+            <a:r>
+              <a:rPr lang="de-DE" dirty="0"/>
+              <a:t>Single Blockchain</a:t>
+            </a:r>
+          </a:p>
+          <a:p>
+            <a:pPr lvl="1"/>
+            <a:r>
+              <a:rPr lang="de-DE" dirty="0"/>
+              <a:t>Distributed Blockchain</a:t>
+            </a:r>
+          </a:p>
+          <a:p>
+            <a:pPr lvl="1"/>
+            <a:endParaRPr lang="de-DE" dirty="0"/>
+          </a:p>
+        </p:txBody>
+      </p:sp>
+      <p:sp>
+        <p:nvSpPr>
+          <p:cNvPr id="4" name="Datumsplatzhalter 3">
+            <a:extLst>
+              <a:ext uri="{FF2B5EF4-FFF2-40B4-BE49-F238E27FC236}">
+                <a16:creationId xmlns:a16="http://schemas.microsoft.com/office/drawing/2014/main" id="{62AD7339-82A2-420B-AEFD-59315E04A0BD}"/>
+              </a:ext>
+            </a:extLst>
+          </p:cNvPr>
+          <p:cNvSpPr>
+            <a:spLocks noGrp="1"/>
+          </p:cNvSpPr>
+          <p:nvPr>
+            <p:ph type="dt" sz="half" idx="10"/>
+          </p:nvPr>
+        </p:nvSpPr>
+        <p:spPr/>
+        <p:txBody>
+          <a:bodyPr/>
+          <a:lstStyle/>
+          <a:p>
+            <a:fld id="{5816D8F1-3E92-45E9-82E1-886063832025}" type="datetime1">
+              <a:rPr lang="de-AT" smtClean="0"/>
+              <a:t>16.01.2018</a:t>
+            </a:fld>
+            <a:endParaRPr lang="de-DE"/>
+          </a:p>
+        </p:txBody>
+      </p:sp>
+      <p:sp>
+        <p:nvSpPr>
+          <p:cNvPr id="5" name="Fußzeilenplatzhalter 4">
+            <a:extLst>
+              <a:ext uri="{FF2B5EF4-FFF2-40B4-BE49-F238E27FC236}">
+                <a16:creationId xmlns:a16="http://schemas.microsoft.com/office/drawing/2014/main" id="{3CE9CF68-9F63-4B57-9F23-3F62617972BE}"/>
+              </a:ext>
+            </a:extLst>
+          </p:cNvPr>
+          <p:cNvSpPr>
+            <a:spLocks noGrp="1"/>
+          </p:cNvSpPr>
+          <p:nvPr>
+            <p:ph type="ftr" sz="quarter" idx="11"/>
+          </p:nvPr>
+        </p:nvSpPr>
+        <p:spPr/>
+        <p:txBody>
+          <a:bodyPr/>
+          <a:lstStyle/>
+          <a:p>
+            <a:r>
+              <a:rPr lang="en-US"/>
+              <a:t>FH Wels, AT-Master / INIF, ITS3ILV</a:t>
+            </a:r>
+            <a:endParaRPr lang="de-DE" dirty="0"/>
+          </a:p>
+        </p:txBody>
+      </p:sp>
+      <p:sp>
+        <p:nvSpPr>
+          <p:cNvPr id="6" name="Foliennummernplatzhalter 5">
+            <a:extLst>
+              <a:ext uri="{FF2B5EF4-FFF2-40B4-BE49-F238E27FC236}">
+                <a16:creationId xmlns:a16="http://schemas.microsoft.com/office/drawing/2014/main" id="{8CAF25C1-32B3-494A-9138-311D5A368382}"/>
+              </a:ext>
+            </a:extLst>
+          </p:cNvPr>
+          <p:cNvSpPr>
+            <a:spLocks noGrp="1"/>
+          </p:cNvSpPr>
+          <p:nvPr>
+            <p:ph type="sldNum" sz="quarter" idx="12"/>
+          </p:nvPr>
+        </p:nvSpPr>
+        <p:spPr/>
+        <p:txBody>
+          <a:bodyPr/>
+          <a:lstStyle/>
+          <a:p>
+            <a:fld id="{42430F15-44E3-4E69-A3DD-479649D4CC4A}" type="slidenum">
+              <a:rPr lang="de-DE" smtClean="0"/>
+              <a:t>7</a:t>
+            </a:fld>
+            <a:endParaRPr lang="de-DE"/>
           </a:p>
         </p:txBody>
       </p:sp>
@@ -11306,7 +12029,7 @@
             <a:spLocks noGrp="1"/>
           </p:cNvSpPr>
           <p:nvPr>
-            <p:ph type="body" idx="1"/>
+            <p:ph type="body" sz="quarter" idx="13"/>
           </p:nvPr>
         </p:nvSpPr>
         <p:spPr/>
@@ -11354,184 +12077,6 @@
               </a:rPr>
               <a:t>Verfahren</a:t>
             </a:r>
-          </a:p>
-        </p:txBody>
-      </p:sp>
-      <p:sp>
-        <p:nvSpPr>
-          <p:cNvPr id="4" name="Datumsplatzhalter 3">
-            <a:extLst>
-              <a:ext uri="{FF2B5EF4-FFF2-40B4-BE49-F238E27FC236}">
-                <a16:creationId xmlns:a16="http://schemas.microsoft.com/office/drawing/2014/main" id="{62AD7339-82A2-420B-AEFD-59315E04A0BD}"/>
-              </a:ext>
-            </a:extLst>
-          </p:cNvPr>
-          <p:cNvSpPr>
-            <a:spLocks noGrp="1"/>
-          </p:cNvSpPr>
-          <p:nvPr>
-            <p:ph type="dt" sz="half" idx="10"/>
-          </p:nvPr>
-        </p:nvSpPr>
-        <p:spPr/>
-        <p:txBody>
-          <a:bodyPr/>
-          <a:lstStyle/>
-          <a:p>
-            <a:fld id="{5816D8F1-3E92-45E9-82E1-886063832025}" type="datetime1">
-              <a:rPr lang="de-AT" smtClean="0"/>
-              <a:t>16.01.2018</a:t>
-            </a:fld>
-            <a:endParaRPr lang="de-DE"/>
-          </a:p>
-        </p:txBody>
-      </p:sp>
-      <p:sp>
-        <p:nvSpPr>
-          <p:cNvPr id="5" name="Fußzeilenplatzhalter 4">
-            <a:extLst>
-              <a:ext uri="{FF2B5EF4-FFF2-40B4-BE49-F238E27FC236}">
-                <a16:creationId xmlns:a16="http://schemas.microsoft.com/office/drawing/2014/main" id="{3CE9CF68-9F63-4B57-9F23-3F62617972BE}"/>
-              </a:ext>
-            </a:extLst>
-          </p:cNvPr>
-          <p:cNvSpPr>
-            <a:spLocks noGrp="1"/>
-          </p:cNvSpPr>
-          <p:nvPr>
-            <p:ph type="ftr" sz="quarter" idx="11"/>
-          </p:nvPr>
-        </p:nvSpPr>
-        <p:spPr/>
-        <p:txBody>
-          <a:bodyPr/>
-          <a:lstStyle/>
-          <a:p>
-            <a:r>
-              <a:rPr lang="en-US"/>
-              <a:t>FH Wels, AT-Master / INIF, ITS3ILV</a:t>
-            </a:r>
-            <a:endParaRPr lang="de-DE" dirty="0"/>
-          </a:p>
-        </p:txBody>
-      </p:sp>
-      <p:sp>
-        <p:nvSpPr>
-          <p:cNvPr id="6" name="Foliennummernplatzhalter 5">
-            <a:extLst>
-              <a:ext uri="{FF2B5EF4-FFF2-40B4-BE49-F238E27FC236}">
-                <a16:creationId xmlns:a16="http://schemas.microsoft.com/office/drawing/2014/main" id="{8CAF25C1-32B3-494A-9138-311D5A368382}"/>
-              </a:ext>
-            </a:extLst>
-          </p:cNvPr>
-          <p:cNvSpPr>
-            <a:spLocks noGrp="1"/>
-          </p:cNvSpPr>
-          <p:nvPr>
-            <p:ph type="sldNum" sz="quarter" idx="12"/>
-          </p:nvPr>
-        </p:nvSpPr>
-        <p:spPr/>
-        <p:txBody>
-          <a:bodyPr/>
-          <a:lstStyle/>
-          <a:p>
-            <a:fld id="{42430F15-44E3-4E69-A3DD-479649D4CC4A}" type="slidenum">
-              <a:rPr lang="de-DE" smtClean="0"/>
-              <a:t>7</a:t>
-            </a:fld>
-            <a:endParaRPr lang="de-DE"/>
-          </a:p>
-        </p:txBody>
-      </p:sp>
-      <p:sp>
-        <p:nvSpPr>
-          <p:cNvPr id="3" name="Inhaltsplatzhalter 2">
-            <a:extLst>
-              <a:ext uri="{FF2B5EF4-FFF2-40B4-BE49-F238E27FC236}">
-                <a16:creationId xmlns:a16="http://schemas.microsoft.com/office/drawing/2014/main" id="{2506A2C2-038B-49DD-9C17-060FCFCF4FF9}"/>
-              </a:ext>
-            </a:extLst>
-          </p:cNvPr>
-          <p:cNvSpPr>
-            <a:spLocks noGrp="1"/>
-          </p:cNvSpPr>
-          <p:nvPr>
-            <p:ph idx="4294967295"/>
-          </p:nvPr>
-        </p:nvSpPr>
-        <p:spPr>
-          <a:xfrm>
-            <a:off x="0" y="1619250"/>
-            <a:ext cx="10799763" cy="4140200"/>
-          </a:xfrm>
-        </p:spPr>
-        <p:txBody>
-          <a:bodyPr>
-            <a:normAutofit/>
-          </a:bodyPr>
-          <a:lstStyle/>
-          <a:p>
-            <a:r>
-              <a:rPr lang="de-DE" dirty="0"/>
-              <a:t>Besteht aus:</a:t>
-            </a:r>
-          </a:p>
-          <a:p>
-            <a:pPr lvl="1"/>
-            <a:r>
-              <a:rPr lang="de-DE" dirty="0"/>
-              <a:t>Block</a:t>
-            </a:r>
-          </a:p>
-          <a:p>
-            <a:pPr lvl="1"/>
-            <a:r>
-              <a:rPr lang="de-DE" dirty="0"/>
-              <a:t>Daten</a:t>
-            </a:r>
-          </a:p>
-          <a:p>
-            <a:pPr lvl="1"/>
-            <a:r>
-              <a:rPr lang="de-DE" dirty="0"/>
-              <a:t>Header</a:t>
-            </a:r>
-          </a:p>
-          <a:p>
-            <a:pPr lvl="1"/>
-            <a:r>
-              <a:rPr lang="de-DE" dirty="0"/>
-              <a:t>Hashwert</a:t>
-            </a:r>
-          </a:p>
-          <a:p>
-            <a:pPr marL="432008" lvl="1" indent="0">
-              <a:buNone/>
-            </a:pPr>
-            <a:endParaRPr lang="de-DE" dirty="0"/>
-          </a:p>
-          <a:p>
-            <a:pPr marL="0" indent="0">
-              <a:buNone/>
-            </a:pPr>
-            <a:endParaRPr lang="de-DE" dirty="0"/>
-          </a:p>
-          <a:p>
-            <a:r>
-              <a:rPr lang="de-DE" dirty="0">
-                <a:hlinkClick r:id="rId2"/>
-              </a:rPr>
-              <a:t>Online-Beispiel</a:t>
-            </a:r>
-            <a:endParaRPr lang="de-DE" dirty="0"/>
-          </a:p>
-          <a:p>
-            <a:endParaRPr lang="de-DE" dirty="0"/>
-          </a:p>
-          <a:p>
-            <a:pPr lvl="1"/>
-            <a:endParaRPr lang="de-DE" dirty="0"/>
           </a:p>
         </p:txBody>
       </p:sp>
@@ -13413,6 +13958,68 @@
                                   </p:childTnLst>
                                 </p:cTn>
                               </p:par>
+                              <p:par>
+                                <p:cTn id="63" presetID="1" presetClass="entr" presetSubtype="0" fill="hold" grpId="0" nodeType="withEffect">
+                                  <p:stCondLst>
+                                    <p:cond delay="0"/>
+                                  </p:stCondLst>
+                                  <p:childTnLst>
+                                    <p:set>
+                                      <p:cBhvr>
+                                        <p:cTn id="64" dur="1" fill="hold">
+                                          <p:stCondLst>
+                                            <p:cond delay="0"/>
+                                          </p:stCondLst>
+                                        </p:cTn>
+                                        <p:tgtEl>
+                                          <p:spTgt spid="3">
+                                            <p:txEl>
+                                              <p:pRg st="8" end="8"/>
+                                            </p:txEl>
+                                          </p:spTgt>
+                                        </p:tgtEl>
+                                        <p:attrNameLst>
+                                          <p:attrName>style.visibility</p:attrName>
+                                        </p:attrNameLst>
+                                      </p:cBhvr>
+                                      <p:to>
+                                        <p:strVal val="visible"/>
+                                      </p:to>
+                                    </p:set>
+                                  </p:childTnLst>
+                                </p:cTn>
+                              </p:par>
+                              <p:par>
+                                <p:cTn id="65" presetID="1" presetClass="entr" presetSubtype="0" fill="hold" grpId="0" nodeType="withEffect">
+                                  <p:stCondLst>
+                                    <p:cond delay="0"/>
+                                  </p:stCondLst>
+                                  <p:childTnLst>
+                                    <p:set>
+                                      <p:cBhvr>
+                                        <p:cTn id="66" dur="1" fill="hold">
+                                          <p:stCondLst>
+                                            <p:cond delay="0"/>
+                                          </p:stCondLst>
+                                        </p:cTn>
+                                        <p:tgtEl>
+                                          <p:spTgt spid="3">
+                                            <p:txEl>
+                                              <p:pRg st="9" end="9"/>
+                                            </p:txEl>
+                                          </p:spTgt>
+                                        </p:tgtEl>
+                                        <p:attrNameLst>
+                                          <p:attrName>style.visibility</p:attrName>
+                                        </p:attrNameLst>
+                                      </p:cBhvr>
+                                      <p:to>
+                                        <p:strVal val="visible"/>
+                                      </p:to>
+                                    </p:set>
+                                  </p:childTnLst>
+                                </p:cTn>
+                              </p:par>
                             </p:childTnLst>
                           </p:cTn>
                         </p:par>
@@ -13500,6 +14107,207 @@
       </p:sp>
       <p:sp>
         <p:nvSpPr>
+          <p:cNvPr id="3" name="Inhaltsplatzhalter 2">
+            <a:extLst>
+              <a:ext uri="{FF2B5EF4-FFF2-40B4-BE49-F238E27FC236}">
+                <a16:creationId xmlns:a16="http://schemas.microsoft.com/office/drawing/2014/main" id="{522AC027-0B8D-4515-AF39-314F2E7F5F92}"/>
+              </a:ext>
+            </a:extLst>
+          </p:cNvPr>
+          <p:cNvSpPr>
+            <a:spLocks noGrp="1"/>
+          </p:cNvSpPr>
+          <p:nvPr>
+            <p:ph idx="1"/>
+          </p:nvPr>
+        </p:nvSpPr>
+        <p:spPr/>
+        <p:txBody>
+          <a:bodyPr>
+            <a:normAutofit/>
+          </a:bodyPr>
+          <a:lstStyle/>
+          <a:p>
+            <a:pPr>
+              <a:lnSpc>
+                <a:spcPct val="100000"/>
+              </a:lnSpc>
+            </a:pPr>
+            <a:r>
+              <a:rPr lang="de-DE" sz="2400" b="1" dirty="0"/>
+              <a:t>Vorteile</a:t>
+            </a:r>
+            <a:endParaRPr lang="de-DE" b="1" dirty="0"/>
+          </a:p>
+          <a:p>
+            <a:pPr lvl="1">
+              <a:lnSpc>
+                <a:spcPct val="100000"/>
+              </a:lnSpc>
+              <a:spcBef>
+                <a:spcPts val="1200"/>
+              </a:spcBef>
+            </a:pPr>
+            <a:r>
+              <a:rPr lang="de-DE" sz="2000" dirty="0"/>
+              <a:t>Integrität der Daten</a:t>
+            </a:r>
+          </a:p>
+          <a:p>
+            <a:pPr lvl="1">
+              <a:lnSpc>
+                <a:spcPct val="100000"/>
+              </a:lnSpc>
+              <a:spcBef>
+                <a:spcPts val="1200"/>
+              </a:spcBef>
+            </a:pPr>
+            <a:r>
+              <a:rPr lang="de-DE" sz="2000" dirty="0"/>
+              <a:t>Keine „Vertrauenspartei“ mehr nötig</a:t>
+            </a:r>
+          </a:p>
+          <a:p>
+            <a:pPr lvl="1">
+              <a:lnSpc>
+                <a:spcPct val="100000"/>
+              </a:lnSpc>
+              <a:spcBef>
+                <a:spcPts val="1200"/>
+              </a:spcBef>
+            </a:pPr>
+            <a:r>
+              <a:rPr lang="de-DE" sz="2000" dirty="0"/>
+              <a:t>Jeder kann (könnte) alles kontrollieren</a:t>
+            </a:r>
+          </a:p>
+          <a:p>
+            <a:pPr lvl="1">
+              <a:lnSpc>
+                <a:spcPct val="100000"/>
+              </a:lnSpc>
+              <a:spcBef>
+                <a:spcPts val="1200"/>
+              </a:spcBef>
+            </a:pPr>
+            <a:r>
+              <a:rPr lang="de-DE" sz="2000" dirty="0"/>
+              <a:t>(praktisch) Kein Betrug mehr möglich</a:t>
+            </a:r>
+          </a:p>
+          <a:p>
+            <a:pPr lvl="1">
+              <a:lnSpc>
+                <a:spcPct val="100000"/>
+              </a:lnSpc>
+              <a:spcBef>
+                <a:spcPts val="1200"/>
+              </a:spcBef>
+            </a:pPr>
+            <a:r>
+              <a:rPr lang="de-DE" sz="2000" dirty="0"/>
+              <a:t>Anonymität</a:t>
+            </a:r>
+          </a:p>
+          <a:p>
+            <a:pPr>
+              <a:lnSpc>
+                <a:spcPct val="150000"/>
+              </a:lnSpc>
+            </a:pPr>
+            <a:endParaRPr lang="de-DE" dirty="0"/>
+          </a:p>
+        </p:txBody>
+      </p:sp>
+      <p:sp>
+        <p:nvSpPr>
+          <p:cNvPr id="4" name="Datumsplatzhalter 3">
+            <a:extLst>
+              <a:ext uri="{FF2B5EF4-FFF2-40B4-BE49-F238E27FC236}">
+                <a16:creationId xmlns:a16="http://schemas.microsoft.com/office/drawing/2014/main" id="{E7CB382E-D838-445A-9B76-D4FFF14E4852}"/>
+              </a:ext>
+            </a:extLst>
+          </p:cNvPr>
+          <p:cNvSpPr>
+            <a:spLocks noGrp="1"/>
+          </p:cNvSpPr>
+          <p:nvPr>
+            <p:ph type="dt" sz="half" idx="10"/>
+          </p:nvPr>
+        </p:nvSpPr>
+        <p:spPr/>
+        <p:txBody>
+          <a:bodyPr/>
+          <a:lstStyle/>
+          <a:p>
+            <a:fld id="{5816D8F1-3E92-45E9-82E1-886063832025}" type="datetime1">
+              <a:rPr lang="de-AT" smtClean="0"/>
+              <a:t>16.01.2018</a:t>
+            </a:fld>
+            <a:endParaRPr lang="de-DE"/>
+          </a:p>
+        </p:txBody>
+      </p:sp>
+      <p:sp>
+        <p:nvSpPr>
+          <p:cNvPr id="5" name="Fußzeilenplatzhalter 4">
+            <a:extLst>
+              <a:ext uri="{FF2B5EF4-FFF2-40B4-BE49-F238E27FC236}">
+                <a16:creationId xmlns:a16="http://schemas.microsoft.com/office/drawing/2014/main" id="{A0C5E136-99C4-45C9-B821-874185E3C586}"/>
+              </a:ext>
+            </a:extLst>
+          </p:cNvPr>
+          <p:cNvSpPr>
+            <a:spLocks noGrp="1"/>
+          </p:cNvSpPr>
+          <p:nvPr>
+            <p:ph type="ftr" sz="quarter" idx="11"/>
+          </p:nvPr>
+        </p:nvSpPr>
+        <p:spPr/>
+        <p:txBody>
+          <a:bodyPr/>
+          <a:lstStyle/>
+          <a:p>
+            <a:r>
+              <a:rPr lang="en-US"/>
+              <a:t>FH Wels, AT-Master / INIF, ITS3ILV</a:t>
+            </a:r>
+            <a:endParaRPr lang="de-DE" dirty="0"/>
+          </a:p>
+        </p:txBody>
+      </p:sp>
+      <p:sp>
+        <p:nvSpPr>
+          <p:cNvPr id="6" name="Foliennummernplatzhalter 5">
+            <a:extLst>
+              <a:ext uri="{FF2B5EF4-FFF2-40B4-BE49-F238E27FC236}">
+                <a16:creationId xmlns:a16="http://schemas.microsoft.com/office/drawing/2014/main" id="{FFBDBA6A-3C7C-44C6-A1D8-9CCE46894874}"/>
+              </a:ext>
+            </a:extLst>
+          </p:cNvPr>
+          <p:cNvSpPr>
+            <a:spLocks noGrp="1"/>
+          </p:cNvSpPr>
+          <p:nvPr>
+            <p:ph type="sldNum" sz="quarter" idx="12"/>
+          </p:nvPr>
+        </p:nvSpPr>
+        <p:spPr/>
+        <p:txBody>
+          <a:bodyPr/>
+          <a:lstStyle/>
+          <a:p>
+            <a:fld id="{42430F15-44E3-4E69-A3DD-479649D4CC4A}" type="slidenum">
+              <a:rPr lang="de-DE" smtClean="0"/>
+              <a:t>8</a:t>
+            </a:fld>
+            <a:endParaRPr lang="de-DE"/>
+          </a:p>
+        </p:txBody>
+      </p:sp>
+      <p:sp>
+        <p:nvSpPr>
           <p:cNvPr id="7" name="Textplatzhalter 6">
             <a:extLst>
               <a:ext uri="{FF2B5EF4-FFF2-40B4-BE49-F238E27FC236}">
@@ -13511,7 +14319,7 @@
             <a:spLocks noGrp="1"/>
           </p:cNvSpPr>
           <p:nvPr>
-            <p:ph type="body" idx="1"/>
+            <p:ph type="body" sz="quarter" idx="13"/>
           </p:nvPr>
         </p:nvSpPr>
         <p:spPr/>
@@ -13564,97 +14372,10 @@
       </p:sp>
       <p:sp>
         <p:nvSpPr>
-          <p:cNvPr id="4" name="Datumsplatzhalter 3">
+          <p:cNvPr id="11" name="Inhaltsplatzhalter 10">
             <a:extLst>
               <a:ext uri="{FF2B5EF4-FFF2-40B4-BE49-F238E27FC236}">
-                <a16:creationId xmlns:a16="http://schemas.microsoft.com/office/drawing/2014/main" id="{E7CB382E-D838-445A-9B76-D4FFF14E4852}"/>
-              </a:ext>
-            </a:extLst>
-          </p:cNvPr>
-          <p:cNvSpPr>
-            <a:spLocks noGrp="1"/>
-          </p:cNvSpPr>
-          <p:nvPr>
-            <p:ph type="dt" sz="half" idx="10"/>
-          </p:nvPr>
-        </p:nvSpPr>
-        <p:spPr/>
-        <p:txBody>
-          <a:bodyPr/>
-          <a:lstStyle/>
-          <a:p>
-            <a:fld id="{5816D8F1-3E92-45E9-82E1-886063832025}" type="datetime1">
-              <a:rPr lang="de-AT" smtClean="0"/>
-              <a:t>16.01.2018</a:t>
-            </a:fld>
-            <a:endParaRPr lang="de-DE"/>
-          </a:p>
-        </p:txBody>
-      </p:sp>
-      <p:sp>
-        <p:nvSpPr>
-          <p:cNvPr id="5" name="Fußzeilenplatzhalter 4">
-            <a:extLst>
-              <a:ext uri="{FF2B5EF4-FFF2-40B4-BE49-F238E27FC236}">
-                <a16:creationId xmlns:a16="http://schemas.microsoft.com/office/drawing/2014/main" id="{A0C5E136-99C4-45C9-B821-874185E3C586}"/>
-              </a:ext>
-            </a:extLst>
-          </p:cNvPr>
-          <p:cNvSpPr>
-            <a:spLocks noGrp="1"/>
-          </p:cNvSpPr>
-          <p:nvPr>
-            <p:ph type="ftr" sz="quarter" idx="11"/>
-          </p:nvPr>
-        </p:nvSpPr>
-        <p:spPr/>
-        <p:txBody>
-          <a:bodyPr/>
-          <a:lstStyle/>
-          <a:p>
-            <a:r>
-              <a:rPr lang="en-US"/>
-              <a:t>FH Wels, AT-Master / INIF, ITS3ILV</a:t>
-            </a:r>
-            <a:endParaRPr lang="de-DE" dirty="0"/>
-          </a:p>
-        </p:txBody>
-      </p:sp>
-      <p:sp>
-        <p:nvSpPr>
-          <p:cNvPr id="6" name="Foliennummernplatzhalter 5">
-            <a:extLst>
-              <a:ext uri="{FF2B5EF4-FFF2-40B4-BE49-F238E27FC236}">
-                <a16:creationId xmlns:a16="http://schemas.microsoft.com/office/drawing/2014/main" id="{FFBDBA6A-3C7C-44C6-A1D8-9CCE46894874}"/>
-              </a:ext>
-            </a:extLst>
-          </p:cNvPr>
-          <p:cNvSpPr>
-            <a:spLocks noGrp="1"/>
-          </p:cNvSpPr>
-          <p:nvPr>
-            <p:ph type="sldNum" sz="quarter" idx="12"/>
-          </p:nvPr>
-        </p:nvSpPr>
-        <p:spPr/>
-        <p:txBody>
-          <a:bodyPr/>
-          <a:lstStyle/>
-          <a:p>
-            <a:fld id="{42430F15-44E3-4E69-A3DD-479649D4CC4A}" type="slidenum">
-              <a:rPr lang="de-DE" smtClean="0"/>
-              <a:t>8</a:t>
-            </a:fld>
-            <a:endParaRPr lang="de-DE"/>
-          </a:p>
-        </p:txBody>
-      </p:sp>
-      <p:sp>
-        <p:nvSpPr>
-          <p:cNvPr id="3" name="Inhaltsplatzhalter 2">
-            <a:extLst>
-              <a:ext uri="{FF2B5EF4-FFF2-40B4-BE49-F238E27FC236}">
-                <a16:creationId xmlns:a16="http://schemas.microsoft.com/office/drawing/2014/main" id="{522AC027-0B8D-4515-AF39-314F2E7F5F92}"/>
+                <a16:creationId xmlns:a16="http://schemas.microsoft.com/office/drawing/2014/main" id="{C05AC46F-9B68-4421-BD98-8E948E2B1BC6}"/>
               </a:ext>
             </a:extLst>
           </p:cNvPr>
@@ -13667,7 +14388,7 @@
         </p:nvSpPr>
         <p:spPr>
           <a:xfrm>
-            <a:off x="0" y="1619250"/>
+            <a:off x="6300788" y="1619250"/>
             <a:ext cx="5219700" cy="4140200"/>
           </a:xfrm>
         </p:spPr>
@@ -13677,14 +14398,9 @@
           </a:bodyPr>
           <a:lstStyle/>
           <a:p>
-            <a:pPr>
-              <a:lnSpc>
-                <a:spcPct val="100000"/>
-              </a:lnSpc>
-            </a:pPr>
             <a:r>
               <a:rPr lang="de-DE" sz="2400" b="1" dirty="0"/>
-              <a:t>Vorteile</a:t>
+              <a:t>Nachteile</a:t>
             </a:r>
             <a:endParaRPr lang="de-DE" b="1" dirty="0"/>
           </a:p>
@@ -13699,7 +14415,7 @@
             </a:pPr>
             <a:r>
               <a:rPr lang="de-DE" sz="2000" dirty="0"/>
-              <a:t>Integrität der Daten</a:t>
+              <a:t>Netzwerk nötig</a:t>
             </a:r>
           </a:p>
           <a:p>
@@ -13713,7 +14429,7 @@
             </a:pPr>
             <a:r>
               <a:rPr lang="de-DE" sz="2000" dirty="0"/>
-              <a:t>Keine „Vertrauenspartei“ mehr nötig</a:t>
+              <a:t>Weitere Mechanismen nötig zur Verhinderung von gleichzeitigen Zugriffen</a:t>
             </a:r>
           </a:p>
           <a:p>
@@ -13727,7 +14443,14 @@
             </a:pPr>
             <a:r>
               <a:rPr lang="de-DE" sz="2000" dirty="0"/>
-              <a:t>Jeder kann(könnte) alles kontrollieren</a:t>
+              <a:t>Keine Verschlüsselung der Daten</a:t>
+            </a:r>
+            <a:br>
+              <a:rPr lang="de-DE" sz="2000" dirty="0"/>
+            </a:br>
+            <a:r>
+              <a:rPr lang="de-DE" sz="1600" dirty="0"/>
+              <a:t>(Außer die Daten selbst werden verschlüsselt)</a:t>
             </a:r>
           </a:p>
           <a:p>
@@ -13741,128 +14464,7 @@
             </a:pPr>
             <a:r>
               <a:rPr lang="de-DE" sz="2000" dirty="0"/>
-              <a:t>(praktisch) Kein Betrug mehr möglich</a:t>
-            </a:r>
-          </a:p>
-          <a:p>
-            <a:pPr lvl="1">
-              <a:lnSpc>
-                <a:spcPct val="100000"/>
-              </a:lnSpc>
-              <a:spcBef>
-                <a:spcPts val="1200"/>
-              </a:spcBef>
-            </a:pPr>
-            <a:r>
-              <a:rPr lang="de-DE" sz="2000" dirty="0"/>
-              <a:t>Anonymität</a:t>
-            </a:r>
-          </a:p>
-          <a:p>
-            <a:pPr>
-              <a:lnSpc>
-                <a:spcPct val="150000"/>
-              </a:lnSpc>
-            </a:pPr>
-            <a:endParaRPr lang="de-DE" dirty="0"/>
-          </a:p>
-        </p:txBody>
-      </p:sp>
-      <p:sp>
-        <p:nvSpPr>
-          <p:cNvPr id="11" name="Inhaltsplatzhalter 10">
-            <a:extLst>
-              <a:ext uri="{FF2B5EF4-FFF2-40B4-BE49-F238E27FC236}">
-                <a16:creationId xmlns:a16="http://schemas.microsoft.com/office/drawing/2014/main" id="{C05AC46F-9B68-4421-BD98-8E948E2B1BC6}"/>
-              </a:ext>
-            </a:extLst>
-          </p:cNvPr>
-          <p:cNvSpPr>
-            <a:spLocks noGrp="1"/>
-          </p:cNvSpPr>
-          <p:nvPr>
-            <p:ph sz="half" idx="4294967295"/>
-          </p:nvPr>
-        </p:nvSpPr>
-        <p:spPr>
-          <a:xfrm>
-            <a:off x="6300788" y="1619250"/>
-            <a:ext cx="5219700" cy="4140200"/>
-          </a:xfrm>
-        </p:spPr>
-        <p:txBody>
-          <a:bodyPr>
-            <a:normAutofit/>
-          </a:bodyPr>
-          <a:lstStyle/>
-          <a:p>
-            <a:r>
-              <a:rPr lang="de-DE" sz="2400" b="1" dirty="0"/>
-              <a:t>Nachteile</a:t>
-            </a:r>
-            <a:endParaRPr lang="de-DE" b="1" dirty="0"/>
-          </a:p>
-          <a:p>
-            <a:pPr lvl="1">
-              <a:lnSpc>
-                <a:spcPct val="100000"/>
-              </a:lnSpc>
-              <a:spcBef>
-                <a:spcPts val="1200"/>
-              </a:spcBef>
-            </a:pPr>
-            <a:r>
-              <a:rPr lang="de-DE" sz="2000" dirty="0"/>
-              <a:t>Netzwerk nötig</a:t>
-            </a:r>
-          </a:p>
-          <a:p>
-            <a:pPr lvl="1">
-              <a:lnSpc>
-                <a:spcPct val="100000"/>
-              </a:lnSpc>
-              <a:spcBef>
-                <a:spcPts val="1200"/>
-              </a:spcBef>
-            </a:pPr>
-            <a:r>
-              <a:rPr lang="de-DE" sz="2000" dirty="0"/>
-              <a:t>Weitere Mechanismen nötig zur Verhinderung von gleichzeitigen Zugriffen</a:t>
-            </a:r>
-          </a:p>
-          <a:p>
-            <a:pPr lvl="1">
-              <a:lnSpc>
-                <a:spcPct val="100000"/>
-              </a:lnSpc>
-              <a:spcBef>
-                <a:spcPts val="1200"/>
-              </a:spcBef>
-            </a:pPr>
-            <a:r>
-              <a:rPr lang="de-DE" sz="2000" dirty="0"/>
-              <a:t>Keine Verschlüsselung der Daten</a:t>
-            </a:r>
-            <a:br>
-              <a:rPr lang="de-DE" sz="2000" dirty="0"/>
-            </a:br>
-            <a:r>
-              <a:rPr lang="de-DE" sz="1600" dirty="0"/>
-              <a:t>(Außer die Daten selbst werden verschlüsselt)</a:t>
-            </a:r>
-          </a:p>
-          <a:p>
-            <a:pPr lvl="1">
-              <a:lnSpc>
-                <a:spcPct val="100000"/>
-              </a:lnSpc>
-              <a:spcBef>
-                <a:spcPts val="1200"/>
-              </a:spcBef>
-            </a:pPr>
-            <a:r>
-              <a:rPr lang="de-DE" sz="2000" dirty="0"/>
-              <a:t>Kein direkte Authentizität</a:t>
+              <a:t>Keine direkte Authentizität</a:t>
             </a:r>
           </a:p>
           <a:p>
@@ -13967,6 +14569,93 @@
       </p:sp>
       <p:sp>
         <p:nvSpPr>
+          <p:cNvPr id="4" name="Datumsplatzhalter 3">
+            <a:extLst>
+              <a:ext uri="{FF2B5EF4-FFF2-40B4-BE49-F238E27FC236}">
+                <a16:creationId xmlns:a16="http://schemas.microsoft.com/office/drawing/2014/main" id="{E7CB382E-D838-445A-9B76-D4FFF14E4852}"/>
+              </a:ext>
+            </a:extLst>
+          </p:cNvPr>
+          <p:cNvSpPr>
+            <a:spLocks noGrp="1"/>
+          </p:cNvSpPr>
+          <p:nvPr>
+            <p:ph type="dt" sz="half" idx="10"/>
+          </p:nvPr>
+        </p:nvSpPr>
+        <p:spPr/>
+        <p:txBody>
+          <a:bodyPr/>
+          <a:lstStyle/>
+          <a:p>
+            <a:fld id="{5816D8F1-3E92-45E9-82E1-886063832025}" type="datetime1">
+              <a:rPr lang="de-AT" smtClean="0"/>
+              <a:t>16.01.2018</a:t>
+            </a:fld>
+            <a:endParaRPr lang="de-DE"/>
+          </a:p>
+        </p:txBody>
+      </p:sp>
+      <p:sp>
+        <p:nvSpPr>
+          <p:cNvPr id="5" name="Fußzeilenplatzhalter 4">
+            <a:extLst>
+              <a:ext uri="{FF2B5EF4-FFF2-40B4-BE49-F238E27FC236}">
+                <a16:creationId xmlns:a16="http://schemas.microsoft.com/office/drawing/2014/main" id="{A0C5E136-99C4-45C9-B821-874185E3C586}"/>
+              </a:ext>
+            </a:extLst>
+          </p:cNvPr>
+          <p:cNvSpPr>
+            <a:spLocks noGrp="1"/>
+          </p:cNvSpPr>
+          <p:nvPr>
+            <p:ph type="ftr" sz="quarter" idx="11"/>
+          </p:nvPr>
+        </p:nvSpPr>
+        <p:spPr/>
+        <p:txBody>
+          <a:bodyPr/>
+          <a:lstStyle/>
+          <a:p>
+            <a:r>
+              <a:rPr lang="en-US"/>
+              <a:t>FH Wels, AT-Master / INIF, ITS3ILV</a:t>
+            </a:r>
+            <a:endParaRPr lang="de-DE" dirty="0"/>
+          </a:p>
+        </p:txBody>
+      </p:sp>
+      <p:sp>
+        <p:nvSpPr>
+          <p:cNvPr id="6" name="Foliennummernplatzhalter 5">
+            <a:extLst>
+              <a:ext uri="{FF2B5EF4-FFF2-40B4-BE49-F238E27FC236}">
+                <a16:creationId xmlns:a16="http://schemas.microsoft.com/office/drawing/2014/main" id="{FFBDBA6A-3C7C-44C6-A1D8-9CCE46894874}"/>
+              </a:ext>
+            </a:extLst>
+          </p:cNvPr>
+          <p:cNvSpPr>
+            <a:spLocks noGrp="1"/>
+          </p:cNvSpPr>
+          <p:nvPr>
+            <p:ph type="sldNum" sz="quarter" idx="12"/>
+          </p:nvPr>
+        </p:nvSpPr>
+        <p:spPr/>
+        <p:txBody>
+          <a:bodyPr/>
+          <a:lstStyle/>
+          <a:p>
+            <a:fld id="{42430F15-44E3-4E69-A3DD-479649D4CC4A}" type="slidenum">
+              <a:rPr lang="de-DE" smtClean="0"/>
+              <a:t>9</a:t>
+            </a:fld>
+            <a:endParaRPr lang="de-DE"/>
+          </a:p>
+        </p:txBody>
+      </p:sp>
+      <p:sp>
+        <p:nvSpPr>
           <p:cNvPr id="7" name="Textplatzhalter 6">
             <a:extLst>
               <a:ext uri="{FF2B5EF4-FFF2-40B4-BE49-F238E27FC236}">
@@ -13978,7 +14667,7 @@
             <a:spLocks noGrp="1"/>
           </p:cNvSpPr>
           <p:nvPr>
-            <p:ph type="body" idx="1"/>
+            <p:ph type="body" sz="quarter" idx="13"/>
           </p:nvPr>
         </p:nvSpPr>
         <p:spPr/>
@@ -14029,93 +14718,6 @@
           </a:p>
         </p:txBody>
       </p:sp>
-      <p:sp>
-        <p:nvSpPr>
-          <p:cNvPr id="4" name="Datumsplatzhalter 3">
-            <a:extLst>
-              <a:ext uri="{FF2B5EF4-FFF2-40B4-BE49-F238E27FC236}">
-                <a16:creationId xmlns:a16="http://schemas.microsoft.com/office/drawing/2014/main" id="{E7CB382E-D838-445A-9B76-D4FFF14E4852}"/>
-              </a:ext>
-            </a:extLst>
-          </p:cNvPr>
-          <p:cNvSpPr>
-            <a:spLocks noGrp="1"/>
-          </p:cNvSpPr>
-          <p:nvPr>
-            <p:ph type="dt" sz="half" idx="10"/>
-          </p:nvPr>
-        </p:nvSpPr>
-        <p:spPr/>
-        <p:txBody>
-          <a:bodyPr/>
-          <a:lstStyle/>
-          <a:p>
-            <a:fld id="{5816D8F1-3E92-45E9-82E1-886063832025}" type="datetime1">
-              <a:rPr lang="de-AT" smtClean="0"/>
-              <a:t>16.01.2018</a:t>
-            </a:fld>
-            <a:endParaRPr lang="de-DE"/>
-          </a:p>
-        </p:txBody>
-      </p:sp>
-      <p:sp>
-        <p:nvSpPr>
-          <p:cNvPr id="5" name="Fußzeilenplatzhalter 4">
-            <a:extLst>
-              <a:ext uri="{FF2B5EF4-FFF2-40B4-BE49-F238E27FC236}">
-                <a16:creationId xmlns:a16="http://schemas.microsoft.com/office/drawing/2014/main" id="{A0C5E136-99C4-45C9-B821-874185E3C586}"/>
-              </a:ext>
-            </a:extLst>
-          </p:cNvPr>
-          <p:cNvSpPr>
-            <a:spLocks noGrp="1"/>
-          </p:cNvSpPr>
-          <p:nvPr>
-            <p:ph type="ftr" sz="quarter" idx="11"/>
-          </p:nvPr>
-        </p:nvSpPr>
-        <p:spPr/>
-        <p:txBody>
-          <a:bodyPr/>
-          <a:lstStyle/>
-          <a:p>
-            <a:r>
-              <a:rPr lang="en-US"/>
-              <a:t>FH Wels, AT-Master / INIF, ITS3ILV</a:t>
-            </a:r>
-            <a:endParaRPr lang="de-DE" dirty="0"/>
-          </a:p>
-        </p:txBody>
-      </p:sp>
-      <p:sp>
-        <p:nvSpPr>
-          <p:cNvPr id="6" name="Foliennummernplatzhalter 5">
-            <a:extLst>
-              <a:ext uri="{FF2B5EF4-FFF2-40B4-BE49-F238E27FC236}">
-                <a16:creationId xmlns:a16="http://schemas.microsoft.com/office/drawing/2014/main" id="{FFBDBA6A-3C7C-44C6-A1D8-9CCE46894874}"/>
-              </a:ext>
-            </a:extLst>
-          </p:cNvPr>
-          <p:cNvSpPr>
-            <a:spLocks noGrp="1"/>
-          </p:cNvSpPr>
-          <p:nvPr>
-            <p:ph type="sldNum" sz="quarter" idx="12"/>
-          </p:nvPr>
-        </p:nvSpPr>
-        <p:spPr/>
-        <p:txBody>
-          <a:bodyPr/>
-          <a:lstStyle/>
-          <a:p>
-            <a:fld id="{42430F15-44E3-4E69-A3DD-479649D4CC4A}" type="slidenum">
-              <a:rPr lang="de-DE" smtClean="0"/>
-              <a:t>9</a:t>
-            </a:fld>
-            <a:endParaRPr lang="de-DE"/>
-          </a:p>
-        </p:txBody>
-      </p:sp>
       <p:pic>
         <p:nvPicPr>
           <p:cNvPr id="10" name="Inhaltsplatzhalter 9">
@@ -14129,7 +14731,7 @@
             <a:picLocks noGrp="1" noChangeAspect="1"/>
           </p:cNvPicPr>
           <p:nvPr>
-            <p:ph idx="4294967295"/>
+            <p:ph idx="1"/>
           </p:nvPr>
         </p:nvPicPr>
         <p:blipFill>
@@ -14146,8 +14748,8 @@
         </p:blipFill>
         <p:spPr>
           <a:xfrm>
-            <a:off x="0" y="0"/>
-            <a:ext cx="9525000" cy="6480175"/>
+            <a:off x="997350" y="0"/>
+            <a:ext cx="9525300" cy="6480175"/>
           </a:xfrm>
         </p:spPr>
       </p:pic>

--- a/Präsentation/Blockchain – Technologie.pptx
+++ b/Präsentation/Blockchain – Technologie.pptx
@@ -4996,7 +4996,7 @@
             </a:pPr>
             <a:r>
               <a:rPr lang="de-DE" sz="2000" dirty="0"/>
-              <a:t>Nur Internetzugriff notwendig um an sein Guthaben zu kommen (weltweit)</a:t>
+              <a:t>Nur Internetzugriff notwendig (weltweit)</a:t>
             </a:r>
           </a:p>
           <a:p>
@@ -5024,7 +5024,7 @@
             </a:pPr>
             <a:r>
               <a:rPr lang="de-DE" sz="2000" dirty="0"/>
-              <a:t>Keine zusätzlichen Kosten (Kontoführung)</a:t>
+              <a:t>Schnell</a:t>
             </a:r>
           </a:p>
           <a:p>
@@ -5038,23 +5038,7 @@
             </a:pPr>
             <a:r>
               <a:rPr lang="de-DE" sz="2000" dirty="0"/>
-              <a:t>Kein „Single Point </a:t>
-            </a:r>
-            <a:r>
-              <a:rPr lang="de-DE" sz="2000" dirty="0" err="1"/>
-              <a:t>of</a:t>
-            </a:r>
-            <a:r>
-              <a:rPr lang="de-DE" sz="2000" dirty="0"/>
-              <a:t> </a:t>
-            </a:r>
-            <a:r>
-              <a:rPr lang="de-DE" sz="2000" dirty="0" err="1"/>
-              <a:t>Failure</a:t>
-            </a:r>
-            <a:r>
-              <a:rPr lang="de-DE" sz="2000" dirty="0"/>
-              <a:t>“</a:t>
+              <a:t>Keine zusätzlichen Kosten (Kontoführung)</a:t>
             </a:r>
           </a:p>
           <a:p>
@@ -5068,44 +5052,24 @@
             </a:pPr>
             <a:r>
               <a:rPr lang="de-DE" sz="2000" dirty="0"/>
-              <a:t>Anonymität</a:t>
-            </a:r>
-          </a:p>
-        </p:txBody>
-      </p:sp>
-      <p:sp>
-        <p:nvSpPr>
-          <p:cNvPr id="11" name="Inhaltsplatzhalter 10">
-            <a:extLst>
-              <a:ext uri="{FF2B5EF4-FFF2-40B4-BE49-F238E27FC236}">
-                <a16:creationId xmlns:a16="http://schemas.microsoft.com/office/drawing/2014/main" id="{C05AC46F-9B68-4421-BD98-8E948E2B1BC6}"/>
-              </a:ext>
-            </a:extLst>
-          </p:cNvPr>
-          <p:cNvSpPr>
-            <a:spLocks noGrp="1"/>
-          </p:cNvSpPr>
-          <p:nvPr>
-            <p:ph sz="half" idx="2"/>
-          </p:nvPr>
-        </p:nvSpPr>
-        <p:spPr>
-          <a:xfrm>
-            <a:off x="5760244" y="1620000"/>
-            <a:ext cx="5399756" cy="4140000"/>
-          </a:xfrm>
-        </p:spPr>
-        <p:txBody>
-          <a:bodyPr>
-            <a:normAutofit/>
-          </a:bodyPr>
-          <a:lstStyle/>
-          <a:p>
-            <a:r>
-              <a:rPr lang="de-DE" sz="2400" b="1" dirty="0"/>
-              <a:t>Nachteile</a:t>
-            </a:r>
-            <a:endParaRPr lang="de-DE" b="1" dirty="0"/>
+              <a:t>Kein „Single Point </a:t>
+            </a:r>
+            <a:r>
+              <a:rPr lang="de-DE" sz="2000" dirty="0" err="1"/>
+              <a:t>of</a:t>
+            </a:r>
+            <a:r>
+              <a:rPr lang="de-DE" sz="2000" dirty="0"/>
+              <a:t> </a:t>
+            </a:r>
+            <a:r>
+              <a:rPr lang="de-DE" sz="2000" dirty="0" err="1"/>
+              <a:t>Failure</a:t>
+            </a:r>
+            <a:r>
+              <a:rPr lang="de-DE" sz="2000" dirty="0"/>
+              <a:t>“</a:t>
+            </a:r>
           </a:p>
           <a:p>
             <a:pPr lvl="1">
@@ -5118,8 +5082,44 @@
             </a:pPr>
             <a:r>
               <a:rPr lang="de-DE" sz="2000" dirty="0"/>
-              <a:t>Teilweise sehr hohe Gebühren/Wartezeiten für Transaktionen</a:t>
-            </a:r>
+              <a:t>(Pseudo-)Anonymität</a:t>
+            </a:r>
+          </a:p>
+        </p:txBody>
+      </p:sp>
+      <p:sp>
+        <p:nvSpPr>
+          <p:cNvPr id="11" name="Inhaltsplatzhalter 10">
+            <a:extLst>
+              <a:ext uri="{FF2B5EF4-FFF2-40B4-BE49-F238E27FC236}">
+                <a16:creationId xmlns:a16="http://schemas.microsoft.com/office/drawing/2014/main" id="{C05AC46F-9B68-4421-BD98-8E948E2B1BC6}"/>
+              </a:ext>
+            </a:extLst>
+          </p:cNvPr>
+          <p:cNvSpPr>
+            <a:spLocks noGrp="1"/>
+          </p:cNvSpPr>
+          <p:nvPr>
+            <p:ph sz="half" idx="2"/>
+          </p:nvPr>
+        </p:nvSpPr>
+        <p:spPr>
+          <a:xfrm>
+            <a:off x="5760244" y="1620000"/>
+            <a:ext cx="5399756" cy="4140000"/>
+          </a:xfrm>
+        </p:spPr>
+        <p:txBody>
+          <a:bodyPr>
+            <a:normAutofit/>
+          </a:bodyPr>
+          <a:lstStyle/>
+          <a:p>
+            <a:r>
+              <a:rPr lang="de-DE" sz="2400" b="1" dirty="0"/>
+              <a:t>Nachteile</a:t>
+            </a:r>
+            <a:endParaRPr lang="de-DE" b="1" dirty="0"/>
           </a:p>
           <a:p>
             <a:pPr lvl="1">
@@ -5132,7 +5132,7 @@
             </a:pPr>
             <a:r>
               <a:rPr lang="de-DE" sz="2000" dirty="0"/>
-              <a:t>„Eine Währung ist nur eine Währung, wenn sie währt“ (Handelsware, Tulpenzwiebel)</a:t>
+              <a:t>Teilweise sehr hohe Gebühren/Wartezeiten für Transaktionen</a:t>
             </a:r>
           </a:p>
           <a:p>
@@ -5147,6 +5147,20 @@
             <a:r>
               <a:rPr lang="de-DE" sz="2000" dirty="0"/>
               <a:t>Stark schwankender Wechselkurs</a:t>
+            </a:r>
+          </a:p>
+          <a:p>
+            <a:pPr lvl="1">
+              <a:lnSpc>
+                <a:spcPct val="100000"/>
+              </a:lnSpc>
+              <a:spcBef>
+                <a:spcPts val="1200"/>
+              </a:spcBef>
+            </a:pPr>
+            <a:r>
+              <a:rPr lang="de-DE" sz="2000" dirty="0"/>
+              <a:t>„Eine Währung ist nur eine Währung, wenn sie währt“ (Tulpenzwiebel)</a:t>
             </a:r>
           </a:p>
           <a:p>
@@ -5330,6 +5344,448 @@
   <p:clrMapOvr>
     <a:masterClrMapping/>
   </p:clrMapOvr>
+  <p:timing>
+    <p:tnLst>
+      <p:par>
+        <p:cTn id="1" dur="indefinite" restart="never" nodeType="tmRoot">
+          <p:childTnLst>
+            <p:seq concurrent="1" nextAc="seek">
+              <p:cTn id="2" dur="indefinite" nodeType="mainSeq">
+                <p:childTnLst>
+                  <p:par>
+                    <p:cTn id="3" fill="hold">
+                      <p:stCondLst>
+                        <p:cond delay="indefinite"/>
+                      </p:stCondLst>
+                      <p:childTnLst>
+                        <p:par>
+                          <p:cTn id="4" fill="hold">
+                            <p:stCondLst>
+                              <p:cond delay="0"/>
+                            </p:stCondLst>
+                            <p:childTnLst>
+                              <p:par>
+                                <p:cTn id="5" presetID="1" presetClass="entr" presetSubtype="0" fill="hold" grpId="0" nodeType="clickEffect">
+                                  <p:stCondLst>
+                                    <p:cond delay="0"/>
+                                  </p:stCondLst>
+                                  <p:childTnLst>
+                                    <p:set>
+                                      <p:cBhvr>
+                                        <p:cTn id="6" dur="1" fill="hold">
+                                          <p:stCondLst>
+                                            <p:cond delay="0"/>
+                                          </p:stCondLst>
+                                        </p:cTn>
+                                        <p:tgtEl>
+                                          <p:spTgt spid="3">
+                                            <p:txEl>
+                                              <p:pRg st="0" end="0"/>
+                                            </p:txEl>
+                                          </p:spTgt>
+                                        </p:tgtEl>
+                                        <p:attrNameLst>
+                                          <p:attrName>style.visibility</p:attrName>
+                                        </p:attrNameLst>
+                                      </p:cBhvr>
+                                      <p:to>
+                                        <p:strVal val="visible"/>
+                                      </p:to>
+                                    </p:set>
+                                  </p:childTnLst>
+                                </p:cTn>
+                              </p:par>
+                              <p:par>
+                                <p:cTn id="7" presetID="1" presetClass="entr" presetSubtype="0" fill="hold" grpId="0" nodeType="withEffect">
+                                  <p:stCondLst>
+                                    <p:cond delay="0"/>
+                                  </p:stCondLst>
+                                  <p:childTnLst>
+                                    <p:set>
+                                      <p:cBhvr>
+                                        <p:cTn id="8" dur="1" fill="hold">
+                                          <p:stCondLst>
+                                            <p:cond delay="0"/>
+                                          </p:stCondLst>
+                                        </p:cTn>
+                                        <p:tgtEl>
+                                          <p:spTgt spid="3">
+                                            <p:txEl>
+                                              <p:pRg st="1" end="1"/>
+                                            </p:txEl>
+                                          </p:spTgt>
+                                        </p:tgtEl>
+                                        <p:attrNameLst>
+                                          <p:attrName>style.visibility</p:attrName>
+                                        </p:attrNameLst>
+                                      </p:cBhvr>
+                                      <p:to>
+                                        <p:strVal val="visible"/>
+                                      </p:to>
+                                    </p:set>
+                                  </p:childTnLst>
+                                </p:cTn>
+                              </p:par>
+                              <p:par>
+                                <p:cTn id="9" presetID="1" presetClass="entr" presetSubtype="0" fill="hold" grpId="0" nodeType="withEffect">
+                                  <p:stCondLst>
+                                    <p:cond delay="0"/>
+                                  </p:stCondLst>
+                                  <p:childTnLst>
+                                    <p:set>
+                                      <p:cBhvr>
+                                        <p:cTn id="10" dur="1" fill="hold">
+                                          <p:stCondLst>
+                                            <p:cond delay="0"/>
+                                          </p:stCondLst>
+                                        </p:cTn>
+                                        <p:tgtEl>
+                                          <p:spTgt spid="3">
+                                            <p:txEl>
+                                              <p:pRg st="2" end="2"/>
+                                            </p:txEl>
+                                          </p:spTgt>
+                                        </p:tgtEl>
+                                        <p:attrNameLst>
+                                          <p:attrName>style.visibility</p:attrName>
+                                        </p:attrNameLst>
+                                      </p:cBhvr>
+                                      <p:to>
+                                        <p:strVal val="visible"/>
+                                      </p:to>
+                                    </p:set>
+                                  </p:childTnLst>
+                                </p:cTn>
+                              </p:par>
+                              <p:par>
+                                <p:cTn id="11" presetID="1" presetClass="entr" presetSubtype="0" fill="hold" grpId="0" nodeType="withEffect">
+                                  <p:stCondLst>
+                                    <p:cond delay="0"/>
+                                  </p:stCondLst>
+                                  <p:childTnLst>
+                                    <p:set>
+                                      <p:cBhvr>
+                                        <p:cTn id="12" dur="1" fill="hold">
+                                          <p:stCondLst>
+                                            <p:cond delay="0"/>
+                                          </p:stCondLst>
+                                        </p:cTn>
+                                        <p:tgtEl>
+                                          <p:spTgt spid="3">
+                                            <p:txEl>
+                                              <p:pRg st="3" end="3"/>
+                                            </p:txEl>
+                                          </p:spTgt>
+                                        </p:tgtEl>
+                                        <p:attrNameLst>
+                                          <p:attrName>style.visibility</p:attrName>
+                                        </p:attrNameLst>
+                                      </p:cBhvr>
+                                      <p:to>
+                                        <p:strVal val="visible"/>
+                                      </p:to>
+                                    </p:set>
+                                  </p:childTnLst>
+                                </p:cTn>
+                              </p:par>
+                              <p:par>
+                                <p:cTn id="13" presetID="1" presetClass="entr" presetSubtype="0" fill="hold" grpId="0" nodeType="withEffect">
+                                  <p:stCondLst>
+                                    <p:cond delay="0"/>
+                                  </p:stCondLst>
+                                  <p:childTnLst>
+                                    <p:set>
+                                      <p:cBhvr>
+                                        <p:cTn id="14" dur="1" fill="hold">
+                                          <p:stCondLst>
+                                            <p:cond delay="0"/>
+                                          </p:stCondLst>
+                                        </p:cTn>
+                                        <p:tgtEl>
+                                          <p:spTgt spid="3">
+                                            <p:txEl>
+                                              <p:pRg st="4" end="4"/>
+                                            </p:txEl>
+                                          </p:spTgt>
+                                        </p:tgtEl>
+                                        <p:attrNameLst>
+                                          <p:attrName>style.visibility</p:attrName>
+                                        </p:attrNameLst>
+                                      </p:cBhvr>
+                                      <p:to>
+                                        <p:strVal val="visible"/>
+                                      </p:to>
+                                    </p:set>
+                                  </p:childTnLst>
+                                </p:cTn>
+                              </p:par>
+                              <p:par>
+                                <p:cTn id="15" presetID="1" presetClass="entr" presetSubtype="0" fill="hold" grpId="0" nodeType="withEffect">
+                                  <p:stCondLst>
+                                    <p:cond delay="0"/>
+                                  </p:stCondLst>
+                                  <p:childTnLst>
+                                    <p:set>
+                                      <p:cBhvr>
+                                        <p:cTn id="16" dur="1" fill="hold">
+                                          <p:stCondLst>
+                                            <p:cond delay="0"/>
+                                          </p:stCondLst>
+                                        </p:cTn>
+                                        <p:tgtEl>
+                                          <p:spTgt spid="3">
+                                            <p:txEl>
+                                              <p:pRg st="5" end="5"/>
+                                            </p:txEl>
+                                          </p:spTgt>
+                                        </p:tgtEl>
+                                        <p:attrNameLst>
+                                          <p:attrName>style.visibility</p:attrName>
+                                        </p:attrNameLst>
+                                      </p:cBhvr>
+                                      <p:to>
+                                        <p:strVal val="visible"/>
+                                      </p:to>
+                                    </p:set>
+                                  </p:childTnLst>
+                                </p:cTn>
+                              </p:par>
+                              <p:par>
+                                <p:cTn id="17" presetID="1" presetClass="entr" presetSubtype="0" fill="hold" grpId="0" nodeType="withEffect">
+                                  <p:stCondLst>
+                                    <p:cond delay="0"/>
+                                  </p:stCondLst>
+                                  <p:childTnLst>
+                                    <p:set>
+                                      <p:cBhvr>
+                                        <p:cTn id="18" dur="1" fill="hold">
+                                          <p:stCondLst>
+                                            <p:cond delay="0"/>
+                                          </p:stCondLst>
+                                        </p:cTn>
+                                        <p:tgtEl>
+                                          <p:spTgt spid="3">
+                                            <p:txEl>
+                                              <p:pRg st="6" end="6"/>
+                                            </p:txEl>
+                                          </p:spTgt>
+                                        </p:tgtEl>
+                                        <p:attrNameLst>
+                                          <p:attrName>style.visibility</p:attrName>
+                                        </p:attrNameLst>
+                                      </p:cBhvr>
+                                      <p:to>
+                                        <p:strVal val="visible"/>
+                                      </p:to>
+                                    </p:set>
+                                  </p:childTnLst>
+                                </p:cTn>
+                              </p:par>
+                            </p:childTnLst>
+                          </p:cTn>
+                        </p:par>
+                      </p:childTnLst>
+                    </p:cTn>
+                  </p:par>
+                  <p:par>
+                    <p:cTn id="19" fill="hold">
+                      <p:stCondLst>
+                        <p:cond delay="indefinite"/>
+                      </p:stCondLst>
+                      <p:childTnLst>
+                        <p:par>
+                          <p:cTn id="20" fill="hold">
+                            <p:stCondLst>
+                              <p:cond delay="0"/>
+                            </p:stCondLst>
+                            <p:childTnLst>
+                              <p:par>
+                                <p:cTn id="21" presetID="1" presetClass="entr" presetSubtype="0" fill="hold" grpId="0" nodeType="clickEffect">
+                                  <p:stCondLst>
+                                    <p:cond delay="0"/>
+                                  </p:stCondLst>
+                                  <p:childTnLst>
+                                    <p:set>
+                                      <p:cBhvr>
+                                        <p:cTn id="22" dur="1" fill="hold">
+                                          <p:stCondLst>
+                                            <p:cond delay="0"/>
+                                          </p:stCondLst>
+                                        </p:cTn>
+                                        <p:tgtEl>
+                                          <p:spTgt spid="11">
+                                            <p:txEl>
+                                              <p:pRg st="0" end="0"/>
+                                            </p:txEl>
+                                          </p:spTgt>
+                                        </p:tgtEl>
+                                        <p:attrNameLst>
+                                          <p:attrName>style.visibility</p:attrName>
+                                        </p:attrNameLst>
+                                      </p:cBhvr>
+                                      <p:to>
+                                        <p:strVal val="visible"/>
+                                      </p:to>
+                                    </p:set>
+                                  </p:childTnLst>
+                                </p:cTn>
+                              </p:par>
+                              <p:par>
+                                <p:cTn id="23" presetID="1" presetClass="entr" presetSubtype="0" fill="hold" grpId="0" nodeType="withEffect">
+                                  <p:stCondLst>
+                                    <p:cond delay="0"/>
+                                  </p:stCondLst>
+                                  <p:childTnLst>
+                                    <p:set>
+                                      <p:cBhvr>
+                                        <p:cTn id="24" dur="1" fill="hold">
+                                          <p:stCondLst>
+                                            <p:cond delay="0"/>
+                                          </p:stCondLst>
+                                        </p:cTn>
+                                        <p:tgtEl>
+                                          <p:spTgt spid="11">
+                                            <p:txEl>
+                                              <p:pRg st="1" end="1"/>
+                                            </p:txEl>
+                                          </p:spTgt>
+                                        </p:tgtEl>
+                                        <p:attrNameLst>
+                                          <p:attrName>style.visibility</p:attrName>
+                                        </p:attrNameLst>
+                                      </p:cBhvr>
+                                      <p:to>
+                                        <p:strVal val="visible"/>
+                                      </p:to>
+                                    </p:set>
+                                  </p:childTnLst>
+                                </p:cTn>
+                              </p:par>
+                              <p:par>
+                                <p:cTn id="25" presetID="1" presetClass="entr" presetSubtype="0" fill="hold" grpId="0" nodeType="withEffect">
+                                  <p:stCondLst>
+                                    <p:cond delay="0"/>
+                                  </p:stCondLst>
+                                  <p:childTnLst>
+                                    <p:set>
+                                      <p:cBhvr>
+                                        <p:cTn id="26" dur="1" fill="hold">
+                                          <p:stCondLst>
+                                            <p:cond delay="0"/>
+                                          </p:stCondLst>
+                                        </p:cTn>
+                                        <p:tgtEl>
+                                          <p:spTgt spid="11">
+                                            <p:txEl>
+                                              <p:pRg st="2" end="2"/>
+                                            </p:txEl>
+                                          </p:spTgt>
+                                        </p:tgtEl>
+                                        <p:attrNameLst>
+                                          <p:attrName>style.visibility</p:attrName>
+                                        </p:attrNameLst>
+                                      </p:cBhvr>
+                                      <p:to>
+                                        <p:strVal val="visible"/>
+                                      </p:to>
+                                    </p:set>
+                                  </p:childTnLst>
+                                </p:cTn>
+                              </p:par>
+                              <p:par>
+                                <p:cTn id="27" presetID="1" presetClass="entr" presetSubtype="0" fill="hold" grpId="0" nodeType="withEffect">
+                                  <p:stCondLst>
+                                    <p:cond delay="0"/>
+                                  </p:stCondLst>
+                                  <p:childTnLst>
+                                    <p:set>
+                                      <p:cBhvr>
+                                        <p:cTn id="28" dur="1" fill="hold">
+                                          <p:stCondLst>
+                                            <p:cond delay="0"/>
+                                          </p:stCondLst>
+                                        </p:cTn>
+                                        <p:tgtEl>
+                                          <p:spTgt spid="11">
+                                            <p:txEl>
+                                              <p:pRg st="3" end="3"/>
+                                            </p:txEl>
+                                          </p:spTgt>
+                                        </p:tgtEl>
+                                        <p:attrNameLst>
+                                          <p:attrName>style.visibility</p:attrName>
+                                        </p:attrNameLst>
+                                      </p:cBhvr>
+                                      <p:to>
+                                        <p:strVal val="visible"/>
+                                      </p:to>
+                                    </p:set>
+                                  </p:childTnLst>
+                                </p:cTn>
+                              </p:par>
+                              <p:par>
+                                <p:cTn id="29" presetID="1" presetClass="entr" presetSubtype="0" fill="hold" grpId="0" nodeType="withEffect">
+                                  <p:stCondLst>
+                                    <p:cond delay="0"/>
+                                  </p:stCondLst>
+                                  <p:childTnLst>
+                                    <p:set>
+                                      <p:cBhvr>
+                                        <p:cTn id="30" dur="1" fill="hold">
+                                          <p:stCondLst>
+                                            <p:cond delay="0"/>
+                                          </p:stCondLst>
+                                        </p:cTn>
+                                        <p:tgtEl>
+                                          <p:spTgt spid="11">
+                                            <p:txEl>
+                                              <p:pRg st="4" end="4"/>
+                                            </p:txEl>
+                                          </p:spTgt>
+                                        </p:tgtEl>
+                                        <p:attrNameLst>
+                                          <p:attrName>style.visibility</p:attrName>
+                                        </p:attrNameLst>
+                                      </p:cBhvr>
+                                      <p:to>
+                                        <p:strVal val="visible"/>
+                                      </p:to>
+                                    </p:set>
+                                  </p:childTnLst>
+                                </p:cTn>
+                              </p:par>
+                            </p:childTnLst>
+                          </p:cTn>
+                        </p:par>
+                      </p:childTnLst>
+                    </p:cTn>
+                  </p:par>
+                </p:childTnLst>
+              </p:cTn>
+              <p:prevCondLst>
+                <p:cond evt="onPrev" delay="0">
+                  <p:tgtEl>
+                    <p:sldTgt/>
+                  </p:tgtEl>
+                </p:cond>
+              </p:prevCondLst>
+              <p:nextCondLst>
+                <p:cond evt="onNext" delay="0">
+                  <p:tgtEl>
+                    <p:sldTgt/>
+                  </p:tgtEl>
+                </p:cond>
+              </p:nextCondLst>
+            </p:seq>
+          </p:childTnLst>
+        </p:cTn>
+      </p:par>
+    </p:tnLst>
+    <p:bldLst>
+      <p:bldP spid="3" grpId="0" build="p"/>
+      <p:bldP spid="11" grpId="0" build="p"/>
+    </p:bldLst>
+  </p:timing>
 </p:sld>
 </file>
 
@@ -7530,6 +7986,36 @@
           </a:prstGeom>
         </p:spPr>
       </p:pic>
+      <p:pic>
+        <p:nvPicPr>
+          <p:cNvPr id="9" name="Grafik 8">
+            <a:extLst>
+              <a:ext uri="{FF2B5EF4-FFF2-40B4-BE49-F238E27FC236}">
+                <a16:creationId xmlns:a16="http://schemas.microsoft.com/office/drawing/2014/main" id="{2F74FA4A-0BB2-458B-9BB3-30B8DEC1A72F}"/>
+              </a:ext>
+            </a:extLst>
+          </p:cNvPr>
+          <p:cNvPicPr>
+            <a:picLocks noChangeAspect="1"/>
+          </p:cNvPicPr>
+          <p:nvPr/>
+        </p:nvPicPr>
+        <p:blipFill>
+          <a:blip r:embed="rId4"/>
+          <a:stretch>
+            <a:fillRect/>
+          </a:stretch>
+        </p:blipFill>
+        <p:spPr>
+          <a:xfrm>
+            <a:off x="2658466" y="701699"/>
+            <a:ext cx="8463185" cy="5256000"/>
+          </a:xfrm>
+          <a:prstGeom prst="rect">
+            <a:avLst/>
+          </a:prstGeom>
+        </p:spPr>
+      </p:pic>
     </p:spTree>
     <p:extLst>
       <p:ext uri="{BB962C8B-B14F-4D97-AF65-F5344CB8AC3E}">
@@ -7540,6 +8026,81 @@
   <p:clrMapOvr>
     <a:masterClrMapping/>
   </p:clrMapOvr>
+  <p:timing>
+    <p:tnLst>
+      <p:par>
+        <p:cTn id="1" dur="indefinite" restart="never" nodeType="tmRoot">
+          <p:childTnLst>
+            <p:seq concurrent="1" nextAc="seek">
+              <p:cTn id="2" dur="indefinite" nodeType="mainSeq">
+                <p:childTnLst>
+                  <p:par>
+                    <p:cTn id="3" fill="hold">
+                      <p:stCondLst>
+                        <p:cond delay="indefinite"/>
+                      </p:stCondLst>
+                      <p:childTnLst>
+                        <p:par>
+                          <p:cTn id="4" fill="hold">
+                            <p:stCondLst>
+                              <p:cond delay="0"/>
+                            </p:stCondLst>
+                            <p:childTnLst>
+                              <p:par>
+                                <p:cTn id="5" presetID="1" presetClass="entr" presetSubtype="0" fill="hold" nodeType="clickEffect">
+                                  <p:stCondLst>
+                                    <p:cond delay="0"/>
+                                  </p:stCondLst>
+                                  <p:childTnLst>
+                                    <p:set>
+                                      <p:cBhvr>
+                                        <p:cTn id="6" dur="1" fill="hold">
+                                          <p:stCondLst>
+                                            <p:cond delay="0"/>
+                                          </p:stCondLst>
+                                        </p:cTn>
+                                        <p:tgtEl>
+                                          <p:spTgt spid="9"/>
+                                        </p:tgtEl>
+                                        <p:attrNameLst>
+                                          <p:attrName>style.visibility</p:attrName>
+                                        </p:attrNameLst>
+                                      </p:cBhvr>
+                                      <p:to>
+                                        <p:strVal val="visible"/>
+                                      </p:to>
+                                    </p:set>
+                                  </p:childTnLst>
+                                </p:cTn>
+                              </p:par>
+                            </p:childTnLst>
+                          </p:cTn>
+                        </p:par>
+                      </p:childTnLst>
+                    </p:cTn>
+                  </p:par>
+                </p:childTnLst>
+              </p:cTn>
+              <p:prevCondLst>
+                <p:cond evt="onPrev" delay="0">
+                  <p:tgtEl>
+                    <p:sldTgt/>
+                  </p:tgtEl>
+                </p:cond>
+              </p:prevCondLst>
+              <p:nextCondLst>
+                <p:cond evt="onNext" delay="0">
+                  <p:tgtEl>
+                    <p:sldTgt/>
+                  </p:tgtEl>
+                </p:cond>
+              </p:nextCondLst>
+            </p:seq>
+          </p:childTnLst>
+        </p:cTn>
+      </p:par>
+    </p:tnLst>
+  </p:timing>
 </p:sld>
 </file>
 

--- a/Präsentation/Blockchain – Technologie.pptx
+++ b/Präsentation/Blockchain – Technologie.pptx
@@ -7,6 +7,9 @@
   <p:notesMasterIdLst>
     <p:notesMasterId r:id="rId23"/>
   </p:notesMasterIdLst>
+  <p:handoutMasterIdLst>
+    <p:handoutMasterId r:id="rId24"/>
+  </p:handoutMasterIdLst>
   <p:sldIdLst>
     <p:sldId id="264" r:id="rId2"/>
     <p:sldId id="265" r:id="rId3"/>
@@ -31,7 +34,7 @@
     <p:sldId id="261" r:id="rId22"/>
   </p:sldIdLst>
   <p:sldSz cx="11520488" cy="6480175"/>
-  <p:notesSz cx="6858000" cy="9144000"/>
+  <p:notesSz cx="7102475" cy="10234613"/>
   <p:defaultTextStyle>
     <a:defPPr>
       <a:defRPr lang="en-US"/>
@@ -191,6 +194,195 @@
 <p1510:revInfo xmlns:a="http://schemas.openxmlformats.org/drawingml/2006/main" xmlns:r="http://schemas.openxmlformats.org/officeDocument/2006/relationships" xmlns:p1510="http://schemas.microsoft.com/office/powerpoint/2015/10/main"/>
 </file>
 
+<file path=ppt/handoutMasters/handoutMaster1.xml><?xml version="1.0" encoding="utf-8"?>
+<p:handoutMaster xmlns:a="http://schemas.openxmlformats.org/drawingml/2006/main" xmlns:r="http://schemas.openxmlformats.org/officeDocument/2006/relationships" xmlns:p="http://schemas.openxmlformats.org/presentationml/2006/main">
+  <p:cSld>
+    <p:bg>
+      <p:bgRef idx="1001">
+        <a:schemeClr val="bg1"/>
+      </p:bgRef>
+    </p:bg>
+    <p:spTree>
+      <p:nvGrpSpPr>
+        <p:cNvPr id="1" name=""/>
+        <p:cNvGrpSpPr/>
+        <p:nvPr/>
+      </p:nvGrpSpPr>
+      <p:grpSpPr>
+        <a:xfrm>
+          <a:off x="0" y="0"/>
+          <a:ext cx="0" cy="0"/>
+          <a:chOff x="0" y="0"/>
+          <a:chExt cx="0" cy="0"/>
+        </a:xfrm>
+      </p:grpSpPr>
+      <p:sp>
+        <p:nvSpPr>
+          <p:cNvPr id="2" name="Kopfzeilenplatzhalter 1">
+            <a:extLst>
+              <a:ext uri="{FF2B5EF4-FFF2-40B4-BE49-F238E27FC236}">
+                <a16:creationId xmlns:a16="http://schemas.microsoft.com/office/drawing/2014/main" id="{6D250F8E-713A-49D3-8F13-74F56E9DBACE}"/>
+              </a:ext>
+            </a:extLst>
+          </p:cNvPr>
+          <p:cNvSpPr>
+            <a:spLocks noGrp="1"/>
+          </p:cNvSpPr>
+          <p:nvPr>
+            <p:ph type="hdr" sz="quarter"/>
+          </p:nvPr>
+        </p:nvSpPr>
+        <p:spPr>
+          <a:xfrm>
+            <a:off x="0" y="0"/>
+            <a:ext cx="3078163" cy="512763"/>
+          </a:xfrm>
+          <a:prstGeom prst="rect">
+            <a:avLst/>
+          </a:prstGeom>
+        </p:spPr>
+        <p:txBody>
+          <a:bodyPr vert="horz" lIns="91440" tIns="45720" rIns="91440" bIns="45720" rtlCol="0"/>
+          <a:lstStyle>
+            <a:lvl1pPr algn="l">
+              <a:defRPr sz="1200"/>
+            </a:lvl1pPr>
+          </a:lstStyle>
+          <a:p>
+            <a:endParaRPr lang="de-DE"/>
+          </a:p>
+        </p:txBody>
+      </p:sp>
+      <p:sp>
+        <p:nvSpPr>
+          <p:cNvPr id="3" name="Datumsplatzhalter 2">
+            <a:extLst>
+              <a:ext uri="{FF2B5EF4-FFF2-40B4-BE49-F238E27FC236}">
+                <a16:creationId xmlns:a16="http://schemas.microsoft.com/office/drawing/2014/main" id="{2DF87DD0-0239-4473-A29E-E02D13B8EC60}"/>
+              </a:ext>
+            </a:extLst>
+          </p:cNvPr>
+          <p:cNvSpPr>
+            <a:spLocks noGrp="1"/>
+          </p:cNvSpPr>
+          <p:nvPr>
+            <p:ph type="dt" sz="quarter" idx="1"/>
+          </p:nvPr>
+        </p:nvSpPr>
+        <p:spPr>
+          <a:xfrm>
+            <a:off x="4022725" y="0"/>
+            <a:ext cx="3078163" cy="512763"/>
+          </a:xfrm>
+          <a:prstGeom prst="rect">
+            <a:avLst/>
+          </a:prstGeom>
+        </p:spPr>
+        <p:txBody>
+          <a:bodyPr vert="horz" lIns="91440" tIns="45720" rIns="91440" bIns="45720" rtlCol="0"/>
+          <a:lstStyle>
+            <a:lvl1pPr algn="r">
+              <a:defRPr sz="1200"/>
+            </a:lvl1pPr>
+          </a:lstStyle>
+          <a:p>
+            <a:fld id="{68A7C8CD-F5B5-42C0-804F-518A27F81B00}" type="datetimeFigureOut">
+              <a:rPr lang="de-DE" smtClean="0"/>
+              <a:t>17.01.2018</a:t>
+            </a:fld>
+            <a:endParaRPr lang="de-DE"/>
+          </a:p>
+        </p:txBody>
+      </p:sp>
+      <p:sp>
+        <p:nvSpPr>
+          <p:cNvPr id="4" name="Fußzeilenplatzhalter 3">
+            <a:extLst>
+              <a:ext uri="{FF2B5EF4-FFF2-40B4-BE49-F238E27FC236}">
+                <a16:creationId xmlns:a16="http://schemas.microsoft.com/office/drawing/2014/main" id="{41314AF1-0B46-4E08-9DF7-B993EB1B6FF6}"/>
+              </a:ext>
+            </a:extLst>
+          </p:cNvPr>
+          <p:cNvSpPr>
+            <a:spLocks noGrp="1"/>
+          </p:cNvSpPr>
+          <p:nvPr>
+            <p:ph type="ftr" sz="quarter" idx="2"/>
+          </p:nvPr>
+        </p:nvSpPr>
+        <p:spPr>
+          <a:xfrm>
+            <a:off x="0" y="9721850"/>
+            <a:ext cx="3078163" cy="512763"/>
+          </a:xfrm>
+          <a:prstGeom prst="rect">
+            <a:avLst/>
+          </a:prstGeom>
+        </p:spPr>
+        <p:txBody>
+          <a:bodyPr vert="horz" lIns="91440" tIns="45720" rIns="91440" bIns="45720" rtlCol="0" anchor="b"/>
+          <a:lstStyle>
+            <a:lvl1pPr algn="l">
+              <a:defRPr sz="1200"/>
+            </a:lvl1pPr>
+          </a:lstStyle>
+          <a:p>
+            <a:endParaRPr lang="de-DE"/>
+          </a:p>
+        </p:txBody>
+      </p:sp>
+      <p:sp>
+        <p:nvSpPr>
+          <p:cNvPr id="5" name="Foliennummernplatzhalter 4">
+            <a:extLst>
+              <a:ext uri="{FF2B5EF4-FFF2-40B4-BE49-F238E27FC236}">
+                <a16:creationId xmlns:a16="http://schemas.microsoft.com/office/drawing/2014/main" id="{237677CF-3EF7-4A5D-A3CD-248ADBB2C4AD}"/>
+              </a:ext>
+            </a:extLst>
+          </p:cNvPr>
+          <p:cNvSpPr>
+            <a:spLocks noGrp="1"/>
+          </p:cNvSpPr>
+          <p:nvPr>
+            <p:ph type="sldNum" sz="quarter" idx="3"/>
+          </p:nvPr>
+        </p:nvSpPr>
+        <p:spPr>
+          <a:xfrm>
+            <a:off x="4022725" y="9721850"/>
+            <a:ext cx="3078163" cy="512763"/>
+          </a:xfrm>
+          <a:prstGeom prst="rect">
+            <a:avLst/>
+          </a:prstGeom>
+        </p:spPr>
+        <p:txBody>
+          <a:bodyPr vert="horz" lIns="91440" tIns="45720" rIns="91440" bIns="45720" rtlCol="0" anchor="b"/>
+          <a:lstStyle>
+            <a:lvl1pPr algn="r">
+              <a:defRPr sz="1200"/>
+            </a:lvl1pPr>
+          </a:lstStyle>
+          <a:p>
+            <a:fld id="{79F4419A-5122-49EF-AA1C-95653A7955BA}" type="slidenum">
+              <a:rPr lang="de-DE" smtClean="0"/>
+              <a:t>‹Nr.›</a:t>
+            </a:fld>
+            <a:endParaRPr lang="de-DE"/>
+          </a:p>
+        </p:txBody>
+      </p:sp>
+    </p:spTree>
+    <p:extLst>
+      <p:ext uri="{BB962C8B-B14F-4D97-AF65-F5344CB8AC3E}">
+        <p14:creationId xmlns:p14="http://schemas.microsoft.com/office/powerpoint/2010/main" val="1579057789"/>
+      </p:ext>
+    </p:extLst>
+  </p:cSld>
+  <p:clrMap bg1="lt1" tx1="dk1" bg2="lt2" tx2="dk2" accent1="accent1" accent2="accent2" accent3="accent3" accent4="accent4" accent5="accent5" accent6="accent6" hlink="hlink" folHlink="folHlink"/>
+</p:handoutMaster>
+</file>
+
 <file path=ppt/notesMasters/notesMaster1.xml><?xml version="1.0" encoding="utf-8"?>
 <p:notesMaster xmlns:a="http://schemas.openxmlformats.org/drawingml/2006/main" xmlns:r="http://schemas.openxmlformats.org/officeDocument/2006/relationships" xmlns:p="http://schemas.openxmlformats.org/presentationml/2006/main">
   <p:cSld>
@@ -226,17 +418,17 @@
         <p:spPr>
           <a:xfrm>
             <a:off x="0" y="0"/>
-            <a:ext cx="2971800" cy="458788"/>
+            <a:ext cx="3077739" cy="513508"/>
           </a:xfrm>
           <a:prstGeom prst="rect">
             <a:avLst/>
           </a:prstGeom>
         </p:spPr>
         <p:txBody>
-          <a:bodyPr vert="horz" lIns="91440" tIns="45720" rIns="91440" bIns="45720" rtlCol="0"/>
+          <a:bodyPr vert="horz" lIns="99048" tIns="49524" rIns="99048" bIns="49524" rtlCol="0"/>
           <a:lstStyle>
             <a:lvl1pPr algn="l">
-              <a:defRPr sz="1200"/>
+              <a:defRPr sz="1300"/>
             </a:lvl1pPr>
           </a:lstStyle>
           <a:p>
@@ -256,24 +448,24 @@
         </p:nvSpPr>
         <p:spPr>
           <a:xfrm>
-            <a:off x="3884613" y="0"/>
-            <a:ext cx="2971800" cy="458788"/>
+            <a:off x="4023093" y="0"/>
+            <a:ext cx="3077739" cy="513508"/>
           </a:xfrm>
           <a:prstGeom prst="rect">
             <a:avLst/>
           </a:prstGeom>
         </p:spPr>
         <p:txBody>
-          <a:bodyPr vert="horz" lIns="91440" tIns="45720" rIns="91440" bIns="45720" rtlCol="0"/>
+          <a:bodyPr vert="horz" lIns="99048" tIns="49524" rIns="99048" bIns="49524" rtlCol="0"/>
           <a:lstStyle>
             <a:lvl1pPr algn="r">
-              <a:defRPr sz="1200"/>
+              <a:defRPr sz="1300"/>
             </a:lvl1pPr>
           </a:lstStyle>
           <a:p>
             <a:fld id="{C922F1C0-284A-44BB-BCF8-D8335E765857}" type="datetimeFigureOut">
               <a:rPr lang="de-DE" smtClean="0"/>
-              <a:t>16.01.2018</a:t>
+              <a:t>17.01.2018</a:t>
             </a:fld>
             <a:endParaRPr lang="de-DE"/>
           </a:p>
@@ -291,8 +483,8 @@
         </p:nvSpPr>
         <p:spPr>
           <a:xfrm>
-            <a:off x="685800" y="1143000"/>
-            <a:ext cx="5486400" cy="3086100"/>
+            <a:off x="481013" y="1279525"/>
+            <a:ext cx="6140450" cy="3454400"/>
           </a:xfrm>
           <a:prstGeom prst="rect">
             <a:avLst/>
@@ -305,7 +497,7 @@
           </a:ln>
         </p:spPr>
         <p:txBody>
-          <a:bodyPr vert="horz" lIns="91440" tIns="45720" rIns="91440" bIns="45720" rtlCol="0" anchor="ctr"/>
+          <a:bodyPr vert="horz" lIns="99048" tIns="49524" rIns="99048" bIns="49524" rtlCol="0" anchor="ctr"/>
           <a:lstStyle/>
           <a:p>
             <a:endParaRPr lang="de-DE"/>
@@ -324,15 +516,15 @@
         </p:nvSpPr>
         <p:spPr>
           <a:xfrm>
-            <a:off x="685800" y="4400550"/>
-            <a:ext cx="5486400" cy="3600450"/>
+            <a:off x="710248" y="4925408"/>
+            <a:ext cx="5681980" cy="4029879"/>
           </a:xfrm>
           <a:prstGeom prst="rect">
             <a:avLst/>
           </a:prstGeom>
         </p:spPr>
         <p:txBody>
-          <a:bodyPr vert="horz" lIns="91440" tIns="45720" rIns="91440" bIns="45720" rtlCol="0"/>
+          <a:bodyPr vert="horz" lIns="99048" tIns="49524" rIns="99048" bIns="49524" rtlCol="0"/>
           <a:lstStyle/>
           <a:p>
             <a:pPr lvl="0"/>
@@ -383,18 +575,18 @@
         </p:nvSpPr>
         <p:spPr>
           <a:xfrm>
-            <a:off x="0" y="8685213"/>
-            <a:ext cx="2971800" cy="458787"/>
+            <a:off x="0" y="9721108"/>
+            <a:ext cx="3077739" cy="513507"/>
           </a:xfrm>
           <a:prstGeom prst="rect">
             <a:avLst/>
           </a:prstGeom>
         </p:spPr>
         <p:txBody>
-          <a:bodyPr vert="horz" lIns="91440" tIns="45720" rIns="91440" bIns="45720" rtlCol="0" anchor="b"/>
+          <a:bodyPr vert="horz" lIns="99048" tIns="49524" rIns="99048" bIns="49524" rtlCol="0" anchor="b"/>
           <a:lstStyle>
             <a:lvl1pPr algn="l">
-              <a:defRPr sz="1200"/>
+              <a:defRPr sz="1300"/>
             </a:lvl1pPr>
           </a:lstStyle>
           <a:p>
@@ -414,18 +606,18 @@
         </p:nvSpPr>
         <p:spPr>
           <a:xfrm>
-            <a:off x="3884613" y="8685213"/>
-            <a:ext cx="2971800" cy="458787"/>
+            <a:off x="4023093" y="9721108"/>
+            <a:ext cx="3077739" cy="513507"/>
           </a:xfrm>
           <a:prstGeom prst="rect">
             <a:avLst/>
           </a:prstGeom>
         </p:spPr>
         <p:txBody>
-          <a:bodyPr vert="horz" lIns="91440" tIns="45720" rIns="91440" bIns="45720" rtlCol="0" anchor="b"/>
+          <a:bodyPr vert="horz" lIns="99048" tIns="49524" rIns="99048" bIns="49524" rtlCol="0" anchor="b"/>
           <a:lstStyle>
             <a:lvl1pPr algn="r">
-              <a:defRPr sz="1200"/>
+              <a:defRPr sz="1300"/>
             </a:lvl1pPr>
           </a:lstStyle>
           <a:p>
@@ -1094,7 +1286,7 @@
           <a:p>
             <a:fld id="{315E8A2F-5ED5-4549-BFB9-2BC329A69573}" type="datetime1">
               <a:rPr lang="de-AT" smtClean="0"/>
-              <a:t>16.01.2018</a:t>
+              <a:t>17.01.2018</a:t>
             </a:fld>
             <a:endParaRPr lang="de-DE"/>
           </a:p>
@@ -1268,7 +1460,7 @@
           <a:p>
             <a:fld id="{4E2DB17D-E469-4C49-AC3D-9CC6590B13DB}" type="datetime1">
               <a:rPr lang="de-AT" smtClean="0"/>
-              <a:t>16.01.2018</a:t>
+              <a:t>17.01.2018</a:t>
             </a:fld>
             <a:endParaRPr lang="de-DE"/>
           </a:p>
@@ -1502,7 +1694,7 @@
           <a:p>
             <a:fld id="{16948907-F387-4846-976A-483992721A9E}" type="datetime1">
               <a:rPr lang="de-AT" smtClean="0"/>
-              <a:t>16.01.2018</a:t>
+              <a:t>17.01.2018</a:t>
             </a:fld>
             <a:endParaRPr lang="de-DE"/>
           </a:p>
@@ -1711,7 +1903,7 @@
           <a:p>
             <a:fld id="{5816D8F1-3E92-45E9-82E1-886063832025}" type="datetime1">
               <a:rPr lang="de-AT" smtClean="0"/>
-              <a:t>16.01.2018</a:t>
+              <a:t>17.01.2018</a:t>
             </a:fld>
             <a:endParaRPr lang="de-DE"/>
           </a:p>
@@ -2011,7 +2203,7 @@
           <a:p>
             <a:fld id="{5CB4BD73-D578-4E9A-B2A7-9790786CF1B1}" type="datetime1">
               <a:rPr lang="de-AT" smtClean="0"/>
-              <a:t>16.01.2018</a:t>
+              <a:t>17.01.2018</a:t>
             </a:fld>
             <a:endParaRPr lang="de-DE"/>
           </a:p>
@@ -2247,7 +2439,7 @@
           <a:p>
             <a:fld id="{BA329A1D-E821-4279-BAFF-66EE62667191}" type="datetime1">
               <a:rPr lang="de-AT" smtClean="0"/>
-              <a:t>16.01.2018</a:t>
+              <a:t>17.01.2018</a:t>
             </a:fld>
             <a:endParaRPr lang="de-DE"/>
           </a:p>
@@ -2668,7 +2860,7 @@
           <a:p>
             <a:fld id="{1206C1CA-37BC-4152-B5C9-571384507DE7}" type="datetime1">
               <a:rPr lang="de-AT" smtClean="0"/>
-              <a:t>16.01.2018</a:t>
+              <a:t>17.01.2018</a:t>
             </a:fld>
             <a:endParaRPr lang="de-DE"/>
           </a:p>
@@ -2840,7 +3032,7 @@
           <a:p>
             <a:fld id="{BD3A2570-EF93-400E-BDF3-A18DF7DC9D38}" type="datetime1">
               <a:rPr lang="de-AT" smtClean="0"/>
-              <a:t>16.01.2018</a:t>
+              <a:t>17.01.2018</a:t>
             </a:fld>
             <a:endParaRPr lang="de-DE"/>
           </a:p>
@@ -2989,7 +3181,7 @@
           <a:p>
             <a:fld id="{D23263EF-E046-4C90-AA81-BD594F0F691A}" type="datetime1">
               <a:rPr lang="de-AT" smtClean="0"/>
-              <a:t>16.01.2018</a:t>
+              <a:t>17.01.2018</a:t>
             </a:fld>
             <a:endParaRPr lang="de-DE"/>
           </a:p>
@@ -3270,7 +3462,7 @@
           <a:p>
             <a:fld id="{AB483CCF-C2A3-43CA-85B9-625065A0A80B}" type="datetime1">
               <a:rPr lang="de-AT" smtClean="0"/>
-              <a:t>16.01.2018</a:t>
+              <a:t>17.01.2018</a:t>
             </a:fld>
             <a:endParaRPr lang="de-DE"/>
           </a:p>
@@ -3531,7 +3723,7 @@
           <a:p>
             <a:fld id="{532053B8-1FD2-4745-BAA5-FD0851A3DCDD}" type="datetime1">
               <a:rPr lang="de-AT" smtClean="0"/>
-              <a:t>16.01.2018</a:t>
+              <a:t>17.01.2018</a:t>
             </a:fld>
             <a:endParaRPr lang="de-DE"/>
           </a:p>
@@ -3758,7 +3950,7 @@
           <a:p>
             <a:fld id="{2AA8B81B-DC2D-46D5-A4FD-63984947327E}" type="datetime1">
               <a:rPr lang="de-AT" smtClean="0"/>
-              <a:t>16.01.2018</a:t>
+              <a:t>17.01.2018</a:t>
             </a:fld>
             <a:endParaRPr lang="de-DE" dirty="0"/>
           </a:p>
@@ -4328,7 +4520,7 @@
           <a:p>
             <a:fld id="{5816D8F1-3E92-45E9-82E1-886063832025}" type="datetime1">
               <a:rPr lang="de-AT" smtClean="0"/>
-              <a:t>16.01.2018</a:t>
+              <a:t>17.01.2018</a:t>
             </a:fld>
             <a:endParaRPr lang="de-DE"/>
           </a:p>
@@ -4590,7 +4782,7 @@
           <a:p>
             <a:fld id="{5816D8F1-3E92-45E9-82E1-886063832025}" type="datetime1">
               <a:rPr lang="de-AT" smtClean="0"/>
-              <a:t>16.01.2018</a:t>
+              <a:t>17.01.2018</a:t>
             </a:fld>
             <a:endParaRPr lang="de-DE"/>
           </a:p>
@@ -4824,7 +5016,7 @@
           <a:p>
             <a:fld id="{BA329A1D-E821-4279-BAFF-66EE62667191}" type="datetime1">
               <a:rPr lang="de-AT" smtClean="0"/>
-              <a:t>16.01.2018</a:t>
+              <a:t>17.01.2018</a:t>
             </a:fld>
             <a:endParaRPr lang="de-DE"/>
           </a:p>
@@ -5206,7 +5398,7 @@
           <a:p>
             <a:fld id="{5816D8F1-3E92-45E9-82E1-886063832025}" type="datetime1">
               <a:rPr lang="de-AT" smtClean="0"/>
-              <a:t>16.01.2018</a:t>
+              <a:t>17.01.2018</a:t>
             </a:fld>
             <a:endParaRPr lang="de-DE"/>
           </a:p>
@@ -5932,7 +6124,7 @@
           <a:p>
             <a:fld id="{5816D8F1-3E92-45E9-82E1-886063832025}" type="datetime1">
               <a:rPr lang="de-AT" smtClean="0"/>
-              <a:t>16.01.2018</a:t>
+              <a:t>17.01.2018</a:t>
             </a:fld>
             <a:endParaRPr lang="de-DE"/>
           </a:p>
@@ -6310,7 +6502,7 @@
           <a:p>
             <a:fld id="{5816D8F1-3E92-45E9-82E1-886063832025}" type="datetime1">
               <a:rPr lang="de-AT" smtClean="0"/>
-              <a:t>16.01.2018</a:t>
+              <a:t>17.01.2018</a:t>
             </a:fld>
             <a:endParaRPr lang="de-DE"/>
           </a:p>
@@ -6722,7 +6914,7 @@
           <a:p>
             <a:fld id="{5816D8F1-3E92-45E9-82E1-886063832025}" type="datetime1">
               <a:rPr lang="de-AT" smtClean="0"/>
-              <a:t>16.01.2018</a:t>
+              <a:t>17.01.2018</a:t>
             </a:fld>
             <a:endParaRPr lang="de-DE"/>
           </a:p>
@@ -7078,7 +7270,7 @@
           <a:p>
             <a:fld id="{5816D8F1-3E92-45E9-82E1-886063832025}" type="datetime1">
               <a:rPr lang="de-AT" smtClean="0"/>
-              <a:t>16.01.2018</a:t>
+              <a:t>17.01.2018</a:t>
             </a:fld>
             <a:endParaRPr lang="de-DE"/>
           </a:p>
@@ -7451,7 +7643,7 @@
           <a:p>
             <a:fld id="{5816D8F1-3E92-45E9-82E1-886063832025}" type="datetime1">
               <a:rPr lang="de-AT" smtClean="0"/>
-              <a:t>16.01.2018</a:t>
+              <a:t>17.01.2018</a:t>
             </a:fld>
             <a:endParaRPr lang="de-DE"/>
           </a:p>
@@ -7793,7 +7985,7 @@
           <a:p>
             <a:fld id="{5816D8F1-3E92-45E9-82E1-886063832025}" type="datetime1">
               <a:rPr lang="de-AT" smtClean="0"/>
-              <a:t>16.01.2018</a:t>
+              <a:t>17.01.2018</a:t>
             </a:fld>
             <a:endParaRPr lang="de-DE"/>
           </a:p>
@@ -8197,7 +8389,7 @@
           <a:p>
             <a:fld id="{5816D8F1-3E92-45E9-82E1-886063832025}" type="datetime1">
               <a:rPr lang="de-AT" smtClean="0"/>
-              <a:t>16.01.2018</a:t>
+              <a:t>17.01.2018</a:t>
             </a:fld>
             <a:endParaRPr lang="de-DE"/>
           </a:p>
@@ -8493,7 +8685,7 @@
           <a:p>
             <a:fld id="{5816D8F1-3E92-45E9-82E1-886063832025}" type="datetime1">
               <a:rPr lang="de-AT" smtClean="0"/>
-              <a:t>16.01.2018</a:t>
+              <a:t>17.01.2018</a:t>
             </a:fld>
             <a:endParaRPr lang="de-DE"/>
           </a:p>
@@ -8815,7 +9007,7 @@
           <a:p>
             <a:fld id="{5816D8F1-3E92-45E9-82E1-886063832025}" type="datetime1">
               <a:rPr lang="de-AT" smtClean="0"/>
-              <a:t>16.01.2018</a:t>
+              <a:t>17.01.2018</a:t>
             </a:fld>
             <a:endParaRPr lang="de-DE"/>
           </a:p>
@@ -9085,7 +9277,7 @@
           <a:p>
             <a:fld id="{5816D8F1-3E92-45E9-82E1-886063832025}" type="datetime1">
               <a:rPr lang="de-AT" smtClean="0"/>
-              <a:t>16.01.2018</a:t>
+              <a:t>17.01.2018</a:t>
             </a:fld>
             <a:endParaRPr lang="de-DE"/>
           </a:p>
@@ -9319,7 +9511,7 @@
           <a:p>
             <a:fld id="{5816D8F1-3E92-45E9-82E1-886063832025}" type="datetime1">
               <a:rPr lang="de-AT" smtClean="0"/>
-              <a:t>16.01.2018</a:t>
+              <a:t>17.01.2018</a:t>
             </a:fld>
             <a:endParaRPr lang="de-DE"/>
           </a:p>
@@ -9600,7 +9792,7 @@
           <a:p>
             <a:fld id="{5816D8F1-3E92-45E9-82E1-886063832025}" type="datetime1">
               <a:rPr lang="de-AT" smtClean="0"/>
-              <a:t>16.01.2018</a:t>
+              <a:t>17.01.2018</a:t>
             </a:fld>
             <a:endParaRPr lang="de-DE"/>
           </a:p>
@@ -10759,7 +10951,7 @@
           <a:p>
             <a:fld id="{5816D8F1-3E92-45E9-82E1-886063832025}" type="datetime1">
               <a:rPr lang="de-AT" smtClean="0"/>
-              <a:t>16.01.2018</a:t>
+              <a:t>17.01.2018</a:t>
             </a:fld>
             <a:endParaRPr lang="de-DE"/>
           </a:p>
@@ -11678,7 +11870,7 @@
           <a:p>
             <a:fld id="{5816D8F1-3E92-45E9-82E1-886063832025}" type="datetime1">
               <a:rPr lang="de-AT" smtClean="0"/>
-              <a:t>16.01.2018</a:t>
+              <a:t>17.01.2018</a:t>
             </a:fld>
             <a:endParaRPr lang="de-DE"/>
           </a:p>
@@ -12468,6 +12660,14 @@
               </a:rPr>
               <a:t>Online-Beispiel</a:t>
             </a:r>
+            <a:r>
+              <a:rPr lang="de-DE" dirty="0"/>
+              <a:t> </a:t>
+            </a:r>
+            <a:r>
+              <a:rPr lang="de-DE" sz="1200" dirty="0"/>
+              <a:t>(https://anders.com/blockchain/blockchain.html)</a:t>
+            </a:r>
             <a:endParaRPr lang="de-DE" dirty="0"/>
           </a:p>
           <a:p>
@@ -12513,7 +12713,7 @@
           <a:p>
             <a:fld id="{5816D8F1-3E92-45E9-82E1-886063832025}" type="datetime1">
               <a:rPr lang="de-AT" smtClean="0"/>
-              <a:t>16.01.2018</a:t>
+              <a:t>17.01.2018</a:t>
             </a:fld>
             <a:endParaRPr lang="de-DE"/>
           </a:p>
@@ -14803,7 +15003,7 @@
           <a:p>
             <a:fld id="{5816D8F1-3E92-45E9-82E1-886063832025}" type="datetime1">
               <a:rPr lang="de-AT" smtClean="0"/>
-              <a:t>16.01.2018</a:t>
+              <a:t>17.01.2018</a:t>
             </a:fld>
             <a:endParaRPr lang="de-DE"/>
           </a:p>
@@ -15151,7 +15351,7 @@
           <a:p>
             <a:fld id="{5816D8F1-3E92-45E9-82E1-886063832025}" type="datetime1">
               <a:rPr lang="de-AT" smtClean="0"/>
-              <a:t>16.01.2018</a:t>
+              <a:t>17.01.2018</a:t>
             </a:fld>
             <a:endParaRPr lang="de-DE"/>
           </a:p>
@@ -15956,4 +16156,299 @@
     </a:ext>
   </a:extLst>
 </a:theme>
+</file>
+
+<file path=ppt/theme/theme3.xml><?xml version="1.0" encoding="utf-8"?>
+<a:theme xmlns:a="http://schemas.openxmlformats.org/drawingml/2006/main" name="Office">
+  <a:themeElements>
+    <a:clrScheme name="Office">
+      <a:dk1>
+        <a:sysClr val="windowText" lastClr="000000"/>
+      </a:dk1>
+      <a:lt1>
+        <a:sysClr val="window" lastClr="FFFFFF"/>
+      </a:lt1>
+      <a:dk2>
+        <a:srgbClr val="44546A"/>
+      </a:dk2>
+      <a:lt2>
+        <a:srgbClr val="E7E6E6"/>
+      </a:lt2>
+      <a:accent1>
+        <a:srgbClr val="4472C4"/>
+      </a:accent1>
+      <a:accent2>
+        <a:srgbClr val="ED7D31"/>
+      </a:accent2>
+      <a:accent3>
+        <a:srgbClr val="A5A5A5"/>
+      </a:accent3>
+      <a:accent4>
+        <a:srgbClr val="FFC000"/>
+      </a:accent4>
+      <a:accent5>
+        <a:srgbClr val="5B9BD5"/>
+      </a:accent5>
+      <a:accent6>
+        <a:srgbClr val="70AD47"/>
+      </a:accent6>
+      <a:hlink>
+        <a:srgbClr val="0563C1"/>
+      </a:hlink>
+      <a:folHlink>
+        <a:srgbClr val="954F72"/>
+      </a:folHlink>
+    </a:clrScheme>
+    <a:fontScheme name="Office">
+      <a:majorFont>
+        <a:latin typeface="Calibri Light" panose="020F0302020204030204"/>
+        <a:ea typeface=""/>
+        <a:cs typeface=""/>
+        <a:font script="Jpan" typeface="游ゴシック Light"/>
+        <a:font script="Hang" typeface="맑은 고딕"/>
+        <a:font script="Hans" typeface="等线 Light"/>
+        <a:font script="Hant" typeface="新細明體"/>
+        <a:font script="Arab" typeface="Times New Roman"/>
+        <a:font script="Hebr" typeface="Times New Roman"/>
+        <a:font script="Thai" typeface="Angsana New"/>
+        <a:font script="Ethi" typeface="Nyala"/>
+        <a:font script="Beng" typeface="Vrinda"/>
+        <a:font script="Gujr" typeface="Shruti"/>
+        <a:font script="Khmr" typeface="MoolBoran"/>
+        <a:font script="Knda" typeface="Tunga"/>
+        <a:font script="Guru" typeface="Raavi"/>
+        <a:font script="Cans" typeface="Euphemia"/>
+        <a:font script="Cher" typeface="Plantagenet Cherokee"/>
+        <a:font script="Yiii" typeface="Microsoft Yi Baiti"/>
+        <a:font script="Tibt" typeface="Microsoft Himalaya"/>
+        <a:font script="Thaa" typeface="MV Boli"/>
+        <a:font script="Deva" typeface="Mangal"/>
+        <a:font script="Telu" typeface="Gautami"/>
+        <a:font script="Taml" typeface="Latha"/>
+        <a:font script="Syrc" typeface="Estrangelo Edessa"/>
+        <a:font script="Orya" typeface="Kalinga"/>
+        <a:font script="Mlym" typeface="Kartika"/>
+        <a:font script="Laoo" typeface="DokChampa"/>
+        <a:font script="Sinh" typeface="Iskoola Pota"/>
+        <a:font script="Mong" typeface="Mongolian Baiti"/>
+        <a:font script="Viet" typeface="Times New Roman"/>
+        <a:font script="Uigh" typeface="Microsoft Uighur"/>
+        <a:font script="Geor" typeface="Sylfaen"/>
+        <a:font script="Armn" typeface="Arial"/>
+        <a:font script="Bugi" typeface="Leelawadee UI"/>
+        <a:font script="Bopo" typeface="Microsoft JhengHei"/>
+        <a:font script="Java" typeface="Javanese Text"/>
+        <a:font script="Lisu" typeface="Segoe UI"/>
+        <a:font script="Mymr" typeface="Myanmar Text"/>
+        <a:font script="Nkoo" typeface="Ebrima"/>
+        <a:font script="Olck" typeface="Nirmala UI"/>
+        <a:font script="Osma" typeface="Ebrima"/>
+        <a:font script="Phag" typeface="Phagspa"/>
+        <a:font script="Syrn" typeface="Estrangelo Edessa"/>
+        <a:font script="Syrj" typeface="Estrangelo Edessa"/>
+        <a:font script="Syre" typeface="Estrangelo Edessa"/>
+        <a:font script="Sora" typeface="Nirmala UI"/>
+        <a:font script="Tale" typeface="Microsoft Tai Le"/>
+        <a:font script="Talu" typeface="Microsoft New Tai Lue"/>
+        <a:font script="Tfng" typeface="Ebrima"/>
+      </a:majorFont>
+      <a:minorFont>
+        <a:latin typeface="Calibri" panose="020F0502020204030204"/>
+        <a:ea typeface=""/>
+        <a:cs typeface=""/>
+        <a:font script="Jpan" typeface="游ゴシック"/>
+        <a:font script="Hang" typeface="맑은 고딕"/>
+        <a:font script="Hans" typeface="等线"/>
+        <a:font script="Hant" typeface="新細明體"/>
+        <a:font script="Arab" typeface="Arial"/>
+        <a:font script="Hebr" typeface="Arial"/>
+        <a:font script="Thai" typeface="Cordia New"/>
+        <a:font script="Ethi" typeface="Nyala"/>
+        <a:font script="Beng" typeface="Vrinda"/>
+        <a:font script="Gujr" typeface="Shruti"/>
+        <a:font script="Khmr" typeface="DaunPenh"/>
+        <a:font script="Knda" typeface="Tunga"/>
+        <a:font script="Guru" typeface="Raavi"/>
+        <a:font script="Cans" typeface="Euphemia"/>
+        <a:font script="Cher" typeface="Plantagenet Cherokee"/>
+        <a:font script="Yiii" typeface="Microsoft Yi Baiti"/>
+        <a:font script="Tibt" typeface="Microsoft Himalaya"/>
+        <a:font script="Thaa" typeface="MV Boli"/>
+        <a:font script="Deva" typeface="Mangal"/>
+        <a:font script="Telu" typeface="Gautami"/>
+        <a:font script="Taml" typeface="Latha"/>
+        <a:font script="Syrc" typeface="Estrangelo Edessa"/>
+        <a:font script="Orya" typeface="Kalinga"/>
+        <a:font script="Mlym" typeface="Kartika"/>
+        <a:font script="Laoo" typeface="DokChampa"/>
+        <a:font script="Sinh" typeface="Iskoola Pota"/>
+        <a:font script="Mong" typeface="Mongolian Baiti"/>
+        <a:font script="Viet" typeface="Arial"/>
+        <a:font script="Uigh" typeface="Microsoft Uighur"/>
+        <a:font script="Geor" typeface="Sylfaen"/>
+        <a:font script="Armn" typeface="Arial"/>
+        <a:font script="Bugi" typeface="Leelawadee UI"/>
+        <a:font script="Bopo" typeface="Microsoft JhengHei"/>
+        <a:font script="Java" typeface="Javanese Text"/>
+        <a:font script="Lisu" typeface="Segoe UI"/>
+        <a:font script="Mymr" typeface="Myanmar Text"/>
+        <a:font script="Nkoo" typeface="Ebrima"/>
+        <a:font script="Olck" typeface="Nirmala UI"/>
+        <a:font script="Osma" typeface="Ebrima"/>
+        <a:font script="Phag" typeface="Phagspa"/>
+        <a:font script="Syrn" typeface="Estrangelo Edessa"/>
+        <a:font script="Syrj" typeface="Estrangelo Edessa"/>
+        <a:font script="Syre" typeface="Estrangelo Edessa"/>
+        <a:font script="Sora" typeface="Nirmala UI"/>
+        <a:font script="Tale" typeface="Microsoft Tai Le"/>
+        <a:font script="Talu" typeface="Microsoft New Tai Lue"/>
+        <a:font script="Tfng" typeface="Ebrima"/>
+      </a:minorFont>
+    </a:fontScheme>
+    <a:fmtScheme name="Office">
+      <a:fillStyleLst>
+        <a:solidFill>
+          <a:schemeClr val="phClr"/>
+        </a:solidFill>
+        <a:gradFill rotWithShape="1">
+          <a:gsLst>
+            <a:gs pos="0">
+              <a:schemeClr val="phClr">
+                <a:lumMod val="110000"/>
+                <a:satMod val="105000"/>
+                <a:tint val="67000"/>
+              </a:schemeClr>
+            </a:gs>
+            <a:gs pos="50000">
+              <a:schemeClr val="phClr">
+                <a:lumMod val="105000"/>
+                <a:satMod val="103000"/>
+                <a:tint val="73000"/>
+              </a:schemeClr>
+            </a:gs>
+            <a:gs pos="100000">
+              <a:schemeClr val="phClr">
+                <a:lumMod val="105000"/>
+                <a:satMod val="109000"/>
+                <a:tint val="81000"/>
+              </a:schemeClr>
+            </a:gs>
+          </a:gsLst>
+          <a:lin ang="5400000" scaled="0"/>
+        </a:gradFill>
+        <a:gradFill rotWithShape="1">
+          <a:gsLst>
+            <a:gs pos="0">
+              <a:schemeClr val="phClr">
+                <a:satMod val="103000"/>
+                <a:lumMod val="102000"/>
+                <a:tint val="94000"/>
+              </a:schemeClr>
+            </a:gs>
+            <a:gs pos="50000">
+              <a:schemeClr val="phClr">
+                <a:satMod val="110000"/>
+                <a:lumMod val="100000"/>
+                <a:shade val="100000"/>
+              </a:schemeClr>
+            </a:gs>
+            <a:gs pos="100000">
+              <a:schemeClr val="phClr">
+                <a:lumMod val="99000"/>
+                <a:satMod val="120000"/>
+                <a:shade val="78000"/>
+              </a:schemeClr>
+            </a:gs>
+          </a:gsLst>
+          <a:lin ang="5400000" scaled="0"/>
+        </a:gradFill>
+      </a:fillStyleLst>
+      <a:lnStyleLst>
+        <a:ln w="6350" cap="flat" cmpd="sng" algn="ctr">
+          <a:solidFill>
+            <a:schemeClr val="phClr"/>
+          </a:solidFill>
+          <a:prstDash val="solid"/>
+          <a:miter lim="800000"/>
+        </a:ln>
+        <a:ln w="12700" cap="flat" cmpd="sng" algn="ctr">
+          <a:solidFill>
+            <a:schemeClr val="phClr"/>
+          </a:solidFill>
+          <a:prstDash val="solid"/>
+          <a:miter lim="800000"/>
+        </a:ln>
+        <a:ln w="19050" cap="flat" cmpd="sng" algn="ctr">
+          <a:solidFill>
+            <a:schemeClr val="phClr"/>
+          </a:solidFill>
+          <a:prstDash val="solid"/>
+          <a:miter lim="800000"/>
+        </a:ln>
+      </a:lnStyleLst>
+      <a:effectStyleLst>
+        <a:effectStyle>
+          <a:effectLst/>
+        </a:effectStyle>
+        <a:effectStyle>
+          <a:effectLst/>
+        </a:effectStyle>
+        <a:effectStyle>
+          <a:effectLst>
+            <a:outerShdw blurRad="57150" dist="19050" dir="5400000" algn="ctr" rotWithShape="0">
+              <a:srgbClr val="000000">
+                <a:alpha val="63000"/>
+              </a:srgbClr>
+            </a:outerShdw>
+          </a:effectLst>
+        </a:effectStyle>
+      </a:effectStyleLst>
+      <a:bgFillStyleLst>
+        <a:solidFill>
+          <a:schemeClr val="phClr"/>
+        </a:solidFill>
+        <a:solidFill>
+          <a:schemeClr val="phClr">
+            <a:tint val="95000"/>
+            <a:satMod val="170000"/>
+          </a:schemeClr>
+        </a:solidFill>
+        <a:gradFill rotWithShape="1">
+          <a:gsLst>
+            <a:gs pos="0">
+              <a:schemeClr val="phClr">
+                <a:tint val="93000"/>
+                <a:satMod val="150000"/>
+                <a:shade val="98000"/>
+                <a:lumMod val="102000"/>
+              </a:schemeClr>
+            </a:gs>
+            <a:gs pos="50000">
+              <a:schemeClr val="phClr">
+                <a:tint val="98000"/>
+                <a:satMod val="130000"/>
+                <a:shade val="90000"/>
+                <a:lumMod val="103000"/>
+              </a:schemeClr>
+            </a:gs>
+            <a:gs pos="100000">
+              <a:schemeClr val="phClr">
+                <a:shade val="63000"/>
+                <a:satMod val="120000"/>
+              </a:schemeClr>
+            </a:gs>
+          </a:gsLst>
+          <a:lin ang="5400000" scaled="0"/>
+        </a:gradFill>
+      </a:bgFillStyleLst>
+    </a:fmtScheme>
+  </a:themeElements>
+  <a:objectDefaults/>
+  <a:extraClrSchemeLst/>
+  <a:extLst>
+    <a:ext uri="{05A4C25C-085E-4340-85A3-A5531E510DB2}">
+      <thm15:themeFamily xmlns:thm15="http://schemas.microsoft.com/office/thememl/2012/main" name="Office Theme" id="{62F939B6-93AF-4DB8-9C6B-D6C7DFDC589F}" vid="{4A3C46E8-61CC-4603-A589-7422A47A8E4A}"/>
+    </a:ext>
+  </a:extLst>
+</a:theme>
 </file>